--- a/Macro-Mania.pptx
+++ b/Macro-Mania.pptx
@@ -6521,12 +6521,6 @@
         <p:txBody>
           <a:bodyPr/>
           <a:lstStyle/>
-          <a:p>
-            <a:r>
-              <a:rPr lang="en-US" dirty="0" smtClean="0"/>
-              <a:t>Making your computer do your work so you can go surfing</a:t>
-            </a:r>
-          </a:p>
           <a:p>
             <a:endParaRPr lang="en-US" dirty="0" smtClean="0"/>
           </a:p>
@@ -8118,11 +8112,7 @@
             <a:pPr algn="r"/>
             <a:r>
               <a:rPr lang="en-US" sz="1600" dirty="0" smtClean="0"/>
-              <a:t>“</a:t>
-            </a:r>
-            <a:r>
-              <a:rPr lang="en-US" sz="1600" dirty="0" smtClean="0"/>
-              <a:t>Think: </a:t>
+              <a:t>“Think: </a:t>
             </a:r>
             <a:r>
               <a:rPr lang="en-US" sz="1600" dirty="0" smtClean="0">
@@ -9149,7 +9139,15 @@
           <a:p>
             <a:r>
               <a:rPr lang="en-US" dirty="0" smtClean="0"/>
-              <a:t>Does anyone headers?</a:t>
+              <a:t>Does </a:t>
+            </a:r>
+            <a:r>
+              <a:rPr lang="en-US" dirty="0" smtClean="0"/>
+              <a:t>anyone read </a:t>
+            </a:r>
+            <a:r>
+              <a:rPr lang="en-US" dirty="0" smtClean="0"/>
+              <a:t>headers?</a:t>
             </a:r>
             <a:endParaRPr lang="en-US" dirty="0"/>
           </a:p>
@@ -9222,11 +9220,7 @@
             <a:pPr algn="r"/>
             <a:r>
               <a:rPr lang="en-US" sz="1600" dirty="0" smtClean="0"/>
-              <a:t>“</a:t>
-            </a:r>
-            <a:r>
-              <a:rPr lang="en-US" sz="1600" dirty="0" smtClean="0"/>
-              <a:t>Think: </a:t>
+              <a:t>“Think: </a:t>
             </a:r>
             <a:r>
               <a:rPr lang="en-US" sz="1600" dirty="0" smtClean="0">
@@ -9507,7 +9501,15 @@
           <a:p>
             <a:r>
               <a:rPr lang="en-US" dirty="0" smtClean="0"/>
-              <a:t>Does anyone headers?</a:t>
+              <a:t>Does </a:t>
+            </a:r>
+            <a:r>
+              <a:rPr lang="en-US" dirty="0" smtClean="0"/>
+              <a:t>anyone read </a:t>
+            </a:r>
+            <a:r>
+              <a:rPr lang="en-US" dirty="0" smtClean="0"/>
+              <a:t>headers?</a:t>
             </a:r>
             <a:endParaRPr lang="en-US" dirty="0"/>
           </a:p>
@@ -9578,11 +9580,7 @@
             <a:pPr algn="r"/>
             <a:r>
               <a:rPr lang="en-US" sz="1600" dirty="0" smtClean="0"/>
-              <a:t>“</a:t>
-            </a:r>
-            <a:r>
-              <a:rPr lang="en-US" sz="1600" dirty="0" smtClean="0"/>
-              <a:t>Think: </a:t>
+              <a:t>“Think: </a:t>
             </a:r>
             <a:r>
               <a:rPr lang="en-US" sz="1600" dirty="0" smtClean="0">
@@ -9641,7 +9639,7 @@
         <p:spPr>
           <a:xfrm>
             <a:off x="155275" y="2145109"/>
-            <a:ext cx="3381555" cy="1015663"/>
+            <a:ext cx="3381555" cy="769441"/>
           </a:xfrm>
           <a:prstGeom prst="rect">
             <a:avLst/>
@@ -9655,10 +9653,10 @@
           <a:lstStyle/>
           <a:p>
             <a:r>
-              <a:rPr lang="en-US" sz="6000" dirty="0" smtClean="0"/>
+              <a:rPr lang="en-US" sz="4400" dirty="0" smtClean="0"/>
               <a:t>_FRONT</a:t>
             </a:r>
-            <a:endParaRPr lang="en-US" sz="6000" dirty="0"/>
+            <a:endParaRPr lang="en-US" sz="4400" dirty="0"/>
           </a:p>
         </p:txBody>
       </p:sp>
@@ -9670,8 +9668,8 @@
         </p:nvSpPr>
         <p:spPr>
           <a:xfrm>
-            <a:off x="155268" y="3065267"/>
-            <a:ext cx="2700075" cy="1015663"/>
+            <a:off x="181147" y="2858233"/>
+            <a:ext cx="2700075" cy="769441"/>
           </a:xfrm>
           <a:prstGeom prst="rect">
             <a:avLst/>
@@ -9685,10 +9683,10 @@
           <a:lstStyle/>
           <a:p>
             <a:r>
-              <a:rPr lang="en-US" sz="6000" dirty="0" smtClean="0"/>
+              <a:rPr lang="en-US" sz="4400" dirty="0" smtClean="0"/>
               <a:t>_TOP</a:t>
             </a:r>
-            <a:endParaRPr lang="en-US" sz="6000" dirty="0"/>
+            <a:endParaRPr lang="en-US" sz="4400" dirty="0"/>
           </a:p>
         </p:txBody>
       </p:sp>
@@ -9700,7 +9698,7 @@
         </p:nvSpPr>
         <p:spPr>
           <a:xfrm>
-            <a:off x="5158596" y="1984080"/>
+            <a:off x="5331123" y="1854684"/>
             <a:ext cx="3355676" cy="523220"/>
           </a:xfrm>
           <a:prstGeom prst="rect">
@@ -9753,8 +9751,8 @@
         </p:nvSpPr>
         <p:spPr>
           <a:xfrm>
-            <a:off x="155276" y="4045808"/>
-            <a:ext cx="1854680" cy="1015663"/>
+            <a:off x="198408" y="3554102"/>
+            <a:ext cx="1854680" cy="769441"/>
           </a:xfrm>
           <a:prstGeom prst="rect">
             <a:avLst/>
@@ -9768,10 +9766,10 @@
           <a:lstStyle/>
           <a:p>
             <a:r>
-              <a:rPr lang="en-US" sz="6000" dirty="0" smtClean="0"/>
+              <a:rPr lang="en-US" sz="4400" dirty="0" smtClean="0"/>
               <a:t>_FIT</a:t>
             </a:r>
-            <a:endParaRPr lang="en-US" sz="6000" dirty="0"/>
+            <a:endParaRPr lang="en-US" sz="4400" dirty="0"/>
           </a:p>
         </p:txBody>
       </p:sp>
@@ -9783,7 +9781,7 @@
         </p:nvSpPr>
         <p:spPr>
           <a:xfrm>
-            <a:off x="3280807" y="4590070"/>
+            <a:off x="2271513" y="3960342"/>
             <a:ext cx="2501006" cy="369332"/>
           </a:xfrm>
           <a:prstGeom prst="rect">
@@ -9804,15 +9802,7 @@
             </a:r>
             <a:r>
               <a:rPr lang="en-US" dirty="0" smtClean="0"/>
-              <a:t> fit model </a:t>
-            </a:r>
-            <a:r>
-              <a:rPr lang="en-US" dirty="0" smtClean="0"/>
-              <a:t>in the </a:t>
-            </a:r>
-            <a:r>
-              <a:rPr lang="en-US" dirty="0" smtClean="0"/>
-              <a:t>view</a:t>
+              <a:t> fit model in the view</a:t>
             </a:r>
             <a:endParaRPr lang="en-US" dirty="0"/>
           </a:p>
@@ -9826,8 +9816,8 @@
         </p:nvSpPr>
         <p:spPr>
           <a:xfrm>
-            <a:off x="3289433" y="3580775"/>
-            <a:ext cx="3065263" cy="369332"/>
+            <a:off x="2271513" y="3227091"/>
+            <a:ext cx="2749471" cy="338554"/>
           </a:xfrm>
           <a:prstGeom prst="rect">
             <a:avLst/>
@@ -9840,16 +9830,16 @@
           <a:lstStyle/>
           <a:p>
             <a:r>
-              <a:rPr lang="en-US" dirty="0" smtClean="0">
+              <a:rPr lang="en-US" sz="1600" dirty="0" smtClean="0">
                 <a:sym typeface="Wingdings" pitchFamily="2" charset="2"/>
               </a:rPr>
               <a:t></a:t>
             </a:r>
             <a:r>
-              <a:rPr lang="en-US" dirty="0" smtClean="0"/>
+              <a:rPr lang="en-US" sz="1600" dirty="0" smtClean="0"/>
               <a:t> view model from the front</a:t>
             </a:r>
-            <a:endParaRPr lang="en-US" dirty="0"/>
+            <a:endParaRPr lang="en-US" sz="1600" dirty="0"/>
           </a:p>
         </p:txBody>
       </p:sp>
@@ -9861,8 +9851,8 @@
         </p:nvSpPr>
         <p:spPr>
           <a:xfrm>
-            <a:off x="3289433" y="2649117"/>
-            <a:ext cx="3065263" cy="369332"/>
+            <a:off x="2271513" y="2493842"/>
+            <a:ext cx="2749471" cy="338554"/>
           </a:xfrm>
           <a:prstGeom prst="rect">
             <a:avLst/>
@@ -9875,16 +9865,16 @@
           <a:lstStyle/>
           <a:p>
             <a:r>
-              <a:rPr lang="en-US" dirty="0" smtClean="0">
+              <a:rPr lang="en-US" sz="1600" dirty="0" smtClean="0">
                 <a:sym typeface="Wingdings" pitchFamily="2" charset="2"/>
               </a:rPr>
               <a:t></a:t>
             </a:r>
             <a:r>
-              <a:rPr lang="en-US" dirty="0" smtClean="0"/>
+              <a:rPr lang="en-US" sz="1600" dirty="0" smtClean="0"/>
               <a:t> view model from the front</a:t>
             </a:r>
-            <a:endParaRPr lang="en-US" dirty="0"/>
+            <a:endParaRPr lang="en-US" sz="1600" dirty="0"/>
           </a:p>
         </p:txBody>
       </p:sp>
@@ -9993,7 +9983,7 @@
         </p:nvSpPr>
         <p:spPr>
           <a:xfrm>
-            <a:off x="457200" y="6132274"/>
+            <a:off x="439948" y="6184032"/>
             <a:ext cx="1035170" cy="253916"/>
           </a:xfrm>
           <a:prstGeom prst="rect">
@@ -10008,11 +9998,7 @@
           <a:p>
             <a:r>
               <a:rPr lang="en-US" sz="1050" b="1" dirty="0" smtClean="0"/>
-              <a:t>Guru Bonus</a:t>
-            </a:r>
-            <a:r>
-              <a:rPr lang="en-US" sz="1050" b="1" dirty="0" smtClean="0"/>
-              <a:t>:</a:t>
+              <a:t>Guru Bonus:</a:t>
             </a:r>
             <a:endParaRPr lang="en-US" sz="1050" dirty="0"/>
           </a:p>
@@ -10041,11 +10027,7 @@
           <a:p>
             <a:r>
               <a:rPr lang="en-US" sz="1100" dirty="0" smtClean="0"/>
-              <a:t>I </a:t>
-            </a:r>
-            <a:r>
-              <a:rPr lang="en-US" sz="1100" dirty="0" smtClean="0"/>
-              <a:t>have one of the extra buttons on my mouse set to “return” that way in order to quickly refresh the screen, all I have to do is type “g” and press a button, Horary </a:t>
+              <a:t>I have one of the extra buttons on my mouse set to “return” that way in order to quickly refresh the screen, all I have to do is type “g” and press a button, Horary </a:t>
             </a:r>
             <a:r>
               <a:rPr lang="en-US" sz="1100" dirty="0" err="1" smtClean="0"/>
@@ -10082,13 +10064,138 @@
           <a:p>
             <a:r>
               <a:rPr lang="en-US" sz="1100" dirty="0" smtClean="0"/>
-              <a:t>You may think it’s crazy to create a macro that does exactly the same thing as /rep, however, those typing those extra letters ads up. </a:t>
-            </a:r>
-            <a:r>
-              <a:rPr lang="en-US" sz="1100" dirty="0" smtClean="0"/>
-              <a:t>I chose g because it’s not used for anything else, and it’s on the home row.</a:t>
-            </a:r>
-            <a:endParaRPr lang="en-US" sz="1100" dirty="0" smtClean="0"/>
+              <a:t>You may think it’s crazy to create a macro that does exactly the same thing as /rep, however, those typing those extra letters ads up. I chose g because it’s not used for anything else, and it’s on the home row.</a:t>
+            </a:r>
+          </a:p>
+        </p:txBody>
+      </p:sp>
+      <p:sp>
+        <p:nvSpPr>
+          <p:cNvPr id="19" name="TextBox 18"/>
+          <p:cNvSpPr txBox="1"/>
+          <p:nvPr/>
+        </p:nvSpPr>
+        <p:spPr>
+          <a:xfrm>
+            <a:off x="195531" y="4316091"/>
+            <a:ext cx="3381555" cy="769441"/>
+          </a:xfrm>
+          <a:prstGeom prst="rect">
+            <a:avLst/>
+          </a:prstGeom>
+          <a:noFill/>
+        </p:spPr>
+        <p:txBody>
+          <a:bodyPr wrap="square" rtlCol="0">
+            <a:spAutoFit/>
+          </a:bodyPr>
+          <a:lstStyle/>
+          <a:p>
+            <a:r>
+              <a:rPr lang="en-US" sz="4400" dirty="0" smtClean="0"/>
+              <a:t>_RIGHT</a:t>
+            </a:r>
+            <a:endParaRPr lang="en-US" sz="4400" dirty="0"/>
+          </a:p>
+        </p:txBody>
+      </p:sp>
+      <p:sp>
+        <p:nvSpPr>
+          <p:cNvPr id="23" name="TextBox 22"/>
+          <p:cNvSpPr txBox="1"/>
+          <p:nvPr/>
+        </p:nvSpPr>
+        <p:spPr>
+          <a:xfrm>
+            <a:off x="4741645" y="4316091"/>
+            <a:ext cx="2700075" cy="769441"/>
+          </a:xfrm>
+          <a:prstGeom prst="rect">
+            <a:avLst/>
+          </a:prstGeom>
+          <a:noFill/>
+        </p:spPr>
+        <p:txBody>
+          <a:bodyPr wrap="square" rtlCol="0">
+            <a:spAutoFit/>
+          </a:bodyPr>
+          <a:lstStyle/>
+          <a:p>
+            <a:r>
+              <a:rPr lang="en-US" sz="4400" dirty="0" smtClean="0"/>
+              <a:t>_LEFT</a:t>
+            </a:r>
+            <a:endParaRPr lang="en-US" sz="4400" dirty="0"/>
+          </a:p>
+        </p:txBody>
+      </p:sp>
+      <p:sp>
+        <p:nvSpPr>
+          <p:cNvPr id="24" name="Rectangle 23"/>
+          <p:cNvSpPr/>
+          <p:nvPr/>
+        </p:nvSpPr>
+        <p:spPr>
+          <a:xfrm>
+            <a:off x="6394529" y="4695653"/>
+            <a:ext cx="2749471" cy="338554"/>
+          </a:xfrm>
+          <a:prstGeom prst="rect">
+            <a:avLst/>
+          </a:prstGeom>
+        </p:spPr>
+        <p:txBody>
+          <a:bodyPr wrap="none">
+            <a:spAutoFit/>
+          </a:bodyPr>
+          <a:lstStyle/>
+          <a:p>
+            <a:r>
+              <a:rPr lang="en-US" sz="1600" dirty="0" smtClean="0">
+                <a:sym typeface="Wingdings" pitchFamily="2" charset="2"/>
+              </a:rPr>
+              <a:t></a:t>
+            </a:r>
+            <a:r>
+              <a:rPr lang="en-US" sz="1600" dirty="0" smtClean="0"/>
+              <a:t> view model from the front</a:t>
+            </a:r>
+            <a:endParaRPr lang="en-US" sz="1600" dirty="0"/>
+          </a:p>
+        </p:txBody>
+      </p:sp>
+      <p:sp>
+        <p:nvSpPr>
+          <p:cNvPr id="25" name="Rectangle 24"/>
+          <p:cNvSpPr/>
+          <p:nvPr/>
+        </p:nvSpPr>
+        <p:spPr>
+          <a:xfrm>
+            <a:off x="2277263" y="4695653"/>
+            <a:ext cx="2419252" cy="307777"/>
+          </a:xfrm>
+          <a:prstGeom prst="rect">
+            <a:avLst/>
+          </a:prstGeom>
+        </p:spPr>
+        <p:txBody>
+          <a:bodyPr wrap="none">
+            <a:spAutoFit/>
+          </a:bodyPr>
+          <a:lstStyle/>
+          <a:p>
+            <a:r>
+              <a:rPr lang="en-US" sz="1400" dirty="0" smtClean="0">
+                <a:sym typeface="Wingdings" pitchFamily="2" charset="2"/>
+              </a:rPr>
+              <a:t></a:t>
+            </a:r>
+            <a:r>
+              <a:rPr lang="en-US" sz="1400" dirty="0" smtClean="0"/>
+              <a:t> view model from the front</a:t>
+            </a:r>
+            <a:endParaRPr lang="en-US" sz="1400" dirty="0"/>
           </a:p>
         </p:txBody>
       </p:sp>
@@ -10392,7 +10499,34 @@
                                           </p:stCondLst>
                                         </p:cTn>
                                         <p:tgtEl>
-                                          <p:spTgt spid="9"/>
+                                          <p:spTgt spid="19"/>
+                                        </p:tgtEl>
+                                        <p:attrNameLst>
+                                          <p:attrName>style.visibility</p:attrName>
+                                        </p:attrNameLst>
+                                      </p:cBhvr>
+                                      <p:to>
+                                        <p:strVal val="visible"/>
+                                      </p:to>
+                                    </p:set>
+                                  </p:childTnLst>
+                                </p:cTn>
+                              </p:par>
+                              <p:par>
+                                <p:cTn id="29" presetID="1" presetClass="entr" presetSubtype="0" fill="hold" grpId="0" nodeType="withEffect">
+                                  <p:stCondLst>
+                                    <p:cond delay="0"/>
+                                  </p:stCondLst>
+                                  <p:childTnLst>
+                                    <p:set>
+                                      <p:cBhvr>
+                                        <p:cTn id="30" dur="1" fill="hold">
+                                          <p:stCondLst>
+                                            <p:cond delay="0"/>
+                                          </p:stCondLst>
+                                        </p:cTn>
+                                        <p:tgtEl>
+                                          <p:spTgt spid="25"/>
                                         </p:tgtEl>
                                         <p:attrNameLst>
                                           <p:attrName>style.visibility</p:attrName>
@@ -10412,32 +10546,32 @@
                     </p:cTn>
                   </p:par>
                   <p:par>
-                    <p:cTn id="29" fill="hold">
+                    <p:cTn id="31" fill="hold">
                       <p:stCondLst>
                         <p:cond delay="indefinite"/>
                       </p:stCondLst>
                       <p:childTnLst>
                         <p:par>
-                          <p:cTn id="30" fill="hold">
+                          <p:cTn id="32" fill="hold">
                             <p:stCondLst>
                               <p:cond delay="0"/>
                             </p:stCondLst>
                             <p:childTnLst>
                               <p:par>
-                                <p:cTn id="31" presetID="1" presetClass="entr" presetSubtype="0" fill="hold" grpId="0" nodeType="clickEffect">
+                                <p:cTn id="33" presetID="1" presetClass="entr" presetSubtype="0" fill="hold" grpId="0" nodeType="clickEffect">
                                   <p:stCondLst>
                                     <p:cond delay="0"/>
                                   </p:stCondLst>
                                   <p:childTnLst>
                                     <p:set>
                                       <p:cBhvr>
-                                        <p:cTn id="32" dur="1" fill="hold">
+                                        <p:cTn id="34" dur="1" fill="hold">
                                           <p:stCondLst>
                                             <p:cond delay="0"/>
                                           </p:stCondLst>
                                         </p:cTn>
                                         <p:tgtEl>
-                                          <p:spTgt spid="14"/>
+                                          <p:spTgt spid="23"/>
                                         </p:tgtEl>
                                         <p:attrNameLst>
                                           <p:attrName>style.visibility</p:attrName>
@@ -10451,20 +10585,20 @@
                                 </p:cTn>
                               </p:par>
                               <p:par>
-                                <p:cTn id="33" presetID="1" presetClass="entr" presetSubtype="0" fill="hold" grpId="0" nodeType="withEffect">
+                                <p:cTn id="35" presetID="1" presetClass="entr" presetSubtype="0" fill="hold" grpId="0" nodeType="withEffect">
                                   <p:stCondLst>
                                     <p:cond delay="0"/>
                                   </p:stCondLst>
                                   <p:childTnLst>
                                     <p:set>
                                       <p:cBhvr>
-                                        <p:cTn id="34" dur="1" fill="hold">
+                                        <p:cTn id="36" dur="1" fill="hold">
                                           <p:stCondLst>
                                             <p:cond delay="0"/>
                                           </p:stCondLst>
                                         </p:cTn>
                                         <p:tgtEl>
-                                          <p:spTgt spid="16"/>
+                                          <p:spTgt spid="24"/>
                                         </p:tgtEl>
                                         <p:attrNameLst>
                                           <p:attrName>style.visibility</p:attrName>
@@ -10484,46 +10618,19 @@
                     </p:cTn>
                   </p:par>
                   <p:par>
-                    <p:cTn id="35" fill="hold">
+                    <p:cTn id="37" fill="hold">
                       <p:stCondLst>
                         <p:cond delay="indefinite"/>
                       </p:stCondLst>
                       <p:childTnLst>
                         <p:par>
-                          <p:cTn id="36" fill="hold">
+                          <p:cTn id="38" fill="hold">
                             <p:stCondLst>
                               <p:cond delay="0"/>
                             </p:stCondLst>
                             <p:childTnLst>
                               <p:par>
-                                <p:cTn id="37" presetID="1" presetClass="entr" presetSubtype="0" fill="hold" grpId="0" nodeType="clickEffect">
-                                  <p:stCondLst>
-                                    <p:cond delay="0"/>
-                                  </p:stCondLst>
-                                  <p:childTnLst>
-                                    <p:set>
-                                      <p:cBhvr>
-                                        <p:cTn id="38" dur="1" fill="hold">
-                                          <p:stCondLst>
-                                            <p:cond delay="0"/>
-                                          </p:stCondLst>
-                                        </p:cTn>
-                                        <p:tgtEl>
-                                          <p:spTgt spid="17"/>
-                                        </p:tgtEl>
-                                        <p:attrNameLst>
-                                          <p:attrName>style.visibility</p:attrName>
-                                        </p:attrNameLst>
-                                      </p:cBhvr>
-                                      <p:to>
-                                        <p:strVal val="visible"/>
-                                      </p:to>
-                                    </p:set>
-                                  </p:childTnLst>
-                                </p:cTn>
-                              </p:par>
-                              <p:par>
-                                <p:cTn id="39" presetID="1" presetClass="entr" presetSubtype="0" fill="hold" grpId="0" nodeType="withEffect">
+                                <p:cTn id="39" presetID="1" presetClass="entr" presetSubtype="0" fill="hold" grpId="0" nodeType="clickEffect">
                                   <p:stCondLst>
                                     <p:cond delay="0"/>
                                   </p:stCondLst>
@@ -10536,7 +10643,7 @@
                                           </p:stCondLst>
                                         </p:cTn>
                                         <p:tgtEl>
-                                          <p:spTgt spid="22"/>
+                                          <p:spTgt spid="9"/>
                                         </p:tgtEl>
                                         <p:attrNameLst>
                                           <p:attrName>style.visibility</p:attrName>
@@ -10581,7 +10688,7 @@
                                           </p:stCondLst>
                                         </p:cTn>
                                         <p:tgtEl>
-                                          <p:spTgt spid="20"/>
+                                          <p:spTgt spid="14"/>
                                         </p:tgtEl>
                                         <p:attrNameLst>
                                           <p:attrName>style.visibility</p:attrName>
@@ -10603,6 +10710,150 @@
                                     <p:set>
                                       <p:cBhvr>
                                         <p:cTn id="46" dur="1" fill="hold">
+                                          <p:stCondLst>
+                                            <p:cond delay="0"/>
+                                          </p:stCondLst>
+                                        </p:cTn>
+                                        <p:tgtEl>
+                                          <p:spTgt spid="16"/>
+                                        </p:tgtEl>
+                                        <p:attrNameLst>
+                                          <p:attrName>style.visibility</p:attrName>
+                                        </p:attrNameLst>
+                                      </p:cBhvr>
+                                      <p:to>
+                                        <p:strVal val="visible"/>
+                                      </p:to>
+                                    </p:set>
+                                  </p:childTnLst>
+                                </p:cTn>
+                              </p:par>
+                            </p:childTnLst>
+                          </p:cTn>
+                        </p:par>
+                      </p:childTnLst>
+                    </p:cTn>
+                  </p:par>
+                  <p:par>
+                    <p:cTn id="47" fill="hold">
+                      <p:stCondLst>
+                        <p:cond delay="indefinite"/>
+                      </p:stCondLst>
+                      <p:childTnLst>
+                        <p:par>
+                          <p:cTn id="48" fill="hold">
+                            <p:stCondLst>
+                              <p:cond delay="0"/>
+                            </p:stCondLst>
+                            <p:childTnLst>
+                              <p:par>
+                                <p:cTn id="49" presetID="1" presetClass="entr" presetSubtype="0" fill="hold" grpId="0" nodeType="clickEffect">
+                                  <p:stCondLst>
+                                    <p:cond delay="0"/>
+                                  </p:stCondLst>
+                                  <p:childTnLst>
+                                    <p:set>
+                                      <p:cBhvr>
+                                        <p:cTn id="50" dur="1" fill="hold">
+                                          <p:stCondLst>
+                                            <p:cond delay="0"/>
+                                          </p:stCondLst>
+                                        </p:cTn>
+                                        <p:tgtEl>
+                                          <p:spTgt spid="17"/>
+                                        </p:tgtEl>
+                                        <p:attrNameLst>
+                                          <p:attrName>style.visibility</p:attrName>
+                                        </p:attrNameLst>
+                                      </p:cBhvr>
+                                      <p:to>
+                                        <p:strVal val="visible"/>
+                                      </p:to>
+                                    </p:set>
+                                  </p:childTnLst>
+                                </p:cTn>
+                              </p:par>
+                              <p:par>
+                                <p:cTn id="51" presetID="1" presetClass="entr" presetSubtype="0" fill="hold" grpId="0" nodeType="withEffect">
+                                  <p:stCondLst>
+                                    <p:cond delay="0"/>
+                                  </p:stCondLst>
+                                  <p:childTnLst>
+                                    <p:set>
+                                      <p:cBhvr>
+                                        <p:cTn id="52" dur="1" fill="hold">
+                                          <p:stCondLst>
+                                            <p:cond delay="0"/>
+                                          </p:stCondLst>
+                                        </p:cTn>
+                                        <p:tgtEl>
+                                          <p:spTgt spid="22"/>
+                                        </p:tgtEl>
+                                        <p:attrNameLst>
+                                          <p:attrName>style.visibility</p:attrName>
+                                        </p:attrNameLst>
+                                      </p:cBhvr>
+                                      <p:to>
+                                        <p:strVal val="visible"/>
+                                      </p:to>
+                                    </p:set>
+                                  </p:childTnLst>
+                                </p:cTn>
+                              </p:par>
+                            </p:childTnLst>
+                          </p:cTn>
+                        </p:par>
+                      </p:childTnLst>
+                    </p:cTn>
+                  </p:par>
+                  <p:par>
+                    <p:cTn id="53" fill="hold">
+                      <p:stCondLst>
+                        <p:cond delay="indefinite"/>
+                      </p:stCondLst>
+                      <p:childTnLst>
+                        <p:par>
+                          <p:cTn id="54" fill="hold">
+                            <p:stCondLst>
+                              <p:cond delay="0"/>
+                            </p:stCondLst>
+                            <p:childTnLst>
+                              <p:par>
+                                <p:cTn id="55" presetID="1" presetClass="entr" presetSubtype="0" fill="hold" grpId="0" nodeType="clickEffect">
+                                  <p:stCondLst>
+                                    <p:cond delay="0"/>
+                                  </p:stCondLst>
+                                  <p:childTnLst>
+                                    <p:set>
+                                      <p:cBhvr>
+                                        <p:cTn id="56" dur="1" fill="hold">
+                                          <p:stCondLst>
+                                            <p:cond delay="0"/>
+                                          </p:stCondLst>
+                                        </p:cTn>
+                                        <p:tgtEl>
+                                          <p:spTgt spid="20"/>
+                                        </p:tgtEl>
+                                        <p:attrNameLst>
+                                          <p:attrName>style.visibility</p:attrName>
+                                        </p:attrNameLst>
+                                      </p:cBhvr>
+                                      <p:to>
+                                        <p:strVal val="visible"/>
+                                      </p:to>
+                                    </p:set>
+                                  </p:childTnLst>
+                                </p:cTn>
+                              </p:par>
+                              <p:par>
+                                <p:cTn id="57" presetID="1" presetClass="entr" presetSubtype="0" fill="hold" grpId="0" nodeType="withEffect">
+                                  <p:stCondLst>
+                                    <p:cond delay="0"/>
+                                  </p:stCondLst>
+                                  <p:childTnLst>
+                                    <p:set>
+                                      <p:cBhvr>
+                                        <p:cTn id="58" dur="1" fill="hold">
                                           <p:stCondLst>
                                             <p:cond delay="0"/>
                                           </p:stCondLst>
@@ -10663,6 +10914,10 @@
       <p:bldP spid="20" grpId="0"/>
       <p:bldP spid="21" grpId="0"/>
       <p:bldP spid="22" grpId="0"/>
+      <p:bldP spid="19" grpId="0"/>
+      <p:bldP spid="23" grpId="0"/>
+      <p:bldP spid="24" grpId="0"/>
+      <p:bldP spid="25" grpId="0"/>
     </p:bldLst>
   </p:timing>
 </p:sld>
@@ -11275,6 +11530,13 @@
   <p:clrMapOvr>
     <a:masterClrMapping/>
   </p:clrMapOvr>
+  <p:timing>
+    <p:tnLst>
+      <p:par>
+        <p:cTn id="1" dur="indefinite" restart="never" nodeType="tmRoot"/>
+      </p:par>
+    </p:tnLst>
+  </p:timing>
 </p:sld>
 </file>
 
@@ -11404,6 +11666,13 @@
   <p:clrMapOvr>
     <a:masterClrMapping/>
   </p:clrMapOvr>
+  <p:timing>
+    <p:tnLst>
+      <p:par>
+        <p:cTn id="1" dur="indefinite" restart="never" nodeType="tmRoot"/>
+      </p:par>
+    </p:tnLst>
+  </p:timing>
 </p:sld>
 </file>
 
@@ -11599,6 +11868,13 @@
   <p:clrMapOvr>
     <a:masterClrMapping/>
   </p:clrMapOvr>
+  <p:timing>
+    <p:tnLst>
+      <p:par>
+        <p:cTn id="1" dur="indefinite" restart="never" nodeType="tmRoot"/>
+      </p:par>
+    </p:tnLst>
+  </p:timing>
 </p:sld>
 </file>
 
@@ -12073,11 +12349,7 @@
           <a:p>
             <a:r>
               <a:rPr lang="en-US" sz="1600" dirty="0" smtClean="0"/>
-              <a:t>This principle states that you should have to do as little setup as possible to make something  work. Instead there should be a default, which you can customize if you want</a:t>
-            </a:r>
-            <a:r>
-              <a:rPr lang="en-US" sz="1600" dirty="0" smtClean="0"/>
-              <a:t>.</a:t>
+              <a:t>This principle states that you should have to do as little setup as possible to make something  work. Instead there should be a default, which you can customize if you want.</a:t>
             </a:r>
           </a:p>
           <a:p>
@@ -12097,7 +12369,6 @@
               <a:rPr lang="en-US" sz="1600" dirty="0" smtClean="0"/>
               <a:t> does not follow this principal.</a:t>
             </a:r>
-            <a:endParaRPr lang="en-US" sz="1600" dirty="0" smtClean="0"/>
           </a:p>
           <a:p>
             <a:endParaRPr lang="en-US" sz="1600" dirty="0"/>
@@ -12618,29 +12889,8 @@
                   <a:schemeClr val="bg1"/>
                 </a:solidFill>
               </a:rPr>
-              <a:t>10+ </a:t>
-            </a:r>
-            <a:r>
-              <a:rPr lang="en-US" sz="1400" dirty="0" smtClean="0">
-                <a:solidFill>
-                  <a:schemeClr val="bg1"/>
-                </a:solidFill>
-              </a:rPr>
-              <a:t>Mouse Clicks, plus thinking which button to </a:t>
-            </a:r>
-            <a:r>
-              <a:rPr lang="en-US" sz="1400" dirty="0" smtClean="0">
-                <a:solidFill>
-                  <a:schemeClr val="bg1"/>
-                </a:solidFill>
-              </a:rPr>
-              <a:t>press.</a:t>
-            </a:r>
-            <a:endParaRPr lang="en-US" sz="1400" dirty="0" smtClean="0">
-              <a:solidFill>
-                <a:schemeClr val="bg1"/>
-              </a:solidFill>
-            </a:endParaRPr>
+              <a:t>10+ Mouse Clicks, plus thinking which button to press.</a:t>
+            </a:r>
           </a:p>
         </p:txBody>
       </p:sp>
@@ -13212,11 +13462,7 @@
             <a:pPr algn="ctr"/>
             <a:r>
               <a:rPr lang="en-US" dirty="0" smtClean="0"/>
-              <a:t>_</a:t>
-            </a:r>
-            <a:r>
-              <a:rPr lang="en-US" dirty="0" smtClean="0"/>
-              <a:t>MAT.mac, _SAVE.mac</a:t>
+              <a:t>_MAT.mac, _SAVE.mac</a:t>
             </a:r>
             <a:endParaRPr lang="en-US" dirty="0"/>
           </a:p>
@@ -13364,8 +13610,8 @@
         </p:nvSpPr>
         <p:spPr>
           <a:xfrm>
-            <a:off x="258791" y="5322497"/>
-            <a:ext cx="8583283" cy="400110"/>
+            <a:off x="120770" y="5270738"/>
+            <a:ext cx="8902460" cy="369332"/>
           </a:xfrm>
           <a:prstGeom prst="rect">
             <a:avLst/>
@@ -13380,10 +13626,18 @@
           <a:p>
             <a:pPr algn="ctr"/>
             <a:r>
-              <a:rPr lang="en-US" sz="2000" dirty="0" smtClean="0"/>
-              <a:t>Bundles of code only depend on what is below them, not too them selves.</a:t>
-            </a:r>
-            <a:endParaRPr lang="en-US" sz="2000" dirty="0"/>
+              <a:rPr lang="en-US" dirty="0" smtClean="0"/>
+              <a:t>Bundles of </a:t>
+            </a:r>
+            <a:r>
+              <a:rPr lang="en-US" dirty="0" smtClean="0"/>
+              <a:t>code should </a:t>
+            </a:r>
+            <a:r>
+              <a:rPr lang="en-US" dirty="0" smtClean="0"/>
+              <a:t>only depend on what is below them, not too them selves.</a:t>
+            </a:r>
+            <a:endParaRPr lang="en-US" dirty="0"/>
           </a:p>
         </p:txBody>
       </p:sp>
@@ -13395,7 +13649,7 @@
         </p:nvSpPr>
         <p:spPr>
           <a:xfrm>
-            <a:off x="498892" y="5837208"/>
+            <a:off x="498892" y="5742317"/>
             <a:ext cx="8103080" cy="400110"/>
           </a:xfrm>
           <a:prstGeom prst="rect">

--- a/Macro-Mania.pptx
+++ b/Macro-Mania.pptx
@@ -7,10 +7,10 @@
     <p:sldMasterId id="2147483663" r:id="rId3"/>
   </p:sldMasterIdLst>
   <p:notesMasterIdLst>
-    <p:notesMasterId r:id="rId18"/>
+    <p:notesMasterId r:id="rId23"/>
   </p:notesMasterIdLst>
   <p:handoutMasterIdLst>
-    <p:handoutMasterId r:id="rId19"/>
+    <p:handoutMasterId r:id="rId24"/>
   </p:handoutMasterIdLst>
   <p:sldIdLst>
     <p:sldId id="265" r:id="rId4"/>
@@ -26,7 +26,12 @@
     <p:sldId id="284" r:id="rId14"/>
     <p:sldId id="285" r:id="rId15"/>
     <p:sldId id="286" r:id="rId16"/>
-    <p:sldId id="281" r:id="rId17"/>
+    <p:sldId id="287" r:id="rId17"/>
+    <p:sldId id="288" r:id="rId18"/>
+    <p:sldId id="289" r:id="rId19"/>
+    <p:sldId id="291" r:id="rId20"/>
+    <p:sldId id="290" r:id="rId21"/>
+    <p:sldId id="281" r:id="rId22"/>
   </p:sldIdLst>
   <p:sldSz cx="9144000" cy="6858000" type="screen4x3"/>
   <p:notesSz cx="7315200" cy="9601200"/>
@@ -9139,15 +9144,7 @@
           <a:p>
             <a:r>
               <a:rPr lang="en-US" dirty="0" smtClean="0"/>
-              <a:t>Does </a:t>
-            </a:r>
-            <a:r>
-              <a:rPr lang="en-US" dirty="0" smtClean="0"/>
-              <a:t>anyone read </a:t>
-            </a:r>
-            <a:r>
-              <a:rPr lang="en-US" dirty="0" smtClean="0"/>
-              <a:t>headers?</a:t>
+              <a:t>Does anyone read headers?</a:t>
             </a:r>
             <a:endParaRPr lang="en-US" dirty="0"/>
           </a:p>
@@ -9501,15 +9498,7 @@
           <a:p>
             <a:r>
               <a:rPr lang="en-US" dirty="0" smtClean="0"/>
-              <a:t>Does </a:t>
-            </a:r>
-            <a:r>
-              <a:rPr lang="en-US" dirty="0" smtClean="0"/>
-              <a:t>anyone read </a:t>
-            </a:r>
-            <a:r>
-              <a:rPr lang="en-US" dirty="0" smtClean="0"/>
-              <a:t>headers?</a:t>
+              <a:t>Does anyone read headers?</a:t>
             </a:r>
             <a:endParaRPr lang="en-US" dirty="0"/>
           </a:p>
@@ -10940,6 +10929,4937 @@
           <a:chExt cx="0" cy="0"/>
         </a:xfrm>
       </p:grpSpPr>
+      <p:pic>
+        <p:nvPicPr>
+          <p:cNvPr id="1031" name="Picture 7"/>
+          <p:cNvPicPr>
+            <a:picLocks noChangeAspect="1" noChangeArrowheads="1"/>
+          </p:cNvPicPr>
+          <p:nvPr/>
+        </p:nvPicPr>
+        <p:blipFill>
+          <a:blip r:embed="rId2" cstate="print"/>
+          <a:srcRect/>
+          <a:stretch>
+            <a:fillRect/>
+          </a:stretch>
+        </p:blipFill>
+        <p:spPr bwMode="auto">
+          <a:xfrm>
+            <a:off x="2329131" y="4767669"/>
+            <a:ext cx="4312250" cy="1483696"/>
+          </a:xfrm>
+          <a:prstGeom prst="rect">
+            <a:avLst/>
+          </a:prstGeom>
+          <a:noFill/>
+          <a:ln w="9525">
+            <a:noFill/>
+            <a:miter lim="800000"/>
+            <a:headEnd/>
+            <a:tailEnd/>
+          </a:ln>
+        </p:spPr>
+      </p:pic>
+      <p:sp>
+        <p:nvSpPr>
+          <p:cNvPr id="2" name="Title 1"/>
+          <p:cNvSpPr>
+            <a:spLocks noGrp="1"/>
+          </p:cNvSpPr>
+          <p:nvPr>
+            <p:ph type="title"/>
+          </p:nvPr>
+        </p:nvSpPr>
+        <p:spPr>
+          <a:xfrm>
+            <a:off x="112143" y="0"/>
+            <a:ext cx="8565132" cy="660400"/>
+          </a:xfrm>
+        </p:spPr>
+        <p:txBody>
+          <a:bodyPr/>
+          <a:lstStyle/>
+          <a:p>
+            <a:r>
+              <a:rPr lang="en-US" dirty="0" smtClean="0"/>
+              <a:t>Plotting the displaced shape is something we do a lot</a:t>
+            </a:r>
+            <a:endParaRPr lang="en-US" dirty="0"/>
+          </a:p>
+        </p:txBody>
+      </p:sp>
+      <p:sp>
+        <p:nvSpPr>
+          <p:cNvPr id="3" name="TextBox 2"/>
+          <p:cNvSpPr txBox="1"/>
+          <p:nvPr/>
+        </p:nvSpPr>
+        <p:spPr>
+          <a:xfrm>
+            <a:off x="155274" y="888521"/>
+            <a:ext cx="8988725" cy="1015663"/>
+          </a:xfrm>
+          <a:prstGeom prst="rect">
+            <a:avLst/>
+          </a:prstGeom>
+          <a:noFill/>
+        </p:spPr>
+        <p:txBody>
+          <a:bodyPr wrap="square" rtlCol="0">
+            <a:spAutoFit/>
+          </a:bodyPr>
+          <a:lstStyle/>
+          <a:p>
+            <a:r>
+              <a:rPr lang="en-US" sz="6000" dirty="0" smtClean="0"/>
+              <a:t>_</a:t>
+            </a:r>
+            <a:r>
+              <a:rPr lang="en-US" sz="6000" dirty="0" err="1" smtClean="0"/>
+              <a:t>DISP</a:t>
+            </a:r>
+            <a:r>
+              <a:rPr lang="en-US" sz="6000" dirty="0" smtClean="0"/>
+              <a:t> </a:t>
+            </a:r>
+            <a:r>
+              <a:rPr lang="en-US" sz="3600" dirty="0" smtClean="0"/>
+              <a:t>,</a:t>
+            </a:r>
+            <a:r>
+              <a:rPr lang="en-US" sz="2800" dirty="0" smtClean="0"/>
+              <a:t>&lt;load step&gt;, &lt;</a:t>
+            </a:r>
+            <a:r>
+              <a:rPr lang="en-US" sz="2800" dirty="0" err="1" smtClean="0"/>
+              <a:t>substep</a:t>
+            </a:r>
+            <a:r>
+              <a:rPr lang="en-US" sz="2800" dirty="0" smtClean="0"/>
+              <a:t>&gt;, &lt;display type&gt;</a:t>
+            </a:r>
+            <a:endParaRPr lang="en-US" sz="6000" dirty="0"/>
+          </a:p>
+        </p:txBody>
+      </p:sp>
+      <p:sp>
+        <p:nvSpPr>
+          <p:cNvPr id="4" name="TextBox 3"/>
+          <p:cNvSpPr txBox="1"/>
+          <p:nvPr/>
+        </p:nvSpPr>
+        <p:spPr>
+          <a:xfrm>
+            <a:off x="4226944" y="845389"/>
+            <a:ext cx="4917056" cy="338554"/>
+          </a:xfrm>
+          <a:prstGeom prst="rect">
+            <a:avLst/>
+          </a:prstGeom>
+          <a:noFill/>
+        </p:spPr>
+        <p:txBody>
+          <a:bodyPr wrap="square" rtlCol="0">
+            <a:spAutoFit/>
+          </a:bodyPr>
+          <a:lstStyle/>
+          <a:p>
+            <a:pPr algn="r"/>
+            <a:r>
+              <a:rPr lang="en-US" sz="1600" dirty="0" smtClean="0"/>
+              <a:t>“Think: </a:t>
+            </a:r>
+            <a:r>
+              <a:rPr lang="en-US" sz="1600" dirty="0" smtClean="0">
+                <a:solidFill>
+                  <a:schemeClr val="accent6"/>
+                </a:solidFill>
+              </a:rPr>
+              <a:t>_Disp</a:t>
+            </a:r>
+            <a:r>
+              <a:rPr lang="en-US" sz="1600" dirty="0" smtClean="0"/>
+              <a:t>lacements”</a:t>
+            </a:r>
+            <a:endParaRPr lang="en-US" sz="1600" dirty="0"/>
+          </a:p>
+        </p:txBody>
+      </p:sp>
+      <p:sp>
+        <p:nvSpPr>
+          <p:cNvPr id="5" name="TextBox 4"/>
+          <p:cNvSpPr txBox="1"/>
+          <p:nvPr/>
+        </p:nvSpPr>
+        <p:spPr>
+          <a:xfrm>
+            <a:off x="172528" y="1871932"/>
+            <a:ext cx="8436634" cy="307777"/>
+          </a:xfrm>
+          <a:prstGeom prst="rect">
+            <a:avLst/>
+          </a:prstGeom>
+          <a:noFill/>
+          <a:ln>
+            <a:noFill/>
+          </a:ln>
+        </p:spPr>
+        <p:txBody>
+          <a:bodyPr wrap="square" rtlCol="0">
+            <a:spAutoFit/>
+          </a:bodyPr>
+          <a:lstStyle/>
+          <a:p>
+            <a:r>
+              <a:rPr lang="en-US" sz="1400" dirty="0" smtClean="0"/>
+              <a:t>Plots nodal displacements for specified set, defaults to correct set based on analysis that has been run.</a:t>
+            </a:r>
+          </a:p>
+        </p:txBody>
+      </p:sp>
+      <p:sp>
+        <p:nvSpPr>
+          <p:cNvPr id="8" name="TextBox 7"/>
+          <p:cNvSpPr txBox="1"/>
+          <p:nvPr/>
+        </p:nvSpPr>
+        <p:spPr>
+          <a:xfrm>
+            <a:off x="189781" y="2268747"/>
+            <a:ext cx="1500997" cy="307777"/>
+          </a:xfrm>
+          <a:prstGeom prst="rect">
+            <a:avLst/>
+          </a:prstGeom>
+          <a:noFill/>
+          <a:ln>
+            <a:noFill/>
+          </a:ln>
+        </p:spPr>
+        <p:txBody>
+          <a:bodyPr wrap="square" rtlCol="0">
+            <a:spAutoFit/>
+          </a:bodyPr>
+          <a:lstStyle/>
+          <a:p>
+            <a:r>
+              <a:rPr lang="en-US" sz="1400" dirty="0" smtClean="0"/>
+              <a:t>Without _</a:t>
+            </a:r>
+            <a:r>
+              <a:rPr lang="en-US" sz="1400" dirty="0" err="1" smtClean="0"/>
+              <a:t>DISP</a:t>
+            </a:r>
+            <a:r>
+              <a:rPr lang="en-US" sz="1400" dirty="0" smtClean="0"/>
+              <a:t>:</a:t>
+            </a:r>
+          </a:p>
+        </p:txBody>
+      </p:sp>
+      <p:pic>
+        <p:nvPicPr>
+          <p:cNvPr id="1026" name="Picture 2"/>
+          <p:cNvPicPr>
+            <a:picLocks noChangeAspect="1" noChangeArrowheads="1"/>
+          </p:cNvPicPr>
+          <p:nvPr/>
+        </p:nvPicPr>
+        <p:blipFill>
+          <a:blip r:embed="rId3" cstate="print"/>
+          <a:srcRect r="4717"/>
+          <a:stretch>
+            <a:fillRect/>
+          </a:stretch>
+        </p:blipFill>
+        <p:spPr bwMode="auto">
+          <a:xfrm>
+            <a:off x="481282" y="2626115"/>
+            <a:ext cx="3521375" cy="1019175"/>
+          </a:xfrm>
+          <a:prstGeom prst="rect">
+            <a:avLst/>
+          </a:prstGeom>
+          <a:noFill/>
+          <a:ln w="9525">
+            <a:noFill/>
+            <a:miter lim="800000"/>
+            <a:headEnd/>
+            <a:tailEnd/>
+          </a:ln>
+        </p:spPr>
+      </p:pic>
+      <p:pic>
+        <p:nvPicPr>
+          <p:cNvPr id="1027" name="Picture 3"/>
+          <p:cNvPicPr>
+            <a:picLocks noChangeAspect="1" noChangeArrowheads="1"/>
+          </p:cNvPicPr>
+          <p:nvPr/>
+        </p:nvPicPr>
+        <p:blipFill>
+          <a:blip r:embed="rId4" cstate="print"/>
+          <a:srcRect/>
+          <a:stretch>
+            <a:fillRect/>
+          </a:stretch>
+        </p:blipFill>
+        <p:spPr bwMode="auto">
+          <a:xfrm>
+            <a:off x="4752354" y="2629529"/>
+            <a:ext cx="3400425" cy="581025"/>
+          </a:xfrm>
+          <a:prstGeom prst="rect">
+            <a:avLst/>
+          </a:prstGeom>
+          <a:noFill/>
+          <a:ln w="9525">
+            <a:noFill/>
+            <a:miter lim="800000"/>
+            <a:headEnd/>
+            <a:tailEnd/>
+          </a:ln>
+        </p:spPr>
+      </p:pic>
+      <p:sp>
+        <p:nvSpPr>
+          <p:cNvPr id="12" name="TextBox 11"/>
+          <p:cNvSpPr txBox="1"/>
+          <p:nvPr/>
+        </p:nvSpPr>
+        <p:spPr>
+          <a:xfrm>
+            <a:off x="4813540" y="2277374"/>
+            <a:ext cx="2467154" cy="319177"/>
+          </a:xfrm>
+          <a:prstGeom prst="rect">
+            <a:avLst/>
+          </a:prstGeom>
+          <a:noFill/>
+          <a:ln>
+            <a:noFill/>
+          </a:ln>
+        </p:spPr>
+        <p:txBody>
+          <a:bodyPr wrap="square" rtlCol="0">
+            <a:spAutoFit/>
+          </a:bodyPr>
+          <a:lstStyle/>
+          <a:p>
+            <a:r>
+              <a:rPr lang="en-US" sz="1400" dirty="0" smtClean="0"/>
+              <a:t>Using _</a:t>
+            </a:r>
+            <a:r>
+              <a:rPr lang="en-US" sz="1400" dirty="0" err="1" smtClean="0"/>
+              <a:t>DISP</a:t>
+            </a:r>
+            <a:endParaRPr lang="en-US" sz="1400" dirty="0" smtClean="0"/>
+          </a:p>
+        </p:txBody>
+      </p:sp>
+      <p:pic>
+        <p:nvPicPr>
+          <p:cNvPr id="1029" name="Picture 5"/>
+          <p:cNvPicPr>
+            <a:picLocks noChangeAspect="1" noChangeArrowheads="1"/>
+          </p:cNvPicPr>
+          <p:nvPr/>
+        </p:nvPicPr>
+        <p:blipFill>
+          <a:blip r:embed="rId5" cstate="print"/>
+          <a:srcRect/>
+          <a:stretch>
+            <a:fillRect/>
+          </a:stretch>
+        </p:blipFill>
+        <p:spPr bwMode="auto">
+          <a:xfrm>
+            <a:off x="4757290" y="3780350"/>
+            <a:ext cx="3752850" cy="781050"/>
+          </a:xfrm>
+          <a:prstGeom prst="rect">
+            <a:avLst/>
+          </a:prstGeom>
+          <a:noFill/>
+          <a:ln w="9525">
+            <a:noFill/>
+            <a:miter lim="800000"/>
+            <a:headEnd/>
+            <a:tailEnd/>
+          </a:ln>
+        </p:spPr>
+      </p:pic>
+      <p:sp>
+        <p:nvSpPr>
+          <p:cNvPr id="16" name="TextBox 15"/>
+          <p:cNvSpPr txBox="1"/>
+          <p:nvPr/>
+        </p:nvSpPr>
+        <p:spPr>
+          <a:xfrm>
+            <a:off x="1061050" y="6280029"/>
+            <a:ext cx="7090403" cy="307777"/>
+          </a:xfrm>
+          <a:prstGeom prst="rect">
+            <a:avLst/>
+          </a:prstGeom>
+          <a:noFill/>
+          <a:ln>
+            <a:noFill/>
+          </a:ln>
+        </p:spPr>
+        <p:txBody>
+          <a:bodyPr wrap="none" rtlCol="0">
+            <a:spAutoFit/>
+          </a:bodyPr>
+          <a:lstStyle/>
+          <a:p>
+            <a:r>
+              <a:rPr lang="en-US" sz="1400" dirty="0" smtClean="0"/>
+              <a:t>By saving a few key stokes on something we do many times, a lot of time can be saved</a:t>
+            </a:r>
+          </a:p>
+        </p:txBody>
+      </p:sp>
+      <p:pic>
+        <p:nvPicPr>
+          <p:cNvPr id="1030" name="Picture 6"/>
+          <p:cNvPicPr>
+            <a:picLocks noChangeAspect="1" noChangeArrowheads="1"/>
+          </p:cNvPicPr>
+          <p:nvPr/>
+        </p:nvPicPr>
+        <p:blipFill>
+          <a:blip r:embed="rId6" cstate="print"/>
+          <a:srcRect/>
+          <a:stretch>
+            <a:fillRect/>
+          </a:stretch>
+        </p:blipFill>
+        <p:spPr bwMode="auto">
+          <a:xfrm>
+            <a:off x="490807" y="3797779"/>
+            <a:ext cx="3676650" cy="1143000"/>
+          </a:xfrm>
+          <a:prstGeom prst="rect">
+            <a:avLst/>
+          </a:prstGeom>
+          <a:noFill/>
+          <a:ln w="9525">
+            <a:noFill/>
+            <a:miter lim="800000"/>
+            <a:headEnd/>
+            <a:tailEnd/>
+          </a:ln>
+        </p:spPr>
+      </p:pic>
+    </p:spTree>
+  </p:cSld>
+  <p:clrMapOvr>
+    <a:masterClrMapping/>
+  </p:clrMapOvr>
+</p:sld>
+</file>
+
+<file path=ppt/slides/slide15.xml><?xml version="1.0" encoding="utf-8"?>
+<p:sld xmlns:a="http://schemas.openxmlformats.org/drawingml/2006/main" xmlns:r="http://schemas.openxmlformats.org/officeDocument/2006/relationships" xmlns:p="http://schemas.openxmlformats.org/presentationml/2006/main">
+  <p:cSld>
+    <p:spTree>
+      <p:nvGrpSpPr>
+        <p:cNvPr id="1" name=""/>
+        <p:cNvGrpSpPr/>
+        <p:nvPr/>
+      </p:nvGrpSpPr>
+      <p:grpSpPr>
+        <a:xfrm>
+          <a:off x="0" y="0"/>
+          <a:ext cx="0" cy="0"/>
+          <a:chOff x="0" y="0"/>
+          <a:chExt cx="0" cy="0"/>
+        </a:xfrm>
+      </p:grpSpPr>
+      <p:sp>
+        <p:nvSpPr>
+          <p:cNvPr id="2" name="Title 1"/>
+          <p:cNvSpPr>
+            <a:spLocks noGrp="1"/>
+          </p:cNvSpPr>
+          <p:nvPr>
+            <p:ph type="title"/>
+          </p:nvPr>
+        </p:nvSpPr>
+        <p:spPr>
+          <a:xfrm>
+            <a:off x="112143" y="0"/>
+            <a:ext cx="8565132" cy="660400"/>
+          </a:xfrm>
+        </p:spPr>
+        <p:txBody>
+          <a:bodyPr/>
+          <a:lstStyle/>
+          <a:p>
+            <a:r>
+              <a:rPr lang="en-US" dirty="0" smtClean="0"/>
+              <a:t>Simply create a </a:t>
+            </a:r>
+            <a:r>
+              <a:rPr lang="en-US" dirty="0" err="1" smtClean="0"/>
+              <a:t>keypoint</a:t>
+            </a:r>
+            <a:r>
+              <a:rPr lang="en-US" dirty="0" smtClean="0"/>
+              <a:t> at the center of any arc</a:t>
+            </a:r>
+            <a:endParaRPr lang="en-US" dirty="0"/>
+          </a:p>
+        </p:txBody>
+      </p:sp>
+      <p:sp>
+        <p:nvSpPr>
+          <p:cNvPr id="3" name="TextBox 2"/>
+          <p:cNvSpPr txBox="1"/>
+          <p:nvPr/>
+        </p:nvSpPr>
+        <p:spPr>
+          <a:xfrm>
+            <a:off x="155274" y="888521"/>
+            <a:ext cx="8988725" cy="1015663"/>
+          </a:xfrm>
+          <a:prstGeom prst="rect">
+            <a:avLst/>
+          </a:prstGeom>
+          <a:noFill/>
+        </p:spPr>
+        <p:txBody>
+          <a:bodyPr wrap="square" rtlCol="0">
+            <a:spAutoFit/>
+          </a:bodyPr>
+          <a:lstStyle/>
+          <a:p>
+            <a:r>
+              <a:rPr lang="en-US" sz="6000" dirty="0" smtClean="0"/>
+              <a:t>_</a:t>
+            </a:r>
+            <a:r>
+              <a:rPr lang="en-US" sz="6000" dirty="0" err="1" smtClean="0"/>
+              <a:t>KCENTER</a:t>
+            </a:r>
+            <a:r>
+              <a:rPr lang="en-US" sz="3600" dirty="0" smtClean="0"/>
+              <a:t>, </a:t>
+            </a:r>
+            <a:r>
+              <a:rPr lang="en-US" sz="2800" dirty="0" smtClean="0"/>
+              <a:t>&lt;arc&gt;, </a:t>
+            </a:r>
+            <a:endParaRPr lang="en-US" sz="6000" dirty="0"/>
+          </a:p>
+        </p:txBody>
+      </p:sp>
+      <p:sp>
+        <p:nvSpPr>
+          <p:cNvPr id="4" name="TextBox 3"/>
+          <p:cNvSpPr txBox="1"/>
+          <p:nvPr/>
+        </p:nvSpPr>
+        <p:spPr>
+          <a:xfrm>
+            <a:off x="4226944" y="845389"/>
+            <a:ext cx="4917056" cy="338554"/>
+          </a:xfrm>
+          <a:prstGeom prst="rect">
+            <a:avLst/>
+          </a:prstGeom>
+          <a:noFill/>
+        </p:spPr>
+        <p:txBody>
+          <a:bodyPr wrap="square" rtlCol="0">
+            <a:spAutoFit/>
+          </a:bodyPr>
+          <a:lstStyle/>
+          <a:p>
+            <a:pPr algn="r"/>
+            <a:r>
+              <a:rPr lang="en-US" sz="1600" dirty="0" smtClean="0"/>
+              <a:t>“Think: </a:t>
+            </a:r>
+            <a:r>
+              <a:rPr lang="en-US" sz="1600" dirty="0" smtClean="0">
+                <a:solidFill>
+                  <a:schemeClr val="accent6"/>
+                </a:solidFill>
+              </a:rPr>
+              <a:t>_</a:t>
+            </a:r>
+            <a:r>
+              <a:rPr lang="en-US" sz="1600" dirty="0" err="1" smtClean="0">
+                <a:solidFill>
+                  <a:schemeClr val="accent6"/>
+                </a:solidFill>
+              </a:rPr>
+              <a:t>K</a:t>
+            </a:r>
+            <a:r>
+              <a:rPr lang="en-US" sz="1600" dirty="0" err="1" smtClean="0"/>
+              <a:t>eypoint</a:t>
+            </a:r>
+            <a:r>
+              <a:rPr lang="en-US" sz="1600" dirty="0" smtClean="0"/>
+              <a:t> at the </a:t>
+            </a:r>
+            <a:r>
+              <a:rPr lang="en-US" sz="1600" dirty="0" smtClean="0">
+                <a:solidFill>
+                  <a:schemeClr val="accent6"/>
+                </a:solidFill>
+              </a:rPr>
+              <a:t>Center</a:t>
+            </a:r>
+            <a:r>
+              <a:rPr lang="en-US" sz="1600" dirty="0" smtClean="0"/>
+              <a:t>”</a:t>
+            </a:r>
+            <a:endParaRPr lang="en-US" sz="1600" dirty="0"/>
+          </a:p>
+        </p:txBody>
+      </p:sp>
+      <p:sp>
+        <p:nvSpPr>
+          <p:cNvPr id="5" name="TextBox 4"/>
+          <p:cNvSpPr txBox="1"/>
+          <p:nvPr/>
+        </p:nvSpPr>
+        <p:spPr>
+          <a:xfrm>
+            <a:off x="172528" y="1871932"/>
+            <a:ext cx="8436634" cy="307777"/>
+          </a:xfrm>
+          <a:prstGeom prst="rect">
+            <a:avLst/>
+          </a:prstGeom>
+          <a:noFill/>
+          <a:ln>
+            <a:noFill/>
+          </a:ln>
+        </p:spPr>
+        <p:txBody>
+          <a:bodyPr wrap="square" rtlCol="0">
+            <a:spAutoFit/>
+          </a:bodyPr>
+          <a:lstStyle/>
+          <a:p>
+            <a:r>
+              <a:rPr lang="en-US" sz="1400" dirty="0" smtClean="0"/>
+              <a:t>Creates </a:t>
+            </a:r>
+            <a:r>
+              <a:rPr lang="en-US" sz="1400" dirty="0" err="1" smtClean="0"/>
+              <a:t>keypoint</a:t>
+            </a:r>
+            <a:r>
+              <a:rPr lang="en-US" sz="1400" dirty="0" smtClean="0"/>
+              <a:t> at the center of an arc</a:t>
+            </a:r>
+          </a:p>
+        </p:txBody>
+      </p:sp>
+      <p:sp>
+        <p:nvSpPr>
+          <p:cNvPr id="17" name="TextBox 16"/>
+          <p:cNvSpPr txBox="1"/>
+          <p:nvPr/>
+        </p:nvSpPr>
+        <p:spPr>
+          <a:xfrm>
+            <a:off x="465888" y="2303252"/>
+            <a:ext cx="1570006" cy="307777"/>
+          </a:xfrm>
+          <a:prstGeom prst="rect">
+            <a:avLst/>
+          </a:prstGeom>
+          <a:noFill/>
+          <a:ln>
+            <a:noFill/>
+          </a:ln>
+        </p:spPr>
+        <p:txBody>
+          <a:bodyPr wrap="square" rtlCol="0">
+            <a:spAutoFit/>
+          </a:bodyPr>
+          <a:lstStyle/>
+          <a:p>
+            <a:r>
+              <a:rPr lang="en-US" sz="1400" dirty="0" smtClean="0"/>
+              <a:t>Step 1: </a:t>
+            </a:r>
+            <a:r>
+              <a:rPr lang="en-US" sz="1400" dirty="0" smtClean="0">
+                <a:solidFill>
+                  <a:srgbClr val="FF0000"/>
+                </a:solidFill>
+              </a:rPr>
+              <a:t>_</a:t>
+            </a:r>
+            <a:r>
+              <a:rPr lang="en-US" sz="1400" dirty="0" err="1" smtClean="0">
+                <a:solidFill>
+                  <a:srgbClr val="FF0000"/>
+                </a:solidFill>
+              </a:rPr>
+              <a:t>kcenter</a:t>
+            </a:r>
+            <a:endParaRPr lang="en-US" sz="1400" dirty="0" smtClean="0">
+              <a:solidFill>
+                <a:srgbClr val="FF0000"/>
+              </a:solidFill>
+            </a:endParaRPr>
+          </a:p>
+        </p:txBody>
+      </p:sp>
+      <p:pic>
+        <p:nvPicPr>
+          <p:cNvPr id="2052" name="Picture 4"/>
+          <p:cNvPicPr>
+            <a:picLocks noChangeAspect="1" noChangeArrowheads="1"/>
+          </p:cNvPicPr>
+          <p:nvPr/>
+        </p:nvPicPr>
+        <p:blipFill>
+          <a:blip r:embed="rId2" cstate="print"/>
+          <a:srcRect/>
+          <a:stretch>
+            <a:fillRect/>
+          </a:stretch>
+        </p:blipFill>
+        <p:spPr bwMode="auto">
+          <a:xfrm>
+            <a:off x="627273" y="2570401"/>
+            <a:ext cx="4076700" cy="3114675"/>
+          </a:xfrm>
+          <a:prstGeom prst="rect">
+            <a:avLst/>
+          </a:prstGeom>
+          <a:noFill/>
+          <a:ln w="9525">
+            <a:noFill/>
+            <a:miter lim="800000"/>
+            <a:headEnd/>
+            <a:tailEnd/>
+          </a:ln>
+        </p:spPr>
+      </p:pic>
+      <p:sp>
+        <p:nvSpPr>
+          <p:cNvPr id="19" name="TextBox 18"/>
+          <p:cNvSpPr txBox="1"/>
+          <p:nvPr/>
+        </p:nvSpPr>
+        <p:spPr>
+          <a:xfrm>
+            <a:off x="465887" y="2691441"/>
+            <a:ext cx="1609480" cy="307777"/>
+          </a:xfrm>
+          <a:prstGeom prst="rect">
+            <a:avLst/>
+          </a:prstGeom>
+          <a:noFill/>
+          <a:ln w="28575">
+            <a:solidFill>
+              <a:srgbClr val="FF0000"/>
+            </a:solidFill>
+          </a:ln>
+        </p:spPr>
+        <p:txBody>
+          <a:bodyPr wrap="none" rtlCol="0">
+            <a:spAutoFit/>
+          </a:bodyPr>
+          <a:lstStyle/>
+          <a:p>
+            <a:r>
+              <a:rPr lang="en-US" sz="1400" dirty="0" smtClean="0"/>
+              <a:t>Step 2: Select Arc</a:t>
+            </a:r>
+          </a:p>
+        </p:txBody>
+      </p:sp>
+      <p:cxnSp>
+        <p:nvCxnSpPr>
+          <p:cNvPr id="21" name="Straight Arrow Connector 20"/>
+          <p:cNvCxnSpPr>
+            <a:stCxn id="19" idx="2"/>
+          </p:cNvCxnSpPr>
+          <p:nvPr/>
+        </p:nvCxnSpPr>
+        <p:spPr>
+          <a:xfrm rot="16200000" flipH="1">
+            <a:off x="1289565" y="2980280"/>
+            <a:ext cx="477226" cy="515102"/>
+          </a:xfrm>
+          <a:prstGeom prst="straightConnector1">
+            <a:avLst/>
+          </a:prstGeom>
+          <a:ln w="41275">
+            <a:solidFill>
+              <a:srgbClr val="FF0000"/>
+            </a:solidFill>
+            <a:tailEnd type="arrow"/>
+          </a:ln>
+        </p:spPr>
+        <p:style>
+          <a:lnRef idx="1">
+            <a:schemeClr val="accent1"/>
+          </a:lnRef>
+          <a:fillRef idx="0">
+            <a:schemeClr val="accent1"/>
+          </a:fillRef>
+          <a:effectRef idx="0">
+            <a:schemeClr val="accent1"/>
+          </a:effectRef>
+          <a:fontRef idx="minor">
+            <a:schemeClr val="tx1"/>
+          </a:fontRef>
+        </p:style>
+      </p:cxnSp>
+      <p:sp>
+        <p:nvSpPr>
+          <p:cNvPr id="23" name="TextBox 22"/>
+          <p:cNvSpPr txBox="1"/>
+          <p:nvPr/>
+        </p:nvSpPr>
+        <p:spPr>
+          <a:xfrm>
+            <a:off x="4563434" y="5158595"/>
+            <a:ext cx="1751162" cy="307777"/>
+          </a:xfrm>
+          <a:prstGeom prst="rect">
+            <a:avLst/>
+          </a:prstGeom>
+          <a:noFill/>
+          <a:ln w="28575">
+            <a:solidFill>
+              <a:srgbClr val="FF0000"/>
+            </a:solidFill>
+          </a:ln>
+        </p:spPr>
+        <p:txBody>
+          <a:bodyPr wrap="square" rtlCol="0">
+            <a:spAutoFit/>
+          </a:bodyPr>
+          <a:lstStyle/>
+          <a:p>
+            <a:r>
+              <a:rPr lang="en-US" sz="1400" dirty="0" err="1" smtClean="0"/>
+              <a:t>Keypoint</a:t>
+            </a:r>
+            <a:r>
+              <a:rPr lang="en-US" sz="1400" dirty="0" smtClean="0"/>
+              <a:t> is created</a:t>
+            </a:r>
+          </a:p>
+        </p:txBody>
+      </p:sp>
+      <p:sp>
+        <p:nvSpPr>
+          <p:cNvPr id="24" name="Oval 23"/>
+          <p:cNvSpPr/>
+          <p:nvPr/>
+        </p:nvSpPr>
+        <p:spPr>
+          <a:xfrm>
+            <a:off x="3321230" y="5469146"/>
+            <a:ext cx="155276" cy="181155"/>
+          </a:xfrm>
+          <a:prstGeom prst="ellipse">
+            <a:avLst/>
+          </a:prstGeom>
+          <a:noFill/>
+          <a:ln>
+            <a:solidFill>
+              <a:srgbClr val="FF0000"/>
+            </a:solidFill>
+          </a:ln>
+        </p:spPr>
+        <p:style>
+          <a:lnRef idx="2">
+            <a:schemeClr val="accent1">
+              <a:shade val="50000"/>
+            </a:schemeClr>
+          </a:lnRef>
+          <a:fillRef idx="1">
+            <a:schemeClr val="accent1"/>
+          </a:fillRef>
+          <a:effectRef idx="0">
+            <a:schemeClr val="accent1"/>
+          </a:effectRef>
+          <a:fontRef idx="minor">
+            <a:schemeClr val="lt1"/>
+          </a:fontRef>
+        </p:style>
+        <p:txBody>
+          <a:bodyPr rtlCol="0" anchor="ctr"/>
+          <a:lstStyle/>
+          <a:p>
+            <a:pPr algn="ctr"/>
+            <a:endParaRPr lang="en-US"/>
+          </a:p>
+        </p:txBody>
+      </p:sp>
+      <p:cxnSp>
+        <p:nvCxnSpPr>
+          <p:cNvPr id="26" name="Straight Arrow Connector 25"/>
+          <p:cNvCxnSpPr>
+            <a:stCxn id="23" idx="1"/>
+            <a:endCxn id="24" idx="6"/>
+          </p:cNvCxnSpPr>
+          <p:nvPr/>
+        </p:nvCxnSpPr>
+        <p:spPr>
+          <a:xfrm rot="10800000" flipV="1">
+            <a:off x="3476506" y="5312484"/>
+            <a:ext cx="1086928" cy="247240"/>
+          </a:xfrm>
+          <a:prstGeom prst="straightConnector1">
+            <a:avLst/>
+          </a:prstGeom>
+          <a:ln w="41275">
+            <a:solidFill>
+              <a:srgbClr val="FF0000"/>
+            </a:solidFill>
+            <a:tailEnd type="arrow"/>
+          </a:ln>
+        </p:spPr>
+        <p:style>
+          <a:lnRef idx="1">
+            <a:schemeClr val="accent1"/>
+          </a:lnRef>
+          <a:fillRef idx="0">
+            <a:schemeClr val="accent1"/>
+          </a:fillRef>
+          <a:effectRef idx="0">
+            <a:schemeClr val="accent1"/>
+          </a:effectRef>
+          <a:fontRef idx="minor">
+            <a:schemeClr val="tx1"/>
+          </a:fontRef>
+        </p:style>
+      </p:cxnSp>
+      <p:sp>
+        <p:nvSpPr>
+          <p:cNvPr id="28" name="TextBox 27"/>
+          <p:cNvSpPr txBox="1"/>
+          <p:nvPr/>
+        </p:nvSpPr>
+        <p:spPr>
+          <a:xfrm>
+            <a:off x="5926349" y="2199736"/>
+            <a:ext cx="1759787" cy="307777"/>
+          </a:xfrm>
+          <a:prstGeom prst="rect">
+            <a:avLst/>
+          </a:prstGeom>
+          <a:ln/>
+        </p:spPr>
+        <p:style>
+          <a:lnRef idx="1">
+            <a:schemeClr val="accent3"/>
+          </a:lnRef>
+          <a:fillRef idx="2">
+            <a:schemeClr val="accent3"/>
+          </a:fillRef>
+          <a:effectRef idx="1">
+            <a:schemeClr val="accent3"/>
+          </a:effectRef>
+          <a:fontRef idx="minor">
+            <a:schemeClr val="dk1"/>
+          </a:fontRef>
+        </p:style>
+        <p:txBody>
+          <a:bodyPr wrap="square" rtlCol="0">
+            <a:spAutoFit/>
+          </a:bodyPr>
+          <a:lstStyle/>
+          <a:p>
+            <a:r>
+              <a:rPr lang="en-US" sz="1400" dirty="0" smtClean="0"/>
+              <a:t>Requires </a:t>
+            </a:r>
+            <a:r>
+              <a:rPr lang="en-US" sz="1400" dirty="0" err="1" smtClean="0"/>
+              <a:t>Ansys</a:t>
+            </a:r>
+            <a:r>
+              <a:rPr lang="en-US" sz="1400" dirty="0" smtClean="0"/>
+              <a:t> V11+</a:t>
+            </a:r>
+          </a:p>
+        </p:txBody>
+      </p:sp>
+      <p:pic>
+        <p:nvPicPr>
+          <p:cNvPr id="2053" name="Picture 5"/>
+          <p:cNvPicPr>
+            <a:picLocks noChangeAspect="1" noChangeArrowheads="1"/>
+          </p:cNvPicPr>
+          <p:nvPr/>
+        </p:nvPicPr>
+        <p:blipFill>
+          <a:blip r:embed="rId3" cstate="print"/>
+          <a:srcRect/>
+          <a:stretch>
+            <a:fillRect/>
+          </a:stretch>
+        </p:blipFill>
+        <p:spPr bwMode="auto">
+          <a:xfrm>
+            <a:off x="5912329" y="3062647"/>
+            <a:ext cx="2857500" cy="542925"/>
+          </a:xfrm>
+          <a:prstGeom prst="rect">
+            <a:avLst/>
+          </a:prstGeom>
+          <a:noFill/>
+          <a:ln w="9525">
+            <a:noFill/>
+            <a:miter lim="800000"/>
+            <a:headEnd/>
+            <a:tailEnd/>
+          </a:ln>
+        </p:spPr>
+      </p:pic>
+      <p:sp>
+        <p:nvSpPr>
+          <p:cNvPr id="31" name="TextBox 30"/>
+          <p:cNvSpPr txBox="1"/>
+          <p:nvPr/>
+        </p:nvSpPr>
+        <p:spPr>
+          <a:xfrm>
+            <a:off x="5874589" y="2751826"/>
+            <a:ext cx="1897811" cy="307777"/>
+          </a:xfrm>
+          <a:prstGeom prst="rect">
+            <a:avLst/>
+          </a:prstGeom>
+          <a:noFill/>
+          <a:ln>
+            <a:noFill/>
+          </a:ln>
+        </p:spPr>
+        <p:txBody>
+          <a:bodyPr wrap="square" rtlCol="0">
+            <a:spAutoFit/>
+          </a:bodyPr>
+          <a:lstStyle/>
+          <a:p>
+            <a:r>
+              <a:rPr lang="en-US" sz="1400" dirty="0" smtClean="0"/>
+              <a:t>Alternative method</a:t>
+            </a:r>
+          </a:p>
+        </p:txBody>
+      </p:sp>
+    </p:spTree>
+  </p:cSld>
+  <p:clrMapOvr>
+    <a:masterClrMapping/>
+  </p:clrMapOvr>
+  <p:timing>
+    <p:tnLst>
+      <p:par>
+        <p:cTn id="1" dur="indefinite" restart="never" nodeType="tmRoot">
+          <p:childTnLst>
+            <p:seq concurrent="1" nextAc="seek">
+              <p:cTn id="2" dur="indefinite" nodeType="mainSeq">
+                <p:childTnLst>
+                  <p:par>
+                    <p:cTn id="3" fill="hold">
+                      <p:stCondLst>
+                        <p:cond delay="indefinite"/>
+                      </p:stCondLst>
+                      <p:childTnLst>
+                        <p:par>
+                          <p:cTn id="4" fill="hold">
+                            <p:stCondLst>
+                              <p:cond delay="0"/>
+                            </p:stCondLst>
+                            <p:childTnLst>
+                              <p:par>
+                                <p:cTn id="5" presetID="1" presetClass="entr" presetSubtype="0" fill="hold" grpId="0" nodeType="clickEffect">
+                                  <p:stCondLst>
+                                    <p:cond delay="0"/>
+                                  </p:stCondLst>
+                                  <p:childTnLst>
+                                    <p:set>
+                                      <p:cBhvr>
+                                        <p:cTn id="6" dur="1" fill="hold">
+                                          <p:stCondLst>
+                                            <p:cond delay="0"/>
+                                          </p:stCondLst>
+                                        </p:cTn>
+                                        <p:tgtEl>
+                                          <p:spTgt spid="17"/>
+                                        </p:tgtEl>
+                                        <p:attrNameLst>
+                                          <p:attrName>style.visibility</p:attrName>
+                                        </p:attrNameLst>
+                                      </p:cBhvr>
+                                      <p:to>
+                                        <p:strVal val="visible"/>
+                                      </p:to>
+                                    </p:set>
+                                  </p:childTnLst>
+                                </p:cTn>
+                              </p:par>
+                            </p:childTnLst>
+                          </p:cTn>
+                        </p:par>
+                      </p:childTnLst>
+                    </p:cTn>
+                  </p:par>
+                  <p:par>
+                    <p:cTn id="7" fill="hold">
+                      <p:stCondLst>
+                        <p:cond delay="indefinite"/>
+                      </p:stCondLst>
+                      <p:childTnLst>
+                        <p:par>
+                          <p:cTn id="8" fill="hold">
+                            <p:stCondLst>
+                              <p:cond delay="0"/>
+                            </p:stCondLst>
+                            <p:childTnLst>
+                              <p:par>
+                                <p:cTn id="9" presetID="1" presetClass="entr" presetSubtype="0" fill="hold" grpId="0" nodeType="clickEffect">
+                                  <p:stCondLst>
+                                    <p:cond delay="0"/>
+                                  </p:stCondLst>
+                                  <p:childTnLst>
+                                    <p:set>
+                                      <p:cBhvr>
+                                        <p:cTn id="10" dur="1" fill="hold">
+                                          <p:stCondLst>
+                                            <p:cond delay="0"/>
+                                          </p:stCondLst>
+                                        </p:cTn>
+                                        <p:tgtEl>
+                                          <p:spTgt spid="19"/>
+                                        </p:tgtEl>
+                                        <p:attrNameLst>
+                                          <p:attrName>style.visibility</p:attrName>
+                                        </p:attrNameLst>
+                                      </p:cBhvr>
+                                      <p:to>
+                                        <p:strVal val="visible"/>
+                                      </p:to>
+                                    </p:set>
+                                  </p:childTnLst>
+                                </p:cTn>
+                              </p:par>
+                              <p:par>
+                                <p:cTn id="11" presetID="1" presetClass="entr" presetSubtype="0" fill="hold" nodeType="withEffect">
+                                  <p:stCondLst>
+                                    <p:cond delay="0"/>
+                                  </p:stCondLst>
+                                  <p:childTnLst>
+                                    <p:set>
+                                      <p:cBhvr>
+                                        <p:cTn id="12" dur="1" fill="hold">
+                                          <p:stCondLst>
+                                            <p:cond delay="0"/>
+                                          </p:stCondLst>
+                                        </p:cTn>
+                                        <p:tgtEl>
+                                          <p:spTgt spid="21"/>
+                                        </p:tgtEl>
+                                        <p:attrNameLst>
+                                          <p:attrName>style.visibility</p:attrName>
+                                        </p:attrNameLst>
+                                      </p:cBhvr>
+                                      <p:to>
+                                        <p:strVal val="visible"/>
+                                      </p:to>
+                                    </p:set>
+                                  </p:childTnLst>
+                                </p:cTn>
+                              </p:par>
+                              <p:par>
+                                <p:cTn id="13" presetID="1" presetClass="entr" presetSubtype="0" fill="hold" nodeType="withEffect">
+                                  <p:stCondLst>
+                                    <p:cond delay="0"/>
+                                  </p:stCondLst>
+                                  <p:childTnLst>
+                                    <p:set>
+                                      <p:cBhvr>
+                                        <p:cTn id="14" dur="1" fill="hold">
+                                          <p:stCondLst>
+                                            <p:cond delay="0"/>
+                                          </p:stCondLst>
+                                        </p:cTn>
+                                        <p:tgtEl>
+                                          <p:spTgt spid="2052"/>
+                                        </p:tgtEl>
+                                        <p:attrNameLst>
+                                          <p:attrName>style.visibility</p:attrName>
+                                        </p:attrNameLst>
+                                      </p:cBhvr>
+                                      <p:to>
+                                        <p:strVal val="visible"/>
+                                      </p:to>
+                                    </p:set>
+                                  </p:childTnLst>
+                                </p:cTn>
+                              </p:par>
+                            </p:childTnLst>
+                          </p:cTn>
+                        </p:par>
+                      </p:childTnLst>
+                    </p:cTn>
+                  </p:par>
+                  <p:par>
+                    <p:cTn id="15" fill="hold">
+                      <p:stCondLst>
+                        <p:cond delay="indefinite"/>
+                      </p:stCondLst>
+                      <p:childTnLst>
+                        <p:par>
+                          <p:cTn id="16" fill="hold">
+                            <p:stCondLst>
+                              <p:cond delay="0"/>
+                            </p:stCondLst>
+                            <p:childTnLst>
+                              <p:par>
+                                <p:cTn id="17" presetID="1" presetClass="entr" presetSubtype="0" fill="hold" grpId="0" nodeType="clickEffect">
+                                  <p:stCondLst>
+                                    <p:cond delay="0"/>
+                                  </p:stCondLst>
+                                  <p:childTnLst>
+                                    <p:set>
+                                      <p:cBhvr>
+                                        <p:cTn id="18" dur="1" fill="hold">
+                                          <p:stCondLst>
+                                            <p:cond delay="0"/>
+                                          </p:stCondLst>
+                                        </p:cTn>
+                                        <p:tgtEl>
+                                          <p:spTgt spid="24"/>
+                                        </p:tgtEl>
+                                        <p:attrNameLst>
+                                          <p:attrName>style.visibility</p:attrName>
+                                        </p:attrNameLst>
+                                      </p:cBhvr>
+                                      <p:to>
+                                        <p:strVal val="visible"/>
+                                      </p:to>
+                                    </p:set>
+                                  </p:childTnLst>
+                                </p:cTn>
+                              </p:par>
+                              <p:par>
+                                <p:cTn id="19" presetID="1" presetClass="entr" presetSubtype="0" fill="hold" nodeType="withEffect">
+                                  <p:stCondLst>
+                                    <p:cond delay="0"/>
+                                  </p:stCondLst>
+                                  <p:childTnLst>
+                                    <p:set>
+                                      <p:cBhvr>
+                                        <p:cTn id="20" dur="1" fill="hold">
+                                          <p:stCondLst>
+                                            <p:cond delay="0"/>
+                                          </p:stCondLst>
+                                        </p:cTn>
+                                        <p:tgtEl>
+                                          <p:spTgt spid="26"/>
+                                        </p:tgtEl>
+                                        <p:attrNameLst>
+                                          <p:attrName>style.visibility</p:attrName>
+                                        </p:attrNameLst>
+                                      </p:cBhvr>
+                                      <p:to>
+                                        <p:strVal val="visible"/>
+                                      </p:to>
+                                    </p:set>
+                                  </p:childTnLst>
+                                </p:cTn>
+                              </p:par>
+                              <p:par>
+                                <p:cTn id="21" presetID="1" presetClass="entr" presetSubtype="0" fill="hold" grpId="0" nodeType="withEffect">
+                                  <p:stCondLst>
+                                    <p:cond delay="0"/>
+                                  </p:stCondLst>
+                                  <p:childTnLst>
+                                    <p:set>
+                                      <p:cBhvr>
+                                        <p:cTn id="22" dur="1" fill="hold">
+                                          <p:stCondLst>
+                                            <p:cond delay="0"/>
+                                          </p:stCondLst>
+                                        </p:cTn>
+                                        <p:tgtEl>
+                                          <p:spTgt spid="23"/>
+                                        </p:tgtEl>
+                                        <p:attrNameLst>
+                                          <p:attrName>style.visibility</p:attrName>
+                                        </p:attrNameLst>
+                                      </p:cBhvr>
+                                      <p:to>
+                                        <p:strVal val="visible"/>
+                                      </p:to>
+                                    </p:set>
+                                  </p:childTnLst>
+                                </p:cTn>
+                              </p:par>
+                            </p:childTnLst>
+                          </p:cTn>
+                        </p:par>
+                      </p:childTnLst>
+                    </p:cTn>
+                  </p:par>
+                  <p:par>
+                    <p:cTn id="23" fill="hold">
+                      <p:stCondLst>
+                        <p:cond delay="indefinite"/>
+                      </p:stCondLst>
+                      <p:childTnLst>
+                        <p:par>
+                          <p:cTn id="24" fill="hold">
+                            <p:stCondLst>
+                              <p:cond delay="0"/>
+                            </p:stCondLst>
+                            <p:childTnLst>
+                              <p:par>
+                                <p:cTn id="25" presetID="1" presetClass="entr" presetSubtype="0" fill="hold" grpId="0" nodeType="clickEffect">
+                                  <p:stCondLst>
+                                    <p:cond delay="0"/>
+                                  </p:stCondLst>
+                                  <p:childTnLst>
+                                    <p:set>
+                                      <p:cBhvr>
+                                        <p:cTn id="26" dur="1" fill="hold">
+                                          <p:stCondLst>
+                                            <p:cond delay="0"/>
+                                          </p:stCondLst>
+                                        </p:cTn>
+                                        <p:tgtEl>
+                                          <p:spTgt spid="28"/>
+                                        </p:tgtEl>
+                                        <p:attrNameLst>
+                                          <p:attrName>style.visibility</p:attrName>
+                                        </p:attrNameLst>
+                                      </p:cBhvr>
+                                      <p:to>
+                                        <p:strVal val="visible"/>
+                                      </p:to>
+                                    </p:set>
+                                  </p:childTnLst>
+                                </p:cTn>
+                              </p:par>
+                              <p:par>
+                                <p:cTn id="27" presetID="1" presetClass="entr" presetSubtype="0" fill="hold" grpId="0" nodeType="withEffect">
+                                  <p:stCondLst>
+                                    <p:cond delay="0"/>
+                                  </p:stCondLst>
+                                  <p:childTnLst>
+                                    <p:set>
+                                      <p:cBhvr>
+                                        <p:cTn id="28" dur="1" fill="hold">
+                                          <p:stCondLst>
+                                            <p:cond delay="0"/>
+                                          </p:stCondLst>
+                                        </p:cTn>
+                                        <p:tgtEl>
+                                          <p:spTgt spid="31"/>
+                                        </p:tgtEl>
+                                        <p:attrNameLst>
+                                          <p:attrName>style.visibility</p:attrName>
+                                        </p:attrNameLst>
+                                      </p:cBhvr>
+                                      <p:to>
+                                        <p:strVal val="visible"/>
+                                      </p:to>
+                                    </p:set>
+                                  </p:childTnLst>
+                                </p:cTn>
+                              </p:par>
+                              <p:par>
+                                <p:cTn id="29" presetID="1" presetClass="entr" presetSubtype="0" fill="hold" nodeType="withEffect">
+                                  <p:stCondLst>
+                                    <p:cond delay="0"/>
+                                  </p:stCondLst>
+                                  <p:childTnLst>
+                                    <p:set>
+                                      <p:cBhvr>
+                                        <p:cTn id="30" dur="1" fill="hold">
+                                          <p:stCondLst>
+                                            <p:cond delay="0"/>
+                                          </p:stCondLst>
+                                        </p:cTn>
+                                        <p:tgtEl>
+                                          <p:spTgt spid="2053"/>
+                                        </p:tgtEl>
+                                        <p:attrNameLst>
+                                          <p:attrName>style.visibility</p:attrName>
+                                        </p:attrNameLst>
+                                      </p:cBhvr>
+                                      <p:to>
+                                        <p:strVal val="visible"/>
+                                      </p:to>
+                                    </p:set>
+                                  </p:childTnLst>
+                                </p:cTn>
+                              </p:par>
+                            </p:childTnLst>
+                          </p:cTn>
+                        </p:par>
+                      </p:childTnLst>
+                    </p:cTn>
+                  </p:par>
+                </p:childTnLst>
+              </p:cTn>
+              <p:prevCondLst>
+                <p:cond evt="onPrev" delay="0">
+                  <p:tgtEl>
+                    <p:sldTgt/>
+                  </p:tgtEl>
+                </p:cond>
+              </p:prevCondLst>
+              <p:nextCondLst>
+                <p:cond evt="onNext" delay="0">
+                  <p:tgtEl>
+                    <p:sldTgt/>
+                  </p:tgtEl>
+                </p:cond>
+              </p:nextCondLst>
+            </p:seq>
+          </p:childTnLst>
+        </p:cTn>
+      </p:par>
+    </p:tnLst>
+    <p:bldLst>
+      <p:bldP spid="17" grpId="0"/>
+      <p:bldP spid="19" grpId="0" animBg="1"/>
+      <p:bldP spid="23" grpId="0" animBg="1"/>
+      <p:bldP spid="24" grpId="0" animBg="1"/>
+      <p:bldP spid="28" grpId="0" animBg="1"/>
+      <p:bldP spid="31" grpId="0"/>
+    </p:bldLst>
+  </p:timing>
+</p:sld>
+</file>
+
+<file path=ppt/slides/slide16.xml><?xml version="1.0" encoding="utf-8"?>
+<p:sld xmlns:a="http://schemas.openxmlformats.org/drawingml/2006/main" xmlns:r="http://schemas.openxmlformats.org/officeDocument/2006/relationships" xmlns:p="http://schemas.openxmlformats.org/presentationml/2006/main">
+  <p:cSld>
+    <p:spTree>
+      <p:nvGrpSpPr>
+        <p:cNvPr id="1" name=""/>
+        <p:cNvGrpSpPr/>
+        <p:nvPr/>
+      </p:nvGrpSpPr>
+      <p:grpSpPr>
+        <a:xfrm>
+          <a:off x="0" y="0"/>
+          <a:ext cx="0" cy="0"/>
+          <a:chOff x="0" y="0"/>
+          <a:chExt cx="0" cy="0"/>
+        </a:xfrm>
+      </p:grpSpPr>
+      <p:pic>
+        <p:nvPicPr>
+          <p:cNvPr id="3075" name="Picture 3"/>
+          <p:cNvPicPr>
+            <a:picLocks noChangeAspect="1" noChangeArrowheads="1"/>
+          </p:cNvPicPr>
+          <p:nvPr/>
+        </p:nvPicPr>
+        <p:blipFill>
+          <a:blip r:embed="rId2" cstate="print"/>
+          <a:srcRect/>
+          <a:stretch>
+            <a:fillRect/>
+          </a:stretch>
+        </p:blipFill>
+        <p:spPr bwMode="auto">
+          <a:xfrm>
+            <a:off x="4530844" y="3717806"/>
+            <a:ext cx="3981450" cy="2838450"/>
+          </a:xfrm>
+          <a:prstGeom prst="rect">
+            <a:avLst/>
+          </a:prstGeom>
+          <a:noFill/>
+          <a:ln w="9525">
+            <a:noFill/>
+            <a:miter lim="800000"/>
+            <a:headEnd/>
+            <a:tailEnd/>
+          </a:ln>
+        </p:spPr>
+      </p:pic>
+      <p:pic>
+        <p:nvPicPr>
+          <p:cNvPr id="3074" name="Picture 2"/>
+          <p:cNvPicPr>
+            <a:picLocks noChangeAspect="1" noChangeArrowheads="1"/>
+          </p:cNvPicPr>
+          <p:nvPr/>
+        </p:nvPicPr>
+        <p:blipFill>
+          <a:blip r:embed="rId3" cstate="print"/>
+          <a:srcRect/>
+          <a:stretch>
+            <a:fillRect/>
+          </a:stretch>
+        </p:blipFill>
+        <p:spPr bwMode="auto">
+          <a:xfrm>
+            <a:off x="267406" y="2507682"/>
+            <a:ext cx="4131962" cy="2867638"/>
+          </a:xfrm>
+          <a:prstGeom prst="rect">
+            <a:avLst/>
+          </a:prstGeom>
+          <a:noFill/>
+          <a:ln w="9525">
+            <a:noFill/>
+            <a:miter lim="800000"/>
+            <a:headEnd/>
+            <a:tailEnd/>
+          </a:ln>
+        </p:spPr>
+      </p:pic>
+      <p:sp>
+        <p:nvSpPr>
+          <p:cNvPr id="2" name="Title 1"/>
+          <p:cNvSpPr>
+            <a:spLocks noGrp="1"/>
+          </p:cNvSpPr>
+          <p:nvPr>
+            <p:ph type="title"/>
+          </p:nvPr>
+        </p:nvSpPr>
+        <p:spPr>
+          <a:xfrm>
+            <a:off x="112143" y="0"/>
+            <a:ext cx="8565132" cy="660400"/>
+          </a:xfrm>
+        </p:spPr>
+        <p:txBody>
+          <a:bodyPr/>
+          <a:lstStyle/>
+          <a:p>
+            <a:r>
+              <a:rPr lang="en-US" dirty="0" smtClean="0"/>
+              <a:t>Simply create a </a:t>
+            </a:r>
+            <a:r>
+              <a:rPr lang="en-US" dirty="0" err="1" smtClean="0"/>
+              <a:t>keypoint</a:t>
+            </a:r>
+            <a:r>
+              <a:rPr lang="en-US" dirty="0" smtClean="0"/>
+              <a:t> at the center of any arc</a:t>
+            </a:r>
+            <a:endParaRPr lang="en-US" dirty="0"/>
+          </a:p>
+        </p:txBody>
+      </p:sp>
+      <p:sp>
+        <p:nvSpPr>
+          <p:cNvPr id="3" name="TextBox 2"/>
+          <p:cNvSpPr txBox="1"/>
+          <p:nvPr/>
+        </p:nvSpPr>
+        <p:spPr>
+          <a:xfrm>
+            <a:off x="155274" y="888521"/>
+            <a:ext cx="8988725" cy="923330"/>
+          </a:xfrm>
+          <a:prstGeom prst="rect">
+            <a:avLst/>
+          </a:prstGeom>
+          <a:noFill/>
+        </p:spPr>
+        <p:txBody>
+          <a:bodyPr wrap="square" rtlCol="0">
+            <a:spAutoFit/>
+          </a:bodyPr>
+          <a:lstStyle/>
+          <a:p>
+            <a:r>
+              <a:rPr lang="en-US" sz="5400" dirty="0" smtClean="0"/>
+              <a:t>_</a:t>
+            </a:r>
+            <a:r>
+              <a:rPr lang="en-US" sz="5400" dirty="0" err="1" smtClean="0"/>
+              <a:t>KMOVE</a:t>
+            </a:r>
+            <a:r>
+              <a:rPr lang="en-US" sz="3600" dirty="0" smtClean="0"/>
+              <a:t>, </a:t>
+            </a:r>
+            <a:r>
+              <a:rPr lang="en-US" sz="2000" dirty="0" smtClean="0"/>
+              <a:t>&lt;</a:t>
+            </a:r>
+            <a:r>
+              <a:rPr lang="en-US" sz="2000" dirty="0" err="1" smtClean="0"/>
+              <a:t>keypoint</a:t>
+            </a:r>
+            <a:r>
+              <a:rPr lang="en-US" sz="2000" dirty="0" smtClean="0"/>
+              <a:t> to move&gt;,&lt;</a:t>
+            </a:r>
+            <a:r>
+              <a:rPr lang="en-US" sz="2000" dirty="0" err="1" smtClean="0"/>
+              <a:t>kepoint</a:t>
+            </a:r>
+            <a:r>
+              <a:rPr lang="en-US" sz="2000" dirty="0" smtClean="0"/>
+              <a:t> to move too&gt; </a:t>
+            </a:r>
+            <a:endParaRPr lang="en-US" sz="6000" dirty="0"/>
+          </a:p>
+        </p:txBody>
+      </p:sp>
+      <p:sp>
+        <p:nvSpPr>
+          <p:cNvPr id="4" name="TextBox 3"/>
+          <p:cNvSpPr txBox="1"/>
+          <p:nvPr/>
+        </p:nvSpPr>
+        <p:spPr>
+          <a:xfrm>
+            <a:off x="4226944" y="845389"/>
+            <a:ext cx="4917056" cy="338554"/>
+          </a:xfrm>
+          <a:prstGeom prst="rect">
+            <a:avLst/>
+          </a:prstGeom>
+          <a:noFill/>
+        </p:spPr>
+        <p:txBody>
+          <a:bodyPr wrap="square" rtlCol="0">
+            <a:spAutoFit/>
+          </a:bodyPr>
+          <a:lstStyle/>
+          <a:p>
+            <a:pPr algn="r"/>
+            <a:r>
+              <a:rPr lang="en-US" sz="1600" dirty="0" smtClean="0"/>
+              <a:t>“Think: </a:t>
+            </a:r>
+            <a:r>
+              <a:rPr lang="en-US" sz="1600" dirty="0" smtClean="0">
+                <a:solidFill>
+                  <a:schemeClr val="accent6"/>
+                </a:solidFill>
+              </a:rPr>
+              <a:t>_</a:t>
+            </a:r>
+            <a:r>
+              <a:rPr lang="en-US" sz="1600" dirty="0" err="1" smtClean="0">
+                <a:solidFill>
+                  <a:schemeClr val="accent6"/>
+                </a:solidFill>
+              </a:rPr>
+              <a:t>K</a:t>
+            </a:r>
+            <a:r>
+              <a:rPr lang="en-US" sz="1600" dirty="0" err="1" smtClean="0"/>
+              <a:t>eypoint</a:t>
+            </a:r>
+            <a:r>
+              <a:rPr lang="en-US" sz="1600" dirty="0" smtClean="0"/>
+              <a:t> </a:t>
+            </a:r>
+            <a:r>
+              <a:rPr lang="en-US" sz="1600" dirty="0" smtClean="0">
+                <a:solidFill>
+                  <a:schemeClr val="accent6"/>
+                </a:solidFill>
+              </a:rPr>
+              <a:t>Move</a:t>
+            </a:r>
+            <a:r>
+              <a:rPr lang="en-US" sz="1600" dirty="0" smtClean="0"/>
+              <a:t>”</a:t>
+            </a:r>
+            <a:endParaRPr lang="en-US" sz="1600" dirty="0"/>
+          </a:p>
+        </p:txBody>
+      </p:sp>
+      <p:sp>
+        <p:nvSpPr>
+          <p:cNvPr id="5" name="TextBox 4"/>
+          <p:cNvSpPr txBox="1"/>
+          <p:nvPr/>
+        </p:nvSpPr>
+        <p:spPr>
+          <a:xfrm>
+            <a:off x="172528" y="1871932"/>
+            <a:ext cx="8436634" cy="307777"/>
+          </a:xfrm>
+          <a:prstGeom prst="rect">
+            <a:avLst/>
+          </a:prstGeom>
+          <a:noFill/>
+          <a:ln>
+            <a:noFill/>
+          </a:ln>
+        </p:spPr>
+        <p:txBody>
+          <a:bodyPr wrap="square" rtlCol="0">
+            <a:spAutoFit/>
+          </a:bodyPr>
+          <a:lstStyle/>
+          <a:p>
+            <a:r>
+              <a:rPr lang="en-US" sz="1400" dirty="0" smtClean="0"/>
+              <a:t>Creates </a:t>
+            </a:r>
+            <a:r>
+              <a:rPr lang="en-US" sz="1400" dirty="0" err="1" smtClean="0"/>
+              <a:t>keypoint</a:t>
+            </a:r>
+            <a:r>
+              <a:rPr lang="en-US" sz="1400" dirty="0" smtClean="0"/>
+              <a:t> at the center of an arc</a:t>
+            </a:r>
+          </a:p>
+        </p:txBody>
+      </p:sp>
+      <p:sp>
+        <p:nvSpPr>
+          <p:cNvPr id="19" name="TextBox 18"/>
+          <p:cNvSpPr txBox="1"/>
+          <p:nvPr/>
+        </p:nvSpPr>
+        <p:spPr>
+          <a:xfrm>
+            <a:off x="4580673" y="2415395"/>
+            <a:ext cx="3134063" cy="307777"/>
+          </a:xfrm>
+          <a:prstGeom prst="rect">
+            <a:avLst/>
+          </a:prstGeom>
+          <a:noFill/>
+          <a:ln w="28575">
+            <a:solidFill>
+              <a:srgbClr val="FF0000"/>
+            </a:solidFill>
+          </a:ln>
+        </p:spPr>
+        <p:txBody>
+          <a:bodyPr wrap="none" rtlCol="0">
+            <a:spAutoFit/>
+          </a:bodyPr>
+          <a:lstStyle/>
+          <a:p>
+            <a:r>
+              <a:rPr lang="en-US" sz="1400" dirty="0" smtClean="0"/>
+              <a:t>Step 3: Select </a:t>
+            </a:r>
+            <a:r>
+              <a:rPr lang="en-US" sz="1400" dirty="0" err="1" smtClean="0"/>
+              <a:t>keypoint</a:t>
+            </a:r>
+            <a:r>
+              <a:rPr lang="en-US" sz="1400" dirty="0" smtClean="0"/>
+              <a:t> to move TOO</a:t>
+            </a:r>
+          </a:p>
+        </p:txBody>
+      </p:sp>
+      <p:cxnSp>
+        <p:nvCxnSpPr>
+          <p:cNvPr id="21" name="Straight Arrow Connector 20"/>
+          <p:cNvCxnSpPr>
+            <a:stCxn id="19" idx="1"/>
+            <a:endCxn id="32" idx="7"/>
+          </p:cNvCxnSpPr>
+          <p:nvPr/>
+        </p:nvCxnSpPr>
+        <p:spPr>
+          <a:xfrm rot="10800000" flipV="1">
+            <a:off x="4227255" y="2569283"/>
+            <a:ext cx="353419" cy="283833"/>
+          </a:xfrm>
+          <a:prstGeom prst="straightConnector1">
+            <a:avLst/>
+          </a:prstGeom>
+          <a:ln w="41275">
+            <a:solidFill>
+              <a:srgbClr val="FF0000"/>
+            </a:solidFill>
+            <a:tailEnd type="arrow"/>
+          </a:ln>
+        </p:spPr>
+        <p:style>
+          <a:lnRef idx="1">
+            <a:schemeClr val="accent1"/>
+          </a:lnRef>
+          <a:fillRef idx="0">
+            <a:schemeClr val="accent1"/>
+          </a:fillRef>
+          <a:effectRef idx="0">
+            <a:schemeClr val="accent1"/>
+          </a:effectRef>
+          <a:fontRef idx="minor">
+            <a:schemeClr val="tx1"/>
+          </a:fontRef>
+        </p:style>
+      </p:cxnSp>
+      <p:sp>
+        <p:nvSpPr>
+          <p:cNvPr id="23" name="TextBox 22"/>
+          <p:cNvSpPr txBox="1"/>
+          <p:nvPr/>
+        </p:nvSpPr>
+        <p:spPr>
+          <a:xfrm>
+            <a:off x="4641059" y="3088255"/>
+            <a:ext cx="1638958" cy="523220"/>
+          </a:xfrm>
+          <a:prstGeom prst="rect">
+            <a:avLst/>
+          </a:prstGeom>
+          <a:noFill/>
+          <a:ln w="28575">
+            <a:solidFill>
+              <a:srgbClr val="FF0000"/>
+            </a:solidFill>
+          </a:ln>
+        </p:spPr>
+        <p:txBody>
+          <a:bodyPr wrap="square" rtlCol="0">
+            <a:spAutoFit/>
+          </a:bodyPr>
+          <a:lstStyle/>
+          <a:p>
+            <a:r>
+              <a:rPr lang="en-US" sz="1400" dirty="0" smtClean="0"/>
+              <a:t>Step 2: Select </a:t>
+            </a:r>
+            <a:r>
+              <a:rPr lang="en-US" sz="1400" dirty="0" err="1" smtClean="0"/>
+              <a:t>Keypoint</a:t>
+            </a:r>
+            <a:r>
+              <a:rPr lang="en-US" sz="1400" dirty="0" smtClean="0"/>
+              <a:t> to move</a:t>
+            </a:r>
+          </a:p>
+        </p:txBody>
+      </p:sp>
+      <p:sp>
+        <p:nvSpPr>
+          <p:cNvPr id="24" name="Oval 23"/>
+          <p:cNvSpPr/>
+          <p:nvPr/>
+        </p:nvSpPr>
+        <p:spPr>
+          <a:xfrm>
+            <a:off x="4106220" y="3450564"/>
+            <a:ext cx="155276" cy="181155"/>
+          </a:xfrm>
+          <a:prstGeom prst="ellipse">
+            <a:avLst/>
+          </a:prstGeom>
+          <a:noFill/>
+          <a:ln>
+            <a:solidFill>
+              <a:srgbClr val="FF0000"/>
+            </a:solidFill>
+          </a:ln>
+        </p:spPr>
+        <p:style>
+          <a:lnRef idx="2">
+            <a:schemeClr val="accent1">
+              <a:shade val="50000"/>
+            </a:schemeClr>
+          </a:lnRef>
+          <a:fillRef idx="1">
+            <a:schemeClr val="accent1"/>
+          </a:fillRef>
+          <a:effectRef idx="0">
+            <a:schemeClr val="accent1"/>
+          </a:effectRef>
+          <a:fontRef idx="minor">
+            <a:schemeClr val="lt1"/>
+          </a:fontRef>
+        </p:style>
+        <p:txBody>
+          <a:bodyPr rtlCol="0" anchor="ctr"/>
+          <a:lstStyle/>
+          <a:p>
+            <a:pPr algn="ctr"/>
+            <a:endParaRPr lang="en-US"/>
+          </a:p>
+        </p:txBody>
+      </p:sp>
+      <p:cxnSp>
+        <p:nvCxnSpPr>
+          <p:cNvPr id="26" name="Straight Arrow Connector 25"/>
+          <p:cNvCxnSpPr>
+            <a:stCxn id="23" idx="1"/>
+            <a:endCxn id="24" idx="6"/>
+          </p:cNvCxnSpPr>
+          <p:nvPr/>
+        </p:nvCxnSpPr>
+        <p:spPr>
+          <a:xfrm rot="10800000" flipV="1">
+            <a:off x="4261497" y="3349864"/>
+            <a:ext cx="379563" cy="191277"/>
+          </a:xfrm>
+          <a:prstGeom prst="straightConnector1">
+            <a:avLst/>
+          </a:prstGeom>
+          <a:ln w="41275">
+            <a:solidFill>
+              <a:srgbClr val="FF0000"/>
+            </a:solidFill>
+            <a:tailEnd type="arrow"/>
+          </a:ln>
+        </p:spPr>
+        <p:style>
+          <a:lnRef idx="1">
+            <a:schemeClr val="accent1"/>
+          </a:lnRef>
+          <a:fillRef idx="0">
+            <a:schemeClr val="accent1"/>
+          </a:fillRef>
+          <a:effectRef idx="0">
+            <a:schemeClr val="accent1"/>
+          </a:effectRef>
+          <a:fontRef idx="minor">
+            <a:schemeClr val="tx1"/>
+          </a:fontRef>
+        </p:style>
+      </p:cxnSp>
+      <p:sp>
+        <p:nvSpPr>
+          <p:cNvPr id="18" name="TextBox 17"/>
+          <p:cNvSpPr txBox="1"/>
+          <p:nvPr/>
+        </p:nvSpPr>
+        <p:spPr>
+          <a:xfrm>
+            <a:off x="345058" y="2199736"/>
+            <a:ext cx="1834616" cy="338554"/>
+          </a:xfrm>
+          <a:prstGeom prst="rect">
+            <a:avLst/>
+          </a:prstGeom>
+          <a:noFill/>
+          <a:ln>
+            <a:noFill/>
+          </a:ln>
+        </p:spPr>
+        <p:txBody>
+          <a:bodyPr wrap="square" rtlCol="0">
+            <a:spAutoFit/>
+          </a:bodyPr>
+          <a:lstStyle/>
+          <a:p>
+            <a:r>
+              <a:rPr lang="en-US" sz="1600" dirty="0" smtClean="0"/>
+              <a:t>Step 1: </a:t>
+            </a:r>
+            <a:r>
+              <a:rPr lang="en-US" sz="1600" dirty="0" smtClean="0">
+                <a:solidFill>
+                  <a:srgbClr val="FF0000"/>
+                </a:solidFill>
+              </a:rPr>
+              <a:t>_</a:t>
+            </a:r>
+            <a:r>
+              <a:rPr lang="en-US" sz="1600" dirty="0" err="1" smtClean="0">
+                <a:solidFill>
+                  <a:srgbClr val="FF0000"/>
+                </a:solidFill>
+              </a:rPr>
+              <a:t>kmove</a:t>
+            </a:r>
+            <a:endParaRPr lang="en-US" sz="1600" dirty="0" smtClean="0">
+              <a:solidFill>
+                <a:srgbClr val="FF0000"/>
+              </a:solidFill>
+            </a:endParaRPr>
+          </a:p>
+        </p:txBody>
+      </p:sp>
+      <p:sp>
+        <p:nvSpPr>
+          <p:cNvPr id="32" name="Oval 31"/>
+          <p:cNvSpPr/>
+          <p:nvPr/>
+        </p:nvSpPr>
+        <p:spPr>
+          <a:xfrm>
+            <a:off x="4094718" y="2826587"/>
+            <a:ext cx="155276" cy="181155"/>
+          </a:xfrm>
+          <a:prstGeom prst="ellipse">
+            <a:avLst/>
+          </a:prstGeom>
+          <a:noFill/>
+          <a:ln>
+            <a:solidFill>
+              <a:srgbClr val="FF0000"/>
+            </a:solidFill>
+          </a:ln>
+        </p:spPr>
+        <p:style>
+          <a:lnRef idx="2">
+            <a:schemeClr val="accent1">
+              <a:shade val="50000"/>
+            </a:schemeClr>
+          </a:lnRef>
+          <a:fillRef idx="1">
+            <a:schemeClr val="accent1"/>
+          </a:fillRef>
+          <a:effectRef idx="0">
+            <a:schemeClr val="accent1"/>
+          </a:effectRef>
+          <a:fontRef idx="minor">
+            <a:schemeClr val="lt1"/>
+          </a:fontRef>
+        </p:style>
+        <p:txBody>
+          <a:bodyPr rtlCol="0" anchor="ctr"/>
+          <a:lstStyle/>
+          <a:p>
+            <a:pPr algn="ctr"/>
+            <a:endParaRPr lang="en-US"/>
+          </a:p>
+        </p:txBody>
+      </p:sp>
+      <p:sp>
+        <p:nvSpPr>
+          <p:cNvPr id="43" name="TextBox 42"/>
+          <p:cNvSpPr txBox="1"/>
+          <p:nvPr/>
+        </p:nvSpPr>
+        <p:spPr>
+          <a:xfrm>
+            <a:off x="379563" y="5926347"/>
+            <a:ext cx="3381554" cy="338554"/>
+          </a:xfrm>
+          <a:prstGeom prst="rect">
+            <a:avLst/>
+          </a:prstGeom>
+          <a:ln/>
+        </p:spPr>
+        <p:style>
+          <a:lnRef idx="1">
+            <a:schemeClr val="accent3"/>
+          </a:lnRef>
+          <a:fillRef idx="2">
+            <a:schemeClr val="accent3"/>
+          </a:fillRef>
+          <a:effectRef idx="1">
+            <a:schemeClr val="accent3"/>
+          </a:effectRef>
+          <a:fontRef idx="minor">
+            <a:schemeClr val="dk1"/>
+          </a:fontRef>
+        </p:style>
+        <p:txBody>
+          <a:bodyPr wrap="square" rtlCol="0">
+            <a:spAutoFit/>
+          </a:bodyPr>
+          <a:lstStyle/>
+          <a:p>
+            <a:pPr algn="ctr"/>
+            <a:r>
+              <a:rPr lang="en-US" sz="1600" dirty="0" smtClean="0"/>
+              <a:t>If possible the </a:t>
+            </a:r>
+            <a:r>
+              <a:rPr lang="en-US" sz="1600" dirty="0" err="1" smtClean="0"/>
+              <a:t>keypoints</a:t>
+            </a:r>
+            <a:r>
+              <a:rPr lang="en-US" sz="1600" dirty="0" smtClean="0"/>
+              <a:t> are merged</a:t>
+            </a:r>
+          </a:p>
+        </p:txBody>
+      </p:sp>
+    </p:spTree>
+  </p:cSld>
+  <p:clrMapOvr>
+    <a:masterClrMapping/>
+  </p:clrMapOvr>
+  <p:timing>
+    <p:tnLst>
+      <p:par>
+        <p:cTn id="1" dur="indefinite" restart="never" nodeType="tmRoot">
+          <p:childTnLst>
+            <p:seq concurrent="1" nextAc="seek">
+              <p:cTn id="2" dur="indefinite" nodeType="mainSeq">
+                <p:childTnLst>
+                  <p:par>
+                    <p:cTn id="3" fill="hold">
+                      <p:stCondLst>
+                        <p:cond delay="indefinite"/>
+                      </p:stCondLst>
+                      <p:childTnLst>
+                        <p:par>
+                          <p:cTn id="4" fill="hold">
+                            <p:stCondLst>
+                              <p:cond delay="0"/>
+                            </p:stCondLst>
+                            <p:childTnLst>
+                              <p:par>
+                                <p:cTn id="5" presetID="1" presetClass="entr" presetSubtype="0" fill="hold" grpId="0" nodeType="clickEffect">
+                                  <p:stCondLst>
+                                    <p:cond delay="0"/>
+                                  </p:stCondLst>
+                                  <p:childTnLst>
+                                    <p:set>
+                                      <p:cBhvr>
+                                        <p:cTn id="6" dur="1" fill="hold">
+                                          <p:stCondLst>
+                                            <p:cond delay="0"/>
+                                          </p:stCondLst>
+                                        </p:cTn>
+                                        <p:tgtEl>
+                                          <p:spTgt spid="18"/>
+                                        </p:tgtEl>
+                                        <p:attrNameLst>
+                                          <p:attrName>style.visibility</p:attrName>
+                                        </p:attrNameLst>
+                                      </p:cBhvr>
+                                      <p:to>
+                                        <p:strVal val="visible"/>
+                                      </p:to>
+                                    </p:set>
+                                  </p:childTnLst>
+                                </p:cTn>
+                              </p:par>
+                            </p:childTnLst>
+                          </p:cTn>
+                        </p:par>
+                      </p:childTnLst>
+                    </p:cTn>
+                  </p:par>
+                  <p:par>
+                    <p:cTn id="7" fill="hold">
+                      <p:stCondLst>
+                        <p:cond delay="indefinite"/>
+                      </p:stCondLst>
+                      <p:childTnLst>
+                        <p:par>
+                          <p:cTn id="8" fill="hold">
+                            <p:stCondLst>
+                              <p:cond delay="0"/>
+                            </p:stCondLst>
+                            <p:childTnLst>
+                              <p:par>
+                                <p:cTn id="9" presetID="1" presetClass="entr" presetSubtype="0" fill="hold" nodeType="clickEffect">
+                                  <p:stCondLst>
+                                    <p:cond delay="0"/>
+                                  </p:stCondLst>
+                                  <p:childTnLst>
+                                    <p:set>
+                                      <p:cBhvr>
+                                        <p:cTn id="10" dur="1" fill="hold">
+                                          <p:stCondLst>
+                                            <p:cond delay="0"/>
+                                          </p:stCondLst>
+                                        </p:cTn>
+                                        <p:tgtEl>
+                                          <p:spTgt spid="26"/>
+                                        </p:tgtEl>
+                                        <p:attrNameLst>
+                                          <p:attrName>style.visibility</p:attrName>
+                                        </p:attrNameLst>
+                                      </p:cBhvr>
+                                      <p:to>
+                                        <p:strVal val="visible"/>
+                                      </p:to>
+                                    </p:set>
+                                  </p:childTnLst>
+                                </p:cTn>
+                              </p:par>
+                              <p:par>
+                                <p:cTn id="11" presetID="1" presetClass="entr" presetSubtype="0" fill="hold" grpId="0" nodeType="withEffect">
+                                  <p:stCondLst>
+                                    <p:cond delay="0"/>
+                                  </p:stCondLst>
+                                  <p:childTnLst>
+                                    <p:set>
+                                      <p:cBhvr>
+                                        <p:cTn id="12" dur="1" fill="hold">
+                                          <p:stCondLst>
+                                            <p:cond delay="0"/>
+                                          </p:stCondLst>
+                                        </p:cTn>
+                                        <p:tgtEl>
+                                          <p:spTgt spid="23"/>
+                                        </p:tgtEl>
+                                        <p:attrNameLst>
+                                          <p:attrName>style.visibility</p:attrName>
+                                        </p:attrNameLst>
+                                      </p:cBhvr>
+                                      <p:to>
+                                        <p:strVal val="visible"/>
+                                      </p:to>
+                                    </p:set>
+                                  </p:childTnLst>
+                                </p:cTn>
+                              </p:par>
+                              <p:par>
+                                <p:cTn id="13" presetID="1" presetClass="entr" presetSubtype="0" fill="hold" grpId="0" nodeType="withEffect">
+                                  <p:stCondLst>
+                                    <p:cond delay="0"/>
+                                  </p:stCondLst>
+                                  <p:childTnLst>
+                                    <p:set>
+                                      <p:cBhvr>
+                                        <p:cTn id="14" dur="1" fill="hold">
+                                          <p:stCondLst>
+                                            <p:cond delay="0"/>
+                                          </p:stCondLst>
+                                        </p:cTn>
+                                        <p:tgtEl>
+                                          <p:spTgt spid="24"/>
+                                        </p:tgtEl>
+                                        <p:attrNameLst>
+                                          <p:attrName>style.visibility</p:attrName>
+                                        </p:attrNameLst>
+                                      </p:cBhvr>
+                                      <p:to>
+                                        <p:strVal val="visible"/>
+                                      </p:to>
+                                    </p:set>
+                                  </p:childTnLst>
+                                </p:cTn>
+                              </p:par>
+                            </p:childTnLst>
+                          </p:cTn>
+                        </p:par>
+                      </p:childTnLst>
+                    </p:cTn>
+                  </p:par>
+                  <p:par>
+                    <p:cTn id="15" fill="hold">
+                      <p:stCondLst>
+                        <p:cond delay="indefinite"/>
+                      </p:stCondLst>
+                      <p:childTnLst>
+                        <p:par>
+                          <p:cTn id="16" fill="hold">
+                            <p:stCondLst>
+                              <p:cond delay="0"/>
+                            </p:stCondLst>
+                            <p:childTnLst>
+                              <p:par>
+                                <p:cTn id="17" presetID="1" presetClass="entr" presetSubtype="0" fill="hold" grpId="0" nodeType="clickEffect">
+                                  <p:stCondLst>
+                                    <p:cond delay="0"/>
+                                  </p:stCondLst>
+                                  <p:childTnLst>
+                                    <p:set>
+                                      <p:cBhvr>
+                                        <p:cTn id="18" dur="1" fill="hold">
+                                          <p:stCondLst>
+                                            <p:cond delay="0"/>
+                                          </p:stCondLst>
+                                        </p:cTn>
+                                        <p:tgtEl>
+                                          <p:spTgt spid="19"/>
+                                        </p:tgtEl>
+                                        <p:attrNameLst>
+                                          <p:attrName>style.visibility</p:attrName>
+                                        </p:attrNameLst>
+                                      </p:cBhvr>
+                                      <p:to>
+                                        <p:strVal val="visible"/>
+                                      </p:to>
+                                    </p:set>
+                                  </p:childTnLst>
+                                </p:cTn>
+                              </p:par>
+                              <p:par>
+                                <p:cTn id="19" presetID="1" presetClass="entr" presetSubtype="0" fill="hold" grpId="0" nodeType="withEffect">
+                                  <p:stCondLst>
+                                    <p:cond delay="0"/>
+                                  </p:stCondLst>
+                                  <p:childTnLst>
+                                    <p:set>
+                                      <p:cBhvr>
+                                        <p:cTn id="20" dur="1" fill="hold">
+                                          <p:stCondLst>
+                                            <p:cond delay="0"/>
+                                          </p:stCondLst>
+                                        </p:cTn>
+                                        <p:tgtEl>
+                                          <p:spTgt spid="32"/>
+                                        </p:tgtEl>
+                                        <p:attrNameLst>
+                                          <p:attrName>style.visibility</p:attrName>
+                                        </p:attrNameLst>
+                                      </p:cBhvr>
+                                      <p:to>
+                                        <p:strVal val="visible"/>
+                                      </p:to>
+                                    </p:set>
+                                  </p:childTnLst>
+                                </p:cTn>
+                              </p:par>
+                              <p:par>
+                                <p:cTn id="21" presetID="1" presetClass="entr" presetSubtype="0" fill="hold" nodeType="withEffect">
+                                  <p:stCondLst>
+                                    <p:cond delay="0"/>
+                                  </p:stCondLst>
+                                  <p:childTnLst>
+                                    <p:set>
+                                      <p:cBhvr>
+                                        <p:cTn id="22" dur="1" fill="hold">
+                                          <p:stCondLst>
+                                            <p:cond delay="0"/>
+                                          </p:stCondLst>
+                                        </p:cTn>
+                                        <p:tgtEl>
+                                          <p:spTgt spid="21"/>
+                                        </p:tgtEl>
+                                        <p:attrNameLst>
+                                          <p:attrName>style.visibility</p:attrName>
+                                        </p:attrNameLst>
+                                      </p:cBhvr>
+                                      <p:to>
+                                        <p:strVal val="visible"/>
+                                      </p:to>
+                                    </p:set>
+                                  </p:childTnLst>
+                                </p:cTn>
+                              </p:par>
+                            </p:childTnLst>
+                          </p:cTn>
+                        </p:par>
+                      </p:childTnLst>
+                    </p:cTn>
+                  </p:par>
+                  <p:par>
+                    <p:cTn id="23" fill="hold">
+                      <p:stCondLst>
+                        <p:cond delay="indefinite"/>
+                      </p:stCondLst>
+                      <p:childTnLst>
+                        <p:par>
+                          <p:cTn id="24" fill="hold">
+                            <p:stCondLst>
+                              <p:cond delay="0"/>
+                            </p:stCondLst>
+                            <p:childTnLst>
+                              <p:par>
+                                <p:cTn id="25" presetID="1" presetClass="entr" presetSubtype="0" fill="hold" nodeType="clickEffect">
+                                  <p:stCondLst>
+                                    <p:cond delay="0"/>
+                                  </p:stCondLst>
+                                  <p:childTnLst>
+                                    <p:set>
+                                      <p:cBhvr>
+                                        <p:cTn id="26" dur="1" fill="hold">
+                                          <p:stCondLst>
+                                            <p:cond delay="0"/>
+                                          </p:stCondLst>
+                                        </p:cTn>
+                                        <p:tgtEl>
+                                          <p:spTgt spid="3075"/>
+                                        </p:tgtEl>
+                                        <p:attrNameLst>
+                                          <p:attrName>style.visibility</p:attrName>
+                                        </p:attrNameLst>
+                                      </p:cBhvr>
+                                      <p:to>
+                                        <p:strVal val="visible"/>
+                                      </p:to>
+                                    </p:set>
+                                  </p:childTnLst>
+                                </p:cTn>
+                              </p:par>
+                            </p:childTnLst>
+                          </p:cTn>
+                        </p:par>
+                      </p:childTnLst>
+                    </p:cTn>
+                  </p:par>
+                  <p:par>
+                    <p:cTn id="27" fill="hold">
+                      <p:stCondLst>
+                        <p:cond delay="indefinite"/>
+                      </p:stCondLst>
+                      <p:childTnLst>
+                        <p:par>
+                          <p:cTn id="28" fill="hold">
+                            <p:stCondLst>
+                              <p:cond delay="0"/>
+                            </p:stCondLst>
+                            <p:childTnLst>
+                              <p:par>
+                                <p:cTn id="29" presetID="1" presetClass="entr" presetSubtype="0" fill="hold" grpId="0" nodeType="clickEffect">
+                                  <p:stCondLst>
+                                    <p:cond delay="0"/>
+                                  </p:stCondLst>
+                                  <p:childTnLst>
+                                    <p:set>
+                                      <p:cBhvr>
+                                        <p:cTn id="30" dur="1" fill="hold">
+                                          <p:stCondLst>
+                                            <p:cond delay="0"/>
+                                          </p:stCondLst>
+                                        </p:cTn>
+                                        <p:tgtEl>
+                                          <p:spTgt spid="43"/>
+                                        </p:tgtEl>
+                                        <p:attrNameLst>
+                                          <p:attrName>style.visibility</p:attrName>
+                                        </p:attrNameLst>
+                                      </p:cBhvr>
+                                      <p:to>
+                                        <p:strVal val="visible"/>
+                                      </p:to>
+                                    </p:set>
+                                  </p:childTnLst>
+                                </p:cTn>
+                              </p:par>
+                            </p:childTnLst>
+                          </p:cTn>
+                        </p:par>
+                      </p:childTnLst>
+                    </p:cTn>
+                  </p:par>
+                </p:childTnLst>
+              </p:cTn>
+              <p:prevCondLst>
+                <p:cond evt="onPrev" delay="0">
+                  <p:tgtEl>
+                    <p:sldTgt/>
+                  </p:tgtEl>
+                </p:cond>
+              </p:prevCondLst>
+              <p:nextCondLst>
+                <p:cond evt="onNext" delay="0">
+                  <p:tgtEl>
+                    <p:sldTgt/>
+                  </p:tgtEl>
+                </p:cond>
+              </p:nextCondLst>
+            </p:seq>
+          </p:childTnLst>
+        </p:cTn>
+      </p:par>
+    </p:tnLst>
+    <p:bldLst>
+      <p:bldP spid="19" grpId="0" animBg="1"/>
+      <p:bldP spid="23" grpId="0" animBg="1"/>
+      <p:bldP spid="24" grpId="0" animBg="1"/>
+      <p:bldP spid="18" grpId="0"/>
+      <p:bldP spid="32" grpId="0" animBg="1"/>
+      <p:bldP spid="43" grpId="0" animBg="1"/>
+    </p:bldLst>
+  </p:timing>
+</p:sld>
+</file>
+
+<file path=ppt/slides/slide17.xml><?xml version="1.0" encoding="utf-8"?>
+<p:sld xmlns:a="http://schemas.openxmlformats.org/drawingml/2006/main" xmlns:r="http://schemas.openxmlformats.org/officeDocument/2006/relationships" xmlns:p="http://schemas.openxmlformats.org/presentationml/2006/main">
+  <p:cSld>
+    <p:spTree>
+      <p:nvGrpSpPr>
+        <p:cNvPr id="1" name=""/>
+        <p:cNvGrpSpPr/>
+        <p:nvPr/>
+      </p:nvGrpSpPr>
+      <p:grpSpPr>
+        <a:xfrm>
+          <a:off x="0" y="0"/>
+          <a:ext cx="0" cy="0"/>
+          <a:chOff x="0" y="0"/>
+          <a:chExt cx="0" cy="0"/>
+        </a:xfrm>
+      </p:grpSpPr>
+      <p:pic>
+        <p:nvPicPr>
+          <p:cNvPr id="5122" name="Picture 2"/>
+          <p:cNvPicPr>
+            <a:picLocks noChangeAspect="1" noChangeArrowheads="1"/>
+          </p:cNvPicPr>
+          <p:nvPr/>
+        </p:nvPicPr>
+        <p:blipFill>
+          <a:blip r:embed="rId2" cstate="print"/>
+          <a:srcRect/>
+          <a:stretch>
+            <a:fillRect/>
+          </a:stretch>
+        </p:blipFill>
+        <p:spPr bwMode="auto">
+          <a:xfrm>
+            <a:off x="569617" y="2606749"/>
+            <a:ext cx="4104274" cy="2964712"/>
+          </a:xfrm>
+          <a:prstGeom prst="rect">
+            <a:avLst/>
+          </a:prstGeom>
+          <a:noFill/>
+          <a:ln w="9525">
+            <a:noFill/>
+            <a:miter lim="800000"/>
+            <a:headEnd/>
+            <a:tailEnd/>
+          </a:ln>
+        </p:spPr>
+      </p:pic>
+      <p:sp>
+        <p:nvSpPr>
+          <p:cNvPr id="2" name="Title 1"/>
+          <p:cNvSpPr>
+            <a:spLocks noGrp="1"/>
+          </p:cNvSpPr>
+          <p:nvPr>
+            <p:ph type="title"/>
+          </p:nvPr>
+        </p:nvSpPr>
+        <p:spPr>
+          <a:xfrm>
+            <a:off x="112143" y="0"/>
+            <a:ext cx="8565132" cy="660400"/>
+          </a:xfrm>
+        </p:spPr>
+        <p:txBody>
+          <a:bodyPr/>
+          <a:lstStyle/>
+          <a:p>
+            <a:r>
+              <a:rPr lang="en-US" dirty="0" smtClean="0"/>
+              <a:t>Simply create a </a:t>
+            </a:r>
+            <a:r>
+              <a:rPr lang="en-US" dirty="0" err="1" smtClean="0"/>
+              <a:t>keypoint</a:t>
+            </a:r>
+            <a:r>
+              <a:rPr lang="en-US" dirty="0" smtClean="0"/>
+              <a:t> at the center of any arc</a:t>
+            </a:r>
+            <a:endParaRPr lang="en-US" dirty="0"/>
+          </a:p>
+        </p:txBody>
+      </p:sp>
+      <p:sp>
+        <p:nvSpPr>
+          <p:cNvPr id="3" name="TextBox 2"/>
+          <p:cNvSpPr txBox="1"/>
+          <p:nvPr/>
+        </p:nvSpPr>
+        <p:spPr>
+          <a:xfrm>
+            <a:off x="155274" y="888521"/>
+            <a:ext cx="8988725" cy="923330"/>
+          </a:xfrm>
+          <a:prstGeom prst="rect">
+            <a:avLst/>
+          </a:prstGeom>
+          <a:noFill/>
+        </p:spPr>
+        <p:txBody>
+          <a:bodyPr wrap="square" rtlCol="0">
+            <a:spAutoFit/>
+          </a:bodyPr>
+          <a:lstStyle/>
+          <a:p>
+            <a:r>
+              <a:rPr lang="en-US" sz="5400" dirty="0" smtClean="0"/>
+              <a:t>_</a:t>
+            </a:r>
+            <a:r>
+              <a:rPr lang="en-US" sz="5400" dirty="0" err="1" smtClean="0"/>
+              <a:t>LANGLE</a:t>
+            </a:r>
+            <a:r>
+              <a:rPr lang="en-US" sz="3600" dirty="0" smtClean="0"/>
+              <a:t>, </a:t>
+            </a:r>
+            <a:r>
+              <a:rPr lang="en-US" sz="2000" dirty="0" smtClean="0"/>
+              <a:t>&lt;first line&gt;, &lt;second line&gt; </a:t>
+            </a:r>
+            <a:endParaRPr lang="en-US" sz="6000" dirty="0"/>
+          </a:p>
+        </p:txBody>
+      </p:sp>
+      <p:sp>
+        <p:nvSpPr>
+          <p:cNvPr id="4" name="TextBox 3"/>
+          <p:cNvSpPr txBox="1"/>
+          <p:nvPr/>
+        </p:nvSpPr>
+        <p:spPr>
+          <a:xfrm>
+            <a:off x="4226944" y="845389"/>
+            <a:ext cx="4917056" cy="338554"/>
+          </a:xfrm>
+          <a:prstGeom prst="rect">
+            <a:avLst/>
+          </a:prstGeom>
+          <a:noFill/>
+        </p:spPr>
+        <p:txBody>
+          <a:bodyPr wrap="square" rtlCol="0">
+            <a:spAutoFit/>
+          </a:bodyPr>
+          <a:lstStyle/>
+          <a:p>
+            <a:pPr algn="r"/>
+            <a:r>
+              <a:rPr lang="en-US" sz="1600" dirty="0" smtClean="0"/>
+              <a:t>“Think: </a:t>
+            </a:r>
+            <a:r>
+              <a:rPr lang="en-US" sz="1600" dirty="0" smtClean="0">
+                <a:solidFill>
+                  <a:schemeClr val="accent6"/>
+                </a:solidFill>
+              </a:rPr>
+              <a:t>_L</a:t>
+            </a:r>
+            <a:r>
+              <a:rPr lang="en-US" sz="1600" dirty="0" smtClean="0"/>
+              <a:t>ine</a:t>
+            </a:r>
+            <a:r>
+              <a:rPr lang="en-US" sz="1600" dirty="0" smtClean="0">
+                <a:solidFill>
+                  <a:schemeClr val="accent6"/>
+                </a:solidFill>
+              </a:rPr>
+              <a:t> Angle</a:t>
+            </a:r>
+            <a:r>
+              <a:rPr lang="en-US" sz="1600" dirty="0" smtClean="0"/>
+              <a:t>”</a:t>
+            </a:r>
+            <a:endParaRPr lang="en-US" sz="1600" dirty="0"/>
+          </a:p>
+        </p:txBody>
+      </p:sp>
+      <p:sp>
+        <p:nvSpPr>
+          <p:cNvPr id="5" name="TextBox 4"/>
+          <p:cNvSpPr txBox="1"/>
+          <p:nvPr/>
+        </p:nvSpPr>
+        <p:spPr>
+          <a:xfrm>
+            <a:off x="172528" y="1871932"/>
+            <a:ext cx="8436634" cy="307777"/>
+          </a:xfrm>
+          <a:prstGeom prst="rect">
+            <a:avLst/>
+          </a:prstGeom>
+          <a:noFill/>
+          <a:ln>
+            <a:noFill/>
+          </a:ln>
+        </p:spPr>
+        <p:txBody>
+          <a:bodyPr wrap="square" rtlCol="0">
+            <a:spAutoFit/>
+          </a:bodyPr>
+          <a:lstStyle/>
+          <a:p>
+            <a:r>
+              <a:rPr lang="en-US" sz="1400" dirty="0" smtClean="0"/>
+              <a:t>Creates a arc given the two endpoints to the arc and a center </a:t>
+            </a:r>
+            <a:r>
+              <a:rPr lang="en-US" sz="1400" dirty="0" err="1" smtClean="0"/>
+              <a:t>keypoint</a:t>
+            </a:r>
+            <a:endParaRPr lang="en-US" sz="1400" dirty="0" smtClean="0"/>
+          </a:p>
+        </p:txBody>
+      </p:sp>
+      <p:sp>
+        <p:nvSpPr>
+          <p:cNvPr id="23" name="TextBox 22"/>
+          <p:cNvSpPr txBox="1"/>
+          <p:nvPr/>
+        </p:nvSpPr>
+        <p:spPr>
+          <a:xfrm>
+            <a:off x="337682" y="2580501"/>
+            <a:ext cx="2469314" cy="338554"/>
+          </a:xfrm>
+          <a:prstGeom prst="rect">
+            <a:avLst/>
+          </a:prstGeom>
+          <a:noFill/>
+          <a:ln w="28575">
+            <a:solidFill>
+              <a:srgbClr val="FF0000"/>
+            </a:solidFill>
+          </a:ln>
+        </p:spPr>
+        <p:txBody>
+          <a:bodyPr wrap="square" rtlCol="0">
+            <a:spAutoFit/>
+          </a:bodyPr>
+          <a:lstStyle/>
+          <a:p>
+            <a:r>
+              <a:rPr lang="en-US" sz="1600" dirty="0" smtClean="0"/>
+              <a:t>Step 2: Select Two Lines</a:t>
+            </a:r>
+          </a:p>
+        </p:txBody>
+      </p:sp>
+      <p:cxnSp>
+        <p:nvCxnSpPr>
+          <p:cNvPr id="26" name="Straight Arrow Connector 25"/>
+          <p:cNvCxnSpPr>
+            <a:stCxn id="23" idx="2"/>
+          </p:cNvCxnSpPr>
+          <p:nvPr/>
+        </p:nvCxnSpPr>
+        <p:spPr>
+          <a:xfrm rot="16200000" flipH="1">
+            <a:off x="486007" y="4005387"/>
+            <a:ext cx="2227106" cy="54442"/>
+          </a:xfrm>
+          <a:prstGeom prst="straightConnector1">
+            <a:avLst/>
+          </a:prstGeom>
+          <a:ln w="41275">
+            <a:solidFill>
+              <a:srgbClr val="FF0000"/>
+            </a:solidFill>
+            <a:tailEnd type="arrow"/>
+          </a:ln>
+        </p:spPr>
+        <p:style>
+          <a:lnRef idx="1">
+            <a:schemeClr val="accent1"/>
+          </a:lnRef>
+          <a:fillRef idx="0">
+            <a:schemeClr val="accent1"/>
+          </a:fillRef>
+          <a:effectRef idx="0">
+            <a:schemeClr val="accent1"/>
+          </a:effectRef>
+          <a:fontRef idx="minor">
+            <a:schemeClr val="tx1"/>
+          </a:fontRef>
+        </p:style>
+      </p:cxnSp>
+      <p:sp>
+        <p:nvSpPr>
+          <p:cNvPr id="18" name="TextBox 17"/>
+          <p:cNvSpPr txBox="1"/>
+          <p:nvPr/>
+        </p:nvSpPr>
+        <p:spPr>
+          <a:xfrm>
+            <a:off x="345058" y="2199736"/>
+            <a:ext cx="2323714" cy="338554"/>
+          </a:xfrm>
+          <a:prstGeom prst="rect">
+            <a:avLst/>
+          </a:prstGeom>
+          <a:noFill/>
+          <a:ln>
+            <a:noFill/>
+          </a:ln>
+        </p:spPr>
+        <p:txBody>
+          <a:bodyPr wrap="square" rtlCol="0">
+            <a:spAutoFit/>
+          </a:bodyPr>
+          <a:lstStyle/>
+          <a:p>
+            <a:r>
+              <a:rPr lang="en-US" sz="1600" dirty="0" smtClean="0"/>
+              <a:t>Step 1: </a:t>
+            </a:r>
+            <a:r>
+              <a:rPr lang="en-US" sz="1600" dirty="0" smtClean="0">
+                <a:solidFill>
+                  <a:srgbClr val="FF0000"/>
+                </a:solidFill>
+              </a:rPr>
+              <a:t>_</a:t>
+            </a:r>
+            <a:r>
+              <a:rPr lang="en-US" sz="1600" dirty="0" err="1" smtClean="0">
+                <a:solidFill>
+                  <a:srgbClr val="FF0000"/>
+                </a:solidFill>
+              </a:rPr>
+              <a:t>langle</a:t>
+            </a:r>
+            <a:endParaRPr lang="en-US" sz="1600" dirty="0" smtClean="0">
+              <a:solidFill>
+                <a:srgbClr val="FF0000"/>
+              </a:solidFill>
+            </a:endParaRPr>
+          </a:p>
+        </p:txBody>
+      </p:sp>
+      <p:sp>
+        <p:nvSpPr>
+          <p:cNvPr id="43" name="TextBox 42"/>
+          <p:cNvSpPr txBox="1"/>
+          <p:nvPr/>
+        </p:nvSpPr>
+        <p:spPr>
+          <a:xfrm>
+            <a:off x="675673" y="5812385"/>
+            <a:ext cx="3726210" cy="338554"/>
+          </a:xfrm>
+          <a:prstGeom prst="rect">
+            <a:avLst/>
+          </a:prstGeom>
+          <a:ln/>
+        </p:spPr>
+        <p:style>
+          <a:lnRef idx="1">
+            <a:schemeClr val="accent3"/>
+          </a:lnRef>
+          <a:fillRef idx="2">
+            <a:schemeClr val="accent3"/>
+          </a:fillRef>
+          <a:effectRef idx="1">
+            <a:schemeClr val="accent3"/>
+          </a:effectRef>
+          <a:fontRef idx="minor">
+            <a:schemeClr val="dk1"/>
+          </a:fontRef>
+        </p:style>
+        <p:txBody>
+          <a:bodyPr wrap="square" rtlCol="0">
+            <a:spAutoFit/>
+          </a:bodyPr>
+          <a:lstStyle/>
+          <a:p>
+            <a:pPr algn="ctr"/>
+            <a:r>
+              <a:rPr lang="en-US" sz="1600" dirty="0" smtClean="0"/>
+              <a:t>Use </a:t>
+            </a:r>
+            <a:r>
+              <a:rPr lang="en-US" sz="1600" b="1" dirty="0" smtClean="0"/>
+              <a:t>*</a:t>
+            </a:r>
+            <a:r>
+              <a:rPr lang="en-US" sz="1600" b="1" dirty="0" err="1" smtClean="0"/>
+              <a:t>AFUN</a:t>
+            </a:r>
+            <a:r>
+              <a:rPr lang="en-US" sz="1600" b="1" dirty="0" smtClean="0"/>
+              <a:t>, DEG</a:t>
+            </a:r>
+            <a:r>
+              <a:rPr lang="en-US" sz="1600" dirty="0" smtClean="0"/>
+              <a:t> to get results in degrees</a:t>
+            </a:r>
+          </a:p>
+        </p:txBody>
+      </p:sp>
+      <p:cxnSp>
+        <p:nvCxnSpPr>
+          <p:cNvPr id="35" name="Straight Arrow Connector 34"/>
+          <p:cNvCxnSpPr>
+            <a:stCxn id="23" idx="3"/>
+          </p:cNvCxnSpPr>
+          <p:nvPr/>
+        </p:nvCxnSpPr>
+        <p:spPr>
+          <a:xfrm>
+            <a:off x="2806996" y="2749778"/>
+            <a:ext cx="1318437" cy="812129"/>
+          </a:xfrm>
+          <a:prstGeom prst="straightConnector1">
+            <a:avLst/>
+          </a:prstGeom>
+          <a:ln w="41275">
+            <a:solidFill>
+              <a:srgbClr val="FF0000"/>
+            </a:solidFill>
+            <a:tailEnd type="arrow"/>
+          </a:ln>
+        </p:spPr>
+        <p:style>
+          <a:lnRef idx="1">
+            <a:schemeClr val="accent1"/>
+          </a:lnRef>
+          <a:fillRef idx="0">
+            <a:schemeClr val="accent1"/>
+          </a:fillRef>
+          <a:effectRef idx="0">
+            <a:schemeClr val="accent1"/>
+          </a:effectRef>
+          <a:fontRef idx="minor">
+            <a:schemeClr val="tx1"/>
+          </a:fontRef>
+        </p:style>
+      </p:cxnSp>
+      <p:sp>
+        <p:nvSpPr>
+          <p:cNvPr id="42" name="Right Arrow 41"/>
+          <p:cNvSpPr/>
+          <p:nvPr/>
+        </p:nvSpPr>
+        <p:spPr>
+          <a:xfrm>
+            <a:off x="4757151" y="2323848"/>
+            <a:ext cx="536944" cy="489098"/>
+          </a:xfrm>
+          <a:prstGeom prst="rightArrow">
+            <a:avLst/>
+          </a:prstGeom>
+        </p:spPr>
+        <p:style>
+          <a:lnRef idx="2">
+            <a:schemeClr val="accent2">
+              <a:shade val="50000"/>
+            </a:schemeClr>
+          </a:lnRef>
+          <a:fillRef idx="1">
+            <a:schemeClr val="accent2"/>
+          </a:fillRef>
+          <a:effectRef idx="0">
+            <a:schemeClr val="accent2"/>
+          </a:effectRef>
+          <a:fontRef idx="minor">
+            <a:schemeClr val="lt1"/>
+          </a:fontRef>
+        </p:style>
+        <p:txBody>
+          <a:bodyPr rtlCol="0" anchor="ctr"/>
+          <a:lstStyle/>
+          <a:p>
+            <a:pPr algn="ctr"/>
+            <a:endParaRPr lang="en-US"/>
+          </a:p>
+        </p:txBody>
+      </p:sp>
+      <p:pic>
+        <p:nvPicPr>
+          <p:cNvPr id="5123" name="Picture 3"/>
+          <p:cNvPicPr>
+            <a:picLocks noChangeAspect="1" noChangeArrowheads="1"/>
+          </p:cNvPicPr>
+          <p:nvPr/>
+        </p:nvPicPr>
+        <p:blipFill>
+          <a:blip r:embed="rId3" cstate="print"/>
+          <a:srcRect r="23776"/>
+          <a:stretch>
+            <a:fillRect/>
+          </a:stretch>
+        </p:blipFill>
+        <p:spPr bwMode="auto">
+          <a:xfrm>
+            <a:off x="5427035" y="2213229"/>
+            <a:ext cx="3716965" cy="1639461"/>
+          </a:xfrm>
+          <a:prstGeom prst="rect">
+            <a:avLst/>
+          </a:prstGeom>
+          <a:noFill/>
+          <a:ln w="9525">
+            <a:noFill/>
+            <a:miter lim="800000"/>
+            <a:headEnd/>
+            <a:tailEnd/>
+          </a:ln>
+        </p:spPr>
+      </p:pic>
+      <p:sp>
+        <p:nvSpPr>
+          <p:cNvPr id="34" name="TextBox 33"/>
+          <p:cNvSpPr txBox="1"/>
+          <p:nvPr/>
+        </p:nvSpPr>
+        <p:spPr>
+          <a:xfrm>
+            <a:off x="4369982" y="3923411"/>
+            <a:ext cx="4008475" cy="338554"/>
+          </a:xfrm>
+          <a:prstGeom prst="rect">
+            <a:avLst/>
+          </a:prstGeom>
+          <a:noFill/>
+          <a:ln>
+            <a:noFill/>
+          </a:ln>
+        </p:spPr>
+        <p:txBody>
+          <a:bodyPr wrap="square" rtlCol="0">
+            <a:spAutoFit/>
+          </a:bodyPr>
+          <a:lstStyle/>
+          <a:p>
+            <a:r>
+              <a:rPr lang="en-US" sz="1600" dirty="0" smtClean="0"/>
+              <a:t>*</a:t>
+            </a:r>
+            <a:r>
+              <a:rPr lang="en-US" sz="1600" dirty="0" err="1" smtClean="0"/>
+              <a:t>status,theta</a:t>
+            </a:r>
+            <a:r>
+              <a:rPr lang="en-US" sz="1600" dirty="0" smtClean="0"/>
+              <a:t> </a:t>
+            </a:r>
+            <a:endParaRPr lang="en-US" sz="1600" dirty="0" smtClean="0"/>
+          </a:p>
+        </p:txBody>
+      </p:sp>
+      <p:sp>
+        <p:nvSpPr>
+          <p:cNvPr id="36" name="TextBox 35"/>
+          <p:cNvSpPr txBox="1"/>
+          <p:nvPr/>
+        </p:nvSpPr>
+        <p:spPr>
+          <a:xfrm>
+            <a:off x="4942882" y="5812385"/>
+            <a:ext cx="3726210" cy="338554"/>
+          </a:xfrm>
+          <a:prstGeom prst="rect">
+            <a:avLst/>
+          </a:prstGeom>
+          <a:ln/>
+        </p:spPr>
+        <p:style>
+          <a:lnRef idx="1">
+            <a:schemeClr val="accent3"/>
+          </a:lnRef>
+          <a:fillRef idx="2">
+            <a:schemeClr val="accent3"/>
+          </a:fillRef>
+          <a:effectRef idx="1">
+            <a:schemeClr val="accent3"/>
+          </a:effectRef>
+          <a:fontRef idx="minor">
+            <a:schemeClr val="dk1"/>
+          </a:fontRef>
+        </p:style>
+        <p:txBody>
+          <a:bodyPr wrap="square" rtlCol="0">
+            <a:spAutoFit/>
+          </a:bodyPr>
+          <a:lstStyle/>
+          <a:p>
+            <a:pPr algn="ctr"/>
+            <a:r>
+              <a:rPr lang="en-US" sz="1600" dirty="0" smtClean="0"/>
+              <a:t>Use </a:t>
+            </a:r>
+            <a:r>
+              <a:rPr lang="en-US" sz="1600" b="1" dirty="0" smtClean="0"/>
+              <a:t>*</a:t>
+            </a:r>
+            <a:r>
+              <a:rPr lang="en-US" sz="1600" b="1" dirty="0" err="1" smtClean="0"/>
+              <a:t>AFUN</a:t>
+            </a:r>
+            <a:r>
+              <a:rPr lang="en-US" sz="1600" b="1" dirty="0" smtClean="0"/>
+              <a:t>, </a:t>
+            </a:r>
+            <a:r>
+              <a:rPr lang="en-US" sz="1600" b="1" dirty="0" err="1" smtClean="0"/>
+              <a:t>RAD</a:t>
+            </a:r>
+            <a:r>
+              <a:rPr lang="en-US" sz="1600" b="1" dirty="0" smtClean="0"/>
+              <a:t> </a:t>
+            </a:r>
+            <a:r>
+              <a:rPr lang="en-US" sz="1600" dirty="0" smtClean="0"/>
+              <a:t>to get results in radians</a:t>
+            </a:r>
+          </a:p>
+        </p:txBody>
+      </p:sp>
+      <p:sp>
+        <p:nvSpPr>
+          <p:cNvPr id="37" name="TextBox 36"/>
+          <p:cNvSpPr txBox="1"/>
+          <p:nvPr/>
+        </p:nvSpPr>
+        <p:spPr>
+          <a:xfrm>
+            <a:off x="1275907" y="6283837"/>
+            <a:ext cx="6687879" cy="338554"/>
+          </a:xfrm>
+          <a:prstGeom prst="rect">
+            <a:avLst/>
+          </a:prstGeom>
+          <a:ln/>
+        </p:spPr>
+        <p:style>
+          <a:lnRef idx="1">
+            <a:schemeClr val="accent2"/>
+          </a:lnRef>
+          <a:fillRef idx="2">
+            <a:schemeClr val="accent2"/>
+          </a:fillRef>
+          <a:effectRef idx="1">
+            <a:schemeClr val="accent2"/>
+          </a:effectRef>
+          <a:fontRef idx="minor">
+            <a:schemeClr val="dk1"/>
+          </a:fontRef>
+        </p:style>
+        <p:txBody>
+          <a:bodyPr wrap="square" rtlCol="0">
+            <a:spAutoFit/>
+          </a:bodyPr>
+          <a:lstStyle/>
+          <a:p>
+            <a:pPr algn="ctr"/>
+            <a:r>
+              <a:rPr lang="en-US" sz="1600" dirty="0" smtClean="0"/>
+              <a:t>Depending on how lines were created you may get the supplementary angle</a:t>
+            </a:r>
+          </a:p>
+        </p:txBody>
+      </p:sp>
+      <p:pic>
+        <p:nvPicPr>
+          <p:cNvPr id="1026" name="Picture 2"/>
+          <p:cNvPicPr>
+            <a:picLocks noChangeAspect="1" noChangeArrowheads="1"/>
+          </p:cNvPicPr>
+          <p:nvPr/>
+        </p:nvPicPr>
+        <p:blipFill>
+          <a:blip r:embed="rId4" cstate="print"/>
+          <a:srcRect/>
+          <a:stretch>
+            <a:fillRect/>
+          </a:stretch>
+        </p:blipFill>
+        <p:spPr bwMode="auto">
+          <a:xfrm>
+            <a:off x="4438650" y="4275396"/>
+            <a:ext cx="4705350" cy="1390650"/>
+          </a:xfrm>
+          <a:prstGeom prst="rect">
+            <a:avLst/>
+          </a:prstGeom>
+          <a:noFill/>
+          <a:ln w="9525">
+            <a:noFill/>
+            <a:miter lim="800000"/>
+            <a:headEnd/>
+            <a:tailEnd/>
+          </a:ln>
+        </p:spPr>
+      </p:pic>
+    </p:spTree>
+  </p:cSld>
+  <p:clrMapOvr>
+    <a:masterClrMapping/>
+  </p:clrMapOvr>
+  <p:timing>
+    <p:tnLst>
+      <p:par>
+        <p:cTn id="1" dur="indefinite" restart="never" nodeType="tmRoot">
+          <p:childTnLst>
+            <p:seq concurrent="1" nextAc="seek">
+              <p:cTn id="2" dur="indefinite" nodeType="mainSeq">
+                <p:childTnLst>
+                  <p:par>
+                    <p:cTn id="3" fill="hold">
+                      <p:stCondLst>
+                        <p:cond delay="indefinite"/>
+                      </p:stCondLst>
+                      <p:childTnLst>
+                        <p:par>
+                          <p:cTn id="4" fill="hold">
+                            <p:stCondLst>
+                              <p:cond delay="0"/>
+                            </p:stCondLst>
+                            <p:childTnLst>
+                              <p:par>
+                                <p:cTn id="5" presetID="1" presetClass="entr" presetSubtype="0" fill="hold" grpId="0" nodeType="clickEffect">
+                                  <p:stCondLst>
+                                    <p:cond delay="0"/>
+                                  </p:stCondLst>
+                                  <p:childTnLst>
+                                    <p:set>
+                                      <p:cBhvr>
+                                        <p:cTn id="6" dur="1" fill="hold">
+                                          <p:stCondLst>
+                                            <p:cond delay="0"/>
+                                          </p:stCondLst>
+                                        </p:cTn>
+                                        <p:tgtEl>
+                                          <p:spTgt spid="18"/>
+                                        </p:tgtEl>
+                                        <p:attrNameLst>
+                                          <p:attrName>style.visibility</p:attrName>
+                                        </p:attrNameLst>
+                                      </p:cBhvr>
+                                      <p:to>
+                                        <p:strVal val="visible"/>
+                                      </p:to>
+                                    </p:set>
+                                  </p:childTnLst>
+                                </p:cTn>
+                              </p:par>
+                            </p:childTnLst>
+                          </p:cTn>
+                        </p:par>
+                      </p:childTnLst>
+                    </p:cTn>
+                  </p:par>
+                  <p:par>
+                    <p:cTn id="7" fill="hold">
+                      <p:stCondLst>
+                        <p:cond delay="indefinite"/>
+                      </p:stCondLst>
+                      <p:childTnLst>
+                        <p:par>
+                          <p:cTn id="8" fill="hold">
+                            <p:stCondLst>
+                              <p:cond delay="0"/>
+                            </p:stCondLst>
+                            <p:childTnLst>
+                              <p:par>
+                                <p:cTn id="9" presetID="1" presetClass="entr" presetSubtype="0" fill="hold" grpId="0" nodeType="clickEffect">
+                                  <p:stCondLst>
+                                    <p:cond delay="0"/>
+                                  </p:stCondLst>
+                                  <p:childTnLst>
+                                    <p:set>
+                                      <p:cBhvr>
+                                        <p:cTn id="10" dur="1" fill="hold">
+                                          <p:stCondLst>
+                                            <p:cond delay="0"/>
+                                          </p:stCondLst>
+                                        </p:cTn>
+                                        <p:tgtEl>
+                                          <p:spTgt spid="23"/>
+                                        </p:tgtEl>
+                                        <p:attrNameLst>
+                                          <p:attrName>style.visibility</p:attrName>
+                                        </p:attrNameLst>
+                                      </p:cBhvr>
+                                      <p:to>
+                                        <p:strVal val="visible"/>
+                                      </p:to>
+                                    </p:set>
+                                  </p:childTnLst>
+                                </p:cTn>
+                              </p:par>
+                              <p:par>
+                                <p:cTn id="11" presetID="1" presetClass="entr" presetSubtype="0" fill="hold" nodeType="withEffect">
+                                  <p:stCondLst>
+                                    <p:cond delay="0"/>
+                                  </p:stCondLst>
+                                  <p:childTnLst>
+                                    <p:set>
+                                      <p:cBhvr>
+                                        <p:cTn id="12" dur="1" fill="hold">
+                                          <p:stCondLst>
+                                            <p:cond delay="0"/>
+                                          </p:stCondLst>
+                                        </p:cTn>
+                                        <p:tgtEl>
+                                          <p:spTgt spid="26"/>
+                                        </p:tgtEl>
+                                        <p:attrNameLst>
+                                          <p:attrName>style.visibility</p:attrName>
+                                        </p:attrNameLst>
+                                      </p:cBhvr>
+                                      <p:to>
+                                        <p:strVal val="visible"/>
+                                      </p:to>
+                                    </p:set>
+                                  </p:childTnLst>
+                                </p:cTn>
+                              </p:par>
+                              <p:par>
+                                <p:cTn id="13" presetID="1" presetClass="entr" presetSubtype="0" fill="hold" nodeType="withEffect">
+                                  <p:stCondLst>
+                                    <p:cond delay="0"/>
+                                  </p:stCondLst>
+                                  <p:childTnLst>
+                                    <p:set>
+                                      <p:cBhvr>
+                                        <p:cTn id="14" dur="1" fill="hold">
+                                          <p:stCondLst>
+                                            <p:cond delay="0"/>
+                                          </p:stCondLst>
+                                        </p:cTn>
+                                        <p:tgtEl>
+                                          <p:spTgt spid="35"/>
+                                        </p:tgtEl>
+                                        <p:attrNameLst>
+                                          <p:attrName>style.visibility</p:attrName>
+                                        </p:attrNameLst>
+                                      </p:cBhvr>
+                                      <p:to>
+                                        <p:strVal val="visible"/>
+                                      </p:to>
+                                    </p:set>
+                                  </p:childTnLst>
+                                </p:cTn>
+                              </p:par>
+                            </p:childTnLst>
+                          </p:cTn>
+                        </p:par>
+                      </p:childTnLst>
+                    </p:cTn>
+                  </p:par>
+                  <p:par>
+                    <p:cTn id="15" fill="hold">
+                      <p:stCondLst>
+                        <p:cond delay="indefinite"/>
+                      </p:stCondLst>
+                      <p:childTnLst>
+                        <p:par>
+                          <p:cTn id="16" fill="hold">
+                            <p:stCondLst>
+                              <p:cond delay="0"/>
+                            </p:stCondLst>
+                            <p:childTnLst>
+                              <p:par>
+                                <p:cTn id="17" presetID="1" presetClass="entr" presetSubtype="0" fill="hold" grpId="0" nodeType="clickEffect">
+                                  <p:stCondLst>
+                                    <p:cond delay="0"/>
+                                  </p:stCondLst>
+                                  <p:childTnLst>
+                                    <p:set>
+                                      <p:cBhvr>
+                                        <p:cTn id="18" dur="1" fill="hold">
+                                          <p:stCondLst>
+                                            <p:cond delay="0"/>
+                                          </p:stCondLst>
+                                        </p:cTn>
+                                        <p:tgtEl>
+                                          <p:spTgt spid="42"/>
+                                        </p:tgtEl>
+                                        <p:attrNameLst>
+                                          <p:attrName>style.visibility</p:attrName>
+                                        </p:attrNameLst>
+                                      </p:cBhvr>
+                                      <p:to>
+                                        <p:strVal val="visible"/>
+                                      </p:to>
+                                    </p:set>
+                                  </p:childTnLst>
+                                </p:cTn>
+                              </p:par>
+                              <p:par>
+                                <p:cTn id="19" presetID="1" presetClass="entr" presetSubtype="0" fill="hold" nodeType="withEffect">
+                                  <p:stCondLst>
+                                    <p:cond delay="0"/>
+                                  </p:stCondLst>
+                                  <p:childTnLst>
+                                    <p:set>
+                                      <p:cBhvr>
+                                        <p:cTn id="20" dur="1" fill="hold">
+                                          <p:stCondLst>
+                                            <p:cond delay="0"/>
+                                          </p:stCondLst>
+                                        </p:cTn>
+                                        <p:tgtEl>
+                                          <p:spTgt spid="5123"/>
+                                        </p:tgtEl>
+                                        <p:attrNameLst>
+                                          <p:attrName>style.visibility</p:attrName>
+                                        </p:attrNameLst>
+                                      </p:cBhvr>
+                                      <p:to>
+                                        <p:strVal val="visible"/>
+                                      </p:to>
+                                    </p:set>
+                                  </p:childTnLst>
+                                </p:cTn>
+                              </p:par>
+                              <p:par>
+                                <p:cTn id="21" presetID="1" presetClass="entr" presetSubtype="0" fill="hold" grpId="0" nodeType="withEffect">
+                                  <p:stCondLst>
+                                    <p:cond delay="0"/>
+                                  </p:stCondLst>
+                                  <p:childTnLst>
+                                    <p:set>
+                                      <p:cBhvr>
+                                        <p:cTn id="22" dur="1" fill="hold">
+                                          <p:stCondLst>
+                                            <p:cond delay="0"/>
+                                          </p:stCondLst>
+                                        </p:cTn>
+                                        <p:tgtEl>
+                                          <p:spTgt spid="34"/>
+                                        </p:tgtEl>
+                                        <p:attrNameLst>
+                                          <p:attrName>style.visibility</p:attrName>
+                                        </p:attrNameLst>
+                                      </p:cBhvr>
+                                      <p:to>
+                                        <p:strVal val="visible"/>
+                                      </p:to>
+                                    </p:set>
+                                  </p:childTnLst>
+                                </p:cTn>
+                              </p:par>
+                            </p:childTnLst>
+                          </p:cTn>
+                        </p:par>
+                      </p:childTnLst>
+                    </p:cTn>
+                  </p:par>
+                  <p:par>
+                    <p:cTn id="23" fill="hold">
+                      <p:stCondLst>
+                        <p:cond delay="indefinite"/>
+                      </p:stCondLst>
+                      <p:childTnLst>
+                        <p:par>
+                          <p:cTn id="24" fill="hold">
+                            <p:stCondLst>
+                              <p:cond delay="0"/>
+                            </p:stCondLst>
+                            <p:childTnLst>
+                              <p:par>
+                                <p:cTn id="25" presetID="1" presetClass="entr" presetSubtype="0" fill="hold" grpId="0" nodeType="clickEffect">
+                                  <p:stCondLst>
+                                    <p:cond delay="0"/>
+                                  </p:stCondLst>
+                                  <p:childTnLst>
+                                    <p:set>
+                                      <p:cBhvr>
+                                        <p:cTn id="26" dur="1" fill="hold">
+                                          <p:stCondLst>
+                                            <p:cond delay="0"/>
+                                          </p:stCondLst>
+                                        </p:cTn>
+                                        <p:tgtEl>
+                                          <p:spTgt spid="43"/>
+                                        </p:tgtEl>
+                                        <p:attrNameLst>
+                                          <p:attrName>style.visibility</p:attrName>
+                                        </p:attrNameLst>
+                                      </p:cBhvr>
+                                      <p:to>
+                                        <p:strVal val="visible"/>
+                                      </p:to>
+                                    </p:set>
+                                  </p:childTnLst>
+                                </p:cTn>
+                              </p:par>
+                              <p:par>
+                                <p:cTn id="27" presetID="1" presetClass="entr" presetSubtype="0" fill="hold" grpId="0" nodeType="withEffect">
+                                  <p:stCondLst>
+                                    <p:cond delay="0"/>
+                                  </p:stCondLst>
+                                  <p:childTnLst>
+                                    <p:set>
+                                      <p:cBhvr>
+                                        <p:cTn id="28" dur="1" fill="hold">
+                                          <p:stCondLst>
+                                            <p:cond delay="0"/>
+                                          </p:stCondLst>
+                                        </p:cTn>
+                                        <p:tgtEl>
+                                          <p:spTgt spid="36"/>
+                                        </p:tgtEl>
+                                        <p:attrNameLst>
+                                          <p:attrName>style.visibility</p:attrName>
+                                        </p:attrNameLst>
+                                      </p:cBhvr>
+                                      <p:to>
+                                        <p:strVal val="visible"/>
+                                      </p:to>
+                                    </p:set>
+                                  </p:childTnLst>
+                                </p:cTn>
+                              </p:par>
+                            </p:childTnLst>
+                          </p:cTn>
+                        </p:par>
+                      </p:childTnLst>
+                    </p:cTn>
+                  </p:par>
+                  <p:par>
+                    <p:cTn id="29" fill="hold">
+                      <p:stCondLst>
+                        <p:cond delay="indefinite"/>
+                      </p:stCondLst>
+                      <p:childTnLst>
+                        <p:par>
+                          <p:cTn id="30" fill="hold">
+                            <p:stCondLst>
+                              <p:cond delay="0"/>
+                            </p:stCondLst>
+                            <p:childTnLst>
+                              <p:par>
+                                <p:cTn id="31" presetID="1" presetClass="entr" presetSubtype="0" fill="hold" grpId="0" nodeType="clickEffect">
+                                  <p:stCondLst>
+                                    <p:cond delay="0"/>
+                                  </p:stCondLst>
+                                  <p:childTnLst>
+                                    <p:set>
+                                      <p:cBhvr>
+                                        <p:cTn id="32" dur="1" fill="hold">
+                                          <p:stCondLst>
+                                            <p:cond delay="0"/>
+                                          </p:stCondLst>
+                                        </p:cTn>
+                                        <p:tgtEl>
+                                          <p:spTgt spid="37"/>
+                                        </p:tgtEl>
+                                        <p:attrNameLst>
+                                          <p:attrName>style.visibility</p:attrName>
+                                        </p:attrNameLst>
+                                      </p:cBhvr>
+                                      <p:to>
+                                        <p:strVal val="visible"/>
+                                      </p:to>
+                                    </p:set>
+                                  </p:childTnLst>
+                                </p:cTn>
+                              </p:par>
+                            </p:childTnLst>
+                          </p:cTn>
+                        </p:par>
+                      </p:childTnLst>
+                    </p:cTn>
+                  </p:par>
+                </p:childTnLst>
+              </p:cTn>
+              <p:prevCondLst>
+                <p:cond evt="onPrev" delay="0">
+                  <p:tgtEl>
+                    <p:sldTgt/>
+                  </p:tgtEl>
+                </p:cond>
+              </p:prevCondLst>
+              <p:nextCondLst>
+                <p:cond evt="onNext" delay="0">
+                  <p:tgtEl>
+                    <p:sldTgt/>
+                  </p:tgtEl>
+                </p:cond>
+              </p:nextCondLst>
+            </p:seq>
+          </p:childTnLst>
+        </p:cTn>
+      </p:par>
+    </p:tnLst>
+    <p:bldLst>
+      <p:bldP spid="23" grpId="0" animBg="1"/>
+      <p:bldP spid="18" grpId="0"/>
+      <p:bldP spid="43" grpId="0" animBg="1"/>
+      <p:bldP spid="42" grpId="0" animBg="1"/>
+      <p:bldP spid="34" grpId="0"/>
+      <p:bldP spid="36" grpId="0" animBg="1"/>
+      <p:bldP spid="37" grpId="0" animBg="1"/>
+    </p:bldLst>
+  </p:timing>
+</p:sld>
+</file>
+
+<file path=ppt/slides/slide18.xml><?xml version="1.0" encoding="utf-8"?>
+<p:sld xmlns:a="http://schemas.openxmlformats.org/drawingml/2006/main" xmlns:r="http://schemas.openxmlformats.org/officeDocument/2006/relationships" xmlns:p="http://schemas.openxmlformats.org/presentationml/2006/main">
+  <p:cSld>
+    <p:spTree>
+      <p:nvGrpSpPr>
+        <p:cNvPr id="1" name=""/>
+        <p:cNvGrpSpPr/>
+        <p:nvPr/>
+      </p:nvGrpSpPr>
+      <p:grpSpPr>
+        <a:xfrm>
+          <a:off x="0" y="0"/>
+          <a:ext cx="0" cy="0"/>
+          <a:chOff x="0" y="0"/>
+          <a:chExt cx="0" cy="0"/>
+        </a:xfrm>
+      </p:grpSpPr>
+      <p:pic>
+        <p:nvPicPr>
+          <p:cNvPr id="4098" name="Picture 2"/>
+          <p:cNvPicPr>
+            <a:picLocks noChangeAspect="1" noChangeArrowheads="1"/>
+          </p:cNvPicPr>
+          <p:nvPr/>
+        </p:nvPicPr>
+        <p:blipFill>
+          <a:blip r:embed="rId2" cstate="print"/>
+          <a:srcRect/>
+          <a:stretch>
+            <a:fillRect/>
+          </a:stretch>
+        </p:blipFill>
+        <p:spPr bwMode="auto">
+          <a:xfrm>
+            <a:off x="171900" y="2565999"/>
+            <a:ext cx="4676775" cy="2933700"/>
+          </a:xfrm>
+          <a:prstGeom prst="rect">
+            <a:avLst/>
+          </a:prstGeom>
+          <a:noFill/>
+          <a:ln w="9525">
+            <a:noFill/>
+            <a:miter lim="800000"/>
+            <a:headEnd/>
+            <a:tailEnd/>
+          </a:ln>
+        </p:spPr>
+      </p:pic>
+      <p:sp>
+        <p:nvSpPr>
+          <p:cNvPr id="2" name="Title 1"/>
+          <p:cNvSpPr>
+            <a:spLocks noGrp="1"/>
+          </p:cNvSpPr>
+          <p:nvPr>
+            <p:ph type="title"/>
+          </p:nvPr>
+        </p:nvSpPr>
+        <p:spPr>
+          <a:xfrm>
+            <a:off x="112143" y="0"/>
+            <a:ext cx="8565132" cy="660400"/>
+          </a:xfrm>
+        </p:spPr>
+        <p:txBody>
+          <a:bodyPr/>
+          <a:lstStyle/>
+          <a:p>
+            <a:r>
+              <a:rPr lang="en-US" dirty="0" smtClean="0"/>
+              <a:t>Simply create a </a:t>
+            </a:r>
+            <a:r>
+              <a:rPr lang="en-US" dirty="0" err="1" smtClean="0"/>
+              <a:t>keypoint</a:t>
+            </a:r>
+            <a:r>
+              <a:rPr lang="en-US" dirty="0" smtClean="0"/>
+              <a:t> at the center of any arc</a:t>
+            </a:r>
+            <a:endParaRPr lang="en-US" dirty="0"/>
+          </a:p>
+        </p:txBody>
+      </p:sp>
+      <p:sp>
+        <p:nvSpPr>
+          <p:cNvPr id="3" name="TextBox 2"/>
+          <p:cNvSpPr txBox="1"/>
+          <p:nvPr/>
+        </p:nvSpPr>
+        <p:spPr>
+          <a:xfrm>
+            <a:off x="155274" y="888521"/>
+            <a:ext cx="8988725" cy="923330"/>
+          </a:xfrm>
+          <a:prstGeom prst="rect">
+            <a:avLst/>
+          </a:prstGeom>
+          <a:noFill/>
+        </p:spPr>
+        <p:txBody>
+          <a:bodyPr wrap="square" rtlCol="0">
+            <a:spAutoFit/>
+          </a:bodyPr>
+          <a:lstStyle/>
+          <a:p>
+            <a:r>
+              <a:rPr lang="en-US" sz="5400" dirty="0" smtClean="0"/>
+              <a:t>_</a:t>
+            </a:r>
+            <a:r>
+              <a:rPr lang="en-US" sz="5400" dirty="0" err="1" smtClean="0"/>
+              <a:t>LARC</a:t>
+            </a:r>
+            <a:r>
+              <a:rPr lang="en-US" sz="3600" dirty="0" smtClean="0"/>
+              <a:t>, </a:t>
+            </a:r>
+            <a:r>
+              <a:rPr lang="en-US" sz="2000" dirty="0" smtClean="0"/>
+              <a:t>&lt;arc end&gt;,&lt;arc end&gt;, &lt;arc center&gt; </a:t>
+            </a:r>
+            <a:endParaRPr lang="en-US" sz="6000" dirty="0"/>
+          </a:p>
+        </p:txBody>
+      </p:sp>
+      <p:sp>
+        <p:nvSpPr>
+          <p:cNvPr id="4" name="TextBox 3"/>
+          <p:cNvSpPr txBox="1"/>
+          <p:nvPr/>
+        </p:nvSpPr>
+        <p:spPr>
+          <a:xfrm>
+            <a:off x="4226944" y="845389"/>
+            <a:ext cx="4917056" cy="338554"/>
+          </a:xfrm>
+          <a:prstGeom prst="rect">
+            <a:avLst/>
+          </a:prstGeom>
+          <a:noFill/>
+        </p:spPr>
+        <p:txBody>
+          <a:bodyPr wrap="square" rtlCol="0">
+            <a:spAutoFit/>
+          </a:bodyPr>
+          <a:lstStyle/>
+          <a:p>
+            <a:pPr algn="r"/>
+            <a:r>
+              <a:rPr lang="en-US" sz="1600" dirty="0" smtClean="0"/>
+              <a:t>“Think: </a:t>
+            </a:r>
+            <a:r>
+              <a:rPr lang="en-US" sz="1600" dirty="0" smtClean="0">
+                <a:solidFill>
+                  <a:schemeClr val="accent6"/>
+                </a:solidFill>
+              </a:rPr>
+              <a:t>_L</a:t>
+            </a:r>
+            <a:r>
+              <a:rPr lang="en-US" sz="1600" dirty="0" smtClean="0"/>
+              <a:t>ine</a:t>
+            </a:r>
+            <a:r>
+              <a:rPr lang="en-US" sz="1600" dirty="0" smtClean="0">
+                <a:solidFill>
+                  <a:schemeClr val="accent6"/>
+                </a:solidFill>
+              </a:rPr>
+              <a:t> Arc</a:t>
+            </a:r>
+            <a:r>
+              <a:rPr lang="en-US" sz="1600" dirty="0" smtClean="0"/>
+              <a:t>”</a:t>
+            </a:r>
+            <a:endParaRPr lang="en-US" sz="1600" dirty="0"/>
+          </a:p>
+        </p:txBody>
+      </p:sp>
+      <p:sp>
+        <p:nvSpPr>
+          <p:cNvPr id="5" name="TextBox 4"/>
+          <p:cNvSpPr txBox="1"/>
+          <p:nvPr/>
+        </p:nvSpPr>
+        <p:spPr>
+          <a:xfrm>
+            <a:off x="172528" y="1871932"/>
+            <a:ext cx="8436634" cy="307777"/>
+          </a:xfrm>
+          <a:prstGeom prst="rect">
+            <a:avLst/>
+          </a:prstGeom>
+          <a:noFill/>
+          <a:ln>
+            <a:noFill/>
+          </a:ln>
+        </p:spPr>
+        <p:txBody>
+          <a:bodyPr wrap="square" rtlCol="0">
+            <a:spAutoFit/>
+          </a:bodyPr>
+          <a:lstStyle/>
+          <a:p>
+            <a:r>
+              <a:rPr lang="en-US" sz="1400" dirty="0" smtClean="0"/>
+              <a:t>Creates a arc given the two endpoints to the arc and a center </a:t>
+            </a:r>
+            <a:r>
+              <a:rPr lang="en-US" sz="1400" dirty="0" err="1" smtClean="0"/>
+              <a:t>keypoint</a:t>
+            </a:r>
+            <a:endParaRPr lang="en-US" sz="1400" dirty="0" smtClean="0"/>
+          </a:p>
+        </p:txBody>
+      </p:sp>
+      <p:sp>
+        <p:nvSpPr>
+          <p:cNvPr id="19" name="TextBox 18"/>
+          <p:cNvSpPr txBox="1"/>
+          <p:nvPr/>
+        </p:nvSpPr>
+        <p:spPr>
+          <a:xfrm>
+            <a:off x="2096265" y="4304580"/>
+            <a:ext cx="2662908" cy="307777"/>
+          </a:xfrm>
+          <a:prstGeom prst="rect">
+            <a:avLst/>
+          </a:prstGeom>
+          <a:noFill/>
+          <a:ln w="28575">
+            <a:solidFill>
+              <a:srgbClr val="FF0000"/>
+            </a:solidFill>
+          </a:ln>
+        </p:spPr>
+        <p:txBody>
+          <a:bodyPr wrap="none" rtlCol="0">
+            <a:spAutoFit/>
+          </a:bodyPr>
+          <a:lstStyle/>
+          <a:p>
+            <a:r>
+              <a:rPr lang="en-US" sz="1400" dirty="0" smtClean="0"/>
+              <a:t>Step 3: Select center </a:t>
+            </a:r>
+            <a:r>
+              <a:rPr lang="en-US" sz="1400" dirty="0" err="1" smtClean="0"/>
+              <a:t>keypoint</a:t>
+            </a:r>
+            <a:endParaRPr lang="en-US" sz="1400" dirty="0" smtClean="0"/>
+          </a:p>
+        </p:txBody>
+      </p:sp>
+      <p:cxnSp>
+        <p:nvCxnSpPr>
+          <p:cNvPr id="21" name="Straight Arrow Connector 20"/>
+          <p:cNvCxnSpPr>
+            <a:stCxn id="19" idx="2"/>
+            <a:endCxn id="32" idx="7"/>
+          </p:cNvCxnSpPr>
+          <p:nvPr/>
+        </p:nvCxnSpPr>
+        <p:spPr>
+          <a:xfrm rot="16200000" flipH="1">
+            <a:off x="3175918" y="4864157"/>
+            <a:ext cx="595771" cy="92169"/>
+          </a:xfrm>
+          <a:prstGeom prst="straightConnector1">
+            <a:avLst/>
+          </a:prstGeom>
+          <a:ln w="41275">
+            <a:solidFill>
+              <a:srgbClr val="FF0000"/>
+            </a:solidFill>
+            <a:tailEnd type="arrow"/>
+          </a:ln>
+        </p:spPr>
+        <p:style>
+          <a:lnRef idx="1">
+            <a:schemeClr val="accent1"/>
+          </a:lnRef>
+          <a:fillRef idx="0">
+            <a:schemeClr val="accent1"/>
+          </a:fillRef>
+          <a:effectRef idx="0">
+            <a:schemeClr val="accent1"/>
+          </a:effectRef>
+          <a:fontRef idx="minor">
+            <a:schemeClr val="tx1"/>
+          </a:fontRef>
+        </p:style>
+      </p:cxnSp>
+      <p:sp>
+        <p:nvSpPr>
+          <p:cNvPr id="23" name="TextBox 22"/>
+          <p:cNvSpPr txBox="1"/>
+          <p:nvPr/>
+        </p:nvSpPr>
+        <p:spPr>
+          <a:xfrm>
+            <a:off x="422742" y="2665561"/>
+            <a:ext cx="2191062" cy="307777"/>
+          </a:xfrm>
+          <a:prstGeom prst="rect">
+            <a:avLst/>
+          </a:prstGeom>
+          <a:noFill/>
+          <a:ln w="28575">
+            <a:solidFill>
+              <a:srgbClr val="FF0000"/>
+            </a:solidFill>
+          </a:ln>
+        </p:spPr>
+        <p:txBody>
+          <a:bodyPr wrap="square" rtlCol="0">
+            <a:spAutoFit/>
+          </a:bodyPr>
+          <a:lstStyle/>
+          <a:p>
+            <a:r>
+              <a:rPr lang="en-US" sz="1400" dirty="0" smtClean="0"/>
+              <a:t>Step 2: Select end points</a:t>
+            </a:r>
+          </a:p>
+        </p:txBody>
+      </p:sp>
+      <p:sp>
+        <p:nvSpPr>
+          <p:cNvPr id="24" name="Oval 23"/>
+          <p:cNvSpPr/>
+          <p:nvPr/>
+        </p:nvSpPr>
+        <p:spPr>
+          <a:xfrm>
+            <a:off x="793676" y="5029198"/>
+            <a:ext cx="155276" cy="181155"/>
+          </a:xfrm>
+          <a:prstGeom prst="ellipse">
+            <a:avLst/>
+          </a:prstGeom>
+          <a:noFill/>
+          <a:ln>
+            <a:solidFill>
+              <a:srgbClr val="FF0000"/>
+            </a:solidFill>
+          </a:ln>
+        </p:spPr>
+        <p:style>
+          <a:lnRef idx="2">
+            <a:schemeClr val="accent1">
+              <a:shade val="50000"/>
+            </a:schemeClr>
+          </a:lnRef>
+          <a:fillRef idx="1">
+            <a:schemeClr val="accent1"/>
+          </a:fillRef>
+          <a:effectRef idx="0">
+            <a:schemeClr val="accent1"/>
+          </a:effectRef>
+          <a:fontRef idx="minor">
+            <a:schemeClr val="lt1"/>
+          </a:fontRef>
+        </p:style>
+        <p:txBody>
+          <a:bodyPr rtlCol="0" anchor="ctr"/>
+          <a:lstStyle/>
+          <a:p>
+            <a:pPr algn="ctr"/>
+            <a:endParaRPr lang="en-US"/>
+          </a:p>
+        </p:txBody>
+      </p:sp>
+      <p:cxnSp>
+        <p:nvCxnSpPr>
+          <p:cNvPr id="26" name="Straight Arrow Connector 25"/>
+          <p:cNvCxnSpPr>
+            <a:stCxn id="23" idx="2"/>
+            <a:endCxn id="24" idx="6"/>
+          </p:cNvCxnSpPr>
+          <p:nvPr/>
+        </p:nvCxnSpPr>
+        <p:spPr>
+          <a:xfrm rot="5400000">
+            <a:off x="160394" y="3761897"/>
+            <a:ext cx="2146438" cy="569321"/>
+          </a:xfrm>
+          <a:prstGeom prst="straightConnector1">
+            <a:avLst/>
+          </a:prstGeom>
+          <a:ln w="41275">
+            <a:solidFill>
+              <a:srgbClr val="FF0000"/>
+            </a:solidFill>
+            <a:tailEnd type="arrow"/>
+          </a:ln>
+        </p:spPr>
+        <p:style>
+          <a:lnRef idx="1">
+            <a:schemeClr val="accent1"/>
+          </a:lnRef>
+          <a:fillRef idx="0">
+            <a:schemeClr val="accent1"/>
+          </a:fillRef>
+          <a:effectRef idx="0">
+            <a:schemeClr val="accent1"/>
+          </a:effectRef>
+          <a:fontRef idx="minor">
+            <a:schemeClr val="tx1"/>
+          </a:fontRef>
+        </p:style>
+      </p:cxnSp>
+      <p:sp>
+        <p:nvSpPr>
+          <p:cNvPr id="18" name="TextBox 17"/>
+          <p:cNvSpPr txBox="1"/>
+          <p:nvPr/>
+        </p:nvSpPr>
+        <p:spPr>
+          <a:xfrm>
+            <a:off x="345058" y="2199736"/>
+            <a:ext cx="1466490" cy="338554"/>
+          </a:xfrm>
+          <a:prstGeom prst="rect">
+            <a:avLst/>
+          </a:prstGeom>
+          <a:noFill/>
+          <a:ln>
+            <a:noFill/>
+          </a:ln>
+        </p:spPr>
+        <p:txBody>
+          <a:bodyPr wrap="square" rtlCol="0">
+            <a:spAutoFit/>
+          </a:bodyPr>
+          <a:lstStyle/>
+          <a:p>
+            <a:r>
+              <a:rPr lang="en-US" sz="1600" dirty="0" smtClean="0"/>
+              <a:t>Step 1: </a:t>
+            </a:r>
+            <a:r>
+              <a:rPr lang="en-US" sz="1600" dirty="0" smtClean="0">
+                <a:solidFill>
+                  <a:srgbClr val="FF0000"/>
+                </a:solidFill>
+              </a:rPr>
+              <a:t>_</a:t>
+            </a:r>
+            <a:r>
+              <a:rPr lang="en-US" sz="1600" dirty="0" err="1" smtClean="0">
+                <a:solidFill>
+                  <a:srgbClr val="FF0000"/>
+                </a:solidFill>
+              </a:rPr>
+              <a:t>larc</a:t>
+            </a:r>
+            <a:endParaRPr lang="en-US" sz="1600" dirty="0" smtClean="0">
+              <a:solidFill>
+                <a:srgbClr val="FF0000"/>
+              </a:solidFill>
+            </a:endParaRPr>
+          </a:p>
+        </p:txBody>
+      </p:sp>
+      <p:sp>
+        <p:nvSpPr>
+          <p:cNvPr id="32" name="Oval 31"/>
+          <p:cNvSpPr/>
+          <p:nvPr/>
+        </p:nvSpPr>
+        <p:spPr>
+          <a:xfrm>
+            <a:off x="3387352" y="5181598"/>
+            <a:ext cx="155276" cy="181155"/>
+          </a:xfrm>
+          <a:prstGeom prst="ellipse">
+            <a:avLst/>
+          </a:prstGeom>
+          <a:noFill/>
+          <a:ln>
+            <a:solidFill>
+              <a:srgbClr val="FF0000"/>
+            </a:solidFill>
+          </a:ln>
+        </p:spPr>
+        <p:style>
+          <a:lnRef idx="2">
+            <a:schemeClr val="accent1">
+              <a:shade val="50000"/>
+            </a:schemeClr>
+          </a:lnRef>
+          <a:fillRef idx="1">
+            <a:schemeClr val="accent1"/>
+          </a:fillRef>
+          <a:effectRef idx="0">
+            <a:schemeClr val="accent1"/>
+          </a:effectRef>
+          <a:fontRef idx="minor">
+            <a:schemeClr val="lt1"/>
+          </a:fontRef>
+        </p:style>
+        <p:txBody>
+          <a:bodyPr rtlCol="0" anchor="ctr"/>
+          <a:lstStyle/>
+          <a:p>
+            <a:pPr algn="ctr"/>
+            <a:endParaRPr lang="en-US"/>
+          </a:p>
+        </p:txBody>
+      </p:sp>
+      <p:sp>
+        <p:nvSpPr>
+          <p:cNvPr id="43" name="TextBox 42"/>
+          <p:cNvSpPr txBox="1"/>
+          <p:nvPr/>
+        </p:nvSpPr>
+        <p:spPr>
+          <a:xfrm>
+            <a:off x="1026543" y="6142007"/>
+            <a:ext cx="6978770" cy="338554"/>
+          </a:xfrm>
+          <a:prstGeom prst="rect">
+            <a:avLst/>
+          </a:prstGeom>
+          <a:ln/>
+        </p:spPr>
+        <p:style>
+          <a:lnRef idx="1">
+            <a:schemeClr val="accent3"/>
+          </a:lnRef>
+          <a:fillRef idx="2">
+            <a:schemeClr val="accent3"/>
+          </a:fillRef>
+          <a:effectRef idx="1">
+            <a:schemeClr val="accent3"/>
+          </a:effectRef>
+          <a:fontRef idx="minor">
+            <a:schemeClr val="dk1"/>
+          </a:fontRef>
+        </p:style>
+        <p:txBody>
+          <a:bodyPr wrap="square" rtlCol="0">
+            <a:spAutoFit/>
+          </a:bodyPr>
+          <a:lstStyle/>
+          <a:p>
+            <a:pPr algn="ctr"/>
+            <a:r>
+              <a:rPr lang="en-US" sz="1600" dirty="0" smtClean="0"/>
+              <a:t>Radius of arc is the average distance of the arc endpoints to the arc center</a:t>
+            </a:r>
+          </a:p>
+        </p:txBody>
+      </p:sp>
+      <p:sp>
+        <p:nvSpPr>
+          <p:cNvPr id="29" name="Oval 28"/>
+          <p:cNvSpPr/>
+          <p:nvPr/>
+        </p:nvSpPr>
+        <p:spPr>
+          <a:xfrm>
+            <a:off x="4549042" y="2823711"/>
+            <a:ext cx="155276" cy="181155"/>
+          </a:xfrm>
+          <a:prstGeom prst="ellipse">
+            <a:avLst/>
+          </a:prstGeom>
+          <a:noFill/>
+          <a:ln>
+            <a:solidFill>
+              <a:srgbClr val="FF0000"/>
+            </a:solidFill>
+          </a:ln>
+        </p:spPr>
+        <p:style>
+          <a:lnRef idx="2">
+            <a:schemeClr val="accent1">
+              <a:shade val="50000"/>
+            </a:schemeClr>
+          </a:lnRef>
+          <a:fillRef idx="1">
+            <a:schemeClr val="accent1"/>
+          </a:fillRef>
+          <a:effectRef idx="0">
+            <a:schemeClr val="accent1"/>
+          </a:effectRef>
+          <a:fontRef idx="minor">
+            <a:schemeClr val="lt1"/>
+          </a:fontRef>
+        </p:style>
+        <p:txBody>
+          <a:bodyPr rtlCol="0" anchor="ctr"/>
+          <a:lstStyle/>
+          <a:p>
+            <a:pPr algn="ctr"/>
+            <a:endParaRPr lang="en-US"/>
+          </a:p>
+        </p:txBody>
+      </p:sp>
+      <p:cxnSp>
+        <p:nvCxnSpPr>
+          <p:cNvPr id="35" name="Straight Arrow Connector 34"/>
+          <p:cNvCxnSpPr>
+            <a:stCxn id="23" idx="3"/>
+            <a:endCxn id="29" idx="2"/>
+          </p:cNvCxnSpPr>
+          <p:nvPr/>
+        </p:nvCxnSpPr>
+        <p:spPr>
+          <a:xfrm>
+            <a:off x="2613804" y="2819450"/>
+            <a:ext cx="1935238" cy="94839"/>
+          </a:xfrm>
+          <a:prstGeom prst="straightConnector1">
+            <a:avLst/>
+          </a:prstGeom>
+          <a:ln w="41275">
+            <a:solidFill>
+              <a:srgbClr val="FF0000"/>
+            </a:solidFill>
+            <a:tailEnd type="arrow"/>
+          </a:ln>
+        </p:spPr>
+        <p:style>
+          <a:lnRef idx="1">
+            <a:schemeClr val="accent1"/>
+          </a:lnRef>
+          <a:fillRef idx="0">
+            <a:schemeClr val="accent1"/>
+          </a:fillRef>
+          <a:effectRef idx="0">
+            <a:schemeClr val="accent1"/>
+          </a:effectRef>
+          <a:fontRef idx="minor">
+            <a:schemeClr val="tx1"/>
+          </a:fontRef>
+        </p:style>
+      </p:cxnSp>
+      <p:pic>
+        <p:nvPicPr>
+          <p:cNvPr id="4099" name="Picture 3"/>
+          <p:cNvPicPr>
+            <a:picLocks noChangeAspect="1" noChangeArrowheads="1"/>
+          </p:cNvPicPr>
+          <p:nvPr/>
+        </p:nvPicPr>
+        <p:blipFill>
+          <a:blip r:embed="rId3" cstate="print"/>
+          <a:srcRect/>
+          <a:stretch>
+            <a:fillRect/>
+          </a:stretch>
+        </p:blipFill>
+        <p:spPr bwMode="auto">
+          <a:xfrm>
+            <a:off x="4861615" y="2995521"/>
+            <a:ext cx="4010025" cy="2982583"/>
+          </a:xfrm>
+          <a:prstGeom prst="rect">
+            <a:avLst/>
+          </a:prstGeom>
+          <a:noFill/>
+          <a:ln w="9525">
+            <a:noFill/>
+            <a:miter lim="800000"/>
+            <a:headEnd/>
+            <a:tailEnd/>
+          </a:ln>
+        </p:spPr>
+      </p:pic>
+      <p:sp>
+        <p:nvSpPr>
+          <p:cNvPr id="40" name="TextBox 39"/>
+          <p:cNvSpPr txBox="1"/>
+          <p:nvPr/>
+        </p:nvSpPr>
+        <p:spPr>
+          <a:xfrm>
+            <a:off x="6219645" y="4546120"/>
+            <a:ext cx="2518914" cy="523220"/>
+          </a:xfrm>
+          <a:prstGeom prst="rect">
+            <a:avLst/>
+          </a:prstGeom>
+          <a:noFill/>
+          <a:ln>
+            <a:noFill/>
+          </a:ln>
+        </p:spPr>
+        <p:txBody>
+          <a:bodyPr wrap="square" rtlCol="0">
+            <a:spAutoFit/>
+          </a:bodyPr>
+          <a:lstStyle/>
+          <a:p>
+            <a:r>
+              <a:rPr lang="en-US" sz="2800" b="1" dirty="0" smtClean="0">
+                <a:ln w="24500" cmpd="dbl">
+                  <a:solidFill>
+                    <a:schemeClr val="accent2">
+                      <a:shade val="85000"/>
+                      <a:satMod val="155000"/>
+                    </a:schemeClr>
+                  </a:solidFill>
+                  <a:prstDash val="solid"/>
+                  <a:miter lim="800000"/>
+                </a:ln>
+                <a:gradFill>
+                  <a:gsLst>
+                    <a:gs pos="10000">
+                      <a:schemeClr val="accent2">
+                        <a:tint val="10000"/>
+                        <a:satMod val="155000"/>
+                      </a:schemeClr>
+                    </a:gs>
+                    <a:gs pos="60000">
+                      <a:schemeClr val="accent2">
+                        <a:tint val="30000"/>
+                        <a:satMod val="155000"/>
+                      </a:schemeClr>
+                    </a:gs>
+                    <a:gs pos="100000">
+                      <a:schemeClr val="accent2">
+                        <a:tint val="73000"/>
+                        <a:satMod val="155000"/>
+                      </a:schemeClr>
+                    </a:gs>
+                  </a:gsLst>
+                  <a:lin ang="5400000"/>
+                </a:gradFill>
+                <a:effectLst>
+                  <a:outerShdw blurRad="38100" dist="38100" dir="7020000" algn="tl">
+                    <a:srgbClr val="000000">
+                      <a:alpha val="35000"/>
+                    </a:srgbClr>
+                  </a:outerShdw>
+                </a:effectLst>
+              </a:rPr>
+              <a:t>ARC-</a:t>
+            </a:r>
+            <a:r>
+              <a:rPr lang="en-US" sz="2800" b="1" dirty="0" err="1" smtClean="0">
+                <a:ln w="24500" cmpd="dbl">
+                  <a:solidFill>
+                    <a:schemeClr val="accent2">
+                      <a:shade val="85000"/>
+                      <a:satMod val="155000"/>
+                    </a:schemeClr>
+                  </a:solidFill>
+                  <a:prstDash val="solid"/>
+                  <a:miter lim="800000"/>
+                </a:ln>
+                <a:gradFill>
+                  <a:gsLst>
+                    <a:gs pos="10000">
+                      <a:schemeClr val="accent2">
+                        <a:tint val="10000"/>
+                        <a:satMod val="155000"/>
+                      </a:schemeClr>
+                    </a:gs>
+                    <a:gs pos="60000">
+                      <a:schemeClr val="accent2">
+                        <a:tint val="30000"/>
+                        <a:satMod val="155000"/>
+                      </a:schemeClr>
+                    </a:gs>
+                    <a:gs pos="100000">
+                      <a:schemeClr val="accent2">
+                        <a:tint val="73000"/>
+                        <a:satMod val="155000"/>
+                      </a:schemeClr>
+                    </a:gs>
+                  </a:gsLst>
+                  <a:lin ang="5400000"/>
+                </a:gradFill>
+                <a:effectLst>
+                  <a:outerShdw blurRad="38100" dist="38100" dir="7020000" algn="tl">
+                    <a:srgbClr val="000000">
+                      <a:alpha val="35000"/>
+                    </a:srgbClr>
+                  </a:outerShdw>
+                </a:effectLst>
+              </a:rPr>
+              <a:t>TASTIC</a:t>
+            </a:r>
+            <a:r>
+              <a:rPr lang="en-US" sz="2800" b="1" dirty="0" smtClean="0">
+                <a:ln w="24500" cmpd="dbl">
+                  <a:solidFill>
+                    <a:schemeClr val="accent2">
+                      <a:shade val="85000"/>
+                      <a:satMod val="155000"/>
+                    </a:schemeClr>
+                  </a:solidFill>
+                  <a:prstDash val="solid"/>
+                  <a:miter lim="800000"/>
+                </a:ln>
+                <a:gradFill>
+                  <a:gsLst>
+                    <a:gs pos="10000">
+                      <a:schemeClr val="accent2">
+                        <a:tint val="10000"/>
+                        <a:satMod val="155000"/>
+                      </a:schemeClr>
+                    </a:gs>
+                    <a:gs pos="60000">
+                      <a:schemeClr val="accent2">
+                        <a:tint val="30000"/>
+                        <a:satMod val="155000"/>
+                      </a:schemeClr>
+                    </a:gs>
+                    <a:gs pos="100000">
+                      <a:schemeClr val="accent2">
+                        <a:tint val="73000"/>
+                        <a:satMod val="155000"/>
+                      </a:schemeClr>
+                    </a:gs>
+                  </a:gsLst>
+                  <a:lin ang="5400000"/>
+                </a:gradFill>
+                <a:effectLst>
+                  <a:outerShdw blurRad="38100" dist="38100" dir="7020000" algn="tl">
+                    <a:srgbClr val="000000">
+                      <a:alpha val="35000"/>
+                    </a:srgbClr>
+                  </a:outerShdw>
+                </a:effectLst>
+              </a:rPr>
+              <a:t>!</a:t>
+            </a:r>
+          </a:p>
+        </p:txBody>
+      </p:sp>
+      <p:sp>
+        <p:nvSpPr>
+          <p:cNvPr id="42" name="Right Arrow 41"/>
+          <p:cNvSpPr/>
+          <p:nvPr/>
+        </p:nvSpPr>
+        <p:spPr>
+          <a:xfrm rot="1394874">
+            <a:off x="4746517" y="3610386"/>
+            <a:ext cx="536944" cy="489098"/>
+          </a:xfrm>
+          <a:prstGeom prst="rightArrow">
+            <a:avLst/>
+          </a:prstGeom>
+        </p:spPr>
+        <p:style>
+          <a:lnRef idx="2">
+            <a:schemeClr val="accent2">
+              <a:shade val="50000"/>
+            </a:schemeClr>
+          </a:lnRef>
+          <a:fillRef idx="1">
+            <a:schemeClr val="accent2"/>
+          </a:fillRef>
+          <a:effectRef idx="0">
+            <a:schemeClr val="accent2"/>
+          </a:effectRef>
+          <a:fontRef idx="minor">
+            <a:schemeClr val="lt1"/>
+          </a:fontRef>
+        </p:style>
+        <p:txBody>
+          <a:bodyPr rtlCol="0" anchor="ctr"/>
+          <a:lstStyle/>
+          <a:p>
+            <a:pPr algn="ctr"/>
+            <a:endParaRPr lang="en-US"/>
+          </a:p>
+        </p:txBody>
+      </p:sp>
+    </p:spTree>
+  </p:cSld>
+  <p:clrMapOvr>
+    <a:masterClrMapping/>
+  </p:clrMapOvr>
+  <p:timing>
+    <p:tnLst>
+      <p:par>
+        <p:cTn id="1" dur="indefinite" restart="never" nodeType="tmRoot">
+          <p:childTnLst>
+            <p:seq concurrent="1" nextAc="seek">
+              <p:cTn id="2" dur="indefinite" nodeType="mainSeq">
+                <p:childTnLst>
+                  <p:par>
+                    <p:cTn id="3" fill="hold">
+                      <p:stCondLst>
+                        <p:cond delay="indefinite"/>
+                      </p:stCondLst>
+                      <p:childTnLst>
+                        <p:par>
+                          <p:cTn id="4" fill="hold">
+                            <p:stCondLst>
+                              <p:cond delay="0"/>
+                            </p:stCondLst>
+                            <p:childTnLst>
+                              <p:par>
+                                <p:cTn id="5" presetID="1" presetClass="entr" presetSubtype="0" fill="hold" grpId="0" nodeType="clickEffect">
+                                  <p:stCondLst>
+                                    <p:cond delay="0"/>
+                                  </p:stCondLst>
+                                  <p:childTnLst>
+                                    <p:set>
+                                      <p:cBhvr>
+                                        <p:cTn id="6" dur="1" fill="hold">
+                                          <p:stCondLst>
+                                            <p:cond delay="0"/>
+                                          </p:stCondLst>
+                                        </p:cTn>
+                                        <p:tgtEl>
+                                          <p:spTgt spid="18"/>
+                                        </p:tgtEl>
+                                        <p:attrNameLst>
+                                          <p:attrName>style.visibility</p:attrName>
+                                        </p:attrNameLst>
+                                      </p:cBhvr>
+                                      <p:to>
+                                        <p:strVal val="visible"/>
+                                      </p:to>
+                                    </p:set>
+                                  </p:childTnLst>
+                                </p:cTn>
+                              </p:par>
+                            </p:childTnLst>
+                          </p:cTn>
+                        </p:par>
+                      </p:childTnLst>
+                    </p:cTn>
+                  </p:par>
+                  <p:par>
+                    <p:cTn id="7" fill="hold">
+                      <p:stCondLst>
+                        <p:cond delay="indefinite"/>
+                      </p:stCondLst>
+                      <p:childTnLst>
+                        <p:par>
+                          <p:cTn id="8" fill="hold">
+                            <p:stCondLst>
+                              <p:cond delay="0"/>
+                            </p:stCondLst>
+                            <p:childTnLst>
+                              <p:par>
+                                <p:cTn id="9" presetID="1" presetClass="entr" presetSubtype="0" fill="hold" grpId="0" nodeType="clickEffect">
+                                  <p:stCondLst>
+                                    <p:cond delay="0"/>
+                                  </p:stCondLst>
+                                  <p:childTnLst>
+                                    <p:set>
+                                      <p:cBhvr>
+                                        <p:cTn id="10" dur="1" fill="hold">
+                                          <p:stCondLst>
+                                            <p:cond delay="0"/>
+                                          </p:stCondLst>
+                                        </p:cTn>
+                                        <p:tgtEl>
+                                          <p:spTgt spid="29"/>
+                                        </p:tgtEl>
+                                        <p:attrNameLst>
+                                          <p:attrName>style.visibility</p:attrName>
+                                        </p:attrNameLst>
+                                      </p:cBhvr>
+                                      <p:to>
+                                        <p:strVal val="visible"/>
+                                      </p:to>
+                                    </p:set>
+                                  </p:childTnLst>
+                                </p:cTn>
+                              </p:par>
+                              <p:par>
+                                <p:cTn id="11" presetID="1" presetClass="entr" presetSubtype="0" fill="hold" grpId="0" nodeType="withEffect">
+                                  <p:stCondLst>
+                                    <p:cond delay="0"/>
+                                  </p:stCondLst>
+                                  <p:childTnLst>
+                                    <p:set>
+                                      <p:cBhvr>
+                                        <p:cTn id="12" dur="1" fill="hold">
+                                          <p:stCondLst>
+                                            <p:cond delay="0"/>
+                                          </p:stCondLst>
+                                        </p:cTn>
+                                        <p:tgtEl>
+                                          <p:spTgt spid="24"/>
+                                        </p:tgtEl>
+                                        <p:attrNameLst>
+                                          <p:attrName>style.visibility</p:attrName>
+                                        </p:attrNameLst>
+                                      </p:cBhvr>
+                                      <p:to>
+                                        <p:strVal val="visible"/>
+                                      </p:to>
+                                    </p:set>
+                                  </p:childTnLst>
+                                </p:cTn>
+                              </p:par>
+                              <p:par>
+                                <p:cTn id="13" presetID="1" presetClass="entr" presetSubtype="0" fill="hold" grpId="0" nodeType="withEffect">
+                                  <p:stCondLst>
+                                    <p:cond delay="0"/>
+                                  </p:stCondLst>
+                                  <p:childTnLst>
+                                    <p:set>
+                                      <p:cBhvr>
+                                        <p:cTn id="14" dur="1" fill="hold">
+                                          <p:stCondLst>
+                                            <p:cond delay="0"/>
+                                          </p:stCondLst>
+                                        </p:cTn>
+                                        <p:tgtEl>
+                                          <p:spTgt spid="23"/>
+                                        </p:tgtEl>
+                                        <p:attrNameLst>
+                                          <p:attrName>style.visibility</p:attrName>
+                                        </p:attrNameLst>
+                                      </p:cBhvr>
+                                      <p:to>
+                                        <p:strVal val="visible"/>
+                                      </p:to>
+                                    </p:set>
+                                  </p:childTnLst>
+                                </p:cTn>
+                              </p:par>
+                              <p:par>
+                                <p:cTn id="15" presetID="1" presetClass="entr" presetSubtype="0" fill="hold" nodeType="withEffect">
+                                  <p:stCondLst>
+                                    <p:cond delay="0"/>
+                                  </p:stCondLst>
+                                  <p:childTnLst>
+                                    <p:set>
+                                      <p:cBhvr>
+                                        <p:cTn id="16" dur="1" fill="hold">
+                                          <p:stCondLst>
+                                            <p:cond delay="0"/>
+                                          </p:stCondLst>
+                                        </p:cTn>
+                                        <p:tgtEl>
+                                          <p:spTgt spid="26"/>
+                                        </p:tgtEl>
+                                        <p:attrNameLst>
+                                          <p:attrName>style.visibility</p:attrName>
+                                        </p:attrNameLst>
+                                      </p:cBhvr>
+                                      <p:to>
+                                        <p:strVal val="visible"/>
+                                      </p:to>
+                                    </p:set>
+                                  </p:childTnLst>
+                                </p:cTn>
+                              </p:par>
+                              <p:par>
+                                <p:cTn id="17" presetID="1" presetClass="entr" presetSubtype="0" fill="hold" nodeType="withEffect">
+                                  <p:stCondLst>
+                                    <p:cond delay="0"/>
+                                  </p:stCondLst>
+                                  <p:childTnLst>
+                                    <p:set>
+                                      <p:cBhvr>
+                                        <p:cTn id="18" dur="1" fill="hold">
+                                          <p:stCondLst>
+                                            <p:cond delay="0"/>
+                                          </p:stCondLst>
+                                        </p:cTn>
+                                        <p:tgtEl>
+                                          <p:spTgt spid="35"/>
+                                        </p:tgtEl>
+                                        <p:attrNameLst>
+                                          <p:attrName>style.visibility</p:attrName>
+                                        </p:attrNameLst>
+                                      </p:cBhvr>
+                                      <p:to>
+                                        <p:strVal val="visible"/>
+                                      </p:to>
+                                    </p:set>
+                                  </p:childTnLst>
+                                </p:cTn>
+                              </p:par>
+                            </p:childTnLst>
+                          </p:cTn>
+                        </p:par>
+                      </p:childTnLst>
+                    </p:cTn>
+                  </p:par>
+                  <p:par>
+                    <p:cTn id="19" fill="hold">
+                      <p:stCondLst>
+                        <p:cond delay="indefinite"/>
+                      </p:stCondLst>
+                      <p:childTnLst>
+                        <p:par>
+                          <p:cTn id="20" fill="hold">
+                            <p:stCondLst>
+                              <p:cond delay="0"/>
+                            </p:stCondLst>
+                            <p:childTnLst>
+                              <p:par>
+                                <p:cTn id="21" presetID="1" presetClass="entr" presetSubtype="0" fill="hold" grpId="0" nodeType="clickEffect">
+                                  <p:stCondLst>
+                                    <p:cond delay="0"/>
+                                  </p:stCondLst>
+                                  <p:childTnLst>
+                                    <p:set>
+                                      <p:cBhvr>
+                                        <p:cTn id="22" dur="1" fill="hold">
+                                          <p:stCondLst>
+                                            <p:cond delay="0"/>
+                                          </p:stCondLst>
+                                        </p:cTn>
+                                        <p:tgtEl>
+                                          <p:spTgt spid="19"/>
+                                        </p:tgtEl>
+                                        <p:attrNameLst>
+                                          <p:attrName>style.visibility</p:attrName>
+                                        </p:attrNameLst>
+                                      </p:cBhvr>
+                                      <p:to>
+                                        <p:strVal val="visible"/>
+                                      </p:to>
+                                    </p:set>
+                                  </p:childTnLst>
+                                </p:cTn>
+                              </p:par>
+                              <p:par>
+                                <p:cTn id="23" presetID="1" presetClass="entr" presetSubtype="0" fill="hold" nodeType="withEffect">
+                                  <p:stCondLst>
+                                    <p:cond delay="0"/>
+                                  </p:stCondLst>
+                                  <p:childTnLst>
+                                    <p:set>
+                                      <p:cBhvr>
+                                        <p:cTn id="24" dur="1" fill="hold">
+                                          <p:stCondLst>
+                                            <p:cond delay="0"/>
+                                          </p:stCondLst>
+                                        </p:cTn>
+                                        <p:tgtEl>
+                                          <p:spTgt spid="21"/>
+                                        </p:tgtEl>
+                                        <p:attrNameLst>
+                                          <p:attrName>style.visibility</p:attrName>
+                                        </p:attrNameLst>
+                                      </p:cBhvr>
+                                      <p:to>
+                                        <p:strVal val="visible"/>
+                                      </p:to>
+                                    </p:set>
+                                  </p:childTnLst>
+                                </p:cTn>
+                              </p:par>
+                              <p:par>
+                                <p:cTn id="25" presetID="1" presetClass="entr" presetSubtype="0" fill="hold" grpId="0" nodeType="withEffect">
+                                  <p:stCondLst>
+                                    <p:cond delay="0"/>
+                                  </p:stCondLst>
+                                  <p:childTnLst>
+                                    <p:set>
+                                      <p:cBhvr>
+                                        <p:cTn id="26" dur="1" fill="hold">
+                                          <p:stCondLst>
+                                            <p:cond delay="0"/>
+                                          </p:stCondLst>
+                                        </p:cTn>
+                                        <p:tgtEl>
+                                          <p:spTgt spid="32"/>
+                                        </p:tgtEl>
+                                        <p:attrNameLst>
+                                          <p:attrName>style.visibility</p:attrName>
+                                        </p:attrNameLst>
+                                      </p:cBhvr>
+                                      <p:to>
+                                        <p:strVal val="visible"/>
+                                      </p:to>
+                                    </p:set>
+                                  </p:childTnLst>
+                                </p:cTn>
+                              </p:par>
+                            </p:childTnLst>
+                          </p:cTn>
+                        </p:par>
+                      </p:childTnLst>
+                    </p:cTn>
+                  </p:par>
+                  <p:par>
+                    <p:cTn id="27" fill="hold">
+                      <p:stCondLst>
+                        <p:cond delay="indefinite"/>
+                      </p:stCondLst>
+                      <p:childTnLst>
+                        <p:par>
+                          <p:cTn id="28" fill="hold">
+                            <p:stCondLst>
+                              <p:cond delay="0"/>
+                            </p:stCondLst>
+                            <p:childTnLst>
+                              <p:par>
+                                <p:cTn id="29" presetID="1" presetClass="entr" presetSubtype="0" fill="hold" nodeType="clickEffect">
+                                  <p:stCondLst>
+                                    <p:cond delay="0"/>
+                                  </p:stCondLst>
+                                  <p:childTnLst>
+                                    <p:set>
+                                      <p:cBhvr>
+                                        <p:cTn id="30" dur="1" fill="hold">
+                                          <p:stCondLst>
+                                            <p:cond delay="0"/>
+                                          </p:stCondLst>
+                                        </p:cTn>
+                                        <p:tgtEl>
+                                          <p:spTgt spid="4099"/>
+                                        </p:tgtEl>
+                                        <p:attrNameLst>
+                                          <p:attrName>style.visibility</p:attrName>
+                                        </p:attrNameLst>
+                                      </p:cBhvr>
+                                      <p:to>
+                                        <p:strVal val="visible"/>
+                                      </p:to>
+                                    </p:set>
+                                  </p:childTnLst>
+                                </p:cTn>
+                              </p:par>
+                              <p:par>
+                                <p:cTn id="31" presetID="1" presetClass="entr" presetSubtype="0" fill="hold" grpId="0" nodeType="withEffect">
+                                  <p:stCondLst>
+                                    <p:cond delay="0"/>
+                                  </p:stCondLst>
+                                  <p:childTnLst>
+                                    <p:set>
+                                      <p:cBhvr>
+                                        <p:cTn id="32" dur="1" fill="hold">
+                                          <p:stCondLst>
+                                            <p:cond delay="0"/>
+                                          </p:stCondLst>
+                                        </p:cTn>
+                                        <p:tgtEl>
+                                          <p:spTgt spid="40"/>
+                                        </p:tgtEl>
+                                        <p:attrNameLst>
+                                          <p:attrName>style.visibility</p:attrName>
+                                        </p:attrNameLst>
+                                      </p:cBhvr>
+                                      <p:to>
+                                        <p:strVal val="visible"/>
+                                      </p:to>
+                                    </p:set>
+                                  </p:childTnLst>
+                                </p:cTn>
+                              </p:par>
+                              <p:par>
+                                <p:cTn id="33" presetID="1" presetClass="entr" presetSubtype="0" fill="hold" grpId="0" nodeType="withEffect">
+                                  <p:stCondLst>
+                                    <p:cond delay="0"/>
+                                  </p:stCondLst>
+                                  <p:childTnLst>
+                                    <p:set>
+                                      <p:cBhvr>
+                                        <p:cTn id="34" dur="1" fill="hold">
+                                          <p:stCondLst>
+                                            <p:cond delay="0"/>
+                                          </p:stCondLst>
+                                        </p:cTn>
+                                        <p:tgtEl>
+                                          <p:spTgt spid="42"/>
+                                        </p:tgtEl>
+                                        <p:attrNameLst>
+                                          <p:attrName>style.visibility</p:attrName>
+                                        </p:attrNameLst>
+                                      </p:cBhvr>
+                                      <p:to>
+                                        <p:strVal val="visible"/>
+                                      </p:to>
+                                    </p:set>
+                                  </p:childTnLst>
+                                </p:cTn>
+                              </p:par>
+                            </p:childTnLst>
+                          </p:cTn>
+                        </p:par>
+                      </p:childTnLst>
+                    </p:cTn>
+                  </p:par>
+                  <p:par>
+                    <p:cTn id="35" fill="hold">
+                      <p:stCondLst>
+                        <p:cond delay="indefinite"/>
+                      </p:stCondLst>
+                      <p:childTnLst>
+                        <p:par>
+                          <p:cTn id="36" fill="hold">
+                            <p:stCondLst>
+                              <p:cond delay="0"/>
+                            </p:stCondLst>
+                            <p:childTnLst>
+                              <p:par>
+                                <p:cTn id="37" presetID="1" presetClass="entr" presetSubtype="0" fill="hold" grpId="0" nodeType="clickEffect">
+                                  <p:stCondLst>
+                                    <p:cond delay="0"/>
+                                  </p:stCondLst>
+                                  <p:childTnLst>
+                                    <p:set>
+                                      <p:cBhvr>
+                                        <p:cTn id="38" dur="1" fill="hold">
+                                          <p:stCondLst>
+                                            <p:cond delay="0"/>
+                                          </p:stCondLst>
+                                        </p:cTn>
+                                        <p:tgtEl>
+                                          <p:spTgt spid="43"/>
+                                        </p:tgtEl>
+                                        <p:attrNameLst>
+                                          <p:attrName>style.visibility</p:attrName>
+                                        </p:attrNameLst>
+                                      </p:cBhvr>
+                                      <p:to>
+                                        <p:strVal val="visible"/>
+                                      </p:to>
+                                    </p:set>
+                                  </p:childTnLst>
+                                </p:cTn>
+                              </p:par>
+                            </p:childTnLst>
+                          </p:cTn>
+                        </p:par>
+                      </p:childTnLst>
+                    </p:cTn>
+                  </p:par>
+                </p:childTnLst>
+              </p:cTn>
+              <p:prevCondLst>
+                <p:cond evt="onPrev" delay="0">
+                  <p:tgtEl>
+                    <p:sldTgt/>
+                  </p:tgtEl>
+                </p:cond>
+              </p:prevCondLst>
+              <p:nextCondLst>
+                <p:cond evt="onNext" delay="0">
+                  <p:tgtEl>
+                    <p:sldTgt/>
+                  </p:tgtEl>
+                </p:cond>
+              </p:nextCondLst>
+            </p:seq>
+          </p:childTnLst>
+        </p:cTn>
+      </p:par>
+    </p:tnLst>
+    <p:bldLst>
+      <p:bldP spid="19" grpId="0" animBg="1"/>
+      <p:bldP spid="23" grpId="0" animBg="1"/>
+      <p:bldP spid="24" grpId="0" animBg="1"/>
+      <p:bldP spid="18" grpId="0"/>
+      <p:bldP spid="32" grpId="0" animBg="1"/>
+      <p:bldP spid="43" grpId="0" animBg="1"/>
+      <p:bldP spid="29" grpId="0" animBg="1"/>
+      <p:bldP spid="40" grpId="0"/>
+      <p:bldP spid="42" grpId="0" animBg="1"/>
+    </p:bldLst>
+  </p:timing>
+</p:sld>
+</file>
+
+<file path=ppt/slides/slide19.xml><?xml version="1.0" encoding="utf-8"?>
+<p:sld xmlns:a="http://schemas.openxmlformats.org/drawingml/2006/main" xmlns:r="http://schemas.openxmlformats.org/officeDocument/2006/relationships" xmlns:p="http://schemas.openxmlformats.org/presentationml/2006/main">
+  <p:cSld>
+    <p:spTree>
+      <p:nvGrpSpPr>
+        <p:cNvPr id="1" name=""/>
+        <p:cNvGrpSpPr/>
+        <p:nvPr/>
+      </p:nvGrpSpPr>
+      <p:grpSpPr>
+        <a:xfrm>
+          <a:off x="0" y="0"/>
+          <a:ext cx="0" cy="0"/>
+          <a:chOff x="0" y="0"/>
+          <a:chExt cx="0" cy="0"/>
+        </a:xfrm>
+      </p:grpSpPr>
       <p:sp>
         <p:nvSpPr>
           <p:cNvPr id="5" name="Title 4"/>
@@ -13627,15 +18547,7 @@
             <a:pPr algn="ctr"/>
             <a:r>
               <a:rPr lang="en-US" dirty="0" smtClean="0"/>
-              <a:t>Bundles of </a:t>
-            </a:r>
-            <a:r>
-              <a:rPr lang="en-US" dirty="0" smtClean="0"/>
-              <a:t>code should </a:t>
-            </a:r>
-            <a:r>
-              <a:rPr lang="en-US" dirty="0" smtClean="0"/>
-              <a:t>only depend on what is below them, not too them selves.</a:t>
+              <a:t>Bundles of code should only depend on what is below them, not too them selves.</a:t>
             </a:r>
             <a:endParaRPr lang="en-US" dirty="0"/>
           </a:p>
@@ -16823,18 +21735,9 @@
     </a:lnDef>
     <a:txDef>
       <a:spPr>
-        <a:solidFill>
-          <a:schemeClr val="accent3">
-            <a:lumMod val="60000"/>
-            <a:lumOff val="40000"/>
-          </a:schemeClr>
-        </a:solidFill>
+        <a:noFill/>
         <a:ln>
-          <a:solidFill>
-            <a:schemeClr val="accent3">
-              <a:lumMod val="75000"/>
-            </a:schemeClr>
-          </a:solidFill>
+          <a:noFill/>
         </a:ln>
       </a:spPr>
       <a:bodyPr wrap="square" rtlCol="0">
@@ -16842,11 +21745,7 @@
       </a:bodyPr>
       <a:lstStyle>
         <a:defPPr>
-          <a:defRPr sz="1400" dirty="0" smtClean="0">
-            <a:solidFill>
-              <a:schemeClr val="bg1"/>
-            </a:solidFill>
-          </a:defRPr>
+          <a:defRPr sz="1400" dirty="0" smtClean="0"/>
         </a:defPPr>
       </a:lstStyle>
     </a:txDef>

--- a/Macro-Mania.pptx
+++ b/Macro-Mania.pptx
@@ -11360,6 +11360,13 @@
   <p:clrMapOvr>
     <a:masterClrMapping/>
   </p:clrMapOvr>
+  <p:timing>
+    <p:tnLst>
+      <p:par>
+        <p:cTn id="1" dur="indefinite" restart="never" nodeType="tmRoot"/>
+      </p:par>
+    </p:tnLst>
+  </p:timing>
 </p:sld>
 </file>
 
@@ -12617,7 +12624,7 @@
           <a:p>
             <a:r>
               <a:rPr lang="en-US" sz="1400" dirty="0" smtClean="0"/>
-              <a:t>Creates </a:t>
+              <a:t>Moves </a:t>
             </a:r>
             <a:r>
               <a:rPr lang="en-US" sz="1400" dirty="0" err="1" smtClean="0"/>
@@ -12625,8 +12632,13 @@
             </a:r>
             <a:r>
               <a:rPr lang="en-US" sz="1400" dirty="0" smtClean="0"/>
-              <a:t> at the center of an arc</a:t>
-            </a:r>
+              <a:t> to another </a:t>
+            </a:r>
+            <a:r>
+              <a:rPr lang="en-US" sz="1400" dirty="0" err="1" smtClean="0"/>
+              <a:t>keypoint</a:t>
+            </a:r>
+            <a:endParaRPr lang="en-US" sz="1400" dirty="0" smtClean="0"/>
           </a:p>
         </p:txBody>
       </p:sp>
@@ -13919,7 +13931,6 @@
               <a:rPr lang="en-US" sz="1600" dirty="0" smtClean="0"/>
               <a:t> </a:t>
             </a:r>
-            <a:endParaRPr lang="en-US" sz="1600" dirty="0" smtClean="0"/>
           </a:p>
         </p:txBody>
       </p:sp>

--- a/Macro-Mania.pptx
+++ b/Macro-Mania.pptx
@@ -7,10 +7,10 @@
     <p:sldMasterId id="2147483663" r:id="rId3"/>
   </p:sldMasterIdLst>
   <p:notesMasterIdLst>
-    <p:notesMasterId r:id="rId23"/>
+    <p:notesMasterId r:id="rId28"/>
   </p:notesMasterIdLst>
   <p:handoutMasterIdLst>
-    <p:handoutMasterId r:id="rId24"/>
+    <p:handoutMasterId r:id="rId29"/>
   </p:handoutMasterIdLst>
   <p:sldIdLst>
     <p:sldId id="265" r:id="rId4"/>
@@ -31,7 +31,12 @@
     <p:sldId id="289" r:id="rId19"/>
     <p:sldId id="291" r:id="rId20"/>
     <p:sldId id="290" r:id="rId21"/>
-    <p:sldId id="281" r:id="rId22"/>
+    <p:sldId id="292" r:id="rId22"/>
+    <p:sldId id="293" r:id="rId23"/>
+    <p:sldId id="294" r:id="rId24"/>
+    <p:sldId id="295" r:id="rId25"/>
+    <p:sldId id="296" r:id="rId26"/>
+    <p:sldId id="281" r:id="rId27"/>
   </p:sldIdLst>
   <p:sldSz cx="9144000" cy="6858000" type="screen4x3"/>
   <p:notesSz cx="7315200" cy="9601200"/>
@@ -13919,7 +13924,6 @@
               <a:rPr lang="en-US" sz="1600" dirty="0" smtClean="0"/>
               <a:t> </a:t>
             </a:r>
-            <a:endParaRPr lang="en-US" sz="1600" dirty="0" smtClean="0"/>
           </a:p>
         </p:txBody>
       </p:sp>
@@ -14545,15 +14549,19 @@
           <a:p>
             <a:r>
               <a:rPr lang="en-US" dirty="0" smtClean="0"/>
-              <a:t>Simply create a </a:t>
+              <a:t>_</a:t>
             </a:r>
             <a:r>
               <a:rPr lang="en-US" dirty="0" err="1" smtClean="0"/>
-              <a:t>keypoint</a:t>
+              <a:t>LARC</a:t>
             </a:r>
             <a:r>
               <a:rPr lang="en-US" dirty="0" smtClean="0"/>
-              <a:t> at the center of any arc</a:t>
+              <a:t>: Creates an arc between two </a:t>
+            </a:r>
+            <a:r>
+              <a:rPr lang="en-US" dirty="0" err="1" smtClean="0"/>
+              <a:t>keypoints</a:t>
             </a:r>
             <a:endParaRPr lang="en-US" dirty="0"/>
           </a:p>
@@ -15862,7 +15870,7 @@
       </p:grpSpPr>
       <p:sp>
         <p:nvSpPr>
-          <p:cNvPr id="5" name="Title 4"/>
+          <p:cNvPr id="2" name="Title 1"/>
           <p:cNvSpPr>
             <a:spLocks noGrp="1"/>
           </p:cNvSpPr>
@@ -15877,7 +15885,15 @@
           <a:p>
             <a:r>
               <a:rPr lang="en-US" dirty="0" smtClean="0"/>
-              <a:t>AWESOME, where can I find out more?</a:t>
+              <a:t>_</a:t>
+            </a:r>
+            <a:r>
+              <a:rPr lang="en-US" dirty="0" err="1" smtClean="0"/>
+              <a:t>LDELE</a:t>
+            </a:r>
+            <a:r>
+              <a:rPr lang="en-US" dirty="0" smtClean="0"/>
+              <a:t>: Deletes Lines and Below</a:t>
             </a:r>
             <a:endParaRPr lang="en-US" dirty="0"/>
           </a:p>
@@ -15885,14 +15901,14 @@
       </p:sp>
       <p:sp>
         <p:nvSpPr>
-          <p:cNvPr id="6" name="TextBox 5"/>
+          <p:cNvPr id="3" name="TextBox 2"/>
           <p:cNvSpPr txBox="1"/>
           <p:nvPr/>
         </p:nvSpPr>
         <p:spPr>
           <a:xfrm>
-            <a:off x="181155" y="983411"/>
-            <a:ext cx="8005313" cy="738664"/>
+            <a:off x="155274" y="888521"/>
+            <a:ext cx="8988725" cy="923330"/>
           </a:xfrm>
           <a:prstGeom prst="rect">
             <a:avLst/>
@@ -15906,59 +15922,35 @@
           <a:lstStyle/>
           <a:p>
             <a:r>
-              <a:rPr lang="en-US" sz="2400" dirty="0" smtClean="0"/>
-              <a:t>Header of the macros! </a:t>
-            </a:r>
-            <a:r>
-              <a:rPr lang="en-US" dirty="0" smtClean="0"/>
-              <a:t>They are there too help, if something is confusing, let me know, I’m also a decent writer and I can try to clarify.</a:t>
-            </a:r>
-            <a:endParaRPr lang="en-US" dirty="0"/>
-          </a:p>
-        </p:txBody>
-      </p:sp>
-      <p:pic>
-        <p:nvPicPr>
-          <p:cNvPr id="7170" name="Picture 2"/>
-          <p:cNvPicPr>
-            <a:picLocks noChangeAspect="1" noChangeArrowheads="1"/>
-          </p:cNvPicPr>
-          <p:nvPr/>
-        </p:nvPicPr>
-        <p:blipFill>
-          <a:blip r:embed="rId2" cstate="print"/>
-          <a:srcRect/>
-          <a:stretch>
-            <a:fillRect/>
-          </a:stretch>
-        </p:blipFill>
-        <p:spPr bwMode="auto">
-          <a:xfrm>
-            <a:off x="231652" y="1945706"/>
-            <a:ext cx="3969411" cy="2336673"/>
-          </a:xfrm>
-          <a:prstGeom prst="rect">
-            <a:avLst/>
-          </a:prstGeom>
-          <a:noFill/>
-          <a:ln w="9525">
-            <a:noFill/>
-            <a:miter lim="800000"/>
-            <a:headEnd/>
-            <a:tailEnd/>
-          </a:ln>
-        </p:spPr>
-      </p:pic>
-      <p:sp>
-        <p:nvSpPr>
-          <p:cNvPr id="8" name="TextBox 7"/>
+              <a:rPr lang="en-US" sz="5400" dirty="0" smtClean="0"/>
+              <a:t>_</a:t>
+            </a:r>
+            <a:r>
+              <a:rPr lang="en-US" sz="5400" dirty="0" err="1" smtClean="0"/>
+              <a:t>LDELE</a:t>
+            </a:r>
+            <a:r>
+              <a:rPr lang="en-US" sz="3600" dirty="0" smtClean="0"/>
+              <a:t>, </a:t>
+            </a:r>
+            <a:r>
+              <a:rPr lang="en-US" sz="2000" dirty="0" smtClean="0"/>
+              <a:t>&lt;first line&gt;,&lt;last line&gt;, &lt;line increment&gt; </a:t>
+            </a:r>
+            <a:endParaRPr lang="en-US" sz="6000" dirty="0"/>
+          </a:p>
+        </p:txBody>
+      </p:sp>
+      <p:sp>
+        <p:nvSpPr>
+          <p:cNvPr id="4" name="TextBox 3"/>
           <p:cNvSpPr txBox="1"/>
           <p:nvPr/>
         </p:nvSpPr>
         <p:spPr>
           <a:xfrm>
-            <a:off x="250168" y="4666891"/>
-            <a:ext cx="3985402" cy="1292662"/>
+            <a:off x="4226944" y="845389"/>
+            <a:ext cx="4917056" cy="338554"/>
           </a:xfrm>
           <a:prstGeom prst="rect">
             <a:avLst/>
@@ -15971,140 +15963,176 @@
           </a:bodyPr>
           <a:lstStyle/>
           <a:p>
-            <a:r>
-              <a:rPr lang="en-US" sz="2400" dirty="0" smtClean="0"/>
-              <a:t>__</a:t>
-            </a:r>
-            <a:r>
-              <a:rPr lang="en-US" sz="2400" dirty="0" err="1" smtClean="0"/>
-              <a:t>BensMacros.xls</a:t>
-            </a:r>
-            <a:r>
-              <a:rPr lang="en-US" sz="2400" dirty="0" smtClean="0"/>
+            <a:pPr algn="r"/>
+            <a:r>
+              <a:rPr lang="en-US" sz="1600" dirty="0" smtClean="0"/>
+              <a:t>“Think: </a:t>
+            </a:r>
+            <a:r>
+              <a:rPr lang="en-US" sz="1600" dirty="0" smtClean="0">
+                <a:solidFill>
+                  <a:schemeClr val="accent6"/>
+                </a:solidFill>
+              </a:rPr>
+              <a:t>_L</a:t>
+            </a:r>
+            <a:r>
+              <a:rPr lang="en-US" sz="1600" dirty="0" smtClean="0"/>
+              <a:t>ine</a:t>
+            </a:r>
+            <a:r>
+              <a:rPr lang="en-US" sz="1600" dirty="0" smtClean="0">
+                <a:solidFill>
+                  <a:schemeClr val="accent6"/>
+                </a:solidFill>
+              </a:rPr>
               <a:t> </a:t>
             </a:r>
             <a:r>
+              <a:rPr lang="en-US" sz="1600" dirty="0" smtClean="0">
+                <a:solidFill>
+                  <a:schemeClr val="accent6"/>
+                </a:solidFill>
+              </a:rPr>
+              <a:t>Dele</a:t>
+            </a:r>
+            <a:r>
+              <a:rPr lang="en-US" sz="1600" dirty="0" smtClean="0"/>
+              <a:t>te”</a:t>
+            </a:r>
+            <a:endParaRPr lang="en-US" sz="1600" dirty="0"/>
+          </a:p>
+        </p:txBody>
+      </p:sp>
+      <p:sp>
+        <p:nvSpPr>
+          <p:cNvPr id="5" name="TextBox 4"/>
+          <p:cNvSpPr txBox="1"/>
+          <p:nvPr/>
+        </p:nvSpPr>
+        <p:spPr>
+          <a:xfrm>
+            <a:off x="172528" y="1871932"/>
+            <a:ext cx="8436634" cy="369332"/>
+          </a:xfrm>
+          <a:prstGeom prst="rect">
+            <a:avLst/>
+          </a:prstGeom>
+          <a:noFill/>
+          <a:ln>
+            <a:noFill/>
+          </a:ln>
+        </p:spPr>
+        <p:txBody>
+          <a:bodyPr wrap="square" rtlCol="0">
+            <a:spAutoFit/>
+          </a:bodyPr>
+          <a:lstStyle/>
+          <a:p>
+            <a:r>
               <a:rPr lang="en-US" dirty="0" smtClean="0"/>
-              <a:t>is a kind of up to date listing of all the macros with a brief description. Let me know if something is missing, I’ll fix it.</a:t>
-            </a:r>
-            <a:endParaRPr lang="en-US" dirty="0"/>
-          </a:p>
-        </p:txBody>
-      </p:sp>
-      <p:pic>
-        <p:nvPicPr>
-          <p:cNvPr id="7171" name="Picture 3"/>
-          <p:cNvPicPr>
-            <a:picLocks noChangeAspect="1" noChangeArrowheads="1"/>
-          </p:cNvPicPr>
+              <a:t>Deletes lines and associated </a:t>
+            </a:r>
+            <a:r>
+              <a:rPr lang="en-US" dirty="0" err="1" smtClean="0"/>
+              <a:t>keypoints</a:t>
+            </a:r>
+            <a:r>
+              <a:rPr lang="en-US" dirty="0" smtClean="0"/>
+              <a:t>. </a:t>
+            </a:r>
+            <a:endParaRPr lang="en-US" dirty="0" smtClean="0"/>
+          </a:p>
+        </p:txBody>
+      </p:sp>
+      <p:sp>
+        <p:nvSpPr>
+          <p:cNvPr id="7" name="TextBox 6"/>
+          <p:cNvSpPr txBox="1"/>
           <p:nvPr/>
-        </p:nvPicPr>
-        <p:blipFill>
-          <a:blip r:embed="rId3" cstate="print"/>
-          <a:srcRect/>
-          <a:stretch>
-            <a:fillRect/>
-          </a:stretch>
-        </p:blipFill>
-        <p:spPr bwMode="auto">
-          <a:xfrm>
-            <a:off x="4507818" y="2242867"/>
-            <a:ext cx="4434720" cy="3571965"/>
+        </p:nvSpPr>
+        <p:spPr>
+          <a:xfrm>
+            <a:off x="537580" y="2864307"/>
+            <a:ext cx="8096058" cy="338554"/>
           </a:xfrm>
           <a:prstGeom prst="rect">
             <a:avLst/>
           </a:prstGeom>
-          <a:noFill/>
-          <a:ln w="9525">
-            <a:noFill/>
-            <a:miter lim="800000"/>
-            <a:headEnd/>
-            <a:tailEnd/>
-          </a:ln>
-        </p:spPr>
-      </p:pic>
-      <p:cxnSp>
-        <p:nvCxnSpPr>
-          <p:cNvPr id="15" name="Elbow Connector 14"/>
-          <p:cNvCxnSpPr>
-            <a:stCxn id="6" idx="2"/>
-            <a:endCxn id="7170" idx="0"/>
-          </p:cNvCxnSpPr>
-          <p:nvPr/>
-        </p:nvCxnSpPr>
-        <p:spPr>
-          <a:xfrm rot="5400000">
-            <a:off x="3088270" y="850163"/>
-            <a:ext cx="223631" cy="1967454"/>
-          </a:xfrm>
-          <a:prstGeom prst="bentConnector3">
-            <a:avLst>
-              <a:gd name="adj1" fmla="val 50000"/>
-            </a:avLst>
-          </a:prstGeom>
-          <a:ln w="25400">
-            <a:solidFill>
-              <a:schemeClr val="tx1"/>
-            </a:solidFill>
-            <a:tailEnd type="triangle"/>
-          </a:ln>
+          <a:ln/>
         </p:spPr>
         <p:style>
           <a:lnRef idx="1">
-            <a:schemeClr val="accent1"/>
+            <a:schemeClr val="accent2"/>
           </a:lnRef>
-          <a:fillRef idx="0">
-            <a:schemeClr val="accent1"/>
+          <a:fillRef idx="2">
+            <a:schemeClr val="accent2"/>
           </a:fillRef>
-          <a:effectRef idx="0">
-            <a:schemeClr val="accent1"/>
+          <a:effectRef idx="1">
+            <a:schemeClr val="accent2"/>
           </a:effectRef>
           <a:fontRef idx="minor">
-            <a:schemeClr val="tx1"/>
+            <a:schemeClr val="dk1"/>
           </a:fontRef>
         </p:style>
-      </p:cxnSp>
-      <p:cxnSp>
-        <p:nvCxnSpPr>
-          <p:cNvPr id="17" name="Elbow Connector 16"/>
-          <p:cNvCxnSpPr>
-            <a:stCxn id="8" idx="3"/>
-            <a:endCxn id="7171" idx="1"/>
-          </p:cNvCxnSpPr>
+        <p:txBody>
+          <a:bodyPr wrap="square" rtlCol="0">
+            <a:spAutoFit/>
+          </a:bodyPr>
+          <a:lstStyle/>
+          <a:p>
+            <a:r>
+              <a:rPr lang="en-US" sz="1600" dirty="0" smtClean="0"/>
+              <a:t>Implementation </a:t>
+            </a:r>
+            <a:r>
+              <a:rPr lang="en-US" sz="1600" dirty="0" smtClean="0"/>
+              <a:t>Question: Should lines be deleted by this command even if they are meshed?</a:t>
+            </a:r>
+            <a:endParaRPr lang="en-US" sz="1600" dirty="0" smtClean="0"/>
+          </a:p>
+        </p:txBody>
+      </p:sp>
+      <p:sp>
+        <p:nvSpPr>
+          <p:cNvPr id="8" name="TextBox 7"/>
+          <p:cNvSpPr txBox="1"/>
           <p:nvPr/>
-        </p:nvCxnSpPr>
+        </p:nvSpPr>
         <p:spPr>
-          <a:xfrm flipV="1">
-            <a:off x="4235570" y="4028850"/>
-            <a:ext cx="272248" cy="1284372"/>
-          </a:xfrm>
-          <a:prstGeom prst="bentConnector3">
-            <a:avLst>
-              <a:gd name="adj1" fmla="val 50000"/>
-            </a:avLst>
-          </a:prstGeom>
-          <a:ln w="25400">
-            <a:solidFill>
-              <a:schemeClr val="tx1"/>
-            </a:solidFill>
-            <a:tailEnd type="triangle"/>
+          <a:xfrm>
+            <a:off x="170118" y="2254101"/>
+            <a:ext cx="8665535" cy="369332"/>
+          </a:xfrm>
+          <a:prstGeom prst="rect">
+            <a:avLst/>
+          </a:prstGeom>
+          <a:noFill/>
+          <a:ln>
+            <a:noFill/>
           </a:ln>
         </p:spPr>
-        <p:style>
-          <a:lnRef idx="1">
-            <a:schemeClr val="accent1"/>
-          </a:lnRef>
-          <a:fillRef idx="0">
-            <a:schemeClr val="accent1"/>
-          </a:fillRef>
-          <a:effectRef idx="0">
-            <a:schemeClr val="accent1"/>
-          </a:effectRef>
-          <a:fontRef idx="minor">
-            <a:schemeClr val="tx1"/>
-          </a:fontRef>
-        </p:style>
-      </p:cxnSp>
+        <p:txBody>
+          <a:bodyPr wrap="square" rtlCol="0">
+            <a:spAutoFit/>
+          </a:bodyPr>
+          <a:lstStyle/>
+          <a:p>
+            <a:r>
+              <a:rPr lang="en-US" dirty="0" smtClean="0"/>
+              <a:t>Same as Preprocessor &gt;&gt; Modeling &gt;&gt; Delete &gt;&gt; </a:t>
+            </a:r>
+            <a:r>
+              <a:rPr lang="en-US" dirty="0" smtClean="0"/>
+              <a:t>Lines and </a:t>
+            </a:r>
+            <a:r>
+              <a:rPr lang="en-US" dirty="0" smtClean="0"/>
+              <a:t>Below</a:t>
+            </a:r>
+          </a:p>
+        </p:txBody>
+      </p:sp>
     </p:spTree>
   </p:cSld>
   <p:clrMapOvr>
@@ -16113,9 +16141,154 @@
   <p:timing>
     <p:tnLst>
       <p:par>
-        <p:cTn id="1" dur="indefinite" restart="never" nodeType="tmRoot"/>
+        <p:cTn id="1" dur="indefinite" restart="never" nodeType="tmRoot">
+          <p:childTnLst>
+            <p:seq concurrent="1" nextAc="seek">
+              <p:cTn id="2" dur="indefinite" nodeType="mainSeq">
+                <p:childTnLst>
+                  <p:par>
+                    <p:cTn id="3" fill="hold">
+                      <p:stCondLst>
+                        <p:cond delay="indefinite"/>
+                      </p:stCondLst>
+                      <p:childTnLst>
+                        <p:par>
+                          <p:cTn id="4" fill="hold">
+                            <p:stCondLst>
+                              <p:cond delay="0"/>
+                            </p:stCondLst>
+                            <p:childTnLst>
+                              <p:par>
+                                <p:cTn id="5" presetID="1" presetClass="entr" presetSubtype="0" fill="hold" grpId="0" nodeType="clickEffect">
+                                  <p:stCondLst>
+                                    <p:cond delay="0"/>
+                                  </p:stCondLst>
+                                  <p:childTnLst>
+                                    <p:set>
+                                      <p:cBhvr>
+                                        <p:cTn id="6" dur="1" fill="hold">
+                                          <p:stCondLst>
+                                            <p:cond delay="0"/>
+                                          </p:stCondLst>
+                                        </p:cTn>
+                                        <p:tgtEl>
+                                          <p:spTgt spid="5"/>
+                                        </p:tgtEl>
+                                        <p:attrNameLst>
+                                          <p:attrName>style.visibility</p:attrName>
+                                        </p:attrNameLst>
+                                      </p:cBhvr>
+                                      <p:to>
+                                        <p:strVal val="visible"/>
+                                      </p:to>
+                                    </p:set>
+                                  </p:childTnLst>
+                                </p:cTn>
+                              </p:par>
+                              <p:par>
+                                <p:cTn id="7" presetID="1" presetClass="entr" presetSubtype="0" fill="hold" grpId="0" nodeType="withEffect">
+                                  <p:stCondLst>
+                                    <p:cond delay="0"/>
+                                  </p:stCondLst>
+                                  <p:childTnLst>
+                                    <p:set>
+                                      <p:cBhvr>
+                                        <p:cTn id="8" dur="1" fill="hold">
+                                          <p:stCondLst>
+                                            <p:cond delay="0"/>
+                                          </p:stCondLst>
+                                        </p:cTn>
+                                        <p:tgtEl>
+                                          <p:spTgt spid="8"/>
+                                        </p:tgtEl>
+                                        <p:attrNameLst>
+                                          <p:attrName>style.visibility</p:attrName>
+                                        </p:attrNameLst>
+                                      </p:cBhvr>
+                                      <p:to>
+                                        <p:strVal val="visible"/>
+                                      </p:to>
+                                    </p:set>
+                                  </p:childTnLst>
+                                </p:cTn>
+                              </p:par>
+                            </p:childTnLst>
+                          </p:cTn>
+                        </p:par>
+                      </p:childTnLst>
+                    </p:cTn>
+                  </p:par>
+                  <p:par>
+                    <p:cTn id="9" fill="hold">
+                      <p:stCondLst>
+                        <p:cond delay="indefinite"/>
+                      </p:stCondLst>
+                      <p:childTnLst>
+                        <p:par>
+                          <p:cTn id="10" fill="hold">
+                            <p:stCondLst>
+                              <p:cond delay="0"/>
+                            </p:stCondLst>
+                            <p:childTnLst>
+                              <p:par>
+                                <p:cTn id="11" presetID="1" presetClass="entr" presetSubtype="0" fill="hold" grpId="0" nodeType="clickEffect">
+                                  <p:stCondLst>
+                                    <p:cond delay="0"/>
+                                  </p:stCondLst>
+                                  <p:childTnLst>
+                                    <p:set>
+                                      <p:cBhvr>
+                                        <p:cTn id="12" dur="1" fill="hold">
+                                          <p:stCondLst>
+                                            <p:cond delay="0"/>
+                                          </p:stCondLst>
+                                        </p:cTn>
+                                        <p:tgtEl>
+                                          <p:spTgt spid="7"/>
+                                        </p:tgtEl>
+                                        <p:attrNameLst>
+                                          <p:attrName>style.visibility</p:attrName>
+                                        </p:attrNameLst>
+                                      </p:cBhvr>
+                                      <p:to>
+                                        <p:strVal val="visible"/>
+                                      </p:to>
+                                    </p:set>
+                                  </p:childTnLst>
+                                </p:cTn>
+                              </p:par>
+                            </p:childTnLst>
+                          </p:cTn>
+                        </p:par>
+                      </p:childTnLst>
+                    </p:cTn>
+                  </p:par>
+                </p:childTnLst>
+              </p:cTn>
+              <p:prevCondLst>
+                <p:cond evt="onPrev" delay="0">
+                  <p:tgtEl>
+                    <p:sldTgt/>
+                  </p:tgtEl>
+                </p:cond>
+              </p:prevCondLst>
+              <p:nextCondLst>
+                <p:cond evt="onNext" delay="0">
+                  <p:tgtEl>
+                    <p:sldTgt/>
+                  </p:tgtEl>
+                </p:cond>
+              </p:nextCondLst>
+            </p:seq>
+          </p:childTnLst>
+        </p:cTn>
       </p:par>
     </p:tnLst>
+    <p:bldLst>
+      <p:bldP spid="5" grpId="0"/>
+      <p:bldP spid="7" grpId="0" animBg="1"/>
+      <p:bldP spid="8" grpId="0"/>
+    </p:bldLst>
   </p:timing>
 </p:sld>
 </file>
@@ -16445,6 +16618,4535 @@
           </a:p>
         </p:txBody>
       </p:sp>
+    </p:spTree>
+  </p:cSld>
+  <p:clrMapOvr>
+    <a:masterClrMapping/>
+  </p:clrMapOvr>
+  <p:timing>
+    <p:tnLst>
+      <p:par>
+        <p:cTn id="1" dur="indefinite" restart="never" nodeType="tmRoot"/>
+      </p:par>
+    </p:tnLst>
+  </p:timing>
+</p:sld>
+</file>
+
+<file path=ppt/slides/slide20.xml><?xml version="1.0" encoding="utf-8"?>
+<p:sld xmlns:a="http://schemas.openxmlformats.org/drawingml/2006/main" xmlns:r="http://schemas.openxmlformats.org/officeDocument/2006/relationships" xmlns:p="http://schemas.openxmlformats.org/presentationml/2006/main">
+  <p:cSld>
+    <p:spTree>
+      <p:nvGrpSpPr>
+        <p:cNvPr id="1" name=""/>
+        <p:cNvGrpSpPr/>
+        <p:nvPr/>
+      </p:nvGrpSpPr>
+      <p:grpSpPr>
+        <a:xfrm>
+          <a:off x="0" y="0"/>
+          <a:ext cx="0" cy="0"/>
+          <a:chOff x="0" y="0"/>
+          <a:chExt cx="0" cy="0"/>
+        </a:xfrm>
+      </p:grpSpPr>
+      <p:sp>
+        <p:nvSpPr>
+          <p:cNvPr id="2" name="Title 1"/>
+          <p:cNvSpPr>
+            <a:spLocks noGrp="1"/>
+          </p:cNvSpPr>
+          <p:nvPr>
+            <p:ph type="title"/>
+          </p:nvPr>
+        </p:nvSpPr>
+        <p:spPr/>
+        <p:txBody>
+          <a:bodyPr/>
+          <a:lstStyle/>
+          <a:p>
+            <a:r>
+              <a:rPr lang="en-US" dirty="0" smtClean="0"/>
+              <a:t>_</a:t>
+            </a:r>
+            <a:r>
+              <a:rPr lang="en-US" dirty="0" err="1" smtClean="0"/>
+              <a:t>LGEN_KTK</a:t>
+            </a:r>
+            <a:endParaRPr lang="en-US" dirty="0"/>
+          </a:p>
+        </p:txBody>
+      </p:sp>
+      <p:sp>
+        <p:nvSpPr>
+          <p:cNvPr id="3" name="TextBox 2"/>
+          <p:cNvSpPr txBox="1"/>
+          <p:nvPr/>
+        </p:nvSpPr>
+        <p:spPr>
+          <a:xfrm>
+            <a:off x="0" y="879895"/>
+            <a:ext cx="9144000" cy="923330"/>
+          </a:xfrm>
+          <a:prstGeom prst="rect">
+            <a:avLst/>
+          </a:prstGeom>
+          <a:noFill/>
+        </p:spPr>
+        <p:txBody>
+          <a:bodyPr wrap="square" rtlCol="0">
+            <a:spAutoFit/>
+          </a:bodyPr>
+          <a:lstStyle/>
+          <a:p>
+            <a:r>
+              <a:rPr lang="en-US" sz="5400" dirty="0" smtClean="0"/>
+              <a:t>_</a:t>
+            </a:r>
+            <a:r>
+              <a:rPr lang="en-US" sz="5400" dirty="0" err="1" smtClean="0"/>
+              <a:t>LGEN_KTK</a:t>
+            </a:r>
+            <a:r>
+              <a:rPr lang="en-US" sz="5400" dirty="0" smtClean="0"/>
+              <a:t>,</a:t>
+            </a:r>
+            <a:r>
+              <a:rPr lang="en-US" sz="2000" dirty="0" smtClean="0"/>
+              <a:t> </a:t>
+            </a:r>
+            <a:r>
+              <a:rPr lang="en-US" sz="2000" dirty="0" smtClean="0"/>
+              <a:t>&lt;line&gt;, </a:t>
+            </a:r>
+            <a:r>
+              <a:rPr lang="en-US" sz="2000" dirty="0" smtClean="0"/>
+              <a:t>&lt;from </a:t>
+            </a:r>
+            <a:r>
+              <a:rPr lang="en-US" sz="2000" dirty="0" err="1" smtClean="0"/>
+              <a:t>keypoint</a:t>
+            </a:r>
+            <a:r>
+              <a:rPr lang="en-US" sz="2000" dirty="0" smtClean="0"/>
+              <a:t>&gt;, &lt;to </a:t>
+            </a:r>
+            <a:r>
+              <a:rPr lang="en-US" sz="2000" dirty="0" err="1" smtClean="0"/>
+              <a:t>keypoint</a:t>
+            </a:r>
+            <a:r>
+              <a:rPr lang="en-US" sz="2000" dirty="0" smtClean="0"/>
+              <a:t>&gt;</a:t>
+            </a:r>
+            <a:r>
+              <a:rPr lang="en-US" sz="5400" dirty="0" smtClean="0"/>
+              <a:t> </a:t>
+            </a:r>
+            <a:endParaRPr lang="en-US" sz="5400" dirty="0"/>
+          </a:p>
+        </p:txBody>
+      </p:sp>
+      <p:sp>
+        <p:nvSpPr>
+          <p:cNvPr id="4" name="TextBox 3"/>
+          <p:cNvSpPr txBox="1"/>
+          <p:nvPr/>
+        </p:nvSpPr>
+        <p:spPr>
+          <a:xfrm>
+            <a:off x="4226944" y="845389"/>
+            <a:ext cx="4917056" cy="338554"/>
+          </a:xfrm>
+          <a:prstGeom prst="rect">
+            <a:avLst/>
+          </a:prstGeom>
+          <a:noFill/>
+        </p:spPr>
+        <p:txBody>
+          <a:bodyPr wrap="square" rtlCol="0">
+            <a:spAutoFit/>
+          </a:bodyPr>
+          <a:lstStyle/>
+          <a:p>
+            <a:pPr algn="r"/>
+            <a:r>
+              <a:rPr lang="en-US" sz="1600" dirty="0" smtClean="0"/>
+              <a:t>“Think: </a:t>
+            </a:r>
+            <a:r>
+              <a:rPr lang="en-US" sz="1600" dirty="0" smtClean="0">
+                <a:solidFill>
+                  <a:schemeClr val="accent6">
+                    <a:lumMod val="75000"/>
+                  </a:schemeClr>
+                </a:solidFill>
+              </a:rPr>
+              <a:t>L</a:t>
+            </a:r>
+            <a:r>
+              <a:rPr lang="en-US" sz="1600" dirty="0" smtClean="0"/>
+              <a:t>ine </a:t>
+            </a:r>
+            <a:r>
+              <a:rPr lang="en-US" sz="1600" dirty="0" smtClean="0">
+                <a:solidFill>
+                  <a:schemeClr val="accent6">
+                    <a:lumMod val="75000"/>
+                  </a:schemeClr>
+                </a:solidFill>
+              </a:rPr>
+              <a:t>Gen</a:t>
+            </a:r>
+            <a:r>
+              <a:rPr lang="en-US" sz="1600" dirty="0" smtClean="0"/>
+              <a:t>erate </a:t>
+            </a:r>
+            <a:r>
+              <a:rPr lang="en-US" sz="1600" dirty="0" err="1" smtClean="0">
+                <a:solidFill>
+                  <a:schemeClr val="accent6">
+                    <a:lumMod val="75000"/>
+                  </a:schemeClr>
+                </a:solidFill>
+              </a:rPr>
+              <a:t>K</a:t>
+            </a:r>
+            <a:r>
+              <a:rPr lang="en-US" sz="1600" dirty="0" err="1" smtClean="0"/>
+              <a:t>eypoint</a:t>
+            </a:r>
+            <a:r>
+              <a:rPr lang="en-US" sz="1600" dirty="0" smtClean="0"/>
+              <a:t> </a:t>
+            </a:r>
+            <a:r>
+              <a:rPr lang="en-US" sz="1600" dirty="0" smtClean="0">
+                <a:solidFill>
+                  <a:schemeClr val="accent6">
+                    <a:lumMod val="75000"/>
+                  </a:schemeClr>
+                </a:solidFill>
+              </a:rPr>
+              <a:t>T</a:t>
+            </a:r>
+            <a:r>
+              <a:rPr lang="en-US" sz="1600" dirty="0" smtClean="0"/>
+              <a:t>o </a:t>
+            </a:r>
+            <a:r>
+              <a:rPr lang="en-US" sz="1600" dirty="0" err="1" smtClean="0">
+                <a:solidFill>
+                  <a:schemeClr val="accent6">
+                    <a:lumMod val="75000"/>
+                  </a:schemeClr>
+                </a:solidFill>
+              </a:rPr>
+              <a:t>K</a:t>
+            </a:r>
+            <a:r>
+              <a:rPr lang="en-US" sz="1600" dirty="0" err="1" smtClean="0"/>
+              <a:t>eypoint</a:t>
+            </a:r>
+            <a:r>
+              <a:rPr lang="en-US" sz="1600" dirty="0" smtClean="0"/>
+              <a:t>”</a:t>
+            </a:r>
+            <a:endParaRPr lang="en-US" sz="1600" dirty="0"/>
+          </a:p>
+        </p:txBody>
+      </p:sp>
+      <p:sp>
+        <p:nvSpPr>
+          <p:cNvPr id="5" name="TextBox 4"/>
+          <p:cNvSpPr txBox="1"/>
+          <p:nvPr/>
+        </p:nvSpPr>
+        <p:spPr>
+          <a:xfrm>
+            <a:off x="284669" y="1837426"/>
+            <a:ext cx="8074326" cy="369332"/>
+          </a:xfrm>
+          <a:prstGeom prst="rect">
+            <a:avLst/>
+          </a:prstGeom>
+          <a:noFill/>
+        </p:spPr>
+        <p:txBody>
+          <a:bodyPr wrap="square" rtlCol="0">
+            <a:spAutoFit/>
+          </a:bodyPr>
+          <a:lstStyle/>
+          <a:p>
+            <a:r>
+              <a:rPr lang="en-US" dirty="0" smtClean="0"/>
+              <a:t>Copies </a:t>
+            </a:r>
+            <a:r>
+              <a:rPr lang="en-US" dirty="0" smtClean="0"/>
+              <a:t>a line or </a:t>
+            </a:r>
+            <a:r>
+              <a:rPr lang="en-US" dirty="0" smtClean="0"/>
+              <a:t>set of selected areas from one </a:t>
+            </a:r>
+            <a:r>
+              <a:rPr lang="en-US" dirty="0" err="1" smtClean="0"/>
+              <a:t>keypoint</a:t>
+            </a:r>
+            <a:r>
+              <a:rPr lang="en-US" dirty="0" smtClean="0"/>
+              <a:t> to another.*</a:t>
+            </a:r>
+            <a:endParaRPr lang="en-US" dirty="0"/>
+          </a:p>
+        </p:txBody>
+      </p:sp>
+      <p:sp>
+        <p:nvSpPr>
+          <p:cNvPr id="6" name="TextBox 5"/>
+          <p:cNvSpPr txBox="1"/>
+          <p:nvPr/>
+        </p:nvSpPr>
+        <p:spPr>
+          <a:xfrm>
+            <a:off x="4183811" y="6334780"/>
+            <a:ext cx="4960189" cy="523220"/>
+          </a:xfrm>
+          <a:prstGeom prst="rect">
+            <a:avLst/>
+          </a:prstGeom>
+          <a:noFill/>
+        </p:spPr>
+        <p:txBody>
+          <a:bodyPr wrap="square" rtlCol="0">
+            <a:spAutoFit/>
+          </a:bodyPr>
+          <a:lstStyle/>
+          <a:p>
+            <a:r>
+              <a:rPr lang="en-US" sz="1400" dirty="0" smtClean="0"/>
+              <a:t>*Technically it copies areas, translating them based on the vector from the first key point to the second key point</a:t>
+            </a:r>
+            <a:endParaRPr lang="en-US" sz="1400" dirty="0"/>
+          </a:p>
+        </p:txBody>
+      </p:sp>
+      <p:pic>
+        <p:nvPicPr>
+          <p:cNvPr id="1026" name="Picture 2"/>
+          <p:cNvPicPr>
+            <a:picLocks noChangeAspect="1" noChangeArrowheads="1"/>
+          </p:cNvPicPr>
+          <p:nvPr/>
+        </p:nvPicPr>
+        <p:blipFill>
+          <a:blip r:embed="rId2" cstate="print"/>
+          <a:srcRect/>
+          <a:stretch>
+            <a:fillRect/>
+          </a:stretch>
+        </p:blipFill>
+        <p:spPr bwMode="auto">
+          <a:xfrm>
+            <a:off x="341461" y="2653379"/>
+            <a:ext cx="4118423" cy="2716064"/>
+          </a:xfrm>
+          <a:prstGeom prst="rect">
+            <a:avLst/>
+          </a:prstGeom>
+          <a:noFill/>
+          <a:ln w="9525">
+            <a:noFill/>
+            <a:miter lim="800000"/>
+            <a:headEnd/>
+            <a:tailEnd/>
+          </a:ln>
+        </p:spPr>
+      </p:pic>
+      <p:sp>
+        <p:nvSpPr>
+          <p:cNvPr id="8" name="Oval 7"/>
+          <p:cNvSpPr/>
+          <p:nvPr/>
+        </p:nvSpPr>
+        <p:spPr>
+          <a:xfrm>
+            <a:off x="304130" y="4726073"/>
+            <a:ext cx="241540" cy="232913"/>
+          </a:xfrm>
+          <a:prstGeom prst="ellipse">
+            <a:avLst/>
+          </a:prstGeom>
+          <a:noFill/>
+          <a:ln w="38100">
+            <a:solidFill>
+              <a:srgbClr val="FF0000"/>
+            </a:solidFill>
+          </a:ln>
+        </p:spPr>
+        <p:style>
+          <a:lnRef idx="2">
+            <a:schemeClr val="accent1">
+              <a:shade val="50000"/>
+            </a:schemeClr>
+          </a:lnRef>
+          <a:fillRef idx="1">
+            <a:schemeClr val="accent1"/>
+          </a:fillRef>
+          <a:effectRef idx="0">
+            <a:schemeClr val="accent1"/>
+          </a:effectRef>
+          <a:fontRef idx="minor">
+            <a:schemeClr val="lt1"/>
+          </a:fontRef>
+        </p:style>
+        <p:txBody>
+          <a:bodyPr rtlCol="0" anchor="ctr"/>
+          <a:lstStyle/>
+          <a:p>
+            <a:pPr algn="ctr"/>
+            <a:endParaRPr lang="en-US"/>
+          </a:p>
+        </p:txBody>
+      </p:sp>
+      <p:cxnSp>
+        <p:nvCxnSpPr>
+          <p:cNvPr id="9" name="Straight Arrow Connector 8"/>
+          <p:cNvCxnSpPr>
+            <a:stCxn id="10" idx="1"/>
+            <a:endCxn id="8" idx="5"/>
+          </p:cNvCxnSpPr>
+          <p:nvPr/>
+        </p:nvCxnSpPr>
+        <p:spPr>
+          <a:xfrm rot="10800000">
+            <a:off x="510297" y="4924877"/>
+            <a:ext cx="804530" cy="19964"/>
+          </a:xfrm>
+          <a:prstGeom prst="straightConnector1">
+            <a:avLst/>
+          </a:prstGeom>
+          <a:ln w="41275">
+            <a:solidFill>
+              <a:srgbClr val="FF0000"/>
+            </a:solidFill>
+            <a:tailEnd type="triangle"/>
+          </a:ln>
+        </p:spPr>
+        <p:style>
+          <a:lnRef idx="1">
+            <a:schemeClr val="accent1"/>
+          </a:lnRef>
+          <a:fillRef idx="0">
+            <a:schemeClr val="accent1"/>
+          </a:fillRef>
+          <a:effectRef idx="0">
+            <a:schemeClr val="accent1"/>
+          </a:effectRef>
+          <a:fontRef idx="minor">
+            <a:schemeClr val="tx1"/>
+          </a:fontRef>
+        </p:style>
+      </p:cxnSp>
+      <p:sp>
+        <p:nvSpPr>
+          <p:cNvPr id="10" name="TextBox 9"/>
+          <p:cNvSpPr txBox="1"/>
+          <p:nvPr/>
+        </p:nvSpPr>
+        <p:spPr>
+          <a:xfrm>
+            <a:off x="1314827" y="4760175"/>
+            <a:ext cx="1685077" cy="369332"/>
+          </a:xfrm>
+          <a:prstGeom prst="rect">
+            <a:avLst/>
+          </a:prstGeom>
+          <a:noFill/>
+          <a:ln w="38100">
+            <a:solidFill>
+              <a:srgbClr val="FF0000"/>
+            </a:solidFill>
+          </a:ln>
+        </p:spPr>
+        <p:txBody>
+          <a:bodyPr wrap="none" rtlCol="0">
+            <a:spAutoFit/>
+          </a:bodyPr>
+          <a:lstStyle/>
+          <a:p>
+            <a:r>
+              <a:rPr lang="en-US" dirty="0" smtClean="0"/>
+              <a:t>From </a:t>
+            </a:r>
+            <a:r>
+              <a:rPr lang="en-US" dirty="0" err="1" smtClean="0"/>
+              <a:t>Keypoint</a:t>
+            </a:r>
+            <a:endParaRPr lang="en-US" dirty="0"/>
+          </a:p>
+        </p:txBody>
+      </p:sp>
+      <p:sp>
+        <p:nvSpPr>
+          <p:cNvPr id="11" name="Oval 10"/>
+          <p:cNvSpPr/>
+          <p:nvPr/>
+        </p:nvSpPr>
+        <p:spPr>
+          <a:xfrm>
+            <a:off x="4080026" y="5144688"/>
+            <a:ext cx="241540" cy="232913"/>
+          </a:xfrm>
+          <a:prstGeom prst="ellipse">
+            <a:avLst/>
+          </a:prstGeom>
+          <a:noFill/>
+          <a:ln w="38100">
+            <a:solidFill>
+              <a:srgbClr val="FF0000"/>
+            </a:solidFill>
+          </a:ln>
+        </p:spPr>
+        <p:style>
+          <a:lnRef idx="2">
+            <a:schemeClr val="accent1">
+              <a:shade val="50000"/>
+            </a:schemeClr>
+          </a:lnRef>
+          <a:fillRef idx="1">
+            <a:schemeClr val="accent1"/>
+          </a:fillRef>
+          <a:effectRef idx="0">
+            <a:schemeClr val="accent1"/>
+          </a:effectRef>
+          <a:fontRef idx="minor">
+            <a:schemeClr val="lt1"/>
+          </a:fontRef>
+        </p:style>
+        <p:txBody>
+          <a:bodyPr rtlCol="0" anchor="ctr"/>
+          <a:lstStyle/>
+          <a:p>
+            <a:pPr algn="ctr"/>
+            <a:endParaRPr lang="en-US"/>
+          </a:p>
+        </p:txBody>
+      </p:sp>
+      <p:cxnSp>
+        <p:nvCxnSpPr>
+          <p:cNvPr id="12" name="Straight Arrow Connector 11"/>
+          <p:cNvCxnSpPr>
+            <a:stCxn id="13" idx="3"/>
+            <a:endCxn id="11" idx="3"/>
+          </p:cNvCxnSpPr>
+          <p:nvPr/>
+        </p:nvCxnSpPr>
+        <p:spPr>
+          <a:xfrm flipV="1">
+            <a:off x="3728283" y="5343492"/>
+            <a:ext cx="387116" cy="166814"/>
+          </a:xfrm>
+          <a:prstGeom prst="straightConnector1">
+            <a:avLst/>
+          </a:prstGeom>
+          <a:ln w="41275">
+            <a:solidFill>
+              <a:srgbClr val="FF0000"/>
+            </a:solidFill>
+            <a:tailEnd type="triangle"/>
+          </a:ln>
+        </p:spPr>
+        <p:style>
+          <a:lnRef idx="1">
+            <a:schemeClr val="accent1"/>
+          </a:lnRef>
+          <a:fillRef idx="0">
+            <a:schemeClr val="accent1"/>
+          </a:fillRef>
+          <a:effectRef idx="0">
+            <a:schemeClr val="accent1"/>
+          </a:effectRef>
+          <a:fontRef idx="minor">
+            <a:schemeClr val="tx1"/>
+          </a:fontRef>
+        </p:style>
+      </p:cxnSp>
+      <p:sp>
+        <p:nvSpPr>
+          <p:cNvPr id="13" name="TextBox 12"/>
+          <p:cNvSpPr txBox="1"/>
+          <p:nvPr/>
+        </p:nvSpPr>
+        <p:spPr>
+          <a:xfrm>
+            <a:off x="2338094" y="5325640"/>
+            <a:ext cx="1390189" cy="369332"/>
+          </a:xfrm>
+          <a:prstGeom prst="rect">
+            <a:avLst/>
+          </a:prstGeom>
+          <a:noFill/>
+          <a:ln w="38100">
+            <a:solidFill>
+              <a:srgbClr val="FF0000"/>
+            </a:solidFill>
+          </a:ln>
+        </p:spPr>
+        <p:txBody>
+          <a:bodyPr wrap="none" rtlCol="0">
+            <a:spAutoFit/>
+          </a:bodyPr>
+          <a:lstStyle/>
+          <a:p>
+            <a:r>
+              <a:rPr lang="en-US" dirty="0" smtClean="0"/>
+              <a:t>To </a:t>
+            </a:r>
+            <a:r>
+              <a:rPr lang="en-US" dirty="0" err="1" smtClean="0"/>
+              <a:t>Keypoint</a:t>
+            </a:r>
+            <a:endParaRPr lang="en-US" dirty="0"/>
+          </a:p>
+        </p:txBody>
+      </p:sp>
+      <p:cxnSp>
+        <p:nvCxnSpPr>
+          <p:cNvPr id="18" name="Straight Arrow Connector 17"/>
+          <p:cNvCxnSpPr>
+            <a:stCxn id="19" idx="1"/>
+          </p:cNvCxnSpPr>
+          <p:nvPr/>
+        </p:nvCxnSpPr>
+        <p:spPr>
+          <a:xfrm rot="10800000">
+            <a:off x="882502" y="3753294"/>
+            <a:ext cx="786744" cy="142469"/>
+          </a:xfrm>
+          <a:prstGeom prst="straightConnector1">
+            <a:avLst/>
+          </a:prstGeom>
+          <a:ln w="41275">
+            <a:solidFill>
+              <a:srgbClr val="FF0000"/>
+            </a:solidFill>
+            <a:tailEnd type="triangle"/>
+          </a:ln>
+        </p:spPr>
+        <p:style>
+          <a:lnRef idx="1">
+            <a:schemeClr val="accent1"/>
+          </a:lnRef>
+          <a:fillRef idx="0">
+            <a:schemeClr val="accent1"/>
+          </a:fillRef>
+          <a:effectRef idx="0">
+            <a:schemeClr val="accent1"/>
+          </a:effectRef>
+          <a:fontRef idx="minor">
+            <a:schemeClr val="tx1"/>
+          </a:fontRef>
+        </p:style>
+      </p:cxnSp>
+      <p:sp>
+        <p:nvSpPr>
+          <p:cNvPr id="19" name="TextBox 18"/>
+          <p:cNvSpPr txBox="1"/>
+          <p:nvPr/>
+        </p:nvSpPr>
+        <p:spPr>
+          <a:xfrm>
+            <a:off x="1669246" y="3711096"/>
+            <a:ext cx="620683" cy="369332"/>
+          </a:xfrm>
+          <a:prstGeom prst="rect">
+            <a:avLst/>
+          </a:prstGeom>
+          <a:noFill/>
+          <a:ln w="38100">
+            <a:solidFill>
+              <a:srgbClr val="FF0000"/>
+            </a:solidFill>
+          </a:ln>
+        </p:spPr>
+        <p:txBody>
+          <a:bodyPr wrap="none" rtlCol="0">
+            <a:spAutoFit/>
+          </a:bodyPr>
+          <a:lstStyle/>
+          <a:p>
+            <a:r>
+              <a:rPr lang="en-US" dirty="0" smtClean="0"/>
+              <a:t>Line</a:t>
+            </a:r>
+            <a:endParaRPr lang="en-US" dirty="0"/>
+          </a:p>
+        </p:txBody>
+      </p:sp>
+      <p:sp>
+        <p:nvSpPr>
+          <p:cNvPr id="21" name="Right Arrow 20"/>
+          <p:cNvSpPr/>
+          <p:nvPr/>
+        </p:nvSpPr>
+        <p:spPr>
+          <a:xfrm>
+            <a:off x="3806456" y="3508744"/>
+            <a:ext cx="818707" cy="733646"/>
+          </a:xfrm>
+          <a:prstGeom prst="rightArrow">
+            <a:avLst/>
+          </a:prstGeom>
+          <a:solidFill>
+            <a:srgbClr val="FF0000"/>
+          </a:solidFill>
+          <a:ln>
+            <a:solidFill>
+              <a:srgbClr val="C00000"/>
+            </a:solidFill>
+          </a:ln>
+        </p:spPr>
+        <p:style>
+          <a:lnRef idx="2">
+            <a:schemeClr val="accent1">
+              <a:shade val="50000"/>
+            </a:schemeClr>
+          </a:lnRef>
+          <a:fillRef idx="1">
+            <a:schemeClr val="accent1"/>
+          </a:fillRef>
+          <a:effectRef idx="0">
+            <a:schemeClr val="accent1"/>
+          </a:effectRef>
+          <a:fontRef idx="minor">
+            <a:schemeClr val="lt1"/>
+          </a:fontRef>
+        </p:style>
+        <p:txBody>
+          <a:bodyPr rtlCol="0" anchor="ctr"/>
+          <a:lstStyle/>
+          <a:p>
+            <a:pPr algn="ctr"/>
+            <a:endParaRPr lang="en-US"/>
+          </a:p>
+        </p:txBody>
+      </p:sp>
+      <p:pic>
+        <p:nvPicPr>
+          <p:cNvPr id="1027" name="Picture 3"/>
+          <p:cNvPicPr>
+            <a:picLocks noChangeAspect="1" noChangeArrowheads="1"/>
+          </p:cNvPicPr>
+          <p:nvPr/>
+        </p:nvPicPr>
+        <p:blipFill>
+          <a:blip r:embed="rId3" cstate="print"/>
+          <a:srcRect/>
+          <a:stretch>
+            <a:fillRect/>
+          </a:stretch>
+        </p:blipFill>
+        <p:spPr bwMode="auto">
+          <a:xfrm>
+            <a:off x="4837812" y="2776033"/>
+            <a:ext cx="3997844" cy="2218929"/>
+          </a:xfrm>
+          <a:prstGeom prst="rect">
+            <a:avLst/>
+          </a:prstGeom>
+          <a:noFill/>
+          <a:ln w="9525">
+            <a:noFill/>
+            <a:miter lim="800000"/>
+            <a:headEnd/>
+            <a:tailEnd/>
+          </a:ln>
+        </p:spPr>
+      </p:pic>
+      <p:sp>
+        <p:nvSpPr>
+          <p:cNvPr id="23" name="TextBox 22"/>
+          <p:cNvSpPr txBox="1"/>
+          <p:nvPr/>
+        </p:nvSpPr>
+        <p:spPr>
+          <a:xfrm>
+            <a:off x="5135526" y="5295013"/>
+            <a:ext cx="3413051" cy="307777"/>
+          </a:xfrm>
+          <a:prstGeom prst="rect">
+            <a:avLst/>
+          </a:prstGeom>
+          <a:noFill/>
+          <a:ln>
+            <a:noFill/>
+          </a:ln>
+        </p:spPr>
+        <p:txBody>
+          <a:bodyPr wrap="square" rtlCol="0">
+            <a:spAutoFit/>
+          </a:bodyPr>
+          <a:lstStyle/>
+          <a:p>
+            <a:r>
+              <a:rPr lang="en-US" sz="1400" dirty="0" smtClean="0"/>
+              <a:t>Notice that there are now two </a:t>
+            </a:r>
+            <a:r>
+              <a:rPr lang="en-US" sz="1400" dirty="0" err="1" smtClean="0"/>
+              <a:t>keypoints</a:t>
+            </a:r>
+            <a:r>
+              <a:rPr lang="en-US" sz="1400" dirty="0" smtClean="0"/>
+              <a:t> </a:t>
+            </a:r>
+            <a:endParaRPr lang="en-US" sz="1400" dirty="0" smtClean="0"/>
+          </a:p>
+        </p:txBody>
+      </p:sp>
+      <p:cxnSp>
+        <p:nvCxnSpPr>
+          <p:cNvPr id="24" name="Straight Arrow Connector 23"/>
+          <p:cNvCxnSpPr>
+            <a:stCxn id="23" idx="0"/>
+          </p:cNvCxnSpPr>
+          <p:nvPr/>
+        </p:nvCxnSpPr>
+        <p:spPr>
+          <a:xfrm rot="5400000" flipH="1" flipV="1">
+            <a:off x="7174320" y="4579975"/>
+            <a:ext cx="382771" cy="1047306"/>
+          </a:xfrm>
+          <a:prstGeom prst="straightConnector1">
+            <a:avLst/>
+          </a:prstGeom>
+          <a:ln w="41275">
+            <a:solidFill>
+              <a:srgbClr val="FF0000"/>
+            </a:solidFill>
+            <a:tailEnd type="triangle"/>
+          </a:ln>
+        </p:spPr>
+        <p:style>
+          <a:lnRef idx="1">
+            <a:schemeClr val="accent1"/>
+          </a:lnRef>
+          <a:fillRef idx="0">
+            <a:schemeClr val="accent1"/>
+          </a:fillRef>
+          <a:effectRef idx="0">
+            <a:schemeClr val="accent1"/>
+          </a:effectRef>
+          <a:fontRef idx="minor">
+            <a:schemeClr val="tx1"/>
+          </a:fontRef>
+        </p:style>
+      </p:cxnSp>
+    </p:spTree>
+  </p:cSld>
+  <p:clrMapOvr>
+    <a:masterClrMapping/>
+  </p:clrMapOvr>
+  <p:timing>
+    <p:tnLst>
+      <p:par>
+        <p:cTn id="1" dur="indefinite" restart="never" nodeType="tmRoot">
+          <p:childTnLst>
+            <p:seq concurrent="1" nextAc="seek">
+              <p:cTn id="2" dur="indefinite" nodeType="mainSeq">
+                <p:childTnLst>
+                  <p:par>
+                    <p:cTn id="3" fill="hold">
+                      <p:stCondLst>
+                        <p:cond delay="indefinite"/>
+                      </p:stCondLst>
+                      <p:childTnLst>
+                        <p:par>
+                          <p:cTn id="4" fill="hold">
+                            <p:stCondLst>
+                              <p:cond delay="0"/>
+                            </p:stCondLst>
+                            <p:childTnLst>
+                              <p:par>
+                                <p:cTn id="5" presetID="1" presetClass="entr" presetSubtype="0" fill="hold" grpId="0" nodeType="clickEffect">
+                                  <p:stCondLst>
+                                    <p:cond delay="0"/>
+                                  </p:stCondLst>
+                                  <p:childTnLst>
+                                    <p:set>
+                                      <p:cBhvr>
+                                        <p:cTn id="6" dur="1" fill="hold">
+                                          <p:stCondLst>
+                                            <p:cond delay="0"/>
+                                          </p:stCondLst>
+                                        </p:cTn>
+                                        <p:tgtEl>
+                                          <p:spTgt spid="5"/>
+                                        </p:tgtEl>
+                                        <p:attrNameLst>
+                                          <p:attrName>style.visibility</p:attrName>
+                                        </p:attrNameLst>
+                                      </p:cBhvr>
+                                      <p:to>
+                                        <p:strVal val="visible"/>
+                                      </p:to>
+                                    </p:set>
+                                  </p:childTnLst>
+                                </p:cTn>
+                              </p:par>
+                              <p:par>
+                                <p:cTn id="7" presetID="1" presetClass="entr" presetSubtype="0" fill="hold" grpId="0" nodeType="withEffect">
+                                  <p:stCondLst>
+                                    <p:cond delay="0"/>
+                                  </p:stCondLst>
+                                  <p:childTnLst>
+                                    <p:set>
+                                      <p:cBhvr>
+                                        <p:cTn id="8" dur="1" fill="hold">
+                                          <p:stCondLst>
+                                            <p:cond delay="0"/>
+                                          </p:stCondLst>
+                                        </p:cTn>
+                                        <p:tgtEl>
+                                          <p:spTgt spid="6"/>
+                                        </p:tgtEl>
+                                        <p:attrNameLst>
+                                          <p:attrName>style.visibility</p:attrName>
+                                        </p:attrNameLst>
+                                      </p:cBhvr>
+                                      <p:to>
+                                        <p:strVal val="visible"/>
+                                      </p:to>
+                                    </p:set>
+                                  </p:childTnLst>
+                                </p:cTn>
+                              </p:par>
+                            </p:childTnLst>
+                          </p:cTn>
+                        </p:par>
+                      </p:childTnLst>
+                    </p:cTn>
+                  </p:par>
+                  <p:par>
+                    <p:cTn id="9" fill="hold">
+                      <p:stCondLst>
+                        <p:cond delay="indefinite"/>
+                      </p:stCondLst>
+                      <p:childTnLst>
+                        <p:par>
+                          <p:cTn id="10" fill="hold">
+                            <p:stCondLst>
+                              <p:cond delay="0"/>
+                            </p:stCondLst>
+                            <p:childTnLst>
+                              <p:par>
+                                <p:cTn id="11" presetID="1" presetClass="entr" presetSubtype="0" fill="hold" nodeType="clickEffect">
+                                  <p:stCondLst>
+                                    <p:cond delay="0"/>
+                                  </p:stCondLst>
+                                  <p:childTnLst>
+                                    <p:set>
+                                      <p:cBhvr>
+                                        <p:cTn id="12" dur="1" fill="hold">
+                                          <p:stCondLst>
+                                            <p:cond delay="0"/>
+                                          </p:stCondLst>
+                                        </p:cTn>
+                                        <p:tgtEl>
+                                          <p:spTgt spid="1026"/>
+                                        </p:tgtEl>
+                                        <p:attrNameLst>
+                                          <p:attrName>style.visibility</p:attrName>
+                                        </p:attrNameLst>
+                                      </p:cBhvr>
+                                      <p:to>
+                                        <p:strVal val="visible"/>
+                                      </p:to>
+                                    </p:set>
+                                  </p:childTnLst>
+                                </p:cTn>
+                              </p:par>
+                            </p:childTnLst>
+                          </p:cTn>
+                        </p:par>
+                      </p:childTnLst>
+                    </p:cTn>
+                  </p:par>
+                  <p:par>
+                    <p:cTn id="13" fill="hold">
+                      <p:stCondLst>
+                        <p:cond delay="indefinite"/>
+                      </p:stCondLst>
+                      <p:childTnLst>
+                        <p:par>
+                          <p:cTn id="14" fill="hold">
+                            <p:stCondLst>
+                              <p:cond delay="0"/>
+                            </p:stCondLst>
+                            <p:childTnLst>
+                              <p:par>
+                                <p:cTn id="15" presetID="1" presetClass="entr" presetSubtype="0" fill="hold" grpId="0" nodeType="clickEffect">
+                                  <p:stCondLst>
+                                    <p:cond delay="0"/>
+                                  </p:stCondLst>
+                                  <p:childTnLst>
+                                    <p:set>
+                                      <p:cBhvr>
+                                        <p:cTn id="16" dur="1" fill="hold">
+                                          <p:stCondLst>
+                                            <p:cond delay="0"/>
+                                          </p:stCondLst>
+                                        </p:cTn>
+                                        <p:tgtEl>
+                                          <p:spTgt spid="19"/>
+                                        </p:tgtEl>
+                                        <p:attrNameLst>
+                                          <p:attrName>style.visibility</p:attrName>
+                                        </p:attrNameLst>
+                                      </p:cBhvr>
+                                      <p:to>
+                                        <p:strVal val="visible"/>
+                                      </p:to>
+                                    </p:set>
+                                  </p:childTnLst>
+                                </p:cTn>
+                              </p:par>
+                              <p:par>
+                                <p:cTn id="17" presetID="1" presetClass="entr" presetSubtype="0" fill="hold" nodeType="withEffect">
+                                  <p:stCondLst>
+                                    <p:cond delay="0"/>
+                                  </p:stCondLst>
+                                  <p:childTnLst>
+                                    <p:set>
+                                      <p:cBhvr>
+                                        <p:cTn id="18" dur="1" fill="hold">
+                                          <p:stCondLst>
+                                            <p:cond delay="0"/>
+                                          </p:stCondLst>
+                                        </p:cTn>
+                                        <p:tgtEl>
+                                          <p:spTgt spid="18"/>
+                                        </p:tgtEl>
+                                        <p:attrNameLst>
+                                          <p:attrName>style.visibility</p:attrName>
+                                        </p:attrNameLst>
+                                      </p:cBhvr>
+                                      <p:to>
+                                        <p:strVal val="visible"/>
+                                      </p:to>
+                                    </p:set>
+                                  </p:childTnLst>
+                                </p:cTn>
+                              </p:par>
+                            </p:childTnLst>
+                          </p:cTn>
+                        </p:par>
+                      </p:childTnLst>
+                    </p:cTn>
+                  </p:par>
+                  <p:par>
+                    <p:cTn id="19" fill="hold">
+                      <p:stCondLst>
+                        <p:cond delay="indefinite"/>
+                      </p:stCondLst>
+                      <p:childTnLst>
+                        <p:par>
+                          <p:cTn id="20" fill="hold">
+                            <p:stCondLst>
+                              <p:cond delay="0"/>
+                            </p:stCondLst>
+                            <p:childTnLst>
+                              <p:par>
+                                <p:cTn id="21" presetID="1" presetClass="entr" presetSubtype="0" fill="hold" nodeType="clickEffect">
+                                  <p:stCondLst>
+                                    <p:cond delay="0"/>
+                                  </p:stCondLst>
+                                  <p:childTnLst>
+                                    <p:set>
+                                      <p:cBhvr>
+                                        <p:cTn id="22" dur="1" fill="hold">
+                                          <p:stCondLst>
+                                            <p:cond delay="0"/>
+                                          </p:stCondLst>
+                                        </p:cTn>
+                                        <p:tgtEl>
+                                          <p:spTgt spid="9"/>
+                                        </p:tgtEl>
+                                        <p:attrNameLst>
+                                          <p:attrName>style.visibility</p:attrName>
+                                        </p:attrNameLst>
+                                      </p:cBhvr>
+                                      <p:to>
+                                        <p:strVal val="visible"/>
+                                      </p:to>
+                                    </p:set>
+                                  </p:childTnLst>
+                                </p:cTn>
+                              </p:par>
+                              <p:par>
+                                <p:cTn id="23" presetID="1" presetClass="entr" presetSubtype="0" fill="hold" grpId="0" nodeType="withEffect">
+                                  <p:stCondLst>
+                                    <p:cond delay="0"/>
+                                  </p:stCondLst>
+                                  <p:childTnLst>
+                                    <p:set>
+                                      <p:cBhvr>
+                                        <p:cTn id="24" dur="1" fill="hold">
+                                          <p:stCondLst>
+                                            <p:cond delay="0"/>
+                                          </p:stCondLst>
+                                        </p:cTn>
+                                        <p:tgtEl>
+                                          <p:spTgt spid="8"/>
+                                        </p:tgtEl>
+                                        <p:attrNameLst>
+                                          <p:attrName>style.visibility</p:attrName>
+                                        </p:attrNameLst>
+                                      </p:cBhvr>
+                                      <p:to>
+                                        <p:strVal val="visible"/>
+                                      </p:to>
+                                    </p:set>
+                                  </p:childTnLst>
+                                </p:cTn>
+                              </p:par>
+                              <p:par>
+                                <p:cTn id="25" presetID="1" presetClass="entr" presetSubtype="0" fill="hold" grpId="0" nodeType="withEffect">
+                                  <p:stCondLst>
+                                    <p:cond delay="0"/>
+                                  </p:stCondLst>
+                                  <p:childTnLst>
+                                    <p:set>
+                                      <p:cBhvr>
+                                        <p:cTn id="26" dur="1" fill="hold">
+                                          <p:stCondLst>
+                                            <p:cond delay="0"/>
+                                          </p:stCondLst>
+                                        </p:cTn>
+                                        <p:tgtEl>
+                                          <p:spTgt spid="10"/>
+                                        </p:tgtEl>
+                                        <p:attrNameLst>
+                                          <p:attrName>style.visibility</p:attrName>
+                                        </p:attrNameLst>
+                                      </p:cBhvr>
+                                      <p:to>
+                                        <p:strVal val="visible"/>
+                                      </p:to>
+                                    </p:set>
+                                  </p:childTnLst>
+                                </p:cTn>
+                              </p:par>
+                            </p:childTnLst>
+                          </p:cTn>
+                        </p:par>
+                      </p:childTnLst>
+                    </p:cTn>
+                  </p:par>
+                  <p:par>
+                    <p:cTn id="27" fill="hold">
+                      <p:stCondLst>
+                        <p:cond delay="indefinite"/>
+                      </p:stCondLst>
+                      <p:childTnLst>
+                        <p:par>
+                          <p:cTn id="28" fill="hold">
+                            <p:stCondLst>
+                              <p:cond delay="0"/>
+                            </p:stCondLst>
+                            <p:childTnLst>
+                              <p:par>
+                                <p:cTn id="29" presetID="1" presetClass="entr" presetSubtype="0" fill="hold" grpId="0" nodeType="clickEffect">
+                                  <p:stCondLst>
+                                    <p:cond delay="0"/>
+                                  </p:stCondLst>
+                                  <p:childTnLst>
+                                    <p:set>
+                                      <p:cBhvr>
+                                        <p:cTn id="30" dur="1" fill="hold">
+                                          <p:stCondLst>
+                                            <p:cond delay="0"/>
+                                          </p:stCondLst>
+                                        </p:cTn>
+                                        <p:tgtEl>
+                                          <p:spTgt spid="13"/>
+                                        </p:tgtEl>
+                                        <p:attrNameLst>
+                                          <p:attrName>style.visibility</p:attrName>
+                                        </p:attrNameLst>
+                                      </p:cBhvr>
+                                      <p:to>
+                                        <p:strVal val="visible"/>
+                                      </p:to>
+                                    </p:set>
+                                  </p:childTnLst>
+                                </p:cTn>
+                              </p:par>
+                              <p:par>
+                                <p:cTn id="31" presetID="1" presetClass="entr" presetSubtype="0" fill="hold" nodeType="withEffect">
+                                  <p:stCondLst>
+                                    <p:cond delay="0"/>
+                                  </p:stCondLst>
+                                  <p:childTnLst>
+                                    <p:set>
+                                      <p:cBhvr>
+                                        <p:cTn id="32" dur="1" fill="hold">
+                                          <p:stCondLst>
+                                            <p:cond delay="0"/>
+                                          </p:stCondLst>
+                                        </p:cTn>
+                                        <p:tgtEl>
+                                          <p:spTgt spid="12"/>
+                                        </p:tgtEl>
+                                        <p:attrNameLst>
+                                          <p:attrName>style.visibility</p:attrName>
+                                        </p:attrNameLst>
+                                      </p:cBhvr>
+                                      <p:to>
+                                        <p:strVal val="visible"/>
+                                      </p:to>
+                                    </p:set>
+                                  </p:childTnLst>
+                                </p:cTn>
+                              </p:par>
+                              <p:par>
+                                <p:cTn id="33" presetID="1" presetClass="entr" presetSubtype="0" fill="hold" grpId="0" nodeType="withEffect">
+                                  <p:stCondLst>
+                                    <p:cond delay="0"/>
+                                  </p:stCondLst>
+                                  <p:childTnLst>
+                                    <p:set>
+                                      <p:cBhvr>
+                                        <p:cTn id="34" dur="1" fill="hold">
+                                          <p:stCondLst>
+                                            <p:cond delay="0"/>
+                                          </p:stCondLst>
+                                        </p:cTn>
+                                        <p:tgtEl>
+                                          <p:spTgt spid="11"/>
+                                        </p:tgtEl>
+                                        <p:attrNameLst>
+                                          <p:attrName>style.visibility</p:attrName>
+                                        </p:attrNameLst>
+                                      </p:cBhvr>
+                                      <p:to>
+                                        <p:strVal val="visible"/>
+                                      </p:to>
+                                    </p:set>
+                                  </p:childTnLst>
+                                </p:cTn>
+                              </p:par>
+                            </p:childTnLst>
+                          </p:cTn>
+                        </p:par>
+                      </p:childTnLst>
+                    </p:cTn>
+                  </p:par>
+                  <p:par>
+                    <p:cTn id="35" fill="hold">
+                      <p:stCondLst>
+                        <p:cond delay="indefinite"/>
+                      </p:stCondLst>
+                      <p:childTnLst>
+                        <p:par>
+                          <p:cTn id="36" fill="hold">
+                            <p:stCondLst>
+                              <p:cond delay="0"/>
+                            </p:stCondLst>
+                            <p:childTnLst>
+                              <p:par>
+                                <p:cTn id="37" presetID="1" presetClass="entr" presetSubtype="0" fill="hold" nodeType="clickEffect">
+                                  <p:stCondLst>
+                                    <p:cond delay="0"/>
+                                  </p:stCondLst>
+                                  <p:childTnLst>
+                                    <p:set>
+                                      <p:cBhvr>
+                                        <p:cTn id="38" dur="1" fill="hold">
+                                          <p:stCondLst>
+                                            <p:cond delay="0"/>
+                                          </p:stCondLst>
+                                        </p:cTn>
+                                        <p:tgtEl>
+                                          <p:spTgt spid="1027"/>
+                                        </p:tgtEl>
+                                        <p:attrNameLst>
+                                          <p:attrName>style.visibility</p:attrName>
+                                        </p:attrNameLst>
+                                      </p:cBhvr>
+                                      <p:to>
+                                        <p:strVal val="visible"/>
+                                      </p:to>
+                                    </p:set>
+                                  </p:childTnLst>
+                                </p:cTn>
+                              </p:par>
+                              <p:par>
+                                <p:cTn id="39" presetID="1" presetClass="entr" presetSubtype="0" fill="hold" grpId="0" nodeType="withEffect">
+                                  <p:stCondLst>
+                                    <p:cond delay="0"/>
+                                  </p:stCondLst>
+                                  <p:childTnLst>
+                                    <p:set>
+                                      <p:cBhvr>
+                                        <p:cTn id="40" dur="1" fill="hold">
+                                          <p:stCondLst>
+                                            <p:cond delay="0"/>
+                                          </p:stCondLst>
+                                        </p:cTn>
+                                        <p:tgtEl>
+                                          <p:spTgt spid="21"/>
+                                        </p:tgtEl>
+                                        <p:attrNameLst>
+                                          <p:attrName>style.visibility</p:attrName>
+                                        </p:attrNameLst>
+                                      </p:cBhvr>
+                                      <p:to>
+                                        <p:strVal val="visible"/>
+                                      </p:to>
+                                    </p:set>
+                                  </p:childTnLst>
+                                </p:cTn>
+                              </p:par>
+                            </p:childTnLst>
+                          </p:cTn>
+                        </p:par>
+                      </p:childTnLst>
+                    </p:cTn>
+                  </p:par>
+                  <p:par>
+                    <p:cTn id="41" fill="hold">
+                      <p:stCondLst>
+                        <p:cond delay="indefinite"/>
+                      </p:stCondLst>
+                      <p:childTnLst>
+                        <p:par>
+                          <p:cTn id="42" fill="hold">
+                            <p:stCondLst>
+                              <p:cond delay="0"/>
+                            </p:stCondLst>
+                            <p:childTnLst>
+                              <p:par>
+                                <p:cTn id="43" presetID="1" presetClass="entr" presetSubtype="0" fill="hold" grpId="0" nodeType="clickEffect">
+                                  <p:stCondLst>
+                                    <p:cond delay="0"/>
+                                  </p:stCondLst>
+                                  <p:childTnLst>
+                                    <p:set>
+                                      <p:cBhvr>
+                                        <p:cTn id="44" dur="1" fill="hold">
+                                          <p:stCondLst>
+                                            <p:cond delay="0"/>
+                                          </p:stCondLst>
+                                        </p:cTn>
+                                        <p:tgtEl>
+                                          <p:spTgt spid="23"/>
+                                        </p:tgtEl>
+                                        <p:attrNameLst>
+                                          <p:attrName>style.visibility</p:attrName>
+                                        </p:attrNameLst>
+                                      </p:cBhvr>
+                                      <p:to>
+                                        <p:strVal val="visible"/>
+                                      </p:to>
+                                    </p:set>
+                                  </p:childTnLst>
+                                </p:cTn>
+                              </p:par>
+                              <p:par>
+                                <p:cTn id="45" presetID="1" presetClass="entr" presetSubtype="0" fill="hold" nodeType="withEffect">
+                                  <p:stCondLst>
+                                    <p:cond delay="0"/>
+                                  </p:stCondLst>
+                                  <p:childTnLst>
+                                    <p:set>
+                                      <p:cBhvr>
+                                        <p:cTn id="46" dur="1" fill="hold">
+                                          <p:stCondLst>
+                                            <p:cond delay="0"/>
+                                          </p:stCondLst>
+                                        </p:cTn>
+                                        <p:tgtEl>
+                                          <p:spTgt spid="24"/>
+                                        </p:tgtEl>
+                                        <p:attrNameLst>
+                                          <p:attrName>style.visibility</p:attrName>
+                                        </p:attrNameLst>
+                                      </p:cBhvr>
+                                      <p:to>
+                                        <p:strVal val="visible"/>
+                                      </p:to>
+                                    </p:set>
+                                  </p:childTnLst>
+                                </p:cTn>
+                              </p:par>
+                            </p:childTnLst>
+                          </p:cTn>
+                        </p:par>
+                      </p:childTnLst>
+                    </p:cTn>
+                  </p:par>
+                </p:childTnLst>
+              </p:cTn>
+              <p:prevCondLst>
+                <p:cond evt="onPrev" delay="0">
+                  <p:tgtEl>
+                    <p:sldTgt/>
+                  </p:tgtEl>
+                </p:cond>
+              </p:prevCondLst>
+              <p:nextCondLst>
+                <p:cond evt="onNext" delay="0">
+                  <p:tgtEl>
+                    <p:sldTgt/>
+                  </p:tgtEl>
+                </p:cond>
+              </p:nextCondLst>
+            </p:seq>
+          </p:childTnLst>
+        </p:cTn>
+      </p:par>
+    </p:tnLst>
+    <p:bldLst>
+      <p:bldP spid="5" grpId="0"/>
+      <p:bldP spid="6" grpId="0"/>
+      <p:bldP spid="8" grpId="0" animBg="1"/>
+      <p:bldP spid="10" grpId="0" animBg="1"/>
+      <p:bldP spid="11" grpId="0" animBg="1"/>
+      <p:bldP spid="13" grpId="0" animBg="1"/>
+      <p:bldP spid="19" grpId="0" animBg="1"/>
+      <p:bldP spid="21" grpId="0" animBg="1"/>
+      <p:bldP spid="23" grpId="0"/>
+    </p:bldLst>
+  </p:timing>
+</p:sld>
+</file>
+
+<file path=ppt/slides/slide21.xml><?xml version="1.0" encoding="utf-8"?>
+<p:sld xmlns:a="http://schemas.openxmlformats.org/drawingml/2006/main" xmlns:r="http://schemas.openxmlformats.org/officeDocument/2006/relationships" xmlns:p="http://schemas.openxmlformats.org/presentationml/2006/main">
+  <p:cSld>
+    <p:spTree>
+      <p:nvGrpSpPr>
+        <p:cNvPr id="1" name=""/>
+        <p:cNvGrpSpPr/>
+        <p:nvPr/>
+      </p:nvGrpSpPr>
+      <p:grpSpPr>
+        <a:xfrm>
+          <a:off x="0" y="0"/>
+          <a:ext cx="0" cy="0"/>
+          <a:chOff x="0" y="0"/>
+          <a:chExt cx="0" cy="0"/>
+        </a:xfrm>
+      </p:grpSpPr>
+      <p:pic>
+        <p:nvPicPr>
+          <p:cNvPr id="2051" name="Picture 3"/>
+          <p:cNvPicPr>
+            <a:picLocks noChangeAspect="1" noChangeArrowheads="1"/>
+          </p:cNvPicPr>
+          <p:nvPr/>
+        </p:nvPicPr>
+        <p:blipFill>
+          <a:blip r:embed="rId2" cstate="print"/>
+          <a:srcRect/>
+          <a:stretch>
+            <a:fillRect/>
+          </a:stretch>
+        </p:blipFill>
+        <p:spPr bwMode="auto">
+          <a:xfrm>
+            <a:off x="3528571" y="2301061"/>
+            <a:ext cx="2738321" cy="2409162"/>
+          </a:xfrm>
+          <a:prstGeom prst="rect">
+            <a:avLst/>
+          </a:prstGeom>
+          <a:noFill/>
+          <a:ln w="9525">
+            <a:noFill/>
+            <a:miter lim="800000"/>
+            <a:headEnd/>
+            <a:tailEnd/>
+          </a:ln>
+        </p:spPr>
+      </p:pic>
+      <p:sp>
+        <p:nvSpPr>
+          <p:cNvPr id="2" name="Title 1"/>
+          <p:cNvSpPr>
+            <a:spLocks noGrp="1"/>
+          </p:cNvSpPr>
+          <p:nvPr>
+            <p:ph type="title"/>
+          </p:nvPr>
+        </p:nvSpPr>
+        <p:spPr/>
+        <p:txBody>
+          <a:bodyPr/>
+          <a:lstStyle/>
+          <a:p>
+            <a:r>
+              <a:rPr lang="en-US" dirty="0" smtClean="0"/>
+              <a:t>_</a:t>
+            </a:r>
+            <a:r>
+              <a:rPr lang="en-US" dirty="0" err="1" smtClean="0"/>
+              <a:t>LINL</a:t>
+            </a:r>
+            <a:r>
+              <a:rPr lang="en-US" dirty="0" smtClean="0"/>
+              <a:t>: Line Intersect Line</a:t>
+            </a:r>
+            <a:endParaRPr lang="en-US" dirty="0"/>
+          </a:p>
+        </p:txBody>
+      </p:sp>
+      <p:sp>
+        <p:nvSpPr>
+          <p:cNvPr id="3" name="TextBox 2"/>
+          <p:cNvSpPr txBox="1"/>
+          <p:nvPr/>
+        </p:nvSpPr>
+        <p:spPr>
+          <a:xfrm>
+            <a:off x="0" y="879895"/>
+            <a:ext cx="9144000" cy="923330"/>
+          </a:xfrm>
+          <a:prstGeom prst="rect">
+            <a:avLst/>
+          </a:prstGeom>
+          <a:noFill/>
+        </p:spPr>
+        <p:txBody>
+          <a:bodyPr wrap="square" rtlCol="0">
+            <a:spAutoFit/>
+          </a:bodyPr>
+          <a:lstStyle/>
+          <a:p>
+            <a:r>
+              <a:rPr lang="en-US" sz="5400" dirty="0" smtClean="0"/>
+              <a:t>_</a:t>
+            </a:r>
+            <a:r>
+              <a:rPr lang="en-US" sz="5400" dirty="0" err="1" smtClean="0"/>
+              <a:t>LINL</a:t>
+            </a:r>
+            <a:r>
+              <a:rPr lang="en-US" sz="5400" dirty="0" smtClean="0"/>
+              <a:t>,</a:t>
+            </a:r>
+            <a:r>
+              <a:rPr lang="en-US" sz="2000" dirty="0" smtClean="0"/>
+              <a:t> &lt;line 1&gt;, &lt;</a:t>
+            </a:r>
+            <a:r>
+              <a:rPr lang="en-US" sz="2000" dirty="0" smtClean="0"/>
+              <a:t>line 2</a:t>
+            </a:r>
+            <a:r>
+              <a:rPr lang="en-US" sz="2000" dirty="0" smtClean="0"/>
+              <a:t>&gt;, &lt;resultant </a:t>
+            </a:r>
+            <a:r>
+              <a:rPr lang="en-US" sz="2000" dirty="0" err="1" smtClean="0"/>
+              <a:t>keypoint</a:t>
+            </a:r>
+            <a:r>
+              <a:rPr lang="en-US" sz="2000" dirty="0" smtClean="0"/>
+              <a:t>&gt;</a:t>
+            </a:r>
+            <a:r>
+              <a:rPr lang="en-US" sz="5400" dirty="0" smtClean="0"/>
+              <a:t> </a:t>
+            </a:r>
+            <a:endParaRPr lang="en-US" sz="5400" dirty="0"/>
+          </a:p>
+        </p:txBody>
+      </p:sp>
+      <p:sp>
+        <p:nvSpPr>
+          <p:cNvPr id="4" name="TextBox 3"/>
+          <p:cNvSpPr txBox="1"/>
+          <p:nvPr/>
+        </p:nvSpPr>
+        <p:spPr>
+          <a:xfrm>
+            <a:off x="4226944" y="845389"/>
+            <a:ext cx="4917056" cy="338554"/>
+          </a:xfrm>
+          <a:prstGeom prst="rect">
+            <a:avLst/>
+          </a:prstGeom>
+          <a:noFill/>
+        </p:spPr>
+        <p:txBody>
+          <a:bodyPr wrap="square" rtlCol="0">
+            <a:spAutoFit/>
+          </a:bodyPr>
+          <a:lstStyle/>
+          <a:p>
+            <a:pPr algn="r"/>
+            <a:r>
+              <a:rPr lang="en-US" sz="1600" dirty="0" smtClean="0"/>
+              <a:t>“Think: </a:t>
+            </a:r>
+            <a:r>
+              <a:rPr lang="en-US" sz="1600" dirty="0" smtClean="0">
+                <a:solidFill>
+                  <a:schemeClr val="accent6">
+                    <a:lumMod val="75000"/>
+                  </a:schemeClr>
+                </a:solidFill>
+              </a:rPr>
+              <a:t>L</a:t>
+            </a:r>
+            <a:r>
+              <a:rPr lang="en-US" sz="1600" dirty="0" smtClean="0"/>
+              <a:t>ine </a:t>
+            </a:r>
+            <a:r>
+              <a:rPr lang="en-US" sz="1600" dirty="0" smtClean="0">
+                <a:solidFill>
+                  <a:schemeClr val="accent6">
+                    <a:lumMod val="75000"/>
+                  </a:schemeClr>
+                </a:solidFill>
+              </a:rPr>
+              <a:t>In</a:t>
+            </a:r>
+            <a:r>
+              <a:rPr lang="en-US" sz="1600" dirty="0" smtClean="0"/>
+              <a:t>tersect </a:t>
+            </a:r>
+            <a:r>
+              <a:rPr lang="en-US" sz="1600" dirty="0" smtClean="0">
+                <a:solidFill>
+                  <a:schemeClr val="accent6">
+                    <a:lumMod val="75000"/>
+                  </a:schemeClr>
+                </a:solidFill>
+              </a:rPr>
+              <a:t>L</a:t>
+            </a:r>
+            <a:r>
+              <a:rPr lang="en-US" sz="1600" dirty="0" smtClean="0"/>
+              <a:t>ine”</a:t>
+            </a:r>
+            <a:endParaRPr lang="en-US" sz="1600" dirty="0"/>
+          </a:p>
+        </p:txBody>
+      </p:sp>
+      <p:sp>
+        <p:nvSpPr>
+          <p:cNvPr id="5" name="TextBox 4"/>
+          <p:cNvSpPr txBox="1"/>
+          <p:nvPr/>
+        </p:nvSpPr>
+        <p:spPr>
+          <a:xfrm>
+            <a:off x="284669" y="1837426"/>
+            <a:ext cx="8074326" cy="369332"/>
+          </a:xfrm>
+          <a:prstGeom prst="rect">
+            <a:avLst/>
+          </a:prstGeom>
+          <a:noFill/>
+        </p:spPr>
+        <p:txBody>
+          <a:bodyPr wrap="square" rtlCol="0">
+            <a:spAutoFit/>
+          </a:bodyPr>
+          <a:lstStyle/>
+          <a:p>
+            <a:r>
+              <a:rPr lang="en-US" dirty="0" smtClean="0"/>
+              <a:t>Creates a </a:t>
+            </a:r>
+            <a:r>
+              <a:rPr lang="en-US" dirty="0" err="1" smtClean="0"/>
+              <a:t>keypoint</a:t>
+            </a:r>
+            <a:r>
+              <a:rPr lang="en-US" dirty="0" smtClean="0"/>
+              <a:t> at the intersection between two lines</a:t>
+            </a:r>
+            <a:endParaRPr lang="en-US" dirty="0"/>
+          </a:p>
+        </p:txBody>
+      </p:sp>
+      <p:pic>
+        <p:nvPicPr>
+          <p:cNvPr id="2050" name="Picture 2"/>
+          <p:cNvPicPr>
+            <a:picLocks noChangeAspect="1" noChangeArrowheads="1"/>
+          </p:cNvPicPr>
+          <p:nvPr/>
+        </p:nvPicPr>
+        <p:blipFill>
+          <a:blip r:embed="rId3" cstate="print"/>
+          <a:srcRect/>
+          <a:stretch>
+            <a:fillRect/>
+          </a:stretch>
+        </p:blipFill>
+        <p:spPr bwMode="auto">
+          <a:xfrm>
+            <a:off x="185842" y="2263293"/>
+            <a:ext cx="3044988" cy="2010995"/>
+          </a:xfrm>
+          <a:prstGeom prst="rect">
+            <a:avLst/>
+          </a:prstGeom>
+          <a:noFill/>
+          <a:ln w="9525">
+            <a:noFill/>
+            <a:miter lim="800000"/>
+            <a:headEnd/>
+            <a:tailEnd/>
+          </a:ln>
+        </p:spPr>
+      </p:pic>
+      <p:sp>
+        <p:nvSpPr>
+          <p:cNvPr id="7" name="TextBox 6"/>
+          <p:cNvSpPr txBox="1"/>
+          <p:nvPr/>
+        </p:nvSpPr>
+        <p:spPr>
+          <a:xfrm>
+            <a:off x="444001" y="4707009"/>
+            <a:ext cx="2469314" cy="338554"/>
+          </a:xfrm>
+          <a:prstGeom prst="rect">
+            <a:avLst/>
+          </a:prstGeom>
+          <a:noFill/>
+          <a:ln w="28575">
+            <a:solidFill>
+              <a:srgbClr val="FF0000"/>
+            </a:solidFill>
+          </a:ln>
+        </p:spPr>
+        <p:txBody>
+          <a:bodyPr wrap="square" rtlCol="0">
+            <a:spAutoFit/>
+          </a:bodyPr>
+          <a:lstStyle/>
+          <a:p>
+            <a:r>
+              <a:rPr lang="en-US" sz="1600" dirty="0" smtClean="0"/>
+              <a:t>Step </a:t>
+            </a:r>
+            <a:r>
+              <a:rPr lang="en-US" sz="1600" dirty="0" smtClean="0"/>
+              <a:t>1: </a:t>
+            </a:r>
+            <a:r>
+              <a:rPr lang="en-US" sz="1600" dirty="0" smtClean="0"/>
+              <a:t>Select Two Lines</a:t>
+            </a:r>
+          </a:p>
+        </p:txBody>
+      </p:sp>
+      <p:cxnSp>
+        <p:nvCxnSpPr>
+          <p:cNvPr id="8" name="Straight Arrow Connector 7"/>
+          <p:cNvCxnSpPr>
+            <a:stCxn id="7" idx="0"/>
+          </p:cNvCxnSpPr>
+          <p:nvPr/>
+        </p:nvCxnSpPr>
+        <p:spPr>
+          <a:xfrm rot="16200000" flipV="1">
+            <a:off x="580438" y="3608789"/>
+            <a:ext cx="1060042" cy="1136398"/>
+          </a:xfrm>
+          <a:prstGeom prst="straightConnector1">
+            <a:avLst/>
+          </a:prstGeom>
+          <a:ln w="41275">
+            <a:solidFill>
+              <a:srgbClr val="FF0000"/>
+            </a:solidFill>
+            <a:tailEnd type="arrow"/>
+          </a:ln>
+        </p:spPr>
+        <p:style>
+          <a:lnRef idx="1">
+            <a:schemeClr val="accent1"/>
+          </a:lnRef>
+          <a:fillRef idx="0">
+            <a:schemeClr val="accent1"/>
+          </a:fillRef>
+          <a:effectRef idx="0">
+            <a:schemeClr val="accent1"/>
+          </a:effectRef>
+          <a:fontRef idx="minor">
+            <a:schemeClr val="tx1"/>
+          </a:fontRef>
+        </p:style>
+      </p:cxnSp>
+      <p:cxnSp>
+        <p:nvCxnSpPr>
+          <p:cNvPr id="9" name="Straight Arrow Connector 8"/>
+          <p:cNvCxnSpPr>
+            <a:stCxn id="7" idx="0"/>
+          </p:cNvCxnSpPr>
+          <p:nvPr/>
+        </p:nvCxnSpPr>
+        <p:spPr>
+          <a:xfrm rot="5400000" flipH="1" flipV="1">
+            <a:off x="1548002" y="3894583"/>
+            <a:ext cx="943083" cy="681770"/>
+          </a:xfrm>
+          <a:prstGeom prst="straightConnector1">
+            <a:avLst/>
+          </a:prstGeom>
+          <a:ln w="41275">
+            <a:solidFill>
+              <a:srgbClr val="FF0000"/>
+            </a:solidFill>
+            <a:tailEnd type="arrow"/>
+          </a:ln>
+        </p:spPr>
+        <p:style>
+          <a:lnRef idx="1">
+            <a:schemeClr val="accent1"/>
+          </a:lnRef>
+          <a:fillRef idx="0">
+            <a:schemeClr val="accent1"/>
+          </a:fillRef>
+          <a:effectRef idx="0">
+            <a:schemeClr val="accent1"/>
+          </a:effectRef>
+          <a:fontRef idx="minor">
+            <a:schemeClr val="tx1"/>
+          </a:fontRef>
+        </p:style>
+      </p:cxnSp>
+      <p:sp>
+        <p:nvSpPr>
+          <p:cNvPr id="14" name="Oval 13"/>
+          <p:cNvSpPr/>
+          <p:nvPr/>
+        </p:nvSpPr>
+        <p:spPr>
+          <a:xfrm>
+            <a:off x="686895" y="2939800"/>
+            <a:ext cx="241540" cy="232913"/>
+          </a:xfrm>
+          <a:prstGeom prst="ellipse">
+            <a:avLst/>
+          </a:prstGeom>
+          <a:noFill/>
+          <a:ln w="38100">
+            <a:solidFill>
+              <a:srgbClr val="FF0000"/>
+            </a:solidFill>
+          </a:ln>
+        </p:spPr>
+        <p:style>
+          <a:lnRef idx="2">
+            <a:schemeClr val="accent1">
+              <a:shade val="50000"/>
+            </a:schemeClr>
+          </a:lnRef>
+          <a:fillRef idx="1">
+            <a:schemeClr val="accent1"/>
+          </a:fillRef>
+          <a:effectRef idx="0">
+            <a:schemeClr val="accent1"/>
+          </a:effectRef>
+          <a:fontRef idx="minor">
+            <a:schemeClr val="lt1"/>
+          </a:fontRef>
+        </p:style>
+        <p:txBody>
+          <a:bodyPr rtlCol="0" anchor="ctr"/>
+          <a:lstStyle/>
+          <a:p>
+            <a:pPr algn="ctr"/>
+            <a:endParaRPr lang="en-US"/>
+          </a:p>
+        </p:txBody>
+      </p:sp>
+      <p:cxnSp>
+        <p:nvCxnSpPr>
+          <p:cNvPr id="15" name="Straight Arrow Connector 14"/>
+          <p:cNvCxnSpPr>
+            <a:stCxn id="16" idx="1"/>
+            <a:endCxn id="14" idx="7"/>
+          </p:cNvCxnSpPr>
+          <p:nvPr/>
+        </p:nvCxnSpPr>
+        <p:spPr>
+          <a:xfrm rot="10800000" flipV="1">
+            <a:off x="893062" y="2903387"/>
+            <a:ext cx="900224" cy="70522"/>
+          </a:xfrm>
+          <a:prstGeom prst="straightConnector1">
+            <a:avLst/>
+          </a:prstGeom>
+          <a:ln w="41275">
+            <a:solidFill>
+              <a:srgbClr val="FF0000"/>
+            </a:solidFill>
+            <a:tailEnd type="triangle"/>
+          </a:ln>
+        </p:spPr>
+        <p:style>
+          <a:lnRef idx="1">
+            <a:schemeClr val="accent1"/>
+          </a:lnRef>
+          <a:fillRef idx="0">
+            <a:schemeClr val="accent1"/>
+          </a:fillRef>
+          <a:effectRef idx="0">
+            <a:schemeClr val="accent1"/>
+          </a:effectRef>
+          <a:fontRef idx="minor">
+            <a:schemeClr val="tx1"/>
+          </a:fontRef>
+        </p:style>
+      </p:cxnSp>
+      <p:sp>
+        <p:nvSpPr>
+          <p:cNvPr id="16" name="TextBox 15"/>
+          <p:cNvSpPr txBox="1"/>
+          <p:nvPr/>
+        </p:nvSpPr>
+        <p:spPr>
+          <a:xfrm>
+            <a:off x="1793286" y="2718721"/>
+            <a:ext cx="1608133" cy="369332"/>
+          </a:xfrm>
+          <a:prstGeom prst="rect">
+            <a:avLst/>
+          </a:prstGeom>
+          <a:noFill/>
+          <a:ln w="38100">
+            <a:solidFill>
+              <a:srgbClr val="FF0000"/>
+            </a:solidFill>
+          </a:ln>
+        </p:spPr>
+        <p:txBody>
+          <a:bodyPr wrap="none" rtlCol="0">
+            <a:spAutoFit/>
+          </a:bodyPr>
+          <a:lstStyle/>
+          <a:p>
+            <a:r>
+              <a:rPr lang="en-US" dirty="0" smtClean="0"/>
+              <a:t>New </a:t>
+            </a:r>
+            <a:r>
+              <a:rPr lang="en-US" dirty="0" err="1" smtClean="0"/>
+              <a:t>Keypoint</a:t>
+            </a:r>
+            <a:endParaRPr lang="en-US" dirty="0"/>
+          </a:p>
+        </p:txBody>
+      </p:sp>
+      <p:pic>
+        <p:nvPicPr>
+          <p:cNvPr id="2052" name="Picture 4"/>
+          <p:cNvPicPr>
+            <a:picLocks noChangeAspect="1" noChangeArrowheads="1"/>
+          </p:cNvPicPr>
+          <p:nvPr/>
+        </p:nvPicPr>
+        <p:blipFill>
+          <a:blip r:embed="rId4" cstate="print"/>
+          <a:srcRect/>
+          <a:stretch>
+            <a:fillRect/>
+          </a:stretch>
+        </p:blipFill>
+        <p:spPr bwMode="auto">
+          <a:xfrm>
+            <a:off x="6333569" y="1892594"/>
+            <a:ext cx="2587148" cy="2754276"/>
+          </a:xfrm>
+          <a:prstGeom prst="rect">
+            <a:avLst/>
+          </a:prstGeom>
+          <a:noFill/>
+          <a:ln w="9525">
+            <a:noFill/>
+            <a:miter lim="800000"/>
+            <a:headEnd/>
+            <a:tailEnd/>
+          </a:ln>
+        </p:spPr>
+      </p:pic>
+      <p:sp>
+        <p:nvSpPr>
+          <p:cNvPr id="25" name="TextBox 24"/>
+          <p:cNvSpPr txBox="1"/>
+          <p:nvPr/>
+        </p:nvSpPr>
+        <p:spPr>
+          <a:xfrm>
+            <a:off x="6570922" y="4763386"/>
+            <a:ext cx="2371060" cy="523220"/>
+          </a:xfrm>
+          <a:prstGeom prst="rect">
+            <a:avLst/>
+          </a:prstGeom>
+          <a:noFill/>
+          <a:ln>
+            <a:noFill/>
+          </a:ln>
+        </p:spPr>
+        <p:txBody>
+          <a:bodyPr wrap="square" rtlCol="0">
+            <a:spAutoFit/>
+          </a:bodyPr>
+          <a:lstStyle/>
+          <a:p>
+            <a:pPr algn="ctr"/>
+            <a:r>
+              <a:rPr lang="en-US" sz="1400" dirty="0" smtClean="0"/>
+              <a:t>Does not work as expected with curved lines</a:t>
+            </a:r>
+            <a:endParaRPr lang="en-US" sz="1400" dirty="0" smtClean="0"/>
+          </a:p>
+        </p:txBody>
+      </p:sp>
+      <p:pic>
+        <p:nvPicPr>
+          <p:cNvPr id="2053" name="Picture 5"/>
+          <p:cNvPicPr>
+            <a:picLocks noChangeAspect="1" noChangeArrowheads="1"/>
+          </p:cNvPicPr>
+          <p:nvPr/>
+        </p:nvPicPr>
+        <p:blipFill>
+          <a:blip r:embed="rId5" cstate="print"/>
+          <a:srcRect/>
+          <a:stretch>
+            <a:fillRect/>
+          </a:stretch>
+        </p:blipFill>
+        <p:spPr bwMode="auto">
+          <a:xfrm>
+            <a:off x="159488" y="5183332"/>
+            <a:ext cx="4072270" cy="1480826"/>
+          </a:xfrm>
+          <a:prstGeom prst="rect">
+            <a:avLst/>
+          </a:prstGeom>
+          <a:noFill/>
+          <a:ln w="9525">
+            <a:noFill/>
+            <a:miter lim="800000"/>
+            <a:headEnd/>
+            <a:tailEnd/>
+          </a:ln>
+        </p:spPr>
+      </p:pic>
+      <p:sp>
+        <p:nvSpPr>
+          <p:cNvPr id="27" name="TextBox 26"/>
+          <p:cNvSpPr txBox="1"/>
+          <p:nvPr/>
+        </p:nvSpPr>
+        <p:spPr>
+          <a:xfrm>
+            <a:off x="4444409" y="5575005"/>
+            <a:ext cx="2317898" cy="369332"/>
+          </a:xfrm>
+          <a:prstGeom prst="rect">
+            <a:avLst/>
+          </a:prstGeom>
+          <a:ln/>
+        </p:spPr>
+        <p:style>
+          <a:lnRef idx="1">
+            <a:schemeClr val="accent3"/>
+          </a:lnRef>
+          <a:fillRef idx="2">
+            <a:schemeClr val="accent3"/>
+          </a:fillRef>
+          <a:effectRef idx="1">
+            <a:schemeClr val="accent3"/>
+          </a:effectRef>
+          <a:fontRef idx="minor">
+            <a:schemeClr val="dk1"/>
+          </a:fontRef>
+        </p:style>
+        <p:txBody>
+          <a:bodyPr wrap="square" rtlCol="0">
+            <a:spAutoFit/>
+          </a:bodyPr>
+          <a:lstStyle/>
+          <a:p>
+            <a:pPr algn="ctr"/>
+            <a:r>
+              <a:rPr lang="en-US" dirty="0" smtClean="0"/>
+              <a:t>Works in 3D as well.</a:t>
+            </a:r>
+            <a:endParaRPr lang="en-US" dirty="0" smtClean="0"/>
+          </a:p>
+        </p:txBody>
+      </p:sp>
+      <p:sp>
+        <p:nvSpPr>
+          <p:cNvPr id="28" name="TextBox 27"/>
+          <p:cNvSpPr txBox="1"/>
+          <p:nvPr/>
+        </p:nvSpPr>
+        <p:spPr>
+          <a:xfrm>
+            <a:off x="4054549" y="4788195"/>
+            <a:ext cx="1867786" cy="523220"/>
+          </a:xfrm>
+          <a:prstGeom prst="rect">
+            <a:avLst/>
+          </a:prstGeom>
+          <a:noFill/>
+          <a:ln>
+            <a:noFill/>
+          </a:ln>
+        </p:spPr>
+        <p:txBody>
+          <a:bodyPr wrap="square" rtlCol="0">
+            <a:spAutoFit/>
+          </a:bodyPr>
+          <a:lstStyle/>
+          <a:p>
+            <a:pPr algn="ctr"/>
+            <a:r>
+              <a:rPr lang="en-US" sz="1400" dirty="0" smtClean="0"/>
+              <a:t>Works even if lines do not intersect</a:t>
+            </a:r>
+            <a:endParaRPr lang="en-US" sz="1400" dirty="0" smtClean="0"/>
+          </a:p>
+        </p:txBody>
+      </p:sp>
+      <p:sp>
+        <p:nvSpPr>
+          <p:cNvPr id="29" name="TextBox 28"/>
+          <p:cNvSpPr txBox="1"/>
+          <p:nvPr/>
+        </p:nvSpPr>
+        <p:spPr>
+          <a:xfrm>
+            <a:off x="4455042" y="6071191"/>
+            <a:ext cx="4274288" cy="523220"/>
+          </a:xfrm>
+          <a:prstGeom prst="rect">
+            <a:avLst/>
+          </a:prstGeom>
+          <a:noFill/>
+          <a:ln>
+            <a:noFill/>
+          </a:ln>
+        </p:spPr>
+        <p:txBody>
+          <a:bodyPr wrap="square" rtlCol="0">
+            <a:spAutoFit/>
+          </a:bodyPr>
+          <a:lstStyle/>
+          <a:p>
+            <a:r>
+              <a:rPr lang="en-US" sz="1400" dirty="0" smtClean="0"/>
+              <a:t>Uses common perpendicular between lines to find intersection points</a:t>
+            </a:r>
+            <a:endParaRPr lang="en-US" sz="1400" dirty="0" smtClean="0"/>
+          </a:p>
+        </p:txBody>
+      </p:sp>
+    </p:spTree>
+  </p:cSld>
+  <p:clrMapOvr>
+    <a:masterClrMapping/>
+  </p:clrMapOvr>
+  <p:timing>
+    <p:tnLst>
+      <p:par>
+        <p:cTn id="1" dur="indefinite" restart="never" nodeType="tmRoot">
+          <p:childTnLst>
+            <p:seq concurrent="1" nextAc="seek">
+              <p:cTn id="2" dur="indefinite" nodeType="mainSeq">
+                <p:childTnLst>
+                  <p:par>
+                    <p:cTn id="3" fill="hold">
+                      <p:stCondLst>
+                        <p:cond delay="indefinite"/>
+                      </p:stCondLst>
+                      <p:childTnLst>
+                        <p:par>
+                          <p:cTn id="4" fill="hold">
+                            <p:stCondLst>
+                              <p:cond delay="0"/>
+                            </p:stCondLst>
+                            <p:childTnLst>
+                              <p:par>
+                                <p:cTn id="5" presetID="1" presetClass="entr" presetSubtype="0" fill="hold" grpId="0" nodeType="clickEffect">
+                                  <p:stCondLst>
+                                    <p:cond delay="0"/>
+                                  </p:stCondLst>
+                                  <p:childTnLst>
+                                    <p:set>
+                                      <p:cBhvr>
+                                        <p:cTn id="6" dur="1" fill="hold">
+                                          <p:stCondLst>
+                                            <p:cond delay="0"/>
+                                          </p:stCondLst>
+                                        </p:cTn>
+                                        <p:tgtEl>
+                                          <p:spTgt spid="4"/>
+                                        </p:tgtEl>
+                                        <p:attrNameLst>
+                                          <p:attrName>style.visibility</p:attrName>
+                                        </p:attrNameLst>
+                                      </p:cBhvr>
+                                      <p:to>
+                                        <p:strVal val="visible"/>
+                                      </p:to>
+                                    </p:set>
+                                  </p:childTnLst>
+                                </p:cTn>
+                              </p:par>
+                            </p:childTnLst>
+                          </p:cTn>
+                        </p:par>
+                      </p:childTnLst>
+                    </p:cTn>
+                  </p:par>
+                  <p:par>
+                    <p:cTn id="7" fill="hold">
+                      <p:stCondLst>
+                        <p:cond delay="indefinite"/>
+                      </p:stCondLst>
+                      <p:childTnLst>
+                        <p:par>
+                          <p:cTn id="8" fill="hold">
+                            <p:stCondLst>
+                              <p:cond delay="0"/>
+                            </p:stCondLst>
+                            <p:childTnLst>
+                              <p:par>
+                                <p:cTn id="9" presetID="1" presetClass="entr" presetSubtype="0" fill="hold" grpId="0" nodeType="clickEffect">
+                                  <p:stCondLst>
+                                    <p:cond delay="0"/>
+                                  </p:stCondLst>
+                                  <p:childTnLst>
+                                    <p:set>
+                                      <p:cBhvr>
+                                        <p:cTn id="10" dur="1" fill="hold">
+                                          <p:stCondLst>
+                                            <p:cond delay="0"/>
+                                          </p:stCondLst>
+                                        </p:cTn>
+                                        <p:tgtEl>
+                                          <p:spTgt spid="5"/>
+                                        </p:tgtEl>
+                                        <p:attrNameLst>
+                                          <p:attrName>style.visibility</p:attrName>
+                                        </p:attrNameLst>
+                                      </p:cBhvr>
+                                      <p:to>
+                                        <p:strVal val="visible"/>
+                                      </p:to>
+                                    </p:set>
+                                  </p:childTnLst>
+                                </p:cTn>
+                              </p:par>
+                            </p:childTnLst>
+                          </p:cTn>
+                        </p:par>
+                      </p:childTnLst>
+                    </p:cTn>
+                  </p:par>
+                  <p:par>
+                    <p:cTn id="11" fill="hold">
+                      <p:stCondLst>
+                        <p:cond delay="indefinite"/>
+                      </p:stCondLst>
+                      <p:childTnLst>
+                        <p:par>
+                          <p:cTn id="12" fill="hold">
+                            <p:stCondLst>
+                              <p:cond delay="0"/>
+                            </p:stCondLst>
+                            <p:childTnLst>
+                              <p:par>
+                                <p:cTn id="13" presetID="1" presetClass="entr" presetSubtype="0" fill="hold" nodeType="clickEffect">
+                                  <p:stCondLst>
+                                    <p:cond delay="0"/>
+                                  </p:stCondLst>
+                                  <p:childTnLst>
+                                    <p:set>
+                                      <p:cBhvr>
+                                        <p:cTn id="14" dur="1" fill="hold">
+                                          <p:stCondLst>
+                                            <p:cond delay="0"/>
+                                          </p:stCondLst>
+                                        </p:cTn>
+                                        <p:tgtEl>
+                                          <p:spTgt spid="2050"/>
+                                        </p:tgtEl>
+                                        <p:attrNameLst>
+                                          <p:attrName>style.visibility</p:attrName>
+                                        </p:attrNameLst>
+                                      </p:cBhvr>
+                                      <p:to>
+                                        <p:strVal val="visible"/>
+                                      </p:to>
+                                    </p:set>
+                                  </p:childTnLst>
+                                </p:cTn>
+                              </p:par>
+                            </p:childTnLst>
+                          </p:cTn>
+                        </p:par>
+                      </p:childTnLst>
+                    </p:cTn>
+                  </p:par>
+                  <p:par>
+                    <p:cTn id="15" fill="hold">
+                      <p:stCondLst>
+                        <p:cond delay="indefinite"/>
+                      </p:stCondLst>
+                      <p:childTnLst>
+                        <p:par>
+                          <p:cTn id="16" fill="hold">
+                            <p:stCondLst>
+                              <p:cond delay="0"/>
+                            </p:stCondLst>
+                            <p:childTnLst>
+                              <p:par>
+                                <p:cTn id="17" presetID="1" presetClass="entr" presetSubtype="0" fill="hold" grpId="0" nodeType="clickEffect">
+                                  <p:stCondLst>
+                                    <p:cond delay="0"/>
+                                  </p:stCondLst>
+                                  <p:childTnLst>
+                                    <p:set>
+                                      <p:cBhvr>
+                                        <p:cTn id="18" dur="1" fill="hold">
+                                          <p:stCondLst>
+                                            <p:cond delay="0"/>
+                                          </p:stCondLst>
+                                        </p:cTn>
+                                        <p:tgtEl>
+                                          <p:spTgt spid="7"/>
+                                        </p:tgtEl>
+                                        <p:attrNameLst>
+                                          <p:attrName>style.visibility</p:attrName>
+                                        </p:attrNameLst>
+                                      </p:cBhvr>
+                                      <p:to>
+                                        <p:strVal val="visible"/>
+                                      </p:to>
+                                    </p:set>
+                                  </p:childTnLst>
+                                </p:cTn>
+                              </p:par>
+                              <p:par>
+                                <p:cTn id="19" presetID="1" presetClass="entr" presetSubtype="0" fill="hold" nodeType="withEffect">
+                                  <p:stCondLst>
+                                    <p:cond delay="0"/>
+                                  </p:stCondLst>
+                                  <p:childTnLst>
+                                    <p:set>
+                                      <p:cBhvr>
+                                        <p:cTn id="20" dur="1" fill="hold">
+                                          <p:stCondLst>
+                                            <p:cond delay="0"/>
+                                          </p:stCondLst>
+                                        </p:cTn>
+                                        <p:tgtEl>
+                                          <p:spTgt spid="8"/>
+                                        </p:tgtEl>
+                                        <p:attrNameLst>
+                                          <p:attrName>style.visibility</p:attrName>
+                                        </p:attrNameLst>
+                                      </p:cBhvr>
+                                      <p:to>
+                                        <p:strVal val="visible"/>
+                                      </p:to>
+                                    </p:set>
+                                  </p:childTnLst>
+                                </p:cTn>
+                              </p:par>
+                              <p:par>
+                                <p:cTn id="21" presetID="1" presetClass="entr" presetSubtype="0" fill="hold" nodeType="withEffect">
+                                  <p:stCondLst>
+                                    <p:cond delay="0"/>
+                                  </p:stCondLst>
+                                  <p:childTnLst>
+                                    <p:set>
+                                      <p:cBhvr>
+                                        <p:cTn id="22" dur="1" fill="hold">
+                                          <p:stCondLst>
+                                            <p:cond delay="0"/>
+                                          </p:stCondLst>
+                                        </p:cTn>
+                                        <p:tgtEl>
+                                          <p:spTgt spid="9"/>
+                                        </p:tgtEl>
+                                        <p:attrNameLst>
+                                          <p:attrName>style.visibility</p:attrName>
+                                        </p:attrNameLst>
+                                      </p:cBhvr>
+                                      <p:to>
+                                        <p:strVal val="visible"/>
+                                      </p:to>
+                                    </p:set>
+                                  </p:childTnLst>
+                                </p:cTn>
+                              </p:par>
+                            </p:childTnLst>
+                          </p:cTn>
+                        </p:par>
+                      </p:childTnLst>
+                    </p:cTn>
+                  </p:par>
+                  <p:par>
+                    <p:cTn id="23" fill="hold">
+                      <p:stCondLst>
+                        <p:cond delay="indefinite"/>
+                      </p:stCondLst>
+                      <p:childTnLst>
+                        <p:par>
+                          <p:cTn id="24" fill="hold">
+                            <p:stCondLst>
+                              <p:cond delay="0"/>
+                            </p:stCondLst>
+                            <p:childTnLst>
+                              <p:par>
+                                <p:cTn id="25" presetID="1" presetClass="entr" presetSubtype="0" fill="hold" grpId="0" nodeType="clickEffect">
+                                  <p:stCondLst>
+                                    <p:cond delay="0"/>
+                                  </p:stCondLst>
+                                  <p:childTnLst>
+                                    <p:set>
+                                      <p:cBhvr>
+                                        <p:cTn id="26" dur="1" fill="hold">
+                                          <p:stCondLst>
+                                            <p:cond delay="0"/>
+                                          </p:stCondLst>
+                                        </p:cTn>
+                                        <p:tgtEl>
+                                          <p:spTgt spid="14"/>
+                                        </p:tgtEl>
+                                        <p:attrNameLst>
+                                          <p:attrName>style.visibility</p:attrName>
+                                        </p:attrNameLst>
+                                      </p:cBhvr>
+                                      <p:to>
+                                        <p:strVal val="visible"/>
+                                      </p:to>
+                                    </p:set>
+                                  </p:childTnLst>
+                                </p:cTn>
+                              </p:par>
+                              <p:par>
+                                <p:cTn id="27" presetID="1" presetClass="entr" presetSubtype="0" fill="hold" nodeType="withEffect">
+                                  <p:stCondLst>
+                                    <p:cond delay="0"/>
+                                  </p:stCondLst>
+                                  <p:childTnLst>
+                                    <p:set>
+                                      <p:cBhvr>
+                                        <p:cTn id="28" dur="1" fill="hold">
+                                          <p:stCondLst>
+                                            <p:cond delay="0"/>
+                                          </p:stCondLst>
+                                        </p:cTn>
+                                        <p:tgtEl>
+                                          <p:spTgt spid="15"/>
+                                        </p:tgtEl>
+                                        <p:attrNameLst>
+                                          <p:attrName>style.visibility</p:attrName>
+                                        </p:attrNameLst>
+                                      </p:cBhvr>
+                                      <p:to>
+                                        <p:strVal val="visible"/>
+                                      </p:to>
+                                    </p:set>
+                                  </p:childTnLst>
+                                </p:cTn>
+                              </p:par>
+                              <p:par>
+                                <p:cTn id="29" presetID="1" presetClass="entr" presetSubtype="0" fill="hold" grpId="0" nodeType="withEffect">
+                                  <p:stCondLst>
+                                    <p:cond delay="0"/>
+                                  </p:stCondLst>
+                                  <p:childTnLst>
+                                    <p:set>
+                                      <p:cBhvr>
+                                        <p:cTn id="30" dur="1" fill="hold">
+                                          <p:stCondLst>
+                                            <p:cond delay="0"/>
+                                          </p:stCondLst>
+                                        </p:cTn>
+                                        <p:tgtEl>
+                                          <p:spTgt spid="16"/>
+                                        </p:tgtEl>
+                                        <p:attrNameLst>
+                                          <p:attrName>style.visibility</p:attrName>
+                                        </p:attrNameLst>
+                                      </p:cBhvr>
+                                      <p:to>
+                                        <p:strVal val="visible"/>
+                                      </p:to>
+                                    </p:set>
+                                  </p:childTnLst>
+                                </p:cTn>
+                              </p:par>
+                            </p:childTnLst>
+                          </p:cTn>
+                        </p:par>
+                      </p:childTnLst>
+                    </p:cTn>
+                  </p:par>
+                  <p:par>
+                    <p:cTn id="31" fill="hold">
+                      <p:stCondLst>
+                        <p:cond delay="indefinite"/>
+                      </p:stCondLst>
+                      <p:childTnLst>
+                        <p:par>
+                          <p:cTn id="32" fill="hold">
+                            <p:stCondLst>
+                              <p:cond delay="0"/>
+                            </p:stCondLst>
+                            <p:childTnLst>
+                              <p:par>
+                                <p:cTn id="33" presetID="1" presetClass="entr" presetSubtype="0" fill="hold" nodeType="clickEffect">
+                                  <p:stCondLst>
+                                    <p:cond delay="0"/>
+                                  </p:stCondLst>
+                                  <p:childTnLst>
+                                    <p:set>
+                                      <p:cBhvr>
+                                        <p:cTn id="34" dur="1" fill="hold">
+                                          <p:stCondLst>
+                                            <p:cond delay="0"/>
+                                          </p:stCondLst>
+                                        </p:cTn>
+                                        <p:tgtEl>
+                                          <p:spTgt spid="2051"/>
+                                        </p:tgtEl>
+                                        <p:attrNameLst>
+                                          <p:attrName>style.visibility</p:attrName>
+                                        </p:attrNameLst>
+                                      </p:cBhvr>
+                                      <p:to>
+                                        <p:strVal val="visible"/>
+                                      </p:to>
+                                    </p:set>
+                                  </p:childTnLst>
+                                </p:cTn>
+                              </p:par>
+                              <p:par>
+                                <p:cTn id="35" presetID="1" presetClass="entr" presetSubtype="0" fill="hold" grpId="0" nodeType="withEffect">
+                                  <p:stCondLst>
+                                    <p:cond delay="0"/>
+                                  </p:stCondLst>
+                                  <p:childTnLst>
+                                    <p:set>
+                                      <p:cBhvr>
+                                        <p:cTn id="36" dur="1" fill="hold">
+                                          <p:stCondLst>
+                                            <p:cond delay="0"/>
+                                          </p:stCondLst>
+                                        </p:cTn>
+                                        <p:tgtEl>
+                                          <p:spTgt spid="28"/>
+                                        </p:tgtEl>
+                                        <p:attrNameLst>
+                                          <p:attrName>style.visibility</p:attrName>
+                                        </p:attrNameLst>
+                                      </p:cBhvr>
+                                      <p:to>
+                                        <p:strVal val="visible"/>
+                                      </p:to>
+                                    </p:set>
+                                  </p:childTnLst>
+                                </p:cTn>
+                              </p:par>
+                            </p:childTnLst>
+                          </p:cTn>
+                        </p:par>
+                      </p:childTnLst>
+                    </p:cTn>
+                  </p:par>
+                  <p:par>
+                    <p:cTn id="37" fill="hold">
+                      <p:stCondLst>
+                        <p:cond delay="indefinite"/>
+                      </p:stCondLst>
+                      <p:childTnLst>
+                        <p:par>
+                          <p:cTn id="38" fill="hold">
+                            <p:stCondLst>
+                              <p:cond delay="0"/>
+                            </p:stCondLst>
+                            <p:childTnLst>
+                              <p:par>
+                                <p:cTn id="39" presetID="1" presetClass="entr" presetSubtype="0" fill="hold" nodeType="clickEffect">
+                                  <p:stCondLst>
+                                    <p:cond delay="0"/>
+                                  </p:stCondLst>
+                                  <p:childTnLst>
+                                    <p:set>
+                                      <p:cBhvr>
+                                        <p:cTn id="40" dur="1" fill="hold">
+                                          <p:stCondLst>
+                                            <p:cond delay="0"/>
+                                          </p:stCondLst>
+                                        </p:cTn>
+                                        <p:tgtEl>
+                                          <p:spTgt spid="2052"/>
+                                        </p:tgtEl>
+                                        <p:attrNameLst>
+                                          <p:attrName>style.visibility</p:attrName>
+                                        </p:attrNameLst>
+                                      </p:cBhvr>
+                                      <p:to>
+                                        <p:strVal val="visible"/>
+                                      </p:to>
+                                    </p:set>
+                                  </p:childTnLst>
+                                </p:cTn>
+                              </p:par>
+                              <p:par>
+                                <p:cTn id="41" presetID="1" presetClass="entr" presetSubtype="0" fill="hold" grpId="0" nodeType="withEffect">
+                                  <p:stCondLst>
+                                    <p:cond delay="0"/>
+                                  </p:stCondLst>
+                                  <p:childTnLst>
+                                    <p:set>
+                                      <p:cBhvr>
+                                        <p:cTn id="42" dur="1" fill="hold">
+                                          <p:stCondLst>
+                                            <p:cond delay="0"/>
+                                          </p:stCondLst>
+                                        </p:cTn>
+                                        <p:tgtEl>
+                                          <p:spTgt spid="25"/>
+                                        </p:tgtEl>
+                                        <p:attrNameLst>
+                                          <p:attrName>style.visibility</p:attrName>
+                                        </p:attrNameLst>
+                                      </p:cBhvr>
+                                      <p:to>
+                                        <p:strVal val="visible"/>
+                                      </p:to>
+                                    </p:set>
+                                  </p:childTnLst>
+                                </p:cTn>
+                              </p:par>
+                            </p:childTnLst>
+                          </p:cTn>
+                        </p:par>
+                      </p:childTnLst>
+                    </p:cTn>
+                  </p:par>
+                  <p:par>
+                    <p:cTn id="43" fill="hold">
+                      <p:stCondLst>
+                        <p:cond delay="indefinite"/>
+                      </p:stCondLst>
+                      <p:childTnLst>
+                        <p:par>
+                          <p:cTn id="44" fill="hold">
+                            <p:stCondLst>
+                              <p:cond delay="0"/>
+                            </p:stCondLst>
+                            <p:childTnLst>
+                              <p:par>
+                                <p:cTn id="45" presetID="1" presetClass="entr" presetSubtype="0" fill="hold" nodeType="clickEffect">
+                                  <p:stCondLst>
+                                    <p:cond delay="0"/>
+                                  </p:stCondLst>
+                                  <p:childTnLst>
+                                    <p:set>
+                                      <p:cBhvr>
+                                        <p:cTn id="46" dur="1" fill="hold">
+                                          <p:stCondLst>
+                                            <p:cond delay="0"/>
+                                          </p:stCondLst>
+                                        </p:cTn>
+                                        <p:tgtEl>
+                                          <p:spTgt spid="2053"/>
+                                        </p:tgtEl>
+                                        <p:attrNameLst>
+                                          <p:attrName>style.visibility</p:attrName>
+                                        </p:attrNameLst>
+                                      </p:cBhvr>
+                                      <p:to>
+                                        <p:strVal val="visible"/>
+                                      </p:to>
+                                    </p:set>
+                                  </p:childTnLst>
+                                </p:cTn>
+                              </p:par>
+                              <p:par>
+                                <p:cTn id="47" presetID="1" presetClass="entr" presetSubtype="0" fill="hold" grpId="0" nodeType="withEffect">
+                                  <p:stCondLst>
+                                    <p:cond delay="0"/>
+                                  </p:stCondLst>
+                                  <p:childTnLst>
+                                    <p:set>
+                                      <p:cBhvr>
+                                        <p:cTn id="48" dur="1" fill="hold">
+                                          <p:stCondLst>
+                                            <p:cond delay="0"/>
+                                          </p:stCondLst>
+                                        </p:cTn>
+                                        <p:tgtEl>
+                                          <p:spTgt spid="27"/>
+                                        </p:tgtEl>
+                                        <p:attrNameLst>
+                                          <p:attrName>style.visibility</p:attrName>
+                                        </p:attrNameLst>
+                                      </p:cBhvr>
+                                      <p:to>
+                                        <p:strVal val="visible"/>
+                                      </p:to>
+                                    </p:set>
+                                  </p:childTnLst>
+                                </p:cTn>
+                              </p:par>
+                              <p:par>
+                                <p:cTn id="49" presetID="1" presetClass="entr" presetSubtype="0" fill="hold" grpId="0" nodeType="withEffect">
+                                  <p:stCondLst>
+                                    <p:cond delay="0"/>
+                                  </p:stCondLst>
+                                  <p:childTnLst>
+                                    <p:set>
+                                      <p:cBhvr>
+                                        <p:cTn id="50" dur="1" fill="hold">
+                                          <p:stCondLst>
+                                            <p:cond delay="0"/>
+                                          </p:stCondLst>
+                                        </p:cTn>
+                                        <p:tgtEl>
+                                          <p:spTgt spid="29"/>
+                                        </p:tgtEl>
+                                        <p:attrNameLst>
+                                          <p:attrName>style.visibility</p:attrName>
+                                        </p:attrNameLst>
+                                      </p:cBhvr>
+                                      <p:to>
+                                        <p:strVal val="visible"/>
+                                      </p:to>
+                                    </p:set>
+                                  </p:childTnLst>
+                                </p:cTn>
+                              </p:par>
+                            </p:childTnLst>
+                          </p:cTn>
+                        </p:par>
+                      </p:childTnLst>
+                    </p:cTn>
+                  </p:par>
+                </p:childTnLst>
+              </p:cTn>
+              <p:prevCondLst>
+                <p:cond evt="onPrev" delay="0">
+                  <p:tgtEl>
+                    <p:sldTgt/>
+                  </p:tgtEl>
+                </p:cond>
+              </p:prevCondLst>
+              <p:nextCondLst>
+                <p:cond evt="onNext" delay="0">
+                  <p:tgtEl>
+                    <p:sldTgt/>
+                  </p:tgtEl>
+                </p:cond>
+              </p:nextCondLst>
+            </p:seq>
+          </p:childTnLst>
+        </p:cTn>
+      </p:par>
+    </p:tnLst>
+    <p:bldLst>
+      <p:bldP spid="4" grpId="0"/>
+      <p:bldP spid="5" grpId="0"/>
+      <p:bldP spid="7" grpId="0" animBg="1"/>
+      <p:bldP spid="14" grpId="0" animBg="1"/>
+      <p:bldP spid="16" grpId="0" animBg="1"/>
+      <p:bldP spid="25" grpId="0"/>
+      <p:bldP spid="27" grpId="0" animBg="1"/>
+      <p:bldP spid="28" grpId="0"/>
+      <p:bldP spid="29" grpId="0"/>
+    </p:bldLst>
+  </p:timing>
+</p:sld>
+</file>
+
+<file path=ppt/slides/slide22.xml><?xml version="1.0" encoding="utf-8"?>
+<p:sld xmlns:a="http://schemas.openxmlformats.org/drawingml/2006/main" xmlns:r="http://schemas.openxmlformats.org/officeDocument/2006/relationships" xmlns:p="http://schemas.openxmlformats.org/presentationml/2006/main">
+  <p:cSld>
+    <p:spTree>
+      <p:nvGrpSpPr>
+        <p:cNvPr id="1" name=""/>
+        <p:cNvGrpSpPr/>
+        <p:nvPr/>
+      </p:nvGrpSpPr>
+      <p:grpSpPr>
+        <a:xfrm>
+          <a:off x="0" y="0"/>
+          <a:ext cx="0" cy="0"/>
+          <a:chOff x="0" y="0"/>
+          <a:chExt cx="0" cy="0"/>
+        </a:xfrm>
+      </p:grpSpPr>
+      <p:sp>
+        <p:nvSpPr>
+          <p:cNvPr id="2" name="Title 1"/>
+          <p:cNvSpPr>
+            <a:spLocks noGrp="1"/>
+          </p:cNvSpPr>
+          <p:nvPr>
+            <p:ph type="title"/>
+          </p:nvPr>
+        </p:nvSpPr>
+        <p:spPr/>
+        <p:txBody>
+          <a:bodyPr/>
+          <a:lstStyle/>
+          <a:p>
+            <a:r>
+              <a:rPr lang="en-US" dirty="0" smtClean="0"/>
+              <a:t>_MASS21: Create A Mass 21 Property Definition</a:t>
+            </a:r>
+            <a:endParaRPr lang="en-US" dirty="0"/>
+          </a:p>
+        </p:txBody>
+      </p:sp>
+      <p:sp>
+        <p:nvSpPr>
+          <p:cNvPr id="3" name="TextBox 2"/>
+          <p:cNvSpPr txBox="1"/>
+          <p:nvPr/>
+        </p:nvSpPr>
+        <p:spPr>
+          <a:xfrm>
+            <a:off x="0" y="879895"/>
+            <a:ext cx="9144000" cy="923330"/>
+          </a:xfrm>
+          <a:prstGeom prst="rect">
+            <a:avLst/>
+          </a:prstGeom>
+          <a:noFill/>
+        </p:spPr>
+        <p:txBody>
+          <a:bodyPr wrap="square" rtlCol="0">
+            <a:spAutoFit/>
+          </a:bodyPr>
+          <a:lstStyle/>
+          <a:p>
+            <a:r>
+              <a:rPr lang="en-US" sz="5400" dirty="0" smtClean="0"/>
+              <a:t>_MASS21,</a:t>
+            </a:r>
+            <a:r>
+              <a:rPr lang="en-US" sz="2000" dirty="0" smtClean="0"/>
+              <a:t> &lt;Prop Number&gt;, &lt;</a:t>
+            </a:r>
+            <a:r>
+              <a:rPr lang="en-US" sz="2000" dirty="0" smtClean="0"/>
+              <a:t>Mass</a:t>
+            </a:r>
+            <a:r>
+              <a:rPr lang="en-US" sz="2000" dirty="0" smtClean="0"/>
+              <a:t>&gt;, &lt;I1&gt;,&lt;I2&gt;,&lt;I3&gt;</a:t>
+            </a:r>
+            <a:r>
+              <a:rPr lang="en-US" sz="5400" dirty="0" smtClean="0"/>
+              <a:t> </a:t>
+            </a:r>
+            <a:endParaRPr lang="en-US" sz="5400" dirty="0"/>
+          </a:p>
+        </p:txBody>
+      </p:sp>
+      <p:sp>
+        <p:nvSpPr>
+          <p:cNvPr id="4" name="TextBox 3"/>
+          <p:cNvSpPr txBox="1"/>
+          <p:nvPr/>
+        </p:nvSpPr>
+        <p:spPr>
+          <a:xfrm>
+            <a:off x="542259" y="1869324"/>
+            <a:ext cx="7859265" cy="369332"/>
+          </a:xfrm>
+          <a:prstGeom prst="rect">
+            <a:avLst/>
+          </a:prstGeom>
+          <a:noFill/>
+        </p:spPr>
+        <p:txBody>
+          <a:bodyPr wrap="square" rtlCol="0">
+            <a:spAutoFit/>
+          </a:bodyPr>
+          <a:lstStyle/>
+          <a:p>
+            <a:r>
+              <a:rPr lang="en-US" dirty="0" smtClean="0"/>
+              <a:t>Creates a mass21 property in one line with little thinking</a:t>
+            </a:r>
+            <a:endParaRPr lang="en-US" dirty="0"/>
+          </a:p>
+        </p:txBody>
+      </p:sp>
+      <p:pic>
+        <p:nvPicPr>
+          <p:cNvPr id="3074" name="Picture 2"/>
+          <p:cNvPicPr>
+            <a:picLocks noChangeAspect="1" noChangeArrowheads="1"/>
+          </p:cNvPicPr>
+          <p:nvPr/>
+        </p:nvPicPr>
+        <p:blipFill>
+          <a:blip r:embed="rId2" cstate="print"/>
+          <a:srcRect/>
+          <a:stretch>
+            <a:fillRect/>
+          </a:stretch>
+        </p:blipFill>
+        <p:spPr bwMode="auto">
+          <a:xfrm>
+            <a:off x="1385889" y="2630230"/>
+            <a:ext cx="6433272" cy="2228850"/>
+          </a:xfrm>
+          <a:prstGeom prst="rect">
+            <a:avLst/>
+          </a:prstGeom>
+          <a:noFill/>
+          <a:ln w="9525">
+            <a:noFill/>
+            <a:miter lim="800000"/>
+            <a:headEnd/>
+            <a:tailEnd/>
+          </a:ln>
+        </p:spPr>
+      </p:pic>
+      <p:pic>
+        <p:nvPicPr>
+          <p:cNvPr id="3075" name="Picture 3"/>
+          <p:cNvPicPr>
+            <a:picLocks noChangeAspect="1" noChangeArrowheads="1"/>
+          </p:cNvPicPr>
+          <p:nvPr/>
+        </p:nvPicPr>
+        <p:blipFill>
+          <a:blip r:embed="rId3" cstate="print"/>
+          <a:srcRect/>
+          <a:stretch>
+            <a:fillRect/>
+          </a:stretch>
+        </p:blipFill>
+        <p:spPr bwMode="auto">
+          <a:xfrm>
+            <a:off x="877630" y="5275189"/>
+            <a:ext cx="3279701" cy="819925"/>
+          </a:xfrm>
+          <a:prstGeom prst="rect">
+            <a:avLst/>
+          </a:prstGeom>
+          <a:noFill/>
+          <a:ln w="9525">
+            <a:noFill/>
+            <a:miter lim="800000"/>
+            <a:headEnd/>
+            <a:tailEnd/>
+          </a:ln>
+        </p:spPr>
+      </p:pic>
+      <p:pic>
+        <p:nvPicPr>
+          <p:cNvPr id="3076" name="Picture 4"/>
+          <p:cNvPicPr>
+            <a:picLocks noChangeAspect="1" noChangeArrowheads="1"/>
+          </p:cNvPicPr>
+          <p:nvPr/>
+        </p:nvPicPr>
+        <p:blipFill>
+          <a:blip r:embed="rId4" cstate="print"/>
+          <a:srcRect/>
+          <a:stretch>
+            <a:fillRect/>
+          </a:stretch>
+        </p:blipFill>
+        <p:spPr bwMode="auto">
+          <a:xfrm>
+            <a:off x="5295014" y="5263397"/>
+            <a:ext cx="2423405" cy="829059"/>
+          </a:xfrm>
+          <a:prstGeom prst="rect">
+            <a:avLst/>
+          </a:prstGeom>
+          <a:noFill/>
+          <a:ln w="9525">
+            <a:noFill/>
+            <a:miter lim="800000"/>
+            <a:headEnd/>
+            <a:tailEnd/>
+          </a:ln>
+        </p:spPr>
+      </p:pic>
+      <p:sp>
+        <p:nvSpPr>
+          <p:cNvPr id="8" name="Right Arrow 7"/>
+          <p:cNvSpPr/>
+          <p:nvPr/>
+        </p:nvSpPr>
+        <p:spPr>
+          <a:xfrm>
+            <a:off x="4401879" y="5443869"/>
+            <a:ext cx="616688" cy="510363"/>
+          </a:xfrm>
+          <a:prstGeom prst="rightArrow">
+            <a:avLst/>
+          </a:prstGeom>
+        </p:spPr>
+        <p:style>
+          <a:lnRef idx="2">
+            <a:schemeClr val="accent1">
+              <a:shade val="50000"/>
+            </a:schemeClr>
+          </a:lnRef>
+          <a:fillRef idx="1">
+            <a:schemeClr val="accent1"/>
+          </a:fillRef>
+          <a:effectRef idx="0">
+            <a:schemeClr val="accent1"/>
+          </a:effectRef>
+          <a:fontRef idx="minor">
+            <a:schemeClr val="lt1"/>
+          </a:fontRef>
+        </p:style>
+        <p:txBody>
+          <a:bodyPr rtlCol="0" anchor="ctr"/>
+          <a:lstStyle/>
+          <a:p>
+            <a:pPr algn="ctr"/>
+            <a:endParaRPr lang="en-US"/>
+          </a:p>
+        </p:txBody>
+      </p:sp>
+    </p:spTree>
+  </p:cSld>
+  <p:clrMapOvr>
+    <a:masterClrMapping/>
+  </p:clrMapOvr>
+  <p:timing>
+    <p:tnLst>
+      <p:par>
+        <p:cTn id="1" dur="indefinite" restart="never" nodeType="tmRoot">
+          <p:childTnLst>
+            <p:seq concurrent="1" nextAc="seek">
+              <p:cTn id="2" dur="indefinite" nodeType="mainSeq">
+                <p:childTnLst>
+                  <p:par>
+                    <p:cTn id="3" fill="hold">
+                      <p:stCondLst>
+                        <p:cond delay="indefinite"/>
+                      </p:stCondLst>
+                      <p:childTnLst>
+                        <p:par>
+                          <p:cTn id="4" fill="hold">
+                            <p:stCondLst>
+                              <p:cond delay="0"/>
+                            </p:stCondLst>
+                            <p:childTnLst>
+                              <p:par>
+                                <p:cTn id="5" presetID="1" presetClass="entr" presetSubtype="0" fill="hold" grpId="0" nodeType="clickEffect">
+                                  <p:stCondLst>
+                                    <p:cond delay="0"/>
+                                  </p:stCondLst>
+                                  <p:childTnLst>
+                                    <p:set>
+                                      <p:cBhvr>
+                                        <p:cTn id="6" dur="1" fill="hold">
+                                          <p:stCondLst>
+                                            <p:cond delay="0"/>
+                                          </p:stCondLst>
+                                        </p:cTn>
+                                        <p:tgtEl>
+                                          <p:spTgt spid="4"/>
+                                        </p:tgtEl>
+                                        <p:attrNameLst>
+                                          <p:attrName>style.visibility</p:attrName>
+                                        </p:attrNameLst>
+                                      </p:cBhvr>
+                                      <p:to>
+                                        <p:strVal val="visible"/>
+                                      </p:to>
+                                    </p:set>
+                                  </p:childTnLst>
+                                </p:cTn>
+                              </p:par>
+                            </p:childTnLst>
+                          </p:cTn>
+                        </p:par>
+                      </p:childTnLst>
+                    </p:cTn>
+                  </p:par>
+                  <p:par>
+                    <p:cTn id="7" fill="hold">
+                      <p:stCondLst>
+                        <p:cond delay="indefinite"/>
+                      </p:stCondLst>
+                      <p:childTnLst>
+                        <p:par>
+                          <p:cTn id="8" fill="hold">
+                            <p:stCondLst>
+                              <p:cond delay="0"/>
+                            </p:stCondLst>
+                            <p:childTnLst>
+                              <p:par>
+                                <p:cTn id="9" presetID="1" presetClass="entr" presetSubtype="0" fill="hold" nodeType="clickEffect">
+                                  <p:stCondLst>
+                                    <p:cond delay="0"/>
+                                  </p:stCondLst>
+                                  <p:childTnLst>
+                                    <p:set>
+                                      <p:cBhvr>
+                                        <p:cTn id="10" dur="1" fill="hold">
+                                          <p:stCondLst>
+                                            <p:cond delay="0"/>
+                                          </p:stCondLst>
+                                        </p:cTn>
+                                        <p:tgtEl>
+                                          <p:spTgt spid="3074"/>
+                                        </p:tgtEl>
+                                        <p:attrNameLst>
+                                          <p:attrName>style.visibility</p:attrName>
+                                        </p:attrNameLst>
+                                      </p:cBhvr>
+                                      <p:to>
+                                        <p:strVal val="visible"/>
+                                      </p:to>
+                                    </p:set>
+                                  </p:childTnLst>
+                                </p:cTn>
+                              </p:par>
+                            </p:childTnLst>
+                          </p:cTn>
+                        </p:par>
+                      </p:childTnLst>
+                    </p:cTn>
+                  </p:par>
+                  <p:par>
+                    <p:cTn id="11" fill="hold">
+                      <p:stCondLst>
+                        <p:cond delay="indefinite"/>
+                      </p:stCondLst>
+                      <p:childTnLst>
+                        <p:par>
+                          <p:cTn id="12" fill="hold">
+                            <p:stCondLst>
+                              <p:cond delay="0"/>
+                            </p:stCondLst>
+                            <p:childTnLst>
+                              <p:par>
+                                <p:cTn id="13" presetID="1" presetClass="entr" presetSubtype="0" fill="hold" nodeType="clickEffect">
+                                  <p:stCondLst>
+                                    <p:cond delay="0"/>
+                                  </p:stCondLst>
+                                  <p:childTnLst>
+                                    <p:set>
+                                      <p:cBhvr>
+                                        <p:cTn id="14" dur="1" fill="hold">
+                                          <p:stCondLst>
+                                            <p:cond delay="0"/>
+                                          </p:stCondLst>
+                                        </p:cTn>
+                                        <p:tgtEl>
+                                          <p:spTgt spid="3075"/>
+                                        </p:tgtEl>
+                                        <p:attrNameLst>
+                                          <p:attrName>style.visibility</p:attrName>
+                                        </p:attrNameLst>
+                                      </p:cBhvr>
+                                      <p:to>
+                                        <p:strVal val="visible"/>
+                                      </p:to>
+                                    </p:set>
+                                  </p:childTnLst>
+                                </p:cTn>
+                              </p:par>
+                            </p:childTnLst>
+                          </p:cTn>
+                        </p:par>
+                      </p:childTnLst>
+                    </p:cTn>
+                  </p:par>
+                  <p:par>
+                    <p:cTn id="15" fill="hold">
+                      <p:stCondLst>
+                        <p:cond delay="indefinite"/>
+                      </p:stCondLst>
+                      <p:childTnLst>
+                        <p:par>
+                          <p:cTn id="16" fill="hold">
+                            <p:stCondLst>
+                              <p:cond delay="0"/>
+                            </p:stCondLst>
+                            <p:childTnLst>
+                              <p:par>
+                                <p:cTn id="17" presetID="1" presetClass="entr" presetSubtype="0" fill="hold" grpId="0" nodeType="clickEffect">
+                                  <p:stCondLst>
+                                    <p:cond delay="0"/>
+                                  </p:stCondLst>
+                                  <p:childTnLst>
+                                    <p:set>
+                                      <p:cBhvr>
+                                        <p:cTn id="18" dur="1" fill="hold">
+                                          <p:stCondLst>
+                                            <p:cond delay="0"/>
+                                          </p:stCondLst>
+                                        </p:cTn>
+                                        <p:tgtEl>
+                                          <p:spTgt spid="8"/>
+                                        </p:tgtEl>
+                                        <p:attrNameLst>
+                                          <p:attrName>style.visibility</p:attrName>
+                                        </p:attrNameLst>
+                                      </p:cBhvr>
+                                      <p:to>
+                                        <p:strVal val="visible"/>
+                                      </p:to>
+                                    </p:set>
+                                  </p:childTnLst>
+                                </p:cTn>
+                              </p:par>
+                              <p:par>
+                                <p:cTn id="19" presetID="1" presetClass="entr" presetSubtype="0" fill="hold" nodeType="withEffect">
+                                  <p:stCondLst>
+                                    <p:cond delay="0"/>
+                                  </p:stCondLst>
+                                  <p:childTnLst>
+                                    <p:set>
+                                      <p:cBhvr>
+                                        <p:cTn id="20" dur="1" fill="hold">
+                                          <p:stCondLst>
+                                            <p:cond delay="0"/>
+                                          </p:stCondLst>
+                                        </p:cTn>
+                                        <p:tgtEl>
+                                          <p:spTgt spid="3076"/>
+                                        </p:tgtEl>
+                                        <p:attrNameLst>
+                                          <p:attrName>style.visibility</p:attrName>
+                                        </p:attrNameLst>
+                                      </p:cBhvr>
+                                      <p:to>
+                                        <p:strVal val="visible"/>
+                                      </p:to>
+                                    </p:set>
+                                  </p:childTnLst>
+                                </p:cTn>
+                              </p:par>
+                            </p:childTnLst>
+                          </p:cTn>
+                        </p:par>
+                      </p:childTnLst>
+                    </p:cTn>
+                  </p:par>
+                </p:childTnLst>
+              </p:cTn>
+              <p:prevCondLst>
+                <p:cond evt="onPrev" delay="0">
+                  <p:tgtEl>
+                    <p:sldTgt/>
+                  </p:tgtEl>
+                </p:cond>
+              </p:prevCondLst>
+              <p:nextCondLst>
+                <p:cond evt="onNext" delay="0">
+                  <p:tgtEl>
+                    <p:sldTgt/>
+                  </p:tgtEl>
+                </p:cond>
+              </p:nextCondLst>
+            </p:seq>
+          </p:childTnLst>
+        </p:cTn>
+      </p:par>
+    </p:tnLst>
+    <p:bldLst>
+      <p:bldP spid="4" grpId="0"/>
+      <p:bldP spid="8" grpId="0" animBg="1"/>
+    </p:bldLst>
+  </p:timing>
+</p:sld>
+</file>
+
+<file path=ppt/slides/slide23.xml><?xml version="1.0" encoding="utf-8"?>
+<p:sld xmlns:a="http://schemas.openxmlformats.org/drawingml/2006/main" xmlns:r="http://schemas.openxmlformats.org/officeDocument/2006/relationships" xmlns:p="http://schemas.openxmlformats.org/presentationml/2006/main">
+  <p:cSld>
+    <p:spTree>
+      <p:nvGrpSpPr>
+        <p:cNvPr id="1" name=""/>
+        <p:cNvGrpSpPr/>
+        <p:nvPr/>
+      </p:nvGrpSpPr>
+      <p:grpSpPr>
+        <a:xfrm>
+          <a:off x="0" y="0"/>
+          <a:ext cx="0" cy="0"/>
+          <a:chOff x="0" y="0"/>
+          <a:chExt cx="0" cy="0"/>
+        </a:xfrm>
+      </p:grpSpPr>
+      <p:sp>
+        <p:nvSpPr>
+          <p:cNvPr id="2" name="Title 1"/>
+          <p:cNvSpPr>
+            <a:spLocks noGrp="1"/>
+          </p:cNvSpPr>
+          <p:nvPr>
+            <p:ph type="title"/>
+          </p:nvPr>
+        </p:nvSpPr>
+        <p:spPr/>
+        <p:txBody>
+          <a:bodyPr/>
+          <a:lstStyle/>
+          <a:p>
+            <a:r>
+              <a:rPr lang="en-US" dirty="0" smtClean="0"/>
+              <a:t>_MAT.mac : Standard Material Properties</a:t>
+            </a:r>
+            <a:endParaRPr lang="en-US" dirty="0"/>
+          </a:p>
+        </p:txBody>
+      </p:sp>
+      <p:sp>
+        <p:nvSpPr>
+          <p:cNvPr id="3" name="TextBox 2"/>
+          <p:cNvSpPr txBox="1"/>
+          <p:nvPr/>
+        </p:nvSpPr>
+        <p:spPr>
+          <a:xfrm>
+            <a:off x="0" y="879895"/>
+            <a:ext cx="9144000" cy="923330"/>
+          </a:xfrm>
+          <a:prstGeom prst="rect">
+            <a:avLst/>
+          </a:prstGeom>
+          <a:noFill/>
+        </p:spPr>
+        <p:txBody>
+          <a:bodyPr wrap="square" rtlCol="0">
+            <a:spAutoFit/>
+          </a:bodyPr>
+          <a:lstStyle/>
+          <a:p>
+            <a:r>
+              <a:rPr lang="en-US" sz="5400" dirty="0" smtClean="0"/>
+              <a:t>_MAT,</a:t>
+            </a:r>
+            <a:r>
+              <a:rPr lang="en-US" sz="2000" dirty="0" smtClean="0"/>
+              <a:t> &lt;standard material number&gt;, &lt;assigned number (optional)&gt;</a:t>
+            </a:r>
+            <a:r>
+              <a:rPr lang="en-US" sz="5400" dirty="0" smtClean="0"/>
+              <a:t> </a:t>
+            </a:r>
+            <a:endParaRPr lang="en-US" sz="5400" dirty="0"/>
+          </a:p>
+        </p:txBody>
+      </p:sp>
+      <p:sp>
+        <p:nvSpPr>
+          <p:cNvPr id="4" name="TextBox 3"/>
+          <p:cNvSpPr txBox="1"/>
+          <p:nvPr/>
+        </p:nvSpPr>
+        <p:spPr>
+          <a:xfrm>
+            <a:off x="4226944" y="845389"/>
+            <a:ext cx="4917056" cy="338554"/>
+          </a:xfrm>
+          <a:prstGeom prst="rect">
+            <a:avLst/>
+          </a:prstGeom>
+          <a:noFill/>
+        </p:spPr>
+        <p:txBody>
+          <a:bodyPr wrap="square" rtlCol="0">
+            <a:spAutoFit/>
+          </a:bodyPr>
+          <a:lstStyle/>
+          <a:p>
+            <a:pPr algn="r"/>
+            <a:r>
+              <a:rPr lang="en-US" sz="1600" dirty="0" smtClean="0"/>
+              <a:t>“Think: </a:t>
+            </a:r>
+            <a:r>
+              <a:rPr lang="en-US" sz="1600" dirty="0" smtClean="0"/>
+              <a:t>Um, </a:t>
+            </a:r>
+            <a:r>
+              <a:rPr lang="en-US" sz="1600" dirty="0" smtClean="0">
+                <a:solidFill>
+                  <a:schemeClr val="accent6">
+                    <a:lumMod val="75000"/>
+                  </a:schemeClr>
+                </a:solidFill>
+              </a:rPr>
+              <a:t>Mat</a:t>
+            </a:r>
+            <a:r>
+              <a:rPr lang="en-US" sz="1600" dirty="0" smtClean="0"/>
+              <a:t>erial”</a:t>
+            </a:r>
+            <a:endParaRPr lang="en-US" sz="1600" dirty="0"/>
+          </a:p>
+        </p:txBody>
+      </p:sp>
+      <p:sp>
+        <p:nvSpPr>
+          <p:cNvPr id="5" name="TextBox 4"/>
+          <p:cNvSpPr txBox="1"/>
+          <p:nvPr/>
+        </p:nvSpPr>
+        <p:spPr>
+          <a:xfrm>
+            <a:off x="284669" y="1837426"/>
+            <a:ext cx="8074326" cy="369332"/>
+          </a:xfrm>
+          <a:prstGeom prst="rect">
+            <a:avLst/>
+          </a:prstGeom>
+          <a:noFill/>
+        </p:spPr>
+        <p:txBody>
+          <a:bodyPr wrap="square" rtlCol="0">
+            <a:spAutoFit/>
+          </a:bodyPr>
+          <a:lstStyle/>
+          <a:p>
+            <a:r>
+              <a:rPr lang="en-US" dirty="0" smtClean="0"/>
+              <a:t>Creates standard MP (Materials Property) commands for common materials </a:t>
+            </a:r>
+            <a:endParaRPr lang="en-US" dirty="0"/>
+          </a:p>
+        </p:txBody>
+      </p:sp>
+      <p:sp>
+        <p:nvSpPr>
+          <p:cNvPr id="6" name="TextBox 5"/>
+          <p:cNvSpPr txBox="1"/>
+          <p:nvPr/>
+        </p:nvSpPr>
+        <p:spPr>
+          <a:xfrm>
+            <a:off x="341376" y="2255640"/>
+            <a:ext cx="2795229" cy="369332"/>
+          </a:xfrm>
+          <a:prstGeom prst="rect">
+            <a:avLst/>
+          </a:prstGeom>
+          <a:noFill/>
+        </p:spPr>
+        <p:txBody>
+          <a:bodyPr wrap="square" rtlCol="0">
+            <a:spAutoFit/>
+          </a:bodyPr>
+          <a:lstStyle/>
+          <a:p>
+            <a:r>
+              <a:rPr lang="en-US" dirty="0" smtClean="0"/>
+              <a:t>No strength data included</a:t>
+            </a:r>
+            <a:endParaRPr lang="en-US" dirty="0"/>
+          </a:p>
+        </p:txBody>
+      </p:sp>
+      <p:sp>
+        <p:nvSpPr>
+          <p:cNvPr id="7" name="TextBox 6"/>
+          <p:cNvSpPr txBox="1"/>
+          <p:nvPr/>
+        </p:nvSpPr>
+        <p:spPr>
+          <a:xfrm>
+            <a:off x="3189767" y="2275367"/>
+            <a:ext cx="5826642" cy="523220"/>
+          </a:xfrm>
+          <a:prstGeom prst="rect">
+            <a:avLst/>
+          </a:prstGeom>
+          <a:noFill/>
+          <a:ln>
+            <a:noFill/>
+          </a:ln>
+        </p:spPr>
+        <p:txBody>
+          <a:bodyPr wrap="square" rtlCol="0">
+            <a:spAutoFit/>
+          </a:bodyPr>
+          <a:lstStyle/>
+          <a:p>
+            <a:r>
+              <a:rPr lang="en-US" sz="1400" dirty="0" err="1" smtClean="0"/>
+              <a:t>Ansys</a:t>
+            </a:r>
+            <a:r>
+              <a:rPr lang="en-US" sz="1400" dirty="0" smtClean="0"/>
+              <a:t> will only allow you to include strength data for a limited number of materials.</a:t>
+            </a:r>
+            <a:endParaRPr lang="en-US" sz="1400" dirty="0" smtClean="0"/>
+          </a:p>
+        </p:txBody>
+      </p:sp>
+      <p:pic>
+        <p:nvPicPr>
+          <p:cNvPr id="4098" name="Picture 2"/>
+          <p:cNvPicPr>
+            <a:picLocks noChangeAspect="1" noChangeArrowheads="1"/>
+          </p:cNvPicPr>
+          <p:nvPr/>
+        </p:nvPicPr>
+        <p:blipFill>
+          <a:blip r:embed="rId2" cstate="print"/>
+          <a:srcRect/>
+          <a:stretch>
+            <a:fillRect/>
+          </a:stretch>
+        </p:blipFill>
+        <p:spPr bwMode="auto">
+          <a:xfrm>
+            <a:off x="347331" y="3255890"/>
+            <a:ext cx="4417675" cy="1879636"/>
+          </a:xfrm>
+          <a:prstGeom prst="rect">
+            <a:avLst/>
+          </a:prstGeom>
+          <a:noFill/>
+          <a:ln w="9525">
+            <a:noFill/>
+            <a:miter lim="800000"/>
+            <a:headEnd/>
+            <a:tailEnd/>
+          </a:ln>
+        </p:spPr>
+      </p:pic>
+      <p:sp>
+        <p:nvSpPr>
+          <p:cNvPr id="9" name="TextBox 8"/>
+          <p:cNvSpPr txBox="1"/>
+          <p:nvPr/>
+        </p:nvSpPr>
+        <p:spPr>
+          <a:xfrm>
+            <a:off x="297715" y="2945219"/>
+            <a:ext cx="2519916" cy="307777"/>
+          </a:xfrm>
+          <a:prstGeom prst="rect">
+            <a:avLst/>
+          </a:prstGeom>
+          <a:noFill/>
+          <a:ln>
+            <a:noFill/>
+          </a:ln>
+        </p:spPr>
+        <p:txBody>
+          <a:bodyPr wrap="square" rtlCol="0">
+            <a:spAutoFit/>
+          </a:bodyPr>
+          <a:lstStyle/>
+          <a:p>
+            <a:r>
+              <a:rPr lang="en-US" sz="1400" dirty="0" smtClean="0"/>
+              <a:t>What’s Currently Included:</a:t>
+            </a:r>
+            <a:endParaRPr lang="en-US" sz="1400" dirty="0" smtClean="0"/>
+          </a:p>
+        </p:txBody>
+      </p:sp>
+      <p:sp>
+        <p:nvSpPr>
+          <p:cNvPr id="10" name="TextBox 9"/>
+          <p:cNvSpPr txBox="1"/>
+          <p:nvPr/>
+        </p:nvSpPr>
+        <p:spPr>
+          <a:xfrm>
+            <a:off x="191386" y="5209954"/>
+            <a:ext cx="4667694" cy="830997"/>
+          </a:xfrm>
+          <a:prstGeom prst="rect">
+            <a:avLst/>
+          </a:prstGeom>
+          <a:noFill/>
+          <a:ln>
+            <a:noFill/>
+          </a:ln>
+        </p:spPr>
+        <p:txBody>
+          <a:bodyPr wrap="square" rtlCol="0">
+            <a:spAutoFit/>
+          </a:bodyPr>
+          <a:lstStyle/>
+          <a:p>
+            <a:r>
+              <a:rPr lang="en-US" sz="1600" dirty="0" smtClean="0"/>
+              <a:t>Note that if you want to scale the densities of any material, you can do so by setting the </a:t>
+            </a:r>
+            <a:r>
+              <a:rPr lang="en-US" sz="1600" dirty="0" err="1" smtClean="0"/>
+              <a:t>mFactor</a:t>
+            </a:r>
+            <a:r>
+              <a:rPr lang="en-US" sz="1600" dirty="0" smtClean="0"/>
+              <a:t> parameter</a:t>
+            </a:r>
+            <a:endParaRPr lang="en-US" sz="1600" dirty="0" smtClean="0"/>
+          </a:p>
+        </p:txBody>
+      </p:sp>
+      <p:pic>
+        <p:nvPicPr>
+          <p:cNvPr id="4099" name="Picture 3"/>
+          <p:cNvPicPr>
+            <a:picLocks noChangeAspect="1" noChangeArrowheads="1"/>
+          </p:cNvPicPr>
+          <p:nvPr/>
+        </p:nvPicPr>
+        <p:blipFill>
+          <a:blip r:embed="rId3" cstate="print"/>
+          <a:srcRect/>
+          <a:stretch>
+            <a:fillRect/>
+          </a:stretch>
+        </p:blipFill>
+        <p:spPr bwMode="auto">
+          <a:xfrm>
+            <a:off x="6163672" y="2835903"/>
+            <a:ext cx="1133475" cy="314325"/>
+          </a:xfrm>
+          <a:prstGeom prst="rect">
+            <a:avLst/>
+          </a:prstGeom>
+          <a:noFill/>
+          <a:ln w="9525">
+            <a:noFill/>
+            <a:miter lim="800000"/>
+            <a:headEnd/>
+            <a:tailEnd/>
+          </a:ln>
+        </p:spPr>
+      </p:pic>
+      <p:pic>
+        <p:nvPicPr>
+          <p:cNvPr id="4100" name="Picture 4"/>
+          <p:cNvPicPr>
+            <a:picLocks noChangeAspect="1" noChangeArrowheads="1"/>
+          </p:cNvPicPr>
+          <p:nvPr/>
+        </p:nvPicPr>
+        <p:blipFill>
+          <a:blip r:embed="rId4" cstate="print"/>
+          <a:srcRect/>
+          <a:stretch>
+            <a:fillRect/>
+          </a:stretch>
+        </p:blipFill>
+        <p:spPr bwMode="auto">
+          <a:xfrm>
+            <a:off x="5124893" y="3792654"/>
+            <a:ext cx="3413052" cy="1452137"/>
+          </a:xfrm>
+          <a:prstGeom prst="rect">
+            <a:avLst/>
+          </a:prstGeom>
+          <a:noFill/>
+          <a:ln w="9525">
+            <a:noFill/>
+            <a:miter lim="800000"/>
+            <a:headEnd/>
+            <a:tailEnd/>
+          </a:ln>
+        </p:spPr>
+      </p:pic>
+      <p:sp>
+        <p:nvSpPr>
+          <p:cNvPr id="13" name="Down Arrow 12"/>
+          <p:cNvSpPr/>
+          <p:nvPr/>
+        </p:nvSpPr>
+        <p:spPr>
+          <a:xfrm>
+            <a:off x="6347637" y="3253561"/>
+            <a:ext cx="797442" cy="404037"/>
+          </a:xfrm>
+          <a:prstGeom prst="downArrow">
+            <a:avLst/>
+          </a:prstGeom>
+        </p:spPr>
+        <p:style>
+          <a:lnRef idx="2">
+            <a:schemeClr val="accent1">
+              <a:shade val="50000"/>
+            </a:schemeClr>
+          </a:lnRef>
+          <a:fillRef idx="1">
+            <a:schemeClr val="accent1"/>
+          </a:fillRef>
+          <a:effectRef idx="0">
+            <a:schemeClr val="accent1"/>
+          </a:effectRef>
+          <a:fontRef idx="minor">
+            <a:schemeClr val="lt1"/>
+          </a:fontRef>
+        </p:style>
+        <p:txBody>
+          <a:bodyPr rtlCol="0" anchor="ctr"/>
+          <a:lstStyle/>
+          <a:p>
+            <a:pPr algn="ctr"/>
+            <a:endParaRPr lang="en-US"/>
+          </a:p>
+        </p:txBody>
+      </p:sp>
+      <p:sp>
+        <p:nvSpPr>
+          <p:cNvPr id="14" name="TextBox 13"/>
+          <p:cNvSpPr txBox="1"/>
+          <p:nvPr/>
+        </p:nvSpPr>
+        <p:spPr>
+          <a:xfrm>
+            <a:off x="4880344" y="5422604"/>
+            <a:ext cx="3795823" cy="584775"/>
+          </a:xfrm>
+          <a:prstGeom prst="rect">
+            <a:avLst/>
+          </a:prstGeom>
+          <a:ln/>
+        </p:spPr>
+        <p:style>
+          <a:lnRef idx="1">
+            <a:schemeClr val="accent2"/>
+          </a:lnRef>
+          <a:fillRef idx="3">
+            <a:schemeClr val="accent2"/>
+          </a:fillRef>
+          <a:effectRef idx="2">
+            <a:schemeClr val="accent2"/>
+          </a:effectRef>
+          <a:fontRef idx="minor">
+            <a:schemeClr val="lt1"/>
+          </a:fontRef>
+        </p:style>
+        <p:txBody>
+          <a:bodyPr wrap="square" rtlCol="0">
+            <a:spAutoFit/>
+          </a:bodyPr>
+          <a:lstStyle/>
+          <a:p>
+            <a:pPr algn="ctr"/>
+            <a:r>
+              <a:rPr lang="en-US" sz="1600" dirty="0" smtClean="0"/>
+              <a:t>Implantation Question:</a:t>
+            </a:r>
+          </a:p>
+          <a:p>
+            <a:pPr algn="ctr"/>
+            <a:r>
+              <a:rPr lang="en-US" sz="1600" dirty="0" smtClean="0"/>
+              <a:t>Would you rather see something like</a:t>
+            </a:r>
+            <a:endParaRPr lang="en-US" sz="1600" dirty="0" smtClean="0"/>
+          </a:p>
+        </p:txBody>
+      </p:sp>
+      <p:pic>
+        <p:nvPicPr>
+          <p:cNvPr id="4101" name="Picture 5"/>
+          <p:cNvPicPr>
+            <a:picLocks noChangeAspect="1" noChangeArrowheads="1"/>
+          </p:cNvPicPr>
+          <p:nvPr/>
+        </p:nvPicPr>
+        <p:blipFill>
+          <a:blip r:embed="rId5" cstate="print"/>
+          <a:srcRect/>
+          <a:stretch>
+            <a:fillRect/>
+          </a:stretch>
+        </p:blipFill>
+        <p:spPr bwMode="auto">
+          <a:xfrm>
+            <a:off x="5482744" y="6137535"/>
+            <a:ext cx="2206443" cy="486549"/>
+          </a:xfrm>
+          <a:prstGeom prst="rect">
+            <a:avLst/>
+          </a:prstGeom>
+          <a:noFill/>
+          <a:ln w="9525">
+            <a:noFill/>
+            <a:miter lim="800000"/>
+            <a:headEnd/>
+            <a:tailEnd/>
+          </a:ln>
+        </p:spPr>
+      </p:pic>
+    </p:spTree>
+  </p:cSld>
+  <p:clrMapOvr>
+    <a:masterClrMapping/>
+  </p:clrMapOvr>
+  <p:timing>
+    <p:tnLst>
+      <p:par>
+        <p:cTn id="1" dur="indefinite" restart="never" nodeType="tmRoot">
+          <p:childTnLst>
+            <p:seq concurrent="1" nextAc="seek">
+              <p:cTn id="2" dur="indefinite" nodeType="mainSeq">
+                <p:childTnLst>
+                  <p:par>
+                    <p:cTn id="3" fill="hold">
+                      <p:stCondLst>
+                        <p:cond delay="indefinite"/>
+                      </p:stCondLst>
+                      <p:childTnLst>
+                        <p:par>
+                          <p:cTn id="4" fill="hold">
+                            <p:stCondLst>
+                              <p:cond delay="0"/>
+                            </p:stCondLst>
+                            <p:childTnLst>
+                              <p:par>
+                                <p:cTn id="5" presetID="1" presetClass="entr" presetSubtype="0" fill="hold" grpId="0" nodeType="clickEffect">
+                                  <p:stCondLst>
+                                    <p:cond delay="0"/>
+                                  </p:stCondLst>
+                                  <p:childTnLst>
+                                    <p:set>
+                                      <p:cBhvr>
+                                        <p:cTn id="6" dur="1" fill="hold">
+                                          <p:stCondLst>
+                                            <p:cond delay="0"/>
+                                          </p:stCondLst>
+                                        </p:cTn>
+                                        <p:tgtEl>
+                                          <p:spTgt spid="4"/>
+                                        </p:tgtEl>
+                                        <p:attrNameLst>
+                                          <p:attrName>style.visibility</p:attrName>
+                                        </p:attrNameLst>
+                                      </p:cBhvr>
+                                      <p:to>
+                                        <p:strVal val="visible"/>
+                                      </p:to>
+                                    </p:set>
+                                  </p:childTnLst>
+                                </p:cTn>
+                              </p:par>
+                            </p:childTnLst>
+                          </p:cTn>
+                        </p:par>
+                      </p:childTnLst>
+                    </p:cTn>
+                  </p:par>
+                  <p:par>
+                    <p:cTn id="7" fill="hold">
+                      <p:stCondLst>
+                        <p:cond delay="indefinite"/>
+                      </p:stCondLst>
+                      <p:childTnLst>
+                        <p:par>
+                          <p:cTn id="8" fill="hold">
+                            <p:stCondLst>
+                              <p:cond delay="0"/>
+                            </p:stCondLst>
+                            <p:childTnLst>
+                              <p:par>
+                                <p:cTn id="9" presetID="1" presetClass="entr" presetSubtype="0" fill="hold" grpId="0" nodeType="clickEffect">
+                                  <p:stCondLst>
+                                    <p:cond delay="0"/>
+                                  </p:stCondLst>
+                                  <p:childTnLst>
+                                    <p:set>
+                                      <p:cBhvr>
+                                        <p:cTn id="10" dur="1" fill="hold">
+                                          <p:stCondLst>
+                                            <p:cond delay="0"/>
+                                          </p:stCondLst>
+                                        </p:cTn>
+                                        <p:tgtEl>
+                                          <p:spTgt spid="5"/>
+                                        </p:tgtEl>
+                                        <p:attrNameLst>
+                                          <p:attrName>style.visibility</p:attrName>
+                                        </p:attrNameLst>
+                                      </p:cBhvr>
+                                      <p:to>
+                                        <p:strVal val="visible"/>
+                                      </p:to>
+                                    </p:set>
+                                  </p:childTnLst>
+                                </p:cTn>
+                              </p:par>
+                            </p:childTnLst>
+                          </p:cTn>
+                        </p:par>
+                      </p:childTnLst>
+                    </p:cTn>
+                  </p:par>
+                  <p:par>
+                    <p:cTn id="11" fill="hold">
+                      <p:stCondLst>
+                        <p:cond delay="indefinite"/>
+                      </p:stCondLst>
+                      <p:childTnLst>
+                        <p:par>
+                          <p:cTn id="12" fill="hold">
+                            <p:stCondLst>
+                              <p:cond delay="0"/>
+                            </p:stCondLst>
+                            <p:childTnLst>
+                              <p:par>
+                                <p:cTn id="13" presetID="1" presetClass="entr" presetSubtype="0" fill="hold" grpId="0" nodeType="clickEffect">
+                                  <p:stCondLst>
+                                    <p:cond delay="0"/>
+                                  </p:stCondLst>
+                                  <p:childTnLst>
+                                    <p:set>
+                                      <p:cBhvr>
+                                        <p:cTn id="14" dur="1" fill="hold">
+                                          <p:stCondLst>
+                                            <p:cond delay="0"/>
+                                          </p:stCondLst>
+                                        </p:cTn>
+                                        <p:tgtEl>
+                                          <p:spTgt spid="6"/>
+                                        </p:tgtEl>
+                                        <p:attrNameLst>
+                                          <p:attrName>style.visibility</p:attrName>
+                                        </p:attrNameLst>
+                                      </p:cBhvr>
+                                      <p:to>
+                                        <p:strVal val="visible"/>
+                                      </p:to>
+                                    </p:set>
+                                  </p:childTnLst>
+                                </p:cTn>
+                              </p:par>
+                              <p:par>
+                                <p:cTn id="15" presetID="1" presetClass="entr" presetSubtype="0" fill="hold" grpId="0" nodeType="withEffect">
+                                  <p:stCondLst>
+                                    <p:cond delay="0"/>
+                                  </p:stCondLst>
+                                  <p:childTnLst>
+                                    <p:set>
+                                      <p:cBhvr>
+                                        <p:cTn id="16" dur="1" fill="hold">
+                                          <p:stCondLst>
+                                            <p:cond delay="0"/>
+                                          </p:stCondLst>
+                                        </p:cTn>
+                                        <p:tgtEl>
+                                          <p:spTgt spid="7"/>
+                                        </p:tgtEl>
+                                        <p:attrNameLst>
+                                          <p:attrName>style.visibility</p:attrName>
+                                        </p:attrNameLst>
+                                      </p:cBhvr>
+                                      <p:to>
+                                        <p:strVal val="visible"/>
+                                      </p:to>
+                                    </p:set>
+                                  </p:childTnLst>
+                                </p:cTn>
+                              </p:par>
+                            </p:childTnLst>
+                          </p:cTn>
+                        </p:par>
+                      </p:childTnLst>
+                    </p:cTn>
+                  </p:par>
+                  <p:par>
+                    <p:cTn id="17" fill="hold">
+                      <p:stCondLst>
+                        <p:cond delay="indefinite"/>
+                      </p:stCondLst>
+                      <p:childTnLst>
+                        <p:par>
+                          <p:cTn id="18" fill="hold">
+                            <p:stCondLst>
+                              <p:cond delay="0"/>
+                            </p:stCondLst>
+                            <p:childTnLst>
+                              <p:par>
+                                <p:cTn id="19" presetID="1" presetClass="entr" presetSubtype="0" fill="hold" nodeType="clickEffect">
+                                  <p:stCondLst>
+                                    <p:cond delay="0"/>
+                                  </p:stCondLst>
+                                  <p:childTnLst>
+                                    <p:set>
+                                      <p:cBhvr>
+                                        <p:cTn id="20" dur="1" fill="hold">
+                                          <p:stCondLst>
+                                            <p:cond delay="0"/>
+                                          </p:stCondLst>
+                                        </p:cTn>
+                                        <p:tgtEl>
+                                          <p:spTgt spid="4098"/>
+                                        </p:tgtEl>
+                                        <p:attrNameLst>
+                                          <p:attrName>style.visibility</p:attrName>
+                                        </p:attrNameLst>
+                                      </p:cBhvr>
+                                      <p:to>
+                                        <p:strVal val="visible"/>
+                                      </p:to>
+                                    </p:set>
+                                  </p:childTnLst>
+                                </p:cTn>
+                              </p:par>
+                              <p:par>
+                                <p:cTn id="21" presetID="1" presetClass="entr" presetSubtype="0" fill="hold" grpId="0" nodeType="withEffect">
+                                  <p:stCondLst>
+                                    <p:cond delay="0"/>
+                                  </p:stCondLst>
+                                  <p:childTnLst>
+                                    <p:set>
+                                      <p:cBhvr>
+                                        <p:cTn id="22" dur="1" fill="hold">
+                                          <p:stCondLst>
+                                            <p:cond delay="0"/>
+                                          </p:stCondLst>
+                                        </p:cTn>
+                                        <p:tgtEl>
+                                          <p:spTgt spid="9"/>
+                                        </p:tgtEl>
+                                        <p:attrNameLst>
+                                          <p:attrName>style.visibility</p:attrName>
+                                        </p:attrNameLst>
+                                      </p:cBhvr>
+                                      <p:to>
+                                        <p:strVal val="visible"/>
+                                      </p:to>
+                                    </p:set>
+                                  </p:childTnLst>
+                                </p:cTn>
+                              </p:par>
+                              <p:par>
+                                <p:cTn id="23" presetID="1" presetClass="entr" presetSubtype="0" fill="hold" grpId="0" nodeType="withEffect">
+                                  <p:stCondLst>
+                                    <p:cond delay="0"/>
+                                  </p:stCondLst>
+                                  <p:childTnLst>
+                                    <p:set>
+                                      <p:cBhvr>
+                                        <p:cTn id="24" dur="1" fill="hold">
+                                          <p:stCondLst>
+                                            <p:cond delay="0"/>
+                                          </p:stCondLst>
+                                        </p:cTn>
+                                        <p:tgtEl>
+                                          <p:spTgt spid="10"/>
+                                        </p:tgtEl>
+                                        <p:attrNameLst>
+                                          <p:attrName>style.visibility</p:attrName>
+                                        </p:attrNameLst>
+                                      </p:cBhvr>
+                                      <p:to>
+                                        <p:strVal val="visible"/>
+                                      </p:to>
+                                    </p:set>
+                                  </p:childTnLst>
+                                </p:cTn>
+                              </p:par>
+                            </p:childTnLst>
+                          </p:cTn>
+                        </p:par>
+                      </p:childTnLst>
+                    </p:cTn>
+                  </p:par>
+                  <p:par>
+                    <p:cTn id="25" fill="hold">
+                      <p:stCondLst>
+                        <p:cond delay="indefinite"/>
+                      </p:stCondLst>
+                      <p:childTnLst>
+                        <p:par>
+                          <p:cTn id="26" fill="hold">
+                            <p:stCondLst>
+                              <p:cond delay="0"/>
+                            </p:stCondLst>
+                            <p:childTnLst>
+                              <p:par>
+                                <p:cTn id="27" presetID="1" presetClass="entr" presetSubtype="0" fill="hold" nodeType="clickEffect">
+                                  <p:stCondLst>
+                                    <p:cond delay="0"/>
+                                  </p:stCondLst>
+                                  <p:childTnLst>
+                                    <p:set>
+                                      <p:cBhvr>
+                                        <p:cTn id="28" dur="1" fill="hold">
+                                          <p:stCondLst>
+                                            <p:cond delay="0"/>
+                                          </p:stCondLst>
+                                        </p:cTn>
+                                        <p:tgtEl>
+                                          <p:spTgt spid="4100"/>
+                                        </p:tgtEl>
+                                        <p:attrNameLst>
+                                          <p:attrName>style.visibility</p:attrName>
+                                        </p:attrNameLst>
+                                      </p:cBhvr>
+                                      <p:to>
+                                        <p:strVal val="visible"/>
+                                      </p:to>
+                                    </p:set>
+                                  </p:childTnLst>
+                                </p:cTn>
+                              </p:par>
+                              <p:par>
+                                <p:cTn id="29" presetID="1" presetClass="entr" presetSubtype="0" fill="hold" grpId="0" nodeType="withEffect">
+                                  <p:stCondLst>
+                                    <p:cond delay="0"/>
+                                  </p:stCondLst>
+                                  <p:childTnLst>
+                                    <p:set>
+                                      <p:cBhvr>
+                                        <p:cTn id="30" dur="1" fill="hold">
+                                          <p:stCondLst>
+                                            <p:cond delay="0"/>
+                                          </p:stCondLst>
+                                        </p:cTn>
+                                        <p:tgtEl>
+                                          <p:spTgt spid="13"/>
+                                        </p:tgtEl>
+                                        <p:attrNameLst>
+                                          <p:attrName>style.visibility</p:attrName>
+                                        </p:attrNameLst>
+                                      </p:cBhvr>
+                                      <p:to>
+                                        <p:strVal val="visible"/>
+                                      </p:to>
+                                    </p:set>
+                                  </p:childTnLst>
+                                </p:cTn>
+                              </p:par>
+                              <p:par>
+                                <p:cTn id="31" presetID="1" presetClass="entr" presetSubtype="0" fill="hold" nodeType="withEffect">
+                                  <p:stCondLst>
+                                    <p:cond delay="0"/>
+                                  </p:stCondLst>
+                                  <p:childTnLst>
+                                    <p:set>
+                                      <p:cBhvr>
+                                        <p:cTn id="32" dur="1" fill="hold">
+                                          <p:stCondLst>
+                                            <p:cond delay="0"/>
+                                          </p:stCondLst>
+                                        </p:cTn>
+                                        <p:tgtEl>
+                                          <p:spTgt spid="4099"/>
+                                        </p:tgtEl>
+                                        <p:attrNameLst>
+                                          <p:attrName>style.visibility</p:attrName>
+                                        </p:attrNameLst>
+                                      </p:cBhvr>
+                                      <p:to>
+                                        <p:strVal val="visible"/>
+                                      </p:to>
+                                    </p:set>
+                                  </p:childTnLst>
+                                </p:cTn>
+                              </p:par>
+                            </p:childTnLst>
+                          </p:cTn>
+                        </p:par>
+                      </p:childTnLst>
+                    </p:cTn>
+                  </p:par>
+                  <p:par>
+                    <p:cTn id="33" fill="hold">
+                      <p:stCondLst>
+                        <p:cond delay="indefinite"/>
+                      </p:stCondLst>
+                      <p:childTnLst>
+                        <p:par>
+                          <p:cTn id="34" fill="hold">
+                            <p:stCondLst>
+                              <p:cond delay="0"/>
+                            </p:stCondLst>
+                            <p:childTnLst>
+                              <p:par>
+                                <p:cTn id="35" presetID="1" presetClass="entr" presetSubtype="0" fill="hold" grpId="0" nodeType="clickEffect">
+                                  <p:stCondLst>
+                                    <p:cond delay="0"/>
+                                  </p:stCondLst>
+                                  <p:childTnLst>
+                                    <p:set>
+                                      <p:cBhvr>
+                                        <p:cTn id="36" dur="1" fill="hold">
+                                          <p:stCondLst>
+                                            <p:cond delay="0"/>
+                                          </p:stCondLst>
+                                        </p:cTn>
+                                        <p:tgtEl>
+                                          <p:spTgt spid="14"/>
+                                        </p:tgtEl>
+                                        <p:attrNameLst>
+                                          <p:attrName>style.visibility</p:attrName>
+                                        </p:attrNameLst>
+                                      </p:cBhvr>
+                                      <p:to>
+                                        <p:strVal val="visible"/>
+                                      </p:to>
+                                    </p:set>
+                                  </p:childTnLst>
+                                </p:cTn>
+                              </p:par>
+                              <p:par>
+                                <p:cTn id="37" presetID="1" presetClass="entr" presetSubtype="0" fill="hold" nodeType="withEffect">
+                                  <p:stCondLst>
+                                    <p:cond delay="0"/>
+                                  </p:stCondLst>
+                                  <p:childTnLst>
+                                    <p:set>
+                                      <p:cBhvr>
+                                        <p:cTn id="38" dur="1" fill="hold">
+                                          <p:stCondLst>
+                                            <p:cond delay="0"/>
+                                          </p:stCondLst>
+                                        </p:cTn>
+                                        <p:tgtEl>
+                                          <p:spTgt spid="4101"/>
+                                        </p:tgtEl>
+                                        <p:attrNameLst>
+                                          <p:attrName>style.visibility</p:attrName>
+                                        </p:attrNameLst>
+                                      </p:cBhvr>
+                                      <p:to>
+                                        <p:strVal val="visible"/>
+                                      </p:to>
+                                    </p:set>
+                                  </p:childTnLst>
+                                </p:cTn>
+                              </p:par>
+                            </p:childTnLst>
+                          </p:cTn>
+                        </p:par>
+                      </p:childTnLst>
+                    </p:cTn>
+                  </p:par>
+                </p:childTnLst>
+              </p:cTn>
+              <p:prevCondLst>
+                <p:cond evt="onPrev" delay="0">
+                  <p:tgtEl>
+                    <p:sldTgt/>
+                  </p:tgtEl>
+                </p:cond>
+              </p:prevCondLst>
+              <p:nextCondLst>
+                <p:cond evt="onNext" delay="0">
+                  <p:tgtEl>
+                    <p:sldTgt/>
+                  </p:tgtEl>
+                </p:cond>
+              </p:nextCondLst>
+            </p:seq>
+          </p:childTnLst>
+        </p:cTn>
+      </p:par>
+    </p:tnLst>
+    <p:bldLst>
+      <p:bldP spid="4" grpId="0"/>
+      <p:bldP spid="5" grpId="0"/>
+      <p:bldP spid="6" grpId="0"/>
+      <p:bldP spid="7" grpId="0"/>
+      <p:bldP spid="9" grpId="0"/>
+      <p:bldP spid="10" grpId="0"/>
+      <p:bldP spid="13" grpId="0" animBg="1"/>
+      <p:bldP spid="14" grpId="0" animBg="1"/>
+    </p:bldLst>
+  </p:timing>
+</p:sld>
+</file>
+
+<file path=ppt/slides/slide24.xml><?xml version="1.0" encoding="utf-8"?>
+<p:sld xmlns:a="http://schemas.openxmlformats.org/drawingml/2006/main" xmlns:r="http://schemas.openxmlformats.org/officeDocument/2006/relationships" xmlns:p="http://schemas.openxmlformats.org/presentationml/2006/main">
+  <p:cSld>
+    <p:spTree>
+      <p:nvGrpSpPr>
+        <p:cNvPr id="1" name=""/>
+        <p:cNvGrpSpPr/>
+        <p:nvPr/>
+      </p:nvGrpSpPr>
+      <p:grpSpPr>
+        <a:xfrm>
+          <a:off x="0" y="0"/>
+          <a:ext cx="0" cy="0"/>
+          <a:chOff x="0" y="0"/>
+          <a:chExt cx="0" cy="0"/>
+        </a:xfrm>
+      </p:grpSpPr>
+      <p:sp>
+        <p:nvSpPr>
+          <p:cNvPr id="5" name="Title 4"/>
+          <p:cNvSpPr>
+            <a:spLocks noGrp="1"/>
+          </p:cNvSpPr>
+          <p:nvPr>
+            <p:ph type="title"/>
+          </p:nvPr>
+        </p:nvSpPr>
+        <p:spPr/>
+        <p:txBody>
+          <a:bodyPr/>
+          <a:lstStyle/>
+          <a:p>
+            <a:r>
+              <a:rPr lang="en-US" dirty="0" smtClean="0"/>
+              <a:t>AWESOME, where can I find out more?</a:t>
+            </a:r>
+            <a:endParaRPr lang="en-US" dirty="0"/>
+          </a:p>
+        </p:txBody>
+      </p:sp>
+      <p:sp>
+        <p:nvSpPr>
+          <p:cNvPr id="6" name="TextBox 5"/>
+          <p:cNvSpPr txBox="1"/>
+          <p:nvPr/>
+        </p:nvSpPr>
+        <p:spPr>
+          <a:xfrm>
+            <a:off x="181155" y="983411"/>
+            <a:ext cx="8005313" cy="738664"/>
+          </a:xfrm>
+          <a:prstGeom prst="rect">
+            <a:avLst/>
+          </a:prstGeom>
+          <a:noFill/>
+        </p:spPr>
+        <p:txBody>
+          <a:bodyPr wrap="square" rtlCol="0">
+            <a:spAutoFit/>
+          </a:bodyPr>
+          <a:lstStyle/>
+          <a:p>
+            <a:r>
+              <a:rPr lang="en-US" sz="2400" dirty="0" smtClean="0"/>
+              <a:t>Header of the macros! </a:t>
+            </a:r>
+            <a:r>
+              <a:rPr lang="en-US" dirty="0" smtClean="0"/>
+              <a:t>They are there too help, if something is confusing, let me know, I’m also a decent writer and I can try to clarify.</a:t>
+            </a:r>
+            <a:endParaRPr lang="en-US" dirty="0"/>
+          </a:p>
+        </p:txBody>
+      </p:sp>
+      <p:pic>
+        <p:nvPicPr>
+          <p:cNvPr id="7170" name="Picture 2"/>
+          <p:cNvPicPr>
+            <a:picLocks noChangeAspect="1" noChangeArrowheads="1"/>
+          </p:cNvPicPr>
+          <p:nvPr/>
+        </p:nvPicPr>
+        <p:blipFill>
+          <a:blip r:embed="rId2" cstate="print"/>
+          <a:srcRect/>
+          <a:stretch>
+            <a:fillRect/>
+          </a:stretch>
+        </p:blipFill>
+        <p:spPr bwMode="auto">
+          <a:xfrm>
+            <a:off x="231652" y="1945706"/>
+            <a:ext cx="3969411" cy="2336673"/>
+          </a:xfrm>
+          <a:prstGeom prst="rect">
+            <a:avLst/>
+          </a:prstGeom>
+          <a:noFill/>
+          <a:ln w="9525">
+            <a:noFill/>
+            <a:miter lim="800000"/>
+            <a:headEnd/>
+            <a:tailEnd/>
+          </a:ln>
+        </p:spPr>
+      </p:pic>
+      <p:sp>
+        <p:nvSpPr>
+          <p:cNvPr id="8" name="TextBox 7"/>
+          <p:cNvSpPr txBox="1"/>
+          <p:nvPr/>
+        </p:nvSpPr>
+        <p:spPr>
+          <a:xfrm>
+            <a:off x="250168" y="4666891"/>
+            <a:ext cx="3985402" cy="1292662"/>
+          </a:xfrm>
+          <a:prstGeom prst="rect">
+            <a:avLst/>
+          </a:prstGeom>
+          <a:noFill/>
+        </p:spPr>
+        <p:txBody>
+          <a:bodyPr wrap="square" rtlCol="0">
+            <a:spAutoFit/>
+          </a:bodyPr>
+          <a:lstStyle/>
+          <a:p>
+            <a:r>
+              <a:rPr lang="en-US" sz="2400" dirty="0" smtClean="0"/>
+              <a:t>__</a:t>
+            </a:r>
+            <a:r>
+              <a:rPr lang="en-US" sz="2400" dirty="0" err="1" smtClean="0"/>
+              <a:t>BensMacros.xls</a:t>
+            </a:r>
+            <a:r>
+              <a:rPr lang="en-US" sz="2400" dirty="0" smtClean="0"/>
+              <a:t> </a:t>
+            </a:r>
+            <a:r>
+              <a:rPr lang="en-US" dirty="0" smtClean="0"/>
+              <a:t>is a kind of up to date listing of all the macros with a brief description. Let me know if something is missing, I’ll fix it.</a:t>
+            </a:r>
+            <a:endParaRPr lang="en-US" dirty="0"/>
+          </a:p>
+        </p:txBody>
+      </p:sp>
+      <p:pic>
+        <p:nvPicPr>
+          <p:cNvPr id="7171" name="Picture 3"/>
+          <p:cNvPicPr>
+            <a:picLocks noChangeAspect="1" noChangeArrowheads="1"/>
+          </p:cNvPicPr>
+          <p:nvPr/>
+        </p:nvPicPr>
+        <p:blipFill>
+          <a:blip r:embed="rId3" cstate="print"/>
+          <a:srcRect/>
+          <a:stretch>
+            <a:fillRect/>
+          </a:stretch>
+        </p:blipFill>
+        <p:spPr bwMode="auto">
+          <a:xfrm>
+            <a:off x="4507818" y="2242867"/>
+            <a:ext cx="4434720" cy="3571965"/>
+          </a:xfrm>
+          <a:prstGeom prst="rect">
+            <a:avLst/>
+          </a:prstGeom>
+          <a:noFill/>
+          <a:ln w="9525">
+            <a:noFill/>
+            <a:miter lim="800000"/>
+            <a:headEnd/>
+            <a:tailEnd/>
+          </a:ln>
+        </p:spPr>
+      </p:pic>
+      <p:cxnSp>
+        <p:nvCxnSpPr>
+          <p:cNvPr id="15" name="Elbow Connector 14"/>
+          <p:cNvCxnSpPr>
+            <a:stCxn id="6" idx="2"/>
+            <a:endCxn id="7170" idx="0"/>
+          </p:cNvCxnSpPr>
+          <p:nvPr/>
+        </p:nvCxnSpPr>
+        <p:spPr>
+          <a:xfrm rot="5400000">
+            <a:off x="3088270" y="850163"/>
+            <a:ext cx="223631" cy="1967454"/>
+          </a:xfrm>
+          <a:prstGeom prst="bentConnector3">
+            <a:avLst>
+              <a:gd name="adj1" fmla="val 50000"/>
+            </a:avLst>
+          </a:prstGeom>
+          <a:ln w="25400">
+            <a:solidFill>
+              <a:schemeClr val="tx1"/>
+            </a:solidFill>
+            <a:tailEnd type="triangle"/>
+          </a:ln>
+        </p:spPr>
+        <p:style>
+          <a:lnRef idx="1">
+            <a:schemeClr val="accent1"/>
+          </a:lnRef>
+          <a:fillRef idx="0">
+            <a:schemeClr val="accent1"/>
+          </a:fillRef>
+          <a:effectRef idx="0">
+            <a:schemeClr val="accent1"/>
+          </a:effectRef>
+          <a:fontRef idx="minor">
+            <a:schemeClr val="tx1"/>
+          </a:fontRef>
+        </p:style>
+      </p:cxnSp>
+      <p:cxnSp>
+        <p:nvCxnSpPr>
+          <p:cNvPr id="17" name="Elbow Connector 16"/>
+          <p:cNvCxnSpPr>
+            <a:stCxn id="8" idx="3"/>
+            <a:endCxn id="7171" idx="1"/>
+          </p:cNvCxnSpPr>
+          <p:nvPr/>
+        </p:nvCxnSpPr>
+        <p:spPr>
+          <a:xfrm flipV="1">
+            <a:off x="4235570" y="4028850"/>
+            <a:ext cx="272248" cy="1284372"/>
+          </a:xfrm>
+          <a:prstGeom prst="bentConnector3">
+            <a:avLst>
+              <a:gd name="adj1" fmla="val 50000"/>
+            </a:avLst>
+          </a:prstGeom>
+          <a:ln w="25400">
+            <a:solidFill>
+              <a:schemeClr val="tx1"/>
+            </a:solidFill>
+            <a:tailEnd type="triangle"/>
+          </a:ln>
+        </p:spPr>
+        <p:style>
+          <a:lnRef idx="1">
+            <a:schemeClr val="accent1"/>
+          </a:lnRef>
+          <a:fillRef idx="0">
+            <a:schemeClr val="accent1"/>
+          </a:fillRef>
+          <a:effectRef idx="0">
+            <a:schemeClr val="accent1"/>
+          </a:effectRef>
+          <a:fontRef idx="minor">
+            <a:schemeClr val="tx1"/>
+          </a:fontRef>
+        </p:style>
+      </p:cxnSp>
     </p:spTree>
   </p:cSld>
   <p:clrMapOvr>

--- a/Macro-Mania.pptx
+++ b/Macro-Mania.pptx
@@ -15986,15 +15986,7 @@
                   <a:schemeClr val="accent6"/>
                 </a:solidFill>
               </a:rPr>
-              <a:t> </a:t>
-            </a:r>
-            <a:r>
-              <a:rPr lang="en-US" sz="1600" dirty="0" smtClean="0">
-                <a:solidFill>
-                  <a:schemeClr val="accent6"/>
-                </a:solidFill>
-              </a:rPr>
-              <a:t>Dele</a:t>
+              <a:t> Dele</a:t>
             </a:r>
             <a:r>
               <a:rPr lang="en-US" sz="1600" dirty="0" smtClean="0"/>
@@ -16041,7 +16033,6 @@
               <a:rPr lang="en-US" dirty="0" smtClean="0"/>
               <a:t>. </a:t>
             </a:r>
-            <a:endParaRPr lang="en-US" dirty="0" smtClean="0"/>
           </a:p>
         </p:txBody>
       </p:sp>
@@ -16083,13 +16074,8 @@
           <a:p>
             <a:r>
               <a:rPr lang="en-US" sz="1600" dirty="0" smtClean="0"/>
-              <a:t>Implementation </a:t>
-            </a:r>
-            <a:r>
-              <a:rPr lang="en-US" sz="1600" dirty="0" smtClean="0"/>
-              <a:t>Question: Should lines be deleted by this command even if they are meshed?</a:t>
-            </a:r>
-            <a:endParaRPr lang="en-US" sz="1600" dirty="0" smtClean="0"/>
+              <a:t>Implementation Question: Should lines be deleted by this command even if they are meshed?</a:t>
+            </a:r>
           </a:p>
         </p:txBody>
       </p:sp>
@@ -16120,15 +16106,7 @@
           <a:p>
             <a:r>
               <a:rPr lang="en-US" dirty="0" smtClean="0"/>
-              <a:t>Same as Preprocessor &gt;&gt; Modeling &gt;&gt; Delete &gt;&gt; </a:t>
-            </a:r>
-            <a:r>
-              <a:rPr lang="en-US" dirty="0" smtClean="0"/>
-              <a:t>Lines and </a:t>
-            </a:r>
-            <a:r>
-              <a:rPr lang="en-US" dirty="0" smtClean="0"/>
-              <a:t>Below</a:t>
+              <a:t>Same as Preprocessor &gt;&gt; Modeling &gt;&gt; Delete &gt;&gt; Lines and Below</a:t>
             </a:r>
           </a:p>
         </p:txBody>
@@ -16713,15 +16691,7 @@
             </a:r>
             <a:r>
               <a:rPr lang="en-US" sz="2000" dirty="0" smtClean="0"/>
-              <a:t> </a:t>
-            </a:r>
-            <a:r>
-              <a:rPr lang="en-US" sz="2000" dirty="0" smtClean="0"/>
-              <a:t>&lt;line&gt;, </a:t>
-            </a:r>
-            <a:r>
-              <a:rPr lang="en-US" sz="2000" dirty="0" smtClean="0"/>
-              <a:t>&lt;from </a:t>
+              <a:t> &lt;line&gt;, &lt;from </a:t>
             </a:r>
             <a:r>
               <a:rPr lang="en-US" sz="2000" dirty="0" err="1" smtClean="0"/>
@@ -16880,15 +16850,7 @@
           <a:p>
             <a:r>
               <a:rPr lang="en-US" dirty="0" smtClean="0"/>
-              <a:t>Copies </a:t>
-            </a:r>
-            <a:r>
-              <a:rPr lang="en-US" dirty="0" smtClean="0"/>
-              <a:t>a line or </a:t>
-            </a:r>
-            <a:r>
-              <a:rPr lang="en-US" dirty="0" smtClean="0"/>
-              <a:t>set of selected areas from one </a:t>
+              <a:t>Copies a line or set of selected areas from one </a:t>
             </a:r>
             <a:r>
               <a:rPr lang="en-US" dirty="0" err="1" smtClean="0"/>
@@ -17402,7 +17364,6 @@
               <a:rPr lang="en-US" sz="1400" dirty="0" smtClean="0"/>
               <a:t> </a:t>
             </a:r>
-            <a:endParaRPr lang="en-US" sz="1400" dirty="0" smtClean="0"/>
           </a:p>
         </p:txBody>
       </p:sp>
@@ -18140,15 +18101,7 @@
             </a:r>
             <a:r>
               <a:rPr lang="en-US" sz="2000" dirty="0" smtClean="0"/>
-              <a:t> &lt;line 1&gt;, &lt;</a:t>
-            </a:r>
-            <a:r>
-              <a:rPr lang="en-US" sz="2000" dirty="0" smtClean="0"/>
-              <a:t>line 2</a:t>
-            </a:r>
-            <a:r>
-              <a:rPr lang="en-US" sz="2000" dirty="0" smtClean="0"/>
-              <a:t>&gt;, &lt;resultant </a:t>
+              <a:t> &lt;line 1&gt;, &lt;line 2&gt;, &lt;resultant </a:t>
             </a:r>
             <a:r>
               <a:rPr lang="en-US" sz="2000" dirty="0" err="1" smtClean="0"/>
@@ -18338,15 +18291,7 @@
           <a:p>
             <a:r>
               <a:rPr lang="en-US" sz="1600" dirty="0" smtClean="0"/>
-              <a:t>Step </a:t>
-            </a:r>
-            <a:r>
-              <a:rPr lang="en-US" sz="1600" dirty="0" smtClean="0"/>
-              <a:t>1: </a:t>
-            </a:r>
-            <a:r>
-              <a:rPr lang="en-US" sz="1600" dirty="0" smtClean="0"/>
-              <a:t>Select Two Lines</a:t>
+              <a:t>Step 1: Select Two Lines</a:t>
             </a:r>
           </a:p>
         </p:txBody>
@@ -18613,7 +18558,6 @@
               <a:rPr lang="en-US" sz="1400" dirty="0" smtClean="0"/>
               <a:t>Does not work as expected with curved lines</a:t>
             </a:r>
-            <a:endParaRPr lang="en-US" sz="1400" dirty="0" smtClean="0"/>
           </a:p>
         </p:txBody>
       </p:sp>
@@ -18690,7 +18634,6 @@
               <a:rPr lang="en-US" dirty="0" smtClean="0"/>
               <a:t>Works in 3D as well.</a:t>
             </a:r>
-            <a:endParaRPr lang="en-US" dirty="0" smtClean="0"/>
           </a:p>
         </p:txBody>
       </p:sp>
@@ -18724,7 +18667,6 @@
               <a:rPr lang="en-US" sz="1400" dirty="0" smtClean="0"/>
               <a:t>Works even if lines do not intersect</a:t>
             </a:r>
-            <a:endParaRPr lang="en-US" sz="1400" dirty="0" smtClean="0"/>
           </a:p>
         </p:txBody>
       </p:sp>
@@ -18757,7 +18699,6 @@
               <a:rPr lang="en-US" sz="1400" dirty="0" smtClean="0"/>
               <a:t>Uses common perpendicular between lines to find intersection points</a:t>
             </a:r>
-            <a:endParaRPr lang="en-US" sz="1400" dirty="0" smtClean="0"/>
           </a:p>
         </p:txBody>
       </p:sp>
@@ -19454,15 +19395,7 @@
             </a:r>
             <a:r>
               <a:rPr lang="en-US" sz="2000" dirty="0" smtClean="0"/>
-              <a:t> &lt;Prop Number&gt;, &lt;</a:t>
-            </a:r>
-            <a:r>
-              <a:rPr lang="en-US" sz="2000" dirty="0" smtClean="0"/>
-              <a:t>Mass</a:t>
-            </a:r>
-            <a:r>
-              <a:rPr lang="en-US" sz="2000" dirty="0" smtClean="0"/>
-              <a:t>&gt;, &lt;I1&gt;,&lt;I2&gt;,&lt;I3&gt;</a:t>
+              <a:t> &lt;Prop Number&gt;, &lt;Mass&gt;, &lt;I1&gt;,&lt;I2&gt;,&lt;I3&gt;</a:t>
             </a:r>
             <a:r>
               <a:rPr lang="en-US" sz="5400" dirty="0" smtClean="0"/>
@@ -19504,7 +19437,7 @@
       </p:sp>
       <p:pic>
         <p:nvPicPr>
-          <p:cNvPr id="3074" name="Picture 2"/>
+          <p:cNvPr id="3075" name="Picture 3"/>
           <p:cNvPicPr>
             <a:picLocks noChangeAspect="1" noChangeArrowheads="1"/>
           </p:cNvPicPr>
@@ -19519,72 +19452,8 @@
         </p:blipFill>
         <p:spPr bwMode="auto">
           <a:xfrm>
-            <a:off x="1385889" y="2630230"/>
-            <a:ext cx="6433272" cy="2228850"/>
-          </a:xfrm>
-          <a:prstGeom prst="rect">
-            <a:avLst/>
-          </a:prstGeom>
-          <a:noFill/>
-          <a:ln w="9525">
-            <a:noFill/>
-            <a:miter lim="800000"/>
-            <a:headEnd/>
-            <a:tailEnd/>
-          </a:ln>
-        </p:spPr>
-      </p:pic>
-      <p:pic>
-        <p:nvPicPr>
-          <p:cNvPr id="3075" name="Picture 3"/>
-          <p:cNvPicPr>
-            <a:picLocks noChangeAspect="1" noChangeArrowheads="1"/>
-          </p:cNvPicPr>
-          <p:nvPr/>
-        </p:nvPicPr>
-        <p:blipFill>
-          <a:blip r:embed="rId3" cstate="print"/>
-          <a:srcRect/>
-          <a:stretch>
-            <a:fillRect/>
-          </a:stretch>
-        </p:blipFill>
-        <p:spPr bwMode="auto">
-          <a:xfrm>
             <a:off x="877630" y="5275189"/>
             <a:ext cx="3279701" cy="819925"/>
-          </a:xfrm>
-          <a:prstGeom prst="rect">
-            <a:avLst/>
-          </a:prstGeom>
-          <a:noFill/>
-          <a:ln w="9525">
-            <a:noFill/>
-            <a:miter lim="800000"/>
-            <a:headEnd/>
-            <a:tailEnd/>
-          </a:ln>
-        </p:spPr>
-      </p:pic>
-      <p:pic>
-        <p:nvPicPr>
-          <p:cNvPr id="3076" name="Picture 4"/>
-          <p:cNvPicPr>
-            <a:picLocks noChangeAspect="1" noChangeArrowheads="1"/>
-          </p:cNvPicPr>
-          <p:nvPr/>
-        </p:nvPicPr>
-        <p:blipFill>
-          <a:blip r:embed="rId4" cstate="print"/>
-          <a:srcRect/>
-          <a:stretch>
-            <a:fillRect/>
-          </a:stretch>
-        </p:blipFill>
-        <p:spPr bwMode="auto">
-          <a:xfrm>
-            <a:off x="5295014" y="5263397"/>
-            <a:ext cx="2423405" cy="829059"/>
           </a:xfrm>
           <a:prstGeom prst="rect">
             <a:avLst/>
@@ -19638,6 +19507,70 @@
           </a:p>
         </p:txBody>
       </p:sp>
+      <p:pic>
+        <p:nvPicPr>
+          <p:cNvPr id="1026" name="Picture 2"/>
+          <p:cNvPicPr>
+            <a:picLocks noChangeAspect="1" noChangeArrowheads="1"/>
+          </p:cNvPicPr>
+          <p:nvPr/>
+        </p:nvPicPr>
+        <p:blipFill>
+          <a:blip r:embed="rId3" cstate="print"/>
+          <a:srcRect/>
+          <a:stretch>
+            <a:fillRect/>
+          </a:stretch>
+        </p:blipFill>
+        <p:spPr bwMode="auto">
+          <a:xfrm>
+            <a:off x="2124297" y="2429097"/>
+            <a:ext cx="4861294" cy="2200375"/>
+          </a:xfrm>
+          <a:prstGeom prst="rect">
+            <a:avLst/>
+          </a:prstGeom>
+          <a:noFill/>
+          <a:ln w="9525">
+            <a:noFill/>
+            <a:miter lim="800000"/>
+            <a:headEnd/>
+            <a:tailEnd/>
+          </a:ln>
+        </p:spPr>
+      </p:pic>
+      <p:pic>
+        <p:nvPicPr>
+          <p:cNvPr id="1027" name="Picture 3"/>
+          <p:cNvPicPr>
+            <a:picLocks noChangeAspect="1" noChangeArrowheads="1"/>
+          </p:cNvPicPr>
+          <p:nvPr/>
+        </p:nvPicPr>
+        <p:blipFill>
+          <a:blip r:embed="rId4" cstate="print"/>
+          <a:srcRect/>
+          <a:stretch>
+            <a:fillRect/>
+          </a:stretch>
+        </p:blipFill>
+        <p:spPr bwMode="auto">
+          <a:xfrm>
+            <a:off x="5425374" y="5096759"/>
+            <a:ext cx="2304496" cy="1144515"/>
+          </a:xfrm>
+          <a:prstGeom prst="rect">
+            <a:avLst/>
+          </a:prstGeom>
+          <a:noFill/>
+          <a:ln w="9525">
+            <a:noFill/>
+            <a:miter lim="800000"/>
+            <a:headEnd/>
+            <a:tailEnd/>
+          </a:ln>
+        </p:spPr>
+      </p:pic>
     </p:spTree>
   </p:cSld>
   <p:clrMapOvr>
@@ -19722,7 +19655,7 @@
                                           </p:stCondLst>
                                         </p:cTn>
                                         <p:tgtEl>
-                                          <p:spTgt spid="3074"/>
+                                          <p:spTgt spid="3075"/>
                                         </p:tgtEl>
                                         <p:attrNameLst>
                                           <p:attrName>style.visibility</p:attrName>
@@ -19754,7 +19687,7 @@
                             </p:stCondLst>
                             <p:childTnLst>
                               <p:par>
-                                <p:cTn id="13" presetID="1" presetClass="entr" presetSubtype="0" fill="hold" nodeType="clickEffect">
+                                <p:cTn id="13" presetID="1" presetClass="entr" presetSubtype="0" fill="hold" grpId="0" nodeType="clickEffect">
                                   <p:stCondLst>
                                     <p:cond delay="0"/>
                                   </p:stCondLst>
@@ -19767,79 +19700,7 @@
                                           </p:stCondLst>
                                         </p:cTn>
                                         <p:tgtEl>
-                                          <p:spTgt spid="3075"/>
-                                        </p:tgtEl>
-                                        <p:attrNameLst>
-                                          <p:attrName>style.visibility</p:attrName>
-                                        </p:attrNameLst>
-                                      </p:cBhvr>
-                                      <p:to>
-                                        <p:strVal val="visible"/>
-                                      </p:to>
-                                    </p:set>
-                                  </p:childTnLst>
-                                </p:cTn>
-                              </p:par>
-                            </p:childTnLst>
-                          </p:cTn>
-                        </p:par>
-                      </p:childTnLst>
-                    </p:cTn>
-                  </p:par>
-                  <p:par>
-                    <p:cTn id="15" fill="hold">
-                      <p:stCondLst>
-                        <p:cond delay="indefinite"/>
-                      </p:stCondLst>
-                      <p:childTnLst>
-                        <p:par>
-                          <p:cTn id="16" fill="hold">
-                            <p:stCondLst>
-                              <p:cond delay="0"/>
-                            </p:stCondLst>
-                            <p:childTnLst>
-                              <p:par>
-                                <p:cTn id="17" presetID="1" presetClass="entr" presetSubtype="0" fill="hold" grpId="0" nodeType="clickEffect">
-                                  <p:stCondLst>
-                                    <p:cond delay="0"/>
-                                  </p:stCondLst>
-                                  <p:childTnLst>
-                                    <p:set>
-                                      <p:cBhvr>
-                                        <p:cTn id="18" dur="1" fill="hold">
-                                          <p:stCondLst>
-                                            <p:cond delay="0"/>
-                                          </p:stCondLst>
-                                        </p:cTn>
-                                        <p:tgtEl>
                                           <p:spTgt spid="8"/>
-                                        </p:tgtEl>
-                                        <p:attrNameLst>
-                                          <p:attrName>style.visibility</p:attrName>
-                                        </p:attrNameLst>
-                                      </p:cBhvr>
-                                      <p:to>
-                                        <p:strVal val="visible"/>
-                                      </p:to>
-                                    </p:set>
-                                  </p:childTnLst>
-                                </p:cTn>
-                              </p:par>
-                              <p:par>
-                                <p:cTn id="19" presetID="1" presetClass="entr" presetSubtype="0" fill="hold" nodeType="withEffect">
-                                  <p:stCondLst>
-                                    <p:cond delay="0"/>
-                                  </p:stCondLst>
-                                  <p:childTnLst>
-                                    <p:set>
-                                      <p:cBhvr>
-                                        <p:cTn id="20" dur="1" fill="hold">
-                                          <p:stCondLst>
-                                            <p:cond delay="0"/>
-                                          </p:stCondLst>
-                                        </p:cTn>
-                                        <p:tgtEl>
-                                          <p:spTgt spid="3076"/>
                                         </p:tgtEl>
                                         <p:attrNameLst>
                                           <p:attrName>style.visibility</p:attrName>
@@ -19990,11 +19851,7 @@
             <a:pPr algn="r"/>
             <a:r>
               <a:rPr lang="en-US" sz="1600" dirty="0" smtClean="0"/>
-              <a:t>“Think: </a:t>
-            </a:r>
-            <a:r>
-              <a:rPr lang="en-US" sz="1600" dirty="0" smtClean="0"/>
-              <a:t>Um, </a:t>
+              <a:t>“Think: Um, </a:t>
             </a:r>
             <a:r>
               <a:rPr lang="en-US" sz="1600" dirty="0" smtClean="0">
@@ -20107,7 +19964,6 @@
               <a:rPr lang="en-US" sz="1400" dirty="0" smtClean="0"/>
               <a:t> will only allow you to include strength data for a limited number of materials.</a:t>
             </a:r>
-            <a:endParaRPr lang="en-US" sz="1400" dirty="0" smtClean="0"/>
           </a:p>
         </p:txBody>
       </p:sp>
@@ -20172,7 +20028,6 @@
               <a:rPr lang="en-US" sz="1400" dirty="0" smtClean="0"/>
               <a:t>What’s Currently Included:</a:t>
             </a:r>
-            <a:endParaRPr lang="en-US" sz="1400" dirty="0" smtClean="0"/>
           </a:p>
         </p:txBody>
       </p:sp>
@@ -20213,7 +20068,6 @@
               <a:rPr lang="en-US" sz="1600" dirty="0" smtClean="0"/>
               <a:t> parameter</a:t>
             </a:r>
-            <a:endParaRPr lang="en-US" sz="1600" dirty="0" smtClean="0"/>
           </a:p>
         </p:txBody>
       </p:sp>
@@ -20369,7 +20223,6 @@
               <a:rPr lang="en-US" sz="1600" dirty="0" smtClean="0"/>
               <a:t>Would you rather see something like</a:t>
             </a:r>
-            <a:endParaRPr lang="en-US" sz="1600" dirty="0" smtClean="0"/>
           </a:p>
         </p:txBody>
       </p:sp>

--- a/Macro-Mania.pptx
+++ b/Macro-Mania.pptx
@@ -7,10 +7,10 @@
     <p:sldMasterId id="2147483663" r:id="rId3"/>
   </p:sldMasterIdLst>
   <p:notesMasterIdLst>
-    <p:notesMasterId r:id="rId28"/>
+    <p:notesMasterId r:id="rId37"/>
   </p:notesMasterIdLst>
   <p:handoutMasterIdLst>
-    <p:handoutMasterId r:id="rId29"/>
+    <p:handoutMasterId r:id="rId38"/>
   </p:handoutMasterIdLst>
   <p:sldIdLst>
     <p:sldId id="265" r:id="rId4"/>
@@ -36,7 +36,16 @@
     <p:sldId id="294" r:id="rId24"/>
     <p:sldId id="295" r:id="rId25"/>
     <p:sldId id="296" r:id="rId26"/>
-    <p:sldId id="281" r:id="rId27"/>
+    <p:sldId id="297" r:id="rId27"/>
+    <p:sldId id="298" r:id="rId28"/>
+    <p:sldId id="299" r:id="rId29"/>
+    <p:sldId id="300" r:id="rId30"/>
+    <p:sldId id="301" r:id="rId31"/>
+    <p:sldId id="302" r:id="rId32"/>
+    <p:sldId id="303" r:id="rId33"/>
+    <p:sldId id="305" r:id="rId34"/>
+    <p:sldId id="304" r:id="rId35"/>
+    <p:sldId id="281" r:id="rId36"/>
   </p:sldIdLst>
   <p:sldSz cx="9144000" cy="6858000" type="screen4x3"/>
   <p:notesSz cx="7315200" cy="9601200"/>
@@ -20757,7 +20766,7 @@
       </p:grpSpPr>
       <p:sp>
         <p:nvSpPr>
-          <p:cNvPr id="5" name="Title 4"/>
+          <p:cNvPr id="2" name="Title 1"/>
           <p:cNvSpPr>
             <a:spLocks noGrp="1"/>
           </p:cNvSpPr>
@@ -20772,7 +20781,19 @@
           <a:p>
             <a:r>
               <a:rPr lang="en-US" dirty="0" smtClean="0"/>
-              <a:t>AWESOME, where can I find out more?</a:t>
+              <a:t>_NEXT.mac </a:t>
+            </a:r>
+            <a:r>
+              <a:rPr lang="en-US" dirty="0" smtClean="0">
+                <a:sym typeface="Wingdings" pitchFamily="2" charset="2"/>
+              </a:rPr>
+              <a:t> Next Set of </a:t>
+            </a:r>
+            <a:r>
+              <a:rPr lang="en-US" dirty="0" err="1" smtClean="0">
+                <a:sym typeface="Wingdings" pitchFamily="2" charset="2"/>
+              </a:rPr>
+              <a:t>Resutls</a:t>
             </a:r>
             <a:endParaRPr lang="en-US" dirty="0"/>
           </a:p>
@@ -20780,14 +20801,14 @@
       </p:sp>
       <p:sp>
         <p:nvSpPr>
-          <p:cNvPr id="6" name="TextBox 5"/>
+          <p:cNvPr id="3" name="TextBox 2"/>
           <p:cNvSpPr txBox="1"/>
           <p:nvPr/>
         </p:nvSpPr>
         <p:spPr>
           <a:xfrm>
-            <a:off x="181155" y="983411"/>
-            <a:ext cx="8005313" cy="738664"/>
+            <a:off x="0" y="879895"/>
+            <a:ext cx="9144000" cy="923330"/>
           </a:xfrm>
           <a:prstGeom prst="rect">
             <a:avLst/>
@@ -20801,20 +20822,97 @@
           <a:lstStyle/>
           <a:p>
             <a:r>
-              <a:rPr lang="en-US" sz="2400" dirty="0" smtClean="0"/>
-              <a:t>Header of the macros! </a:t>
-            </a:r>
-            <a:r>
-              <a:rPr lang="en-US" dirty="0" smtClean="0"/>
-              <a:t>They are there too help, if something is confusing, let me know, I’m also a decent writer and I can try to clarify.</a:t>
-            </a:r>
-            <a:endParaRPr lang="en-US" dirty="0"/>
+              <a:rPr lang="en-US" sz="5400" dirty="0" smtClean="0"/>
+              <a:t>_NEXT,</a:t>
+            </a:r>
+            <a:r>
+              <a:rPr lang="en-US" sz="2000" dirty="0" smtClean="0"/>
+              <a:t> &lt;number of steps&gt;</a:t>
+            </a:r>
+            <a:endParaRPr lang="en-US" sz="5400" dirty="0"/>
+          </a:p>
+        </p:txBody>
+      </p:sp>
+      <p:sp>
+        <p:nvSpPr>
+          <p:cNvPr id="4" name="TextBox 3"/>
+          <p:cNvSpPr txBox="1"/>
+          <p:nvPr/>
+        </p:nvSpPr>
+        <p:spPr>
+          <a:xfrm>
+            <a:off x="4226944" y="845389"/>
+            <a:ext cx="4917056" cy="338554"/>
+          </a:xfrm>
+          <a:prstGeom prst="rect">
+            <a:avLst/>
+          </a:prstGeom>
+          <a:noFill/>
+        </p:spPr>
+        <p:txBody>
+          <a:bodyPr wrap="square" rtlCol="0">
+            <a:spAutoFit/>
+          </a:bodyPr>
+          <a:lstStyle/>
+          <a:p>
+            <a:pPr algn="r"/>
+            <a:r>
+              <a:rPr lang="en-US" sz="1600" dirty="0" smtClean="0"/>
+              <a:t>“Think: </a:t>
+            </a:r>
+            <a:r>
+              <a:rPr lang="en-US" sz="1600" dirty="0" smtClean="0">
+                <a:solidFill>
+                  <a:schemeClr val="accent6">
+                    <a:lumMod val="75000"/>
+                  </a:schemeClr>
+                </a:solidFill>
+              </a:rPr>
+              <a:t>_Next </a:t>
+            </a:r>
+            <a:r>
+              <a:rPr lang="en-US" sz="1600" dirty="0" smtClean="0"/>
+              <a:t>set of results”</a:t>
+            </a:r>
+            <a:endParaRPr lang="en-US" sz="1600" dirty="0"/>
+          </a:p>
+        </p:txBody>
+      </p:sp>
+      <p:sp>
+        <p:nvSpPr>
+          <p:cNvPr id="5" name="TextBox 4"/>
+          <p:cNvSpPr txBox="1"/>
+          <p:nvPr/>
+        </p:nvSpPr>
+        <p:spPr>
+          <a:xfrm>
+            <a:off x="308344" y="1850065"/>
+            <a:ext cx="8484782" cy="307777"/>
+          </a:xfrm>
+          <a:prstGeom prst="rect">
+            <a:avLst/>
+          </a:prstGeom>
+          <a:noFill/>
+          <a:ln>
+            <a:noFill/>
+          </a:ln>
+        </p:spPr>
+        <p:txBody>
+          <a:bodyPr wrap="square" rtlCol="0">
+            <a:spAutoFit/>
+          </a:bodyPr>
+          <a:lstStyle/>
+          <a:p>
+            <a:r>
+              <a:rPr lang="en-US" sz="1400" dirty="0" smtClean="0"/>
+              <a:t>Post processing command that sets results to the next set of results</a:t>
+            </a:r>
           </a:p>
         </p:txBody>
       </p:sp>
       <p:pic>
         <p:nvPicPr>
-          <p:cNvPr id="7170" name="Picture 2"/>
+          <p:cNvPr id="1026" name="Picture 2"/>
           <p:cNvPicPr>
             <a:picLocks noChangeAspect="1" noChangeArrowheads="1"/>
           </p:cNvPicPr>
@@ -20829,8 +20927,8 @@
         </p:blipFill>
         <p:spPr bwMode="auto">
           <a:xfrm>
-            <a:off x="231652" y="1945706"/>
-            <a:ext cx="3969411" cy="2336673"/>
+            <a:off x="2640751" y="2259753"/>
+            <a:ext cx="3419807" cy="1204548"/>
           </a:xfrm>
           <a:prstGeom prst="rect">
             <a:avLst/>
@@ -20844,51 +20942,9 @@
           </a:ln>
         </p:spPr>
       </p:pic>
-      <p:sp>
-        <p:nvSpPr>
-          <p:cNvPr id="8" name="TextBox 7"/>
-          <p:cNvSpPr txBox="1"/>
-          <p:nvPr/>
-        </p:nvSpPr>
-        <p:spPr>
-          <a:xfrm>
-            <a:off x="250168" y="4666891"/>
-            <a:ext cx="3985402" cy="1292662"/>
-          </a:xfrm>
-          <a:prstGeom prst="rect">
-            <a:avLst/>
-          </a:prstGeom>
-          <a:noFill/>
-        </p:spPr>
-        <p:txBody>
-          <a:bodyPr wrap="square" rtlCol="0">
-            <a:spAutoFit/>
-          </a:bodyPr>
-          <a:lstStyle/>
-          <a:p>
-            <a:r>
-              <a:rPr lang="en-US" sz="2400" dirty="0" smtClean="0"/>
-              <a:t>__</a:t>
-            </a:r>
-            <a:r>
-              <a:rPr lang="en-US" sz="2400" dirty="0" err="1" smtClean="0"/>
-              <a:t>BensMacros.xls</a:t>
-            </a:r>
-            <a:r>
-              <a:rPr lang="en-US" sz="2400" dirty="0" smtClean="0"/>
-              <a:t> </a:t>
-            </a:r>
-            <a:r>
-              <a:rPr lang="en-US" dirty="0" smtClean="0"/>
-              <a:t>is a kind of up to date listing of all the macros with a brief description. Let me know if something is missing, I’ll fix it.</a:t>
-            </a:r>
-            <a:endParaRPr lang="en-US" dirty="0"/>
-          </a:p>
-        </p:txBody>
-      </p:sp>
       <p:pic>
         <p:nvPicPr>
-          <p:cNvPr id="7171" name="Picture 3"/>
+          <p:cNvPr id="1027" name="Picture 3"/>
           <p:cNvPicPr>
             <a:picLocks noChangeAspect="1" noChangeArrowheads="1"/>
           </p:cNvPicPr>
@@ -20903,8 +20959,8 @@
         </p:blipFill>
         <p:spPr bwMode="auto">
           <a:xfrm>
-            <a:off x="4507818" y="2242867"/>
-            <a:ext cx="4434720" cy="3571965"/>
+            <a:off x="116946" y="3657598"/>
+            <a:ext cx="3965955" cy="2764374"/>
           </a:xfrm>
           <a:prstGeom prst="rect">
             <a:avLst/>
@@ -20918,30 +20974,1994 @@
           </a:ln>
         </p:spPr>
       </p:pic>
+      <p:sp>
+        <p:nvSpPr>
+          <p:cNvPr id="9" name="TextBox 8"/>
+          <p:cNvSpPr txBox="1"/>
+          <p:nvPr/>
+        </p:nvSpPr>
+        <p:spPr>
+          <a:xfrm>
+            <a:off x="4104167" y="4253023"/>
+            <a:ext cx="956930" cy="307777"/>
+          </a:xfrm>
+          <a:prstGeom prst="rect">
+            <a:avLst/>
+          </a:prstGeom>
+          <a:solidFill>
+            <a:schemeClr val="tx1"/>
+          </a:solidFill>
+          <a:ln>
+            <a:noFill/>
+          </a:ln>
+        </p:spPr>
+        <p:txBody>
+          <a:bodyPr wrap="square" rtlCol="0">
+            <a:spAutoFit/>
+          </a:bodyPr>
+          <a:lstStyle/>
+          <a:p>
+            <a:r>
+              <a:rPr lang="en-US" sz="1400" b="1" dirty="0" smtClean="0">
+                <a:solidFill>
+                  <a:schemeClr val="accent6">
+                    <a:lumMod val="75000"/>
+                  </a:schemeClr>
+                </a:solidFill>
+              </a:rPr>
+              <a:t>_NEXT,</a:t>
+            </a:r>
+            <a:r>
+              <a:rPr lang="en-US" sz="1400" b="1" dirty="0" smtClean="0">
+                <a:solidFill>
+                  <a:schemeClr val="bg1"/>
+                </a:solidFill>
+              </a:rPr>
+              <a:t>5</a:t>
+            </a:r>
+          </a:p>
+        </p:txBody>
+      </p:sp>
+      <p:pic>
+        <p:nvPicPr>
+          <p:cNvPr id="1028" name="Picture 4"/>
+          <p:cNvPicPr>
+            <a:picLocks noChangeAspect="1" noChangeArrowheads="1"/>
+          </p:cNvPicPr>
+          <p:nvPr/>
+        </p:nvPicPr>
+        <p:blipFill>
+          <a:blip r:embed="rId4" cstate="print"/>
+          <a:srcRect/>
+          <a:stretch>
+            <a:fillRect/>
+          </a:stretch>
+        </p:blipFill>
+        <p:spPr bwMode="auto">
+          <a:xfrm>
+            <a:off x="5114817" y="3657599"/>
+            <a:ext cx="3912220" cy="2726919"/>
+          </a:xfrm>
+          <a:prstGeom prst="rect">
+            <a:avLst/>
+          </a:prstGeom>
+          <a:noFill/>
+          <a:ln w="9525">
+            <a:noFill/>
+            <a:miter lim="800000"/>
+            <a:headEnd/>
+            <a:tailEnd/>
+          </a:ln>
+        </p:spPr>
+      </p:pic>
+      <p:sp>
+        <p:nvSpPr>
+          <p:cNvPr id="11" name="Rectangle 10"/>
+          <p:cNvSpPr/>
+          <p:nvPr/>
+        </p:nvSpPr>
+        <p:spPr>
+          <a:xfrm>
+            <a:off x="786809" y="4412512"/>
+            <a:ext cx="255182" cy="276445"/>
+          </a:xfrm>
+          <a:prstGeom prst="rect">
+            <a:avLst/>
+          </a:prstGeom>
+          <a:noFill/>
+          <a:ln>
+            <a:solidFill>
+              <a:srgbClr val="C00000"/>
+            </a:solidFill>
+          </a:ln>
+        </p:spPr>
+        <p:style>
+          <a:lnRef idx="2">
+            <a:schemeClr val="accent1">
+              <a:shade val="50000"/>
+            </a:schemeClr>
+          </a:lnRef>
+          <a:fillRef idx="1">
+            <a:schemeClr val="accent1"/>
+          </a:fillRef>
+          <a:effectRef idx="0">
+            <a:schemeClr val="accent1"/>
+          </a:effectRef>
+          <a:fontRef idx="minor">
+            <a:schemeClr val="lt1"/>
+          </a:fontRef>
+        </p:style>
+        <p:txBody>
+          <a:bodyPr rtlCol="0" anchor="ctr"/>
+          <a:lstStyle/>
+          <a:p>
+            <a:pPr algn="ctr"/>
+            <a:endParaRPr lang="en-US"/>
+          </a:p>
+        </p:txBody>
+      </p:sp>
+      <p:sp>
+        <p:nvSpPr>
+          <p:cNvPr id="12" name="Rectangle 11"/>
+          <p:cNvSpPr/>
+          <p:nvPr/>
+        </p:nvSpPr>
+        <p:spPr>
+          <a:xfrm>
+            <a:off x="5777019" y="4394791"/>
+            <a:ext cx="255182" cy="276445"/>
+          </a:xfrm>
+          <a:prstGeom prst="rect">
+            <a:avLst/>
+          </a:prstGeom>
+          <a:noFill/>
+          <a:ln>
+            <a:solidFill>
+              <a:srgbClr val="C00000"/>
+            </a:solidFill>
+          </a:ln>
+        </p:spPr>
+        <p:style>
+          <a:lnRef idx="2">
+            <a:schemeClr val="accent1">
+              <a:shade val="50000"/>
+            </a:schemeClr>
+          </a:lnRef>
+          <a:fillRef idx="1">
+            <a:schemeClr val="accent1"/>
+          </a:fillRef>
+          <a:effectRef idx="0">
+            <a:schemeClr val="accent1"/>
+          </a:effectRef>
+          <a:fontRef idx="minor">
+            <a:schemeClr val="lt1"/>
+          </a:fontRef>
+        </p:style>
+        <p:txBody>
+          <a:bodyPr rtlCol="0" anchor="ctr"/>
+          <a:lstStyle/>
+          <a:p>
+            <a:pPr algn="ctr"/>
+            <a:endParaRPr lang="en-US"/>
+          </a:p>
+        </p:txBody>
+      </p:sp>
+      <p:sp>
+        <p:nvSpPr>
+          <p:cNvPr id="13" name="Right Arrow 12"/>
+          <p:cNvSpPr/>
+          <p:nvPr/>
+        </p:nvSpPr>
+        <p:spPr>
+          <a:xfrm>
+            <a:off x="4338085" y="4848446"/>
+            <a:ext cx="637953" cy="414670"/>
+          </a:xfrm>
+          <a:prstGeom prst="rightArrow">
+            <a:avLst/>
+          </a:prstGeom>
+          <a:solidFill>
+            <a:srgbClr val="FF0000"/>
+          </a:solidFill>
+          <a:ln>
+            <a:solidFill>
+              <a:srgbClr val="C00000"/>
+            </a:solidFill>
+          </a:ln>
+        </p:spPr>
+        <p:style>
+          <a:lnRef idx="2">
+            <a:schemeClr val="accent1">
+              <a:shade val="50000"/>
+            </a:schemeClr>
+          </a:lnRef>
+          <a:fillRef idx="1">
+            <a:schemeClr val="accent1"/>
+          </a:fillRef>
+          <a:effectRef idx="0">
+            <a:schemeClr val="accent1"/>
+          </a:effectRef>
+          <a:fontRef idx="minor">
+            <a:schemeClr val="lt1"/>
+          </a:fontRef>
+        </p:style>
+        <p:txBody>
+          <a:bodyPr rtlCol="0" anchor="ctr"/>
+          <a:lstStyle/>
+          <a:p>
+            <a:pPr algn="ctr"/>
+            <a:endParaRPr lang="en-US"/>
+          </a:p>
+        </p:txBody>
+      </p:sp>
+    </p:spTree>
+  </p:cSld>
+  <p:clrMapOvr>
+    <a:masterClrMapping/>
+  </p:clrMapOvr>
+  <p:timing>
+    <p:tnLst>
+      <p:par>
+        <p:cTn id="1" dur="indefinite" restart="never" nodeType="tmRoot">
+          <p:childTnLst>
+            <p:seq concurrent="1" nextAc="seek">
+              <p:cTn id="2" dur="indefinite" nodeType="mainSeq">
+                <p:childTnLst>
+                  <p:par>
+                    <p:cTn id="3" fill="hold">
+                      <p:stCondLst>
+                        <p:cond delay="indefinite"/>
+                      </p:stCondLst>
+                      <p:childTnLst>
+                        <p:par>
+                          <p:cTn id="4" fill="hold">
+                            <p:stCondLst>
+                              <p:cond delay="0"/>
+                            </p:stCondLst>
+                            <p:childTnLst>
+                              <p:par>
+                                <p:cTn id="5" presetID="1" presetClass="entr" presetSubtype="0" fill="hold" grpId="0" nodeType="clickEffect">
+                                  <p:stCondLst>
+                                    <p:cond delay="0"/>
+                                  </p:stCondLst>
+                                  <p:childTnLst>
+                                    <p:set>
+                                      <p:cBhvr>
+                                        <p:cTn id="6" dur="1" fill="hold">
+                                          <p:stCondLst>
+                                            <p:cond delay="0"/>
+                                          </p:stCondLst>
+                                        </p:cTn>
+                                        <p:tgtEl>
+                                          <p:spTgt spid="4"/>
+                                        </p:tgtEl>
+                                        <p:attrNameLst>
+                                          <p:attrName>style.visibility</p:attrName>
+                                        </p:attrNameLst>
+                                      </p:cBhvr>
+                                      <p:to>
+                                        <p:strVal val="visible"/>
+                                      </p:to>
+                                    </p:set>
+                                  </p:childTnLst>
+                                </p:cTn>
+                              </p:par>
+                            </p:childTnLst>
+                          </p:cTn>
+                        </p:par>
+                      </p:childTnLst>
+                    </p:cTn>
+                  </p:par>
+                </p:childTnLst>
+              </p:cTn>
+              <p:prevCondLst>
+                <p:cond evt="onPrev" delay="0">
+                  <p:tgtEl>
+                    <p:sldTgt/>
+                  </p:tgtEl>
+                </p:cond>
+              </p:prevCondLst>
+              <p:nextCondLst>
+                <p:cond evt="onNext" delay="0">
+                  <p:tgtEl>
+                    <p:sldTgt/>
+                  </p:tgtEl>
+                </p:cond>
+              </p:nextCondLst>
+            </p:seq>
+          </p:childTnLst>
+        </p:cTn>
+      </p:par>
+    </p:tnLst>
+    <p:bldLst>
+      <p:bldP spid="4" grpId="0"/>
+    </p:bldLst>
+  </p:timing>
+</p:sld>
+</file>
+
+<file path=ppt/slides/slide25.xml><?xml version="1.0" encoding="utf-8"?>
+<p:sld xmlns:a="http://schemas.openxmlformats.org/drawingml/2006/main" xmlns:r="http://schemas.openxmlformats.org/officeDocument/2006/relationships" xmlns:p="http://schemas.openxmlformats.org/presentationml/2006/main">
+  <p:cSld>
+    <p:spTree>
+      <p:nvGrpSpPr>
+        <p:cNvPr id="1" name=""/>
+        <p:cNvGrpSpPr/>
+        <p:nvPr/>
+      </p:nvGrpSpPr>
+      <p:grpSpPr>
+        <a:xfrm>
+          <a:off x="0" y="0"/>
+          <a:ext cx="0" cy="0"/>
+          <a:chOff x="0" y="0"/>
+          <a:chExt cx="0" cy="0"/>
+        </a:xfrm>
+      </p:grpSpPr>
+      <p:sp>
+        <p:nvSpPr>
+          <p:cNvPr id="2" name="Title 1"/>
+          <p:cNvSpPr>
+            <a:spLocks noGrp="1"/>
+          </p:cNvSpPr>
+          <p:nvPr>
+            <p:ph type="title"/>
+          </p:nvPr>
+        </p:nvSpPr>
+        <p:spPr/>
+        <p:txBody>
+          <a:bodyPr/>
+          <a:lstStyle/>
+          <a:p>
+            <a:r>
+              <a:rPr lang="en-US" dirty="0" smtClean="0"/>
+              <a:t>_NSEL_LOC.mac </a:t>
+            </a:r>
+            <a:r>
+              <a:rPr lang="en-US" dirty="0" smtClean="0">
+                <a:sym typeface="Wingdings" pitchFamily="2" charset="2"/>
+              </a:rPr>
+              <a:t> Select Node By </a:t>
+            </a:r>
+            <a:r>
+              <a:rPr lang="en-US" dirty="0" err="1" smtClean="0">
+                <a:sym typeface="Wingdings" pitchFamily="2" charset="2"/>
+              </a:rPr>
+              <a:t>Loacation</a:t>
+            </a:r>
+            <a:endParaRPr lang="en-US" dirty="0"/>
+          </a:p>
+        </p:txBody>
+      </p:sp>
+      <p:sp>
+        <p:nvSpPr>
+          <p:cNvPr id="3" name="TextBox 2"/>
+          <p:cNvSpPr txBox="1"/>
+          <p:nvPr/>
+        </p:nvSpPr>
+        <p:spPr>
+          <a:xfrm>
+            <a:off x="0" y="879895"/>
+            <a:ext cx="9144000" cy="923330"/>
+          </a:xfrm>
+          <a:prstGeom prst="rect">
+            <a:avLst/>
+          </a:prstGeom>
+          <a:noFill/>
+        </p:spPr>
+        <p:txBody>
+          <a:bodyPr wrap="square" rtlCol="0">
+            <a:spAutoFit/>
+          </a:bodyPr>
+          <a:lstStyle/>
+          <a:p>
+            <a:r>
+              <a:rPr lang="en-US" sz="5400" dirty="0" smtClean="0"/>
+              <a:t>_</a:t>
+            </a:r>
+            <a:r>
+              <a:rPr lang="en-US" sz="5400" dirty="0" err="1" smtClean="0"/>
+              <a:t>NSEL_LOC</a:t>
+            </a:r>
+            <a:r>
+              <a:rPr lang="en-US" sz="5400" dirty="0" smtClean="0"/>
+              <a:t>,</a:t>
+            </a:r>
+            <a:r>
+              <a:rPr lang="en-US" sz="2000" dirty="0" smtClean="0"/>
+              <a:t> &lt;x&gt;,&lt;y&gt;,&lt;z&gt;,&lt;tolerance&gt;</a:t>
+            </a:r>
+            <a:endParaRPr lang="en-US" sz="5400" dirty="0"/>
+          </a:p>
+        </p:txBody>
+      </p:sp>
+      <p:sp>
+        <p:nvSpPr>
+          <p:cNvPr id="4" name="TextBox 3"/>
+          <p:cNvSpPr txBox="1"/>
+          <p:nvPr/>
+        </p:nvSpPr>
+        <p:spPr>
+          <a:xfrm>
+            <a:off x="4226944" y="845389"/>
+            <a:ext cx="4917056" cy="338554"/>
+          </a:xfrm>
+          <a:prstGeom prst="rect">
+            <a:avLst/>
+          </a:prstGeom>
+          <a:noFill/>
+        </p:spPr>
+        <p:txBody>
+          <a:bodyPr wrap="square" rtlCol="0">
+            <a:spAutoFit/>
+          </a:bodyPr>
+          <a:lstStyle/>
+          <a:p>
+            <a:pPr algn="r"/>
+            <a:r>
+              <a:rPr lang="en-US" sz="1600" dirty="0" smtClean="0"/>
+              <a:t>“Think: </a:t>
+            </a:r>
+            <a:r>
+              <a:rPr lang="en-US" sz="1600" dirty="0" smtClean="0">
+                <a:solidFill>
+                  <a:schemeClr val="accent6">
+                    <a:lumMod val="75000"/>
+                  </a:schemeClr>
+                </a:solidFill>
+              </a:rPr>
+              <a:t>_N</a:t>
+            </a:r>
+            <a:r>
+              <a:rPr lang="en-US" sz="1600" dirty="0" smtClean="0"/>
+              <a:t>ode </a:t>
+            </a:r>
+            <a:r>
+              <a:rPr lang="en-US" sz="1600" dirty="0" smtClean="0">
+                <a:solidFill>
+                  <a:schemeClr val="accent6">
+                    <a:lumMod val="75000"/>
+                  </a:schemeClr>
+                </a:solidFill>
+              </a:rPr>
+              <a:t>Sel</a:t>
+            </a:r>
+            <a:r>
+              <a:rPr lang="en-US" sz="1600" dirty="0" smtClean="0"/>
+              <a:t>ect by </a:t>
+            </a:r>
+            <a:r>
+              <a:rPr lang="en-US" sz="1600" dirty="0" smtClean="0">
+                <a:solidFill>
+                  <a:schemeClr val="accent6">
+                    <a:lumMod val="75000"/>
+                  </a:schemeClr>
+                </a:solidFill>
+              </a:rPr>
+              <a:t>Loc</a:t>
+            </a:r>
+            <a:r>
+              <a:rPr lang="en-US" sz="1600" dirty="0" smtClean="0"/>
+              <a:t>ation”</a:t>
+            </a:r>
+            <a:endParaRPr lang="en-US" sz="1600" dirty="0"/>
+          </a:p>
+        </p:txBody>
+      </p:sp>
+      <p:sp>
+        <p:nvSpPr>
+          <p:cNvPr id="5" name="TextBox 4"/>
+          <p:cNvSpPr txBox="1"/>
+          <p:nvPr/>
+        </p:nvSpPr>
+        <p:spPr>
+          <a:xfrm>
+            <a:off x="308344" y="1850065"/>
+            <a:ext cx="8484782" cy="307777"/>
+          </a:xfrm>
+          <a:prstGeom prst="rect">
+            <a:avLst/>
+          </a:prstGeom>
+          <a:noFill/>
+          <a:ln>
+            <a:noFill/>
+          </a:ln>
+        </p:spPr>
+        <p:txBody>
+          <a:bodyPr wrap="square" rtlCol="0">
+            <a:spAutoFit/>
+          </a:bodyPr>
+          <a:lstStyle/>
+          <a:p>
+            <a:r>
+              <a:rPr lang="en-US" sz="1400" dirty="0" smtClean="0"/>
+              <a:t>Select Node based on location. Useful for macros, </a:t>
+            </a:r>
+          </a:p>
+        </p:txBody>
+      </p:sp>
+    </p:spTree>
+  </p:cSld>
+  <p:clrMapOvr>
+    <a:masterClrMapping/>
+  </p:clrMapOvr>
+  <p:timing>
+    <p:tnLst>
+      <p:par>
+        <p:cTn id="1" dur="indefinite" restart="never" nodeType="tmRoot"/>
+      </p:par>
+    </p:tnLst>
+  </p:timing>
+</p:sld>
+</file>
+
+<file path=ppt/slides/slide26.xml><?xml version="1.0" encoding="utf-8"?>
+<p:sld xmlns:a="http://schemas.openxmlformats.org/drawingml/2006/main" xmlns:r="http://schemas.openxmlformats.org/officeDocument/2006/relationships" xmlns:p="http://schemas.openxmlformats.org/presentationml/2006/main">
+  <p:cSld>
+    <p:spTree>
+      <p:nvGrpSpPr>
+        <p:cNvPr id="1" name=""/>
+        <p:cNvGrpSpPr/>
+        <p:nvPr/>
+      </p:nvGrpSpPr>
+      <p:grpSpPr>
+        <a:xfrm>
+          <a:off x="0" y="0"/>
+          <a:ext cx="0" cy="0"/>
+          <a:chOff x="0" y="0"/>
+          <a:chExt cx="0" cy="0"/>
+        </a:xfrm>
+      </p:grpSpPr>
+      <p:sp>
+        <p:nvSpPr>
+          <p:cNvPr id="2" name="Title 1"/>
+          <p:cNvSpPr>
+            <a:spLocks noGrp="1"/>
+          </p:cNvSpPr>
+          <p:nvPr>
+            <p:ph type="title"/>
+          </p:nvPr>
+        </p:nvSpPr>
+        <p:spPr/>
+        <p:txBody>
+          <a:bodyPr/>
+          <a:lstStyle/>
+          <a:p>
+            <a:r>
+              <a:rPr lang="en-US" dirty="0" smtClean="0"/>
+              <a:t>_NUMCMP.mac</a:t>
+            </a:r>
+            <a:r>
+              <a:rPr lang="en-US" dirty="0" smtClean="0">
+                <a:sym typeface="Wingdings" pitchFamily="2" charset="2"/>
+              </a:rPr>
+              <a:t> like </a:t>
+            </a:r>
+            <a:r>
+              <a:rPr lang="en-US" dirty="0" err="1" smtClean="0">
+                <a:sym typeface="Wingdings" pitchFamily="2" charset="2"/>
+              </a:rPr>
+              <a:t>numcmp</a:t>
+            </a:r>
+            <a:r>
+              <a:rPr lang="en-US" dirty="0" smtClean="0">
+                <a:sym typeface="Wingdings" pitchFamily="2" charset="2"/>
+              </a:rPr>
+              <a:t> but better</a:t>
+            </a:r>
+            <a:endParaRPr lang="en-US" dirty="0"/>
+          </a:p>
+        </p:txBody>
+      </p:sp>
+      <p:sp>
+        <p:nvSpPr>
+          <p:cNvPr id="3" name="TextBox 2"/>
+          <p:cNvSpPr txBox="1"/>
+          <p:nvPr/>
+        </p:nvSpPr>
+        <p:spPr>
+          <a:xfrm>
+            <a:off x="0" y="879895"/>
+            <a:ext cx="9144000" cy="923330"/>
+          </a:xfrm>
+          <a:prstGeom prst="rect">
+            <a:avLst/>
+          </a:prstGeom>
+          <a:noFill/>
+        </p:spPr>
+        <p:txBody>
+          <a:bodyPr wrap="square" rtlCol="0">
+            <a:spAutoFit/>
+          </a:bodyPr>
+          <a:lstStyle/>
+          <a:p>
+            <a:r>
+              <a:rPr lang="en-US" sz="5400" dirty="0" smtClean="0"/>
+              <a:t>_</a:t>
+            </a:r>
+            <a:r>
+              <a:rPr lang="en-US" sz="5400" dirty="0" err="1" smtClean="0"/>
+              <a:t>NUMCMP</a:t>
+            </a:r>
+            <a:r>
+              <a:rPr lang="en-US" sz="5400" dirty="0" smtClean="0"/>
+              <a:t>,</a:t>
+            </a:r>
+            <a:r>
+              <a:rPr lang="en-US" sz="2000" dirty="0" smtClean="0"/>
+              <a:t> &lt;what else?&gt;</a:t>
+            </a:r>
+            <a:endParaRPr lang="en-US" sz="5400" dirty="0"/>
+          </a:p>
+        </p:txBody>
+      </p:sp>
+      <p:sp>
+        <p:nvSpPr>
+          <p:cNvPr id="4" name="TextBox 3"/>
+          <p:cNvSpPr txBox="1"/>
+          <p:nvPr/>
+        </p:nvSpPr>
+        <p:spPr>
+          <a:xfrm>
+            <a:off x="4226944" y="845389"/>
+            <a:ext cx="4917056" cy="338554"/>
+          </a:xfrm>
+          <a:prstGeom prst="rect">
+            <a:avLst/>
+          </a:prstGeom>
+          <a:noFill/>
+        </p:spPr>
+        <p:txBody>
+          <a:bodyPr wrap="square" rtlCol="0">
+            <a:spAutoFit/>
+          </a:bodyPr>
+          <a:lstStyle/>
+          <a:p>
+            <a:pPr algn="r"/>
+            <a:r>
+              <a:rPr lang="en-US" sz="1600" dirty="0" smtClean="0"/>
+              <a:t>“Think: </a:t>
+            </a:r>
+            <a:r>
+              <a:rPr lang="en-US" sz="1600" dirty="0" smtClean="0">
+                <a:solidFill>
+                  <a:schemeClr val="accent6">
+                    <a:lumMod val="75000"/>
+                  </a:schemeClr>
+                </a:solidFill>
+              </a:rPr>
+              <a:t>_Num</a:t>
+            </a:r>
+            <a:r>
+              <a:rPr lang="en-US" sz="1600" dirty="0" smtClean="0"/>
+              <a:t>bers </a:t>
+            </a:r>
+            <a:r>
+              <a:rPr lang="en-US" sz="1600" dirty="0" smtClean="0">
+                <a:solidFill>
+                  <a:schemeClr val="accent6">
+                    <a:lumMod val="75000"/>
+                  </a:schemeClr>
+                </a:solidFill>
+              </a:rPr>
+              <a:t>C</a:t>
+            </a:r>
+            <a:r>
+              <a:rPr lang="en-US" sz="1600" dirty="0" smtClean="0"/>
+              <a:t>o</a:t>
+            </a:r>
+            <a:r>
+              <a:rPr lang="en-US" sz="1600" dirty="0" smtClean="0">
+                <a:solidFill>
+                  <a:schemeClr val="accent6">
+                    <a:lumMod val="75000"/>
+                  </a:schemeClr>
+                </a:solidFill>
+              </a:rPr>
+              <a:t>mp</a:t>
+            </a:r>
+            <a:r>
+              <a:rPr lang="en-US" sz="1600" dirty="0" smtClean="0"/>
+              <a:t>ress”</a:t>
+            </a:r>
+            <a:endParaRPr lang="en-US" sz="1600" dirty="0"/>
+          </a:p>
+        </p:txBody>
+      </p:sp>
+      <p:sp>
+        <p:nvSpPr>
+          <p:cNvPr id="5" name="TextBox 4"/>
+          <p:cNvSpPr txBox="1"/>
+          <p:nvPr/>
+        </p:nvSpPr>
+        <p:spPr>
+          <a:xfrm>
+            <a:off x="308344" y="1850065"/>
+            <a:ext cx="8484782" cy="338554"/>
+          </a:xfrm>
+          <a:prstGeom prst="rect">
+            <a:avLst/>
+          </a:prstGeom>
+          <a:noFill/>
+          <a:ln>
+            <a:noFill/>
+          </a:ln>
+        </p:spPr>
+        <p:txBody>
+          <a:bodyPr wrap="square" rtlCol="0">
+            <a:spAutoFit/>
+          </a:bodyPr>
+          <a:lstStyle/>
+          <a:p>
+            <a:r>
+              <a:rPr lang="en-US" sz="1600" dirty="0" smtClean="0"/>
+              <a:t>Compresses numbers assigned to </a:t>
+            </a:r>
+            <a:r>
+              <a:rPr lang="en-US" sz="1600" dirty="0" err="1" smtClean="0"/>
+              <a:t>keypoints</a:t>
+            </a:r>
+            <a:r>
+              <a:rPr lang="en-US" sz="1600" dirty="0" smtClean="0"/>
+              <a:t>, lines, areas and volumes back to zero </a:t>
+            </a:r>
+          </a:p>
+        </p:txBody>
+      </p:sp>
+      <p:sp>
+        <p:nvSpPr>
+          <p:cNvPr id="6" name="TextBox 5"/>
+          <p:cNvSpPr txBox="1"/>
+          <p:nvPr/>
+        </p:nvSpPr>
+        <p:spPr>
+          <a:xfrm>
+            <a:off x="297711" y="2413585"/>
+            <a:ext cx="8846289" cy="523220"/>
+          </a:xfrm>
+          <a:prstGeom prst="rect">
+            <a:avLst/>
+          </a:prstGeom>
+          <a:noFill/>
+          <a:ln>
+            <a:noFill/>
+          </a:ln>
+        </p:spPr>
+        <p:txBody>
+          <a:bodyPr wrap="square" rtlCol="0">
+            <a:spAutoFit/>
+          </a:bodyPr>
+          <a:lstStyle/>
+          <a:p>
+            <a:r>
+              <a:rPr lang="en-US" sz="1400" dirty="0" smtClean="0"/>
+              <a:t>ARG1 = 1 </a:t>
+            </a:r>
+            <a:r>
+              <a:rPr lang="en-US" sz="1400" dirty="0" smtClean="0">
+                <a:sym typeface="Wingdings" pitchFamily="2" charset="2"/>
+              </a:rPr>
+              <a:t> Nodes and Elements Compressed as well</a:t>
+            </a:r>
+          </a:p>
+          <a:p>
+            <a:r>
+              <a:rPr lang="en-US" sz="1400" dirty="0" smtClean="0">
+                <a:sym typeface="Wingdings" pitchFamily="2" charset="2"/>
+              </a:rPr>
+              <a:t>ARG1 = 2  </a:t>
+            </a:r>
+            <a:r>
+              <a:rPr lang="en-US" sz="1400" dirty="0" err="1" smtClean="0">
+                <a:sym typeface="Wingdings" pitchFamily="2" charset="2"/>
+              </a:rPr>
+              <a:t>Keypoings</a:t>
+            </a:r>
+            <a:r>
+              <a:rPr lang="en-US" sz="1400" dirty="0" smtClean="0">
+                <a:sym typeface="Wingdings" pitchFamily="2" charset="2"/>
+              </a:rPr>
+              <a:t>, lines, areas, nodes, elements, materials, type and </a:t>
+            </a:r>
+            <a:r>
+              <a:rPr lang="en-US" sz="1400" dirty="0" err="1" smtClean="0">
+                <a:sym typeface="Wingdings" pitchFamily="2" charset="2"/>
+              </a:rPr>
+              <a:t>reall</a:t>
+            </a:r>
+            <a:r>
+              <a:rPr lang="en-US" sz="1400" dirty="0" smtClean="0">
+                <a:sym typeface="Wingdings" pitchFamily="2" charset="2"/>
+              </a:rPr>
+              <a:t> all compressed</a:t>
+            </a:r>
+            <a:endParaRPr lang="en-US" sz="1400" dirty="0" smtClean="0"/>
+          </a:p>
+        </p:txBody>
+      </p:sp>
+      <p:sp>
+        <p:nvSpPr>
+          <p:cNvPr id="8" name="TextBox 7"/>
+          <p:cNvSpPr txBox="1"/>
+          <p:nvPr/>
+        </p:nvSpPr>
+        <p:spPr>
+          <a:xfrm>
+            <a:off x="3763926" y="3157864"/>
+            <a:ext cx="1446030" cy="307777"/>
+          </a:xfrm>
+          <a:prstGeom prst="rect">
+            <a:avLst/>
+          </a:prstGeom>
+          <a:solidFill>
+            <a:schemeClr val="tx1"/>
+          </a:solidFill>
+          <a:ln>
+            <a:noFill/>
+          </a:ln>
+        </p:spPr>
+        <p:txBody>
+          <a:bodyPr wrap="square" rtlCol="0">
+            <a:spAutoFit/>
+          </a:bodyPr>
+          <a:lstStyle/>
+          <a:p>
+            <a:pPr algn="ctr"/>
+            <a:r>
+              <a:rPr lang="en-US" sz="1400" b="1" dirty="0" smtClean="0">
+                <a:solidFill>
+                  <a:schemeClr val="accent6">
+                    <a:lumMod val="75000"/>
+                  </a:schemeClr>
+                </a:solidFill>
+              </a:rPr>
+              <a:t>_NUMCMP,</a:t>
+            </a:r>
+            <a:r>
+              <a:rPr lang="en-US" sz="1400" b="1" dirty="0" smtClean="0">
+                <a:solidFill>
+                  <a:schemeClr val="bg1"/>
+                </a:solidFill>
+              </a:rPr>
+              <a:t>1</a:t>
+            </a:r>
+          </a:p>
+        </p:txBody>
+      </p:sp>
+      <p:pic>
+        <p:nvPicPr>
+          <p:cNvPr id="2051" name="Picture 3"/>
+          <p:cNvPicPr>
+            <a:picLocks noChangeAspect="1" noChangeArrowheads="1"/>
+          </p:cNvPicPr>
+          <p:nvPr/>
+        </p:nvPicPr>
+        <p:blipFill>
+          <a:blip r:embed="rId2" cstate="print"/>
+          <a:srcRect/>
+          <a:stretch>
+            <a:fillRect/>
+          </a:stretch>
+        </p:blipFill>
+        <p:spPr bwMode="auto">
+          <a:xfrm>
+            <a:off x="5327910" y="3192198"/>
+            <a:ext cx="3400425" cy="1047750"/>
+          </a:xfrm>
+          <a:prstGeom prst="rect">
+            <a:avLst/>
+          </a:prstGeom>
+          <a:noFill/>
+          <a:ln w="9525">
+            <a:noFill/>
+            <a:miter lim="800000"/>
+            <a:headEnd/>
+            <a:tailEnd/>
+          </a:ln>
+        </p:spPr>
+      </p:pic>
+      <p:pic>
+        <p:nvPicPr>
+          <p:cNvPr id="2052" name="Picture 4"/>
+          <p:cNvPicPr>
+            <a:picLocks noChangeAspect="1" noChangeArrowheads="1"/>
+          </p:cNvPicPr>
+          <p:nvPr/>
+        </p:nvPicPr>
+        <p:blipFill>
+          <a:blip r:embed="rId3" cstate="print"/>
+          <a:srcRect/>
+          <a:stretch>
+            <a:fillRect/>
+          </a:stretch>
+        </p:blipFill>
+        <p:spPr bwMode="auto">
+          <a:xfrm>
+            <a:off x="283314" y="3078568"/>
+            <a:ext cx="3409950" cy="1104900"/>
+          </a:xfrm>
+          <a:prstGeom prst="rect">
+            <a:avLst/>
+          </a:prstGeom>
+          <a:noFill/>
+          <a:ln w="9525">
+            <a:noFill/>
+            <a:miter lim="800000"/>
+            <a:headEnd/>
+            <a:tailEnd/>
+          </a:ln>
+        </p:spPr>
+      </p:pic>
+      <p:sp>
+        <p:nvSpPr>
+          <p:cNvPr id="11" name="Right Arrow 10"/>
+          <p:cNvSpPr/>
+          <p:nvPr/>
+        </p:nvSpPr>
+        <p:spPr>
+          <a:xfrm>
+            <a:off x="4136066" y="3753286"/>
+            <a:ext cx="637953" cy="414670"/>
+          </a:xfrm>
+          <a:prstGeom prst="rightArrow">
+            <a:avLst/>
+          </a:prstGeom>
+          <a:solidFill>
+            <a:srgbClr val="FF0000"/>
+          </a:solidFill>
+          <a:ln>
+            <a:solidFill>
+              <a:srgbClr val="C00000"/>
+            </a:solidFill>
+          </a:ln>
+        </p:spPr>
+        <p:style>
+          <a:lnRef idx="2">
+            <a:schemeClr val="accent1">
+              <a:shade val="50000"/>
+            </a:schemeClr>
+          </a:lnRef>
+          <a:fillRef idx="1">
+            <a:schemeClr val="accent1"/>
+          </a:fillRef>
+          <a:effectRef idx="0">
+            <a:schemeClr val="accent1"/>
+          </a:effectRef>
+          <a:fontRef idx="minor">
+            <a:schemeClr val="lt1"/>
+          </a:fontRef>
+        </p:style>
+        <p:txBody>
+          <a:bodyPr rtlCol="0" anchor="ctr"/>
+          <a:lstStyle/>
+          <a:p>
+            <a:pPr algn="ctr"/>
+            <a:endParaRPr lang="en-US"/>
+          </a:p>
+        </p:txBody>
+      </p:sp>
+    </p:spTree>
+  </p:cSld>
+  <p:clrMapOvr>
+    <a:masterClrMapping/>
+  </p:clrMapOvr>
+  <p:timing>
+    <p:tnLst>
+      <p:par>
+        <p:cTn id="1" dur="indefinite" restart="never" nodeType="tmRoot"/>
+      </p:par>
+    </p:tnLst>
+  </p:timing>
+</p:sld>
+</file>
+
+<file path=ppt/slides/slide27.xml><?xml version="1.0" encoding="utf-8"?>
+<p:sld xmlns:a="http://schemas.openxmlformats.org/drawingml/2006/main" xmlns:r="http://schemas.openxmlformats.org/officeDocument/2006/relationships" xmlns:p="http://schemas.openxmlformats.org/presentationml/2006/main">
+  <p:cSld>
+    <p:spTree>
+      <p:nvGrpSpPr>
+        <p:cNvPr id="1" name=""/>
+        <p:cNvGrpSpPr/>
+        <p:nvPr/>
+      </p:nvGrpSpPr>
+      <p:grpSpPr>
+        <a:xfrm>
+          <a:off x="0" y="0"/>
+          <a:ext cx="0" cy="0"/>
+          <a:chOff x="0" y="0"/>
+          <a:chExt cx="0" cy="0"/>
+        </a:xfrm>
+      </p:grpSpPr>
+      <p:sp>
+        <p:nvSpPr>
+          <p:cNvPr id="2" name="Title 1"/>
+          <p:cNvSpPr>
+            <a:spLocks noGrp="1"/>
+          </p:cNvSpPr>
+          <p:nvPr>
+            <p:ph type="title"/>
+          </p:nvPr>
+        </p:nvSpPr>
+        <p:spPr/>
+        <p:txBody>
+          <a:bodyPr/>
+          <a:lstStyle/>
+          <a:p>
+            <a:r>
+              <a:rPr lang="en-US" dirty="0" smtClean="0"/>
+              <a:t>_NUMMRG.mac </a:t>
+            </a:r>
+            <a:r>
+              <a:rPr lang="en-US" dirty="0" smtClean="0">
+                <a:sym typeface="Wingdings" pitchFamily="2" charset="2"/>
+              </a:rPr>
+              <a:t> Merge Like You Mean It.</a:t>
+            </a:r>
+            <a:endParaRPr lang="en-US" dirty="0"/>
+          </a:p>
+        </p:txBody>
+      </p:sp>
+      <p:sp>
+        <p:nvSpPr>
+          <p:cNvPr id="3" name="TextBox 2"/>
+          <p:cNvSpPr txBox="1"/>
+          <p:nvPr/>
+        </p:nvSpPr>
+        <p:spPr>
+          <a:xfrm>
+            <a:off x="0" y="879895"/>
+            <a:ext cx="9144000" cy="923330"/>
+          </a:xfrm>
+          <a:prstGeom prst="rect">
+            <a:avLst/>
+          </a:prstGeom>
+          <a:noFill/>
+        </p:spPr>
+        <p:txBody>
+          <a:bodyPr wrap="square" rtlCol="0">
+            <a:spAutoFit/>
+          </a:bodyPr>
+          <a:lstStyle/>
+          <a:p>
+            <a:r>
+              <a:rPr lang="en-US" sz="5400" dirty="0" smtClean="0"/>
+              <a:t>_</a:t>
+            </a:r>
+            <a:r>
+              <a:rPr lang="en-US" sz="5400" dirty="0" err="1" smtClean="0"/>
+              <a:t>NUMMRG</a:t>
+            </a:r>
+            <a:r>
+              <a:rPr lang="en-US" sz="5400" dirty="0" smtClean="0"/>
+              <a:t>,</a:t>
+            </a:r>
+            <a:r>
+              <a:rPr lang="en-US" sz="2000" dirty="0" smtClean="0"/>
+              <a:t> &lt;</a:t>
+            </a:r>
+            <a:r>
+              <a:rPr lang="en-US" sz="2000" dirty="0" err="1" smtClean="0"/>
+              <a:t>Tolarance</a:t>
+            </a:r>
+            <a:r>
+              <a:rPr lang="en-US" sz="2000" dirty="0" smtClean="0"/>
+              <a:t>&gt;, &lt;Retain High Number?&gt;</a:t>
+            </a:r>
+            <a:endParaRPr lang="en-US" sz="5400" dirty="0"/>
+          </a:p>
+        </p:txBody>
+      </p:sp>
+      <p:sp>
+        <p:nvSpPr>
+          <p:cNvPr id="4" name="TextBox 3"/>
+          <p:cNvSpPr txBox="1"/>
+          <p:nvPr/>
+        </p:nvSpPr>
+        <p:spPr>
+          <a:xfrm>
+            <a:off x="4226944" y="845389"/>
+            <a:ext cx="4917056" cy="338554"/>
+          </a:xfrm>
+          <a:prstGeom prst="rect">
+            <a:avLst/>
+          </a:prstGeom>
+          <a:noFill/>
+        </p:spPr>
+        <p:txBody>
+          <a:bodyPr wrap="square" rtlCol="0">
+            <a:spAutoFit/>
+          </a:bodyPr>
+          <a:lstStyle/>
+          <a:p>
+            <a:pPr algn="r"/>
+            <a:r>
+              <a:rPr lang="en-US" sz="1600" dirty="0" smtClean="0"/>
+              <a:t>“Think: </a:t>
+            </a:r>
+            <a:r>
+              <a:rPr lang="en-US" sz="1600" dirty="0" smtClean="0">
+                <a:solidFill>
+                  <a:schemeClr val="accent6">
+                    <a:lumMod val="75000"/>
+                  </a:schemeClr>
+                </a:solidFill>
+              </a:rPr>
+              <a:t>_Num</a:t>
+            </a:r>
+            <a:r>
+              <a:rPr lang="en-US" sz="1600" dirty="0" smtClean="0"/>
+              <a:t>bers </a:t>
+            </a:r>
+            <a:r>
+              <a:rPr lang="en-US" sz="1600" dirty="0" smtClean="0">
+                <a:solidFill>
+                  <a:schemeClr val="accent6">
+                    <a:lumMod val="75000"/>
+                  </a:schemeClr>
+                </a:solidFill>
+              </a:rPr>
+              <a:t>C</a:t>
+            </a:r>
+            <a:r>
+              <a:rPr lang="en-US" sz="1600" dirty="0" smtClean="0"/>
+              <a:t>o</a:t>
+            </a:r>
+            <a:r>
+              <a:rPr lang="en-US" sz="1600" dirty="0" smtClean="0">
+                <a:solidFill>
+                  <a:schemeClr val="accent6">
+                    <a:lumMod val="75000"/>
+                  </a:schemeClr>
+                </a:solidFill>
+              </a:rPr>
+              <a:t>mp</a:t>
+            </a:r>
+            <a:r>
+              <a:rPr lang="en-US" sz="1600" dirty="0" smtClean="0"/>
+              <a:t>ress”</a:t>
+            </a:r>
+            <a:endParaRPr lang="en-US" sz="1600" dirty="0"/>
+          </a:p>
+        </p:txBody>
+      </p:sp>
+      <p:sp>
+        <p:nvSpPr>
+          <p:cNvPr id="5" name="TextBox 4"/>
+          <p:cNvSpPr txBox="1"/>
+          <p:nvPr/>
+        </p:nvSpPr>
+        <p:spPr>
+          <a:xfrm>
+            <a:off x="318977" y="1807535"/>
+            <a:ext cx="8463516" cy="307777"/>
+          </a:xfrm>
+          <a:prstGeom prst="rect">
+            <a:avLst/>
+          </a:prstGeom>
+          <a:noFill/>
+          <a:ln>
+            <a:noFill/>
+          </a:ln>
+        </p:spPr>
+        <p:txBody>
+          <a:bodyPr wrap="square" rtlCol="0">
+            <a:spAutoFit/>
+          </a:bodyPr>
+          <a:lstStyle/>
+          <a:p>
+            <a:r>
+              <a:rPr lang="en-US" sz="1400" dirty="0" smtClean="0"/>
+              <a:t>Merges nodes </a:t>
+            </a:r>
+            <a:r>
+              <a:rPr lang="en-US" sz="1400" b="1" dirty="0" smtClean="0"/>
+              <a:t>AND</a:t>
+            </a:r>
+            <a:r>
+              <a:rPr lang="en-US" sz="1400" dirty="0" smtClean="0"/>
+              <a:t> </a:t>
+            </a:r>
+            <a:r>
+              <a:rPr lang="en-US" sz="1400" dirty="0" err="1" smtClean="0"/>
+              <a:t>keypoints</a:t>
+            </a:r>
+            <a:r>
+              <a:rPr lang="en-US" sz="1400" dirty="0" smtClean="0"/>
+              <a:t>. Repeats several times, you will </a:t>
+            </a:r>
+            <a:r>
+              <a:rPr lang="en-US" sz="1400" dirty="0" err="1" smtClean="0"/>
+              <a:t>ushaly</a:t>
+            </a:r>
+            <a:r>
+              <a:rPr lang="en-US" sz="1400" dirty="0" smtClean="0"/>
+              <a:t> see errors.</a:t>
+            </a:r>
+            <a:endParaRPr lang="en-US" sz="1400" dirty="0" smtClean="0"/>
+          </a:p>
+        </p:txBody>
+      </p:sp>
+    </p:spTree>
+  </p:cSld>
+  <p:clrMapOvr>
+    <a:masterClrMapping/>
+  </p:clrMapOvr>
+  <p:timing>
+    <p:tnLst>
+      <p:par>
+        <p:cTn id="1" dur="indefinite" restart="never" nodeType="tmRoot"/>
+      </p:par>
+    </p:tnLst>
+  </p:timing>
+</p:sld>
+</file>
+
+<file path=ppt/slides/slide28.xml><?xml version="1.0" encoding="utf-8"?>
+<p:sld xmlns:a="http://schemas.openxmlformats.org/drawingml/2006/main" xmlns:r="http://schemas.openxmlformats.org/officeDocument/2006/relationships" xmlns:p="http://schemas.openxmlformats.org/presentationml/2006/main">
+  <p:cSld>
+    <p:spTree>
+      <p:nvGrpSpPr>
+        <p:cNvPr id="1" name=""/>
+        <p:cNvGrpSpPr/>
+        <p:nvPr/>
+      </p:nvGrpSpPr>
+      <p:grpSpPr>
+        <a:xfrm>
+          <a:off x="0" y="0"/>
+          <a:ext cx="0" cy="0"/>
+          <a:chOff x="0" y="0"/>
+          <a:chExt cx="0" cy="0"/>
+        </a:xfrm>
+      </p:grpSpPr>
+      <p:sp>
+        <p:nvSpPr>
+          <p:cNvPr id="2" name="Title 1"/>
+          <p:cNvSpPr>
+            <a:spLocks noGrp="1"/>
+          </p:cNvSpPr>
+          <p:nvPr>
+            <p:ph type="title"/>
+          </p:nvPr>
+        </p:nvSpPr>
+        <p:spPr/>
+        <p:txBody>
+          <a:bodyPr/>
+          <a:lstStyle/>
+          <a:p>
+            <a:r>
+              <a:rPr lang="en-US" dirty="0" smtClean="0"/>
+              <a:t>_NUMOFF.mac </a:t>
+            </a:r>
+            <a:r>
+              <a:rPr lang="en-US" dirty="0" smtClean="0">
+                <a:sym typeface="Wingdings" pitchFamily="2" charset="2"/>
+              </a:rPr>
+              <a:t> Offset your world.</a:t>
+            </a:r>
+            <a:endParaRPr lang="en-US" dirty="0"/>
+          </a:p>
+        </p:txBody>
+      </p:sp>
+      <p:sp>
+        <p:nvSpPr>
+          <p:cNvPr id="3" name="TextBox 2"/>
+          <p:cNvSpPr txBox="1"/>
+          <p:nvPr/>
+        </p:nvSpPr>
+        <p:spPr>
+          <a:xfrm>
+            <a:off x="0" y="879895"/>
+            <a:ext cx="9144000" cy="923330"/>
+          </a:xfrm>
+          <a:prstGeom prst="rect">
+            <a:avLst/>
+          </a:prstGeom>
+          <a:noFill/>
+        </p:spPr>
+        <p:txBody>
+          <a:bodyPr wrap="square" rtlCol="0">
+            <a:spAutoFit/>
+          </a:bodyPr>
+          <a:lstStyle/>
+          <a:p>
+            <a:r>
+              <a:rPr lang="en-US" sz="5400" dirty="0" smtClean="0"/>
+              <a:t>_</a:t>
+            </a:r>
+            <a:r>
+              <a:rPr lang="en-US" sz="5400" dirty="0" err="1" smtClean="0"/>
+              <a:t>NUMOFF</a:t>
+            </a:r>
+            <a:r>
+              <a:rPr lang="en-US" sz="5400" dirty="0" smtClean="0"/>
+              <a:t>,</a:t>
+            </a:r>
+            <a:r>
+              <a:rPr lang="en-US" sz="2000" dirty="0" smtClean="0"/>
+              <a:t> &lt;Offset Number&gt;,&lt;What Else?&gt;</a:t>
+            </a:r>
+            <a:endParaRPr lang="en-US" sz="5400" dirty="0"/>
+          </a:p>
+        </p:txBody>
+      </p:sp>
+      <p:sp>
+        <p:nvSpPr>
+          <p:cNvPr id="4" name="TextBox 3"/>
+          <p:cNvSpPr txBox="1"/>
+          <p:nvPr/>
+        </p:nvSpPr>
+        <p:spPr>
+          <a:xfrm>
+            <a:off x="4226944" y="845389"/>
+            <a:ext cx="4917056" cy="338554"/>
+          </a:xfrm>
+          <a:prstGeom prst="rect">
+            <a:avLst/>
+          </a:prstGeom>
+          <a:noFill/>
+        </p:spPr>
+        <p:txBody>
+          <a:bodyPr wrap="square" rtlCol="0">
+            <a:spAutoFit/>
+          </a:bodyPr>
+          <a:lstStyle/>
+          <a:p>
+            <a:pPr algn="r"/>
+            <a:r>
+              <a:rPr lang="en-US" sz="1600" dirty="0" smtClean="0"/>
+              <a:t>“Think: </a:t>
+            </a:r>
+            <a:r>
+              <a:rPr lang="en-US" sz="1600" dirty="0" smtClean="0">
+                <a:solidFill>
+                  <a:schemeClr val="accent6">
+                    <a:lumMod val="75000"/>
+                  </a:schemeClr>
+                </a:solidFill>
+              </a:rPr>
+              <a:t>_Num</a:t>
+            </a:r>
+            <a:r>
+              <a:rPr lang="en-US" sz="1600" dirty="0" smtClean="0"/>
+              <a:t>bers </a:t>
+            </a:r>
+            <a:r>
+              <a:rPr lang="en-US" sz="1600" dirty="0" smtClean="0">
+                <a:solidFill>
+                  <a:schemeClr val="accent6">
+                    <a:lumMod val="75000"/>
+                  </a:schemeClr>
+                </a:solidFill>
+              </a:rPr>
+              <a:t>Off</a:t>
+            </a:r>
+            <a:r>
+              <a:rPr lang="en-US" sz="1600" dirty="0" smtClean="0"/>
+              <a:t>set”</a:t>
+            </a:r>
+            <a:endParaRPr lang="en-US" sz="1600" dirty="0"/>
+          </a:p>
+        </p:txBody>
+      </p:sp>
+      <p:sp>
+        <p:nvSpPr>
+          <p:cNvPr id="5" name="TextBox 4"/>
+          <p:cNvSpPr txBox="1"/>
+          <p:nvPr/>
+        </p:nvSpPr>
+        <p:spPr>
+          <a:xfrm>
+            <a:off x="308344" y="1850065"/>
+            <a:ext cx="8484782" cy="338554"/>
+          </a:xfrm>
+          <a:prstGeom prst="rect">
+            <a:avLst/>
+          </a:prstGeom>
+          <a:noFill/>
+          <a:ln>
+            <a:noFill/>
+          </a:ln>
+        </p:spPr>
+        <p:txBody>
+          <a:bodyPr wrap="square" rtlCol="0">
+            <a:spAutoFit/>
+          </a:bodyPr>
+          <a:lstStyle/>
+          <a:p>
+            <a:r>
+              <a:rPr lang="en-US" sz="1600" dirty="0" smtClean="0"/>
+              <a:t>Offsets numbers </a:t>
+            </a:r>
+            <a:r>
+              <a:rPr lang="en-US" sz="1600" dirty="0" smtClean="0"/>
+              <a:t>assigned to </a:t>
+            </a:r>
+            <a:r>
+              <a:rPr lang="en-US" sz="1600" dirty="0" err="1" smtClean="0"/>
+              <a:t>keypoints</a:t>
+            </a:r>
+            <a:r>
+              <a:rPr lang="en-US" sz="1600" dirty="0" smtClean="0"/>
+              <a:t>, lines, </a:t>
+            </a:r>
+            <a:r>
+              <a:rPr lang="en-US" sz="1600" dirty="0" smtClean="0"/>
+              <a:t>areas and volumes back to zero </a:t>
+            </a:r>
+            <a:endParaRPr lang="en-US" sz="1600" dirty="0" smtClean="0"/>
+          </a:p>
+        </p:txBody>
+      </p:sp>
+      <p:sp>
+        <p:nvSpPr>
+          <p:cNvPr id="6" name="TextBox 5"/>
+          <p:cNvSpPr txBox="1"/>
+          <p:nvPr/>
+        </p:nvSpPr>
+        <p:spPr>
+          <a:xfrm>
+            <a:off x="297711" y="2413585"/>
+            <a:ext cx="8846289" cy="523220"/>
+          </a:xfrm>
+          <a:prstGeom prst="rect">
+            <a:avLst/>
+          </a:prstGeom>
+          <a:noFill/>
+          <a:ln>
+            <a:noFill/>
+          </a:ln>
+        </p:spPr>
+        <p:txBody>
+          <a:bodyPr wrap="square" rtlCol="0">
+            <a:spAutoFit/>
+          </a:bodyPr>
+          <a:lstStyle/>
+          <a:p>
+            <a:r>
+              <a:rPr lang="en-US" sz="1400" dirty="0" smtClean="0"/>
+              <a:t>ARG1 = 1 </a:t>
+            </a:r>
+            <a:r>
+              <a:rPr lang="en-US" sz="1400" dirty="0" smtClean="0">
+                <a:sym typeface="Wingdings" pitchFamily="2" charset="2"/>
+              </a:rPr>
+              <a:t> Nodes and Elements </a:t>
+            </a:r>
+            <a:r>
+              <a:rPr lang="en-US" sz="1400" dirty="0" smtClean="0">
+                <a:sym typeface="Wingdings" pitchFamily="2" charset="2"/>
+              </a:rPr>
+              <a:t>are </a:t>
+            </a:r>
+            <a:r>
+              <a:rPr lang="en-US" sz="1400" dirty="0" smtClean="0">
+                <a:sym typeface="Wingdings" pitchFamily="2" charset="2"/>
+              </a:rPr>
+              <a:t>offset </a:t>
+            </a:r>
+            <a:r>
+              <a:rPr lang="en-US" sz="1400" dirty="0" smtClean="0">
+                <a:sym typeface="Wingdings" pitchFamily="2" charset="2"/>
+              </a:rPr>
+              <a:t>as </a:t>
+            </a:r>
+            <a:r>
+              <a:rPr lang="en-US" sz="1400" dirty="0" smtClean="0">
+                <a:sym typeface="Wingdings" pitchFamily="2" charset="2"/>
+              </a:rPr>
+              <a:t>well</a:t>
+            </a:r>
+          </a:p>
+          <a:p>
+            <a:r>
+              <a:rPr lang="en-US" sz="1400" dirty="0" smtClean="0">
+                <a:sym typeface="Wingdings" pitchFamily="2" charset="2"/>
+              </a:rPr>
+              <a:t>ARG1 = 2  </a:t>
+            </a:r>
+            <a:r>
+              <a:rPr lang="en-US" sz="1400" dirty="0" smtClean="0">
+                <a:sym typeface="Wingdings" pitchFamily="2" charset="2"/>
+              </a:rPr>
+              <a:t>Key points, </a:t>
+            </a:r>
+            <a:r>
+              <a:rPr lang="en-US" sz="1400" dirty="0" smtClean="0">
+                <a:sym typeface="Wingdings" pitchFamily="2" charset="2"/>
+              </a:rPr>
+              <a:t>lines, areas, nodes, elements, materials, </a:t>
+            </a:r>
+            <a:r>
+              <a:rPr lang="en-US" sz="1400" dirty="0" smtClean="0">
+                <a:sym typeface="Wingdings" pitchFamily="2" charset="2"/>
+              </a:rPr>
+              <a:t>type, real and </a:t>
+            </a:r>
+            <a:r>
+              <a:rPr lang="en-US" sz="1400" dirty="0" err="1" smtClean="0">
+                <a:sym typeface="Wingdings" pitchFamily="2" charset="2"/>
+              </a:rPr>
+              <a:t>secn</a:t>
+            </a:r>
+            <a:r>
+              <a:rPr lang="en-US" sz="1400" dirty="0" smtClean="0">
+                <a:sym typeface="Wingdings" pitchFamily="2" charset="2"/>
+              </a:rPr>
+              <a:t> are all offset</a:t>
+            </a:r>
+            <a:endParaRPr lang="en-US" sz="1400" dirty="0" smtClean="0"/>
+          </a:p>
+        </p:txBody>
+      </p:sp>
+      <p:sp>
+        <p:nvSpPr>
+          <p:cNvPr id="7" name="TextBox 6"/>
+          <p:cNvSpPr txBox="1"/>
+          <p:nvPr/>
+        </p:nvSpPr>
+        <p:spPr>
+          <a:xfrm>
+            <a:off x="404037" y="2977117"/>
+            <a:ext cx="8059479" cy="307777"/>
+          </a:xfrm>
+          <a:prstGeom prst="rect">
+            <a:avLst/>
+          </a:prstGeom>
+          <a:noFill/>
+          <a:ln>
+            <a:noFill/>
+          </a:ln>
+        </p:spPr>
+        <p:txBody>
+          <a:bodyPr wrap="square" rtlCol="0">
+            <a:spAutoFit/>
+          </a:bodyPr>
+          <a:lstStyle/>
+          <a:p>
+            <a:r>
+              <a:rPr lang="en-US" sz="1400" dirty="0" smtClean="0"/>
+              <a:t>Nodes and key points (Because there are so many) of them are offset by 10X th</a:t>
+            </a:r>
+            <a:r>
+              <a:rPr lang="en-US" sz="1400" dirty="0" smtClean="0"/>
+              <a:t>e offset number</a:t>
+            </a:r>
+            <a:endParaRPr lang="en-US" sz="1400" dirty="0" smtClean="0"/>
+          </a:p>
+        </p:txBody>
+      </p:sp>
+    </p:spTree>
+  </p:cSld>
+  <p:clrMapOvr>
+    <a:masterClrMapping/>
+  </p:clrMapOvr>
+  <p:timing>
+    <p:tnLst>
+      <p:par>
+        <p:cTn id="1" dur="indefinite" restart="never" nodeType="tmRoot">
+          <p:childTnLst>
+            <p:seq concurrent="1" nextAc="seek">
+              <p:cTn id="2" dur="indefinite" nodeType="mainSeq">
+                <p:childTnLst>
+                  <p:par>
+                    <p:cTn id="3" fill="hold">
+                      <p:stCondLst>
+                        <p:cond delay="indefinite"/>
+                      </p:stCondLst>
+                      <p:childTnLst>
+                        <p:par>
+                          <p:cTn id="4" fill="hold">
+                            <p:stCondLst>
+                              <p:cond delay="0"/>
+                            </p:stCondLst>
+                            <p:childTnLst>
+                              <p:par>
+                                <p:cTn id="5" presetID="1" presetClass="entr" presetSubtype="0" fill="hold" grpId="0" nodeType="clickEffect">
+                                  <p:stCondLst>
+                                    <p:cond delay="0"/>
+                                  </p:stCondLst>
+                                  <p:childTnLst>
+                                    <p:set>
+                                      <p:cBhvr>
+                                        <p:cTn id="6" dur="1" fill="hold">
+                                          <p:stCondLst>
+                                            <p:cond delay="0"/>
+                                          </p:stCondLst>
+                                        </p:cTn>
+                                        <p:tgtEl>
+                                          <p:spTgt spid="4"/>
+                                        </p:tgtEl>
+                                        <p:attrNameLst>
+                                          <p:attrName>style.visibility</p:attrName>
+                                        </p:attrNameLst>
+                                      </p:cBhvr>
+                                      <p:to>
+                                        <p:strVal val="visible"/>
+                                      </p:to>
+                                    </p:set>
+                                  </p:childTnLst>
+                                </p:cTn>
+                              </p:par>
+                            </p:childTnLst>
+                          </p:cTn>
+                        </p:par>
+                      </p:childTnLst>
+                    </p:cTn>
+                  </p:par>
+                </p:childTnLst>
+              </p:cTn>
+              <p:prevCondLst>
+                <p:cond evt="onPrev" delay="0">
+                  <p:tgtEl>
+                    <p:sldTgt/>
+                  </p:tgtEl>
+                </p:cond>
+              </p:prevCondLst>
+              <p:nextCondLst>
+                <p:cond evt="onNext" delay="0">
+                  <p:tgtEl>
+                    <p:sldTgt/>
+                  </p:tgtEl>
+                </p:cond>
+              </p:nextCondLst>
+            </p:seq>
+          </p:childTnLst>
+        </p:cTn>
+      </p:par>
+    </p:tnLst>
+    <p:bldLst>
+      <p:bldP spid="4" grpId="0"/>
+    </p:bldLst>
+  </p:timing>
+</p:sld>
+</file>
+
+<file path=ppt/slides/slide29.xml><?xml version="1.0" encoding="utf-8"?>
+<p:sld xmlns:a="http://schemas.openxmlformats.org/drawingml/2006/main" xmlns:r="http://schemas.openxmlformats.org/officeDocument/2006/relationships" xmlns:p="http://schemas.openxmlformats.org/presentationml/2006/main">
+  <p:cSld>
+    <p:spTree>
+      <p:nvGrpSpPr>
+        <p:cNvPr id="1" name=""/>
+        <p:cNvGrpSpPr/>
+        <p:nvPr/>
+      </p:nvGrpSpPr>
+      <p:grpSpPr>
+        <a:xfrm>
+          <a:off x="0" y="0"/>
+          <a:ext cx="0" cy="0"/>
+          <a:chOff x="0" y="0"/>
+          <a:chExt cx="0" cy="0"/>
+        </a:xfrm>
+      </p:grpSpPr>
+      <p:sp>
+        <p:nvSpPr>
+          <p:cNvPr id="2" name="Title 1"/>
+          <p:cNvSpPr>
+            <a:spLocks noGrp="1"/>
+          </p:cNvSpPr>
+          <p:nvPr>
+            <p:ph type="title"/>
+          </p:nvPr>
+        </p:nvSpPr>
+        <p:spPr/>
+        <p:txBody>
+          <a:bodyPr/>
+          <a:lstStyle/>
+          <a:p>
+            <a:r>
+              <a:rPr lang="en-US" dirty="0" smtClean="0"/>
+              <a:t>How do these all work together?</a:t>
+            </a:r>
+            <a:endParaRPr lang="en-US" dirty="0"/>
+          </a:p>
+        </p:txBody>
+      </p:sp>
+      <p:pic>
+        <p:nvPicPr>
+          <p:cNvPr id="1026" name="Picture 2"/>
+          <p:cNvPicPr>
+            <a:picLocks noChangeAspect="1" noChangeArrowheads="1"/>
+          </p:cNvPicPr>
+          <p:nvPr/>
+        </p:nvPicPr>
+        <p:blipFill>
+          <a:blip r:embed="rId2" cstate="print"/>
+          <a:srcRect/>
+          <a:stretch>
+            <a:fillRect/>
+          </a:stretch>
+        </p:blipFill>
+        <p:spPr bwMode="auto">
+          <a:xfrm>
+            <a:off x="245545" y="1751383"/>
+            <a:ext cx="2572082" cy="3507385"/>
+          </a:xfrm>
+          <a:prstGeom prst="rect">
+            <a:avLst/>
+          </a:prstGeom>
+          <a:noFill/>
+          <a:ln w="9525">
+            <a:noFill/>
+            <a:miter lim="800000"/>
+            <a:headEnd/>
+            <a:tailEnd/>
+          </a:ln>
+        </p:spPr>
+      </p:pic>
+      <p:sp>
+        <p:nvSpPr>
+          <p:cNvPr id="4" name="TextBox 3"/>
+          <p:cNvSpPr txBox="1"/>
+          <p:nvPr/>
+        </p:nvSpPr>
+        <p:spPr>
+          <a:xfrm>
+            <a:off x="180753" y="946297"/>
+            <a:ext cx="2700670" cy="707886"/>
+          </a:xfrm>
+          <a:prstGeom prst="rect">
+            <a:avLst/>
+          </a:prstGeom>
+          <a:noFill/>
+          <a:ln>
+            <a:noFill/>
+          </a:ln>
+        </p:spPr>
+        <p:txBody>
+          <a:bodyPr wrap="square" rtlCol="0">
+            <a:spAutoFit/>
+          </a:bodyPr>
+          <a:lstStyle/>
+          <a:p>
+            <a:r>
+              <a:rPr lang="en-US" sz="2000" dirty="0" smtClean="0"/>
+              <a:t>Typical Parametric Build Directory</a:t>
+            </a:r>
+            <a:endParaRPr lang="en-US" sz="2000" dirty="0" smtClean="0"/>
+          </a:p>
+        </p:txBody>
+      </p:sp>
+      <p:sp>
+        <p:nvSpPr>
+          <p:cNvPr id="5" name="TextBox 4"/>
+          <p:cNvSpPr txBox="1"/>
+          <p:nvPr/>
+        </p:nvSpPr>
+        <p:spPr>
+          <a:xfrm>
+            <a:off x="202019" y="5316279"/>
+            <a:ext cx="2711302" cy="307777"/>
+          </a:xfrm>
+          <a:prstGeom prst="rect">
+            <a:avLst/>
+          </a:prstGeom>
+          <a:ln/>
+        </p:spPr>
+        <p:style>
+          <a:lnRef idx="2">
+            <a:schemeClr val="accent2">
+              <a:shade val="50000"/>
+            </a:schemeClr>
+          </a:lnRef>
+          <a:fillRef idx="1">
+            <a:schemeClr val="accent2"/>
+          </a:fillRef>
+          <a:effectRef idx="0">
+            <a:schemeClr val="accent2"/>
+          </a:effectRef>
+          <a:fontRef idx="minor">
+            <a:schemeClr val="lt1"/>
+          </a:fontRef>
+        </p:style>
+        <p:txBody>
+          <a:bodyPr wrap="square" rtlCol="0">
+            <a:spAutoFit/>
+          </a:bodyPr>
+          <a:lstStyle/>
+          <a:p>
+            <a:r>
+              <a:rPr lang="en-US" sz="1400" dirty="0" smtClean="0"/>
+              <a:t>Modular, Modular, Modular….</a:t>
+            </a:r>
+            <a:endParaRPr lang="en-US" sz="1400" dirty="0" smtClean="0"/>
+          </a:p>
+        </p:txBody>
+      </p:sp>
+      <p:sp>
+        <p:nvSpPr>
+          <p:cNvPr id="6" name="Rectangle 5"/>
+          <p:cNvSpPr/>
+          <p:nvPr/>
+        </p:nvSpPr>
+        <p:spPr>
+          <a:xfrm>
+            <a:off x="244549" y="2254102"/>
+            <a:ext cx="1796902" cy="297712"/>
+          </a:xfrm>
+          <a:prstGeom prst="rect">
+            <a:avLst/>
+          </a:prstGeom>
+          <a:noFill/>
+          <a:ln>
+            <a:solidFill>
+              <a:srgbClr val="FF0000"/>
+            </a:solidFill>
+          </a:ln>
+        </p:spPr>
+        <p:style>
+          <a:lnRef idx="2">
+            <a:schemeClr val="accent1">
+              <a:shade val="50000"/>
+            </a:schemeClr>
+          </a:lnRef>
+          <a:fillRef idx="1">
+            <a:schemeClr val="accent1"/>
+          </a:fillRef>
+          <a:effectRef idx="0">
+            <a:schemeClr val="accent1"/>
+          </a:effectRef>
+          <a:fontRef idx="minor">
+            <a:schemeClr val="lt1"/>
+          </a:fontRef>
+        </p:style>
+        <p:txBody>
+          <a:bodyPr rtlCol="0" anchor="ctr"/>
+          <a:lstStyle/>
+          <a:p>
+            <a:pPr algn="ctr"/>
+            <a:endParaRPr lang="en-US"/>
+          </a:p>
+        </p:txBody>
+      </p:sp>
+      <p:sp>
+        <p:nvSpPr>
+          <p:cNvPr id="7" name="Rectangle 6"/>
+          <p:cNvSpPr/>
+          <p:nvPr/>
+        </p:nvSpPr>
+        <p:spPr>
+          <a:xfrm>
+            <a:off x="233916" y="2743200"/>
+            <a:ext cx="1828800" cy="308344"/>
+          </a:xfrm>
+          <a:prstGeom prst="rect">
+            <a:avLst/>
+          </a:prstGeom>
+          <a:noFill/>
+          <a:ln>
+            <a:solidFill>
+              <a:srgbClr val="FF0000"/>
+            </a:solidFill>
+          </a:ln>
+        </p:spPr>
+        <p:style>
+          <a:lnRef idx="2">
+            <a:schemeClr val="accent1">
+              <a:shade val="50000"/>
+            </a:schemeClr>
+          </a:lnRef>
+          <a:fillRef idx="1">
+            <a:schemeClr val="accent1"/>
+          </a:fillRef>
+          <a:effectRef idx="0">
+            <a:schemeClr val="accent1"/>
+          </a:effectRef>
+          <a:fontRef idx="minor">
+            <a:schemeClr val="lt1"/>
+          </a:fontRef>
+        </p:style>
+        <p:txBody>
+          <a:bodyPr rtlCol="0" anchor="ctr"/>
+          <a:lstStyle/>
+          <a:p>
+            <a:pPr algn="ctr"/>
+            <a:endParaRPr lang="en-US"/>
+          </a:p>
+        </p:txBody>
+      </p:sp>
+      <p:sp>
+        <p:nvSpPr>
+          <p:cNvPr id="8" name="Rectangle 7"/>
+          <p:cNvSpPr/>
+          <p:nvPr/>
+        </p:nvSpPr>
+        <p:spPr>
+          <a:xfrm>
+            <a:off x="276447" y="4731488"/>
+            <a:ext cx="1956390" cy="308345"/>
+          </a:xfrm>
+          <a:prstGeom prst="rect">
+            <a:avLst/>
+          </a:prstGeom>
+          <a:noFill/>
+          <a:ln>
+            <a:solidFill>
+              <a:schemeClr val="accent3">
+                <a:lumMod val="75000"/>
+              </a:schemeClr>
+            </a:solidFill>
+          </a:ln>
+        </p:spPr>
+        <p:style>
+          <a:lnRef idx="2">
+            <a:schemeClr val="accent1">
+              <a:shade val="50000"/>
+            </a:schemeClr>
+          </a:lnRef>
+          <a:fillRef idx="1">
+            <a:schemeClr val="accent1"/>
+          </a:fillRef>
+          <a:effectRef idx="0">
+            <a:schemeClr val="accent1"/>
+          </a:effectRef>
+          <a:fontRef idx="minor">
+            <a:schemeClr val="lt1"/>
+          </a:fontRef>
+        </p:style>
+        <p:txBody>
+          <a:bodyPr rtlCol="0" anchor="ctr"/>
+          <a:lstStyle/>
+          <a:p>
+            <a:pPr algn="ctr"/>
+            <a:endParaRPr lang="en-US"/>
+          </a:p>
+        </p:txBody>
+      </p:sp>
+      <p:pic>
+        <p:nvPicPr>
+          <p:cNvPr id="1027" name="Picture 3"/>
+          <p:cNvPicPr>
+            <a:picLocks noChangeAspect="1" noChangeArrowheads="1"/>
+          </p:cNvPicPr>
+          <p:nvPr/>
+        </p:nvPicPr>
+        <p:blipFill>
+          <a:blip r:embed="rId3" cstate="print"/>
+          <a:srcRect/>
+          <a:stretch>
+            <a:fillRect/>
+          </a:stretch>
+        </p:blipFill>
+        <p:spPr bwMode="auto">
+          <a:xfrm>
+            <a:off x="4482399" y="1007325"/>
+            <a:ext cx="4219575" cy="5438775"/>
+          </a:xfrm>
+          <a:prstGeom prst="rect">
+            <a:avLst/>
+          </a:prstGeom>
+          <a:noFill/>
+          <a:ln w="9525">
+            <a:noFill/>
+            <a:miter lim="800000"/>
+            <a:headEnd/>
+            <a:tailEnd/>
+          </a:ln>
+        </p:spPr>
+      </p:pic>
       <p:cxnSp>
         <p:nvCxnSpPr>
-          <p:cNvPr id="15" name="Elbow Connector 14"/>
+          <p:cNvPr id="11" name="Straight Arrow Connector 10"/>
           <p:cNvCxnSpPr>
-            <a:stCxn id="6" idx="2"/>
-            <a:endCxn id="7170" idx="0"/>
+            <a:stCxn id="8" idx="3"/>
+            <a:endCxn id="1027" idx="1"/>
           </p:cNvCxnSpPr>
           <p:nvPr/>
         </p:nvCxnSpPr>
         <p:spPr>
-          <a:xfrm rot="5400000">
-            <a:off x="3088270" y="850163"/>
-            <a:ext cx="223631" cy="1967454"/>
-          </a:xfrm>
-          <a:prstGeom prst="bentConnector3">
-            <a:avLst>
-              <a:gd name="adj1" fmla="val 50000"/>
-            </a:avLst>
-          </a:prstGeom>
-          <a:ln w="25400">
+          <a:xfrm flipV="1">
+            <a:off x="2232837" y="3726713"/>
+            <a:ext cx="2249562" cy="1158948"/>
+          </a:xfrm>
+          <a:prstGeom prst="straightConnector1">
+            <a:avLst/>
+          </a:prstGeom>
+          <a:ln w="41275">
             <a:solidFill>
-              <a:schemeClr val="tx1"/>
+              <a:schemeClr val="accent3">
+                <a:lumMod val="75000"/>
+              </a:schemeClr>
             </a:solidFill>
-            <a:tailEnd type="triangle"/>
+            <a:tailEnd type="arrow"/>
           </a:ln>
         </p:spPr>
         <p:style>
@@ -20959,30 +22979,865 @@
           </a:fontRef>
         </p:style>
       </p:cxnSp>
+      <p:sp>
+        <p:nvSpPr>
+          <p:cNvPr id="12" name="Rectangle 11"/>
+          <p:cNvSpPr/>
+          <p:nvPr/>
+        </p:nvSpPr>
+        <p:spPr>
+          <a:xfrm>
+            <a:off x="4774020" y="2041451"/>
+            <a:ext cx="1701208" cy="212650"/>
+          </a:xfrm>
+          <a:prstGeom prst="rect">
+            <a:avLst/>
+          </a:prstGeom>
+          <a:noFill/>
+          <a:ln>
+            <a:solidFill>
+              <a:srgbClr val="FF0000"/>
+            </a:solidFill>
+          </a:ln>
+        </p:spPr>
+        <p:style>
+          <a:lnRef idx="2">
+            <a:schemeClr val="accent1">
+              <a:shade val="50000"/>
+            </a:schemeClr>
+          </a:lnRef>
+          <a:fillRef idx="1">
+            <a:schemeClr val="accent1"/>
+          </a:fillRef>
+          <a:effectRef idx="0">
+            <a:schemeClr val="accent1"/>
+          </a:effectRef>
+          <a:fontRef idx="minor">
+            <a:schemeClr val="lt1"/>
+          </a:fontRef>
+        </p:style>
+        <p:txBody>
+          <a:bodyPr rtlCol="0" anchor="ctr"/>
+          <a:lstStyle/>
+          <a:p>
+            <a:pPr algn="ctr"/>
+            <a:endParaRPr lang="en-US"/>
+          </a:p>
+        </p:txBody>
+      </p:sp>
+      <p:sp>
+        <p:nvSpPr>
+          <p:cNvPr id="13" name="Rectangle 12"/>
+          <p:cNvSpPr/>
+          <p:nvPr/>
+        </p:nvSpPr>
+        <p:spPr>
+          <a:xfrm>
+            <a:off x="4784650" y="5851451"/>
+            <a:ext cx="1672855" cy="198475"/>
+          </a:xfrm>
+          <a:prstGeom prst="rect">
+            <a:avLst/>
+          </a:prstGeom>
+          <a:noFill/>
+          <a:ln>
+            <a:solidFill>
+              <a:srgbClr val="FF0000"/>
+            </a:solidFill>
+          </a:ln>
+        </p:spPr>
+        <p:style>
+          <a:lnRef idx="2">
+            <a:schemeClr val="accent1">
+              <a:shade val="50000"/>
+            </a:schemeClr>
+          </a:lnRef>
+          <a:fillRef idx="1">
+            <a:schemeClr val="accent1"/>
+          </a:fillRef>
+          <a:effectRef idx="0">
+            <a:schemeClr val="accent1"/>
+          </a:effectRef>
+          <a:fontRef idx="minor">
+            <a:schemeClr val="lt1"/>
+          </a:fontRef>
+        </p:style>
+        <p:txBody>
+          <a:bodyPr rtlCol="0" anchor="ctr"/>
+          <a:lstStyle/>
+          <a:p>
+            <a:pPr algn="ctr"/>
+            <a:endParaRPr lang="en-US"/>
+          </a:p>
+        </p:txBody>
+      </p:sp>
+    </p:spTree>
+  </p:cSld>
+  <p:clrMapOvr>
+    <a:masterClrMapping/>
+  </p:clrMapOvr>
+  <p:timing>
+    <p:tnLst>
+      <p:par>
+        <p:cTn id="1" dur="indefinite" restart="never" nodeType="tmRoot">
+          <p:childTnLst>
+            <p:seq concurrent="1" nextAc="seek">
+              <p:cTn id="2" dur="indefinite" nodeType="mainSeq">
+                <p:childTnLst>
+                  <p:par>
+                    <p:cTn id="3" fill="hold">
+                      <p:stCondLst>
+                        <p:cond delay="indefinite"/>
+                      </p:stCondLst>
+                      <p:childTnLst>
+                        <p:par>
+                          <p:cTn id="4" fill="hold">
+                            <p:stCondLst>
+                              <p:cond delay="0"/>
+                            </p:stCondLst>
+                            <p:childTnLst>
+                              <p:par>
+                                <p:cTn id="5" presetID="1" presetClass="entr" presetSubtype="0" fill="hold" grpId="0" nodeType="clickEffect">
+                                  <p:stCondLst>
+                                    <p:cond delay="0"/>
+                                  </p:stCondLst>
+                                  <p:childTnLst>
+                                    <p:set>
+                                      <p:cBhvr>
+                                        <p:cTn id="6" dur="1" fill="hold">
+                                          <p:stCondLst>
+                                            <p:cond delay="0"/>
+                                          </p:stCondLst>
+                                        </p:cTn>
+                                        <p:tgtEl>
+                                          <p:spTgt spid="5"/>
+                                        </p:tgtEl>
+                                        <p:attrNameLst>
+                                          <p:attrName>style.visibility</p:attrName>
+                                        </p:attrNameLst>
+                                      </p:cBhvr>
+                                      <p:to>
+                                        <p:strVal val="visible"/>
+                                      </p:to>
+                                    </p:set>
+                                  </p:childTnLst>
+                                </p:cTn>
+                              </p:par>
+                            </p:childTnLst>
+                          </p:cTn>
+                        </p:par>
+                      </p:childTnLst>
+                    </p:cTn>
+                  </p:par>
+                  <p:par>
+                    <p:cTn id="7" fill="hold">
+                      <p:stCondLst>
+                        <p:cond delay="indefinite"/>
+                      </p:stCondLst>
+                      <p:childTnLst>
+                        <p:par>
+                          <p:cTn id="8" fill="hold">
+                            <p:stCondLst>
+                              <p:cond delay="0"/>
+                            </p:stCondLst>
+                            <p:childTnLst>
+                              <p:par>
+                                <p:cTn id="9" presetID="1" presetClass="entr" presetSubtype="0" fill="hold" grpId="0" nodeType="clickEffect">
+                                  <p:stCondLst>
+                                    <p:cond delay="0"/>
+                                  </p:stCondLst>
+                                  <p:childTnLst>
+                                    <p:set>
+                                      <p:cBhvr>
+                                        <p:cTn id="10" dur="1" fill="hold">
+                                          <p:stCondLst>
+                                            <p:cond delay="0"/>
+                                          </p:stCondLst>
+                                        </p:cTn>
+                                        <p:tgtEl>
+                                          <p:spTgt spid="7"/>
+                                        </p:tgtEl>
+                                        <p:attrNameLst>
+                                          <p:attrName>style.visibility</p:attrName>
+                                        </p:attrNameLst>
+                                      </p:cBhvr>
+                                      <p:to>
+                                        <p:strVal val="visible"/>
+                                      </p:to>
+                                    </p:set>
+                                  </p:childTnLst>
+                                </p:cTn>
+                              </p:par>
+                              <p:par>
+                                <p:cTn id="11" presetID="1" presetClass="entr" presetSubtype="0" fill="hold" grpId="0" nodeType="withEffect">
+                                  <p:stCondLst>
+                                    <p:cond delay="0"/>
+                                  </p:stCondLst>
+                                  <p:childTnLst>
+                                    <p:set>
+                                      <p:cBhvr>
+                                        <p:cTn id="12" dur="1" fill="hold">
+                                          <p:stCondLst>
+                                            <p:cond delay="0"/>
+                                          </p:stCondLst>
+                                        </p:cTn>
+                                        <p:tgtEl>
+                                          <p:spTgt spid="6"/>
+                                        </p:tgtEl>
+                                        <p:attrNameLst>
+                                          <p:attrName>style.visibility</p:attrName>
+                                        </p:attrNameLst>
+                                      </p:cBhvr>
+                                      <p:to>
+                                        <p:strVal val="visible"/>
+                                      </p:to>
+                                    </p:set>
+                                  </p:childTnLst>
+                                </p:cTn>
+                              </p:par>
+                            </p:childTnLst>
+                          </p:cTn>
+                        </p:par>
+                      </p:childTnLst>
+                    </p:cTn>
+                  </p:par>
+                  <p:par>
+                    <p:cTn id="13" fill="hold">
+                      <p:stCondLst>
+                        <p:cond delay="indefinite"/>
+                      </p:stCondLst>
+                      <p:childTnLst>
+                        <p:par>
+                          <p:cTn id="14" fill="hold">
+                            <p:stCondLst>
+                              <p:cond delay="0"/>
+                            </p:stCondLst>
+                            <p:childTnLst>
+                              <p:par>
+                                <p:cTn id="15" presetID="1" presetClass="entr" presetSubtype="0" fill="hold" grpId="0" nodeType="clickEffect">
+                                  <p:stCondLst>
+                                    <p:cond delay="0"/>
+                                  </p:stCondLst>
+                                  <p:childTnLst>
+                                    <p:set>
+                                      <p:cBhvr>
+                                        <p:cTn id="16" dur="1" fill="hold">
+                                          <p:stCondLst>
+                                            <p:cond delay="0"/>
+                                          </p:stCondLst>
+                                        </p:cTn>
+                                        <p:tgtEl>
+                                          <p:spTgt spid="8"/>
+                                        </p:tgtEl>
+                                        <p:attrNameLst>
+                                          <p:attrName>style.visibility</p:attrName>
+                                        </p:attrNameLst>
+                                      </p:cBhvr>
+                                      <p:to>
+                                        <p:strVal val="visible"/>
+                                      </p:to>
+                                    </p:set>
+                                  </p:childTnLst>
+                                </p:cTn>
+                              </p:par>
+                              <p:par>
+                                <p:cTn id="17" presetID="1" presetClass="entr" presetSubtype="0" fill="hold" nodeType="withEffect">
+                                  <p:stCondLst>
+                                    <p:cond delay="0"/>
+                                  </p:stCondLst>
+                                  <p:childTnLst>
+                                    <p:set>
+                                      <p:cBhvr>
+                                        <p:cTn id="18" dur="1" fill="hold">
+                                          <p:stCondLst>
+                                            <p:cond delay="0"/>
+                                          </p:stCondLst>
+                                        </p:cTn>
+                                        <p:tgtEl>
+                                          <p:spTgt spid="11"/>
+                                        </p:tgtEl>
+                                        <p:attrNameLst>
+                                          <p:attrName>style.visibility</p:attrName>
+                                        </p:attrNameLst>
+                                      </p:cBhvr>
+                                      <p:to>
+                                        <p:strVal val="visible"/>
+                                      </p:to>
+                                    </p:set>
+                                  </p:childTnLst>
+                                </p:cTn>
+                              </p:par>
+                              <p:par>
+                                <p:cTn id="19" presetID="1" presetClass="entr" presetSubtype="0" fill="hold" nodeType="withEffect">
+                                  <p:stCondLst>
+                                    <p:cond delay="0"/>
+                                  </p:stCondLst>
+                                  <p:childTnLst>
+                                    <p:set>
+                                      <p:cBhvr>
+                                        <p:cTn id="20" dur="1" fill="hold">
+                                          <p:stCondLst>
+                                            <p:cond delay="0"/>
+                                          </p:stCondLst>
+                                        </p:cTn>
+                                        <p:tgtEl>
+                                          <p:spTgt spid="1027"/>
+                                        </p:tgtEl>
+                                        <p:attrNameLst>
+                                          <p:attrName>style.visibility</p:attrName>
+                                        </p:attrNameLst>
+                                      </p:cBhvr>
+                                      <p:to>
+                                        <p:strVal val="visible"/>
+                                      </p:to>
+                                    </p:set>
+                                  </p:childTnLst>
+                                </p:cTn>
+                              </p:par>
+                            </p:childTnLst>
+                          </p:cTn>
+                        </p:par>
+                      </p:childTnLst>
+                    </p:cTn>
+                  </p:par>
+                  <p:par>
+                    <p:cTn id="21" fill="hold">
+                      <p:stCondLst>
+                        <p:cond delay="indefinite"/>
+                      </p:stCondLst>
+                      <p:childTnLst>
+                        <p:par>
+                          <p:cTn id="22" fill="hold">
+                            <p:stCondLst>
+                              <p:cond delay="0"/>
+                            </p:stCondLst>
+                            <p:childTnLst>
+                              <p:par>
+                                <p:cTn id="23" presetID="1" presetClass="entr" presetSubtype="0" fill="hold" grpId="0" nodeType="clickEffect">
+                                  <p:stCondLst>
+                                    <p:cond delay="0"/>
+                                  </p:stCondLst>
+                                  <p:childTnLst>
+                                    <p:set>
+                                      <p:cBhvr>
+                                        <p:cTn id="24" dur="1" fill="hold">
+                                          <p:stCondLst>
+                                            <p:cond delay="0"/>
+                                          </p:stCondLst>
+                                        </p:cTn>
+                                        <p:tgtEl>
+                                          <p:spTgt spid="12"/>
+                                        </p:tgtEl>
+                                        <p:attrNameLst>
+                                          <p:attrName>style.visibility</p:attrName>
+                                        </p:attrNameLst>
+                                      </p:cBhvr>
+                                      <p:to>
+                                        <p:strVal val="visible"/>
+                                      </p:to>
+                                    </p:set>
+                                  </p:childTnLst>
+                                </p:cTn>
+                              </p:par>
+                              <p:par>
+                                <p:cTn id="25" presetID="1" presetClass="entr" presetSubtype="0" fill="hold" grpId="0" nodeType="withEffect">
+                                  <p:stCondLst>
+                                    <p:cond delay="0"/>
+                                  </p:stCondLst>
+                                  <p:childTnLst>
+                                    <p:set>
+                                      <p:cBhvr>
+                                        <p:cTn id="26" dur="1" fill="hold">
+                                          <p:stCondLst>
+                                            <p:cond delay="0"/>
+                                          </p:stCondLst>
+                                        </p:cTn>
+                                        <p:tgtEl>
+                                          <p:spTgt spid="13"/>
+                                        </p:tgtEl>
+                                        <p:attrNameLst>
+                                          <p:attrName>style.visibility</p:attrName>
+                                        </p:attrNameLst>
+                                      </p:cBhvr>
+                                      <p:to>
+                                        <p:strVal val="visible"/>
+                                      </p:to>
+                                    </p:set>
+                                  </p:childTnLst>
+                                </p:cTn>
+                              </p:par>
+                            </p:childTnLst>
+                          </p:cTn>
+                        </p:par>
+                      </p:childTnLst>
+                    </p:cTn>
+                  </p:par>
+                </p:childTnLst>
+              </p:cTn>
+              <p:prevCondLst>
+                <p:cond evt="onPrev" delay="0">
+                  <p:tgtEl>
+                    <p:sldTgt/>
+                  </p:tgtEl>
+                </p:cond>
+              </p:prevCondLst>
+              <p:nextCondLst>
+                <p:cond evt="onNext" delay="0">
+                  <p:tgtEl>
+                    <p:sldTgt/>
+                  </p:tgtEl>
+                </p:cond>
+              </p:nextCondLst>
+            </p:seq>
+          </p:childTnLst>
+        </p:cTn>
+      </p:par>
+    </p:tnLst>
+    <p:bldLst>
+      <p:bldP spid="5" grpId="0" animBg="1"/>
+      <p:bldP spid="6" grpId="0" animBg="1"/>
+      <p:bldP spid="7" grpId="0" animBg="1"/>
+      <p:bldP spid="8" grpId="0" animBg="1"/>
+      <p:bldP spid="12" grpId="0" animBg="1"/>
+      <p:bldP spid="13" grpId="0" animBg="1"/>
+    </p:bldLst>
+  </p:timing>
+</p:sld>
+</file>
+
+<file path=ppt/slides/slide3.xml><?xml version="1.0" encoding="utf-8"?>
+<p:sld xmlns:a="http://schemas.openxmlformats.org/drawingml/2006/main" xmlns:r="http://schemas.openxmlformats.org/officeDocument/2006/relationships" xmlns:p="http://schemas.openxmlformats.org/presentationml/2006/main">
+  <p:cSld>
+    <p:spTree>
+      <p:nvGrpSpPr>
+        <p:cNvPr id="1" name=""/>
+        <p:cNvGrpSpPr/>
+        <p:nvPr/>
+      </p:nvGrpSpPr>
+      <p:grpSpPr>
+        <a:xfrm>
+          <a:off x="0" y="0"/>
+          <a:ext cx="0" cy="0"/>
+          <a:chOff x="0" y="0"/>
+          <a:chExt cx="0" cy="0"/>
+        </a:xfrm>
+      </p:grpSpPr>
+      <p:sp>
+        <p:nvSpPr>
+          <p:cNvPr id="5122" name="Rectangle 2"/>
+          <p:cNvSpPr>
+            <a:spLocks noGrp="1" noChangeArrowheads="1"/>
+          </p:cNvSpPr>
+          <p:nvPr>
+            <p:ph type="title"/>
+          </p:nvPr>
+        </p:nvSpPr>
+        <p:spPr/>
+        <p:txBody>
+          <a:bodyPr/>
+          <a:lstStyle/>
+          <a:p>
+            <a:pPr eaLnBrk="1" hangingPunct="1"/>
+            <a:r>
+              <a:rPr lang="en-US" smtClean="0"/>
+              <a:t>What Are ANSYS Macros</a:t>
+            </a:r>
+          </a:p>
+        </p:txBody>
+      </p:sp>
+      <p:sp>
+        <p:nvSpPr>
+          <p:cNvPr id="5123" name="Rectangle 3"/>
+          <p:cNvSpPr>
+            <a:spLocks noGrp="1" noChangeArrowheads="1"/>
+          </p:cNvSpPr>
+          <p:nvPr>
+            <p:ph type="body" idx="1"/>
+          </p:nvPr>
+        </p:nvSpPr>
+        <p:spPr>
+          <a:xfrm>
+            <a:off x="457200" y="1600200"/>
+            <a:ext cx="8229600" cy="2590800"/>
+          </a:xfrm>
+        </p:spPr>
+        <p:txBody>
+          <a:bodyPr/>
+          <a:lstStyle/>
+          <a:p>
+            <a:pPr eaLnBrk="1" hangingPunct="1"/>
+            <a:r>
+              <a:rPr lang="en-US" smtClean="0"/>
+              <a:t>Macros can include arguments to add functionality to the macro</a:t>
+            </a:r>
+          </a:p>
+          <a:p>
+            <a:pPr lvl="1" eaLnBrk="1" hangingPunct="1"/>
+            <a:r>
+              <a:rPr lang="en-US" smtClean="0"/>
+              <a:t>For Example: in the BOLT macro below</a:t>
+            </a:r>
+          </a:p>
+          <a:p>
+            <a:pPr lvl="2" eaLnBrk="1" hangingPunct="1"/>
+            <a:r>
+              <a:rPr lang="en-US" smtClean="0"/>
+              <a:t>Argument 1 specifies a .25” bolt diameter</a:t>
+            </a:r>
+          </a:p>
+          <a:p>
+            <a:pPr lvl="2" eaLnBrk="1" hangingPunct="1"/>
+            <a:r>
+              <a:rPr lang="en-US" smtClean="0"/>
+              <a:t>Argument 2 specifies a bolt preload of 2000 lbf</a:t>
+            </a:r>
+          </a:p>
+        </p:txBody>
+      </p:sp>
+      <p:pic>
+        <p:nvPicPr>
+          <p:cNvPr id="5124" name="Picture 5"/>
+          <p:cNvPicPr>
+            <a:picLocks noChangeAspect="1" noChangeArrowheads="1"/>
+          </p:cNvPicPr>
+          <p:nvPr/>
+        </p:nvPicPr>
+        <p:blipFill>
+          <a:blip r:embed="rId2" cstate="print"/>
+          <a:srcRect/>
+          <a:stretch>
+            <a:fillRect/>
+          </a:stretch>
+        </p:blipFill>
+        <p:spPr bwMode="auto">
+          <a:xfrm>
+            <a:off x="1219200" y="4267200"/>
+            <a:ext cx="6934200" cy="1997075"/>
+          </a:xfrm>
+          <a:prstGeom prst="rect">
+            <a:avLst/>
+          </a:prstGeom>
+          <a:noFill/>
+          <a:ln w="9525">
+            <a:noFill/>
+            <a:miter lim="800000"/>
+            <a:headEnd/>
+            <a:tailEnd/>
+          </a:ln>
+        </p:spPr>
+      </p:pic>
+    </p:spTree>
+  </p:cSld>
+  <p:clrMapOvr>
+    <a:masterClrMapping/>
+  </p:clrMapOvr>
+  <p:timing>
+    <p:tnLst>
+      <p:par>
+        <p:cTn id="1" dur="indefinite" restart="never" nodeType="tmRoot"/>
+      </p:par>
+    </p:tnLst>
+  </p:timing>
+</p:sld>
+</file>
+
+<file path=ppt/slides/slide30.xml><?xml version="1.0" encoding="utf-8"?>
+<p:sld xmlns:a="http://schemas.openxmlformats.org/drawingml/2006/main" xmlns:r="http://schemas.openxmlformats.org/officeDocument/2006/relationships" xmlns:p="http://schemas.openxmlformats.org/presentationml/2006/main">
+  <p:cSld>
+    <p:spTree>
+      <p:nvGrpSpPr>
+        <p:cNvPr id="1" name=""/>
+        <p:cNvGrpSpPr/>
+        <p:nvPr/>
+      </p:nvGrpSpPr>
+      <p:grpSpPr>
+        <a:xfrm>
+          <a:off x="0" y="0"/>
+          <a:ext cx="0" cy="0"/>
+          <a:chOff x="0" y="0"/>
+          <a:chExt cx="0" cy="0"/>
+        </a:xfrm>
+      </p:grpSpPr>
+      <p:sp>
+        <p:nvSpPr>
+          <p:cNvPr id="2" name="Title 1"/>
+          <p:cNvSpPr>
+            <a:spLocks noGrp="1"/>
+          </p:cNvSpPr>
+          <p:nvPr>
+            <p:ph type="title"/>
+          </p:nvPr>
+        </p:nvSpPr>
+        <p:spPr/>
+        <p:txBody>
+          <a:bodyPr/>
+          <a:lstStyle/>
+          <a:p>
+            <a:r>
+              <a:rPr lang="en-US" dirty="0" smtClean="0"/>
+              <a:t>How do these all work together?</a:t>
+            </a:r>
+            <a:endParaRPr lang="en-US" dirty="0"/>
+          </a:p>
+        </p:txBody>
+      </p:sp>
+      <p:pic>
+        <p:nvPicPr>
+          <p:cNvPr id="1026" name="Picture 2"/>
+          <p:cNvPicPr>
+            <a:picLocks noChangeAspect="1" noChangeArrowheads="1"/>
+          </p:cNvPicPr>
+          <p:nvPr/>
+        </p:nvPicPr>
+        <p:blipFill>
+          <a:blip r:embed="rId2" cstate="print"/>
+          <a:srcRect/>
+          <a:stretch>
+            <a:fillRect/>
+          </a:stretch>
+        </p:blipFill>
+        <p:spPr bwMode="auto">
+          <a:xfrm>
+            <a:off x="245545" y="1751383"/>
+            <a:ext cx="2572082" cy="3507385"/>
+          </a:xfrm>
+          <a:prstGeom prst="rect">
+            <a:avLst/>
+          </a:prstGeom>
+          <a:noFill/>
+          <a:ln w="9525">
+            <a:noFill/>
+            <a:miter lim="800000"/>
+            <a:headEnd/>
+            <a:tailEnd/>
+          </a:ln>
+        </p:spPr>
+      </p:pic>
+      <p:sp>
+        <p:nvSpPr>
+          <p:cNvPr id="4" name="TextBox 3"/>
+          <p:cNvSpPr txBox="1"/>
+          <p:nvPr/>
+        </p:nvSpPr>
+        <p:spPr>
+          <a:xfrm>
+            <a:off x="180753" y="946297"/>
+            <a:ext cx="2700670" cy="707886"/>
+          </a:xfrm>
+          <a:prstGeom prst="rect">
+            <a:avLst/>
+          </a:prstGeom>
+          <a:noFill/>
+          <a:ln>
+            <a:noFill/>
+          </a:ln>
+        </p:spPr>
+        <p:txBody>
+          <a:bodyPr wrap="square" rtlCol="0">
+            <a:spAutoFit/>
+          </a:bodyPr>
+          <a:lstStyle/>
+          <a:p>
+            <a:r>
+              <a:rPr lang="en-US" sz="2000" dirty="0" smtClean="0"/>
+              <a:t>Typical Parametric Build Directory</a:t>
+            </a:r>
+            <a:endParaRPr lang="en-US" sz="2000" dirty="0" smtClean="0"/>
+          </a:p>
+        </p:txBody>
+      </p:sp>
+      <p:sp>
+        <p:nvSpPr>
+          <p:cNvPr id="5" name="TextBox 4"/>
+          <p:cNvSpPr txBox="1"/>
+          <p:nvPr/>
+        </p:nvSpPr>
+        <p:spPr>
+          <a:xfrm>
+            <a:off x="202019" y="5316279"/>
+            <a:ext cx="2711302" cy="307777"/>
+          </a:xfrm>
+          <a:prstGeom prst="rect">
+            <a:avLst/>
+          </a:prstGeom>
+          <a:ln/>
+        </p:spPr>
+        <p:style>
+          <a:lnRef idx="2">
+            <a:schemeClr val="accent2">
+              <a:shade val="50000"/>
+            </a:schemeClr>
+          </a:lnRef>
+          <a:fillRef idx="1">
+            <a:schemeClr val="accent2"/>
+          </a:fillRef>
+          <a:effectRef idx="0">
+            <a:schemeClr val="accent2"/>
+          </a:effectRef>
+          <a:fontRef idx="minor">
+            <a:schemeClr val="lt1"/>
+          </a:fontRef>
+        </p:style>
+        <p:txBody>
+          <a:bodyPr wrap="square" rtlCol="0">
+            <a:spAutoFit/>
+          </a:bodyPr>
+          <a:lstStyle/>
+          <a:p>
+            <a:r>
+              <a:rPr lang="en-US" sz="1400" dirty="0" smtClean="0"/>
+              <a:t>Modular, Modular, Modular….</a:t>
+            </a:r>
+            <a:endParaRPr lang="en-US" sz="1400" dirty="0" smtClean="0"/>
+          </a:p>
+        </p:txBody>
+      </p:sp>
+      <p:sp>
+        <p:nvSpPr>
+          <p:cNvPr id="6" name="Rectangle 5"/>
+          <p:cNvSpPr/>
+          <p:nvPr/>
+        </p:nvSpPr>
+        <p:spPr>
+          <a:xfrm>
+            <a:off x="244549" y="2254102"/>
+            <a:ext cx="1796902" cy="297712"/>
+          </a:xfrm>
+          <a:prstGeom prst="rect">
+            <a:avLst/>
+          </a:prstGeom>
+          <a:noFill/>
+          <a:ln>
+            <a:solidFill>
+              <a:srgbClr val="FF0000"/>
+            </a:solidFill>
+          </a:ln>
+        </p:spPr>
+        <p:style>
+          <a:lnRef idx="2">
+            <a:schemeClr val="accent1">
+              <a:shade val="50000"/>
+            </a:schemeClr>
+          </a:lnRef>
+          <a:fillRef idx="1">
+            <a:schemeClr val="accent1"/>
+          </a:fillRef>
+          <a:effectRef idx="0">
+            <a:schemeClr val="accent1"/>
+          </a:effectRef>
+          <a:fontRef idx="minor">
+            <a:schemeClr val="lt1"/>
+          </a:fontRef>
+        </p:style>
+        <p:txBody>
+          <a:bodyPr rtlCol="0" anchor="ctr"/>
+          <a:lstStyle/>
+          <a:p>
+            <a:pPr algn="ctr"/>
+            <a:endParaRPr lang="en-US"/>
+          </a:p>
+        </p:txBody>
+      </p:sp>
+      <p:sp>
+        <p:nvSpPr>
+          <p:cNvPr id="7" name="Rectangle 6"/>
+          <p:cNvSpPr/>
+          <p:nvPr/>
+        </p:nvSpPr>
+        <p:spPr>
+          <a:xfrm>
+            <a:off x="233916" y="2743200"/>
+            <a:ext cx="1828800" cy="308344"/>
+          </a:xfrm>
+          <a:prstGeom prst="rect">
+            <a:avLst/>
+          </a:prstGeom>
+          <a:noFill/>
+          <a:ln>
+            <a:solidFill>
+              <a:srgbClr val="FF0000"/>
+            </a:solidFill>
+          </a:ln>
+        </p:spPr>
+        <p:style>
+          <a:lnRef idx="2">
+            <a:schemeClr val="accent1">
+              <a:shade val="50000"/>
+            </a:schemeClr>
+          </a:lnRef>
+          <a:fillRef idx="1">
+            <a:schemeClr val="accent1"/>
+          </a:fillRef>
+          <a:effectRef idx="0">
+            <a:schemeClr val="accent1"/>
+          </a:effectRef>
+          <a:fontRef idx="minor">
+            <a:schemeClr val="lt1"/>
+          </a:fontRef>
+        </p:style>
+        <p:txBody>
+          <a:bodyPr rtlCol="0" anchor="ctr"/>
+          <a:lstStyle/>
+          <a:p>
+            <a:pPr algn="ctr"/>
+            <a:endParaRPr lang="en-US"/>
+          </a:p>
+        </p:txBody>
+      </p:sp>
+      <p:pic>
+        <p:nvPicPr>
+          <p:cNvPr id="2051" name="Picture 3"/>
+          <p:cNvPicPr>
+            <a:picLocks noChangeAspect="1" noChangeArrowheads="1"/>
+          </p:cNvPicPr>
+          <p:nvPr/>
+        </p:nvPicPr>
+        <p:blipFill>
+          <a:blip r:embed="rId3" cstate="print"/>
+          <a:srcRect/>
+          <a:stretch>
+            <a:fillRect/>
+          </a:stretch>
+        </p:blipFill>
+        <p:spPr bwMode="auto">
+          <a:xfrm>
+            <a:off x="3985547" y="935081"/>
+            <a:ext cx="4424805" cy="5837855"/>
+          </a:xfrm>
+          <a:prstGeom prst="rect">
+            <a:avLst/>
+          </a:prstGeom>
+          <a:noFill/>
+          <a:ln w="9525">
+            <a:noFill/>
+            <a:miter lim="800000"/>
+            <a:headEnd/>
+            <a:tailEnd/>
+          </a:ln>
+        </p:spPr>
+      </p:pic>
       <p:cxnSp>
         <p:nvCxnSpPr>
-          <p:cNvPr id="17" name="Elbow Connector 16"/>
+          <p:cNvPr id="16" name="Straight Arrow Connector 15"/>
           <p:cNvCxnSpPr>
-            <a:stCxn id="8" idx="3"/>
-            <a:endCxn id="7171" idx="1"/>
+            <a:stCxn id="7" idx="3"/>
+            <a:endCxn id="2051" idx="1"/>
           </p:cNvCxnSpPr>
           <p:nvPr/>
         </p:nvCxnSpPr>
         <p:spPr>
-          <a:xfrm flipV="1">
-            <a:off x="4235570" y="4028850"/>
-            <a:ext cx="272248" cy="1284372"/>
-          </a:xfrm>
-          <a:prstGeom prst="bentConnector3">
-            <a:avLst>
-              <a:gd name="adj1" fmla="val 50000"/>
-            </a:avLst>
-          </a:prstGeom>
-          <a:ln w="25400">
+          <a:xfrm>
+            <a:off x="2062716" y="2897372"/>
+            <a:ext cx="1922831" cy="956637"/>
+          </a:xfrm>
+          <a:prstGeom prst="straightConnector1">
+            <a:avLst/>
+          </a:prstGeom>
+          <a:ln w="41275">
             <a:solidFill>
-              <a:schemeClr val="tx1"/>
+              <a:srgbClr val="FF0000"/>
             </a:solidFill>
-            <a:tailEnd type="triangle"/>
+            <a:tailEnd type="arrow"/>
           </a:ln>
         </p:spPr>
         <p:style>
@@ -21015,7 +23870,7 @@
 </p:sld>
 </file>
 
-<file path=ppt/slides/slide3.xml><?xml version="1.0" encoding="utf-8"?>
+<file path=ppt/slides/slide31.xml><?xml version="1.0" encoding="utf-8"?>
 <p:sld xmlns:a="http://schemas.openxmlformats.org/drawingml/2006/main" xmlns:r="http://schemas.openxmlformats.org/officeDocument/2006/relationships" xmlns:p="http://schemas.openxmlformats.org/presentationml/2006/main">
   <p:cSld>
     <p:spTree>
@@ -21034,9 +23889,9 @@
       </p:grpSpPr>
       <p:sp>
         <p:nvSpPr>
-          <p:cNvPr id="5122" name="Rectangle 2"/>
+          <p:cNvPr id="2" name="Title 1"/>
           <p:cNvSpPr>
-            <a:spLocks noGrp="1" noChangeArrowheads="1"/>
+            <a:spLocks noGrp="1"/>
           </p:cNvSpPr>
           <p:nvPr>
             <p:ph type="title"/>
@@ -21047,66 +23902,17 @@
           <a:bodyPr/>
           <a:lstStyle/>
           <a:p>
-            <a:pPr eaLnBrk="1" hangingPunct="1"/>
-            <a:r>
-              <a:rPr lang="en-US" smtClean="0"/>
-              <a:t>What Are ANSYS Macros</a:t>
-            </a:r>
-          </a:p>
-        </p:txBody>
-      </p:sp>
-      <p:sp>
-        <p:nvSpPr>
-          <p:cNvPr id="5123" name="Rectangle 3"/>
-          <p:cNvSpPr>
-            <a:spLocks noGrp="1" noChangeArrowheads="1"/>
-          </p:cNvSpPr>
-          <p:nvPr>
-            <p:ph type="body" idx="1"/>
-          </p:nvPr>
-        </p:nvSpPr>
-        <p:spPr>
-          <a:xfrm>
-            <a:off x="457200" y="1600200"/>
-            <a:ext cx="8229600" cy="2590800"/>
-          </a:xfrm>
-        </p:spPr>
-        <p:txBody>
-          <a:bodyPr/>
-          <a:lstStyle/>
-          <a:p>
-            <a:pPr eaLnBrk="1" hangingPunct="1"/>
-            <a:r>
-              <a:rPr lang="en-US" smtClean="0"/>
-              <a:t>Macros can include arguments to add functionality to the macro</a:t>
-            </a:r>
-          </a:p>
-          <a:p>
-            <a:pPr lvl="1" eaLnBrk="1" hangingPunct="1"/>
-            <a:r>
-              <a:rPr lang="en-US" smtClean="0"/>
-              <a:t>For Example: in the BOLT macro below</a:t>
-            </a:r>
-          </a:p>
-          <a:p>
-            <a:pPr lvl="2" eaLnBrk="1" hangingPunct="1"/>
-            <a:r>
-              <a:rPr lang="en-US" smtClean="0"/>
-              <a:t>Argument 1 specifies a .25” bolt diameter</a:t>
-            </a:r>
-          </a:p>
-          <a:p>
-            <a:pPr lvl="2" eaLnBrk="1" hangingPunct="1"/>
-            <a:r>
-              <a:rPr lang="en-US" smtClean="0"/>
-              <a:t>Argument 2 specifies a bolt preload of 2000 lbf</a:t>
-            </a:r>
+            <a:r>
+              <a:rPr lang="en-US" dirty="0" smtClean="0"/>
+              <a:t>How do these all work together?</a:t>
+            </a:r>
+            <a:endParaRPr lang="en-US" dirty="0"/>
           </a:p>
         </p:txBody>
       </p:sp>
       <p:pic>
         <p:nvPicPr>
-          <p:cNvPr id="5124" name="Picture 5"/>
+          <p:cNvPr id="1026" name="Picture 2"/>
           <p:cNvPicPr>
             <a:picLocks noChangeAspect="1" noChangeArrowheads="1"/>
           </p:cNvPicPr>
@@ -21121,8 +23927,8 @@
         </p:blipFill>
         <p:spPr bwMode="auto">
           <a:xfrm>
-            <a:off x="1219200" y="4267200"/>
-            <a:ext cx="6934200" cy="1997075"/>
+            <a:off x="245545" y="1751383"/>
+            <a:ext cx="2572082" cy="3507385"/>
           </a:xfrm>
           <a:prstGeom prst="rect">
             <a:avLst/>
@@ -21136,6 +23942,808 @@
           </a:ln>
         </p:spPr>
       </p:pic>
+      <p:sp>
+        <p:nvSpPr>
+          <p:cNvPr id="4" name="TextBox 3"/>
+          <p:cNvSpPr txBox="1"/>
+          <p:nvPr/>
+        </p:nvSpPr>
+        <p:spPr>
+          <a:xfrm>
+            <a:off x="180753" y="946297"/>
+            <a:ext cx="2700670" cy="707886"/>
+          </a:xfrm>
+          <a:prstGeom prst="rect">
+            <a:avLst/>
+          </a:prstGeom>
+          <a:noFill/>
+          <a:ln>
+            <a:noFill/>
+          </a:ln>
+        </p:spPr>
+        <p:txBody>
+          <a:bodyPr wrap="square" rtlCol="0">
+            <a:spAutoFit/>
+          </a:bodyPr>
+          <a:lstStyle/>
+          <a:p>
+            <a:r>
+              <a:rPr lang="en-US" sz="2000" dirty="0" smtClean="0"/>
+              <a:t>Typical Parametric Build Directory</a:t>
+            </a:r>
+            <a:endParaRPr lang="en-US" sz="2000" dirty="0" smtClean="0"/>
+          </a:p>
+        </p:txBody>
+      </p:sp>
+      <p:sp>
+        <p:nvSpPr>
+          <p:cNvPr id="5" name="TextBox 4"/>
+          <p:cNvSpPr txBox="1"/>
+          <p:nvPr/>
+        </p:nvSpPr>
+        <p:spPr>
+          <a:xfrm>
+            <a:off x="202019" y="5316279"/>
+            <a:ext cx="2711302" cy="307777"/>
+          </a:xfrm>
+          <a:prstGeom prst="rect">
+            <a:avLst/>
+          </a:prstGeom>
+          <a:ln/>
+        </p:spPr>
+        <p:style>
+          <a:lnRef idx="2">
+            <a:schemeClr val="accent2">
+              <a:shade val="50000"/>
+            </a:schemeClr>
+          </a:lnRef>
+          <a:fillRef idx="1">
+            <a:schemeClr val="accent2"/>
+          </a:fillRef>
+          <a:effectRef idx="0">
+            <a:schemeClr val="accent2"/>
+          </a:effectRef>
+          <a:fontRef idx="minor">
+            <a:schemeClr val="lt1"/>
+          </a:fontRef>
+        </p:style>
+        <p:txBody>
+          <a:bodyPr wrap="square" rtlCol="0">
+            <a:spAutoFit/>
+          </a:bodyPr>
+          <a:lstStyle/>
+          <a:p>
+            <a:r>
+              <a:rPr lang="en-US" sz="1400" dirty="0" smtClean="0"/>
+              <a:t>Modular, Modular, Modular….</a:t>
+            </a:r>
+            <a:endParaRPr lang="en-US" sz="1400" dirty="0" smtClean="0"/>
+          </a:p>
+        </p:txBody>
+      </p:sp>
+      <p:pic>
+        <p:nvPicPr>
+          <p:cNvPr id="4098" name="Picture 2"/>
+          <p:cNvPicPr>
+            <a:picLocks noChangeAspect="1" noChangeArrowheads="1"/>
+          </p:cNvPicPr>
+          <p:nvPr/>
+        </p:nvPicPr>
+        <p:blipFill>
+          <a:blip r:embed="rId3" cstate="print"/>
+          <a:srcRect/>
+          <a:stretch>
+            <a:fillRect/>
+          </a:stretch>
+        </p:blipFill>
+        <p:spPr bwMode="auto">
+          <a:xfrm>
+            <a:off x="4204844" y="960475"/>
+            <a:ext cx="4200525" cy="5638800"/>
+          </a:xfrm>
+          <a:prstGeom prst="rect">
+            <a:avLst/>
+          </a:prstGeom>
+          <a:noFill/>
+          <a:ln w="9525">
+            <a:noFill/>
+            <a:miter lim="800000"/>
+            <a:headEnd/>
+            <a:tailEnd/>
+          </a:ln>
+        </p:spPr>
+      </p:pic>
+      <p:sp>
+        <p:nvSpPr>
+          <p:cNvPr id="11" name="Rectangle 10"/>
+          <p:cNvSpPr/>
+          <p:nvPr/>
+        </p:nvSpPr>
+        <p:spPr>
+          <a:xfrm>
+            <a:off x="414669" y="3487479"/>
+            <a:ext cx="1828800" cy="308344"/>
+          </a:xfrm>
+          <a:prstGeom prst="rect">
+            <a:avLst/>
+          </a:prstGeom>
+          <a:noFill/>
+          <a:ln>
+            <a:solidFill>
+              <a:srgbClr val="FF0000"/>
+            </a:solidFill>
+          </a:ln>
+        </p:spPr>
+        <p:style>
+          <a:lnRef idx="2">
+            <a:schemeClr val="accent1">
+              <a:shade val="50000"/>
+            </a:schemeClr>
+          </a:lnRef>
+          <a:fillRef idx="1">
+            <a:schemeClr val="accent1"/>
+          </a:fillRef>
+          <a:effectRef idx="0">
+            <a:schemeClr val="accent1"/>
+          </a:effectRef>
+          <a:fontRef idx="minor">
+            <a:schemeClr val="lt1"/>
+          </a:fontRef>
+        </p:style>
+        <p:txBody>
+          <a:bodyPr rtlCol="0" anchor="ctr"/>
+          <a:lstStyle/>
+          <a:p>
+            <a:pPr algn="ctr"/>
+            <a:endParaRPr lang="en-US"/>
+          </a:p>
+        </p:txBody>
+      </p:sp>
+      <p:cxnSp>
+        <p:nvCxnSpPr>
+          <p:cNvPr id="12" name="Straight Arrow Connector 11"/>
+          <p:cNvCxnSpPr>
+            <a:stCxn id="11" idx="3"/>
+            <a:endCxn id="4098" idx="1"/>
+          </p:cNvCxnSpPr>
+          <p:nvPr/>
+        </p:nvCxnSpPr>
+        <p:spPr>
+          <a:xfrm>
+            <a:off x="2243469" y="3641651"/>
+            <a:ext cx="1961375" cy="138224"/>
+          </a:xfrm>
+          <a:prstGeom prst="straightConnector1">
+            <a:avLst/>
+          </a:prstGeom>
+          <a:ln w="41275">
+            <a:solidFill>
+              <a:srgbClr val="FF0000"/>
+            </a:solidFill>
+            <a:tailEnd type="arrow"/>
+          </a:ln>
+        </p:spPr>
+        <p:style>
+          <a:lnRef idx="1">
+            <a:schemeClr val="accent1"/>
+          </a:lnRef>
+          <a:fillRef idx="0">
+            <a:schemeClr val="accent1"/>
+          </a:fillRef>
+          <a:effectRef idx="0">
+            <a:schemeClr val="accent1"/>
+          </a:effectRef>
+          <a:fontRef idx="minor">
+            <a:schemeClr val="tx1"/>
+          </a:fontRef>
+        </p:style>
+      </p:cxnSp>
+    </p:spTree>
+  </p:cSld>
+  <p:clrMapOvr>
+    <a:masterClrMapping/>
+  </p:clrMapOvr>
+  <p:timing>
+    <p:tnLst>
+      <p:par>
+        <p:cTn id="1" dur="indefinite" restart="never" nodeType="tmRoot"/>
+      </p:par>
+    </p:tnLst>
+  </p:timing>
+</p:sld>
+</file>
+
+<file path=ppt/slides/slide32.xml><?xml version="1.0" encoding="utf-8"?>
+<p:sld xmlns:a="http://schemas.openxmlformats.org/drawingml/2006/main" xmlns:r="http://schemas.openxmlformats.org/officeDocument/2006/relationships" xmlns:p="http://schemas.openxmlformats.org/presentationml/2006/main">
+  <p:cSld>
+    <p:spTree>
+      <p:nvGrpSpPr>
+        <p:cNvPr id="1" name=""/>
+        <p:cNvGrpSpPr/>
+        <p:nvPr/>
+      </p:nvGrpSpPr>
+      <p:grpSpPr>
+        <a:xfrm>
+          <a:off x="0" y="0"/>
+          <a:ext cx="0" cy="0"/>
+          <a:chOff x="0" y="0"/>
+          <a:chExt cx="0" cy="0"/>
+        </a:xfrm>
+      </p:grpSpPr>
+      <p:sp>
+        <p:nvSpPr>
+          <p:cNvPr id="2" name="Title 1"/>
+          <p:cNvSpPr>
+            <a:spLocks noGrp="1"/>
+          </p:cNvSpPr>
+          <p:nvPr>
+            <p:ph type="title"/>
+          </p:nvPr>
+        </p:nvSpPr>
+        <p:spPr/>
+        <p:txBody>
+          <a:bodyPr/>
+          <a:lstStyle/>
+          <a:p>
+            <a:r>
+              <a:rPr lang="en-US" dirty="0" smtClean="0"/>
+              <a:t>How do these all work together?</a:t>
+            </a:r>
+            <a:endParaRPr lang="en-US" dirty="0"/>
+          </a:p>
+        </p:txBody>
+      </p:sp>
+      <p:pic>
+        <p:nvPicPr>
+          <p:cNvPr id="1026" name="Picture 2"/>
+          <p:cNvPicPr>
+            <a:picLocks noChangeAspect="1" noChangeArrowheads="1"/>
+          </p:cNvPicPr>
+          <p:nvPr/>
+        </p:nvPicPr>
+        <p:blipFill>
+          <a:blip r:embed="rId2" cstate="print"/>
+          <a:srcRect/>
+          <a:stretch>
+            <a:fillRect/>
+          </a:stretch>
+        </p:blipFill>
+        <p:spPr bwMode="auto">
+          <a:xfrm>
+            <a:off x="245545" y="1751383"/>
+            <a:ext cx="2572082" cy="3507385"/>
+          </a:xfrm>
+          <a:prstGeom prst="rect">
+            <a:avLst/>
+          </a:prstGeom>
+          <a:noFill/>
+          <a:ln w="9525">
+            <a:noFill/>
+            <a:miter lim="800000"/>
+            <a:headEnd/>
+            <a:tailEnd/>
+          </a:ln>
+        </p:spPr>
+      </p:pic>
+      <p:sp>
+        <p:nvSpPr>
+          <p:cNvPr id="4" name="TextBox 3"/>
+          <p:cNvSpPr txBox="1"/>
+          <p:nvPr/>
+        </p:nvSpPr>
+        <p:spPr>
+          <a:xfrm>
+            <a:off x="180753" y="946297"/>
+            <a:ext cx="2700670" cy="707886"/>
+          </a:xfrm>
+          <a:prstGeom prst="rect">
+            <a:avLst/>
+          </a:prstGeom>
+          <a:noFill/>
+          <a:ln>
+            <a:noFill/>
+          </a:ln>
+        </p:spPr>
+        <p:txBody>
+          <a:bodyPr wrap="square" rtlCol="0">
+            <a:spAutoFit/>
+          </a:bodyPr>
+          <a:lstStyle/>
+          <a:p>
+            <a:r>
+              <a:rPr lang="en-US" sz="2000" dirty="0" smtClean="0"/>
+              <a:t>Typical Parametric Build Directory</a:t>
+            </a:r>
+            <a:endParaRPr lang="en-US" sz="2000" dirty="0" smtClean="0"/>
+          </a:p>
+        </p:txBody>
+      </p:sp>
+      <p:sp>
+        <p:nvSpPr>
+          <p:cNvPr id="5" name="TextBox 4"/>
+          <p:cNvSpPr txBox="1"/>
+          <p:nvPr/>
+        </p:nvSpPr>
+        <p:spPr>
+          <a:xfrm>
+            <a:off x="202019" y="5316279"/>
+            <a:ext cx="2711302" cy="307777"/>
+          </a:xfrm>
+          <a:prstGeom prst="rect">
+            <a:avLst/>
+          </a:prstGeom>
+          <a:ln/>
+        </p:spPr>
+        <p:style>
+          <a:lnRef idx="2">
+            <a:schemeClr val="accent2">
+              <a:shade val="50000"/>
+            </a:schemeClr>
+          </a:lnRef>
+          <a:fillRef idx="1">
+            <a:schemeClr val="accent2"/>
+          </a:fillRef>
+          <a:effectRef idx="0">
+            <a:schemeClr val="accent2"/>
+          </a:effectRef>
+          <a:fontRef idx="minor">
+            <a:schemeClr val="lt1"/>
+          </a:fontRef>
+        </p:style>
+        <p:txBody>
+          <a:bodyPr wrap="square" rtlCol="0">
+            <a:spAutoFit/>
+          </a:bodyPr>
+          <a:lstStyle/>
+          <a:p>
+            <a:r>
+              <a:rPr lang="en-US" sz="1400" dirty="0" smtClean="0"/>
+              <a:t>Modular, Modular, Modular….</a:t>
+            </a:r>
+            <a:endParaRPr lang="en-US" sz="1400" dirty="0" smtClean="0"/>
+          </a:p>
+        </p:txBody>
+      </p:sp>
+      <p:sp>
+        <p:nvSpPr>
+          <p:cNvPr id="6" name="Rectangle 5"/>
+          <p:cNvSpPr/>
+          <p:nvPr/>
+        </p:nvSpPr>
+        <p:spPr>
+          <a:xfrm>
+            <a:off x="244549" y="2254102"/>
+            <a:ext cx="1796902" cy="297712"/>
+          </a:xfrm>
+          <a:prstGeom prst="rect">
+            <a:avLst/>
+          </a:prstGeom>
+          <a:noFill/>
+          <a:ln>
+            <a:solidFill>
+              <a:srgbClr val="FF0000"/>
+            </a:solidFill>
+          </a:ln>
+        </p:spPr>
+        <p:style>
+          <a:lnRef idx="2">
+            <a:schemeClr val="accent1">
+              <a:shade val="50000"/>
+            </a:schemeClr>
+          </a:lnRef>
+          <a:fillRef idx="1">
+            <a:schemeClr val="accent1"/>
+          </a:fillRef>
+          <a:effectRef idx="0">
+            <a:schemeClr val="accent1"/>
+          </a:effectRef>
+          <a:fontRef idx="minor">
+            <a:schemeClr val="lt1"/>
+          </a:fontRef>
+        </p:style>
+        <p:txBody>
+          <a:bodyPr rtlCol="0" anchor="ctr"/>
+          <a:lstStyle/>
+          <a:p>
+            <a:pPr algn="ctr"/>
+            <a:endParaRPr lang="en-US"/>
+          </a:p>
+        </p:txBody>
+      </p:sp>
+      <p:sp>
+        <p:nvSpPr>
+          <p:cNvPr id="7" name="Rectangle 6"/>
+          <p:cNvSpPr/>
+          <p:nvPr/>
+        </p:nvSpPr>
+        <p:spPr>
+          <a:xfrm>
+            <a:off x="233916" y="2743200"/>
+            <a:ext cx="1828800" cy="308344"/>
+          </a:xfrm>
+          <a:prstGeom prst="rect">
+            <a:avLst/>
+          </a:prstGeom>
+          <a:noFill/>
+          <a:ln>
+            <a:solidFill>
+              <a:srgbClr val="FF0000"/>
+            </a:solidFill>
+          </a:ln>
+        </p:spPr>
+        <p:style>
+          <a:lnRef idx="2">
+            <a:schemeClr val="accent1">
+              <a:shade val="50000"/>
+            </a:schemeClr>
+          </a:lnRef>
+          <a:fillRef idx="1">
+            <a:schemeClr val="accent1"/>
+          </a:fillRef>
+          <a:effectRef idx="0">
+            <a:schemeClr val="accent1"/>
+          </a:effectRef>
+          <a:fontRef idx="minor">
+            <a:schemeClr val="lt1"/>
+          </a:fontRef>
+        </p:style>
+        <p:txBody>
+          <a:bodyPr rtlCol="0" anchor="ctr"/>
+          <a:lstStyle/>
+          <a:p>
+            <a:pPr algn="ctr"/>
+            <a:endParaRPr lang="en-US"/>
+          </a:p>
+        </p:txBody>
+      </p:sp>
+      <p:pic>
+        <p:nvPicPr>
+          <p:cNvPr id="3074" name="Picture 2"/>
+          <p:cNvPicPr>
+            <a:picLocks noChangeAspect="1" noChangeArrowheads="1"/>
+          </p:cNvPicPr>
+          <p:nvPr/>
+        </p:nvPicPr>
+        <p:blipFill>
+          <a:blip r:embed="rId3" cstate="print"/>
+          <a:srcRect/>
+          <a:stretch>
+            <a:fillRect/>
+          </a:stretch>
+        </p:blipFill>
+        <p:spPr bwMode="auto">
+          <a:xfrm>
+            <a:off x="3328211" y="1271696"/>
+            <a:ext cx="5288815" cy="4618739"/>
+          </a:xfrm>
+          <a:prstGeom prst="rect">
+            <a:avLst/>
+          </a:prstGeom>
+          <a:noFill/>
+          <a:ln w="9525">
+            <a:noFill/>
+            <a:miter lim="800000"/>
+            <a:headEnd/>
+            <a:tailEnd/>
+          </a:ln>
+        </p:spPr>
+      </p:pic>
+      <p:cxnSp>
+        <p:nvCxnSpPr>
+          <p:cNvPr id="12" name="Straight Arrow Connector 11"/>
+          <p:cNvCxnSpPr>
+            <a:stCxn id="6" idx="3"/>
+            <a:endCxn id="3074" idx="1"/>
+          </p:cNvCxnSpPr>
+          <p:nvPr/>
+        </p:nvCxnSpPr>
+        <p:spPr>
+          <a:xfrm>
+            <a:off x="2041451" y="2402958"/>
+            <a:ext cx="1286760" cy="1178108"/>
+          </a:xfrm>
+          <a:prstGeom prst="straightConnector1">
+            <a:avLst/>
+          </a:prstGeom>
+          <a:ln w="41275">
+            <a:solidFill>
+              <a:srgbClr val="FF0000"/>
+            </a:solidFill>
+            <a:tailEnd type="arrow"/>
+          </a:ln>
+        </p:spPr>
+        <p:style>
+          <a:lnRef idx="1">
+            <a:schemeClr val="accent1"/>
+          </a:lnRef>
+          <a:fillRef idx="0">
+            <a:schemeClr val="accent1"/>
+          </a:fillRef>
+          <a:effectRef idx="0">
+            <a:schemeClr val="accent1"/>
+          </a:effectRef>
+          <a:fontRef idx="minor">
+            <a:schemeClr val="tx1"/>
+          </a:fontRef>
+        </p:style>
+      </p:cxnSp>
+    </p:spTree>
+  </p:cSld>
+  <p:clrMapOvr>
+    <a:masterClrMapping/>
+  </p:clrMapOvr>
+  <p:timing>
+    <p:tnLst>
+      <p:par>
+        <p:cTn id="1" dur="indefinite" restart="never" nodeType="tmRoot"/>
+      </p:par>
+    </p:tnLst>
+  </p:timing>
+</p:sld>
+</file>
+
+<file path=ppt/slides/slide33.xml><?xml version="1.0" encoding="utf-8"?>
+<p:sld xmlns:a="http://schemas.openxmlformats.org/drawingml/2006/main" xmlns:r="http://schemas.openxmlformats.org/officeDocument/2006/relationships" xmlns:p="http://schemas.openxmlformats.org/presentationml/2006/main">
+  <p:cSld>
+    <p:spTree>
+      <p:nvGrpSpPr>
+        <p:cNvPr id="1" name=""/>
+        <p:cNvGrpSpPr/>
+        <p:nvPr/>
+      </p:nvGrpSpPr>
+      <p:grpSpPr>
+        <a:xfrm>
+          <a:off x="0" y="0"/>
+          <a:ext cx="0" cy="0"/>
+          <a:chOff x="0" y="0"/>
+          <a:chExt cx="0" cy="0"/>
+        </a:xfrm>
+      </p:grpSpPr>
+      <p:sp>
+        <p:nvSpPr>
+          <p:cNvPr id="5" name="Title 4"/>
+          <p:cNvSpPr>
+            <a:spLocks noGrp="1"/>
+          </p:cNvSpPr>
+          <p:nvPr>
+            <p:ph type="title"/>
+          </p:nvPr>
+        </p:nvSpPr>
+        <p:spPr/>
+        <p:txBody>
+          <a:bodyPr/>
+          <a:lstStyle/>
+          <a:p>
+            <a:r>
+              <a:rPr lang="en-US" dirty="0" smtClean="0"/>
+              <a:t>AWESOME, where can I find out more?</a:t>
+            </a:r>
+            <a:endParaRPr lang="en-US" dirty="0"/>
+          </a:p>
+        </p:txBody>
+      </p:sp>
+      <p:sp>
+        <p:nvSpPr>
+          <p:cNvPr id="6" name="TextBox 5"/>
+          <p:cNvSpPr txBox="1"/>
+          <p:nvPr/>
+        </p:nvSpPr>
+        <p:spPr>
+          <a:xfrm>
+            <a:off x="181155" y="983411"/>
+            <a:ext cx="8005313" cy="738664"/>
+          </a:xfrm>
+          <a:prstGeom prst="rect">
+            <a:avLst/>
+          </a:prstGeom>
+          <a:noFill/>
+        </p:spPr>
+        <p:txBody>
+          <a:bodyPr wrap="square" rtlCol="0">
+            <a:spAutoFit/>
+          </a:bodyPr>
+          <a:lstStyle/>
+          <a:p>
+            <a:r>
+              <a:rPr lang="en-US" sz="2400" dirty="0" smtClean="0"/>
+              <a:t>Header of the macros! </a:t>
+            </a:r>
+            <a:r>
+              <a:rPr lang="en-US" dirty="0" smtClean="0"/>
+              <a:t>They are there too help, if something is confusing, let me know, I’m also a decent writer and I can try to clarify.</a:t>
+            </a:r>
+            <a:endParaRPr lang="en-US" dirty="0"/>
+          </a:p>
+        </p:txBody>
+      </p:sp>
+      <p:pic>
+        <p:nvPicPr>
+          <p:cNvPr id="7170" name="Picture 2"/>
+          <p:cNvPicPr>
+            <a:picLocks noChangeAspect="1" noChangeArrowheads="1"/>
+          </p:cNvPicPr>
+          <p:nvPr/>
+        </p:nvPicPr>
+        <p:blipFill>
+          <a:blip r:embed="rId2" cstate="print"/>
+          <a:srcRect/>
+          <a:stretch>
+            <a:fillRect/>
+          </a:stretch>
+        </p:blipFill>
+        <p:spPr bwMode="auto">
+          <a:xfrm>
+            <a:off x="231652" y="1945706"/>
+            <a:ext cx="3969411" cy="2336673"/>
+          </a:xfrm>
+          <a:prstGeom prst="rect">
+            <a:avLst/>
+          </a:prstGeom>
+          <a:noFill/>
+          <a:ln w="9525">
+            <a:noFill/>
+            <a:miter lim="800000"/>
+            <a:headEnd/>
+            <a:tailEnd/>
+          </a:ln>
+        </p:spPr>
+      </p:pic>
+      <p:sp>
+        <p:nvSpPr>
+          <p:cNvPr id="8" name="TextBox 7"/>
+          <p:cNvSpPr txBox="1"/>
+          <p:nvPr/>
+        </p:nvSpPr>
+        <p:spPr>
+          <a:xfrm>
+            <a:off x="250168" y="4666891"/>
+            <a:ext cx="3985402" cy="1292662"/>
+          </a:xfrm>
+          <a:prstGeom prst="rect">
+            <a:avLst/>
+          </a:prstGeom>
+          <a:noFill/>
+        </p:spPr>
+        <p:txBody>
+          <a:bodyPr wrap="square" rtlCol="0">
+            <a:spAutoFit/>
+          </a:bodyPr>
+          <a:lstStyle/>
+          <a:p>
+            <a:r>
+              <a:rPr lang="en-US" sz="2400" dirty="0" smtClean="0"/>
+              <a:t>__</a:t>
+            </a:r>
+            <a:r>
+              <a:rPr lang="en-US" sz="2400" dirty="0" err="1" smtClean="0"/>
+              <a:t>BensMacros.xls</a:t>
+            </a:r>
+            <a:r>
+              <a:rPr lang="en-US" sz="2400" dirty="0" smtClean="0"/>
+              <a:t> </a:t>
+            </a:r>
+            <a:r>
+              <a:rPr lang="en-US" dirty="0" smtClean="0"/>
+              <a:t>is a kind of up to date listing of all the macros with a brief description. Let me know if something is missing, I’ll fix it.</a:t>
+            </a:r>
+            <a:endParaRPr lang="en-US" dirty="0"/>
+          </a:p>
+        </p:txBody>
+      </p:sp>
+      <p:pic>
+        <p:nvPicPr>
+          <p:cNvPr id="7171" name="Picture 3"/>
+          <p:cNvPicPr>
+            <a:picLocks noChangeAspect="1" noChangeArrowheads="1"/>
+          </p:cNvPicPr>
+          <p:nvPr/>
+        </p:nvPicPr>
+        <p:blipFill>
+          <a:blip r:embed="rId3" cstate="print"/>
+          <a:srcRect/>
+          <a:stretch>
+            <a:fillRect/>
+          </a:stretch>
+        </p:blipFill>
+        <p:spPr bwMode="auto">
+          <a:xfrm>
+            <a:off x="4507818" y="2242867"/>
+            <a:ext cx="4434720" cy="3571965"/>
+          </a:xfrm>
+          <a:prstGeom prst="rect">
+            <a:avLst/>
+          </a:prstGeom>
+          <a:noFill/>
+          <a:ln w="9525">
+            <a:noFill/>
+            <a:miter lim="800000"/>
+            <a:headEnd/>
+            <a:tailEnd/>
+          </a:ln>
+        </p:spPr>
+      </p:pic>
+      <p:cxnSp>
+        <p:nvCxnSpPr>
+          <p:cNvPr id="15" name="Elbow Connector 14"/>
+          <p:cNvCxnSpPr>
+            <a:stCxn id="6" idx="2"/>
+            <a:endCxn id="7170" idx="0"/>
+          </p:cNvCxnSpPr>
+          <p:nvPr/>
+        </p:nvCxnSpPr>
+        <p:spPr>
+          <a:xfrm rot="5400000">
+            <a:off x="3088270" y="850163"/>
+            <a:ext cx="223631" cy="1967454"/>
+          </a:xfrm>
+          <a:prstGeom prst="bentConnector3">
+            <a:avLst>
+              <a:gd name="adj1" fmla="val 50000"/>
+            </a:avLst>
+          </a:prstGeom>
+          <a:ln w="25400">
+            <a:solidFill>
+              <a:schemeClr val="tx1"/>
+            </a:solidFill>
+            <a:tailEnd type="triangle"/>
+          </a:ln>
+        </p:spPr>
+        <p:style>
+          <a:lnRef idx="1">
+            <a:schemeClr val="accent1"/>
+          </a:lnRef>
+          <a:fillRef idx="0">
+            <a:schemeClr val="accent1"/>
+          </a:fillRef>
+          <a:effectRef idx="0">
+            <a:schemeClr val="accent1"/>
+          </a:effectRef>
+          <a:fontRef idx="minor">
+            <a:schemeClr val="tx1"/>
+          </a:fontRef>
+        </p:style>
+      </p:cxnSp>
+      <p:cxnSp>
+        <p:nvCxnSpPr>
+          <p:cNvPr id="17" name="Elbow Connector 16"/>
+          <p:cNvCxnSpPr>
+            <a:stCxn id="8" idx="3"/>
+            <a:endCxn id="7171" idx="1"/>
+          </p:cNvCxnSpPr>
+          <p:nvPr/>
+        </p:nvCxnSpPr>
+        <p:spPr>
+          <a:xfrm flipV="1">
+            <a:off x="4235570" y="4028850"/>
+            <a:ext cx="272248" cy="1284372"/>
+          </a:xfrm>
+          <a:prstGeom prst="bentConnector3">
+            <a:avLst>
+              <a:gd name="adj1" fmla="val 50000"/>
+            </a:avLst>
+          </a:prstGeom>
+          <a:ln w="25400">
+            <a:solidFill>
+              <a:schemeClr val="tx1"/>
+            </a:solidFill>
+            <a:tailEnd type="triangle"/>
+          </a:ln>
+        </p:spPr>
+        <p:style>
+          <a:lnRef idx="1">
+            <a:schemeClr val="accent1"/>
+          </a:lnRef>
+          <a:fillRef idx="0">
+            <a:schemeClr val="accent1"/>
+          </a:fillRef>
+          <a:effectRef idx="0">
+            <a:schemeClr val="accent1"/>
+          </a:effectRef>
+          <a:fontRef idx="minor">
+            <a:schemeClr val="tx1"/>
+          </a:fontRef>
+        </p:style>
+      </p:cxnSp>
     </p:spTree>
   </p:cSld>
   <p:clrMapOvr>
@@ -26262,6 +29870,38 @@
     </a:fmtScheme>
   </a:themeElements>
   <a:objectDefaults>
+    <a:spDef>
+      <a:spPr>
+        <a:noFill/>
+        <a:ln>
+          <a:solidFill>
+            <a:srgbClr val="FF0000"/>
+          </a:solidFill>
+        </a:ln>
+      </a:spPr>
+      <a:bodyPr rtlCol="0" anchor="ctr"/>
+      <a:lstStyle>
+        <a:defPPr algn="ctr">
+          <a:defRPr/>
+        </a:defPPr>
+      </a:lstStyle>
+      <a:style>
+        <a:lnRef idx="2">
+          <a:schemeClr val="accent1">
+            <a:shade val="50000"/>
+          </a:schemeClr>
+        </a:lnRef>
+        <a:fillRef idx="1">
+          <a:schemeClr val="accent1"/>
+        </a:fillRef>
+        <a:effectRef idx="0">
+          <a:schemeClr val="accent1"/>
+        </a:effectRef>
+        <a:fontRef idx="minor">
+          <a:schemeClr val="lt1"/>
+        </a:fontRef>
+      </a:style>
+    </a:spDef>
     <a:lnDef>
       <a:spPr>
         <a:ln w="41275">

--- a/Macro-Mania.pptx
+++ b/Macro-Mania.pptx
@@ -7,10 +7,10 @@
     <p:sldMasterId id="2147483663" r:id="rId3"/>
   </p:sldMasterIdLst>
   <p:notesMasterIdLst>
-    <p:notesMasterId r:id="rId47"/>
+    <p:notesMasterId r:id="rId52"/>
   </p:notesMasterIdLst>
   <p:handoutMasterIdLst>
-    <p:handoutMasterId r:id="rId48"/>
+    <p:handoutMasterId r:id="rId53"/>
   </p:handoutMasterIdLst>
   <p:sldIdLst>
     <p:sldId id="265" r:id="rId4"/>
@@ -55,7 +55,12 @@
     <p:sldId id="313" r:id="rId43"/>
     <p:sldId id="314" r:id="rId44"/>
     <p:sldId id="315" r:id="rId45"/>
-    <p:sldId id="281" r:id="rId46"/>
+    <p:sldId id="316" r:id="rId46"/>
+    <p:sldId id="318" r:id="rId47"/>
+    <p:sldId id="317" r:id="rId48"/>
+    <p:sldId id="319" r:id="rId49"/>
+    <p:sldId id="320" r:id="rId50"/>
+    <p:sldId id="281" r:id="rId51"/>
   </p:sldIdLst>
   <p:sldSz cx="9144000" cy="6858000" type="screen4x3"/>
   <p:notesSz cx="7315200" cy="9601200"/>
@@ -31023,11 +31028,7 @@
             </a:r>
             <a:r>
               <a:rPr lang="en-US" sz="1600" dirty="0" smtClean="0"/>
-              <a:t>View</a:t>
-            </a:r>
-            <a:r>
-              <a:rPr lang="en-US" sz="1600" dirty="0" smtClean="0"/>
-              <a:t>”</a:t>
+              <a:t>View”</a:t>
             </a:r>
             <a:endParaRPr lang="en-US" sz="1600" dirty="0"/>
           </a:p>
@@ -31145,15 +31146,7 @@
           <a:p>
             <a:r>
               <a:rPr lang="en-US" sz="1600" dirty="0" smtClean="0"/>
-              <a:t>Switches to a </a:t>
-            </a:r>
-            <a:r>
-              <a:rPr lang="en-US" sz="1600" dirty="0" smtClean="0"/>
-              <a:t>top view</a:t>
-            </a:r>
-            <a:r>
-              <a:rPr lang="en-US" sz="1600" dirty="0" smtClean="0"/>
-              <a:t>.</a:t>
+              <a:t>Switches to a top view.</a:t>
             </a:r>
           </a:p>
         </p:txBody>
@@ -33009,15 +33002,7 @@
           <a:p>
             <a:r>
               <a:rPr lang="en-US" dirty="0" smtClean="0"/>
-              <a:t>Same as Preprocessor &gt;&gt; Modeling &gt;&gt; Delete &gt;&gt; </a:t>
-            </a:r>
-            <a:r>
-              <a:rPr lang="en-US" dirty="0" smtClean="0"/>
-              <a:t>Volumes and </a:t>
-            </a:r>
-            <a:r>
-              <a:rPr lang="en-US" dirty="0" smtClean="0"/>
-              <a:t>Below</a:t>
+              <a:t>Same as Preprocessor &gt;&gt; Modeling &gt;&gt; Delete &gt;&gt; Volumes and Below</a:t>
             </a:r>
           </a:p>
           <a:p>
@@ -33052,23 +33037,7 @@
           <a:p>
             <a:r>
               <a:rPr lang="en-US" sz="2000" dirty="0" smtClean="0"/>
-              <a:t>, &lt;first </a:t>
-            </a:r>
-            <a:r>
-              <a:rPr lang="en-US" sz="2000" dirty="0" smtClean="0"/>
-              <a:t>volume&gt;, </a:t>
-            </a:r>
-            <a:r>
-              <a:rPr lang="en-US" sz="2000" dirty="0" smtClean="0"/>
-              <a:t>&lt;last </a:t>
-            </a:r>
-            <a:r>
-              <a:rPr lang="en-US" sz="2000" dirty="0" smtClean="0"/>
-              <a:t>volume&gt; </a:t>
-            </a:r>
-            <a:r>
-              <a:rPr lang="en-US" sz="2000" dirty="0" smtClean="0"/>
-              <a:t>, &lt; increment &gt;</a:t>
+              <a:t>, &lt;first volume&gt;, &lt;last volume&gt; , &lt; increment &gt;</a:t>
             </a:r>
             <a:endParaRPr lang="en-US" sz="2000" dirty="0"/>
           </a:p>
@@ -33145,15 +33114,7 @@
                   <a:schemeClr val="tx1"/>
                 </a:solidFill>
               </a:rPr>
-              <a:t>_VDELE</a:t>
-            </a:r>
-            <a:r>
-              <a:rPr lang="en-US" dirty="0" smtClean="0">
-                <a:solidFill>
-                  <a:schemeClr val="tx1"/>
-                </a:solidFill>
-              </a:rPr>
-              <a:t>,-1 </a:t>
+              <a:t>_VDELE,-1 </a:t>
             </a:r>
             <a:r>
               <a:rPr lang="en-US" dirty="0" smtClean="0">
@@ -33170,15 +33131,7 @@
                   <a:schemeClr val="tx1"/>
                 </a:solidFill>
               </a:rPr>
-              <a:t> deletes all selected </a:t>
-            </a:r>
-            <a:r>
-              <a:rPr lang="en-US" dirty="0" smtClean="0">
-                <a:solidFill>
-                  <a:schemeClr val="tx1"/>
-                </a:solidFill>
-              </a:rPr>
-              <a:t>volumes</a:t>
+              <a:t> deletes all selected volumes</a:t>
             </a:r>
             <a:endParaRPr lang="en-US" dirty="0">
               <a:solidFill>
@@ -33212,11 +33165,7 @@
           <a:p>
             <a:r>
               <a:rPr lang="en-US" dirty="0" smtClean="0"/>
-              <a:t>Now you see </a:t>
-            </a:r>
-            <a:r>
-              <a:rPr lang="en-US" dirty="0" smtClean="0"/>
-              <a:t>it</a:t>
+              <a:t>Now you see it</a:t>
             </a:r>
             <a:endParaRPr lang="en-US" dirty="0"/>
           </a:p>
@@ -33393,11 +33342,7 @@
             </a:r>
             <a:r>
               <a:rPr lang="en-US" sz="1600" dirty="0" smtClean="0"/>
-              <a:t>te</a:t>
-            </a:r>
-            <a:r>
-              <a:rPr lang="en-US" sz="1600" dirty="0" smtClean="0"/>
-              <a:t>”</a:t>
+              <a:t>te”</a:t>
             </a:r>
             <a:endParaRPr lang="en-US" sz="1600" dirty="0"/>
           </a:p>
@@ -33817,23 +33762,11 @@
           <a:p>
             <a:r>
               <a:rPr lang="en-US" sz="4800" dirty="0" smtClean="0"/>
-              <a:t>_VGEN_KTK</a:t>
-            </a:r>
-            <a:r>
-              <a:rPr lang="en-US" sz="4800" dirty="0" smtClean="0"/>
-              <a:t>,</a:t>
+              <a:t>_VGEN_KTK,</a:t>
             </a:r>
             <a:r>
               <a:rPr lang="en-US" sz="2000" dirty="0" smtClean="0"/>
-              <a:t> </a:t>
-            </a:r>
-            <a:r>
-              <a:rPr lang="en-US" sz="2000" dirty="0" smtClean="0"/>
-              <a:t>&lt;volume&gt;, </a:t>
-            </a:r>
-            <a:r>
-              <a:rPr lang="en-US" sz="2000" dirty="0" smtClean="0"/>
-              <a:t>&lt;from </a:t>
+              <a:t> &lt;volume&gt;, &lt;from </a:t>
             </a:r>
             <a:r>
               <a:rPr lang="en-US" sz="2000" dirty="0" err="1" smtClean="0"/>
@@ -33936,11 +33869,7 @@
             </a:r>
             <a:r>
               <a:rPr lang="en-US" sz="1600" dirty="0" smtClean="0"/>
-              <a:t>olume</a:t>
-            </a:r>
-            <a:r>
-              <a:rPr lang="en-US" sz="1600" dirty="0" smtClean="0"/>
-              <a:t> </a:t>
+              <a:t>olume </a:t>
             </a:r>
             <a:r>
               <a:rPr lang="en-US" sz="1600" dirty="0" smtClean="0">
@@ -35064,11 +34993,7 @@
             </a:r>
             <a:r>
               <a:rPr lang="en-US" dirty="0" smtClean="0"/>
-              <a:t>olume</a:t>
-            </a:r>
-            <a:r>
-              <a:rPr lang="en-US" dirty="0" smtClean="0"/>
-              <a:t> </a:t>
+              <a:t>olume </a:t>
             </a:r>
             <a:r>
               <a:rPr lang="en-US" dirty="0" smtClean="0">
@@ -35146,7 +35071,6 @@
               <a:rPr lang="en-US" sz="1400" dirty="0" smtClean="0"/>
               <a:t>Material Number assigned to material, can be one of the _MAT materials</a:t>
             </a:r>
-            <a:endParaRPr lang="en-US" sz="1400" dirty="0" smtClean="0"/>
           </a:p>
         </p:txBody>
       </p:sp>
@@ -35208,7 +35132,6 @@
               <a:rPr lang="en-US" sz="1400" dirty="0" smtClean="0"/>
               <a:t>Element Size</a:t>
             </a:r>
-            <a:endParaRPr lang="en-US" sz="1400" dirty="0" smtClean="0"/>
           </a:p>
         </p:txBody>
       </p:sp>
@@ -35270,7 +35193,6 @@
               <a:rPr lang="en-US" sz="1400" dirty="0" smtClean="0"/>
               <a:t>Volume to be meshed (-1 for all). If omitted, user is asked to select volumes</a:t>
             </a:r>
-            <a:endParaRPr lang="en-US" sz="1400" dirty="0" smtClean="0"/>
           </a:p>
         </p:txBody>
       </p:sp>
@@ -35332,7 +35254,6 @@
               <a:rPr lang="en-US" sz="1400" dirty="0" smtClean="0"/>
               <a:t>See SMRT Command</a:t>
             </a:r>
-            <a:endParaRPr lang="en-US" sz="1400" dirty="0" smtClean="0"/>
           </a:p>
         </p:txBody>
       </p:sp>
@@ -35445,11 +35366,6 @@
               </a:rPr>
               <a:t>,802,0.25,-1</a:t>
             </a:r>
-            <a:endParaRPr lang="en-US" sz="1400" b="1" dirty="0" smtClean="0">
-              <a:solidFill>
-                <a:schemeClr val="bg1"/>
-              </a:solidFill>
-            </a:endParaRPr>
           </a:p>
         </p:txBody>
       </p:sp>
@@ -35913,6 +35829,33 @@
                                   </p:childTnLst>
                                 </p:cTn>
                               </p:par>
+                              <p:par>
+                                <p:cTn id="37" presetID="1" presetClass="entr" presetSubtype="0" fill="hold" nodeType="withEffect">
+                                  <p:stCondLst>
+                                    <p:cond delay="0"/>
+                                  </p:stCondLst>
+                                  <p:childTnLst>
+                                    <p:set>
+                                      <p:cBhvr>
+                                        <p:cTn id="38" dur="1" fill="hold">
+                                          <p:stCondLst>
+                                            <p:cond delay="0"/>
+                                          </p:stCondLst>
+                                        </p:cTn>
+                                        <p:tgtEl>
+                                          <p:spTgt spid="4099"/>
+                                        </p:tgtEl>
+                                        <p:attrNameLst>
+                                          <p:attrName>style.visibility</p:attrName>
+                                        </p:attrNameLst>
+                                      </p:cBhvr>
+                                      <p:to>
+                                        <p:strVal val="visible"/>
+                                      </p:to>
+                                    </p:set>
+                                  </p:childTnLst>
+                                </p:cTn>
+                              </p:par>
                             </p:childTnLst>
                           </p:cTn>
                         </p:par>
@@ -35958,6 +35901,4564 @@
 </file>
 
 <file path=ppt/slides/slide43.xml><?xml version="1.0" encoding="utf-8"?>
+<p:sld xmlns:a="http://schemas.openxmlformats.org/drawingml/2006/main" xmlns:r="http://schemas.openxmlformats.org/officeDocument/2006/relationships" xmlns:p="http://schemas.openxmlformats.org/presentationml/2006/main">
+  <p:cSld>
+    <p:spTree>
+      <p:nvGrpSpPr>
+        <p:cNvPr id="1" name=""/>
+        <p:cNvGrpSpPr/>
+        <p:nvPr/>
+      </p:nvGrpSpPr>
+      <p:grpSpPr>
+        <a:xfrm>
+          <a:off x="0" y="0"/>
+          <a:ext cx="0" cy="0"/>
+          <a:chOff x="0" y="0"/>
+          <a:chExt cx="0" cy="0"/>
+        </a:xfrm>
+      </p:grpSpPr>
+      <p:sp>
+        <p:nvSpPr>
+          <p:cNvPr id="2" name="Title 1"/>
+          <p:cNvSpPr>
+            <a:spLocks noGrp="1"/>
+          </p:cNvSpPr>
+          <p:nvPr>
+            <p:ph type="title"/>
+          </p:nvPr>
+        </p:nvSpPr>
+        <p:spPr/>
+        <p:txBody>
+          <a:bodyPr/>
+          <a:lstStyle/>
+          <a:p>
+            <a:r>
+              <a:rPr lang="en-US" dirty="0" smtClean="0"/>
+              <a:t>_VSWEEP.mac</a:t>
+            </a:r>
+            <a:r>
+              <a:rPr lang="en-US" dirty="0" smtClean="0">
+                <a:sym typeface="Wingdings" pitchFamily="2" charset="2"/>
+              </a:rPr>
+              <a:t> Sweep That Volume.</a:t>
+            </a:r>
+            <a:endParaRPr lang="en-US" dirty="0"/>
+          </a:p>
+        </p:txBody>
+      </p:sp>
+      <p:sp>
+        <p:nvSpPr>
+          <p:cNvPr id="3" name="TextBox 2"/>
+          <p:cNvSpPr txBox="1"/>
+          <p:nvPr/>
+        </p:nvSpPr>
+        <p:spPr>
+          <a:xfrm>
+            <a:off x="0" y="879895"/>
+            <a:ext cx="8888819" cy="923330"/>
+          </a:xfrm>
+          <a:prstGeom prst="rect">
+            <a:avLst/>
+          </a:prstGeom>
+          <a:noFill/>
+        </p:spPr>
+        <p:txBody>
+          <a:bodyPr wrap="square" rtlCol="0">
+            <a:spAutoFit/>
+          </a:bodyPr>
+          <a:lstStyle/>
+          <a:p>
+            <a:r>
+              <a:rPr lang="en-US" sz="5400" dirty="0" smtClean="0"/>
+              <a:t>_VSWEEP,</a:t>
+            </a:r>
+            <a:r>
+              <a:rPr lang="en-US" sz="2400" dirty="0" smtClean="0"/>
+              <a:t> </a:t>
+            </a:r>
+            <a:r>
+              <a:rPr lang="en-US" sz="1600" dirty="0" smtClean="0"/>
+              <a:t>&lt;Material Number&gt;,&lt;</a:t>
+            </a:r>
+            <a:r>
+              <a:rPr lang="en-US" sz="1600" dirty="0" err="1" smtClean="0"/>
+              <a:t>ESize</a:t>
+            </a:r>
+            <a:r>
+              <a:rPr lang="en-US" sz="1600" dirty="0" smtClean="0"/>
+              <a:t>&gt;,&lt;Volume Number&gt;</a:t>
+            </a:r>
+            <a:endParaRPr lang="en-US" sz="5400" dirty="0"/>
+          </a:p>
+        </p:txBody>
+      </p:sp>
+      <p:sp>
+        <p:nvSpPr>
+          <p:cNvPr id="4" name="TextBox 3"/>
+          <p:cNvSpPr txBox="1"/>
+          <p:nvPr/>
+        </p:nvSpPr>
+        <p:spPr>
+          <a:xfrm>
+            <a:off x="4226944" y="845389"/>
+            <a:ext cx="4917056" cy="369332"/>
+          </a:xfrm>
+          <a:prstGeom prst="rect">
+            <a:avLst/>
+          </a:prstGeom>
+          <a:noFill/>
+        </p:spPr>
+        <p:txBody>
+          <a:bodyPr wrap="square" rtlCol="0">
+            <a:spAutoFit/>
+          </a:bodyPr>
+          <a:lstStyle/>
+          <a:p>
+            <a:pPr algn="r"/>
+            <a:r>
+              <a:rPr lang="en-US" dirty="0" smtClean="0"/>
+              <a:t>“Think: </a:t>
+            </a:r>
+            <a:r>
+              <a:rPr lang="en-US" dirty="0" smtClean="0">
+                <a:solidFill>
+                  <a:schemeClr val="accent6">
+                    <a:lumMod val="75000"/>
+                  </a:schemeClr>
+                </a:solidFill>
+              </a:rPr>
+              <a:t>V</a:t>
+            </a:r>
+            <a:r>
+              <a:rPr lang="en-US" dirty="0" smtClean="0"/>
+              <a:t>olume </a:t>
+            </a:r>
+            <a:r>
+              <a:rPr lang="en-US" dirty="0" smtClean="0">
+                <a:solidFill>
+                  <a:schemeClr val="accent6">
+                    <a:lumMod val="75000"/>
+                  </a:schemeClr>
+                </a:solidFill>
+              </a:rPr>
+              <a:t>Sweep</a:t>
+            </a:r>
+            <a:r>
+              <a:rPr lang="en-US" dirty="0" smtClean="0"/>
+              <a:t>”</a:t>
+            </a:r>
+            <a:endParaRPr lang="en-US" dirty="0"/>
+          </a:p>
+        </p:txBody>
+      </p:sp>
+      <p:sp>
+        <p:nvSpPr>
+          <p:cNvPr id="5" name="TextBox 4"/>
+          <p:cNvSpPr txBox="1"/>
+          <p:nvPr/>
+        </p:nvSpPr>
+        <p:spPr>
+          <a:xfrm>
+            <a:off x="106322" y="1765005"/>
+            <a:ext cx="1892595" cy="307777"/>
+          </a:xfrm>
+          <a:prstGeom prst="rect">
+            <a:avLst/>
+          </a:prstGeom>
+          <a:noFill/>
+          <a:ln>
+            <a:noFill/>
+          </a:ln>
+        </p:spPr>
+        <p:txBody>
+          <a:bodyPr wrap="square" rtlCol="0">
+            <a:spAutoFit/>
+          </a:bodyPr>
+          <a:lstStyle/>
+          <a:p>
+            <a:r>
+              <a:rPr lang="en-US" sz="1400" b="1" dirty="0" smtClean="0"/>
+              <a:t>Material Number</a:t>
+            </a:r>
+            <a:endParaRPr lang="en-US" sz="1400" dirty="0" smtClean="0"/>
+          </a:p>
+        </p:txBody>
+      </p:sp>
+      <p:sp>
+        <p:nvSpPr>
+          <p:cNvPr id="6" name="Rectangle 5"/>
+          <p:cNvSpPr/>
+          <p:nvPr/>
+        </p:nvSpPr>
+        <p:spPr>
+          <a:xfrm>
+            <a:off x="1775606" y="1741325"/>
+            <a:ext cx="6025117" cy="307777"/>
+          </a:xfrm>
+          <a:prstGeom prst="rect">
+            <a:avLst/>
+          </a:prstGeom>
+        </p:spPr>
+        <p:txBody>
+          <a:bodyPr wrap="square">
+            <a:spAutoFit/>
+          </a:bodyPr>
+          <a:lstStyle/>
+          <a:p>
+            <a:r>
+              <a:rPr lang="en-US" sz="1400" dirty="0" smtClean="0"/>
+              <a:t>Material Number assigned to material, can be one of the _MAT materials</a:t>
+            </a:r>
+          </a:p>
+        </p:txBody>
+      </p:sp>
+      <p:sp>
+        <p:nvSpPr>
+          <p:cNvPr id="7" name="TextBox 6"/>
+          <p:cNvSpPr txBox="1"/>
+          <p:nvPr/>
+        </p:nvSpPr>
+        <p:spPr>
+          <a:xfrm>
+            <a:off x="109864" y="2031949"/>
+            <a:ext cx="1892595" cy="307777"/>
+          </a:xfrm>
+          <a:prstGeom prst="rect">
+            <a:avLst/>
+          </a:prstGeom>
+          <a:noFill/>
+          <a:ln>
+            <a:noFill/>
+          </a:ln>
+        </p:spPr>
+        <p:txBody>
+          <a:bodyPr wrap="square" rtlCol="0">
+            <a:spAutoFit/>
+          </a:bodyPr>
+          <a:lstStyle/>
+          <a:p>
+            <a:r>
+              <a:rPr lang="en-US" sz="1400" b="1" dirty="0" err="1" smtClean="0"/>
+              <a:t>ESize</a:t>
+            </a:r>
+            <a:endParaRPr lang="en-US" sz="1400" dirty="0" smtClean="0"/>
+          </a:p>
+        </p:txBody>
+      </p:sp>
+      <p:sp>
+        <p:nvSpPr>
+          <p:cNvPr id="8" name="Rectangle 7"/>
+          <p:cNvSpPr/>
+          <p:nvPr/>
+        </p:nvSpPr>
+        <p:spPr>
+          <a:xfrm>
+            <a:off x="1779149" y="2031949"/>
+            <a:ext cx="1410582" cy="307777"/>
+          </a:xfrm>
+          <a:prstGeom prst="rect">
+            <a:avLst/>
+          </a:prstGeom>
+        </p:spPr>
+        <p:txBody>
+          <a:bodyPr wrap="square">
+            <a:spAutoFit/>
+          </a:bodyPr>
+          <a:lstStyle/>
+          <a:p>
+            <a:r>
+              <a:rPr lang="en-US" sz="1400" dirty="0" smtClean="0"/>
+              <a:t>Element Size</a:t>
+            </a:r>
+          </a:p>
+        </p:txBody>
+      </p:sp>
+      <p:sp>
+        <p:nvSpPr>
+          <p:cNvPr id="9" name="TextBox 8"/>
+          <p:cNvSpPr txBox="1"/>
+          <p:nvPr/>
+        </p:nvSpPr>
+        <p:spPr>
+          <a:xfrm>
+            <a:off x="124041" y="2280042"/>
+            <a:ext cx="1892595" cy="307777"/>
+          </a:xfrm>
+          <a:prstGeom prst="rect">
+            <a:avLst/>
+          </a:prstGeom>
+          <a:noFill/>
+          <a:ln>
+            <a:noFill/>
+          </a:ln>
+        </p:spPr>
+        <p:txBody>
+          <a:bodyPr wrap="square" rtlCol="0">
+            <a:spAutoFit/>
+          </a:bodyPr>
+          <a:lstStyle/>
+          <a:p>
+            <a:r>
+              <a:rPr lang="en-US" sz="1400" b="1" dirty="0" smtClean="0"/>
+              <a:t>Volume Number</a:t>
+            </a:r>
+            <a:endParaRPr lang="en-US" sz="1400" dirty="0" smtClean="0"/>
+          </a:p>
+        </p:txBody>
+      </p:sp>
+      <p:sp>
+        <p:nvSpPr>
+          <p:cNvPr id="10" name="Rectangle 9"/>
+          <p:cNvSpPr/>
+          <p:nvPr/>
+        </p:nvSpPr>
+        <p:spPr>
+          <a:xfrm>
+            <a:off x="1793326" y="2280042"/>
+            <a:ext cx="6383076" cy="307777"/>
+          </a:xfrm>
+          <a:prstGeom prst="rect">
+            <a:avLst/>
+          </a:prstGeom>
+        </p:spPr>
+        <p:txBody>
+          <a:bodyPr wrap="square">
+            <a:spAutoFit/>
+          </a:bodyPr>
+          <a:lstStyle/>
+          <a:p>
+            <a:r>
+              <a:rPr lang="en-US" sz="1400" dirty="0" smtClean="0"/>
+              <a:t>Volume to be meshed (-1 for all). If omitted, user is asked to select volumes</a:t>
+            </a:r>
+          </a:p>
+        </p:txBody>
+      </p:sp>
+      <p:sp>
+        <p:nvSpPr>
+          <p:cNvPr id="16" name="TextBox 15"/>
+          <p:cNvSpPr txBox="1"/>
+          <p:nvPr/>
+        </p:nvSpPr>
+        <p:spPr>
+          <a:xfrm>
+            <a:off x="3498110" y="3976577"/>
+            <a:ext cx="2052086" cy="307777"/>
+          </a:xfrm>
+          <a:prstGeom prst="rect">
+            <a:avLst/>
+          </a:prstGeom>
+          <a:solidFill>
+            <a:schemeClr val="tx1"/>
+          </a:solidFill>
+          <a:ln>
+            <a:noFill/>
+          </a:ln>
+        </p:spPr>
+        <p:txBody>
+          <a:bodyPr wrap="square" rtlCol="0">
+            <a:spAutoFit/>
+          </a:bodyPr>
+          <a:lstStyle/>
+          <a:p>
+            <a:r>
+              <a:rPr lang="en-US" sz="1400" b="1" dirty="0" smtClean="0">
+                <a:solidFill>
+                  <a:schemeClr val="accent6">
+                    <a:lumMod val="75000"/>
+                  </a:schemeClr>
+                </a:solidFill>
+              </a:rPr>
+              <a:t>_VSWEEP</a:t>
+            </a:r>
+            <a:r>
+              <a:rPr lang="en-US" sz="1400" b="1" dirty="0" smtClean="0">
+                <a:solidFill>
+                  <a:schemeClr val="bg1"/>
+                </a:solidFill>
+              </a:rPr>
+              <a:t>,802,0.05,-1</a:t>
+            </a:r>
+          </a:p>
+        </p:txBody>
+      </p:sp>
+      <p:sp>
+        <p:nvSpPr>
+          <p:cNvPr id="17" name="Right Arrow 16"/>
+          <p:cNvSpPr/>
+          <p:nvPr/>
+        </p:nvSpPr>
+        <p:spPr>
+          <a:xfrm>
+            <a:off x="4242391" y="4465681"/>
+            <a:ext cx="637953" cy="414670"/>
+          </a:xfrm>
+          <a:prstGeom prst="rightArrow">
+            <a:avLst/>
+          </a:prstGeom>
+          <a:solidFill>
+            <a:srgbClr val="FF0000"/>
+          </a:solidFill>
+          <a:ln>
+            <a:solidFill>
+              <a:srgbClr val="C00000"/>
+            </a:solidFill>
+          </a:ln>
+        </p:spPr>
+        <p:style>
+          <a:lnRef idx="2">
+            <a:schemeClr val="accent1">
+              <a:shade val="50000"/>
+            </a:schemeClr>
+          </a:lnRef>
+          <a:fillRef idx="1">
+            <a:schemeClr val="accent1"/>
+          </a:fillRef>
+          <a:effectRef idx="0">
+            <a:schemeClr val="accent1"/>
+          </a:effectRef>
+          <a:fontRef idx="minor">
+            <a:schemeClr val="lt1"/>
+          </a:fontRef>
+        </p:style>
+        <p:txBody>
+          <a:bodyPr rtlCol="0" anchor="ctr"/>
+          <a:lstStyle/>
+          <a:p>
+            <a:pPr algn="ctr"/>
+            <a:endParaRPr lang="en-US"/>
+          </a:p>
+        </p:txBody>
+      </p:sp>
+      <p:pic>
+        <p:nvPicPr>
+          <p:cNvPr id="1026" name="Picture 2"/>
+          <p:cNvPicPr>
+            <a:picLocks noChangeAspect="1" noChangeArrowheads="1"/>
+          </p:cNvPicPr>
+          <p:nvPr/>
+        </p:nvPicPr>
+        <p:blipFill>
+          <a:blip r:embed="rId2" cstate="print"/>
+          <a:srcRect/>
+          <a:stretch>
+            <a:fillRect/>
+          </a:stretch>
+        </p:blipFill>
+        <p:spPr bwMode="auto">
+          <a:xfrm>
+            <a:off x="375464" y="3369516"/>
+            <a:ext cx="3026956" cy="2285788"/>
+          </a:xfrm>
+          <a:prstGeom prst="rect">
+            <a:avLst/>
+          </a:prstGeom>
+          <a:noFill/>
+          <a:ln w="9525">
+            <a:noFill/>
+            <a:miter lim="800000"/>
+            <a:headEnd/>
+            <a:tailEnd/>
+          </a:ln>
+        </p:spPr>
+      </p:pic>
+      <p:pic>
+        <p:nvPicPr>
+          <p:cNvPr id="1027" name="Picture 3"/>
+          <p:cNvPicPr>
+            <a:picLocks noChangeAspect="1" noChangeArrowheads="1"/>
+          </p:cNvPicPr>
+          <p:nvPr/>
+        </p:nvPicPr>
+        <p:blipFill>
+          <a:blip r:embed="rId3" cstate="print"/>
+          <a:srcRect/>
+          <a:stretch>
+            <a:fillRect/>
+          </a:stretch>
+        </p:blipFill>
+        <p:spPr bwMode="auto">
+          <a:xfrm>
+            <a:off x="5608921" y="3264196"/>
+            <a:ext cx="3302602" cy="2482037"/>
+          </a:xfrm>
+          <a:prstGeom prst="rect">
+            <a:avLst/>
+          </a:prstGeom>
+          <a:noFill/>
+          <a:ln w="9525">
+            <a:noFill/>
+            <a:miter lim="800000"/>
+            <a:headEnd/>
+            <a:tailEnd/>
+          </a:ln>
+        </p:spPr>
+      </p:pic>
+      <p:sp>
+        <p:nvSpPr>
+          <p:cNvPr id="15" name="TextBox 14"/>
+          <p:cNvSpPr txBox="1"/>
+          <p:nvPr/>
+        </p:nvSpPr>
+        <p:spPr>
+          <a:xfrm>
+            <a:off x="3157870" y="5837276"/>
+            <a:ext cx="2668772" cy="461665"/>
+          </a:xfrm>
+          <a:prstGeom prst="rect">
+            <a:avLst/>
+          </a:prstGeom>
+          <a:ln/>
+        </p:spPr>
+        <p:style>
+          <a:lnRef idx="1">
+            <a:schemeClr val="accent3"/>
+          </a:lnRef>
+          <a:fillRef idx="2">
+            <a:schemeClr val="accent3"/>
+          </a:fillRef>
+          <a:effectRef idx="1">
+            <a:schemeClr val="accent3"/>
+          </a:effectRef>
+          <a:fontRef idx="minor">
+            <a:schemeClr val="dk1"/>
+          </a:fontRef>
+        </p:style>
+        <p:txBody>
+          <a:bodyPr wrap="square" rtlCol="0">
+            <a:spAutoFit/>
+          </a:bodyPr>
+          <a:lstStyle/>
+          <a:p>
+            <a:pPr algn="ctr"/>
+            <a:r>
+              <a:rPr lang="en-US" sz="2400" dirty="0" smtClean="0"/>
+              <a:t>Works with _UNDO</a:t>
+            </a:r>
+          </a:p>
+        </p:txBody>
+      </p:sp>
+    </p:spTree>
+  </p:cSld>
+  <p:clrMapOvr>
+    <a:masterClrMapping/>
+  </p:clrMapOvr>
+  <p:timing>
+    <p:tnLst>
+      <p:par>
+        <p:cTn id="1" dur="indefinite" restart="never" nodeType="tmRoot">
+          <p:childTnLst>
+            <p:seq concurrent="1" nextAc="seek">
+              <p:cTn id="2" dur="indefinite" nodeType="mainSeq">
+                <p:childTnLst>
+                  <p:par>
+                    <p:cTn id="3" fill="hold">
+                      <p:stCondLst>
+                        <p:cond delay="indefinite"/>
+                      </p:stCondLst>
+                      <p:childTnLst>
+                        <p:par>
+                          <p:cTn id="4" fill="hold">
+                            <p:stCondLst>
+                              <p:cond delay="0"/>
+                            </p:stCondLst>
+                            <p:childTnLst>
+                              <p:par>
+                                <p:cTn id="5" presetID="1" presetClass="entr" presetSubtype="0" fill="hold" grpId="0" nodeType="clickEffect">
+                                  <p:stCondLst>
+                                    <p:cond delay="0"/>
+                                  </p:stCondLst>
+                                  <p:childTnLst>
+                                    <p:set>
+                                      <p:cBhvr>
+                                        <p:cTn id="6" dur="1" fill="hold">
+                                          <p:stCondLst>
+                                            <p:cond delay="0"/>
+                                          </p:stCondLst>
+                                        </p:cTn>
+                                        <p:tgtEl>
+                                          <p:spTgt spid="6"/>
+                                        </p:tgtEl>
+                                        <p:attrNameLst>
+                                          <p:attrName>style.visibility</p:attrName>
+                                        </p:attrNameLst>
+                                      </p:cBhvr>
+                                      <p:to>
+                                        <p:strVal val="visible"/>
+                                      </p:to>
+                                    </p:set>
+                                  </p:childTnLst>
+                                </p:cTn>
+                              </p:par>
+                              <p:par>
+                                <p:cTn id="7" presetID="1" presetClass="entr" presetSubtype="0" fill="hold" grpId="0" nodeType="withEffect">
+                                  <p:stCondLst>
+                                    <p:cond delay="0"/>
+                                  </p:stCondLst>
+                                  <p:childTnLst>
+                                    <p:set>
+                                      <p:cBhvr>
+                                        <p:cTn id="8" dur="1" fill="hold">
+                                          <p:stCondLst>
+                                            <p:cond delay="0"/>
+                                          </p:stCondLst>
+                                        </p:cTn>
+                                        <p:tgtEl>
+                                          <p:spTgt spid="5"/>
+                                        </p:tgtEl>
+                                        <p:attrNameLst>
+                                          <p:attrName>style.visibility</p:attrName>
+                                        </p:attrNameLst>
+                                      </p:cBhvr>
+                                      <p:to>
+                                        <p:strVal val="visible"/>
+                                      </p:to>
+                                    </p:set>
+                                  </p:childTnLst>
+                                </p:cTn>
+                              </p:par>
+                            </p:childTnLst>
+                          </p:cTn>
+                        </p:par>
+                      </p:childTnLst>
+                    </p:cTn>
+                  </p:par>
+                  <p:par>
+                    <p:cTn id="9" fill="hold">
+                      <p:stCondLst>
+                        <p:cond delay="indefinite"/>
+                      </p:stCondLst>
+                      <p:childTnLst>
+                        <p:par>
+                          <p:cTn id="10" fill="hold">
+                            <p:stCondLst>
+                              <p:cond delay="0"/>
+                            </p:stCondLst>
+                            <p:childTnLst>
+                              <p:par>
+                                <p:cTn id="11" presetID="1" presetClass="entr" presetSubtype="0" fill="hold" grpId="0" nodeType="clickEffect">
+                                  <p:stCondLst>
+                                    <p:cond delay="0"/>
+                                  </p:stCondLst>
+                                  <p:childTnLst>
+                                    <p:set>
+                                      <p:cBhvr>
+                                        <p:cTn id="12" dur="1" fill="hold">
+                                          <p:stCondLst>
+                                            <p:cond delay="0"/>
+                                          </p:stCondLst>
+                                        </p:cTn>
+                                        <p:tgtEl>
+                                          <p:spTgt spid="7"/>
+                                        </p:tgtEl>
+                                        <p:attrNameLst>
+                                          <p:attrName>style.visibility</p:attrName>
+                                        </p:attrNameLst>
+                                      </p:cBhvr>
+                                      <p:to>
+                                        <p:strVal val="visible"/>
+                                      </p:to>
+                                    </p:set>
+                                  </p:childTnLst>
+                                </p:cTn>
+                              </p:par>
+                              <p:par>
+                                <p:cTn id="13" presetID="1" presetClass="entr" presetSubtype="0" fill="hold" grpId="0" nodeType="withEffect">
+                                  <p:stCondLst>
+                                    <p:cond delay="0"/>
+                                  </p:stCondLst>
+                                  <p:childTnLst>
+                                    <p:set>
+                                      <p:cBhvr>
+                                        <p:cTn id="14" dur="1" fill="hold">
+                                          <p:stCondLst>
+                                            <p:cond delay="0"/>
+                                          </p:stCondLst>
+                                        </p:cTn>
+                                        <p:tgtEl>
+                                          <p:spTgt spid="8"/>
+                                        </p:tgtEl>
+                                        <p:attrNameLst>
+                                          <p:attrName>style.visibility</p:attrName>
+                                        </p:attrNameLst>
+                                      </p:cBhvr>
+                                      <p:to>
+                                        <p:strVal val="visible"/>
+                                      </p:to>
+                                    </p:set>
+                                  </p:childTnLst>
+                                </p:cTn>
+                              </p:par>
+                            </p:childTnLst>
+                          </p:cTn>
+                        </p:par>
+                      </p:childTnLst>
+                    </p:cTn>
+                  </p:par>
+                  <p:par>
+                    <p:cTn id="15" fill="hold">
+                      <p:stCondLst>
+                        <p:cond delay="indefinite"/>
+                      </p:stCondLst>
+                      <p:childTnLst>
+                        <p:par>
+                          <p:cTn id="16" fill="hold">
+                            <p:stCondLst>
+                              <p:cond delay="0"/>
+                            </p:stCondLst>
+                            <p:childTnLst>
+                              <p:par>
+                                <p:cTn id="17" presetID="1" presetClass="entr" presetSubtype="0" fill="hold" grpId="0" nodeType="clickEffect">
+                                  <p:stCondLst>
+                                    <p:cond delay="0"/>
+                                  </p:stCondLst>
+                                  <p:childTnLst>
+                                    <p:set>
+                                      <p:cBhvr>
+                                        <p:cTn id="18" dur="1" fill="hold">
+                                          <p:stCondLst>
+                                            <p:cond delay="0"/>
+                                          </p:stCondLst>
+                                        </p:cTn>
+                                        <p:tgtEl>
+                                          <p:spTgt spid="9"/>
+                                        </p:tgtEl>
+                                        <p:attrNameLst>
+                                          <p:attrName>style.visibility</p:attrName>
+                                        </p:attrNameLst>
+                                      </p:cBhvr>
+                                      <p:to>
+                                        <p:strVal val="visible"/>
+                                      </p:to>
+                                    </p:set>
+                                  </p:childTnLst>
+                                </p:cTn>
+                              </p:par>
+                              <p:par>
+                                <p:cTn id="19" presetID="1" presetClass="entr" presetSubtype="0" fill="hold" grpId="0" nodeType="withEffect">
+                                  <p:stCondLst>
+                                    <p:cond delay="0"/>
+                                  </p:stCondLst>
+                                  <p:childTnLst>
+                                    <p:set>
+                                      <p:cBhvr>
+                                        <p:cTn id="20" dur="1" fill="hold">
+                                          <p:stCondLst>
+                                            <p:cond delay="0"/>
+                                          </p:stCondLst>
+                                        </p:cTn>
+                                        <p:tgtEl>
+                                          <p:spTgt spid="10"/>
+                                        </p:tgtEl>
+                                        <p:attrNameLst>
+                                          <p:attrName>style.visibility</p:attrName>
+                                        </p:attrNameLst>
+                                      </p:cBhvr>
+                                      <p:to>
+                                        <p:strVal val="visible"/>
+                                      </p:to>
+                                    </p:set>
+                                  </p:childTnLst>
+                                </p:cTn>
+                              </p:par>
+                            </p:childTnLst>
+                          </p:cTn>
+                        </p:par>
+                      </p:childTnLst>
+                    </p:cTn>
+                  </p:par>
+                  <p:par>
+                    <p:cTn id="21" fill="hold">
+                      <p:stCondLst>
+                        <p:cond delay="indefinite"/>
+                      </p:stCondLst>
+                      <p:childTnLst>
+                        <p:par>
+                          <p:cTn id="22" fill="hold">
+                            <p:stCondLst>
+                              <p:cond delay="0"/>
+                            </p:stCondLst>
+                            <p:childTnLst>
+                              <p:par>
+                                <p:cTn id="23" presetID="1" presetClass="entr" presetSubtype="0" fill="hold" nodeType="clickEffect">
+                                  <p:stCondLst>
+                                    <p:cond delay="0"/>
+                                  </p:stCondLst>
+                                  <p:childTnLst>
+                                    <p:set>
+                                      <p:cBhvr>
+                                        <p:cTn id="24" dur="1" fill="hold">
+                                          <p:stCondLst>
+                                            <p:cond delay="0"/>
+                                          </p:stCondLst>
+                                        </p:cTn>
+                                        <p:tgtEl>
+                                          <p:spTgt spid="1026"/>
+                                        </p:tgtEl>
+                                        <p:attrNameLst>
+                                          <p:attrName>style.visibility</p:attrName>
+                                        </p:attrNameLst>
+                                      </p:cBhvr>
+                                      <p:to>
+                                        <p:strVal val="visible"/>
+                                      </p:to>
+                                    </p:set>
+                                  </p:childTnLst>
+                                </p:cTn>
+                              </p:par>
+                            </p:childTnLst>
+                          </p:cTn>
+                        </p:par>
+                      </p:childTnLst>
+                    </p:cTn>
+                  </p:par>
+                  <p:par>
+                    <p:cTn id="25" fill="hold">
+                      <p:stCondLst>
+                        <p:cond delay="indefinite"/>
+                      </p:stCondLst>
+                      <p:childTnLst>
+                        <p:par>
+                          <p:cTn id="26" fill="hold">
+                            <p:stCondLst>
+                              <p:cond delay="0"/>
+                            </p:stCondLst>
+                            <p:childTnLst>
+                              <p:par>
+                                <p:cTn id="27" presetID="1" presetClass="entr" presetSubtype="0" fill="hold" grpId="0" nodeType="clickEffect">
+                                  <p:stCondLst>
+                                    <p:cond delay="0"/>
+                                  </p:stCondLst>
+                                  <p:childTnLst>
+                                    <p:set>
+                                      <p:cBhvr>
+                                        <p:cTn id="28" dur="1" fill="hold">
+                                          <p:stCondLst>
+                                            <p:cond delay="0"/>
+                                          </p:stCondLst>
+                                        </p:cTn>
+                                        <p:tgtEl>
+                                          <p:spTgt spid="16"/>
+                                        </p:tgtEl>
+                                        <p:attrNameLst>
+                                          <p:attrName>style.visibility</p:attrName>
+                                        </p:attrNameLst>
+                                      </p:cBhvr>
+                                      <p:to>
+                                        <p:strVal val="visible"/>
+                                      </p:to>
+                                    </p:set>
+                                  </p:childTnLst>
+                                </p:cTn>
+                              </p:par>
+                            </p:childTnLst>
+                          </p:cTn>
+                        </p:par>
+                      </p:childTnLst>
+                    </p:cTn>
+                  </p:par>
+                  <p:par>
+                    <p:cTn id="29" fill="hold">
+                      <p:stCondLst>
+                        <p:cond delay="indefinite"/>
+                      </p:stCondLst>
+                      <p:childTnLst>
+                        <p:par>
+                          <p:cTn id="30" fill="hold">
+                            <p:stCondLst>
+                              <p:cond delay="0"/>
+                            </p:stCondLst>
+                            <p:childTnLst>
+                              <p:par>
+                                <p:cTn id="31" presetID="1" presetClass="entr" presetSubtype="0" fill="hold" grpId="0" nodeType="clickEffect">
+                                  <p:stCondLst>
+                                    <p:cond delay="0"/>
+                                  </p:stCondLst>
+                                  <p:childTnLst>
+                                    <p:set>
+                                      <p:cBhvr>
+                                        <p:cTn id="32" dur="1" fill="hold">
+                                          <p:stCondLst>
+                                            <p:cond delay="0"/>
+                                          </p:stCondLst>
+                                        </p:cTn>
+                                        <p:tgtEl>
+                                          <p:spTgt spid="17"/>
+                                        </p:tgtEl>
+                                        <p:attrNameLst>
+                                          <p:attrName>style.visibility</p:attrName>
+                                        </p:attrNameLst>
+                                      </p:cBhvr>
+                                      <p:to>
+                                        <p:strVal val="visible"/>
+                                      </p:to>
+                                    </p:set>
+                                  </p:childTnLst>
+                                </p:cTn>
+                              </p:par>
+                              <p:par>
+                                <p:cTn id="33" presetID="1" presetClass="entr" presetSubtype="0" fill="hold" nodeType="withEffect">
+                                  <p:stCondLst>
+                                    <p:cond delay="0"/>
+                                  </p:stCondLst>
+                                  <p:childTnLst>
+                                    <p:set>
+                                      <p:cBhvr>
+                                        <p:cTn id="34" dur="1" fill="hold">
+                                          <p:stCondLst>
+                                            <p:cond delay="0"/>
+                                          </p:stCondLst>
+                                        </p:cTn>
+                                        <p:tgtEl>
+                                          <p:spTgt spid="1027"/>
+                                        </p:tgtEl>
+                                        <p:attrNameLst>
+                                          <p:attrName>style.visibility</p:attrName>
+                                        </p:attrNameLst>
+                                      </p:cBhvr>
+                                      <p:to>
+                                        <p:strVal val="visible"/>
+                                      </p:to>
+                                    </p:set>
+                                  </p:childTnLst>
+                                </p:cTn>
+                              </p:par>
+                            </p:childTnLst>
+                          </p:cTn>
+                        </p:par>
+                      </p:childTnLst>
+                    </p:cTn>
+                  </p:par>
+                  <p:par>
+                    <p:cTn id="35" fill="hold">
+                      <p:stCondLst>
+                        <p:cond delay="indefinite"/>
+                      </p:stCondLst>
+                      <p:childTnLst>
+                        <p:par>
+                          <p:cTn id="36" fill="hold">
+                            <p:stCondLst>
+                              <p:cond delay="0"/>
+                            </p:stCondLst>
+                            <p:childTnLst>
+                              <p:par>
+                                <p:cTn id="37" presetID="1" presetClass="entr" presetSubtype="0" fill="hold" grpId="0" nodeType="clickEffect">
+                                  <p:stCondLst>
+                                    <p:cond delay="0"/>
+                                  </p:stCondLst>
+                                  <p:childTnLst>
+                                    <p:set>
+                                      <p:cBhvr>
+                                        <p:cTn id="38" dur="1" fill="hold">
+                                          <p:stCondLst>
+                                            <p:cond delay="0"/>
+                                          </p:stCondLst>
+                                        </p:cTn>
+                                        <p:tgtEl>
+                                          <p:spTgt spid="15"/>
+                                        </p:tgtEl>
+                                        <p:attrNameLst>
+                                          <p:attrName>style.visibility</p:attrName>
+                                        </p:attrNameLst>
+                                      </p:cBhvr>
+                                      <p:to>
+                                        <p:strVal val="visible"/>
+                                      </p:to>
+                                    </p:set>
+                                  </p:childTnLst>
+                                </p:cTn>
+                              </p:par>
+                            </p:childTnLst>
+                          </p:cTn>
+                        </p:par>
+                      </p:childTnLst>
+                    </p:cTn>
+                  </p:par>
+                </p:childTnLst>
+              </p:cTn>
+              <p:prevCondLst>
+                <p:cond evt="onPrev" delay="0">
+                  <p:tgtEl>
+                    <p:sldTgt/>
+                  </p:tgtEl>
+                </p:cond>
+              </p:prevCondLst>
+              <p:nextCondLst>
+                <p:cond evt="onNext" delay="0">
+                  <p:tgtEl>
+                    <p:sldTgt/>
+                  </p:tgtEl>
+                </p:cond>
+              </p:nextCondLst>
+            </p:seq>
+          </p:childTnLst>
+        </p:cTn>
+      </p:par>
+    </p:tnLst>
+    <p:bldLst>
+      <p:bldP spid="5" grpId="0"/>
+      <p:bldP spid="6" grpId="0"/>
+      <p:bldP spid="7" grpId="0"/>
+      <p:bldP spid="8" grpId="0"/>
+      <p:bldP spid="9" grpId="0"/>
+      <p:bldP spid="10" grpId="0"/>
+      <p:bldP spid="16" grpId="0" animBg="1"/>
+      <p:bldP spid="17" grpId="0" animBg="1"/>
+      <p:bldP spid="15" grpId="0" animBg="1"/>
+    </p:bldLst>
+  </p:timing>
+</p:sld>
+</file>
+
+<file path=ppt/slides/slide44.xml><?xml version="1.0" encoding="utf-8"?>
+<p:sld xmlns:a="http://schemas.openxmlformats.org/drawingml/2006/main" xmlns:r="http://schemas.openxmlformats.org/officeDocument/2006/relationships" xmlns:p="http://schemas.openxmlformats.org/presentationml/2006/main">
+  <p:cSld>
+    <p:spTree>
+      <p:nvGrpSpPr>
+        <p:cNvPr id="1" name=""/>
+        <p:cNvGrpSpPr/>
+        <p:nvPr/>
+      </p:nvGrpSpPr>
+      <p:grpSpPr>
+        <a:xfrm>
+          <a:off x="0" y="0"/>
+          <a:ext cx="0" cy="0"/>
+          <a:chOff x="0" y="0"/>
+          <a:chExt cx="0" cy="0"/>
+        </a:xfrm>
+      </p:grpSpPr>
+      <p:pic>
+        <p:nvPicPr>
+          <p:cNvPr id="2051" name="Picture 3"/>
+          <p:cNvPicPr>
+            <a:picLocks noChangeAspect="1" noChangeArrowheads="1"/>
+          </p:cNvPicPr>
+          <p:nvPr/>
+        </p:nvPicPr>
+        <p:blipFill>
+          <a:blip r:embed="rId2" cstate="print"/>
+          <a:srcRect/>
+          <a:stretch>
+            <a:fillRect/>
+          </a:stretch>
+        </p:blipFill>
+        <p:spPr bwMode="auto">
+          <a:xfrm>
+            <a:off x="4206174" y="3873242"/>
+            <a:ext cx="4772025" cy="2428875"/>
+          </a:xfrm>
+          <a:prstGeom prst="rect">
+            <a:avLst/>
+          </a:prstGeom>
+          <a:noFill/>
+          <a:ln w="9525">
+            <a:noFill/>
+            <a:miter lim="800000"/>
+            <a:headEnd/>
+            <a:tailEnd/>
+          </a:ln>
+        </p:spPr>
+      </p:pic>
+      <p:sp>
+        <p:nvSpPr>
+          <p:cNvPr id="2" name="Title 1"/>
+          <p:cNvSpPr>
+            <a:spLocks noGrp="1"/>
+          </p:cNvSpPr>
+          <p:nvPr>
+            <p:ph type="title"/>
+          </p:nvPr>
+        </p:nvSpPr>
+        <p:spPr/>
+        <p:txBody>
+          <a:bodyPr/>
+          <a:lstStyle/>
+          <a:p>
+            <a:r>
+              <a:rPr lang="en-US" dirty="0" smtClean="0">
+                <a:sym typeface="Wingdings" pitchFamily="2" charset="2"/>
+              </a:rPr>
+              <a:t>AKMPC.mac  The Spider Web Maker</a:t>
+            </a:r>
+            <a:endParaRPr lang="en-US" dirty="0"/>
+          </a:p>
+        </p:txBody>
+      </p:sp>
+      <p:sp>
+        <p:nvSpPr>
+          <p:cNvPr id="3" name="TextBox 2"/>
+          <p:cNvSpPr txBox="1"/>
+          <p:nvPr/>
+        </p:nvSpPr>
+        <p:spPr>
+          <a:xfrm>
+            <a:off x="0" y="879895"/>
+            <a:ext cx="8888819" cy="923330"/>
+          </a:xfrm>
+          <a:prstGeom prst="rect">
+            <a:avLst/>
+          </a:prstGeom>
+          <a:noFill/>
+        </p:spPr>
+        <p:txBody>
+          <a:bodyPr wrap="square" rtlCol="0">
+            <a:spAutoFit/>
+          </a:bodyPr>
+          <a:lstStyle/>
+          <a:p>
+            <a:r>
+              <a:rPr lang="en-US" sz="5400" dirty="0" smtClean="0"/>
+              <a:t>AKMPC,</a:t>
+            </a:r>
+            <a:r>
+              <a:rPr lang="en-US" sz="2400" dirty="0" smtClean="0"/>
+              <a:t> </a:t>
+            </a:r>
+            <a:r>
+              <a:rPr lang="en-US" sz="1600" dirty="0" smtClean="0"/>
+              <a:t>&lt;</a:t>
+            </a:r>
+            <a:r>
+              <a:rPr lang="en-US" sz="1600" dirty="0" err="1" smtClean="0"/>
+              <a:t>Keypoint</a:t>
+            </a:r>
+            <a:r>
+              <a:rPr lang="en-US" sz="1600" dirty="0" smtClean="0"/>
+              <a:t>&gt;,&lt;Area&gt;,&lt;Link?&gt;,&lt;Lagrange?&gt;</a:t>
+            </a:r>
+            <a:endParaRPr lang="en-US" sz="5400" dirty="0"/>
+          </a:p>
+        </p:txBody>
+      </p:sp>
+      <p:sp>
+        <p:nvSpPr>
+          <p:cNvPr id="4" name="TextBox 3"/>
+          <p:cNvSpPr txBox="1"/>
+          <p:nvPr/>
+        </p:nvSpPr>
+        <p:spPr>
+          <a:xfrm>
+            <a:off x="3062177" y="845389"/>
+            <a:ext cx="6081823" cy="369332"/>
+          </a:xfrm>
+          <a:prstGeom prst="rect">
+            <a:avLst/>
+          </a:prstGeom>
+          <a:noFill/>
+        </p:spPr>
+        <p:txBody>
+          <a:bodyPr wrap="square" rtlCol="0">
+            <a:spAutoFit/>
+          </a:bodyPr>
+          <a:lstStyle/>
+          <a:p>
+            <a:pPr algn="r"/>
+            <a:r>
+              <a:rPr lang="en-US" dirty="0" smtClean="0"/>
+              <a:t>“Think: </a:t>
+            </a:r>
+            <a:r>
+              <a:rPr lang="en-US" dirty="0" smtClean="0">
+                <a:solidFill>
+                  <a:schemeClr val="accent6">
+                    <a:lumMod val="75000"/>
+                  </a:schemeClr>
+                </a:solidFill>
+              </a:rPr>
+              <a:t>A</a:t>
+            </a:r>
+            <a:r>
+              <a:rPr lang="en-US" dirty="0" smtClean="0"/>
+              <a:t>rea To </a:t>
+            </a:r>
+            <a:r>
+              <a:rPr lang="en-US" dirty="0" err="1" smtClean="0">
+                <a:solidFill>
+                  <a:schemeClr val="accent6">
+                    <a:lumMod val="75000"/>
+                  </a:schemeClr>
+                </a:solidFill>
+              </a:rPr>
+              <a:t>K</a:t>
+            </a:r>
+            <a:r>
+              <a:rPr lang="en-US" dirty="0" err="1" smtClean="0"/>
+              <a:t>eypoint</a:t>
+            </a:r>
+            <a:r>
+              <a:rPr lang="en-US" dirty="0" smtClean="0"/>
+              <a:t> </a:t>
+            </a:r>
+            <a:r>
+              <a:rPr lang="en-US" dirty="0" smtClean="0">
+                <a:solidFill>
+                  <a:schemeClr val="accent6">
+                    <a:lumMod val="75000"/>
+                  </a:schemeClr>
+                </a:solidFill>
+              </a:rPr>
+              <a:t>M</a:t>
+            </a:r>
+            <a:r>
+              <a:rPr lang="en-US" dirty="0" smtClean="0"/>
+              <a:t>ulti-</a:t>
+            </a:r>
+            <a:r>
+              <a:rPr lang="en-US" dirty="0" smtClean="0">
+                <a:solidFill>
+                  <a:schemeClr val="accent6">
+                    <a:lumMod val="75000"/>
+                  </a:schemeClr>
+                </a:solidFill>
+              </a:rPr>
+              <a:t>P</a:t>
+            </a:r>
+            <a:r>
+              <a:rPr lang="en-US" dirty="0" smtClean="0"/>
+              <a:t>oint </a:t>
+            </a:r>
+            <a:r>
+              <a:rPr lang="en-US" dirty="0" smtClean="0">
+                <a:solidFill>
+                  <a:schemeClr val="accent6">
+                    <a:lumMod val="75000"/>
+                  </a:schemeClr>
+                </a:solidFill>
+              </a:rPr>
+              <a:t>C</a:t>
+            </a:r>
+            <a:r>
+              <a:rPr lang="en-US" dirty="0" smtClean="0"/>
+              <a:t>onstraint”</a:t>
+            </a:r>
+            <a:endParaRPr lang="en-US" dirty="0"/>
+          </a:p>
+        </p:txBody>
+      </p:sp>
+      <p:sp>
+        <p:nvSpPr>
+          <p:cNvPr id="16" name="TextBox 15"/>
+          <p:cNvSpPr txBox="1"/>
+          <p:nvPr/>
+        </p:nvSpPr>
+        <p:spPr>
+          <a:xfrm>
+            <a:off x="340241" y="2275368"/>
+            <a:ext cx="946299" cy="307777"/>
+          </a:xfrm>
+          <a:prstGeom prst="rect">
+            <a:avLst/>
+          </a:prstGeom>
+          <a:solidFill>
+            <a:schemeClr val="tx1"/>
+          </a:solidFill>
+          <a:ln>
+            <a:noFill/>
+          </a:ln>
+        </p:spPr>
+        <p:txBody>
+          <a:bodyPr wrap="square" rtlCol="0">
+            <a:spAutoFit/>
+          </a:bodyPr>
+          <a:lstStyle/>
+          <a:p>
+            <a:r>
+              <a:rPr lang="en-US" sz="1400" b="1" dirty="0" smtClean="0">
+                <a:solidFill>
+                  <a:schemeClr val="accent6">
+                    <a:lumMod val="75000"/>
+                  </a:schemeClr>
+                </a:solidFill>
+              </a:rPr>
+              <a:t>AKMPC</a:t>
+            </a:r>
+            <a:endParaRPr lang="en-US" sz="1400" b="1" dirty="0" smtClean="0">
+              <a:solidFill>
+                <a:schemeClr val="bg1"/>
+              </a:solidFill>
+            </a:endParaRPr>
+          </a:p>
+        </p:txBody>
+      </p:sp>
+      <p:sp>
+        <p:nvSpPr>
+          <p:cNvPr id="17" name="Right Arrow 16"/>
+          <p:cNvSpPr/>
+          <p:nvPr/>
+        </p:nvSpPr>
+        <p:spPr>
+          <a:xfrm rot="2181010">
+            <a:off x="4380614" y="3944687"/>
+            <a:ext cx="637953" cy="414670"/>
+          </a:xfrm>
+          <a:prstGeom prst="rightArrow">
+            <a:avLst/>
+          </a:prstGeom>
+          <a:solidFill>
+            <a:srgbClr val="FF0000"/>
+          </a:solidFill>
+          <a:ln>
+            <a:solidFill>
+              <a:srgbClr val="C00000"/>
+            </a:solidFill>
+          </a:ln>
+        </p:spPr>
+        <p:style>
+          <a:lnRef idx="2">
+            <a:schemeClr val="accent1">
+              <a:shade val="50000"/>
+            </a:schemeClr>
+          </a:lnRef>
+          <a:fillRef idx="1">
+            <a:schemeClr val="accent1"/>
+          </a:fillRef>
+          <a:effectRef idx="0">
+            <a:schemeClr val="accent1"/>
+          </a:effectRef>
+          <a:fontRef idx="minor">
+            <a:schemeClr val="lt1"/>
+          </a:fontRef>
+        </p:style>
+        <p:txBody>
+          <a:bodyPr rtlCol="0" anchor="ctr"/>
+          <a:lstStyle/>
+          <a:p>
+            <a:pPr algn="ctr"/>
+            <a:endParaRPr lang="en-US"/>
+          </a:p>
+        </p:txBody>
+      </p:sp>
+      <p:sp>
+        <p:nvSpPr>
+          <p:cNvPr id="15" name="TextBox 14"/>
+          <p:cNvSpPr txBox="1"/>
+          <p:nvPr/>
+        </p:nvSpPr>
+        <p:spPr>
+          <a:xfrm>
+            <a:off x="244549" y="1701209"/>
+            <a:ext cx="8112642" cy="307777"/>
+          </a:xfrm>
+          <a:prstGeom prst="rect">
+            <a:avLst/>
+          </a:prstGeom>
+          <a:noFill/>
+          <a:ln>
+            <a:noFill/>
+          </a:ln>
+        </p:spPr>
+        <p:txBody>
+          <a:bodyPr wrap="square" rtlCol="0">
+            <a:spAutoFit/>
+          </a:bodyPr>
+          <a:lstStyle/>
+          <a:p>
+            <a:r>
+              <a:rPr lang="en-US" sz="1400" dirty="0" smtClean="0"/>
+              <a:t>Creates “Spider Web” of rigid elements between a key point and an area</a:t>
+            </a:r>
+          </a:p>
+        </p:txBody>
+      </p:sp>
+      <p:pic>
+        <p:nvPicPr>
+          <p:cNvPr id="2050" name="Picture 2"/>
+          <p:cNvPicPr>
+            <a:picLocks noChangeAspect="1" noChangeArrowheads="1"/>
+          </p:cNvPicPr>
+          <p:nvPr/>
+        </p:nvPicPr>
+        <p:blipFill>
+          <a:blip r:embed="rId3" cstate="print"/>
+          <a:srcRect/>
+          <a:stretch>
+            <a:fillRect/>
+          </a:stretch>
+        </p:blipFill>
+        <p:spPr bwMode="auto">
+          <a:xfrm>
+            <a:off x="299263" y="2903725"/>
+            <a:ext cx="3773007" cy="2014275"/>
+          </a:xfrm>
+          <a:prstGeom prst="rect">
+            <a:avLst/>
+          </a:prstGeom>
+          <a:noFill/>
+          <a:ln w="9525">
+            <a:noFill/>
+            <a:miter lim="800000"/>
+            <a:headEnd/>
+            <a:tailEnd/>
+          </a:ln>
+        </p:spPr>
+      </p:pic>
+      <p:sp>
+        <p:nvSpPr>
+          <p:cNvPr id="18" name="Oval 17"/>
+          <p:cNvSpPr/>
+          <p:nvPr/>
+        </p:nvSpPr>
+        <p:spPr>
+          <a:xfrm>
+            <a:off x="2049208" y="2879952"/>
+            <a:ext cx="241540" cy="232913"/>
+          </a:xfrm>
+          <a:prstGeom prst="ellipse">
+            <a:avLst/>
+          </a:prstGeom>
+          <a:noFill/>
+          <a:ln w="38100">
+            <a:solidFill>
+              <a:srgbClr val="FF0000"/>
+            </a:solidFill>
+          </a:ln>
+        </p:spPr>
+        <p:style>
+          <a:lnRef idx="2">
+            <a:schemeClr val="accent1">
+              <a:shade val="50000"/>
+            </a:schemeClr>
+          </a:lnRef>
+          <a:fillRef idx="1">
+            <a:schemeClr val="accent1"/>
+          </a:fillRef>
+          <a:effectRef idx="0">
+            <a:schemeClr val="accent1"/>
+          </a:effectRef>
+          <a:fontRef idx="minor">
+            <a:schemeClr val="lt1"/>
+          </a:fontRef>
+        </p:style>
+        <p:txBody>
+          <a:bodyPr rtlCol="0" anchor="ctr"/>
+          <a:lstStyle/>
+          <a:p>
+            <a:pPr algn="ctr"/>
+            <a:endParaRPr lang="en-US"/>
+          </a:p>
+        </p:txBody>
+      </p:sp>
+      <p:cxnSp>
+        <p:nvCxnSpPr>
+          <p:cNvPr id="19" name="Straight Arrow Connector 18"/>
+          <p:cNvCxnSpPr>
+            <a:stCxn id="20" idx="1"/>
+            <a:endCxn id="18" idx="7"/>
+          </p:cNvCxnSpPr>
+          <p:nvPr/>
+        </p:nvCxnSpPr>
+        <p:spPr>
+          <a:xfrm rot="10800000" flipV="1">
+            <a:off x="2255375" y="2533189"/>
+            <a:ext cx="752570" cy="380871"/>
+          </a:xfrm>
+          <a:prstGeom prst="straightConnector1">
+            <a:avLst/>
+          </a:prstGeom>
+          <a:ln w="41275">
+            <a:solidFill>
+              <a:srgbClr val="FF0000"/>
+            </a:solidFill>
+            <a:tailEnd type="triangle"/>
+          </a:ln>
+        </p:spPr>
+        <p:style>
+          <a:lnRef idx="1">
+            <a:schemeClr val="accent1"/>
+          </a:lnRef>
+          <a:fillRef idx="0">
+            <a:schemeClr val="accent1"/>
+          </a:fillRef>
+          <a:effectRef idx="0">
+            <a:schemeClr val="accent1"/>
+          </a:effectRef>
+          <a:fontRef idx="minor">
+            <a:schemeClr val="tx1"/>
+          </a:fontRef>
+        </p:style>
+      </p:cxnSp>
+      <p:sp>
+        <p:nvSpPr>
+          <p:cNvPr id="20" name="TextBox 19"/>
+          <p:cNvSpPr txBox="1"/>
+          <p:nvPr/>
+        </p:nvSpPr>
+        <p:spPr>
+          <a:xfrm>
+            <a:off x="3007945" y="2348524"/>
+            <a:ext cx="1390189" cy="369332"/>
+          </a:xfrm>
+          <a:prstGeom prst="rect">
+            <a:avLst/>
+          </a:prstGeom>
+          <a:noFill/>
+          <a:ln w="38100">
+            <a:solidFill>
+              <a:srgbClr val="FF0000"/>
+            </a:solidFill>
+          </a:ln>
+        </p:spPr>
+        <p:txBody>
+          <a:bodyPr wrap="none" rtlCol="0">
+            <a:spAutoFit/>
+          </a:bodyPr>
+          <a:lstStyle/>
+          <a:p>
+            <a:r>
+              <a:rPr lang="en-US" dirty="0" smtClean="0"/>
+              <a:t>To </a:t>
+            </a:r>
+            <a:r>
+              <a:rPr lang="en-US" dirty="0" err="1" smtClean="0"/>
+              <a:t>Keypoint</a:t>
+            </a:r>
+            <a:endParaRPr lang="en-US" dirty="0"/>
+          </a:p>
+        </p:txBody>
+      </p:sp>
+      <p:sp>
+        <p:nvSpPr>
+          <p:cNvPr id="23" name="TextBox 22"/>
+          <p:cNvSpPr txBox="1"/>
+          <p:nvPr/>
+        </p:nvSpPr>
+        <p:spPr>
+          <a:xfrm>
+            <a:off x="967161" y="3501722"/>
+            <a:ext cx="726481" cy="400110"/>
+          </a:xfrm>
+          <a:prstGeom prst="rect">
+            <a:avLst/>
+          </a:prstGeom>
+          <a:solidFill>
+            <a:schemeClr val="bg1"/>
+          </a:solidFill>
+          <a:ln w="38100">
+            <a:solidFill>
+              <a:srgbClr val="FF0000"/>
+            </a:solidFill>
+          </a:ln>
+        </p:spPr>
+        <p:txBody>
+          <a:bodyPr wrap="none" rtlCol="0">
+            <a:spAutoFit/>
+          </a:bodyPr>
+          <a:lstStyle/>
+          <a:p>
+            <a:r>
+              <a:rPr lang="en-US" sz="2000" dirty="0" smtClean="0"/>
+              <a:t>Area</a:t>
+            </a:r>
+            <a:endParaRPr lang="en-US" dirty="0"/>
+          </a:p>
+        </p:txBody>
+      </p:sp>
+      <p:cxnSp>
+        <p:nvCxnSpPr>
+          <p:cNvPr id="24" name="Straight Arrow Connector 23"/>
+          <p:cNvCxnSpPr>
+            <a:stCxn id="23" idx="3"/>
+          </p:cNvCxnSpPr>
+          <p:nvPr/>
+        </p:nvCxnSpPr>
+        <p:spPr>
+          <a:xfrm>
+            <a:off x="1693642" y="3701777"/>
+            <a:ext cx="911335" cy="370494"/>
+          </a:xfrm>
+          <a:prstGeom prst="straightConnector1">
+            <a:avLst/>
+          </a:prstGeom>
+          <a:ln w="41275">
+            <a:solidFill>
+              <a:srgbClr val="FF0000"/>
+            </a:solidFill>
+            <a:tailEnd type="triangle"/>
+          </a:ln>
+        </p:spPr>
+        <p:style>
+          <a:lnRef idx="1">
+            <a:schemeClr val="accent1"/>
+          </a:lnRef>
+          <a:fillRef idx="0">
+            <a:schemeClr val="accent1"/>
+          </a:fillRef>
+          <a:effectRef idx="0">
+            <a:schemeClr val="accent1"/>
+          </a:effectRef>
+          <a:fontRef idx="minor">
+            <a:schemeClr val="tx1"/>
+          </a:fontRef>
+        </p:style>
+      </p:cxnSp>
+      <p:sp>
+        <p:nvSpPr>
+          <p:cNvPr id="21" name="TextBox 20"/>
+          <p:cNvSpPr txBox="1"/>
+          <p:nvPr/>
+        </p:nvSpPr>
+        <p:spPr>
+          <a:xfrm>
+            <a:off x="903768" y="5773480"/>
+            <a:ext cx="2668772" cy="461665"/>
+          </a:xfrm>
+          <a:prstGeom prst="rect">
+            <a:avLst/>
+          </a:prstGeom>
+          <a:ln/>
+        </p:spPr>
+        <p:style>
+          <a:lnRef idx="1">
+            <a:schemeClr val="accent3"/>
+          </a:lnRef>
+          <a:fillRef idx="2">
+            <a:schemeClr val="accent3"/>
+          </a:fillRef>
+          <a:effectRef idx="1">
+            <a:schemeClr val="accent3"/>
+          </a:effectRef>
+          <a:fontRef idx="minor">
+            <a:schemeClr val="dk1"/>
+          </a:fontRef>
+        </p:style>
+        <p:txBody>
+          <a:bodyPr wrap="square" rtlCol="0">
+            <a:spAutoFit/>
+          </a:bodyPr>
+          <a:lstStyle/>
+          <a:p>
+            <a:pPr algn="ctr"/>
+            <a:r>
+              <a:rPr lang="en-US" sz="2400" dirty="0" smtClean="0"/>
+              <a:t>Works with _UNDO</a:t>
+            </a:r>
+          </a:p>
+        </p:txBody>
+      </p:sp>
+    </p:spTree>
+  </p:cSld>
+  <p:clrMapOvr>
+    <a:masterClrMapping/>
+  </p:clrMapOvr>
+  <p:timing>
+    <p:tnLst>
+      <p:par>
+        <p:cTn id="1" dur="indefinite" restart="never" nodeType="tmRoot">
+          <p:childTnLst>
+            <p:seq concurrent="1" nextAc="seek">
+              <p:cTn id="2" dur="indefinite" nodeType="mainSeq">
+                <p:childTnLst>
+                  <p:par>
+                    <p:cTn id="3" fill="hold">
+                      <p:stCondLst>
+                        <p:cond delay="indefinite"/>
+                      </p:stCondLst>
+                      <p:childTnLst>
+                        <p:par>
+                          <p:cTn id="4" fill="hold">
+                            <p:stCondLst>
+                              <p:cond delay="0"/>
+                            </p:stCondLst>
+                            <p:childTnLst>
+                              <p:par>
+                                <p:cTn id="5" presetID="1" presetClass="entr" presetSubtype="0" fill="hold" nodeType="clickEffect">
+                                  <p:stCondLst>
+                                    <p:cond delay="0"/>
+                                  </p:stCondLst>
+                                  <p:childTnLst>
+                                    <p:set>
+                                      <p:cBhvr>
+                                        <p:cTn id="6" dur="1" fill="hold">
+                                          <p:stCondLst>
+                                            <p:cond delay="0"/>
+                                          </p:stCondLst>
+                                        </p:cTn>
+                                        <p:tgtEl>
+                                          <p:spTgt spid="2050"/>
+                                        </p:tgtEl>
+                                        <p:attrNameLst>
+                                          <p:attrName>style.visibility</p:attrName>
+                                        </p:attrNameLst>
+                                      </p:cBhvr>
+                                      <p:to>
+                                        <p:strVal val="visible"/>
+                                      </p:to>
+                                    </p:set>
+                                  </p:childTnLst>
+                                </p:cTn>
+                              </p:par>
+                            </p:childTnLst>
+                          </p:cTn>
+                        </p:par>
+                      </p:childTnLst>
+                    </p:cTn>
+                  </p:par>
+                  <p:par>
+                    <p:cTn id="7" fill="hold">
+                      <p:stCondLst>
+                        <p:cond delay="indefinite"/>
+                      </p:stCondLst>
+                      <p:childTnLst>
+                        <p:par>
+                          <p:cTn id="8" fill="hold">
+                            <p:stCondLst>
+                              <p:cond delay="0"/>
+                            </p:stCondLst>
+                            <p:childTnLst>
+                              <p:par>
+                                <p:cTn id="9" presetID="1" presetClass="entr" presetSubtype="0" fill="hold" grpId="0" nodeType="clickEffect">
+                                  <p:stCondLst>
+                                    <p:cond delay="0"/>
+                                  </p:stCondLst>
+                                  <p:childTnLst>
+                                    <p:set>
+                                      <p:cBhvr>
+                                        <p:cTn id="10" dur="1" fill="hold">
+                                          <p:stCondLst>
+                                            <p:cond delay="0"/>
+                                          </p:stCondLst>
+                                        </p:cTn>
+                                        <p:tgtEl>
+                                          <p:spTgt spid="16"/>
+                                        </p:tgtEl>
+                                        <p:attrNameLst>
+                                          <p:attrName>style.visibility</p:attrName>
+                                        </p:attrNameLst>
+                                      </p:cBhvr>
+                                      <p:to>
+                                        <p:strVal val="visible"/>
+                                      </p:to>
+                                    </p:set>
+                                  </p:childTnLst>
+                                </p:cTn>
+                              </p:par>
+                            </p:childTnLst>
+                          </p:cTn>
+                        </p:par>
+                      </p:childTnLst>
+                    </p:cTn>
+                  </p:par>
+                  <p:par>
+                    <p:cTn id="11" fill="hold">
+                      <p:stCondLst>
+                        <p:cond delay="indefinite"/>
+                      </p:stCondLst>
+                      <p:childTnLst>
+                        <p:par>
+                          <p:cTn id="12" fill="hold">
+                            <p:stCondLst>
+                              <p:cond delay="0"/>
+                            </p:stCondLst>
+                            <p:childTnLst>
+                              <p:par>
+                                <p:cTn id="13" presetID="1" presetClass="entr" presetSubtype="0" fill="hold" grpId="0" nodeType="clickEffect">
+                                  <p:stCondLst>
+                                    <p:cond delay="0"/>
+                                  </p:stCondLst>
+                                  <p:childTnLst>
+                                    <p:set>
+                                      <p:cBhvr>
+                                        <p:cTn id="14" dur="1" fill="hold">
+                                          <p:stCondLst>
+                                            <p:cond delay="0"/>
+                                          </p:stCondLst>
+                                        </p:cTn>
+                                        <p:tgtEl>
+                                          <p:spTgt spid="18"/>
+                                        </p:tgtEl>
+                                        <p:attrNameLst>
+                                          <p:attrName>style.visibility</p:attrName>
+                                        </p:attrNameLst>
+                                      </p:cBhvr>
+                                      <p:to>
+                                        <p:strVal val="visible"/>
+                                      </p:to>
+                                    </p:set>
+                                  </p:childTnLst>
+                                </p:cTn>
+                              </p:par>
+                              <p:par>
+                                <p:cTn id="15" presetID="1" presetClass="entr" presetSubtype="0" fill="hold" nodeType="withEffect">
+                                  <p:stCondLst>
+                                    <p:cond delay="0"/>
+                                  </p:stCondLst>
+                                  <p:childTnLst>
+                                    <p:set>
+                                      <p:cBhvr>
+                                        <p:cTn id="16" dur="1" fill="hold">
+                                          <p:stCondLst>
+                                            <p:cond delay="0"/>
+                                          </p:stCondLst>
+                                        </p:cTn>
+                                        <p:tgtEl>
+                                          <p:spTgt spid="19"/>
+                                        </p:tgtEl>
+                                        <p:attrNameLst>
+                                          <p:attrName>style.visibility</p:attrName>
+                                        </p:attrNameLst>
+                                      </p:cBhvr>
+                                      <p:to>
+                                        <p:strVal val="visible"/>
+                                      </p:to>
+                                    </p:set>
+                                  </p:childTnLst>
+                                </p:cTn>
+                              </p:par>
+                              <p:par>
+                                <p:cTn id="17" presetID="1" presetClass="entr" presetSubtype="0" fill="hold" grpId="0" nodeType="withEffect">
+                                  <p:stCondLst>
+                                    <p:cond delay="0"/>
+                                  </p:stCondLst>
+                                  <p:childTnLst>
+                                    <p:set>
+                                      <p:cBhvr>
+                                        <p:cTn id="18" dur="1" fill="hold">
+                                          <p:stCondLst>
+                                            <p:cond delay="0"/>
+                                          </p:stCondLst>
+                                        </p:cTn>
+                                        <p:tgtEl>
+                                          <p:spTgt spid="20"/>
+                                        </p:tgtEl>
+                                        <p:attrNameLst>
+                                          <p:attrName>style.visibility</p:attrName>
+                                        </p:attrNameLst>
+                                      </p:cBhvr>
+                                      <p:to>
+                                        <p:strVal val="visible"/>
+                                      </p:to>
+                                    </p:set>
+                                  </p:childTnLst>
+                                </p:cTn>
+                              </p:par>
+                            </p:childTnLst>
+                          </p:cTn>
+                        </p:par>
+                      </p:childTnLst>
+                    </p:cTn>
+                  </p:par>
+                  <p:par>
+                    <p:cTn id="19" fill="hold">
+                      <p:stCondLst>
+                        <p:cond delay="indefinite"/>
+                      </p:stCondLst>
+                      <p:childTnLst>
+                        <p:par>
+                          <p:cTn id="20" fill="hold">
+                            <p:stCondLst>
+                              <p:cond delay="0"/>
+                            </p:stCondLst>
+                            <p:childTnLst>
+                              <p:par>
+                                <p:cTn id="21" presetID="1" presetClass="entr" presetSubtype="0" fill="hold" grpId="0" nodeType="clickEffect">
+                                  <p:stCondLst>
+                                    <p:cond delay="0"/>
+                                  </p:stCondLst>
+                                  <p:childTnLst>
+                                    <p:set>
+                                      <p:cBhvr>
+                                        <p:cTn id="22" dur="1" fill="hold">
+                                          <p:stCondLst>
+                                            <p:cond delay="0"/>
+                                          </p:stCondLst>
+                                        </p:cTn>
+                                        <p:tgtEl>
+                                          <p:spTgt spid="23"/>
+                                        </p:tgtEl>
+                                        <p:attrNameLst>
+                                          <p:attrName>style.visibility</p:attrName>
+                                        </p:attrNameLst>
+                                      </p:cBhvr>
+                                      <p:to>
+                                        <p:strVal val="visible"/>
+                                      </p:to>
+                                    </p:set>
+                                  </p:childTnLst>
+                                </p:cTn>
+                              </p:par>
+                              <p:par>
+                                <p:cTn id="23" presetID="1" presetClass="entr" presetSubtype="0" fill="hold" nodeType="withEffect">
+                                  <p:stCondLst>
+                                    <p:cond delay="0"/>
+                                  </p:stCondLst>
+                                  <p:childTnLst>
+                                    <p:set>
+                                      <p:cBhvr>
+                                        <p:cTn id="24" dur="1" fill="hold">
+                                          <p:stCondLst>
+                                            <p:cond delay="0"/>
+                                          </p:stCondLst>
+                                        </p:cTn>
+                                        <p:tgtEl>
+                                          <p:spTgt spid="24"/>
+                                        </p:tgtEl>
+                                        <p:attrNameLst>
+                                          <p:attrName>style.visibility</p:attrName>
+                                        </p:attrNameLst>
+                                      </p:cBhvr>
+                                      <p:to>
+                                        <p:strVal val="visible"/>
+                                      </p:to>
+                                    </p:set>
+                                  </p:childTnLst>
+                                </p:cTn>
+                              </p:par>
+                            </p:childTnLst>
+                          </p:cTn>
+                        </p:par>
+                      </p:childTnLst>
+                    </p:cTn>
+                  </p:par>
+                  <p:par>
+                    <p:cTn id="25" fill="hold">
+                      <p:stCondLst>
+                        <p:cond delay="indefinite"/>
+                      </p:stCondLst>
+                      <p:childTnLst>
+                        <p:par>
+                          <p:cTn id="26" fill="hold">
+                            <p:stCondLst>
+                              <p:cond delay="0"/>
+                            </p:stCondLst>
+                            <p:childTnLst>
+                              <p:par>
+                                <p:cTn id="27" presetID="1" presetClass="entr" presetSubtype="0" fill="hold" nodeType="clickEffect">
+                                  <p:stCondLst>
+                                    <p:cond delay="0"/>
+                                  </p:stCondLst>
+                                  <p:childTnLst>
+                                    <p:set>
+                                      <p:cBhvr>
+                                        <p:cTn id="28" dur="1" fill="hold">
+                                          <p:stCondLst>
+                                            <p:cond delay="0"/>
+                                          </p:stCondLst>
+                                        </p:cTn>
+                                        <p:tgtEl>
+                                          <p:spTgt spid="2051"/>
+                                        </p:tgtEl>
+                                        <p:attrNameLst>
+                                          <p:attrName>style.visibility</p:attrName>
+                                        </p:attrNameLst>
+                                      </p:cBhvr>
+                                      <p:to>
+                                        <p:strVal val="visible"/>
+                                      </p:to>
+                                    </p:set>
+                                  </p:childTnLst>
+                                </p:cTn>
+                              </p:par>
+                              <p:par>
+                                <p:cTn id="29" presetID="1" presetClass="entr" presetSubtype="0" fill="hold" grpId="0" nodeType="withEffect">
+                                  <p:stCondLst>
+                                    <p:cond delay="0"/>
+                                  </p:stCondLst>
+                                  <p:childTnLst>
+                                    <p:set>
+                                      <p:cBhvr>
+                                        <p:cTn id="30" dur="1" fill="hold">
+                                          <p:stCondLst>
+                                            <p:cond delay="0"/>
+                                          </p:stCondLst>
+                                        </p:cTn>
+                                        <p:tgtEl>
+                                          <p:spTgt spid="17"/>
+                                        </p:tgtEl>
+                                        <p:attrNameLst>
+                                          <p:attrName>style.visibility</p:attrName>
+                                        </p:attrNameLst>
+                                      </p:cBhvr>
+                                      <p:to>
+                                        <p:strVal val="visible"/>
+                                      </p:to>
+                                    </p:set>
+                                  </p:childTnLst>
+                                </p:cTn>
+                              </p:par>
+                            </p:childTnLst>
+                          </p:cTn>
+                        </p:par>
+                      </p:childTnLst>
+                    </p:cTn>
+                  </p:par>
+                  <p:par>
+                    <p:cTn id="31" fill="hold">
+                      <p:stCondLst>
+                        <p:cond delay="indefinite"/>
+                      </p:stCondLst>
+                      <p:childTnLst>
+                        <p:par>
+                          <p:cTn id="32" fill="hold">
+                            <p:stCondLst>
+                              <p:cond delay="0"/>
+                            </p:stCondLst>
+                            <p:childTnLst>
+                              <p:par>
+                                <p:cTn id="33" presetID="1" presetClass="entr" presetSubtype="0" fill="hold" grpId="0" nodeType="clickEffect">
+                                  <p:stCondLst>
+                                    <p:cond delay="0"/>
+                                  </p:stCondLst>
+                                  <p:childTnLst>
+                                    <p:set>
+                                      <p:cBhvr>
+                                        <p:cTn id="34" dur="1" fill="hold">
+                                          <p:stCondLst>
+                                            <p:cond delay="0"/>
+                                          </p:stCondLst>
+                                        </p:cTn>
+                                        <p:tgtEl>
+                                          <p:spTgt spid="21"/>
+                                        </p:tgtEl>
+                                        <p:attrNameLst>
+                                          <p:attrName>style.visibility</p:attrName>
+                                        </p:attrNameLst>
+                                      </p:cBhvr>
+                                      <p:to>
+                                        <p:strVal val="visible"/>
+                                      </p:to>
+                                    </p:set>
+                                  </p:childTnLst>
+                                </p:cTn>
+                              </p:par>
+                            </p:childTnLst>
+                          </p:cTn>
+                        </p:par>
+                      </p:childTnLst>
+                    </p:cTn>
+                  </p:par>
+                </p:childTnLst>
+              </p:cTn>
+              <p:prevCondLst>
+                <p:cond evt="onPrev" delay="0">
+                  <p:tgtEl>
+                    <p:sldTgt/>
+                  </p:tgtEl>
+                </p:cond>
+              </p:prevCondLst>
+              <p:nextCondLst>
+                <p:cond evt="onNext" delay="0">
+                  <p:tgtEl>
+                    <p:sldTgt/>
+                  </p:tgtEl>
+                </p:cond>
+              </p:nextCondLst>
+            </p:seq>
+          </p:childTnLst>
+        </p:cTn>
+      </p:par>
+    </p:tnLst>
+    <p:bldLst>
+      <p:bldP spid="16" grpId="0" animBg="1"/>
+      <p:bldP spid="17" grpId="0" animBg="1"/>
+      <p:bldP spid="18" grpId="0" animBg="1"/>
+      <p:bldP spid="20" grpId="0" animBg="1"/>
+      <p:bldP spid="23" grpId="0" animBg="1"/>
+      <p:bldP spid="21" grpId="0" animBg="1"/>
+    </p:bldLst>
+  </p:timing>
+</p:sld>
+</file>
+
+<file path=ppt/slides/slide45.xml><?xml version="1.0" encoding="utf-8"?>
+<p:sld xmlns:a="http://schemas.openxmlformats.org/drawingml/2006/main" xmlns:r="http://schemas.openxmlformats.org/officeDocument/2006/relationships" xmlns:p="http://schemas.openxmlformats.org/presentationml/2006/main">
+  <p:cSld>
+    <p:spTree>
+      <p:nvGrpSpPr>
+        <p:cNvPr id="1" name=""/>
+        <p:cNvGrpSpPr/>
+        <p:nvPr/>
+      </p:nvGrpSpPr>
+      <p:grpSpPr>
+        <a:xfrm>
+          <a:off x="0" y="0"/>
+          <a:ext cx="0" cy="0"/>
+          <a:chOff x="0" y="0"/>
+          <a:chExt cx="0" cy="0"/>
+        </a:xfrm>
+      </p:grpSpPr>
+      <p:sp>
+        <p:nvSpPr>
+          <p:cNvPr id="2" name="Title 1"/>
+          <p:cNvSpPr>
+            <a:spLocks noGrp="1"/>
+          </p:cNvSpPr>
+          <p:nvPr>
+            <p:ph type="title"/>
+          </p:nvPr>
+        </p:nvSpPr>
+        <p:spPr/>
+        <p:txBody>
+          <a:bodyPr/>
+          <a:lstStyle/>
+          <a:p>
+            <a:r>
+              <a:rPr lang="en-US" dirty="0" smtClean="0"/>
+              <a:t>ATA.mac </a:t>
+            </a:r>
+            <a:r>
+              <a:rPr lang="en-US" dirty="0" smtClean="0">
+                <a:sym typeface="Wingdings" pitchFamily="2" charset="2"/>
+              </a:rPr>
+              <a:t> Volumes from Areas… Quickly!</a:t>
+            </a:r>
+            <a:endParaRPr lang="en-US" dirty="0"/>
+          </a:p>
+        </p:txBody>
+      </p:sp>
+      <p:sp>
+        <p:nvSpPr>
+          <p:cNvPr id="3" name="TextBox 2"/>
+          <p:cNvSpPr txBox="1"/>
+          <p:nvPr/>
+        </p:nvSpPr>
+        <p:spPr>
+          <a:xfrm>
+            <a:off x="0" y="879895"/>
+            <a:ext cx="8888819" cy="923330"/>
+          </a:xfrm>
+          <a:prstGeom prst="rect">
+            <a:avLst/>
+          </a:prstGeom>
+          <a:noFill/>
+        </p:spPr>
+        <p:txBody>
+          <a:bodyPr wrap="square" rtlCol="0">
+            <a:spAutoFit/>
+          </a:bodyPr>
+          <a:lstStyle/>
+          <a:p>
+            <a:r>
+              <a:rPr lang="en-US" sz="5400" dirty="0" smtClean="0"/>
+              <a:t>ATA,</a:t>
+            </a:r>
+            <a:r>
+              <a:rPr lang="en-US" sz="2400" dirty="0" smtClean="0"/>
+              <a:t> </a:t>
+            </a:r>
+            <a:r>
+              <a:rPr lang="en-US" sz="1600" dirty="0" smtClean="0"/>
+              <a:t>&lt;First Area&gt;,&lt;Second Area&gt;,&lt;Link?&gt;</a:t>
+            </a:r>
+            <a:endParaRPr lang="en-US" sz="5400" dirty="0"/>
+          </a:p>
+        </p:txBody>
+      </p:sp>
+      <p:sp>
+        <p:nvSpPr>
+          <p:cNvPr id="4" name="TextBox 3"/>
+          <p:cNvSpPr txBox="1"/>
+          <p:nvPr/>
+        </p:nvSpPr>
+        <p:spPr>
+          <a:xfrm>
+            <a:off x="3062177" y="845389"/>
+            <a:ext cx="6081823" cy="369332"/>
+          </a:xfrm>
+          <a:prstGeom prst="rect">
+            <a:avLst/>
+          </a:prstGeom>
+          <a:noFill/>
+        </p:spPr>
+        <p:txBody>
+          <a:bodyPr wrap="square" rtlCol="0">
+            <a:spAutoFit/>
+          </a:bodyPr>
+          <a:lstStyle/>
+          <a:p>
+            <a:pPr algn="r"/>
+            <a:r>
+              <a:rPr lang="en-US" dirty="0" smtClean="0"/>
+              <a:t>“Think: </a:t>
+            </a:r>
+            <a:r>
+              <a:rPr lang="en-US" dirty="0" smtClean="0">
+                <a:solidFill>
+                  <a:schemeClr val="accent6">
+                    <a:lumMod val="75000"/>
+                  </a:schemeClr>
+                </a:solidFill>
+              </a:rPr>
+              <a:t>A</a:t>
+            </a:r>
+            <a:r>
+              <a:rPr lang="en-US" dirty="0" smtClean="0"/>
+              <a:t>rea </a:t>
+            </a:r>
+            <a:r>
+              <a:rPr lang="en-US" dirty="0" smtClean="0">
+                <a:solidFill>
+                  <a:schemeClr val="accent6">
+                    <a:lumMod val="75000"/>
+                  </a:schemeClr>
+                </a:solidFill>
+              </a:rPr>
+              <a:t>T</a:t>
+            </a:r>
+            <a:r>
+              <a:rPr lang="en-US" dirty="0" smtClean="0"/>
+              <a:t>o </a:t>
+            </a:r>
+            <a:r>
+              <a:rPr lang="en-US" dirty="0" smtClean="0">
+                <a:solidFill>
+                  <a:schemeClr val="accent6">
+                    <a:lumMod val="75000"/>
+                  </a:schemeClr>
+                </a:solidFill>
+              </a:rPr>
+              <a:t>A</a:t>
+            </a:r>
+            <a:r>
+              <a:rPr lang="en-US" dirty="0" smtClean="0"/>
+              <a:t>rea”</a:t>
+            </a:r>
+            <a:endParaRPr lang="en-US" dirty="0"/>
+          </a:p>
+        </p:txBody>
+      </p:sp>
+      <p:sp>
+        <p:nvSpPr>
+          <p:cNvPr id="5" name="TextBox 4"/>
+          <p:cNvSpPr txBox="1"/>
+          <p:nvPr/>
+        </p:nvSpPr>
+        <p:spPr>
+          <a:xfrm>
+            <a:off x="255181" y="1818167"/>
+            <a:ext cx="8729331" cy="307777"/>
+          </a:xfrm>
+          <a:prstGeom prst="rect">
+            <a:avLst/>
+          </a:prstGeom>
+          <a:noFill/>
+          <a:ln>
+            <a:noFill/>
+          </a:ln>
+        </p:spPr>
+        <p:txBody>
+          <a:bodyPr wrap="square" rtlCol="0">
+            <a:spAutoFit/>
+          </a:bodyPr>
+          <a:lstStyle/>
+          <a:p>
+            <a:r>
+              <a:rPr lang="en-US" sz="1400" dirty="0" smtClean="0"/>
+              <a:t>Creates a volume between two areas</a:t>
+            </a:r>
+          </a:p>
+        </p:txBody>
+      </p:sp>
+      <p:pic>
+        <p:nvPicPr>
+          <p:cNvPr id="3074" name="Picture 2"/>
+          <p:cNvPicPr>
+            <a:picLocks noChangeAspect="1" noChangeArrowheads="1"/>
+          </p:cNvPicPr>
+          <p:nvPr/>
+        </p:nvPicPr>
+        <p:blipFill>
+          <a:blip r:embed="rId2" cstate="print"/>
+          <a:srcRect/>
+          <a:stretch>
+            <a:fillRect/>
+          </a:stretch>
+        </p:blipFill>
+        <p:spPr bwMode="auto">
+          <a:xfrm>
+            <a:off x="178872" y="2232517"/>
+            <a:ext cx="4371863" cy="2305147"/>
+          </a:xfrm>
+          <a:prstGeom prst="rect">
+            <a:avLst/>
+          </a:prstGeom>
+          <a:noFill/>
+          <a:ln w="9525">
+            <a:noFill/>
+            <a:miter lim="800000"/>
+            <a:headEnd/>
+            <a:tailEnd/>
+          </a:ln>
+        </p:spPr>
+      </p:pic>
+      <p:pic>
+        <p:nvPicPr>
+          <p:cNvPr id="3075" name="Picture 3"/>
+          <p:cNvPicPr>
+            <a:picLocks noChangeAspect="1" noChangeArrowheads="1"/>
+          </p:cNvPicPr>
+          <p:nvPr/>
+        </p:nvPicPr>
+        <p:blipFill>
+          <a:blip r:embed="rId3" cstate="print"/>
+          <a:srcRect/>
+          <a:stretch>
+            <a:fillRect/>
+          </a:stretch>
+        </p:blipFill>
+        <p:spPr bwMode="auto">
+          <a:xfrm>
+            <a:off x="4411111" y="3625702"/>
+            <a:ext cx="4594666" cy="3030279"/>
+          </a:xfrm>
+          <a:prstGeom prst="rect">
+            <a:avLst/>
+          </a:prstGeom>
+          <a:noFill/>
+          <a:ln w="9525">
+            <a:noFill/>
+            <a:miter lim="800000"/>
+            <a:headEnd/>
+            <a:tailEnd/>
+          </a:ln>
+        </p:spPr>
+      </p:pic>
+      <p:sp>
+        <p:nvSpPr>
+          <p:cNvPr id="8" name="TextBox 7"/>
+          <p:cNvSpPr txBox="1"/>
+          <p:nvPr/>
+        </p:nvSpPr>
+        <p:spPr>
+          <a:xfrm>
+            <a:off x="444001" y="4707009"/>
+            <a:ext cx="2469314" cy="338554"/>
+          </a:xfrm>
+          <a:prstGeom prst="rect">
+            <a:avLst/>
+          </a:prstGeom>
+          <a:noFill/>
+          <a:ln w="28575">
+            <a:solidFill>
+              <a:srgbClr val="FF0000"/>
+            </a:solidFill>
+          </a:ln>
+        </p:spPr>
+        <p:txBody>
+          <a:bodyPr wrap="square" rtlCol="0">
+            <a:spAutoFit/>
+          </a:bodyPr>
+          <a:lstStyle/>
+          <a:p>
+            <a:r>
+              <a:rPr lang="en-US" sz="1600" dirty="0" smtClean="0"/>
+              <a:t>Step 1: Select Two </a:t>
+            </a:r>
+            <a:r>
+              <a:rPr lang="en-US" sz="1600" dirty="0" smtClean="0"/>
+              <a:t>Areas</a:t>
+            </a:r>
+            <a:endParaRPr lang="en-US" sz="1600" dirty="0" smtClean="0"/>
+          </a:p>
+        </p:txBody>
+      </p:sp>
+      <p:cxnSp>
+        <p:nvCxnSpPr>
+          <p:cNvPr id="9" name="Straight Arrow Connector 8"/>
+          <p:cNvCxnSpPr>
+            <a:stCxn id="8" idx="0"/>
+          </p:cNvCxnSpPr>
+          <p:nvPr/>
+        </p:nvCxnSpPr>
+        <p:spPr>
+          <a:xfrm rot="5400000" flipH="1" flipV="1">
+            <a:off x="957895" y="3612820"/>
+            <a:ext cx="1814952" cy="373427"/>
+          </a:xfrm>
+          <a:prstGeom prst="straightConnector1">
+            <a:avLst/>
+          </a:prstGeom>
+          <a:ln w="41275">
+            <a:solidFill>
+              <a:srgbClr val="FF0000"/>
+            </a:solidFill>
+            <a:tailEnd type="arrow"/>
+          </a:ln>
+        </p:spPr>
+        <p:style>
+          <a:lnRef idx="1">
+            <a:schemeClr val="accent1"/>
+          </a:lnRef>
+          <a:fillRef idx="0">
+            <a:schemeClr val="accent1"/>
+          </a:fillRef>
+          <a:effectRef idx="0">
+            <a:schemeClr val="accent1"/>
+          </a:effectRef>
+          <a:fontRef idx="minor">
+            <a:schemeClr val="tx1"/>
+          </a:fontRef>
+        </p:style>
+      </p:cxnSp>
+      <p:cxnSp>
+        <p:nvCxnSpPr>
+          <p:cNvPr id="10" name="Straight Arrow Connector 9"/>
+          <p:cNvCxnSpPr>
+            <a:stCxn id="8" idx="0"/>
+          </p:cNvCxnSpPr>
+          <p:nvPr/>
+        </p:nvCxnSpPr>
+        <p:spPr>
+          <a:xfrm rot="5400000" flipH="1" flipV="1">
+            <a:off x="1622430" y="3969009"/>
+            <a:ext cx="794228" cy="681773"/>
+          </a:xfrm>
+          <a:prstGeom prst="straightConnector1">
+            <a:avLst/>
+          </a:prstGeom>
+          <a:ln w="41275">
+            <a:solidFill>
+              <a:srgbClr val="FF0000"/>
+            </a:solidFill>
+            <a:tailEnd type="arrow"/>
+          </a:ln>
+        </p:spPr>
+        <p:style>
+          <a:lnRef idx="1">
+            <a:schemeClr val="accent1"/>
+          </a:lnRef>
+          <a:fillRef idx="0">
+            <a:schemeClr val="accent1"/>
+          </a:fillRef>
+          <a:effectRef idx="0">
+            <a:schemeClr val="accent1"/>
+          </a:effectRef>
+          <a:fontRef idx="minor">
+            <a:schemeClr val="tx1"/>
+          </a:fontRef>
+        </p:style>
+      </p:cxnSp>
+      <p:sp>
+        <p:nvSpPr>
+          <p:cNvPr id="13" name="Right Arrow 12"/>
+          <p:cNvSpPr/>
+          <p:nvPr/>
+        </p:nvSpPr>
+        <p:spPr>
+          <a:xfrm rot="2181010">
+            <a:off x="4582633" y="3487486"/>
+            <a:ext cx="637953" cy="414670"/>
+          </a:xfrm>
+          <a:prstGeom prst="rightArrow">
+            <a:avLst/>
+          </a:prstGeom>
+          <a:solidFill>
+            <a:srgbClr val="FF0000"/>
+          </a:solidFill>
+          <a:ln>
+            <a:solidFill>
+              <a:srgbClr val="C00000"/>
+            </a:solidFill>
+          </a:ln>
+        </p:spPr>
+        <p:style>
+          <a:lnRef idx="2">
+            <a:schemeClr val="accent1">
+              <a:shade val="50000"/>
+            </a:schemeClr>
+          </a:lnRef>
+          <a:fillRef idx="1">
+            <a:schemeClr val="accent1"/>
+          </a:fillRef>
+          <a:effectRef idx="0">
+            <a:schemeClr val="accent1"/>
+          </a:effectRef>
+          <a:fontRef idx="minor">
+            <a:schemeClr val="lt1"/>
+          </a:fontRef>
+        </p:style>
+        <p:txBody>
+          <a:bodyPr rtlCol="0" anchor="ctr"/>
+          <a:lstStyle/>
+          <a:p>
+            <a:pPr algn="ctr"/>
+            <a:endParaRPr lang="en-US"/>
+          </a:p>
+        </p:txBody>
+      </p:sp>
+      <p:sp>
+        <p:nvSpPr>
+          <p:cNvPr id="15" name="TextBox 14"/>
+          <p:cNvSpPr txBox="1"/>
+          <p:nvPr/>
+        </p:nvSpPr>
+        <p:spPr>
+          <a:xfrm>
+            <a:off x="935666" y="5433239"/>
+            <a:ext cx="2668772" cy="461665"/>
+          </a:xfrm>
+          <a:prstGeom prst="rect">
+            <a:avLst/>
+          </a:prstGeom>
+          <a:ln/>
+        </p:spPr>
+        <p:style>
+          <a:lnRef idx="1">
+            <a:schemeClr val="accent3"/>
+          </a:lnRef>
+          <a:fillRef idx="2">
+            <a:schemeClr val="accent3"/>
+          </a:fillRef>
+          <a:effectRef idx="1">
+            <a:schemeClr val="accent3"/>
+          </a:effectRef>
+          <a:fontRef idx="minor">
+            <a:schemeClr val="dk1"/>
+          </a:fontRef>
+        </p:style>
+        <p:txBody>
+          <a:bodyPr wrap="square" rtlCol="0">
+            <a:spAutoFit/>
+          </a:bodyPr>
+          <a:lstStyle/>
+          <a:p>
+            <a:pPr algn="ctr"/>
+            <a:r>
+              <a:rPr lang="en-US" sz="2400" dirty="0" smtClean="0"/>
+              <a:t>Works with _UNDO</a:t>
+            </a:r>
+          </a:p>
+        </p:txBody>
+      </p:sp>
+    </p:spTree>
+  </p:cSld>
+  <p:clrMapOvr>
+    <a:masterClrMapping/>
+  </p:clrMapOvr>
+  <p:timing>
+    <p:tnLst>
+      <p:par>
+        <p:cTn id="1" dur="indefinite" restart="never" nodeType="tmRoot">
+          <p:childTnLst>
+            <p:seq concurrent="1" nextAc="seek">
+              <p:cTn id="2" dur="indefinite" nodeType="mainSeq">
+                <p:childTnLst>
+                  <p:par>
+                    <p:cTn id="3" fill="hold">
+                      <p:stCondLst>
+                        <p:cond delay="indefinite"/>
+                      </p:stCondLst>
+                      <p:childTnLst>
+                        <p:par>
+                          <p:cTn id="4" fill="hold">
+                            <p:stCondLst>
+                              <p:cond delay="0"/>
+                            </p:stCondLst>
+                            <p:childTnLst>
+                              <p:par>
+                                <p:cTn id="5" presetID="1" presetClass="entr" presetSubtype="0" fill="hold" nodeType="clickEffect">
+                                  <p:stCondLst>
+                                    <p:cond delay="0"/>
+                                  </p:stCondLst>
+                                  <p:childTnLst>
+                                    <p:set>
+                                      <p:cBhvr>
+                                        <p:cTn id="6" dur="1" fill="hold">
+                                          <p:stCondLst>
+                                            <p:cond delay="0"/>
+                                          </p:stCondLst>
+                                        </p:cTn>
+                                        <p:tgtEl>
+                                          <p:spTgt spid="3074"/>
+                                        </p:tgtEl>
+                                        <p:attrNameLst>
+                                          <p:attrName>style.visibility</p:attrName>
+                                        </p:attrNameLst>
+                                      </p:cBhvr>
+                                      <p:to>
+                                        <p:strVal val="visible"/>
+                                      </p:to>
+                                    </p:set>
+                                  </p:childTnLst>
+                                </p:cTn>
+                              </p:par>
+                            </p:childTnLst>
+                          </p:cTn>
+                        </p:par>
+                      </p:childTnLst>
+                    </p:cTn>
+                  </p:par>
+                  <p:par>
+                    <p:cTn id="7" fill="hold">
+                      <p:stCondLst>
+                        <p:cond delay="indefinite"/>
+                      </p:stCondLst>
+                      <p:childTnLst>
+                        <p:par>
+                          <p:cTn id="8" fill="hold">
+                            <p:stCondLst>
+                              <p:cond delay="0"/>
+                            </p:stCondLst>
+                            <p:childTnLst>
+                              <p:par>
+                                <p:cTn id="9" presetID="1" presetClass="entr" presetSubtype="0" fill="hold" grpId="0" nodeType="clickEffect">
+                                  <p:stCondLst>
+                                    <p:cond delay="0"/>
+                                  </p:stCondLst>
+                                  <p:childTnLst>
+                                    <p:set>
+                                      <p:cBhvr>
+                                        <p:cTn id="10" dur="1" fill="hold">
+                                          <p:stCondLst>
+                                            <p:cond delay="0"/>
+                                          </p:stCondLst>
+                                        </p:cTn>
+                                        <p:tgtEl>
+                                          <p:spTgt spid="8"/>
+                                        </p:tgtEl>
+                                        <p:attrNameLst>
+                                          <p:attrName>style.visibility</p:attrName>
+                                        </p:attrNameLst>
+                                      </p:cBhvr>
+                                      <p:to>
+                                        <p:strVal val="visible"/>
+                                      </p:to>
+                                    </p:set>
+                                  </p:childTnLst>
+                                </p:cTn>
+                              </p:par>
+                              <p:par>
+                                <p:cTn id="11" presetID="1" presetClass="entr" presetSubtype="0" fill="hold" nodeType="withEffect">
+                                  <p:stCondLst>
+                                    <p:cond delay="0"/>
+                                  </p:stCondLst>
+                                  <p:childTnLst>
+                                    <p:set>
+                                      <p:cBhvr>
+                                        <p:cTn id="12" dur="1" fill="hold">
+                                          <p:stCondLst>
+                                            <p:cond delay="0"/>
+                                          </p:stCondLst>
+                                        </p:cTn>
+                                        <p:tgtEl>
+                                          <p:spTgt spid="9"/>
+                                        </p:tgtEl>
+                                        <p:attrNameLst>
+                                          <p:attrName>style.visibility</p:attrName>
+                                        </p:attrNameLst>
+                                      </p:cBhvr>
+                                      <p:to>
+                                        <p:strVal val="visible"/>
+                                      </p:to>
+                                    </p:set>
+                                  </p:childTnLst>
+                                </p:cTn>
+                              </p:par>
+                              <p:par>
+                                <p:cTn id="13" presetID="1" presetClass="entr" presetSubtype="0" fill="hold" nodeType="withEffect">
+                                  <p:stCondLst>
+                                    <p:cond delay="0"/>
+                                  </p:stCondLst>
+                                  <p:childTnLst>
+                                    <p:set>
+                                      <p:cBhvr>
+                                        <p:cTn id="14" dur="1" fill="hold">
+                                          <p:stCondLst>
+                                            <p:cond delay="0"/>
+                                          </p:stCondLst>
+                                        </p:cTn>
+                                        <p:tgtEl>
+                                          <p:spTgt spid="10"/>
+                                        </p:tgtEl>
+                                        <p:attrNameLst>
+                                          <p:attrName>style.visibility</p:attrName>
+                                        </p:attrNameLst>
+                                      </p:cBhvr>
+                                      <p:to>
+                                        <p:strVal val="visible"/>
+                                      </p:to>
+                                    </p:set>
+                                  </p:childTnLst>
+                                </p:cTn>
+                              </p:par>
+                            </p:childTnLst>
+                          </p:cTn>
+                        </p:par>
+                      </p:childTnLst>
+                    </p:cTn>
+                  </p:par>
+                  <p:par>
+                    <p:cTn id="15" fill="hold">
+                      <p:stCondLst>
+                        <p:cond delay="indefinite"/>
+                      </p:stCondLst>
+                      <p:childTnLst>
+                        <p:par>
+                          <p:cTn id="16" fill="hold">
+                            <p:stCondLst>
+                              <p:cond delay="0"/>
+                            </p:stCondLst>
+                            <p:childTnLst>
+                              <p:par>
+                                <p:cTn id="17" presetID="1" presetClass="entr" presetSubtype="0" fill="hold" grpId="0" nodeType="clickEffect">
+                                  <p:stCondLst>
+                                    <p:cond delay="0"/>
+                                  </p:stCondLst>
+                                  <p:childTnLst>
+                                    <p:set>
+                                      <p:cBhvr>
+                                        <p:cTn id="18" dur="1" fill="hold">
+                                          <p:stCondLst>
+                                            <p:cond delay="0"/>
+                                          </p:stCondLst>
+                                        </p:cTn>
+                                        <p:tgtEl>
+                                          <p:spTgt spid="13"/>
+                                        </p:tgtEl>
+                                        <p:attrNameLst>
+                                          <p:attrName>style.visibility</p:attrName>
+                                        </p:attrNameLst>
+                                      </p:cBhvr>
+                                      <p:to>
+                                        <p:strVal val="visible"/>
+                                      </p:to>
+                                    </p:set>
+                                  </p:childTnLst>
+                                </p:cTn>
+                              </p:par>
+                              <p:par>
+                                <p:cTn id="19" presetID="1" presetClass="entr" presetSubtype="0" fill="hold" nodeType="withEffect">
+                                  <p:stCondLst>
+                                    <p:cond delay="0"/>
+                                  </p:stCondLst>
+                                  <p:childTnLst>
+                                    <p:set>
+                                      <p:cBhvr>
+                                        <p:cTn id="20" dur="1" fill="hold">
+                                          <p:stCondLst>
+                                            <p:cond delay="0"/>
+                                          </p:stCondLst>
+                                        </p:cTn>
+                                        <p:tgtEl>
+                                          <p:spTgt spid="3075"/>
+                                        </p:tgtEl>
+                                        <p:attrNameLst>
+                                          <p:attrName>style.visibility</p:attrName>
+                                        </p:attrNameLst>
+                                      </p:cBhvr>
+                                      <p:to>
+                                        <p:strVal val="visible"/>
+                                      </p:to>
+                                    </p:set>
+                                  </p:childTnLst>
+                                </p:cTn>
+                              </p:par>
+                            </p:childTnLst>
+                          </p:cTn>
+                        </p:par>
+                      </p:childTnLst>
+                    </p:cTn>
+                  </p:par>
+                  <p:par>
+                    <p:cTn id="21" fill="hold">
+                      <p:stCondLst>
+                        <p:cond delay="indefinite"/>
+                      </p:stCondLst>
+                      <p:childTnLst>
+                        <p:par>
+                          <p:cTn id="22" fill="hold">
+                            <p:stCondLst>
+                              <p:cond delay="0"/>
+                            </p:stCondLst>
+                            <p:childTnLst>
+                              <p:par>
+                                <p:cTn id="23" presetID="1" presetClass="entr" presetSubtype="0" fill="hold" grpId="0" nodeType="clickEffect">
+                                  <p:stCondLst>
+                                    <p:cond delay="0"/>
+                                  </p:stCondLst>
+                                  <p:childTnLst>
+                                    <p:set>
+                                      <p:cBhvr>
+                                        <p:cTn id="24" dur="1" fill="hold">
+                                          <p:stCondLst>
+                                            <p:cond delay="0"/>
+                                          </p:stCondLst>
+                                        </p:cTn>
+                                        <p:tgtEl>
+                                          <p:spTgt spid="15"/>
+                                        </p:tgtEl>
+                                        <p:attrNameLst>
+                                          <p:attrName>style.visibility</p:attrName>
+                                        </p:attrNameLst>
+                                      </p:cBhvr>
+                                      <p:to>
+                                        <p:strVal val="visible"/>
+                                      </p:to>
+                                    </p:set>
+                                  </p:childTnLst>
+                                </p:cTn>
+                              </p:par>
+                            </p:childTnLst>
+                          </p:cTn>
+                        </p:par>
+                      </p:childTnLst>
+                    </p:cTn>
+                  </p:par>
+                </p:childTnLst>
+              </p:cTn>
+              <p:prevCondLst>
+                <p:cond evt="onPrev" delay="0">
+                  <p:tgtEl>
+                    <p:sldTgt/>
+                  </p:tgtEl>
+                </p:cond>
+              </p:prevCondLst>
+              <p:nextCondLst>
+                <p:cond evt="onNext" delay="0">
+                  <p:tgtEl>
+                    <p:sldTgt/>
+                  </p:tgtEl>
+                </p:cond>
+              </p:nextCondLst>
+            </p:seq>
+          </p:childTnLst>
+        </p:cTn>
+      </p:par>
+    </p:tnLst>
+    <p:bldLst>
+      <p:bldP spid="8" grpId="0" animBg="1"/>
+      <p:bldP spid="13" grpId="0" animBg="1"/>
+      <p:bldP spid="15" grpId="0" animBg="1"/>
+    </p:bldLst>
+  </p:timing>
+</p:sld>
+</file>
+
+<file path=ppt/slides/slide46.xml><?xml version="1.0" encoding="utf-8"?>
+<p:sld xmlns:a="http://schemas.openxmlformats.org/drawingml/2006/main" xmlns:r="http://schemas.openxmlformats.org/officeDocument/2006/relationships" xmlns:p="http://schemas.openxmlformats.org/presentationml/2006/main">
+  <p:cSld>
+    <p:spTree>
+      <p:nvGrpSpPr>
+        <p:cNvPr id="1" name=""/>
+        <p:cNvGrpSpPr/>
+        <p:nvPr/>
+      </p:nvGrpSpPr>
+      <p:grpSpPr>
+        <a:xfrm>
+          <a:off x="0" y="0"/>
+          <a:ext cx="0" cy="0"/>
+          <a:chOff x="0" y="0"/>
+          <a:chExt cx="0" cy="0"/>
+        </a:xfrm>
+      </p:grpSpPr>
+      <p:sp>
+        <p:nvSpPr>
+          <p:cNvPr id="2" name="Title 1"/>
+          <p:cNvSpPr>
+            <a:spLocks noGrp="1"/>
+          </p:cNvSpPr>
+          <p:nvPr>
+            <p:ph type="title"/>
+          </p:nvPr>
+        </p:nvSpPr>
+        <p:spPr/>
+        <p:txBody>
+          <a:bodyPr/>
+          <a:lstStyle/>
+          <a:p>
+            <a:r>
+              <a:rPr lang="en-US" dirty="0" smtClean="0"/>
+              <a:t>ATT.mac </a:t>
+            </a:r>
+            <a:r>
+              <a:rPr lang="en-US" dirty="0" smtClean="0">
+                <a:sym typeface="Wingdings" pitchFamily="2" charset="2"/>
+              </a:rPr>
+              <a:t> Quick Set Attributes</a:t>
+            </a:r>
+            <a:endParaRPr lang="en-US" dirty="0"/>
+          </a:p>
+        </p:txBody>
+      </p:sp>
+      <p:sp>
+        <p:nvSpPr>
+          <p:cNvPr id="3" name="TextBox 2"/>
+          <p:cNvSpPr txBox="1"/>
+          <p:nvPr/>
+        </p:nvSpPr>
+        <p:spPr>
+          <a:xfrm>
+            <a:off x="3062177" y="845389"/>
+            <a:ext cx="6081823" cy="369332"/>
+          </a:xfrm>
+          <a:prstGeom prst="rect">
+            <a:avLst/>
+          </a:prstGeom>
+          <a:noFill/>
+        </p:spPr>
+        <p:txBody>
+          <a:bodyPr wrap="square" rtlCol="0">
+            <a:spAutoFit/>
+          </a:bodyPr>
+          <a:lstStyle/>
+          <a:p>
+            <a:pPr algn="r"/>
+            <a:r>
+              <a:rPr lang="en-US" dirty="0" smtClean="0"/>
+              <a:t>“Think: </a:t>
+            </a:r>
+            <a:r>
+              <a:rPr lang="en-US" dirty="0" smtClean="0">
+                <a:solidFill>
+                  <a:schemeClr val="accent6">
+                    <a:lumMod val="75000"/>
+                  </a:schemeClr>
+                </a:solidFill>
+              </a:rPr>
+              <a:t>Att</a:t>
+            </a:r>
+            <a:r>
+              <a:rPr lang="en-US" dirty="0" smtClean="0"/>
+              <a:t>ributes”</a:t>
+            </a:r>
+            <a:endParaRPr lang="en-US" dirty="0"/>
+          </a:p>
+        </p:txBody>
+      </p:sp>
+      <p:sp>
+        <p:nvSpPr>
+          <p:cNvPr id="4" name="TextBox 3"/>
+          <p:cNvSpPr txBox="1"/>
+          <p:nvPr/>
+        </p:nvSpPr>
+        <p:spPr>
+          <a:xfrm>
+            <a:off x="0" y="879895"/>
+            <a:ext cx="8888819" cy="923330"/>
+          </a:xfrm>
+          <a:prstGeom prst="rect">
+            <a:avLst/>
+          </a:prstGeom>
+          <a:noFill/>
+        </p:spPr>
+        <p:txBody>
+          <a:bodyPr wrap="square" rtlCol="0">
+            <a:spAutoFit/>
+          </a:bodyPr>
+          <a:lstStyle/>
+          <a:p>
+            <a:r>
+              <a:rPr lang="en-US" sz="5400" dirty="0" smtClean="0"/>
+              <a:t>ATT,</a:t>
+            </a:r>
+            <a:r>
+              <a:rPr lang="en-US" sz="2400" dirty="0" smtClean="0"/>
+              <a:t> </a:t>
+            </a:r>
+            <a:r>
+              <a:rPr lang="en-US" sz="1600" dirty="0" smtClean="0"/>
+              <a:t>&lt;Attributes Number&gt;,&lt;Coordinate System&gt;</a:t>
+            </a:r>
+            <a:endParaRPr lang="en-US" sz="5400" dirty="0"/>
+          </a:p>
+        </p:txBody>
+      </p:sp>
+      <p:pic>
+        <p:nvPicPr>
+          <p:cNvPr id="4098" name="Picture 2"/>
+          <p:cNvPicPr>
+            <a:picLocks noChangeAspect="1" noChangeArrowheads="1"/>
+          </p:cNvPicPr>
+          <p:nvPr/>
+        </p:nvPicPr>
+        <p:blipFill>
+          <a:blip r:embed="rId2" cstate="print"/>
+          <a:srcRect/>
+          <a:stretch>
+            <a:fillRect/>
+          </a:stretch>
+        </p:blipFill>
+        <p:spPr bwMode="auto">
+          <a:xfrm>
+            <a:off x="1322867" y="2299512"/>
+            <a:ext cx="6215287" cy="2729687"/>
+          </a:xfrm>
+          <a:prstGeom prst="rect">
+            <a:avLst/>
+          </a:prstGeom>
+          <a:noFill/>
+          <a:ln w="9525">
+            <a:noFill/>
+            <a:miter lim="800000"/>
+            <a:headEnd/>
+            <a:tailEnd/>
+          </a:ln>
+        </p:spPr>
+      </p:pic>
+    </p:spTree>
+  </p:cSld>
+  <p:clrMapOvr>
+    <a:masterClrMapping/>
+  </p:clrMapOvr>
+  <p:timing>
+    <p:tnLst>
+      <p:par>
+        <p:cTn id="1" dur="indefinite" restart="never" nodeType="tmRoot"/>
+      </p:par>
+    </p:tnLst>
+  </p:timing>
+</p:sld>
+</file>
+
+<file path=ppt/slides/slide47.xml><?xml version="1.0" encoding="utf-8"?>
+<p:sld xmlns:a="http://schemas.openxmlformats.org/drawingml/2006/main" xmlns:r="http://schemas.openxmlformats.org/officeDocument/2006/relationships" xmlns:p="http://schemas.openxmlformats.org/presentationml/2006/main">
+  <p:cSld>
+    <p:spTree>
+      <p:nvGrpSpPr>
+        <p:cNvPr id="1" name=""/>
+        <p:cNvGrpSpPr/>
+        <p:nvPr/>
+      </p:nvGrpSpPr>
+      <p:grpSpPr>
+        <a:xfrm>
+          <a:off x="0" y="0"/>
+          <a:ext cx="0" cy="0"/>
+          <a:chOff x="0" y="0"/>
+          <a:chExt cx="0" cy="0"/>
+        </a:xfrm>
+      </p:grpSpPr>
+      <p:sp>
+        <p:nvSpPr>
+          <p:cNvPr id="2" name="Title 1"/>
+          <p:cNvSpPr>
+            <a:spLocks noGrp="1"/>
+          </p:cNvSpPr>
+          <p:nvPr>
+            <p:ph type="title"/>
+          </p:nvPr>
+        </p:nvSpPr>
+        <p:spPr/>
+        <p:txBody>
+          <a:bodyPr/>
+          <a:lstStyle/>
+          <a:p>
+            <a:r>
+              <a:rPr lang="en-US" dirty="0" smtClean="0"/>
+              <a:t>ATTMESH.mac </a:t>
+            </a:r>
+            <a:r>
+              <a:rPr lang="en-US" dirty="0" smtClean="0">
+                <a:sym typeface="Wingdings" pitchFamily="2" charset="2"/>
+              </a:rPr>
+              <a:t> Set Attributes and Mesh</a:t>
+            </a:r>
+            <a:endParaRPr lang="en-US" dirty="0"/>
+          </a:p>
+        </p:txBody>
+      </p:sp>
+      <p:sp>
+        <p:nvSpPr>
+          <p:cNvPr id="3" name="TextBox 2"/>
+          <p:cNvSpPr txBox="1"/>
+          <p:nvPr/>
+        </p:nvSpPr>
+        <p:spPr>
+          <a:xfrm>
+            <a:off x="3062177" y="845389"/>
+            <a:ext cx="6081823" cy="369332"/>
+          </a:xfrm>
+          <a:prstGeom prst="rect">
+            <a:avLst/>
+          </a:prstGeom>
+          <a:noFill/>
+        </p:spPr>
+        <p:txBody>
+          <a:bodyPr wrap="square" rtlCol="0">
+            <a:spAutoFit/>
+          </a:bodyPr>
+          <a:lstStyle/>
+          <a:p>
+            <a:pPr algn="r"/>
+            <a:r>
+              <a:rPr lang="en-US" dirty="0" smtClean="0"/>
+              <a:t>“Think: </a:t>
+            </a:r>
+            <a:r>
+              <a:rPr lang="en-US" dirty="0" smtClean="0">
+                <a:solidFill>
+                  <a:schemeClr val="accent6">
+                    <a:lumMod val="75000"/>
+                  </a:schemeClr>
+                </a:solidFill>
+              </a:rPr>
+              <a:t>Att</a:t>
+            </a:r>
+            <a:r>
+              <a:rPr lang="en-US" dirty="0" smtClean="0"/>
+              <a:t>ribute </a:t>
+            </a:r>
+            <a:r>
+              <a:rPr lang="en-US" dirty="0" smtClean="0">
+                <a:solidFill>
+                  <a:schemeClr val="accent6">
+                    <a:lumMod val="75000"/>
+                  </a:schemeClr>
+                </a:solidFill>
+              </a:rPr>
+              <a:t>Mesh</a:t>
+            </a:r>
+            <a:r>
+              <a:rPr lang="en-US" dirty="0" smtClean="0"/>
+              <a:t>”</a:t>
+            </a:r>
+            <a:endParaRPr lang="en-US" dirty="0"/>
+          </a:p>
+        </p:txBody>
+      </p:sp>
+      <p:sp>
+        <p:nvSpPr>
+          <p:cNvPr id="4" name="TextBox 3"/>
+          <p:cNvSpPr txBox="1"/>
+          <p:nvPr/>
+        </p:nvSpPr>
+        <p:spPr>
+          <a:xfrm>
+            <a:off x="0" y="879895"/>
+            <a:ext cx="8888819" cy="1169551"/>
+          </a:xfrm>
+          <a:prstGeom prst="rect">
+            <a:avLst/>
+          </a:prstGeom>
+          <a:noFill/>
+        </p:spPr>
+        <p:txBody>
+          <a:bodyPr wrap="square" rtlCol="0">
+            <a:spAutoFit/>
+          </a:bodyPr>
+          <a:lstStyle/>
+          <a:p>
+            <a:r>
+              <a:rPr lang="en-US" sz="5400" dirty="0" smtClean="0"/>
+              <a:t>ATTMESH,</a:t>
+            </a:r>
+            <a:r>
+              <a:rPr lang="en-US" sz="2400" dirty="0" smtClean="0"/>
+              <a:t> </a:t>
+            </a:r>
+            <a:r>
+              <a:rPr lang="en-US" sz="1600" dirty="0" smtClean="0"/>
+              <a:t>&lt;Type&gt;,&lt;Element Type / Real &gt;, &lt;First Thing&gt;, </a:t>
+            </a:r>
+          </a:p>
+          <a:p>
+            <a:r>
+              <a:rPr lang="en-US" sz="1600" dirty="0" smtClean="0"/>
+              <a:t>&lt;Last Thing&gt;, &lt;Inclement&gt;, &lt;KP Orient&gt;</a:t>
+            </a:r>
+            <a:endParaRPr lang="en-US" sz="5400" dirty="0"/>
+          </a:p>
+        </p:txBody>
+      </p:sp>
+      <p:sp>
+        <p:nvSpPr>
+          <p:cNvPr id="5" name="TextBox 4"/>
+          <p:cNvSpPr txBox="1"/>
+          <p:nvPr/>
+        </p:nvSpPr>
+        <p:spPr>
+          <a:xfrm>
+            <a:off x="0" y="2105245"/>
+            <a:ext cx="8006316" cy="307777"/>
+          </a:xfrm>
+          <a:prstGeom prst="rect">
+            <a:avLst/>
+          </a:prstGeom>
+          <a:noFill/>
+          <a:ln>
+            <a:noFill/>
+          </a:ln>
+        </p:spPr>
+        <p:txBody>
+          <a:bodyPr wrap="square" rtlCol="0">
+            <a:spAutoFit/>
+          </a:bodyPr>
+          <a:lstStyle/>
+          <a:p>
+            <a:r>
+              <a:rPr lang="en-US" sz="1400" dirty="0" smtClean="0"/>
+              <a:t>Lots of stuff on one line…</a:t>
+            </a:r>
+          </a:p>
+        </p:txBody>
+      </p:sp>
+      <p:sp>
+        <p:nvSpPr>
+          <p:cNvPr id="6" name="TextBox 5"/>
+          <p:cNvSpPr txBox="1"/>
+          <p:nvPr/>
+        </p:nvSpPr>
+        <p:spPr>
+          <a:xfrm>
+            <a:off x="106322" y="2466783"/>
+            <a:ext cx="1892595" cy="307777"/>
+          </a:xfrm>
+          <a:prstGeom prst="rect">
+            <a:avLst/>
+          </a:prstGeom>
+          <a:noFill/>
+          <a:ln>
+            <a:noFill/>
+          </a:ln>
+        </p:spPr>
+        <p:txBody>
+          <a:bodyPr wrap="square" rtlCol="0">
+            <a:spAutoFit/>
+          </a:bodyPr>
+          <a:lstStyle/>
+          <a:p>
+            <a:r>
+              <a:rPr lang="en-US" sz="1400" b="1" dirty="0" smtClean="0"/>
+              <a:t>Type</a:t>
+            </a:r>
+            <a:endParaRPr lang="en-US" sz="1400" dirty="0" smtClean="0"/>
+          </a:p>
+        </p:txBody>
+      </p:sp>
+      <p:sp>
+        <p:nvSpPr>
+          <p:cNvPr id="7" name="Rectangle 6"/>
+          <p:cNvSpPr/>
+          <p:nvPr/>
+        </p:nvSpPr>
+        <p:spPr>
+          <a:xfrm>
+            <a:off x="1977633" y="2443103"/>
+            <a:ext cx="6025117" cy="307777"/>
+          </a:xfrm>
+          <a:prstGeom prst="rect">
+            <a:avLst/>
+          </a:prstGeom>
+        </p:spPr>
+        <p:txBody>
+          <a:bodyPr wrap="square">
+            <a:spAutoFit/>
+          </a:bodyPr>
+          <a:lstStyle/>
+          <a:p>
+            <a:r>
+              <a:rPr lang="en-US" sz="1400" dirty="0" smtClean="0"/>
+              <a:t>Type of thing to mesh “</a:t>
+            </a:r>
+            <a:r>
+              <a:rPr lang="en-US" sz="1400" dirty="0" err="1" smtClean="0"/>
+              <a:t>kp</a:t>
+            </a:r>
+            <a:r>
+              <a:rPr lang="en-US" sz="1400" dirty="0" smtClean="0"/>
+              <a:t>”, “line”, “area”, “</a:t>
+            </a:r>
+            <a:r>
+              <a:rPr lang="en-US" sz="1400" dirty="0" err="1" smtClean="0"/>
+              <a:t>volu</a:t>
+            </a:r>
+            <a:r>
+              <a:rPr lang="en-US" sz="1400" dirty="0" smtClean="0"/>
+              <a:t>” </a:t>
+            </a:r>
+          </a:p>
+        </p:txBody>
+      </p:sp>
+      <p:sp>
+        <p:nvSpPr>
+          <p:cNvPr id="8" name="TextBox 7"/>
+          <p:cNvSpPr txBox="1"/>
+          <p:nvPr/>
+        </p:nvSpPr>
+        <p:spPr>
+          <a:xfrm>
+            <a:off x="109864" y="2733727"/>
+            <a:ext cx="1892595" cy="307777"/>
+          </a:xfrm>
+          <a:prstGeom prst="rect">
+            <a:avLst/>
+          </a:prstGeom>
+          <a:noFill/>
+          <a:ln>
+            <a:noFill/>
+          </a:ln>
+        </p:spPr>
+        <p:txBody>
+          <a:bodyPr wrap="square" rtlCol="0">
+            <a:spAutoFit/>
+          </a:bodyPr>
+          <a:lstStyle/>
+          <a:p>
+            <a:r>
+              <a:rPr lang="en-US" sz="1400" b="1" dirty="0" smtClean="0"/>
+              <a:t>Element Type / Real</a:t>
+            </a:r>
+            <a:endParaRPr lang="en-US" sz="1400" dirty="0" smtClean="0"/>
+          </a:p>
+        </p:txBody>
+      </p:sp>
+      <p:sp>
+        <p:nvSpPr>
+          <p:cNvPr id="9" name="Rectangle 8"/>
+          <p:cNvSpPr/>
+          <p:nvPr/>
+        </p:nvSpPr>
+        <p:spPr>
+          <a:xfrm>
+            <a:off x="1981175" y="2733727"/>
+            <a:ext cx="6514239" cy="307777"/>
+          </a:xfrm>
+          <a:prstGeom prst="rect">
+            <a:avLst/>
+          </a:prstGeom>
+        </p:spPr>
+        <p:txBody>
+          <a:bodyPr wrap="square">
+            <a:spAutoFit/>
+          </a:bodyPr>
+          <a:lstStyle/>
+          <a:p>
+            <a:r>
+              <a:rPr lang="en-US" sz="1400" dirty="0" smtClean="0"/>
+              <a:t>Element Type and Real Number to be assigned</a:t>
+            </a:r>
+          </a:p>
+        </p:txBody>
+      </p:sp>
+      <p:sp>
+        <p:nvSpPr>
+          <p:cNvPr id="10" name="TextBox 9"/>
+          <p:cNvSpPr txBox="1"/>
+          <p:nvPr/>
+        </p:nvSpPr>
+        <p:spPr>
+          <a:xfrm>
+            <a:off x="124041" y="2981820"/>
+            <a:ext cx="1892595" cy="307777"/>
+          </a:xfrm>
+          <a:prstGeom prst="rect">
+            <a:avLst/>
+          </a:prstGeom>
+          <a:noFill/>
+          <a:ln>
+            <a:noFill/>
+          </a:ln>
+        </p:spPr>
+        <p:txBody>
+          <a:bodyPr wrap="square" rtlCol="0">
+            <a:spAutoFit/>
+          </a:bodyPr>
+          <a:lstStyle/>
+          <a:p>
+            <a:r>
+              <a:rPr lang="en-US" sz="1400" b="1" dirty="0" smtClean="0"/>
+              <a:t>Material Number</a:t>
+            </a:r>
+            <a:endParaRPr lang="en-US" sz="1400" dirty="0" smtClean="0"/>
+          </a:p>
+        </p:txBody>
+      </p:sp>
+      <p:sp>
+        <p:nvSpPr>
+          <p:cNvPr id="11" name="Rectangle 10"/>
+          <p:cNvSpPr/>
+          <p:nvPr/>
+        </p:nvSpPr>
+        <p:spPr>
+          <a:xfrm>
+            <a:off x="1995353" y="2981820"/>
+            <a:ext cx="6383076" cy="307777"/>
+          </a:xfrm>
+          <a:prstGeom prst="rect">
+            <a:avLst/>
+          </a:prstGeom>
+        </p:spPr>
+        <p:txBody>
+          <a:bodyPr wrap="square">
+            <a:spAutoFit/>
+          </a:bodyPr>
+          <a:lstStyle/>
+          <a:p>
+            <a:r>
+              <a:rPr lang="en-US" sz="1400" dirty="0" smtClean="0"/>
+              <a:t>Material Number to be assigned</a:t>
+            </a:r>
+          </a:p>
+        </p:txBody>
+      </p:sp>
+      <p:sp>
+        <p:nvSpPr>
+          <p:cNvPr id="12" name="TextBox 11"/>
+          <p:cNvSpPr txBox="1"/>
+          <p:nvPr/>
+        </p:nvSpPr>
+        <p:spPr>
+          <a:xfrm>
+            <a:off x="124036" y="3261805"/>
+            <a:ext cx="1892595" cy="307777"/>
+          </a:xfrm>
+          <a:prstGeom prst="rect">
+            <a:avLst/>
+          </a:prstGeom>
+          <a:noFill/>
+          <a:ln>
+            <a:noFill/>
+          </a:ln>
+        </p:spPr>
+        <p:txBody>
+          <a:bodyPr wrap="square" rtlCol="0">
+            <a:spAutoFit/>
+          </a:bodyPr>
+          <a:lstStyle/>
+          <a:p>
+            <a:r>
+              <a:rPr lang="en-US" sz="1400" b="1" dirty="0" smtClean="0"/>
+              <a:t>First Thing</a:t>
+            </a:r>
+            <a:endParaRPr lang="en-US" sz="1400" dirty="0" smtClean="0"/>
+          </a:p>
+        </p:txBody>
+      </p:sp>
+      <p:sp>
+        <p:nvSpPr>
+          <p:cNvPr id="13" name="Rectangle 12"/>
+          <p:cNvSpPr/>
+          <p:nvPr/>
+        </p:nvSpPr>
+        <p:spPr>
+          <a:xfrm>
+            <a:off x="1995348" y="3261805"/>
+            <a:ext cx="6383076" cy="307777"/>
+          </a:xfrm>
+          <a:prstGeom prst="rect">
+            <a:avLst/>
+          </a:prstGeom>
+        </p:spPr>
+        <p:txBody>
+          <a:bodyPr wrap="square">
+            <a:spAutoFit/>
+          </a:bodyPr>
+          <a:lstStyle/>
+          <a:p>
+            <a:r>
+              <a:rPr lang="en-US" sz="1400" dirty="0" smtClean="0"/>
+              <a:t>First “</a:t>
+            </a:r>
+            <a:r>
+              <a:rPr lang="en-US" sz="1400" dirty="0" err="1" smtClean="0"/>
+              <a:t>kp</a:t>
+            </a:r>
+            <a:r>
+              <a:rPr lang="en-US" sz="1400" dirty="0" smtClean="0"/>
+              <a:t>”, “line”, “area” or “</a:t>
+            </a:r>
+            <a:r>
+              <a:rPr lang="en-US" sz="1400" dirty="0" err="1" smtClean="0"/>
+              <a:t>volu</a:t>
+            </a:r>
+            <a:r>
+              <a:rPr lang="en-US" sz="1400" dirty="0" smtClean="0"/>
+              <a:t>” to be meshed </a:t>
+            </a:r>
+          </a:p>
+        </p:txBody>
+      </p:sp>
+      <p:sp>
+        <p:nvSpPr>
+          <p:cNvPr id="14" name="TextBox 13"/>
+          <p:cNvSpPr txBox="1"/>
+          <p:nvPr/>
+        </p:nvSpPr>
+        <p:spPr>
+          <a:xfrm>
+            <a:off x="116963" y="3541792"/>
+            <a:ext cx="1892595" cy="307777"/>
+          </a:xfrm>
+          <a:prstGeom prst="rect">
+            <a:avLst/>
+          </a:prstGeom>
+          <a:noFill/>
+          <a:ln>
+            <a:noFill/>
+          </a:ln>
+        </p:spPr>
+        <p:txBody>
+          <a:bodyPr wrap="square" rtlCol="0">
+            <a:spAutoFit/>
+          </a:bodyPr>
+          <a:lstStyle/>
+          <a:p>
+            <a:r>
+              <a:rPr lang="en-US" sz="1400" b="1" dirty="0" smtClean="0"/>
+              <a:t>Last Thing</a:t>
+            </a:r>
+            <a:endParaRPr lang="en-US" sz="1400" dirty="0" smtClean="0"/>
+          </a:p>
+        </p:txBody>
+      </p:sp>
+      <p:sp>
+        <p:nvSpPr>
+          <p:cNvPr id="15" name="Rectangle 14"/>
+          <p:cNvSpPr/>
+          <p:nvPr/>
+        </p:nvSpPr>
+        <p:spPr>
+          <a:xfrm>
+            <a:off x="1988275" y="3541792"/>
+            <a:ext cx="6383076" cy="307777"/>
+          </a:xfrm>
+          <a:prstGeom prst="rect">
+            <a:avLst/>
+          </a:prstGeom>
+        </p:spPr>
+        <p:txBody>
+          <a:bodyPr wrap="square">
+            <a:spAutoFit/>
+          </a:bodyPr>
+          <a:lstStyle/>
+          <a:p>
+            <a:r>
+              <a:rPr lang="en-US" sz="1400" dirty="0" smtClean="0"/>
+              <a:t>Last “</a:t>
+            </a:r>
+            <a:r>
+              <a:rPr lang="en-US" sz="1400" dirty="0" err="1" smtClean="0"/>
+              <a:t>kp</a:t>
+            </a:r>
+            <a:r>
+              <a:rPr lang="en-US" sz="1400" dirty="0" smtClean="0"/>
+              <a:t>”, “line”, “area” or “</a:t>
+            </a:r>
+            <a:r>
+              <a:rPr lang="en-US" sz="1400" dirty="0" err="1" smtClean="0"/>
+              <a:t>volu</a:t>
+            </a:r>
+            <a:r>
+              <a:rPr lang="en-US" sz="1400" dirty="0" smtClean="0"/>
+              <a:t>” to be meshed </a:t>
+            </a:r>
+          </a:p>
+        </p:txBody>
+      </p:sp>
+      <p:sp>
+        <p:nvSpPr>
+          <p:cNvPr id="16" name="TextBox 15"/>
+          <p:cNvSpPr txBox="1"/>
+          <p:nvPr/>
+        </p:nvSpPr>
+        <p:spPr>
+          <a:xfrm>
+            <a:off x="116963" y="3811142"/>
+            <a:ext cx="1892595" cy="307777"/>
+          </a:xfrm>
+          <a:prstGeom prst="rect">
+            <a:avLst/>
+          </a:prstGeom>
+          <a:noFill/>
+          <a:ln>
+            <a:noFill/>
+          </a:ln>
+        </p:spPr>
+        <p:txBody>
+          <a:bodyPr wrap="square" rtlCol="0">
+            <a:spAutoFit/>
+          </a:bodyPr>
+          <a:lstStyle/>
+          <a:p>
+            <a:r>
+              <a:rPr lang="en-US" sz="1400" b="1" dirty="0" smtClean="0"/>
+              <a:t>Increment</a:t>
+            </a:r>
+            <a:endParaRPr lang="en-US" sz="1400" dirty="0" smtClean="0"/>
+          </a:p>
+        </p:txBody>
+      </p:sp>
+      <p:sp>
+        <p:nvSpPr>
+          <p:cNvPr id="17" name="Rectangle 16"/>
+          <p:cNvSpPr/>
+          <p:nvPr/>
+        </p:nvSpPr>
+        <p:spPr>
+          <a:xfrm>
+            <a:off x="1988275" y="3811142"/>
+            <a:ext cx="6383076" cy="307777"/>
+          </a:xfrm>
+          <a:prstGeom prst="rect">
+            <a:avLst/>
+          </a:prstGeom>
+        </p:spPr>
+        <p:txBody>
+          <a:bodyPr wrap="square">
+            <a:spAutoFit/>
+          </a:bodyPr>
+          <a:lstStyle/>
+          <a:p>
+            <a:r>
+              <a:rPr lang="en-US" sz="1400" dirty="0" smtClean="0"/>
+              <a:t>Increment through things, </a:t>
+            </a:r>
+            <a:r>
+              <a:rPr lang="en-US" sz="1400" dirty="0" err="1" smtClean="0"/>
+              <a:t>ie</a:t>
+            </a:r>
+            <a:r>
+              <a:rPr lang="en-US" sz="1400" dirty="0" smtClean="0"/>
+              <a:t> 2 </a:t>
+            </a:r>
+            <a:r>
+              <a:rPr lang="en-US" sz="1400" dirty="0" smtClean="0">
+                <a:sym typeface="Wingdings" pitchFamily="2" charset="2"/>
+              </a:rPr>
+              <a:t> every other thing from first to last</a:t>
+            </a:r>
+            <a:endParaRPr lang="en-US" sz="1400" dirty="0" smtClean="0"/>
+          </a:p>
+        </p:txBody>
+      </p:sp>
+      <p:sp>
+        <p:nvSpPr>
+          <p:cNvPr id="18" name="TextBox 17"/>
+          <p:cNvSpPr txBox="1"/>
+          <p:nvPr/>
+        </p:nvSpPr>
+        <p:spPr>
+          <a:xfrm>
+            <a:off x="138229" y="4112393"/>
+            <a:ext cx="1892595" cy="307777"/>
+          </a:xfrm>
+          <a:prstGeom prst="rect">
+            <a:avLst/>
+          </a:prstGeom>
+          <a:noFill/>
+          <a:ln>
+            <a:noFill/>
+          </a:ln>
+        </p:spPr>
+        <p:txBody>
+          <a:bodyPr wrap="square" rtlCol="0">
+            <a:spAutoFit/>
+          </a:bodyPr>
+          <a:lstStyle/>
+          <a:p>
+            <a:r>
+              <a:rPr lang="en-US" sz="1400" b="1" dirty="0" smtClean="0"/>
+              <a:t>KP Orient</a:t>
+            </a:r>
+            <a:endParaRPr lang="en-US" sz="1400" dirty="0" smtClean="0"/>
+          </a:p>
+        </p:txBody>
+      </p:sp>
+      <p:sp>
+        <p:nvSpPr>
+          <p:cNvPr id="19" name="Rectangle 18"/>
+          <p:cNvSpPr/>
+          <p:nvPr/>
+        </p:nvSpPr>
+        <p:spPr>
+          <a:xfrm>
+            <a:off x="2009541" y="4112393"/>
+            <a:ext cx="6383076" cy="307777"/>
+          </a:xfrm>
+          <a:prstGeom prst="rect">
+            <a:avLst/>
+          </a:prstGeom>
+        </p:spPr>
+        <p:txBody>
+          <a:bodyPr wrap="square">
+            <a:spAutoFit/>
+          </a:bodyPr>
+          <a:lstStyle/>
+          <a:p>
+            <a:r>
+              <a:rPr lang="en-US" sz="1400" dirty="0" smtClean="0"/>
+              <a:t>Orients meshed lines to that </a:t>
+            </a:r>
+            <a:r>
+              <a:rPr lang="en-US" sz="1400" dirty="0" err="1" smtClean="0"/>
+              <a:t>keypoint</a:t>
+            </a:r>
+            <a:r>
+              <a:rPr lang="en-US" sz="1400" dirty="0" smtClean="0"/>
+              <a:t> (optional)</a:t>
+            </a:r>
+            <a:endParaRPr lang="en-US" sz="1400" dirty="0" smtClean="0"/>
+          </a:p>
+        </p:txBody>
+      </p:sp>
+      <p:pic>
+        <p:nvPicPr>
+          <p:cNvPr id="5122" name="Picture 2"/>
+          <p:cNvPicPr>
+            <a:picLocks noChangeAspect="1" noChangeArrowheads="1"/>
+          </p:cNvPicPr>
+          <p:nvPr/>
+        </p:nvPicPr>
+        <p:blipFill>
+          <a:blip r:embed="rId2" cstate="print"/>
+          <a:srcRect/>
+          <a:stretch>
+            <a:fillRect/>
+          </a:stretch>
+        </p:blipFill>
+        <p:spPr bwMode="auto">
+          <a:xfrm>
+            <a:off x="206449" y="4742119"/>
+            <a:ext cx="3974307" cy="1588015"/>
+          </a:xfrm>
+          <a:prstGeom prst="rect">
+            <a:avLst/>
+          </a:prstGeom>
+          <a:noFill/>
+          <a:ln w="9525">
+            <a:noFill/>
+            <a:miter lim="800000"/>
+            <a:headEnd/>
+            <a:tailEnd/>
+          </a:ln>
+        </p:spPr>
+      </p:pic>
+      <p:pic>
+        <p:nvPicPr>
+          <p:cNvPr id="5125" name="Picture 5"/>
+          <p:cNvPicPr>
+            <a:picLocks noChangeAspect="1" noChangeArrowheads="1"/>
+          </p:cNvPicPr>
+          <p:nvPr/>
+        </p:nvPicPr>
+        <p:blipFill>
+          <a:blip r:embed="rId3" cstate="print"/>
+          <a:srcRect/>
+          <a:stretch>
+            <a:fillRect/>
+          </a:stretch>
+        </p:blipFill>
+        <p:spPr bwMode="auto">
+          <a:xfrm>
+            <a:off x="4391247" y="4556739"/>
+            <a:ext cx="4478595" cy="1982284"/>
+          </a:xfrm>
+          <a:prstGeom prst="rect">
+            <a:avLst/>
+          </a:prstGeom>
+          <a:noFill/>
+          <a:ln w="9525">
+            <a:noFill/>
+            <a:miter lim="800000"/>
+            <a:headEnd/>
+            <a:tailEnd/>
+          </a:ln>
+        </p:spPr>
+      </p:pic>
+      <p:pic>
+        <p:nvPicPr>
+          <p:cNvPr id="5124" name="Picture 4"/>
+          <p:cNvPicPr>
+            <a:picLocks noChangeAspect="1" noChangeArrowheads="1"/>
+          </p:cNvPicPr>
+          <p:nvPr/>
+        </p:nvPicPr>
+        <p:blipFill>
+          <a:blip r:embed="rId4" cstate="print"/>
+          <a:srcRect/>
+          <a:stretch>
+            <a:fillRect/>
+          </a:stretch>
+        </p:blipFill>
+        <p:spPr bwMode="auto">
+          <a:xfrm>
+            <a:off x="2717062" y="4578978"/>
+            <a:ext cx="3120214" cy="612042"/>
+          </a:xfrm>
+          <a:prstGeom prst="rect">
+            <a:avLst/>
+          </a:prstGeom>
+          <a:noFill/>
+          <a:ln w="9525">
+            <a:noFill/>
+            <a:miter lim="800000"/>
+            <a:headEnd/>
+            <a:tailEnd/>
+          </a:ln>
+        </p:spPr>
+      </p:pic>
+      <p:sp>
+        <p:nvSpPr>
+          <p:cNvPr id="23" name="TextBox 22"/>
+          <p:cNvSpPr txBox="1"/>
+          <p:nvPr/>
+        </p:nvSpPr>
+        <p:spPr>
+          <a:xfrm>
+            <a:off x="3104707" y="6396335"/>
+            <a:ext cx="2668772" cy="461665"/>
+          </a:xfrm>
+          <a:prstGeom prst="rect">
+            <a:avLst/>
+          </a:prstGeom>
+          <a:ln/>
+        </p:spPr>
+        <p:style>
+          <a:lnRef idx="1">
+            <a:schemeClr val="accent3"/>
+          </a:lnRef>
+          <a:fillRef idx="2">
+            <a:schemeClr val="accent3"/>
+          </a:fillRef>
+          <a:effectRef idx="1">
+            <a:schemeClr val="accent3"/>
+          </a:effectRef>
+          <a:fontRef idx="minor">
+            <a:schemeClr val="dk1"/>
+          </a:fontRef>
+        </p:style>
+        <p:txBody>
+          <a:bodyPr wrap="square" rtlCol="0">
+            <a:spAutoFit/>
+          </a:bodyPr>
+          <a:lstStyle/>
+          <a:p>
+            <a:pPr algn="ctr"/>
+            <a:r>
+              <a:rPr lang="en-US" sz="2400" dirty="0" smtClean="0"/>
+              <a:t>Works with _UNDO</a:t>
+            </a:r>
+          </a:p>
+        </p:txBody>
+      </p:sp>
+    </p:spTree>
+  </p:cSld>
+  <p:clrMapOvr>
+    <a:masterClrMapping/>
+  </p:clrMapOvr>
+  <p:timing>
+    <p:tnLst>
+      <p:par>
+        <p:cTn id="1" dur="indefinite" restart="never" nodeType="tmRoot">
+          <p:childTnLst>
+            <p:seq concurrent="1" nextAc="seek">
+              <p:cTn id="2" dur="indefinite" nodeType="mainSeq">
+                <p:childTnLst>
+                  <p:par>
+                    <p:cTn id="3" fill="hold">
+                      <p:stCondLst>
+                        <p:cond delay="indefinite"/>
+                      </p:stCondLst>
+                      <p:childTnLst>
+                        <p:par>
+                          <p:cTn id="4" fill="hold">
+                            <p:stCondLst>
+                              <p:cond delay="0"/>
+                            </p:stCondLst>
+                            <p:childTnLst>
+                              <p:par>
+                                <p:cTn id="5" presetID="1" presetClass="entr" presetSubtype="0" fill="hold" grpId="0" nodeType="clickEffect">
+                                  <p:stCondLst>
+                                    <p:cond delay="0"/>
+                                  </p:stCondLst>
+                                  <p:childTnLst>
+                                    <p:set>
+                                      <p:cBhvr>
+                                        <p:cTn id="6" dur="1" fill="hold">
+                                          <p:stCondLst>
+                                            <p:cond delay="0"/>
+                                          </p:stCondLst>
+                                        </p:cTn>
+                                        <p:tgtEl>
+                                          <p:spTgt spid="6"/>
+                                        </p:tgtEl>
+                                        <p:attrNameLst>
+                                          <p:attrName>style.visibility</p:attrName>
+                                        </p:attrNameLst>
+                                      </p:cBhvr>
+                                      <p:to>
+                                        <p:strVal val="visible"/>
+                                      </p:to>
+                                    </p:set>
+                                  </p:childTnLst>
+                                </p:cTn>
+                              </p:par>
+                              <p:par>
+                                <p:cTn id="7" presetID="1" presetClass="entr" presetSubtype="0" fill="hold" grpId="0" nodeType="withEffect">
+                                  <p:stCondLst>
+                                    <p:cond delay="0"/>
+                                  </p:stCondLst>
+                                  <p:childTnLst>
+                                    <p:set>
+                                      <p:cBhvr>
+                                        <p:cTn id="8" dur="1" fill="hold">
+                                          <p:stCondLst>
+                                            <p:cond delay="0"/>
+                                          </p:stCondLst>
+                                        </p:cTn>
+                                        <p:tgtEl>
+                                          <p:spTgt spid="7"/>
+                                        </p:tgtEl>
+                                        <p:attrNameLst>
+                                          <p:attrName>style.visibility</p:attrName>
+                                        </p:attrNameLst>
+                                      </p:cBhvr>
+                                      <p:to>
+                                        <p:strVal val="visible"/>
+                                      </p:to>
+                                    </p:set>
+                                  </p:childTnLst>
+                                </p:cTn>
+                              </p:par>
+                            </p:childTnLst>
+                          </p:cTn>
+                        </p:par>
+                      </p:childTnLst>
+                    </p:cTn>
+                  </p:par>
+                  <p:par>
+                    <p:cTn id="9" fill="hold">
+                      <p:stCondLst>
+                        <p:cond delay="indefinite"/>
+                      </p:stCondLst>
+                      <p:childTnLst>
+                        <p:par>
+                          <p:cTn id="10" fill="hold">
+                            <p:stCondLst>
+                              <p:cond delay="0"/>
+                            </p:stCondLst>
+                            <p:childTnLst>
+                              <p:par>
+                                <p:cTn id="11" presetID="1" presetClass="entr" presetSubtype="0" fill="hold" grpId="0" nodeType="clickEffect">
+                                  <p:stCondLst>
+                                    <p:cond delay="0"/>
+                                  </p:stCondLst>
+                                  <p:childTnLst>
+                                    <p:set>
+                                      <p:cBhvr>
+                                        <p:cTn id="12" dur="1" fill="hold">
+                                          <p:stCondLst>
+                                            <p:cond delay="0"/>
+                                          </p:stCondLst>
+                                        </p:cTn>
+                                        <p:tgtEl>
+                                          <p:spTgt spid="8"/>
+                                        </p:tgtEl>
+                                        <p:attrNameLst>
+                                          <p:attrName>style.visibility</p:attrName>
+                                        </p:attrNameLst>
+                                      </p:cBhvr>
+                                      <p:to>
+                                        <p:strVal val="visible"/>
+                                      </p:to>
+                                    </p:set>
+                                  </p:childTnLst>
+                                </p:cTn>
+                              </p:par>
+                              <p:par>
+                                <p:cTn id="13" presetID="1" presetClass="entr" presetSubtype="0" fill="hold" grpId="0" nodeType="withEffect">
+                                  <p:stCondLst>
+                                    <p:cond delay="0"/>
+                                  </p:stCondLst>
+                                  <p:childTnLst>
+                                    <p:set>
+                                      <p:cBhvr>
+                                        <p:cTn id="14" dur="1" fill="hold">
+                                          <p:stCondLst>
+                                            <p:cond delay="0"/>
+                                          </p:stCondLst>
+                                        </p:cTn>
+                                        <p:tgtEl>
+                                          <p:spTgt spid="9"/>
+                                        </p:tgtEl>
+                                        <p:attrNameLst>
+                                          <p:attrName>style.visibility</p:attrName>
+                                        </p:attrNameLst>
+                                      </p:cBhvr>
+                                      <p:to>
+                                        <p:strVal val="visible"/>
+                                      </p:to>
+                                    </p:set>
+                                  </p:childTnLst>
+                                </p:cTn>
+                              </p:par>
+                            </p:childTnLst>
+                          </p:cTn>
+                        </p:par>
+                      </p:childTnLst>
+                    </p:cTn>
+                  </p:par>
+                  <p:par>
+                    <p:cTn id="15" fill="hold">
+                      <p:stCondLst>
+                        <p:cond delay="indefinite"/>
+                      </p:stCondLst>
+                      <p:childTnLst>
+                        <p:par>
+                          <p:cTn id="16" fill="hold">
+                            <p:stCondLst>
+                              <p:cond delay="0"/>
+                            </p:stCondLst>
+                            <p:childTnLst>
+                              <p:par>
+                                <p:cTn id="17" presetID="1" presetClass="entr" presetSubtype="0" fill="hold" grpId="0" nodeType="clickEffect">
+                                  <p:stCondLst>
+                                    <p:cond delay="0"/>
+                                  </p:stCondLst>
+                                  <p:childTnLst>
+                                    <p:set>
+                                      <p:cBhvr>
+                                        <p:cTn id="18" dur="1" fill="hold">
+                                          <p:stCondLst>
+                                            <p:cond delay="0"/>
+                                          </p:stCondLst>
+                                        </p:cTn>
+                                        <p:tgtEl>
+                                          <p:spTgt spid="10"/>
+                                        </p:tgtEl>
+                                        <p:attrNameLst>
+                                          <p:attrName>style.visibility</p:attrName>
+                                        </p:attrNameLst>
+                                      </p:cBhvr>
+                                      <p:to>
+                                        <p:strVal val="visible"/>
+                                      </p:to>
+                                    </p:set>
+                                  </p:childTnLst>
+                                </p:cTn>
+                              </p:par>
+                              <p:par>
+                                <p:cTn id="19" presetID="1" presetClass="entr" presetSubtype="0" fill="hold" grpId="0" nodeType="withEffect">
+                                  <p:stCondLst>
+                                    <p:cond delay="0"/>
+                                  </p:stCondLst>
+                                  <p:childTnLst>
+                                    <p:set>
+                                      <p:cBhvr>
+                                        <p:cTn id="20" dur="1" fill="hold">
+                                          <p:stCondLst>
+                                            <p:cond delay="0"/>
+                                          </p:stCondLst>
+                                        </p:cTn>
+                                        <p:tgtEl>
+                                          <p:spTgt spid="11"/>
+                                        </p:tgtEl>
+                                        <p:attrNameLst>
+                                          <p:attrName>style.visibility</p:attrName>
+                                        </p:attrNameLst>
+                                      </p:cBhvr>
+                                      <p:to>
+                                        <p:strVal val="visible"/>
+                                      </p:to>
+                                    </p:set>
+                                  </p:childTnLst>
+                                </p:cTn>
+                              </p:par>
+                            </p:childTnLst>
+                          </p:cTn>
+                        </p:par>
+                      </p:childTnLst>
+                    </p:cTn>
+                  </p:par>
+                  <p:par>
+                    <p:cTn id="21" fill="hold">
+                      <p:stCondLst>
+                        <p:cond delay="indefinite"/>
+                      </p:stCondLst>
+                      <p:childTnLst>
+                        <p:par>
+                          <p:cTn id="22" fill="hold">
+                            <p:stCondLst>
+                              <p:cond delay="0"/>
+                            </p:stCondLst>
+                            <p:childTnLst>
+                              <p:par>
+                                <p:cTn id="23" presetID="1" presetClass="entr" presetSubtype="0" fill="hold" grpId="0" nodeType="clickEffect">
+                                  <p:stCondLst>
+                                    <p:cond delay="0"/>
+                                  </p:stCondLst>
+                                  <p:childTnLst>
+                                    <p:set>
+                                      <p:cBhvr>
+                                        <p:cTn id="24" dur="1" fill="hold">
+                                          <p:stCondLst>
+                                            <p:cond delay="0"/>
+                                          </p:stCondLst>
+                                        </p:cTn>
+                                        <p:tgtEl>
+                                          <p:spTgt spid="12"/>
+                                        </p:tgtEl>
+                                        <p:attrNameLst>
+                                          <p:attrName>style.visibility</p:attrName>
+                                        </p:attrNameLst>
+                                      </p:cBhvr>
+                                      <p:to>
+                                        <p:strVal val="visible"/>
+                                      </p:to>
+                                    </p:set>
+                                  </p:childTnLst>
+                                </p:cTn>
+                              </p:par>
+                              <p:par>
+                                <p:cTn id="25" presetID="1" presetClass="entr" presetSubtype="0" fill="hold" grpId="0" nodeType="withEffect">
+                                  <p:stCondLst>
+                                    <p:cond delay="0"/>
+                                  </p:stCondLst>
+                                  <p:childTnLst>
+                                    <p:set>
+                                      <p:cBhvr>
+                                        <p:cTn id="26" dur="1" fill="hold">
+                                          <p:stCondLst>
+                                            <p:cond delay="0"/>
+                                          </p:stCondLst>
+                                        </p:cTn>
+                                        <p:tgtEl>
+                                          <p:spTgt spid="13"/>
+                                        </p:tgtEl>
+                                        <p:attrNameLst>
+                                          <p:attrName>style.visibility</p:attrName>
+                                        </p:attrNameLst>
+                                      </p:cBhvr>
+                                      <p:to>
+                                        <p:strVal val="visible"/>
+                                      </p:to>
+                                    </p:set>
+                                  </p:childTnLst>
+                                </p:cTn>
+                              </p:par>
+                            </p:childTnLst>
+                          </p:cTn>
+                        </p:par>
+                      </p:childTnLst>
+                    </p:cTn>
+                  </p:par>
+                  <p:par>
+                    <p:cTn id="27" fill="hold">
+                      <p:stCondLst>
+                        <p:cond delay="indefinite"/>
+                      </p:stCondLst>
+                      <p:childTnLst>
+                        <p:par>
+                          <p:cTn id="28" fill="hold">
+                            <p:stCondLst>
+                              <p:cond delay="0"/>
+                            </p:stCondLst>
+                            <p:childTnLst>
+                              <p:par>
+                                <p:cTn id="29" presetID="1" presetClass="entr" presetSubtype="0" fill="hold" grpId="0" nodeType="clickEffect">
+                                  <p:stCondLst>
+                                    <p:cond delay="0"/>
+                                  </p:stCondLst>
+                                  <p:childTnLst>
+                                    <p:set>
+                                      <p:cBhvr>
+                                        <p:cTn id="30" dur="1" fill="hold">
+                                          <p:stCondLst>
+                                            <p:cond delay="0"/>
+                                          </p:stCondLst>
+                                        </p:cTn>
+                                        <p:tgtEl>
+                                          <p:spTgt spid="14"/>
+                                        </p:tgtEl>
+                                        <p:attrNameLst>
+                                          <p:attrName>style.visibility</p:attrName>
+                                        </p:attrNameLst>
+                                      </p:cBhvr>
+                                      <p:to>
+                                        <p:strVal val="visible"/>
+                                      </p:to>
+                                    </p:set>
+                                  </p:childTnLst>
+                                </p:cTn>
+                              </p:par>
+                              <p:par>
+                                <p:cTn id="31" presetID="1" presetClass="entr" presetSubtype="0" fill="hold" grpId="0" nodeType="withEffect">
+                                  <p:stCondLst>
+                                    <p:cond delay="0"/>
+                                  </p:stCondLst>
+                                  <p:childTnLst>
+                                    <p:set>
+                                      <p:cBhvr>
+                                        <p:cTn id="32" dur="1" fill="hold">
+                                          <p:stCondLst>
+                                            <p:cond delay="0"/>
+                                          </p:stCondLst>
+                                        </p:cTn>
+                                        <p:tgtEl>
+                                          <p:spTgt spid="15"/>
+                                        </p:tgtEl>
+                                        <p:attrNameLst>
+                                          <p:attrName>style.visibility</p:attrName>
+                                        </p:attrNameLst>
+                                      </p:cBhvr>
+                                      <p:to>
+                                        <p:strVal val="visible"/>
+                                      </p:to>
+                                    </p:set>
+                                  </p:childTnLst>
+                                </p:cTn>
+                              </p:par>
+                            </p:childTnLst>
+                          </p:cTn>
+                        </p:par>
+                      </p:childTnLst>
+                    </p:cTn>
+                  </p:par>
+                  <p:par>
+                    <p:cTn id="33" fill="hold">
+                      <p:stCondLst>
+                        <p:cond delay="indefinite"/>
+                      </p:stCondLst>
+                      <p:childTnLst>
+                        <p:par>
+                          <p:cTn id="34" fill="hold">
+                            <p:stCondLst>
+                              <p:cond delay="0"/>
+                            </p:stCondLst>
+                            <p:childTnLst>
+                              <p:par>
+                                <p:cTn id="35" presetID="1" presetClass="entr" presetSubtype="0" fill="hold" grpId="0" nodeType="clickEffect">
+                                  <p:stCondLst>
+                                    <p:cond delay="0"/>
+                                  </p:stCondLst>
+                                  <p:childTnLst>
+                                    <p:set>
+                                      <p:cBhvr>
+                                        <p:cTn id="36" dur="1" fill="hold">
+                                          <p:stCondLst>
+                                            <p:cond delay="0"/>
+                                          </p:stCondLst>
+                                        </p:cTn>
+                                        <p:tgtEl>
+                                          <p:spTgt spid="16"/>
+                                        </p:tgtEl>
+                                        <p:attrNameLst>
+                                          <p:attrName>style.visibility</p:attrName>
+                                        </p:attrNameLst>
+                                      </p:cBhvr>
+                                      <p:to>
+                                        <p:strVal val="visible"/>
+                                      </p:to>
+                                    </p:set>
+                                  </p:childTnLst>
+                                </p:cTn>
+                              </p:par>
+                              <p:par>
+                                <p:cTn id="37" presetID="1" presetClass="entr" presetSubtype="0" fill="hold" grpId="0" nodeType="withEffect">
+                                  <p:stCondLst>
+                                    <p:cond delay="0"/>
+                                  </p:stCondLst>
+                                  <p:childTnLst>
+                                    <p:set>
+                                      <p:cBhvr>
+                                        <p:cTn id="38" dur="1" fill="hold">
+                                          <p:stCondLst>
+                                            <p:cond delay="0"/>
+                                          </p:stCondLst>
+                                        </p:cTn>
+                                        <p:tgtEl>
+                                          <p:spTgt spid="17"/>
+                                        </p:tgtEl>
+                                        <p:attrNameLst>
+                                          <p:attrName>style.visibility</p:attrName>
+                                        </p:attrNameLst>
+                                      </p:cBhvr>
+                                      <p:to>
+                                        <p:strVal val="visible"/>
+                                      </p:to>
+                                    </p:set>
+                                  </p:childTnLst>
+                                </p:cTn>
+                              </p:par>
+                            </p:childTnLst>
+                          </p:cTn>
+                        </p:par>
+                      </p:childTnLst>
+                    </p:cTn>
+                  </p:par>
+                  <p:par>
+                    <p:cTn id="39" fill="hold">
+                      <p:stCondLst>
+                        <p:cond delay="indefinite"/>
+                      </p:stCondLst>
+                      <p:childTnLst>
+                        <p:par>
+                          <p:cTn id="40" fill="hold">
+                            <p:stCondLst>
+                              <p:cond delay="0"/>
+                            </p:stCondLst>
+                            <p:childTnLst>
+                              <p:par>
+                                <p:cTn id="41" presetID="1" presetClass="entr" presetSubtype="0" fill="hold" grpId="0" nodeType="clickEffect">
+                                  <p:stCondLst>
+                                    <p:cond delay="0"/>
+                                  </p:stCondLst>
+                                  <p:childTnLst>
+                                    <p:set>
+                                      <p:cBhvr>
+                                        <p:cTn id="42" dur="1" fill="hold">
+                                          <p:stCondLst>
+                                            <p:cond delay="0"/>
+                                          </p:stCondLst>
+                                        </p:cTn>
+                                        <p:tgtEl>
+                                          <p:spTgt spid="18"/>
+                                        </p:tgtEl>
+                                        <p:attrNameLst>
+                                          <p:attrName>style.visibility</p:attrName>
+                                        </p:attrNameLst>
+                                      </p:cBhvr>
+                                      <p:to>
+                                        <p:strVal val="visible"/>
+                                      </p:to>
+                                    </p:set>
+                                  </p:childTnLst>
+                                </p:cTn>
+                              </p:par>
+                              <p:par>
+                                <p:cTn id="43" presetID="1" presetClass="entr" presetSubtype="0" fill="hold" grpId="0" nodeType="withEffect">
+                                  <p:stCondLst>
+                                    <p:cond delay="0"/>
+                                  </p:stCondLst>
+                                  <p:childTnLst>
+                                    <p:set>
+                                      <p:cBhvr>
+                                        <p:cTn id="44" dur="1" fill="hold">
+                                          <p:stCondLst>
+                                            <p:cond delay="0"/>
+                                          </p:stCondLst>
+                                        </p:cTn>
+                                        <p:tgtEl>
+                                          <p:spTgt spid="19"/>
+                                        </p:tgtEl>
+                                        <p:attrNameLst>
+                                          <p:attrName>style.visibility</p:attrName>
+                                        </p:attrNameLst>
+                                      </p:cBhvr>
+                                      <p:to>
+                                        <p:strVal val="visible"/>
+                                      </p:to>
+                                    </p:set>
+                                  </p:childTnLst>
+                                </p:cTn>
+                              </p:par>
+                            </p:childTnLst>
+                          </p:cTn>
+                        </p:par>
+                      </p:childTnLst>
+                    </p:cTn>
+                  </p:par>
+                  <p:par>
+                    <p:cTn id="45" fill="hold">
+                      <p:stCondLst>
+                        <p:cond delay="indefinite"/>
+                      </p:stCondLst>
+                      <p:childTnLst>
+                        <p:par>
+                          <p:cTn id="46" fill="hold">
+                            <p:stCondLst>
+                              <p:cond delay="0"/>
+                            </p:stCondLst>
+                            <p:childTnLst>
+                              <p:par>
+                                <p:cTn id="47" presetID="1" presetClass="entr" presetSubtype="0" fill="hold" nodeType="clickEffect">
+                                  <p:stCondLst>
+                                    <p:cond delay="0"/>
+                                  </p:stCondLst>
+                                  <p:childTnLst>
+                                    <p:set>
+                                      <p:cBhvr>
+                                        <p:cTn id="48" dur="1" fill="hold">
+                                          <p:stCondLst>
+                                            <p:cond delay="0"/>
+                                          </p:stCondLst>
+                                        </p:cTn>
+                                        <p:tgtEl>
+                                          <p:spTgt spid="5122"/>
+                                        </p:tgtEl>
+                                        <p:attrNameLst>
+                                          <p:attrName>style.visibility</p:attrName>
+                                        </p:attrNameLst>
+                                      </p:cBhvr>
+                                      <p:to>
+                                        <p:strVal val="visible"/>
+                                      </p:to>
+                                    </p:set>
+                                  </p:childTnLst>
+                                </p:cTn>
+                              </p:par>
+                            </p:childTnLst>
+                          </p:cTn>
+                        </p:par>
+                      </p:childTnLst>
+                    </p:cTn>
+                  </p:par>
+                  <p:par>
+                    <p:cTn id="49" fill="hold">
+                      <p:stCondLst>
+                        <p:cond delay="indefinite"/>
+                      </p:stCondLst>
+                      <p:childTnLst>
+                        <p:par>
+                          <p:cTn id="50" fill="hold">
+                            <p:stCondLst>
+                              <p:cond delay="0"/>
+                            </p:stCondLst>
+                            <p:childTnLst>
+                              <p:par>
+                                <p:cTn id="51" presetID="1" presetClass="entr" presetSubtype="0" fill="hold" nodeType="clickEffect">
+                                  <p:stCondLst>
+                                    <p:cond delay="0"/>
+                                  </p:stCondLst>
+                                  <p:childTnLst>
+                                    <p:set>
+                                      <p:cBhvr>
+                                        <p:cTn id="52" dur="1" fill="hold">
+                                          <p:stCondLst>
+                                            <p:cond delay="0"/>
+                                          </p:stCondLst>
+                                        </p:cTn>
+                                        <p:tgtEl>
+                                          <p:spTgt spid="5124"/>
+                                        </p:tgtEl>
+                                        <p:attrNameLst>
+                                          <p:attrName>style.visibility</p:attrName>
+                                        </p:attrNameLst>
+                                      </p:cBhvr>
+                                      <p:to>
+                                        <p:strVal val="visible"/>
+                                      </p:to>
+                                    </p:set>
+                                  </p:childTnLst>
+                                </p:cTn>
+                              </p:par>
+                            </p:childTnLst>
+                          </p:cTn>
+                        </p:par>
+                      </p:childTnLst>
+                    </p:cTn>
+                  </p:par>
+                  <p:par>
+                    <p:cTn id="53" fill="hold">
+                      <p:stCondLst>
+                        <p:cond delay="indefinite"/>
+                      </p:stCondLst>
+                      <p:childTnLst>
+                        <p:par>
+                          <p:cTn id="54" fill="hold">
+                            <p:stCondLst>
+                              <p:cond delay="0"/>
+                            </p:stCondLst>
+                            <p:childTnLst>
+                              <p:par>
+                                <p:cTn id="55" presetID="1" presetClass="entr" presetSubtype="0" fill="hold" nodeType="clickEffect">
+                                  <p:stCondLst>
+                                    <p:cond delay="0"/>
+                                  </p:stCondLst>
+                                  <p:childTnLst>
+                                    <p:set>
+                                      <p:cBhvr>
+                                        <p:cTn id="56" dur="1" fill="hold">
+                                          <p:stCondLst>
+                                            <p:cond delay="0"/>
+                                          </p:stCondLst>
+                                        </p:cTn>
+                                        <p:tgtEl>
+                                          <p:spTgt spid="5125"/>
+                                        </p:tgtEl>
+                                        <p:attrNameLst>
+                                          <p:attrName>style.visibility</p:attrName>
+                                        </p:attrNameLst>
+                                      </p:cBhvr>
+                                      <p:to>
+                                        <p:strVal val="visible"/>
+                                      </p:to>
+                                    </p:set>
+                                  </p:childTnLst>
+                                </p:cTn>
+                              </p:par>
+                            </p:childTnLst>
+                          </p:cTn>
+                        </p:par>
+                      </p:childTnLst>
+                    </p:cTn>
+                  </p:par>
+                  <p:par>
+                    <p:cTn id="57" fill="hold">
+                      <p:stCondLst>
+                        <p:cond delay="indefinite"/>
+                      </p:stCondLst>
+                      <p:childTnLst>
+                        <p:par>
+                          <p:cTn id="58" fill="hold">
+                            <p:stCondLst>
+                              <p:cond delay="0"/>
+                            </p:stCondLst>
+                            <p:childTnLst>
+                              <p:par>
+                                <p:cTn id="59" presetID="1" presetClass="entr" presetSubtype="0" fill="hold" grpId="0" nodeType="clickEffect">
+                                  <p:stCondLst>
+                                    <p:cond delay="0"/>
+                                  </p:stCondLst>
+                                  <p:childTnLst>
+                                    <p:set>
+                                      <p:cBhvr>
+                                        <p:cTn id="60" dur="1" fill="hold">
+                                          <p:stCondLst>
+                                            <p:cond delay="0"/>
+                                          </p:stCondLst>
+                                        </p:cTn>
+                                        <p:tgtEl>
+                                          <p:spTgt spid="23"/>
+                                        </p:tgtEl>
+                                        <p:attrNameLst>
+                                          <p:attrName>style.visibility</p:attrName>
+                                        </p:attrNameLst>
+                                      </p:cBhvr>
+                                      <p:to>
+                                        <p:strVal val="visible"/>
+                                      </p:to>
+                                    </p:set>
+                                  </p:childTnLst>
+                                </p:cTn>
+                              </p:par>
+                            </p:childTnLst>
+                          </p:cTn>
+                        </p:par>
+                      </p:childTnLst>
+                    </p:cTn>
+                  </p:par>
+                </p:childTnLst>
+              </p:cTn>
+              <p:prevCondLst>
+                <p:cond evt="onPrev" delay="0">
+                  <p:tgtEl>
+                    <p:sldTgt/>
+                  </p:tgtEl>
+                </p:cond>
+              </p:prevCondLst>
+              <p:nextCondLst>
+                <p:cond evt="onNext" delay="0">
+                  <p:tgtEl>
+                    <p:sldTgt/>
+                  </p:tgtEl>
+                </p:cond>
+              </p:nextCondLst>
+            </p:seq>
+          </p:childTnLst>
+        </p:cTn>
+      </p:par>
+    </p:tnLst>
+    <p:bldLst>
+      <p:bldP spid="6" grpId="0"/>
+      <p:bldP spid="7" grpId="0"/>
+      <p:bldP spid="8" grpId="0"/>
+      <p:bldP spid="9" grpId="0"/>
+      <p:bldP spid="10" grpId="0"/>
+      <p:bldP spid="11" grpId="0"/>
+      <p:bldP spid="12" grpId="0"/>
+      <p:bldP spid="13" grpId="0"/>
+      <p:bldP spid="14" grpId="0"/>
+      <p:bldP spid="15" grpId="0"/>
+      <p:bldP spid="16" grpId="0"/>
+      <p:bldP spid="17" grpId="0"/>
+      <p:bldP spid="18" grpId="0"/>
+      <p:bldP spid="19" grpId="0"/>
+      <p:bldP spid="23" grpId="0" animBg="1"/>
+    </p:bldLst>
+  </p:timing>
+</p:sld>
+</file>
+
+<file path=ppt/slides/slide48.xml><?xml version="1.0" encoding="utf-8"?>
 <p:sld xmlns:a="http://schemas.openxmlformats.org/drawingml/2006/main" xmlns:r="http://schemas.openxmlformats.org/officeDocument/2006/relationships" xmlns:p="http://schemas.openxmlformats.org/presentationml/2006/main">
   <p:cSld>
     <p:spTree>

--- a/Macro-Mania.pptx
+++ b/Macro-Mania.pptx
@@ -7,10 +7,10 @@
     <p:sldMasterId id="2147483663" r:id="rId3"/>
   </p:sldMasterIdLst>
   <p:notesMasterIdLst>
-    <p:notesMasterId r:id="rId52"/>
+    <p:notesMasterId r:id="rId57"/>
   </p:notesMasterIdLst>
   <p:handoutMasterIdLst>
-    <p:handoutMasterId r:id="rId53"/>
+    <p:handoutMasterId r:id="rId58"/>
   </p:handoutMasterIdLst>
   <p:sldIdLst>
     <p:sldId id="265" r:id="rId4"/>
@@ -25,42 +25,47 @@
     <p:sldId id="284" r:id="rId13"/>
     <p:sldId id="285" r:id="rId14"/>
     <p:sldId id="286" r:id="rId15"/>
-    <p:sldId id="287" r:id="rId16"/>
-    <p:sldId id="288" r:id="rId17"/>
-    <p:sldId id="289" r:id="rId18"/>
-    <p:sldId id="291" r:id="rId19"/>
-    <p:sldId id="290" r:id="rId20"/>
-    <p:sldId id="292" r:id="rId21"/>
-    <p:sldId id="293" r:id="rId22"/>
-    <p:sldId id="294" r:id="rId23"/>
-    <p:sldId id="295" r:id="rId24"/>
-    <p:sldId id="296" r:id="rId25"/>
-    <p:sldId id="306" r:id="rId26"/>
-    <p:sldId id="297" r:id="rId27"/>
-    <p:sldId id="298" r:id="rId28"/>
-    <p:sldId id="299" r:id="rId29"/>
-    <p:sldId id="300" r:id="rId30"/>
-    <p:sldId id="301" r:id="rId31"/>
-    <p:sldId id="302" r:id="rId32"/>
-    <p:sldId id="303" r:id="rId33"/>
-    <p:sldId id="305" r:id="rId34"/>
-    <p:sldId id="304" r:id="rId35"/>
-    <p:sldId id="307" r:id="rId36"/>
-    <p:sldId id="309" r:id="rId37"/>
-    <p:sldId id="308" r:id="rId38"/>
-    <p:sldId id="310" r:id="rId39"/>
-    <p:sldId id="311" r:id="rId40"/>
-    <p:sldId id="312" r:id="rId41"/>
-    <p:sldId id="282" r:id="rId42"/>
-    <p:sldId id="313" r:id="rId43"/>
-    <p:sldId id="314" r:id="rId44"/>
-    <p:sldId id="315" r:id="rId45"/>
-    <p:sldId id="316" r:id="rId46"/>
-    <p:sldId id="318" r:id="rId47"/>
-    <p:sldId id="317" r:id="rId48"/>
-    <p:sldId id="319" r:id="rId49"/>
-    <p:sldId id="320" r:id="rId50"/>
-    <p:sldId id="281" r:id="rId51"/>
+    <p:sldId id="325" r:id="rId16"/>
+    <p:sldId id="287" r:id="rId17"/>
+    <p:sldId id="288" r:id="rId18"/>
+    <p:sldId id="289" r:id="rId19"/>
+    <p:sldId id="291" r:id="rId20"/>
+    <p:sldId id="290" r:id="rId21"/>
+    <p:sldId id="292" r:id="rId22"/>
+    <p:sldId id="293" r:id="rId23"/>
+    <p:sldId id="294" r:id="rId24"/>
+    <p:sldId id="295" r:id="rId25"/>
+    <p:sldId id="296" r:id="rId26"/>
+    <p:sldId id="306" r:id="rId27"/>
+    <p:sldId id="297" r:id="rId28"/>
+    <p:sldId id="298" r:id="rId29"/>
+    <p:sldId id="299" r:id="rId30"/>
+    <p:sldId id="300" r:id="rId31"/>
+    <p:sldId id="301" r:id="rId32"/>
+    <p:sldId id="302" r:id="rId33"/>
+    <p:sldId id="303" r:id="rId34"/>
+    <p:sldId id="305" r:id="rId35"/>
+    <p:sldId id="304" r:id="rId36"/>
+    <p:sldId id="307" r:id="rId37"/>
+    <p:sldId id="309" r:id="rId38"/>
+    <p:sldId id="308" r:id="rId39"/>
+    <p:sldId id="310" r:id="rId40"/>
+    <p:sldId id="311" r:id="rId41"/>
+    <p:sldId id="312" r:id="rId42"/>
+    <p:sldId id="282" r:id="rId43"/>
+    <p:sldId id="313" r:id="rId44"/>
+    <p:sldId id="314" r:id="rId45"/>
+    <p:sldId id="315" r:id="rId46"/>
+    <p:sldId id="316" r:id="rId47"/>
+    <p:sldId id="318" r:id="rId48"/>
+    <p:sldId id="317" r:id="rId49"/>
+    <p:sldId id="319" r:id="rId50"/>
+    <p:sldId id="320" r:id="rId51"/>
+    <p:sldId id="321" r:id="rId52"/>
+    <p:sldId id="322" r:id="rId53"/>
+    <p:sldId id="323" r:id="rId54"/>
+    <p:sldId id="324" r:id="rId55"/>
+    <p:sldId id="281" r:id="rId56"/>
   </p:sldIdLst>
   <p:sldSz cx="9144000" cy="6858000" type="screen4x3"/>
   <p:notesSz cx="7315200" cy="9601200"/>
@@ -8187,7 +8192,7 @@
           <a:p>
             <a:r>
               <a:rPr lang="en-US" dirty="0" smtClean="0"/>
-              <a:t>Does anyone read headers?</a:t>
+              <a:t>Go, _BACK (And Forth)</a:t>
             </a:r>
             <a:endParaRPr lang="en-US" dirty="0"/>
           </a:p>
@@ -8705,15 +8710,11 @@
           <a:p>
             <a:r>
               <a:rPr lang="en-US" sz="1100" dirty="0" smtClean="0"/>
-              <a:t>I have one of the extra buttons on my mouse set to “return” that way in order to quickly refresh the screen, all I have to do is type “g” and press a button, Horary </a:t>
-            </a:r>
-            <a:r>
-              <a:rPr lang="en-US" sz="1100" dirty="0" err="1" smtClean="0"/>
-              <a:t>Lazyness</a:t>
+              <a:t>I have one of the extra buttons on my mouse set to “return” that way in order to quickly refresh the screen, all I have to do is type “g” and press a button, </a:t>
             </a:r>
             <a:r>
               <a:rPr lang="en-US" sz="1100" dirty="0" smtClean="0"/>
-              <a:t>!</a:t>
+              <a:t>Hooray Laziness!</a:t>
             </a:r>
             <a:endParaRPr lang="en-US" sz="1100" dirty="0"/>
           </a:p>
@@ -9618,6 +9619,852 @@
           <a:chExt cx="0" cy="0"/>
         </a:xfrm>
       </p:grpSpPr>
+      <p:sp>
+        <p:nvSpPr>
+          <p:cNvPr id="2" name="Title 1"/>
+          <p:cNvSpPr>
+            <a:spLocks noGrp="1"/>
+          </p:cNvSpPr>
+          <p:nvPr>
+            <p:ph type="title"/>
+          </p:nvPr>
+        </p:nvSpPr>
+        <p:spPr/>
+        <p:txBody>
+          <a:bodyPr/>
+          <a:lstStyle/>
+          <a:p>
+            <a:r>
+              <a:rPr lang="en-US" dirty="0" smtClean="0"/>
+              <a:t>_Beam44.mac</a:t>
+            </a:r>
+            <a:r>
+              <a:rPr lang="en-US" dirty="0" smtClean="0">
+                <a:sym typeface="Wingdings" pitchFamily="2" charset="2"/>
+              </a:rPr>
+              <a:t> Quick General Beams</a:t>
+            </a:r>
+            <a:endParaRPr lang="en-US" dirty="0"/>
+          </a:p>
+        </p:txBody>
+      </p:sp>
+      <p:sp>
+        <p:nvSpPr>
+          <p:cNvPr id="3" name="TextBox 2"/>
+          <p:cNvSpPr txBox="1"/>
+          <p:nvPr/>
+        </p:nvSpPr>
+        <p:spPr>
+          <a:xfrm>
+            <a:off x="3040911" y="880830"/>
+            <a:ext cx="6081823" cy="369332"/>
+          </a:xfrm>
+          <a:prstGeom prst="rect">
+            <a:avLst/>
+          </a:prstGeom>
+          <a:noFill/>
+        </p:spPr>
+        <p:txBody>
+          <a:bodyPr wrap="square" rtlCol="0">
+            <a:spAutoFit/>
+          </a:bodyPr>
+          <a:lstStyle/>
+          <a:p>
+            <a:pPr algn="r"/>
+            <a:r>
+              <a:rPr lang="en-US" dirty="0" smtClean="0"/>
+              <a:t>“Think: </a:t>
+            </a:r>
+            <a:r>
+              <a:rPr lang="en-US" dirty="0" smtClean="0">
+                <a:solidFill>
+                  <a:schemeClr val="accent6">
+                    <a:lumMod val="75000"/>
+                  </a:schemeClr>
+                </a:solidFill>
+              </a:rPr>
+              <a:t>Cir</a:t>
+            </a:r>
+            <a:r>
+              <a:rPr lang="en-US" dirty="0" smtClean="0"/>
+              <a:t>cular </a:t>
+            </a:r>
+            <a:r>
+              <a:rPr lang="en-US" dirty="0" smtClean="0">
+                <a:solidFill>
+                  <a:schemeClr val="accent6">
+                    <a:lumMod val="75000"/>
+                  </a:schemeClr>
+                </a:solidFill>
+              </a:rPr>
+              <a:t>Beam44</a:t>
+            </a:r>
+            <a:r>
+              <a:rPr lang="en-US" dirty="0" smtClean="0"/>
+              <a:t>”</a:t>
+            </a:r>
+            <a:endParaRPr lang="en-US" dirty="0"/>
+          </a:p>
+        </p:txBody>
+      </p:sp>
+      <p:sp>
+        <p:nvSpPr>
+          <p:cNvPr id="4" name="TextBox 3"/>
+          <p:cNvSpPr txBox="1"/>
+          <p:nvPr/>
+        </p:nvSpPr>
+        <p:spPr>
+          <a:xfrm>
+            <a:off x="63798" y="957864"/>
+            <a:ext cx="8516676" cy="830997"/>
+          </a:xfrm>
+          <a:prstGeom prst="rect">
+            <a:avLst/>
+          </a:prstGeom>
+          <a:noFill/>
+        </p:spPr>
+        <p:txBody>
+          <a:bodyPr wrap="square" rtlCol="0">
+            <a:spAutoFit/>
+          </a:bodyPr>
+          <a:lstStyle/>
+          <a:p>
+            <a:r>
+              <a:rPr lang="en-US" sz="4800" dirty="0" smtClean="0"/>
+              <a:t>_Beam44</a:t>
+            </a:r>
+            <a:r>
+              <a:rPr lang="en-US" sz="4000" dirty="0" smtClean="0"/>
+              <a:t>,</a:t>
+            </a:r>
+            <a:r>
+              <a:rPr lang="en-US" sz="1200" dirty="0" smtClean="0"/>
+              <a:t>&lt;</a:t>
+            </a:r>
+            <a:r>
+              <a:rPr lang="en-US" sz="1600" dirty="0" err="1" smtClean="0"/>
+              <a:t>MatNum</a:t>
+            </a:r>
+            <a:r>
+              <a:rPr lang="en-US" sz="1600" dirty="0" smtClean="0"/>
+              <a:t>&gt;, &lt;Area&gt;, &lt;</a:t>
+            </a:r>
+            <a:r>
+              <a:rPr lang="en-US" sz="1600" dirty="0" err="1" smtClean="0"/>
+              <a:t>Ixx</a:t>
+            </a:r>
+            <a:r>
+              <a:rPr lang="en-US" sz="1600" dirty="0" smtClean="0"/>
+              <a:t>&gt;, &lt;</a:t>
+            </a:r>
+            <a:r>
+              <a:rPr lang="en-US" sz="1600" dirty="0" err="1" smtClean="0"/>
+              <a:t>Iyy</a:t>
+            </a:r>
+            <a:r>
+              <a:rPr lang="en-US" sz="1600" dirty="0" smtClean="0"/>
+              <a:t>&gt;, &lt;</a:t>
+            </a:r>
+            <a:r>
+              <a:rPr lang="en-US" sz="1600" dirty="0" err="1" smtClean="0"/>
+              <a:t>Izz</a:t>
+            </a:r>
+            <a:r>
+              <a:rPr lang="en-US" sz="1600" dirty="0" smtClean="0"/>
+              <a:t>&gt; &lt;Material&gt; </a:t>
+            </a:r>
+            <a:endParaRPr lang="en-US" sz="5400" dirty="0"/>
+          </a:p>
+        </p:txBody>
+      </p:sp>
+      <p:sp>
+        <p:nvSpPr>
+          <p:cNvPr id="5" name="TextBox 4"/>
+          <p:cNvSpPr txBox="1"/>
+          <p:nvPr/>
+        </p:nvSpPr>
+        <p:spPr>
+          <a:xfrm>
+            <a:off x="116956" y="1690575"/>
+            <a:ext cx="8420987" cy="338554"/>
+          </a:xfrm>
+          <a:prstGeom prst="rect">
+            <a:avLst/>
+          </a:prstGeom>
+          <a:noFill/>
+          <a:ln>
+            <a:noFill/>
+          </a:ln>
+        </p:spPr>
+        <p:txBody>
+          <a:bodyPr wrap="square" rtlCol="0">
+            <a:spAutoFit/>
+          </a:bodyPr>
+          <a:lstStyle/>
+          <a:p>
+            <a:r>
+              <a:rPr lang="en-US" sz="1600" i="1" dirty="0" smtClean="0"/>
+              <a:t>Creates Circular Beam 44 Element</a:t>
+            </a:r>
+            <a:endParaRPr lang="en-US" sz="1600" i="1" dirty="0" smtClean="0"/>
+          </a:p>
+        </p:txBody>
+      </p:sp>
+      <p:sp>
+        <p:nvSpPr>
+          <p:cNvPr id="6" name="TextBox 5"/>
+          <p:cNvSpPr txBox="1"/>
+          <p:nvPr/>
+        </p:nvSpPr>
+        <p:spPr>
+          <a:xfrm>
+            <a:off x="233914" y="2073349"/>
+            <a:ext cx="1041991" cy="307777"/>
+          </a:xfrm>
+          <a:prstGeom prst="rect">
+            <a:avLst/>
+          </a:prstGeom>
+          <a:noFill/>
+          <a:ln>
+            <a:noFill/>
+          </a:ln>
+        </p:spPr>
+        <p:txBody>
+          <a:bodyPr wrap="square" rtlCol="0">
+            <a:spAutoFit/>
+          </a:bodyPr>
+          <a:lstStyle/>
+          <a:p>
+            <a:r>
+              <a:rPr lang="en-US" sz="1400" b="1" dirty="0" err="1" smtClean="0"/>
+              <a:t>MatNum</a:t>
+            </a:r>
+            <a:endParaRPr lang="en-US" sz="1400" b="1" dirty="0" smtClean="0"/>
+          </a:p>
+        </p:txBody>
+      </p:sp>
+      <p:sp>
+        <p:nvSpPr>
+          <p:cNvPr id="7" name="TextBox 6"/>
+          <p:cNvSpPr txBox="1"/>
+          <p:nvPr/>
+        </p:nvSpPr>
+        <p:spPr>
+          <a:xfrm>
+            <a:off x="1633882" y="2073352"/>
+            <a:ext cx="5727405" cy="307777"/>
+          </a:xfrm>
+          <a:prstGeom prst="rect">
+            <a:avLst/>
+          </a:prstGeom>
+          <a:noFill/>
+          <a:ln>
+            <a:noFill/>
+          </a:ln>
+        </p:spPr>
+        <p:txBody>
+          <a:bodyPr wrap="square" rtlCol="0">
+            <a:spAutoFit/>
+          </a:bodyPr>
+          <a:lstStyle/>
+          <a:p>
+            <a:r>
+              <a:rPr lang="en-US" sz="1400" dirty="0" smtClean="0"/>
+              <a:t>Resulting Type, Real (and Material Number if Material is specified)</a:t>
+            </a:r>
+            <a:endParaRPr lang="en-US" sz="1400" dirty="0" smtClean="0"/>
+          </a:p>
+        </p:txBody>
+      </p:sp>
+      <p:sp>
+        <p:nvSpPr>
+          <p:cNvPr id="8" name="TextBox 7"/>
+          <p:cNvSpPr txBox="1"/>
+          <p:nvPr/>
+        </p:nvSpPr>
+        <p:spPr>
+          <a:xfrm>
+            <a:off x="233914" y="2332067"/>
+            <a:ext cx="1545266" cy="307777"/>
+          </a:xfrm>
+          <a:prstGeom prst="rect">
+            <a:avLst/>
+          </a:prstGeom>
+          <a:noFill/>
+          <a:ln>
+            <a:noFill/>
+          </a:ln>
+        </p:spPr>
+        <p:txBody>
+          <a:bodyPr wrap="square" rtlCol="0">
+            <a:spAutoFit/>
+          </a:bodyPr>
+          <a:lstStyle/>
+          <a:p>
+            <a:r>
+              <a:rPr lang="en-US" sz="1400" b="1" dirty="0" smtClean="0"/>
+              <a:t>Area</a:t>
+            </a:r>
+            <a:endParaRPr lang="en-US" sz="1400" b="1" dirty="0" smtClean="0"/>
+          </a:p>
+        </p:txBody>
+      </p:sp>
+      <p:sp>
+        <p:nvSpPr>
+          <p:cNvPr id="9" name="TextBox 8"/>
+          <p:cNvSpPr txBox="1"/>
+          <p:nvPr/>
+        </p:nvSpPr>
+        <p:spPr>
+          <a:xfrm>
+            <a:off x="1633882" y="2332070"/>
+            <a:ext cx="2619141" cy="307777"/>
+          </a:xfrm>
+          <a:prstGeom prst="rect">
+            <a:avLst/>
+          </a:prstGeom>
+          <a:noFill/>
+          <a:ln>
+            <a:noFill/>
+          </a:ln>
+        </p:spPr>
+        <p:txBody>
+          <a:bodyPr wrap="square" rtlCol="0">
+            <a:spAutoFit/>
+          </a:bodyPr>
+          <a:lstStyle/>
+          <a:p>
+            <a:r>
+              <a:rPr lang="en-US" sz="1400" dirty="0" smtClean="0"/>
+              <a:t>X-Sectional Area</a:t>
+            </a:r>
+            <a:endParaRPr lang="en-US" sz="1400" dirty="0" smtClean="0"/>
+          </a:p>
+        </p:txBody>
+      </p:sp>
+      <p:sp>
+        <p:nvSpPr>
+          <p:cNvPr id="10" name="TextBox 9"/>
+          <p:cNvSpPr txBox="1"/>
+          <p:nvPr/>
+        </p:nvSpPr>
+        <p:spPr>
+          <a:xfrm>
+            <a:off x="233914" y="2590788"/>
+            <a:ext cx="1545266" cy="307777"/>
+          </a:xfrm>
+          <a:prstGeom prst="rect">
+            <a:avLst/>
+          </a:prstGeom>
+          <a:noFill/>
+          <a:ln>
+            <a:noFill/>
+          </a:ln>
+        </p:spPr>
+        <p:txBody>
+          <a:bodyPr wrap="square" rtlCol="0">
+            <a:spAutoFit/>
+          </a:bodyPr>
+          <a:lstStyle/>
+          <a:p>
+            <a:r>
+              <a:rPr lang="en-US" sz="1400" b="1" dirty="0" err="1" smtClean="0"/>
+              <a:t>Ixx</a:t>
+            </a:r>
+            <a:endParaRPr lang="en-US" sz="1400" b="1" dirty="0" smtClean="0"/>
+          </a:p>
+        </p:txBody>
+      </p:sp>
+      <p:sp>
+        <p:nvSpPr>
+          <p:cNvPr id="11" name="TextBox 10"/>
+          <p:cNvSpPr txBox="1"/>
+          <p:nvPr/>
+        </p:nvSpPr>
+        <p:spPr>
+          <a:xfrm>
+            <a:off x="1633882" y="2590791"/>
+            <a:ext cx="4065169" cy="307777"/>
+          </a:xfrm>
+          <a:prstGeom prst="rect">
+            <a:avLst/>
+          </a:prstGeom>
+          <a:noFill/>
+          <a:ln>
+            <a:noFill/>
+          </a:ln>
+        </p:spPr>
+        <p:txBody>
+          <a:bodyPr wrap="square" rtlCol="0">
+            <a:spAutoFit/>
+          </a:bodyPr>
+          <a:lstStyle/>
+          <a:p>
+            <a:r>
+              <a:rPr lang="en-US" sz="1400" dirty="0" err="1" smtClean="0"/>
+              <a:t>Torsional</a:t>
+            </a:r>
+            <a:r>
+              <a:rPr lang="en-US" sz="1400" dirty="0" smtClean="0"/>
+              <a:t> Moment of Inertia </a:t>
+            </a:r>
+            <a:endParaRPr lang="en-US" sz="1400" dirty="0" smtClean="0"/>
+          </a:p>
+        </p:txBody>
+      </p:sp>
+      <p:sp>
+        <p:nvSpPr>
+          <p:cNvPr id="48" name="TextBox 47"/>
+          <p:cNvSpPr txBox="1"/>
+          <p:nvPr/>
+        </p:nvSpPr>
+        <p:spPr>
+          <a:xfrm>
+            <a:off x="269355" y="3551286"/>
+            <a:ext cx="1545266" cy="307777"/>
+          </a:xfrm>
+          <a:prstGeom prst="rect">
+            <a:avLst/>
+          </a:prstGeom>
+          <a:noFill/>
+          <a:ln>
+            <a:noFill/>
+          </a:ln>
+        </p:spPr>
+        <p:txBody>
+          <a:bodyPr wrap="square" rtlCol="0">
+            <a:spAutoFit/>
+          </a:bodyPr>
+          <a:lstStyle/>
+          <a:p>
+            <a:r>
+              <a:rPr lang="en-US" sz="1400" b="1" dirty="0" smtClean="0"/>
+              <a:t>Material</a:t>
+            </a:r>
+            <a:endParaRPr lang="en-US" sz="1400" b="1" dirty="0" smtClean="0"/>
+          </a:p>
+        </p:txBody>
+      </p:sp>
+      <p:sp>
+        <p:nvSpPr>
+          <p:cNvPr id="49" name="TextBox 48"/>
+          <p:cNvSpPr txBox="1"/>
+          <p:nvPr/>
+        </p:nvSpPr>
+        <p:spPr>
+          <a:xfrm>
+            <a:off x="1669323" y="3551289"/>
+            <a:ext cx="1775625" cy="307777"/>
+          </a:xfrm>
+          <a:prstGeom prst="rect">
+            <a:avLst/>
+          </a:prstGeom>
+          <a:noFill/>
+          <a:ln>
+            <a:noFill/>
+          </a:ln>
+        </p:spPr>
+        <p:txBody>
+          <a:bodyPr wrap="square" rtlCol="0">
+            <a:spAutoFit/>
+          </a:bodyPr>
+          <a:lstStyle/>
+          <a:p>
+            <a:r>
+              <a:rPr lang="en-US" sz="1400" dirty="0" smtClean="0"/>
+              <a:t>See _MAT.mac</a:t>
+            </a:r>
+            <a:endParaRPr lang="en-US" sz="1400" dirty="0" smtClean="0"/>
+          </a:p>
+        </p:txBody>
+      </p:sp>
+      <p:sp>
+        <p:nvSpPr>
+          <p:cNvPr id="50" name="TextBox 49"/>
+          <p:cNvSpPr txBox="1"/>
+          <p:nvPr/>
+        </p:nvSpPr>
+        <p:spPr>
+          <a:xfrm>
+            <a:off x="223283" y="6018051"/>
+            <a:ext cx="8782494" cy="307777"/>
+          </a:xfrm>
+          <a:prstGeom prst="rect">
+            <a:avLst/>
+          </a:prstGeom>
+          <a:solidFill>
+            <a:schemeClr val="tx1"/>
+          </a:solidFill>
+          <a:ln>
+            <a:noFill/>
+          </a:ln>
+        </p:spPr>
+        <p:txBody>
+          <a:bodyPr wrap="square" rtlCol="0">
+            <a:spAutoFit/>
+          </a:bodyPr>
+          <a:lstStyle/>
+          <a:p>
+            <a:r>
+              <a:rPr lang="en-US" sz="1400" b="1" dirty="0" smtClean="0">
+                <a:solidFill>
+                  <a:schemeClr val="accent6">
+                    <a:lumMod val="75000"/>
+                  </a:schemeClr>
+                </a:solidFill>
+              </a:rPr>
+              <a:t>_Beam44</a:t>
+            </a:r>
+            <a:r>
+              <a:rPr lang="en-US" sz="1400" b="1" dirty="0" smtClean="0">
+                <a:solidFill>
+                  <a:schemeClr val="bg1"/>
+                </a:solidFill>
+              </a:rPr>
+              <a:t>, 10, 1.1, 4.25, 8.1, 8.1, 802   </a:t>
+            </a:r>
+            <a:r>
+              <a:rPr lang="en-US" sz="1400" b="1" dirty="0" smtClean="0">
+                <a:solidFill>
+                  <a:srgbClr val="00B050"/>
+                </a:solidFill>
+              </a:rPr>
+              <a:t>!General Aluminum Beam, A = 1.1, </a:t>
+            </a:r>
+            <a:r>
+              <a:rPr lang="en-US" sz="1400" b="1" dirty="0" err="1" smtClean="0">
+                <a:solidFill>
+                  <a:srgbClr val="00B050"/>
+                </a:solidFill>
+              </a:rPr>
+              <a:t>Ixx</a:t>
+            </a:r>
+            <a:r>
+              <a:rPr lang="en-US" sz="1400" b="1" dirty="0" smtClean="0">
+                <a:solidFill>
+                  <a:srgbClr val="00B050"/>
+                </a:solidFill>
+              </a:rPr>
+              <a:t> = 4.25, </a:t>
+            </a:r>
+            <a:r>
+              <a:rPr lang="en-US" sz="1400" b="1" dirty="0" err="1" smtClean="0">
+                <a:solidFill>
+                  <a:srgbClr val="00B050"/>
+                </a:solidFill>
+              </a:rPr>
+              <a:t>Iyy</a:t>
+            </a:r>
+            <a:r>
+              <a:rPr lang="en-US" sz="1400" b="1" dirty="0" smtClean="0">
+                <a:solidFill>
+                  <a:srgbClr val="00B050"/>
+                </a:solidFill>
+              </a:rPr>
+              <a:t> = </a:t>
+            </a:r>
+            <a:r>
+              <a:rPr lang="en-US" sz="1400" b="1" dirty="0" err="1" smtClean="0">
+                <a:solidFill>
+                  <a:srgbClr val="00B050"/>
+                </a:solidFill>
+              </a:rPr>
+              <a:t>Izz</a:t>
+            </a:r>
+            <a:r>
+              <a:rPr lang="en-US" sz="1400" b="1" dirty="0" smtClean="0">
+                <a:solidFill>
+                  <a:srgbClr val="00B050"/>
+                </a:solidFill>
+              </a:rPr>
+              <a:t> = 8.1 </a:t>
+            </a:r>
+            <a:endParaRPr lang="en-US" sz="1400" b="1" dirty="0" smtClean="0">
+              <a:solidFill>
+                <a:srgbClr val="00B050"/>
+              </a:solidFill>
+            </a:endParaRPr>
+          </a:p>
+        </p:txBody>
+      </p:sp>
+      <p:sp>
+        <p:nvSpPr>
+          <p:cNvPr id="51" name="TextBox 50"/>
+          <p:cNvSpPr txBox="1"/>
+          <p:nvPr/>
+        </p:nvSpPr>
+        <p:spPr>
+          <a:xfrm>
+            <a:off x="170122" y="5592750"/>
+            <a:ext cx="922047" cy="307777"/>
+          </a:xfrm>
+          <a:prstGeom prst="rect">
+            <a:avLst/>
+          </a:prstGeom>
+          <a:noFill/>
+          <a:ln>
+            <a:noFill/>
+          </a:ln>
+        </p:spPr>
+        <p:txBody>
+          <a:bodyPr wrap="none" rtlCol="0">
+            <a:spAutoFit/>
+          </a:bodyPr>
+          <a:lstStyle/>
+          <a:p>
+            <a:r>
+              <a:rPr lang="en-US" sz="1400" b="1" dirty="0" smtClean="0"/>
+              <a:t>Example</a:t>
+            </a:r>
+            <a:endParaRPr lang="en-US" sz="1400" b="1" dirty="0" smtClean="0"/>
+          </a:p>
+        </p:txBody>
+      </p:sp>
+      <p:sp>
+        <p:nvSpPr>
+          <p:cNvPr id="60" name="TextBox 59"/>
+          <p:cNvSpPr txBox="1"/>
+          <p:nvPr/>
+        </p:nvSpPr>
+        <p:spPr>
+          <a:xfrm>
+            <a:off x="744280" y="4486968"/>
+            <a:ext cx="3838354" cy="307777"/>
+          </a:xfrm>
+          <a:prstGeom prst="rect">
+            <a:avLst/>
+          </a:prstGeom>
+          <a:ln/>
+        </p:spPr>
+        <p:style>
+          <a:lnRef idx="1">
+            <a:schemeClr val="accent1"/>
+          </a:lnRef>
+          <a:fillRef idx="2">
+            <a:schemeClr val="accent1"/>
+          </a:fillRef>
+          <a:effectRef idx="1">
+            <a:schemeClr val="accent1"/>
+          </a:effectRef>
+          <a:fontRef idx="minor">
+            <a:schemeClr val="dk1"/>
+          </a:fontRef>
+        </p:style>
+        <p:txBody>
+          <a:bodyPr wrap="square" rtlCol="0">
+            <a:spAutoFit/>
+          </a:bodyPr>
+          <a:lstStyle/>
+          <a:p>
+            <a:pPr algn="ctr"/>
+            <a:r>
+              <a:rPr lang="en-US" sz="1400" b="1" dirty="0" smtClean="0"/>
+              <a:t>See Also:</a:t>
+            </a:r>
+            <a:r>
+              <a:rPr lang="en-US" sz="1400" dirty="0" smtClean="0"/>
+              <a:t> SqBeam44.mac &amp; CirBeam44.mac</a:t>
+            </a:r>
+            <a:endParaRPr lang="en-US" sz="1400" dirty="0" smtClean="0"/>
+          </a:p>
+        </p:txBody>
+      </p:sp>
+      <p:sp>
+        <p:nvSpPr>
+          <p:cNvPr id="25" name="TextBox 24"/>
+          <p:cNvSpPr txBox="1"/>
+          <p:nvPr/>
+        </p:nvSpPr>
+        <p:spPr>
+          <a:xfrm>
+            <a:off x="248088" y="2881411"/>
+            <a:ext cx="1545266" cy="307777"/>
+          </a:xfrm>
+          <a:prstGeom prst="rect">
+            <a:avLst/>
+          </a:prstGeom>
+          <a:noFill/>
+          <a:ln>
+            <a:noFill/>
+          </a:ln>
+        </p:spPr>
+        <p:txBody>
+          <a:bodyPr wrap="square" rtlCol="0">
+            <a:spAutoFit/>
+          </a:bodyPr>
+          <a:lstStyle/>
+          <a:p>
+            <a:r>
+              <a:rPr lang="en-US" sz="1400" b="1" dirty="0" err="1" smtClean="0"/>
+              <a:t>Iyy</a:t>
+            </a:r>
+            <a:endParaRPr lang="en-US" sz="1400" b="1" dirty="0" smtClean="0"/>
+          </a:p>
+        </p:txBody>
+      </p:sp>
+      <p:sp>
+        <p:nvSpPr>
+          <p:cNvPr id="26" name="TextBox 25"/>
+          <p:cNvSpPr txBox="1"/>
+          <p:nvPr/>
+        </p:nvSpPr>
+        <p:spPr>
+          <a:xfrm>
+            <a:off x="1648056" y="2881414"/>
+            <a:ext cx="4065169" cy="307777"/>
+          </a:xfrm>
+          <a:prstGeom prst="rect">
+            <a:avLst/>
+          </a:prstGeom>
+          <a:noFill/>
+          <a:ln>
+            <a:noFill/>
+          </a:ln>
+        </p:spPr>
+        <p:txBody>
+          <a:bodyPr wrap="square" rtlCol="0">
+            <a:spAutoFit/>
+          </a:bodyPr>
+          <a:lstStyle/>
+          <a:p>
+            <a:r>
+              <a:rPr lang="en-US" sz="1400" dirty="0" smtClean="0"/>
+              <a:t>Bending Moment of Inertia about Y - axis </a:t>
+            </a:r>
+            <a:endParaRPr lang="en-US" sz="1400" dirty="0" smtClean="0"/>
+          </a:p>
+        </p:txBody>
+      </p:sp>
+      <p:sp>
+        <p:nvSpPr>
+          <p:cNvPr id="27" name="TextBox 26"/>
+          <p:cNvSpPr txBox="1"/>
+          <p:nvPr/>
+        </p:nvSpPr>
+        <p:spPr>
+          <a:xfrm>
+            <a:off x="251632" y="3172032"/>
+            <a:ext cx="1545266" cy="307777"/>
+          </a:xfrm>
+          <a:prstGeom prst="rect">
+            <a:avLst/>
+          </a:prstGeom>
+          <a:noFill/>
+          <a:ln>
+            <a:noFill/>
+          </a:ln>
+        </p:spPr>
+        <p:txBody>
+          <a:bodyPr wrap="square" rtlCol="0">
+            <a:spAutoFit/>
+          </a:bodyPr>
+          <a:lstStyle/>
+          <a:p>
+            <a:r>
+              <a:rPr lang="en-US" sz="1400" b="1" dirty="0" err="1" smtClean="0"/>
+              <a:t>Izz</a:t>
+            </a:r>
+            <a:endParaRPr lang="en-US" sz="1400" b="1" dirty="0" smtClean="0"/>
+          </a:p>
+        </p:txBody>
+      </p:sp>
+      <p:sp>
+        <p:nvSpPr>
+          <p:cNvPr id="28" name="TextBox 27"/>
+          <p:cNvSpPr txBox="1"/>
+          <p:nvPr/>
+        </p:nvSpPr>
+        <p:spPr>
+          <a:xfrm>
+            <a:off x="1640969" y="3172035"/>
+            <a:ext cx="4065169" cy="307777"/>
+          </a:xfrm>
+          <a:prstGeom prst="rect">
+            <a:avLst/>
+          </a:prstGeom>
+          <a:noFill/>
+          <a:ln>
+            <a:noFill/>
+          </a:ln>
+        </p:spPr>
+        <p:txBody>
+          <a:bodyPr wrap="square" rtlCol="0">
+            <a:spAutoFit/>
+          </a:bodyPr>
+          <a:lstStyle/>
+          <a:p>
+            <a:r>
+              <a:rPr lang="en-US" sz="1400" dirty="0" smtClean="0"/>
+              <a:t>Bending Moment of Inertia about Z - axis </a:t>
+            </a:r>
+            <a:endParaRPr lang="en-US" sz="1400" dirty="0" smtClean="0"/>
+          </a:p>
+        </p:txBody>
+      </p:sp>
+      <p:pic>
+        <p:nvPicPr>
+          <p:cNvPr id="3074" name="Picture 2"/>
+          <p:cNvPicPr>
+            <a:picLocks noChangeAspect="1" noChangeArrowheads="1"/>
+          </p:cNvPicPr>
+          <p:nvPr/>
+        </p:nvPicPr>
+        <p:blipFill>
+          <a:blip r:embed="rId2" cstate="print"/>
+          <a:srcRect l="898"/>
+          <a:stretch>
+            <a:fillRect/>
+          </a:stretch>
+        </p:blipFill>
+        <p:spPr bwMode="auto">
+          <a:xfrm>
+            <a:off x="5592724" y="2732789"/>
+            <a:ext cx="2982876" cy="2838450"/>
+          </a:xfrm>
+          <a:prstGeom prst="rect">
+            <a:avLst/>
+          </a:prstGeom>
+          <a:noFill/>
+          <a:ln w="9525">
+            <a:noFill/>
+            <a:miter lim="800000"/>
+            <a:headEnd/>
+            <a:tailEnd/>
+          </a:ln>
+        </p:spPr>
+      </p:pic>
+    </p:spTree>
+  </p:cSld>
+  <p:clrMapOvr>
+    <a:masterClrMapping/>
+  </p:clrMapOvr>
+  <p:timing>
+    <p:tnLst>
+      <p:par>
+        <p:cTn id="1" dur="indefinite" restart="never" nodeType="tmRoot"/>
+      </p:par>
+    </p:tnLst>
+  </p:timing>
+</p:sld>
+</file>
+
+<file path=ppt/slides/slide14.xml><?xml version="1.0" encoding="utf-8"?>
+<p:sld xmlns:a="http://schemas.openxmlformats.org/drawingml/2006/main" xmlns:r="http://schemas.openxmlformats.org/officeDocument/2006/relationships" xmlns:p="http://schemas.openxmlformats.org/presentationml/2006/main">
+  <p:cSld>
+    <p:spTree>
+      <p:nvGrpSpPr>
+        <p:cNvPr id="1" name=""/>
+        <p:cNvGrpSpPr/>
+        <p:nvPr/>
+      </p:nvGrpSpPr>
+      <p:grpSpPr>
+        <a:xfrm>
+          <a:off x="0" y="0"/>
+          <a:ext cx="0" cy="0"/>
+          <a:chOff x="0" y="0"/>
+          <a:chExt cx="0" cy="0"/>
+        </a:xfrm>
+      </p:grpSpPr>
       <p:pic>
         <p:nvPicPr>
           <p:cNvPr id="1031" name="Picture 7"/>
@@ -10052,7 +10899,7 @@
 </p:sld>
 </file>
 
-<file path=ppt/slides/slide14.xml><?xml version="1.0" encoding="utf-8"?>
+<file path=ppt/slides/slide15.xml><?xml version="1.0" encoding="utf-8"?>
 <p:sld xmlns:a="http://schemas.openxmlformats.org/drawingml/2006/main" xmlns:r="http://schemas.openxmlformats.org/officeDocument/2006/relationships" xmlns:p="http://schemas.openxmlformats.org/presentationml/2006/main">
   <p:cSld>
     <p:spTree>
@@ -11037,7 +11884,7 @@
 </p:sld>
 </file>
 
-<file path=ppt/slides/slide15.xml><?xml version="1.0" encoding="utf-8"?>
+<file path=ppt/slides/slide16.xml><?xml version="1.0" encoding="utf-8"?>
 <p:sld xmlns:a="http://schemas.openxmlformats.org/drawingml/2006/main" xmlns:r="http://schemas.openxmlformats.org/officeDocument/2006/relationships" xmlns:p="http://schemas.openxmlformats.org/presentationml/2006/main">
   <p:cSld>
     <p:spTree>
@@ -12057,7 +12904,7 @@
 </p:sld>
 </file>
 
-<file path=ppt/slides/slide16.xml><?xml version="1.0" encoding="utf-8"?>
+<file path=ppt/slides/slide17.xml><?xml version="1.0" encoding="utf-8"?>
 <p:sld xmlns:a="http://schemas.openxmlformats.org/drawingml/2006/main" xmlns:r="http://schemas.openxmlformats.org/officeDocument/2006/relationships" xmlns:p="http://schemas.openxmlformats.org/presentationml/2006/main">
   <p:cSld>
     <p:spTree>
@@ -13162,7 +14009,7 @@
 </p:sld>
 </file>
 
-<file path=ppt/slides/slide17.xml><?xml version="1.0" encoding="utf-8"?>
+<file path=ppt/slides/slide18.xml><?xml version="1.0" encoding="utf-8"?>
 <p:sld xmlns:a="http://schemas.openxmlformats.org/drawingml/2006/main" xmlns:r="http://schemas.openxmlformats.org/officeDocument/2006/relationships" xmlns:p="http://schemas.openxmlformats.org/presentationml/2006/main">
   <p:cSld>
     <p:spTree>
@@ -14535,7 +15382,7 @@
 </p:sld>
 </file>
 
-<file path=ppt/slides/slide18.xml><?xml version="1.0" encoding="utf-8"?>
+<file path=ppt/slides/slide19.xml><?xml version="1.0" encoding="utf-8"?>
 <p:sld xmlns:a="http://schemas.openxmlformats.org/drawingml/2006/main" xmlns:r="http://schemas.openxmlformats.org/officeDocument/2006/relationships" xmlns:p="http://schemas.openxmlformats.org/presentationml/2006/main">
   <p:cSld>
     <p:spTree>
@@ -14955,7 +15802,347 @@
 </p:sld>
 </file>
 
-<file path=ppt/slides/slide19.xml><?xml version="1.0" encoding="utf-8"?>
+<file path=ppt/slides/slide2.xml><?xml version="1.0" encoding="utf-8"?>
+<p:sld xmlns:a="http://schemas.openxmlformats.org/drawingml/2006/main" xmlns:r="http://schemas.openxmlformats.org/officeDocument/2006/relationships" xmlns:p="http://schemas.openxmlformats.org/presentationml/2006/main">
+  <p:cSld>
+    <p:spTree>
+      <p:nvGrpSpPr>
+        <p:cNvPr id="1" name=""/>
+        <p:cNvGrpSpPr/>
+        <p:nvPr/>
+      </p:nvGrpSpPr>
+      <p:grpSpPr>
+        <a:xfrm>
+          <a:off x="0" y="0"/>
+          <a:ext cx="0" cy="0"/>
+          <a:chOff x="0" y="0"/>
+          <a:chExt cx="0" cy="0"/>
+        </a:xfrm>
+      </p:grpSpPr>
+      <p:sp>
+        <p:nvSpPr>
+          <p:cNvPr id="3074" name="Rectangle 2"/>
+          <p:cNvSpPr>
+            <a:spLocks noGrp="1" noChangeArrowheads="1"/>
+          </p:cNvSpPr>
+          <p:nvPr>
+            <p:ph type="title"/>
+          </p:nvPr>
+        </p:nvSpPr>
+        <p:spPr>
+          <a:xfrm>
+            <a:off x="198407" y="166778"/>
+            <a:ext cx="8229600" cy="419819"/>
+          </a:xfrm>
+        </p:spPr>
+        <p:txBody>
+          <a:bodyPr>
+            <a:noAutofit/>
+          </a:bodyPr>
+          <a:lstStyle/>
+          <a:p>
+            <a:pPr eaLnBrk="1" hangingPunct="1"/>
+            <a:r>
+              <a:rPr lang="en-US" dirty="0" smtClean="0"/>
+              <a:t>What Are </a:t>
+            </a:r>
+            <a:r>
+              <a:rPr lang="en-US" dirty="0" err="1" smtClean="0"/>
+              <a:t>ANSYS</a:t>
+            </a:r>
+            <a:r>
+              <a:rPr lang="en-US" dirty="0" smtClean="0"/>
+              <a:t> Macros?</a:t>
+            </a:r>
+          </a:p>
+        </p:txBody>
+      </p:sp>
+      <p:sp>
+        <p:nvSpPr>
+          <p:cNvPr id="3075" name="Rectangle 4"/>
+          <p:cNvSpPr>
+            <a:spLocks noGrp="1" noChangeArrowheads="1"/>
+          </p:cNvSpPr>
+          <p:nvPr>
+            <p:ph type="body" sz="half" idx="1"/>
+          </p:nvPr>
+        </p:nvSpPr>
+        <p:spPr>
+          <a:xfrm>
+            <a:off x="224287" y="1043796"/>
+            <a:ext cx="4735902" cy="4028536"/>
+          </a:xfrm>
+        </p:spPr>
+        <p:txBody>
+          <a:bodyPr/>
+          <a:lstStyle/>
+          <a:p>
+            <a:pPr eaLnBrk="1" hangingPunct="1"/>
+            <a:r>
+              <a:rPr lang="en-US" dirty="0" smtClean="0"/>
+              <a:t>A text file containing a series of </a:t>
+            </a:r>
+            <a:r>
+              <a:rPr lang="en-US" dirty="0" err="1" smtClean="0"/>
+              <a:t>ANSYS</a:t>
+            </a:r>
+            <a:r>
+              <a:rPr lang="en-US" dirty="0" smtClean="0"/>
+              <a:t> command</a:t>
+            </a:r>
+          </a:p>
+          <a:p>
+            <a:pPr eaLnBrk="1" hangingPunct="1"/>
+            <a:r>
+              <a:rPr lang="en-US" dirty="0" smtClean="0"/>
+              <a:t>File ends with .</a:t>
+            </a:r>
+            <a:r>
+              <a:rPr lang="en-US" dirty="0" err="1" smtClean="0"/>
+              <a:t>mac</a:t>
+            </a:r>
+            <a:endParaRPr lang="en-US" dirty="0" smtClean="0"/>
+          </a:p>
+          <a:p>
+            <a:pPr eaLnBrk="1" hangingPunct="1"/>
+            <a:r>
+              <a:rPr lang="en-US" dirty="0" smtClean="0"/>
+              <a:t>Similar to existing </a:t>
+            </a:r>
+            <a:r>
+              <a:rPr lang="en-US" dirty="0" err="1" smtClean="0"/>
+              <a:t>ANSYS</a:t>
+            </a:r>
+            <a:r>
+              <a:rPr lang="en-US" dirty="0" smtClean="0"/>
+              <a:t> batch files you might use using  “/input,&lt;</a:t>
+            </a:r>
+            <a:r>
+              <a:rPr lang="en-US" dirty="0" err="1" smtClean="0"/>
+              <a:t>somefile</a:t>
+            </a:r>
+            <a:r>
+              <a:rPr lang="en-US" dirty="0" smtClean="0"/>
+              <a:t>&gt;,txt”</a:t>
+            </a:r>
+          </a:p>
+          <a:p>
+            <a:pPr lvl="0">
+              <a:defRPr/>
+            </a:pPr>
+            <a:r>
+              <a:rPr lang="en-US" dirty="0" smtClean="0"/>
+              <a:t>Can be called from</a:t>
+            </a:r>
+          </a:p>
+          <a:p>
+            <a:pPr lvl="1">
+              <a:defRPr/>
+            </a:pPr>
+            <a:r>
+              <a:rPr lang="en-US" dirty="0" err="1" smtClean="0"/>
+              <a:t>ANSYS</a:t>
+            </a:r>
+            <a:r>
+              <a:rPr lang="en-US" dirty="0" smtClean="0"/>
+              <a:t> command line</a:t>
+            </a:r>
+          </a:p>
+          <a:p>
+            <a:pPr lvl="1">
+              <a:defRPr/>
+            </a:pPr>
+            <a:r>
+              <a:rPr lang="en-US" dirty="0" smtClean="0"/>
+              <a:t>a batch file</a:t>
+            </a:r>
+          </a:p>
+          <a:p>
+            <a:pPr lvl="1">
+              <a:defRPr/>
+            </a:pPr>
+            <a:r>
+              <a:rPr lang="en-US" dirty="0" smtClean="0"/>
+              <a:t>Another macro.</a:t>
+            </a:r>
+          </a:p>
+          <a:p>
+            <a:pPr>
+              <a:defRPr/>
+            </a:pPr>
+            <a:r>
+              <a:rPr lang="en-US" dirty="0" smtClean="0"/>
+              <a:t>Called using just the macro name w/o the .</a:t>
+            </a:r>
+            <a:r>
+              <a:rPr lang="en-US" dirty="0" err="1" smtClean="0"/>
+              <a:t>mac</a:t>
+            </a:r>
+            <a:r>
+              <a:rPr lang="en-US" dirty="0" smtClean="0"/>
+              <a:t> (See below)</a:t>
+            </a:r>
+          </a:p>
+          <a:p>
+            <a:pPr lvl="0">
+              <a:defRPr/>
+            </a:pPr>
+            <a:endParaRPr lang="en-US" sz="1200" dirty="0" smtClean="0"/>
+          </a:p>
+          <a:p>
+            <a:pPr eaLnBrk="1" hangingPunct="1"/>
+            <a:endParaRPr lang="en-US" sz="1200" dirty="0" smtClean="0"/>
+          </a:p>
+        </p:txBody>
+      </p:sp>
+      <p:pic>
+        <p:nvPicPr>
+          <p:cNvPr id="2050" name="Picture 2"/>
+          <p:cNvPicPr>
+            <a:picLocks noChangeAspect="1" noChangeArrowheads="1"/>
+          </p:cNvPicPr>
+          <p:nvPr/>
+        </p:nvPicPr>
+        <p:blipFill>
+          <a:blip r:embed="rId2" cstate="print"/>
+          <a:srcRect l="247"/>
+          <a:stretch>
+            <a:fillRect/>
+          </a:stretch>
+        </p:blipFill>
+        <p:spPr bwMode="auto">
+          <a:xfrm>
+            <a:off x="5156075" y="897328"/>
+            <a:ext cx="3987925" cy="5658747"/>
+          </a:xfrm>
+          <a:prstGeom prst="rect">
+            <a:avLst/>
+          </a:prstGeom>
+          <a:noFill/>
+          <a:ln w="9525">
+            <a:noFill/>
+            <a:miter lim="800000"/>
+            <a:headEnd/>
+            <a:tailEnd/>
+          </a:ln>
+        </p:spPr>
+      </p:pic>
+      <p:pic>
+        <p:nvPicPr>
+          <p:cNvPr id="7" name="Picture 6"/>
+          <p:cNvPicPr>
+            <a:picLocks noChangeAspect="1" noChangeArrowheads="1"/>
+          </p:cNvPicPr>
+          <p:nvPr/>
+        </p:nvPicPr>
+        <p:blipFill>
+          <a:blip r:embed="rId3" cstate="print"/>
+          <a:srcRect/>
+          <a:stretch>
+            <a:fillRect/>
+          </a:stretch>
+        </p:blipFill>
+        <p:spPr bwMode="auto">
+          <a:xfrm>
+            <a:off x="156715" y="5165784"/>
+            <a:ext cx="4829175" cy="1390650"/>
+          </a:xfrm>
+          <a:prstGeom prst="rect">
+            <a:avLst/>
+          </a:prstGeom>
+          <a:noFill/>
+          <a:ln w="9525">
+            <a:noFill/>
+            <a:miter lim="800000"/>
+            <a:headEnd/>
+            <a:tailEnd/>
+          </a:ln>
+        </p:spPr>
+      </p:pic>
+      <p:sp>
+        <p:nvSpPr>
+          <p:cNvPr id="8" name="Rectangle 3"/>
+          <p:cNvSpPr txBox="1">
+            <a:spLocks noChangeArrowheads="1"/>
+          </p:cNvSpPr>
+          <p:nvPr/>
+        </p:nvSpPr>
+        <p:spPr bwMode="auto">
+          <a:xfrm>
+            <a:off x="424132" y="3953773"/>
+            <a:ext cx="4419600" cy="2679940"/>
+          </a:xfrm>
+          <a:prstGeom prst="rect">
+            <a:avLst/>
+          </a:prstGeom>
+          <a:noFill/>
+          <a:ln w="9525">
+            <a:noFill/>
+            <a:miter lim="800000"/>
+            <a:headEnd/>
+            <a:tailEnd/>
+          </a:ln>
+          <a:effectLst/>
+        </p:spPr>
+        <p:txBody>
+          <a:bodyPr vert="horz" wrap="square" lIns="0" tIns="45720" rIns="0" bIns="45720" numCol="1" anchor="t" anchorCtr="0" compatLnSpc="1">
+            <a:prstTxWarp prst="textNoShape">
+              <a:avLst/>
+            </a:prstTxWarp>
+            <a:normAutofit/>
+          </a:bodyPr>
+          <a:lstStyle/>
+          <a:p>
+            <a:pPr marL="0" marR="0" lvl="0" indent="0" algn="l" defTabSz="914400" rtl="0" eaLnBrk="1" fontAlgn="base" latinLnBrk="0" hangingPunct="1">
+              <a:lnSpc>
+                <a:spcPct val="100000"/>
+              </a:lnSpc>
+              <a:spcBef>
+                <a:spcPct val="75000"/>
+              </a:spcBef>
+              <a:spcAft>
+                <a:spcPct val="0"/>
+              </a:spcAft>
+              <a:buClrTx/>
+              <a:buSzTx/>
+              <a:buFontTx/>
+              <a:buNone/>
+              <a:tabLst/>
+              <a:defRPr/>
+            </a:pPr>
+            <a:endParaRPr kumimoji="0" lang="en-US" sz="2800" b="1" i="0" u="none" strike="noStrike" kern="0" cap="none" spc="0" normalizeH="0" baseline="0" noProof="0" dirty="0" smtClean="0">
+              <a:ln>
+                <a:noFill/>
+              </a:ln>
+              <a:solidFill>
+                <a:schemeClr val="tx1"/>
+              </a:solidFill>
+              <a:effectLst/>
+              <a:uLnTx/>
+              <a:uFillTx/>
+              <a:latin typeface="+mn-lt"/>
+              <a:ea typeface="+mn-ea"/>
+              <a:cs typeface="+mn-cs"/>
+            </a:endParaRPr>
+          </a:p>
+        </p:txBody>
+      </p:sp>
+    </p:spTree>
+  </p:cSld>
+  <p:clrMapOvr>
+    <a:masterClrMapping/>
+  </p:clrMapOvr>
+  <p:timing>
+    <p:tnLst>
+      <p:par>
+        <p:cTn id="1" dur="indefinite" restart="never" nodeType="tmRoot"/>
+      </p:par>
+    </p:tnLst>
+  </p:timing>
+</p:sld>
+</file>
+
+<file path=ppt/slides/slide20.xml><?xml version="1.0" encoding="utf-8"?>
 <p:sld xmlns:a="http://schemas.openxmlformats.org/drawingml/2006/main" xmlns:r="http://schemas.openxmlformats.org/officeDocument/2006/relationships" xmlns:p="http://schemas.openxmlformats.org/presentationml/2006/main">
   <p:cSld>
     <p:spTree>
@@ -16329,347 +17516,7 @@
 </p:sld>
 </file>
 
-<file path=ppt/slides/slide2.xml><?xml version="1.0" encoding="utf-8"?>
-<p:sld xmlns:a="http://schemas.openxmlformats.org/drawingml/2006/main" xmlns:r="http://schemas.openxmlformats.org/officeDocument/2006/relationships" xmlns:p="http://schemas.openxmlformats.org/presentationml/2006/main">
-  <p:cSld>
-    <p:spTree>
-      <p:nvGrpSpPr>
-        <p:cNvPr id="1" name=""/>
-        <p:cNvGrpSpPr/>
-        <p:nvPr/>
-      </p:nvGrpSpPr>
-      <p:grpSpPr>
-        <a:xfrm>
-          <a:off x="0" y="0"/>
-          <a:ext cx="0" cy="0"/>
-          <a:chOff x="0" y="0"/>
-          <a:chExt cx="0" cy="0"/>
-        </a:xfrm>
-      </p:grpSpPr>
-      <p:sp>
-        <p:nvSpPr>
-          <p:cNvPr id="3074" name="Rectangle 2"/>
-          <p:cNvSpPr>
-            <a:spLocks noGrp="1" noChangeArrowheads="1"/>
-          </p:cNvSpPr>
-          <p:nvPr>
-            <p:ph type="title"/>
-          </p:nvPr>
-        </p:nvSpPr>
-        <p:spPr>
-          <a:xfrm>
-            <a:off x="198407" y="166778"/>
-            <a:ext cx="8229600" cy="419819"/>
-          </a:xfrm>
-        </p:spPr>
-        <p:txBody>
-          <a:bodyPr>
-            <a:noAutofit/>
-          </a:bodyPr>
-          <a:lstStyle/>
-          <a:p>
-            <a:pPr eaLnBrk="1" hangingPunct="1"/>
-            <a:r>
-              <a:rPr lang="en-US" dirty="0" smtClean="0"/>
-              <a:t>What Are </a:t>
-            </a:r>
-            <a:r>
-              <a:rPr lang="en-US" dirty="0" err="1" smtClean="0"/>
-              <a:t>ANSYS</a:t>
-            </a:r>
-            <a:r>
-              <a:rPr lang="en-US" dirty="0" smtClean="0"/>
-              <a:t> Macros?</a:t>
-            </a:r>
-          </a:p>
-        </p:txBody>
-      </p:sp>
-      <p:sp>
-        <p:nvSpPr>
-          <p:cNvPr id="3075" name="Rectangle 4"/>
-          <p:cNvSpPr>
-            <a:spLocks noGrp="1" noChangeArrowheads="1"/>
-          </p:cNvSpPr>
-          <p:nvPr>
-            <p:ph type="body" sz="half" idx="1"/>
-          </p:nvPr>
-        </p:nvSpPr>
-        <p:spPr>
-          <a:xfrm>
-            <a:off x="224287" y="1043796"/>
-            <a:ext cx="4735902" cy="4028536"/>
-          </a:xfrm>
-        </p:spPr>
-        <p:txBody>
-          <a:bodyPr/>
-          <a:lstStyle/>
-          <a:p>
-            <a:pPr eaLnBrk="1" hangingPunct="1"/>
-            <a:r>
-              <a:rPr lang="en-US" dirty="0" smtClean="0"/>
-              <a:t>A text file containing a series of </a:t>
-            </a:r>
-            <a:r>
-              <a:rPr lang="en-US" dirty="0" err="1" smtClean="0"/>
-              <a:t>ANSYS</a:t>
-            </a:r>
-            <a:r>
-              <a:rPr lang="en-US" dirty="0" smtClean="0"/>
-              <a:t> command</a:t>
-            </a:r>
-          </a:p>
-          <a:p>
-            <a:pPr eaLnBrk="1" hangingPunct="1"/>
-            <a:r>
-              <a:rPr lang="en-US" dirty="0" smtClean="0"/>
-              <a:t>File ends with .</a:t>
-            </a:r>
-            <a:r>
-              <a:rPr lang="en-US" dirty="0" err="1" smtClean="0"/>
-              <a:t>mac</a:t>
-            </a:r>
-            <a:endParaRPr lang="en-US" dirty="0" smtClean="0"/>
-          </a:p>
-          <a:p>
-            <a:pPr eaLnBrk="1" hangingPunct="1"/>
-            <a:r>
-              <a:rPr lang="en-US" dirty="0" smtClean="0"/>
-              <a:t>Similar to existing </a:t>
-            </a:r>
-            <a:r>
-              <a:rPr lang="en-US" dirty="0" err="1" smtClean="0"/>
-              <a:t>ANSYS</a:t>
-            </a:r>
-            <a:r>
-              <a:rPr lang="en-US" dirty="0" smtClean="0"/>
-              <a:t> batch files you might use using  “/input,&lt;</a:t>
-            </a:r>
-            <a:r>
-              <a:rPr lang="en-US" dirty="0" err="1" smtClean="0"/>
-              <a:t>somefile</a:t>
-            </a:r>
-            <a:r>
-              <a:rPr lang="en-US" dirty="0" smtClean="0"/>
-              <a:t>&gt;,txt”</a:t>
-            </a:r>
-          </a:p>
-          <a:p>
-            <a:pPr lvl="0">
-              <a:defRPr/>
-            </a:pPr>
-            <a:r>
-              <a:rPr lang="en-US" dirty="0" smtClean="0"/>
-              <a:t>Can be called from</a:t>
-            </a:r>
-          </a:p>
-          <a:p>
-            <a:pPr lvl="1">
-              <a:defRPr/>
-            </a:pPr>
-            <a:r>
-              <a:rPr lang="en-US" dirty="0" err="1" smtClean="0"/>
-              <a:t>ANSYS</a:t>
-            </a:r>
-            <a:r>
-              <a:rPr lang="en-US" dirty="0" smtClean="0"/>
-              <a:t> command line</a:t>
-            </a:r>
-          </a:p>
-          <a:p>
-            <a:pPr lvl="1">
-              <a:defRPr/>
-            </a:pPr>
-            <a:r>
-              <a:rPr lang="en-US" dirty="0" smtClean="0"/>
-              <a:t>a batch file</a:t>
-            </a:r>
-          </a:p>
-          <a:p>
-            <a:pPr lvl="1">
-              <a:defRPr/>
-            </a:pPr>
-            <a:r>
-              <a:rPr lang="en-US" dirty="0" smtClean="0"/>
-              <a:t>Another macro.</a:t>
-            </a:r>
-          </a:p>
-          <a:p>
-            <a:pPr>
-              <a:defRPr/>
-            </a:pPr>
-            <a:r>
-              <a:rPr lang="en-US" dirty="0" smtClean="0"/>
-              <a:t>Called using just the macro name w/o the .</a:t>
-            </a:r>
-            <a:r>
-              <a:rPr lang="en-US" dirty="0" err="1" smtClean="0"/>
-              <a:t>mac</a:t>
-            </a:r>
-            <a:r>
-              <a:rPr lang="en-US" dirty="0" smtClean="0"/>
-              <a:t> (See below)</a:t>
-            </a:r>
-          </a:p>
-          <a:p>
-            <a:pPr lvl="0">
-              <a:defRPr/>
-            </a:pPr>
-            <a:endParaRPr lang="en-US" sz="1200" dirty="0" smtClean="0"/>
-          </a:p>
-          <a:p>
-            <a:pPr eaLnBrk="1" hangingPunct="1"/>
-            <a:endParaRPr lang="en-US" sz="1200" dirty="0" smtClean="0"/>
-          </a:p>
-        </p:txBody>
-      </p:sp>
-      <p:pic>
-        <p:nvPicPr>
-          <p:cNvPr id="2050" name="Picture 2"/>
-          <p:cNvPicPr>
-            <a:picLocks noChangeAspect="1" noChangeArrowheads="1"/>
-          </p:cNvPicPr>
-          <p:nvPr/>
-        </p:nvPicPr>
-        <p:blipFill>
-          <a:blip r:embed="rId2" cstate="print"/>
-          <a:srcRect l="247"/>
-          <a:stretch>
-            <a:fillRect/>
-          </a:stretch>
-        </p:blipFill>
-        <p:spPr bwMode="auto">
-          <a:xfrm>
-            <a:off x="5156075" y="897328"/>
-            <a:ext cx="3987925" cy="5658747"/>
-          </a:xfrm>
-          <a:prstGeom prst="rect">
-            <a:avLst/>
-          </a:prstGeom>
-          <a:noFill/>
-          <a:ln w="9525">
-            <a:noFill/>
-            <a:miter lim="800000"/>
-            <a:headEnd/>
-            <a:tailEnd/>
-          </a:ln>
-        </p:spPr>
-      </p:pic>
-      <p:pic>
-        <p:nvPicPr>
-          <p:cNvPr id="7" name="Picture 6"/>
-          <p:cNvPicPr>
-            <a:picLocks noChangeAspect="1" noChangeArrowheads="1"/>
-          </p:cNvPicPr>
-          <p:nvPr/>
-        </p:nvPicPr>
-        <p:blipFill>
-          <a:blip r:embed="rId3" cstate="print"/>
-          <a:srcRect/>
-          <a:stretch>
-            <a:fillRect/>
-          </a:stretch>
-        </p:blipFill>
-        <p:spPr bwMode="auto">
-          <a:xfrm>
-            <a:off x="156715" y="5165784"/>
-            <a:ext cx="4829175" cy="1390650"/>
-          </a:xfrm>
-          <a:prstGeom prst="rect">
-            <a:avLst/>
-          </a:prstGeom>
-          <a:noFill/>
-          <a:ln w="9525">
-            <a:noFill/>
-            <a:miter lim="800000"/>
-            <a:headEnd/>
-            <a:tailEnd/>
-          </a:ln>
-        </p:spPr>
-      </p:pic>
-      <p:sp>
-        <p:nvSpPr>
-          <p:cNvPr id="8" name="Rectangle 3"/>
-          <p:cNvSpPr txBox="1">
-            <a:spLocks noChangeArrowheads="1"/>
-          </p:cNvSpPr>
-          <p:nvPr/>
-        </p:nvSpPr>
-        <p:spPr bwMode="auto">
-          <a:xfrm>
-            <a:off x="424132" y="3953773"/>
-            <a:ext cx="4419600" cy="2679940"/>
-          </a:xfrm>
-          <a:prstGeom prst="rect">
-            <a:avLst/>
-          </a:prstGeom>
-          <a:noFill/>
-          <a:ln w="9525">
-            <a:noFill/>
-            <a:miter lim="800000"/>
-            <a:headEnd/>
-            <a:tailEnd/>
-          </a:ln>
-          <a:effectLst/>
-        </p:spPr>
-        <p:txBody>
-          <a:bodyPr vert="horz" wrap="square" lIns="0" tIns="45720" rIns="0" bIns="45720" numCol="1" anchor="t" anchorCtr="0" compatLnSpc="1">
-            <a:prstTxWarp prst="textNoShape">
-              <a:avLst/>
-            </a:prstTxWarp>
-            <a:normAutofit/>
-          </a:bodyPr>
-          <a:lstStyle/>
-          <a:p>
-            <a:pPr marL="0" marR="0" lvl="0" indent="0" algn="l" defTabSz="914400" rtl="0" eaLnBrk="1" fontAlgn="base" latinLnBrk="0" hangingPunct="1">
-              <a:lnSpc>
-                <a:spcPct val="100000"/>
-              </a:lnSpc>
-              <a:spcBef>
-                <a:spcPct val="75000"/>
-              </a:spcBef>
-              <a:spcAft>
-                <a:spcPct val="0"/>
-              </a:spcAft>
-              <a:buClrTx/>
-              <a:buSzTx/>
-              <a:buFontTx/>
-              <a:buNone/>
-              <a:tabLst/>
-              <a:defRPr/>
-            </a:pPr>
-            <a:endParaRPr kumimoji="0" lang="en-US" sz="2800" b="1" i="0" u="none" strike="noStrike" kern="0" cap="none" spc="0" normalizeH="0" baseline="0" noProof="0" dirty="0" smtClean="0">
-              <a:ln>
-                <a:noFill/>
-              </a:ln>
-              <a:solidFill>
-                <a:schemeClr val="tx1"/>
-              </a:solidFill>
-              <a:effectLst/>
-              <a:uLnTx/>
-              <a:uFillTx/>
-              <a:latin typeface="+mn-lt"/>
-              <a:ea typeface="+mn-ea"/>
-              <a:cs typeface="+mn-cs"/>
-            </a:endParaRPr>
-          </a:p>
-        </p:txBody>
-      </p:sp>
-    </p:spTree>
-  </p:cSld>
-  <p:clrMapOvr>
-    <a:masterClrMapping/>
-  </p:clrMapOvr>
-  <p:timing>
-    <p:tnLst>
-      <p:par>
-        <p:cTn id="1" dur="indefinite" restart="never" nodeType="tmRoot"/>
-      </p:par>
-    </p:tnLst>
-  </p:timing>
-</p:sld>
-</file>
-
-<file path=ppt/slides/slide20.xml><?xml version="1.0" encoding="utf-8"?>
+<file path=ppt/slides/slide21.xml><?xml version="1.0" encoding="utf-8"?>
 <p:sld xmlns:a="http://schemas.openxmlformats.org/drawingml/2006/main" xmlns:r="http://schemas.openxmlformats.org/officeDocument/2006/relationships" xmlns:p="http://schemas.openxmlformats.org/presentationml/2006/main">
   <p:cSld>
     <p:spTree>
@@ -18011,7 +18858,7 @@
 </p:sld>
 </file>
 
-<file path=ppt/slides/slide21.xml><?xml version="1.0" encoding="utf-8"?>
+<file path=ppt/slides/slide22.xml><?xml version="1.0" encoding="utf-8"?>
 <p:sld xmlns:a="http://schemas.openxmlformats.org/drawingml/2006/main" xmlns:r="http://schemas.openxmlformats.org/officeDocument/2006/relationships" xmlns:p="http://schemas.openxmlformats.org/presentationml/2006/main">
   <p:cSld>
     <p:spTree>
@@ -18432,7 +19279,7 @@
 </p:sld>
 </file>
 
-<file path=ppt/slides/slide22.xml><?xml version="1.0" encoding="utf-8"?>
+<file path=ppt/slides/slide23.xml><?xml version="1.0" encoding="utf-8"?>
 <p:sld xmlns:a="http://schemas.openxmlformats.org/drawingml/2006/main" xmlns:r="http://schemas.openxmlformats.org/officeDocument/2006/relationships" xmlns:p="http://schemas.openxmlformats.org/presentationml/2006/main">
   <p:cSld>
     <p:spTree>
@@ -19422,7 +20269,7 @@
 </p:sld>
 </file>
 
-<file path=ppt/slides/slide23.xml><?xml version="1.0" encoding="utf-8"?>
+<file path=ppt/slides/slide24.xml><?xml version="1.0" encoding="utf-8"?>
 <p:sld xmlns:a="http://schemas.openxmlformats.org/drawingml/2006/main" xmlns:r="http://schemas.openxmlformats.org/officeDocument/2006/relationships" xmlns:p="http://schemas.openxmlformats.org/presentationml/2006/main">
   <p:cSld>
     <p:spTree>
@@ -20402,7 +21249,7 @@
 </p:sld>
 </file>
 
-<file path=ppt/slides/slide24.xml><?xml version="1.0" encoding="utf-8"?>
+<file path=ppt/slides/slide25.xml><?xml version="1.0" encoding="utf-8"?>
 <p:sld xmlns:a="http://schemas.openxmlformats.org/drawingml/2006/main" xmlns:r="http://schemas.openxmlformats.org/officeDocument/2006/relationships" xmlns:p="http://schemas.openxmlformats.org/presentationml/2006/main">
   <p:cSld>
     <p:spTree>
@@ -20935,220 +21782,6 @@
 </p:sld>
 </file>
 
-<file path=ppt/slides/slide25.xml><?xml version="1.0" encoding="utf-8"?>
-<p:sld xmlns:a="http://schemas.openxmlformats.org/drawingml/2006/main" xmlns:r="http://schemas.openxmlformats.org/officeDocument/2006/relationships" xmlns:p="http://schemas.openxmlformats.org/presentationml/2006/main">
-  <p:cSld>
-    <p:spTree>
-      <p:nvGrpSpPr>
-        <p:cNvPr id="1" name=""/>
-        <p:cNvGrpSpPr/>
-        <p:nvPr/>
-      </p:nvGrpSpPr>
-      <p:grpSpPr>
-        <a:xfrm>
-          <a:off x="0" y="0"/>
-          <a:ext cx="0" cy="0"/>
-          <a:chOff x="0" y="0"/>
-          <a:chExt cx="0" cy="0"/>
-        </a:xfrm>
-      </p:grpSpPr>
-      <p:sp>
-        <p:nvSpPr>
-          <p:cNvPr id="2" name="Title 1"/>
-          <p:cNvSpPr>
-            <a:spLocks noGrp="1"/>
-          </p:cNvSpPr>
-          <p:nvPr>
-            <p:ph type="title"/>
-          </p:nvPr>
-        </p:nvSpPr>
-        <p:spPr/>
-        <p:txBody>
-          <a:bodyPr/>
-          <a:lstStyle/>
-          <a:p>
-            <a:r>
-              <a:rPr lang="en-US" dirty="0" smtClean="0"/>
-              <a:t>_NSEL_LOC.mac </a:t>
-            </a:r>
-            <a:r>
-              <a:rPr lang="en-US" dirty="0" smtClean="0">
-                <a:sym typeface="Wingdings" pitchFamily="2" charset="2"/>
-              </a:rPr>
-              <a:t> Select Node By </a:t>
-            </a:r>
-            <a:r>
-              <a:rPr lang="en-US" dirty="0" err="1" smtClean="0">
-                <a:sym typeface="Wingdings" pitchFamily="2" charset="2"/>
-              </a:rPr>
-              <a:t>Loacation</a:t>
-            </a:r>
-            <a:endParaRPr lang="en-US" dirty="0"/>
-          </a:p>
-        </p:txBody>
-      </p:sp>
-      <p:sp>
-        <p:nvSpPr>
-          <p:cNvPr id="3" name="TextBox 2"/>
-          <p:cNvSpPr txBox="1"/>
-          <p:nvPr/>
-        </p:nvSpPr>
-        <p:spPr>
-          <a:xfrm>
-            <a:off x="0" y="879895"/>
-            <a:ext cx="9144000" cy="923330"/>
-          </a:xfrm>
-          <a:prstGeom prst="rect">
-            <a:avLst/>
-          </a:prstGeom>
-          <a:noFill/>
-        </p:spPr>
-        <p:txBody>
-          <a:bodyPr wrap="square" rtlCol="0">
-            <a:spAutoFit/>
-          </a:bodyPr>
-          <a:lstStyle/>
-          <a:p>
-            <a:r>
-              <a:rPr lang="en-US" sz="5400" dirty="0" smtClean="0"/>
-              <a:t>_</a:t>
-            </a:r>
-            <a:r>
-              <a:rPr lang="en-US" sz="5400" dirty="0" err="1" smtClean="0"/>
-              <a:t>NSEL_LOC</a:t>
-            </a:r>
-            <a:r>
-              <a:rPr lang="en-US" sz="5400" dirty="0" smtClean="0"/>
-              <a:t>,</a:t>
-            </a:r>
-            <a:r>
-              <a:rPr lang="en-US" sz="2000" dirty="0" smtClean="0"/>
-              <a:t> &lt;x&gt;,&lt;y&gt;,&lt;z&gt;,&lt;tolerance&gt;</a:t>
-            </a:r>
-            <a:endParaRPr lang="en-US" sz="5400" dirty="0"/>
-          </a:p>
-        </p:txBody>
-      </p:sp>
-      <p:sp>
-        <p:nvSpPr>
-          <p:cNvPr id="4" name="TextBox 3"/>
-          <p:cNvSpPr txBox="1"/>
-          <p:nvPr/>
-        </p:nvSpPr>
-        <p:spPr>
-          <a:xfrm>
-            <a:off x="4226944" y="845389"/>
-            <a:ext cx="4917056" cy="338554"/>
-          </a:xfrm>
-          <a:prstGeom prst="rect">
-            <a:avLst/>
-          </a:prstGeom>
-          <a:noFill/>
-        </p:spPr>
-        <p:txBody>
-          <a:bodyPr wrap="square" rtlCol="0">
-            <a:spAutoFit/>
-          </a:bodyPr>
-          <a:lstStyle/>
-          <a:p>
-            <a:pPr algn="r"/>
-            <a:r>
-              <a:rPr lang="en-US" sz="1600" dirty="0" smtClean="0"/>
-              <a:t>“Think: </a:t>
-            </a:r>
-            <a:r>
-              <a:rPr lang="en-US" sz="1600" dirty="0" smtClean="0">
-                <a:solidFill>
-                  <a:schemeClr val="accent6">
-                    <a:lumMod val="75000"/>
-                  </a:schemeClr>
-                </a:solidFill>
-              </a:rPr>
-              <a:t>_N</a:t>
-            </a:r>
-            <a:r>
-              <a:rPr lang="en-US" sz="1600" dirty="0" smtClean="0"/>
-              <a:t>ode </a:t>
-            </a:r>
-            <a:r>
-              <a:rPr lang="en-US" sz="1600" dirty="0" smtClean="0">
-                <a:solidFill>
-                  <a:schemeClr val="accent6">
-                    <a:lumMod val="75000"/>
-                  </a:schemeClr>
-                </a:solidFill>
-              </a:rPr>
-              <a:t>Sel</a:t>
-            </a:r>
-            <a:r>
-              <a:rPr lang="en-US" sz="1600" dirty="0" smtClean="0"/>
-              <a:t>ect by </a:t>
-            </a:r>
-            <a:r>
-              <a:rPr lang="en-US" sz="1600" dirty="0" smtClean="0">
-                <a:solidFill>
-                  <a:schemeClr val="accent6">
-                    <a:lumMod val="75000"/>
-                  </a:schemeClr>
-                </a:solidFill>
-              </a:rPr>
-              <a:t>Loc</a:t>
-            </a:r>
-            <a:r>
-              <a:rPr lang="en-US" sz="1600" dirty="0" smtClean="0"/>
-              <a:t>ation”</a:t>
-            </a:r>
-            <a:endParaRPr lang="en-US" sz="1600" dirty="0"/>
-          </a:p>
-        </p:txBody>
-      </p:sp>
-      <p:sp>
-        <p:nvSpPr>
-          <p:cNvPr id="5" name="TextBox 4"/>
-          <p:cNvSpPr txBox="1"/>
-          <p:nvPr/>
-        </p:nvSpPr>
-        <p:spPr>
-          <a:xfrm>
-            <a:off x="308344" y="1850065"/>
-            <a:ext cx="8484782" cy="307777"/>
-          </a:xfrm>
-          <a:prstGeom prst="rect">
-            <a:avLst/>
-          </a:prstGeom>
-          <a:noFill/>
-          <a:ln>
-            <a:noFill/>
-          </a:ln>
-        </p:spPr>
-        <p:txBody>
-          <a:bodyPr wrap="square" rtlCol="0">
-            <a:spAutoFit/>
-          </a:bodyPr>
-          <a:lstStyle/>
-          <a:p>
-            <a:r>
-              <a:rPr lang="en-US" sz="1400" dirty="0" smtClean="0"/>
-              <a:t>Select Node based on location. Useful for macros, </a:t>
-            </a:r>
-          </a:p>
-        </p:txBody>
-      </p:sp>
-    </p:spTree>
-  </p:cSld>
-  <p:clrMapOvr>
-    <a:masterClrMapping/>
-  </p:clrMapOvr>
-  <p:timing>
-    <p:tnLst>
-      <p:par>
-        <p:cTn id="1" dur="indefinite" restart="never" nodeType="tmRoot"/>
-      </p:par>
-    </p:tnLst>
-  </p:timing>
-</p:sld>
-</file>
-
 <file path=ppt/slides/slide26.xml><?xml version="1.0" encoding="utf-8"?>
 <p:sld xmlns:a="http://schemas.openxmlformats.org/drawingml/2006/main" xmlns:r="http://schemas.openxmlformats.org/officeDocument/2006/relationships" xmlns:p="http://schemas.openxmlformats.org/presentationml/2006/main">
   <p:cSld>
@@ -21183,25 +21816,19 @@
           <a:p>
             <a:r>
               <a:rPr lang="en-US" dirty="0" smtClean="0"/>
-              <a:t>_NUMCMP.mac</a:t>
+              <a:t>_NSEL_LOC.mac </a:t>
             </a:r>
             <a:r>
               <a:rPr lang="en-US" dirty="0" smtClean="0">
                 <a:sym typeface="Wingdings" pitchFamily="2" charset="2"/>
               </a:rPr>
-              <a:t> like </a:t>
+              <a:t> Select Node By </a:t>
             </a:r>
             <a:r>
               <a:rPr lang="en-US" dirty="0" err="1" smtClean="0">
                 <a:sym typeface="Wingdings" pitchFamily="2" charset="2"/>
               </a:rPr>
-              <a:t>numcmp</a:t>
-            </a:r>
-            <a:r>
-              <a:rPr lang="en-US" dirty="0" smtClean="0">
-                <a:sym typeface="Wingdings" pitchFamily="2" charset="2"/>
-              </a:rPr>
-              <a:t> but better</a:t>
+              <a:t>Loacation</a:t>
             </a:r>
             <a:endParaRPr lang="en-US" dirty="0"/>
           </a:p>
@@ -21235,7 +21862,7 @@
             </a:r>
             <a:r>
               <a:rPr lang="en-US" sz="5400" dirty="0" err="1" smtClean="0"/>
-              <a:t>NUMCMP</a:t>
+              <a:t>NSEL_LOC</a:t>
             </a:r>
             <a:r>
               <a:rPr lang="en-US" sz="5400" dirty="0" smtClean="0"/>
@@ -21243,7 +21870,7 @@
             </a:r>
             <a:r>
               <a:rPr lang="en-US" sz="2000" dirty="0" smtClean="0"/>
-              <a:t> &lt;what else?&gt;</a:t>
+              <a:t> &lt;x&gt;,&lt;y&gt;,&lt;z&gt;,&lt;tolerance&gt;</a:t>
             </a:r>
             <a:endParaRPr lang="en-US" sz="5400" dirty="0"/>
           </a:p>
@@ -21284,11 +21911,11 @@
                   </a:schemeClr>
                 </a:solidFill>
               </a:rPr>
-              <a:t>_Num</a:t>
+              <a:t>_N</a:t>
             </a:r>
             <a:r>
               <a:rPr lang="en-US" sz="1600" dirty="0" smtClean="0"/>
-              <a:t>bers </a:t>
+              <a:t>ode </a:t>
             </a:r>
             <a:r>
               <a:rPr lang="en-US" sz="1600" dirty="0" smtClean="0">
@@ -21298,11 +21925,11 @@
                   </a:schemeClr>
                 </a:solidFill>
               </a:rPr>
-              <a:t>C</a:t>
+              <a:t>Sel</a:t>
             </a:r>
             <a:r>
               <a:rPr lang="en-US" sz="1600" dirty="0" smtClean="0"/>
-              <a:t>o</a:t>
+              <a:t>ect by </a:t>
             </a:r>
             <a:r>
               <a:rPr lang="en-US" sz="1600" dirty="0" smtClean="0">
@@ -21312,11 +21939,11 @@
                   </a:schemeClr>
                 </a:solidFill>
               </a:rPr>
-              <a:t>mp</a:t>
+              <a:t>Loc</a:t>
             </a:r>
             <a:r>
               <a:rPr lang="en-US" sz="1600" dirty="0" smtClean="0"/>
-              <a:t>ress”</a:t>
+              <a:t>ation”</a:t>
             </a:r>
             <a:endParaRPr lang="en-US" sz="1600" dirty="0"/>
           </a:p>
@@ -21331,7 +21958,7 @@
         <p:spPr>
           <a:xfrm>
             <a:off x="308344" y="1850065"/>
-            <a:ext cx="8484782" cy="338554"/>
+            <a:ext cx="8484782" cy="307777"/>
           </a:xfrm>
           <a:prstGeom prst="rect">
             <a:avLst/>
@@ -21348,249 +21975,9 @@
           <a:lstStyle/>
           <a:p>
             <a:r>
-              <a:rPr lang="en-US" sz="1600" dirty="0" smtClean="0"/>
-              <a:t>Compresses numbers assigned to </a:t>
-            </a:r>
-            <a:r>
-              <a:rPr lang="en-US" sz="1600" dirty="0" err="1" smtClean="0"/>
-              <a:t>keypoints</a:t>
-            </a:r>
-            <a:r>
-              <a:rPr lang="en-US" sz="1600" dirty="0" smtClean="0"/>
-              <a:t>, lines, areas and volumes back to zero </a:t>
-            </a:r>
-          </a:p>
-        </p:txBody>
-      </p:sp>
-      <p:sp>
-        <p:nvSpPr>
-          <p:cNvPr id="6" name="TextBox 5"/>
-          <p:cNvSpPr txBox="1"/>
-          <p:nvPr/>
-        </p:nvSpPr>
-        <p:spPr>
-          <a:xfrm>
-            <a:off x="297711" y="2413585"/>
-            <a:ext cx="8846289" cy="523220"/>
-          </a:xfrm>
-          <a:prstGeom prst="rect">
-            <a:avLst/>
-          </a:prstGeom>
-          <a:noFill/>
-          <a:ln>
-            <a:noFill/>
-          </a:ln>
-        </p:spPr>
-        <p:txBody>
-          <a:bodyPr wrap="square" rtlCol="0">
-            <a:spAutoFit/>
-          </a:bodyPr>
-          <a:lstStyle/>
-          <a:p>
-            <a:r>
               <a:rPr lang="en-US" sz="1400" dirty="0" smtClean="0"/>
-              <a:t>ARG1 = 1 </a:t>
-            </a:r>
-            <a:r>
-              <a:rPr lang="en-US" sz="1400" dirty="0" smtClean="0">
-                <a:sym typeface="Wingdings" pitchFamily="2" charset="2"/>
-              </a:rPr>
-              <a:t> Nodes and Elements Compressed as well</a:t>
-            </a:r>
-          </a:p>
-          <a:p>
-            <a:r>
-              <a:rPr lang="en-US" sz="1400" dirty="0" smtClean="0">
-                <a:sym typeface="Wingdings" pitchFamily="2" charset="2"/>
-              </a:rPr>
-              <a:t>ARG1 = 2  </a:t>
-            </a:r>
-            <a:r>
-              <a:rPr lang="en-US" sz="1400" dirty="0" err="1" smtClean="0">
-                <a:sym typeface="Wingdings" pitchFamily="2" charset="2"/>
-              </a:rPr>
-              <a:t>Keypoings</a:t>
-            </a:r>
-            <a:r>
-              <a:rPr lang="en-US" sz="1400" dirty="0" smtClean="0">
-                <a:sym typeface="Wingdings" pitchFamily="2" charset="2"/>
-              </a:rPr>
-              <a:t>, lines, areas, nodes, elements, materials, type and </a:t>
-            </a:r>
-            <a:r>
-              <a:rPr lang="en-US" sz="1400" dirty="0" err="1" smtClean="0">
-                <a:sym typeface="Wingdings" pitchFamily="2" charset="2"/>
-              </a:rPr>
-              <a:t>reall</a:t>
-            </a:r>
-            <a:r>
-              <a:rPr lang="en-US" sz="1400" dirty="0" smtClean="0">
-                <a:sym typeface="Wingdings" pitchFamily="2" charset="2"/>
-              </a:rPr>
-              <a:t> all compressed</a:t>
-            </a:r>
-            <a:endParaRPr lang="en-US" sz="1400" dirty="0" smtClean="0"/>
-          </a:p>
-        </p:txBody>
-      </p:sp>
-      <p:sp>
-        <p:nvSpPr>
-          <p:cNvPr id="8" name="TextBox 7"/>
-          <p:cNvSpPr txBox="1"/>
-          <p:nvPr/>
-        </p:nvSpPr>
-        <p:spPr>
-          <a:xfrm>
-            <a:off x="3763926" y="3157864"/>
-            <a:ext cx="1446030" cy="307777"/>
-          </a:xfrm>
-          <a:prstGeom prst="rect">
-            <a:avLst/>
-          </a:prstGeom>
-          <a:solidFill>
-            <a:schemeClr val="tx1"/>
-          </a:solidFill>
-          <a:ln>
-            <a:noFill/>
-          </a:ln>
-        </p:spPr>
-        <p:txBody>
-          <a:bodyPr wrap="square" rtlCol="0">
-            <a:spAutoFit/>
-          </a:bodyPr>
-          <a:lstStyle/>
-          <a:p>
-            <a:pPr algn="ctr"/>
-            <a:r>
-              <a:rPr lang="en-US" sz="1400" b="1" dirty="0" smtClean="0">
-                <a:solidFill>
-                  <a:schemeClr val="accent6">
-                    <a:lumMod val="75000"/>
-                  </a:schemeClr>
-                </a:solidFill>
-              </a:rPr>
-              <a:t>_NUMCMP,</a:t>
-            </a:r>
-            <a:r>
-              <a:rPr lang="en-US" sz="1400" b="1" dirty="0" smtClean="0">
-                <a:solidFill>
-                  <a:schemeClr val="bg1"/>
-                </a:solidFill>
-              </a:rPr>
-              <a:t>1</a:t>
-            </a:r>
-          </a:p>
-        </p:txBody>
-      </p:sp>
-      <p:pic>
-        <p:nvPicPr>
-          <p:cNvPr id="2051" name="Picture 3"/>
-          <p:cNvPicPr>
-            <a:picLocks noChangeAspect="1" noChangeArrowheads="1"/>
-          </p:cNvPicPr>
-          <p:nvPr/>
-        </p:nvPicPr>
-        <p:blipFill>
-          <a:blip r:embed="rId2" cstate="print"/>
-          <a:srcRect/>
-          <a:stretch>
-            <a:fillRect/>
-          </a:stretch>
-        </p:blipFill>
-        <p:spPr bwMode="auto">
-          <a:xfrm>
-            <a:off x="5327910" y="3192198"/>
-            <a:ext cx="3400425" cy="1047750"/>
-          </a:xfrm>
-          <a:prstGeom prst="rect">
-            <a:avLst/>
-          </a:prstGeom>
-          <a:noFill/>
-          <a:ln w="9525">
-            <a:noFill/>
-            <a:miter lim="800000"/>
-            <a:headEnd/>
-            <a:tailEnd/>
-          </a:ln>
-        </p:spPr>
-      </p:pic>
-      <p:pic>
-        <p:nvPicPr>
-          <p:cNvPr id="2052" name="Picture 4"/>
-          <p:cNvPicPr>
-            <a:picLocks noChangeAspect="1" noChangeArrowheads="1"/>
-          </p:cNvPicPr>
-          <p:nvPr/>
-        </p:nvPicPr>
-        <p:blipFill>
-          <a:blip r:embed="rId3" cstate="print"/>
-          <a:srcRect/>
-          <a:stretch>
-            <a:fillRect/>
-          </a:stretch>
-        </p:blipFill>
-        <p:spPr bwMode="auto">
-          <a:xfrm>
-            <a:off x="283314" y="3078568"/>
-            <a:ext cx="3409950" cy="1104900"/>
-          </a:xfrm>
-          <a:prstGeom prst="rect">
-            <a:avLst/>
-          </a:prstGeom>
-          <a:noFill/>
-          <a:ln w="9525">
-            <a:noFill/>
-            <a:miter lim="800000"/>
-            <a:headEnd/>
-            <a:tailEnd/>
-          </a:ln>
-        </p:spPr>
-      </p:pic>
-      <p:sp>
-        <p:nvSpPr>
-          <p:cNvPr id="11" name="Right Arrow 10"/>
-          <p:cNvSpPr/>
-          <p:nvPr/>
-        </p:nvSpPr>
-        <p:spPr>
-          <a:xfrm>
-            <a:off x="4136066" y="3753286"/>
-            <a:ext cx="637953" cy="414670"/>
-          </a:xfrm>
-          <a:prstGeom prst="rightArrow">
-            <a:avLst/>
-          </a:prstGeom>
-          <a:solidFill>
-            <a:srgbClr val="FF0000"/>
-          </a:solidFill>
-          <a:ln>
-            <a:solidFill>
-              <a:srgbClr val="C00000"/>
-            </a:solidFill>
-          </a:ln>
-        </p:spPr>
-        <p:style>
-          <a:lnRef idx="2">
-            <a:schemeClr val="accent1">
-              <a:shade val="50000"/>
-            </a:schemeClr>
-          </a:lnRef>
-          <a:fillRef idx="1">
-            <a:schemeClr val="accent1"/>
-          </a:fillRef>
-          <a:effectRef idx="0">
-            <a:schemeClr val="accent1"/>
-          </a:effectRef>
-          <a:fontRef idx="minor">
-            <a:schemeClr val="lt1"/>
-          </a:fontRef>
-        </p:style>
-        <p:txBody>
-          <a:bodyPr rtlCol="0" anchor="ctr"/>
-          <a:lstStyle/>
-          <a:p>
-            <a:pPr algn="ctr"/>
-            <a:endParaRPr lang="en-US"/>
+              <a:t>Select Node based on location. Useful for macros, </a:t>
+            </a:r>
           </a:p>
         </p:txBody>
       </p:sp>
@@ -21643,13 +22030,25 @@
           <a:p>
             <a:r>
               <a:rPr lang="en-US" dirty="0" smtClean="0"/>
-              <a:t>_NUMMRG.mac </a:t>
+              <a:t>_NUMCMP.mac</a:t>
             </a:r>
             <a:r>
               <a:rPr lang="en-US" dirty="0" smtClean="0">
                 <a:sym typeface="Wingdings" pitchFamily="2" charset="2"/>
               </a:rPr>
-              <a:t> Merge Like You Mean It.</a:t>
+              <a:t> like </a:t>
+            </a:r>
+            <a:r>
+              <a:rPr lang="en-US" dirty="0" err="1" smtClean="0">
+                <a:sym typeface="Wingdings" pitchFamily="2" charset="2"/>
+              </a:rPr>
+              <a:t>numcmp</a:t>
+            </a:r>
+            <a:r>
+              <a:rPr lang="en-US" dirty="0" smtClean="0">
+                <a:sym typeface="Wingdings" pitchFamily="2" charset="2"/>
+              </a:rPr>
+              <a:t> but better</a:t>
             </a:r>
             <a:endParaRPr lang="en-US" dirty="0"/>
           </a:p>
@@ -21683,7 +22082,7 @@
             </a:r>
             <a:r>
               <a:rPr lang="en-US" sz="5400" dirty="0" err="1" smtClean="0"/>
-              <a:t>NUMMRG</a:t>
+              <a:t>NUMCMP</a:t>
             </a:r>
             <a:r>
               <a:rPr lang="en-US" sz="5400" dirty="0" smtClean="0"/>
@@ -21691,15 +22090,7 @@
             </a:r>
             <a:r>
               <a:rPr lang="en-US" sz="2000" dirty="0" smtClean="0"/>
-              <a:t> &lt;</a:t>
-            </a:r>
-            <a:r>
-              <a:rPr lang="en-US" sz="2000" dirty="0" err="1" smtClean="0"/>
-              <a:t>Tolarance</a:t>
-            </a:r>
-            <a:r>
-              <a:rPr lang="en-US" sz="2000" dirty="0" smtClean="0"/>
-              <a:t>&gt;, &lt;Retain High Number?&gt;</a:t>
+              <a:t> &lt;what else?&gt;</a:t>
             </a:r>
             <a:endParaRPr lang="en-US" sz="5400" dirty="0"/>
           </a:p>
@@ -21786,8 +22177,8 @@
         </p:nvSpPr>
         <p:spPr>
           <a:xfrm>
-            <a:off x="318977" y="1807535"/>
-            <a:ext cx="8463516" cy="307777"/>
+            <a:off x="308344" y="1850065"/>
+            <a:ext cx="8484782" cy="338554"/>
           </a:xfrm>
           <a:prstGeom prst="rect">
             <a:avLst/>
@@ -21804,33 +22195,249 @@
           <a:lstStyle/>
           <a:p>
             <a:r>
+              <a:rPr lang="en-US" sz="1600" dirty="0" smtClean="0"/>
+              <a:t>Compresses numbers assigned to </a:t>
+            </a:r>
+            <a:r>
+              <a:rPr lang="en-US" sz="1600" dirty="0" err="1" smtClean="0"/>
+              <a:t>keypoints</a:t>
+            </a:r>
+            <a:r>
+              <a:rPr lang="en-US" sz="1600" dirty="0" smtClean="0"/>
+              <a:t>, lines, areas and volumes back to zero </a:t>
+            </a:r>
+          </a:p>
+        </p:txBody>
+      </p:sp>
+      <p:sp>
+        <p:nvSpPr>
+          <p:cNvPr id="6" name="TextBox 5"/>
+          <p:cNvSpPr txBox="1"/>
+          <p:nvPr/>
+        </p:nvSpPr>
+        <p:spPr>
+          <a:xfrm>
+            <a:off x="297711" y="2413585"/>
+            <a:ext cx="8846289" cy="523220"/>
+          </a:xfrm>
+          <a:prstGeom prst="rect">
+            <a:avLst/>
+          </a:prstGeom>
+          <a:noFill/>
+          <a:ln>
+            <a:noFill/>
+          </a:ln>
+        </p:spPr>
+        <p:txBody>
+          <a:bodyPr wrap="square" rtlCol="0">
+            <a:spAutoFit/>
+          </a:bodyPr>
+          <a:lstStyle/>
+          <a:p>
+            <a:r>
               <a:rPr lang="en-US" sz="1400" dirty="0" smtClean="0"/>
-              <a:t>Merges nodes </a:t>
-            </a:r>
-            <a:r>
-              <a:rPr lang="en-US" sz="1400" b="1" dirty="0" smtClean="0"/>
-              <a:t>AND</a:t>
-            </a:r>
-            <a:r>
-              <a:rPr lang="en-US" sz="1400" dirty="0" smtClean="0"/>
-              <a:t> </a:t>
-            </a:r>
-            <a:r>
-              <a:rPr lang="en-US" sz="1400" dirty="0" err="1" smtClean="0"/>
-              <a:t>keypoints</a:t>
-            </a:r>
-            <a:r>
-              <a:rPr lang="en-US" sz="1400" dirty="0" smtClean="0"/>
-              <a:t>. Repeats several times, you will </a:t>
-            </a:r>
-            <a:r>
-              <a:rPr lang="en-US" sz="1400" dirty="0" err="1" smtClean="0"/>
-              <a:t>ushaly</a:t>
-            </a:r>
-            <a:r>
-              <a:rPr lang="en-US" sz="1400" dirty="0" smtClean="0"/>
-              <a:t> see errors.</a:t>
-            </a:r>
+              <a:t>ARG1 = 1 </a:t>
+            </a:r>
+            <a:r>
+              <a:rPr lang="en-US" sz="1400" dirty="0" smtClean="0">
+                <a:sym typeface="Wingdings" pitchFamily="2" charset="2"/>
+              </a:rPr>
+              <a:t> Nodes and Elements Compressed as well</a:t>
+            </a:r>
+          </a:p>
+          <a:p>
+            <a:r>
+              <a:rPr lang="en-US" sz="1400" dirty="0" smtClean="0">
+                <a:sym typeface="Wingdings" pitchFamily="2" charset="2"/>
+              </a:rPr>
+              <a:t>ARG1 = 2  </a:t>
+            </a:r>
+            <a:r>
+              <a:rPr lang="en-US" sz="1400" dirty="0" err="1" smtClean="0">
+                <a:sym typeface="Wingdings" pitchFamily="2" charset="2"/>
+              </a:rPr>
+              <a:t>Keypoings</a:t>
+            </a:r>
+            <a:r>
+              <a:rPr lang="en-US" sz="1400" dirty="0" smtClean="0">
+                <a:sym typeface="Wingdings" pitchFamily="2" charset="2"/>
+              </a:rPr>
+              <a:t>, lines, areas, nodes, elements, materials, type and </a:t>
+            </a:r>
+            <a:r>
+              <a:rPr lang="en-US" sz="1400" dirty="0" err="1" smtClean="0">
+                <a:sym typeface="Wingdings" pitchFamily="2" charset="2"/>
+              </a:rPr>
+              <a:t>reall</a:t>
+            </a:r>
+            <a:r>
+              <a:rPr lang="en-US" sz="1400" dirty="0" smtClean="0">
+                <a:sym typeface="Wingdings" pitchFamily="2" charset="2"/>
+              </a:rPr>
+              <a:t> all compressed</a:t>
+            </a:r>
+            <a:endParaRPr lang="en-US" sz="1400" dirty="0" smtClean="0"/>
+          </a:p>
+        </p:txBody>
+      </p:sp>
+      <p:sp>
+        <p:nvSpPr>
+          <p:cNvPr id="8" name="TextBox 7"/>
+          <p:cNvSpPr txBox="1"/>
+          <p:nvPr/>
+        </p:nvSpPr>
+        <p:spPr>
+          <a:xfrm>
+            <a:off x="3763926" y="3157864"/>
+            <a:ext cx="1446030" cy="307777"/>
+          </a:xfrm>
+          <a:prstGeom prst="rect">
+            <a:avLst/>
+          </a:prstGeom>
+          <a:solidFill>
+            <a:schemeClr val="tx1"/>
+          </a:solidFill>
+          <a:ln>
+            <a:noFill/>
+          </a:ln>
+        </p:spPr>
+        <p:txBody>
+          <a:bodyPr wrap="square" rtlCol="0">
+            <a:spAutoFit/>
+          </a:bodyPr>
+          <a:lstStyle/>
+          <a:p>
+            <a:pPr algn="ctr"/>
+            <a:r>
+              <a:rPr lang="en-US" sz="1400" b="1" dirty="0" smtClean="0">
+                <a:solidFill>
+                  <a:schemeClr val="accent6">
+                    <a:lumMod val="75000"/>
+                  </a:schemeClr>
+                </a:solidFill>
+              </a:rPr>
+              <a:t>_NUMCMP,</a:t>
+            </a:r>
+            <a:r>
+              <a:rPr lang="en-US" sz="1400" b="1" dirty="0" smtClean="0">
+                <a:solidFill>
+                  <a:schemeClr val="bg1"/>
+                </a:solidFill>
+              </a:rPr>
+              <a:t>1</a:t>
+            </a:r>
+          </a:p>
+        </p:txBody>
+      </p:sp>
+      <p:pic>
+        <p:nvPicPr>
+          <p:cNvPr id="2051" name="Picture 3"/>
+          <p:cNvPicPr>
+            <a:picLocks noChangeAspect="1" noChangeArrowheads="1"/>
+          </p:cNvPicPr>
+          <p:nvPr/>
+        </p:nvPicPr>
+        <p:blipFill>
+          <a:blip r:embed="rId2" cstate="print"/>
+          <a:srcRect/>
+          <a:stretch>
+            <a:fillRect/>
+          </a:stretch>
+        </p:blipFill>
+        <p:spPr bwMode="auto">
+          <a:xfrm>
+            <a:off x="5327910" y="3192198"/>
+            <a:ext cx="3400425" cy="1047750"/>
+          </a:xfrm>
+          <a:prstGeom prst="rect">
+            <a:avLst/>
+          </a:prstGeom>
+          <a:noFill/>
+          <a:ln w="9525">
+            <a:noFill/>
+            <a:miter lim="800000"/>
+            <a:headEnd/>
+            <a:tailEnd/>
+          </a:ln>
+        </p:spPr>
+      </p:pic>
+      <p:pic>
+        <p:nvPicPr>
+          <p:cNvPr id="2052" name="Picture 4"/>
+          <p:cNvPicPr>
+            <a:picLocks noChangeAspect="1" noChangeArrowheads="1"/>
+          </p:cNvPicPr>
+          <p:nvPr/>
+        </p:nvPicPr>
+        <p:blipFill>
+          <a:blip r:embed="rId3" cstate="print"/>
+          <a:srcRect/>
+          <a:stretch>
+            <a:fillRect/>
+          </a:stretch>
+        </p:blipFill>
+        <p:spPr bwMode="auto">
+          <a:xfrm>
+            <a:off x="283314" y="3078568"/>
+            <a:ext cx="3409950" cy="1104900"/>
+          </a:xfrm>
+          <a:prstGeom prst="rect">
+            <a:avLst/>
+          </a:prstGeom>
+          <a:noFill/>
+          <a:ln w="9525">
+            <a:noFill/>
+            <a:miter lim="800000"/>
+            <a:headEnd/>
+            <a:tailEnd/>
+          </a:ln>
+        </p:spPr>
+      </p:pic>
+      <p:sp>
+        <p:nvSpPr>
+          <p:cNvPr id="11" name="Right Arrow 10"/>
+          <p:cNvSpPr/>
+          <p:nvPr/>
+        </p:nvSpPr>
+        <p:spPr>
+          <a:xfrm>
+            <a:off x="4136066" y="3753286"/>
+            <a:ext cx="637953" cy="414670"/>
+          </a:xfrm>
+          <a:prstGeom prst="rightArrow">
+            <a:avLst/>
+          </a:prstGeom>
+          <a:solidFill>
+            <a:srgbClr val="FF0000"/>
+          </a:solidFill>
+          <a:ln>
+            <a:solidFill>
+              <a:srgbClr val="C00000"/>
+            </a:solidFill>
+          </a:ln>
+        </p:spPr>
+        <p:style>
+          <a:lnRef idx="2">
+            <a:schemeClr val="accent1">
+              <a:shade val="50000"/>
+            </a:schemeClr>
+          </a:lnRef>
+          <a:fillRef idx="1">
+            <a:schemeClr val="accent1"/>
+          </a:fillRef>
+          <a:effectRef idx="0">
+            <a:schemeClr val="accent1"/>
+          </a:effectRef>
+          <a:fontRef idx="minor">
+            <a:schemeClr val="lt1"/>
+          </a:fontRef>
+        </p:style>
+        <p:txBody>
+          <a:bodyPr rtlCol="0" anchor="ctr"/>
+          <a:lstStyle/>
+          <a:p>
+            <a:pPr algn="ctr"/>
+            <a:endParaRPr lang="en-US"/>
           </a:p>
         </p:txBody>
       </p:sp>
@@ -21850,6 +22457,246 @@
 </file>
 
 <file path=ppt/slides/slide28.xml><?xml version="1.0" encoding="utf-8"?>
+<p:sld xmlns:a="http://schemas.openxmlformats.org/drawingml/2006/main" xmlns:r="http://schemas.openxmlformats.org/officeDocument/2006/relationships" xmlns:p="http://schemas.openxmlformats.org/presentationml/2006/main">
+  <p:cSld>
+    <p:spTree>
+      <p:nvGrpSpPr>
+        <p:cNvPr id="1" name=""/>
+        <p:cNvGrpSpPr/>
+        <p:nvPr/>
+      </p:nvGrpSpPr>
+      <p:grpSpPr>
+        <a:xfrm>
+          <a:off x="0" y="0"/>
+          <a:ext cx="0" cy="0"/>
+          <a:chOff x="0" y="0"/>
+          <a:chExt cx="0" cy="0"/>
+        </a:xfrm>
+      </p:grpSpPr>
+      <p:sp>
+        <p:nvSpPr>
+          <p:cNvPr id="2" name="Title 1"/>
+          <p:cNvSpPr>
+            <a:spLocks noGrp="1"/>
+          </p:cNvSpPr>
+          <p:nvPr>
+            <p:ph type="title"/>
+          </p:nvPr>
+        </p:nvSpPr>
+        <p:spPr/>
+        <p:txBody>
+          <a:bodyPr/>
+          <a:lstStyle/>
+          <a:p>
+            <a:r>
+              <a:rPr lang="en-US" dirty="0" smtClean="0"/>
+              <a:t>_NUMMRG.mac </a:t>
+            </a:r>
+            <a:r>
+              <a:rPr lang="en-US" dirty="0" smtClean="0">
+                <a:sym typeface="Wingdings" pitchFamily="2" charset="2"/>
+              </a:rPr>
+              <a:t> Merge Like You Mean It.</a:t>
+            </a:r>
+            <a:endParaRPr lang="en-US" dirty="0"/>
+          </a:p>
+        </p:txBody>
+      </p:sp>
+      <p:sp>
+        <p:nvSpPr>
+          <p:cNvPr id="3" name="TextBox 2"/>
+          <p:cNvSpPr txBox="1"/>
+          <p:nvPr/>
+        </p:nvSpPr>
+        <p:spPr>
+          <a:xfrm>
+            <a:off x="0" y="879895"/>
+            <a:ext cx="9144000" cy="923330"/>
+          </a:xfrm>
+          <a:prstGeom prst="rect">
+            <a:avLst/>
+          </a:prstGeom>
+          <a:noFill/>
+        </p:spPr>
+        <p:txBody>
+          <a:bodyPr wrap="square" rtlCol="0">
+            <a:spAutoFit/>
+          </a:bodyPr>
+          <a:lstStyle/>
+          <a:p>
+            <a:r>
+              <a:rPr lang="en-US" sz="5400" dirty="0" smtClean="0"/>
+              <a:t>_</a:t>
+            </a:r>
+            <a:r>
+              <a:rPr lang="en-US" sz="5400" dirty="0" err="1" smtClean="0"/>
+              <a:t>NUMMRG</a:t>
+            </a:r>
+            <a:r>
+              <a:rPr lang="en-US" sz="5400" dirty="0" smtClean="0"/>
+              <a:t>,</a:t>
+            </a:r>
+            <a:r>
+              <a:rPr lang="en-US" sz="2000" dirty="0" smtClean="0"/>
+              <a:t> &lt;</a:t>
+            </a:r>
+            <a:r>
+              <a:rPr lang="en-US" sz="2000" dirty="0" err="1" smtClean="0"/>
+              <a:t>Tolarance</a:t>
+            </a:r>
+            <a:r>
+              <a:rPr lang="en-US" sz="2000" dirty="0" smtClean="0"/>
+              <a:t>&gt;, &lt;Retain High Number?&gt;</a:t>
+            </a:r>
+            <a:endParaRPr lang="en-US" sz="5400" dirty="0"/>
+          </a:p>
+        </p:txBody>
+      </p:sp>
+      <p:sp>
+        <p:nvSpPr>
+          <p:cNvPr id="4" name="TextBox 3"/>
+          <p:cNvSpPr txBox="1"/>
+          <p:nvPr/>
+        </p:nvSpPr>
+        <p:spPr>
+          <a:xfrm>
+            <a:off x="4226944" y="845389"/>
+            <a:ext cx="4917056" cy="338554"/>
+          </a:xfrm>
+          <a:prstGeom prst="rect">
+            <a:avLst/>
+          </a:prstGeom>
+          <a:noFill/>
+        </p:spPr>
+        <p:txBody>
+          <a:bodyPr wrap="square" rtlCol="0">
+            <a:spAutoFit/>
+          </a:bodyPr>
+          <a:lstStyle/>
+          <a:p>
+            <a:pPr algn="r"/>
+            <a:r>
+              <a:rPr lang="en-US" sz="1600" dirty="0" smtClean="0"/>
+              <a:t>“Think: </a:t>
+            </a:r>
+            <a:r>
+              <a:rPr lang="en-US" sz="1600" dirty="0" smtClean="0">
+                <a:solidFill>
+                  <a:schemeClr val="accent6">
+                    <a:lumMod val="75000"/>
+                  </a:schemeClr>
+                </a:solidFill>
+              </a:rPr>
+              <a:t>_Num</a:t>
+            </a:r>
+            <a:r>
+              <a:rPr lang="en-US" sz="1600" dirty="0" smtClean="0"/>
+              <a:t>bers </a:t>
+            </a:r>
+            <a:r>
+              <a:rPr lang="en-US" sz="1600" dirty="0" smtClean="0">
+                <a:solidFill>
+                  <a:schemeClr val="accent6">
+                    <a:lumMod val="75000"/>
+                  </a:schemeClr>
+                </a:solidFill>
+              </a:rPr>
+              <a:t>C</a:t>
+            </a:r>
+            <a:r>
+              <a:rPr lang="en-US" sz="1600" dirty="0" smtClean="0"/>
+              <a:t>o</a:t>
+            </a:r>
+            <a:r>
+              <a:rPr lang="en-US" sz="1600" dirty="0" smtClean="0">
+                <a:solidFill>
+                  <a:schemeClr val="accent6">
+                    <a:lumMod val="75000"/>
+                  </a:schemeClr>
+                </a:solidFill>
+              </a:rPr>
+              <a:t>mp</a:t>
+            </a:r>
+            <a:r>
+              <a:rPr lang="en-US" sz="1600" dirty="0" smtClean="0"/>
+              <a:t>ress”</a:t>
+            </a:r>
+            <a:endParaRPr lang="en-US" sz="1600" dirty="0"/>
+          </a:p>
+        </p:txBody>
+      </p:sp>
+      <p:sp>
+        <p:nvSpPr>
+          <p:cNvPr id="5" name="TextBox 4"/>
+          <p:cNvSpPr txBox="1"/>
+          <p:nvPr/>
+        </p:nvSpPr>
+        <p:spPr>
+          <a:xfrm>
+            <a:off x="318977" y="1807535"/>
+            <a:ext cx="8463516" cy="307777"/>
+          </a:xfrm>
+          <a:prstGeom prst="rect">
+            <a:avLst/>
+          </a:prstGeom>
+          <a:noFill/>
+          <a:ln>
+            <a:noFill/>
+          </a:ln>
+        </p:spPr>
+        <p:txBody>
+          <a:bodyPr wrap="square" rtlCol="0">
+            <a:spAutoFit/>
+          </a:bodyPr>
+          <a:lstStyle/>
+          <a:p>
+            <a:r>
+              <a:rPr lang="en-US" sz="1400" dirty="0" smtClean="0"/>
+              <a:t>Merges nodes </a:t>
+            </a:r>
+            <a:r>
+              <a:rPr lang="en-US" sz="1400" b="1" dirty="0" smtClean="0"/>
+              <a:t>AND</a:t>
+            </a:r>
+            <a:r>
+              <a:rPr lang="en-US" sz="1400" dirty="0" smtClean="0"/>
+              <a:t> </a:t>
+            </a:r>
+            <a:r>
+              <a:rPr lang="en-US" sz="1400" dirty="0" err="1" smtClean="0"/>
+              <a:t>keypoints</a:t>
+            </a:r>
+            <a:r>
+              <a:rPr lang="en-US" sz="1400" dirty="0" smtClean="0"/>
+              <a:t>. Repeats several times, you will </a:t>
+            </a:r>
+            <a:r>
+              <a:rPr lang="en-US" sz="1400" dirty="0" err="1" smtClean="0"/>
+              <a:t>ushaly</a:t>
+            </a:r>
+            <a:r>
+              <a:rPr lang="en-US" sz="1400" dirty="0" smtClean="0"/>
+              <a:t> see errors.</a:t>
+            </a:r>
+          </a:p>
+        </p:txBody>
+      </p:sp>
+    </p:spTree>
+  </p:cSld>
+  <p:clrMapOvr>
+    <a:masterClrMapping/>
+  </p:clrMapOvr>
+  <p:timing>
+    <p:tnLst>
+      <p:par>
+        <p:cTn id="1" dur="indefinite" restart="never" nodeType="tmRoot"/>
+      </p:par>
+    </p:tnLst>
+  </p:timing>
+</p:sld>
+</file>
+
+<file path=ppt/slides/slide29.xml><?xml version="1.0" encoding="utf-8"?>
 <p:sld xmlns:a="http://schemas.openxmlformats.org/drawingml/2006/main" xmlns:r="http://schemas.openxmlformats.org/officeDocument/2006/relationships" xmlns:p="http://schemas.openxmlformats.org/presentationml/2006/main">
   <p:cSld>
     <p:spTree>
@@ -22213,7 +23060,143 @@
 </p:sld>
 </file>
 
-<file path=ppt/slides/slide29.xml><?xml version="1.0" encoding="utf-8"?>
+<file path=ppt/slides/slide3.xml><?xml version="1.0" encoding="utf-8"?>
+<p:sld xmlns:a="http://schemas.openxmlformats.org/drawingml/2006/main" xmlns:r="http://schemas.openxmlformats.org/officeDocument/2006/relationships" xmlns:p="http://schemas.openxmlformats.org/presentationml/2006/main">
+  <p:cSld>
+    <p:spTree>
+      <p:nvGrpSpPr>
+        <p:cNvPr id="1" name=""/>
+        <p:cNvGrpSpPr/>
+        <p:nvPr/>
+      </p:nvGrpSpPr>
+      <p:grpSpPr>
+        <a:xfrm>
+          <a:off x="0" y="0"/>
+          <a:ext cx="0" cy="0"/>
+          <a:chOff x="0" y="0"/>
+          <a:chExt cx="0" cy="0"/>
+        </a:xfrm>
+      </p:grpSpPr>
+      <p:sp>
+        <p:nvSpPr>
+          <p:cNvPr id="5122" name="Rectangle 2"/>
+          <p:cNvSpPr>
+            <a:spLocks noGrp="1" noChangeArrowheads="1"/>
+          </p:cNvSpPr>
+          <p:nvPr>
+            <p:ph type="title"/>
+          </p:nvPr>
+        </p:nvSpPr>
+        <p:spPr/>
+        <p:txBody>
+          <a:bodyPr/>
+          <a:lstStyle/>
+          <a:p>
+            <a:pPr eaLnBrk="1" hangingPunct="1"/>
+            <a:r>
+              <a:rPr lang="en-US" smtClean="0"/>
+              <a:t>What Are ANSYS Macros</a:t>
+            </a:r>
+          </a:p>
+        </p:txBody>
+      </p:sp>
+      <p:sp>
+        <p:nvSpPr>
+          <p:cNvPr id="5123" name="Rectangle 3"/>
+          <p:cNvSpPr>
+            <a:spLocks noGrp="1" noChangeArrowheads="1"/>
+          </p:cNvSpPr>
+          <p:nvPr>
+            <p:ph type="body" idx="1"/>
+          </p:nvPr>
+        </p:nvSpPr>
+        <p:spPr>
+          <a:xfrm>
+            <a:off x="457200" y="1600200"/>
+            <a:ext cx="8229600" cy="2590800"/>
+          </a:xfrm>
+        </p:spPr>
+        <p:txBody>
+          <a:bodyPr/>
+          <a:lstStyle/>
+          <a:p>
+            <a:pPr eaLnBrk="1" hangingPunct="1"/>
+            <a:r>
+              <a:rPr lang="en-US" smtClean="0"/>
+              <a:t>Macros can include arguments to add functionality to the macro</a:t>
+            </a:r>
+          </a:p>
+          <a:p>
+            <a:pPr lvl="1" eaLnBrk="1" hangingPunct="1"/>
+            <a:r>
+              <a:rPr lang="en-US" smtClean="0"/>
+              <a:t>For Example: in the BOLT macro below</a:t>
+            </a:r>
+          </a:p>
+          <a:p>
+            <a:pPr lvl="2" eaLnBrk="1" hangingPunct="1"/>
+            <a:r>
+              <a:rPr lang="en-US" smtClean="0"/>
+              <a:t>Argument 1 specifies a .25” bolt diameter</a:t>
+            </a:r>
+          </a:p>
+          <a:p>
+            <a:pPr lvl="2" eaLnBrk="1" hangingPunct="1"/>
+            <a:r>
+              <a:rPr lang="en-US" smtClean="0"/>
+              <a:t>Argument 2 specifies a bolt preload of 2000 lbf</a:t>
+            </a:r>
+          </a:p>
+        </p:txBody>
+      </p:sp>
+      <p:pic>
+        <p:nvPicPr>
+          <p:cNvPr id="5124" name="Picture 5"/>
+          <p:cNvPicPr>
+            <a:picLocks noChangeAspect="1" noChangeArrowheads="1"/>
+          </p:cNvPicPr>
+          <p:nvPr/>
+        </p:nvPicPr>
+        <p:blipFill>
+          <a:blip r:embed="rId2" cstate="print"/>
+          <a:srcRect/>
+          <a:stretch>
+            <a:fillRect/>
+          </a:stretch>
+        </p:blipFill>
+        <p:spPr bwMode="auto">
+          <a:xfrm>
+            <a:off x="1219200" y="4267200"/>
+            <a:ext cx="6934200" cy="1997075"/>
+          </a:xfrm>
+          <a:prstGeom prst="rect">
+            <a:avLst/>
+          </a:prstGeom>
+          <a:noFill/>
+          <a:ln w="9525">
+            <a:noFill/>
+            <a:miter lim="800000"/>
+            <a:headEnd/>
+            <a:tailEnd/>
+          </a:ln>
+        </p:spPr>
+      </p:pic>
+    </p:spTree>
+  </p:cSld>
+  <p:clrMapOvr>
+    <a:masterClrMapping/>
+  </p:clrMapOvr>
+  <p:timing>
+    <p:tnLst>
+      <p:par>
+        <p:cTn id="1" dur="indefinite" restart="never" nodeType="tmRoot"/>
+      </p:par>
+    </p:tnLst>
+  </p:timing>
+</p:sld>
+</file>
+
+<file path=ppt/slides/slide30.xml><?xml version="1.0" encoding="utf-8"?>
 <p:sld xmlns:a="http://schemas.openxmlformats.org/drawingml/2006/main" xmlns:r="http://schemas.openxmlformats.org/officeDocument/2006/relationships" xmlns:p="http://schemas.openxmlformats.org/presentationml/2006/main">
   <p:cSld>
     <p:spTree>
@@ -23001,469 +23984,6 @@
 </p:sld>
 </file>
 
-<file path=ppt/slides/slide3.xml><?xml version="1.0" encoding="utf-8"?>
-<p:sld xmlns:a="http://schemas.openxmlformats.org/drawingml/2006/main" xmlns:r="http://schemas.openxmlformats.org/officeDocument/2006/relationships" xmlns:p="http://schemas.openxmlformats.org/presentationml/2006/main">
-  <p:cSld>
-    <p:spTree>
-      <p:nvGrpSpPr>
-        <p:cNvPr id="1" name=""/>
-        <p:cNvGrpSpPr/>
-        <p:nvPr/>
-      </p:nvGrpSpPr>
-      <p:grpSpPr>
-        <a:xfrm>
-          <a:off x="0" y="0"/>
-          <a:ext cx="0" cy="0"/>
-          <a:chOff x="0" y="0"/>
-          <a:chExt cx="0" cy="0"/>
-        </a:xfrm>
-      </p:grpSpPr>
-      <p:sp>
-        <p:nvSpPr>
-          <p:cNvPr id="5122" name="Rectangle 2"/>
-          <p:cNvSpPr>
-            <a:spLocks noGrp="1" noChangeArrowheads="1"/>
-          </p:cNvSpPr>
-          <p:nvPr>
-            <p:ph type="title"/>
-          </p:nvPr>
-        </p:nvSpPr>
-        <p:spPr/>
-        <p:txBody>
-          <a:bodyPr/>
-          <a:lstStyle/>
-          <a:p>
-            <a:pPr eaLnBrk="1" hangingPunct="1"/>
-            <a:r>
-              <a:rPr lang="en-US" smtClean="0"/>
-              <a:t>What Are ANSYS Macros</a:t>
-            </a:r>
-          </a:p>
-        </p:txBody>
-      </p:sp>
-      <p:sp>
-        <p:nvSpPr>
-          <p:cNvPr id="5123" name="Rectangle 3"/>
-          <p:cNvSpPr>
-            <a:spLocks noGrp="1" noChangeArrowheads="1"/>
-          </p:cNvSpPr>
-          <p:nvPr>
-            <p:ph type="body" idx="1"/>
-          </p:nvPr>
-        </p:nvSpPr>
-        <p:spPr>
-          <a:xfrm>
-            <a:off x="457200" y="1600200"/>
-            <a:ext cx="8229600" cy="2590800"/>
-          </a:xfrm>
-        </p:spPr>
-        <p:txBody>
-          <a:bodyPr/>
-          <a:lstStyle/>
-          <a:p>
-            <a:pPr eaLnBrk="1" hangingPunct="1"/>
-            <a:r>
-              <a:rPr lang="en-US" smtClean="0"/>
-              <a:t>Macros can include arguments to add functionality to the macro</a:t>
-            </a:r>
-          </a:p>
-          <a:p>
-            <a:pPr lvl="1" eaLnBrk="1" hangingPunct="1"/>
-            <a:r>
-              <a:rPr lang="en-US" smtClean="0"/>
-              <a:t>For Example: in the BOLT macro below</a:t>
-            </a:r>
-          </a:p>
-          <a:p>
-            <a:pPr lvl="2" eaLnBrk="1" hangingPunct="1"/>
-            <a:r>
-              <a:rPr lang="en-US" smtClean="0"/>
-              <a:t>Argument 1 specifies a .25” bolt diameter</a:t>
-            </a:r>
-          </a:p>
-          <a:p>
-            <a:pPr lvl="2" eaLnBrk="1" hangingPunct="1"/>
-            <a:r>
-              <a:rPr lang="en-US" smtClean="0"/>
-              <a:t>Argument 2 specifies a bolt preload of 2000 lbf</a:t>
-            </a:r>
-          </a:p>
-        </p:txBody>
-      </p:sp>
-      <p:pic>
-        <p:nvPicPr>
-          <p:cNvPr id="5124" name="Picture 5"/>
-          <p:cNvPicPr>
-            <a:picLocks noChangeAspect="1" noChangeArrowheads="1"/>
-          </p:cNvPicPr>
-          <p:nvPr/>
-        </p:nvPicPr>
-        <p:blipFill>
-          <a:blip r:embed="rId2" cstate="print"/>
-          <a:srcRect/>
-          <a:stretch>
-            <a:fillRect/>
-          </a:stretch>
-        </p:blipFill>
-        <p:spPr bwMode="auto">
-          <a:xfrm>
-            <a:off x="1219200" y="4267200"/>
-            <a:ext cx="6934200" cy="1997075"/>
-          </a:xfrm>
-          <a:prstGeom prst="rect">
-            <a:avLst/>
-          </a:prstGeom>
-          <a:noFill/>
-          <a:ln w="9525">
-            <a:noFill/>
-            <a:miter lim="800000"/>
-            <a:headEnd/>
-            <a:tailEnd/>
-          </a:ln>
-        </p:spPr>
-      </p:pic>
-    </p:spTree>
-  </p:cSld>
-  <p:clrMapOvr>
-    <a:masterClrMapping/>
-  </p:clrMapOvr>
-  <p:timing>
-    <p:tnLst>
-      <p:par>
-        <p:cTn id="1" dur="indefinite" restart="never" nodeType="tmRoot"/>
-      </p:par>
-    </p:tnLst>
-  </p:timing>
-</p:sld>
-</file>
-
-<file path=ppt/slides/slide30.xml><?xml version="1.0" encoding="utf-8"?>
-<p:sld xmlns:a="http://schemas.openxmlformats.org/drawingml/2006/main" xmlns:r="http://schemas.openxmlformats.org/officeDocument/2006/relationships" xmlns:p="http://schemas.openxmlformats.org/presentationml/2006/main">
-  <p:cSld>
-    <p:spTree>
-      <p:nvGrpSpPr>
-        <p:cNvPr id="1" name=""/>
-        <p:cNvGrpSpPr/>
-        <p:nvPr/>
-      </p:nvGrpSpPr>
-      <p:grpSpPr>
-        <a:xfrm>
-          <a:off x="0" y="0"/>
-          <a:ext cx="0" cy="0"/>
-          <a:chOff x="0" y="0"/>
-          <a:chExt cx="0" cy="0"/>
-        </a:xfrm>
-      </p:grpSpPr>
-      <p:sp>
-        <p:nvSpPr>
-          <p:cNvPr id="2" name="Title 1"/>
-          <p:cNvSpPr>
-            <a:spLocks noGrp="1"/>
-          </p:cNvSpPr>
-          <p:nvPr>
-            <p:ph type="title"/>
-          </p:nvPr>
-        </p:nvSpPr>
-        <p:spPr/>
-        <p:txBody>
-          <a:bodyPr/>
-          <a:lstStyle/>
-          <a:p>
-            <a:r>
-              <a:rPr lang="en-US" dirty="0" smtClean="0"/>
-              <a:t>How do these all work together?</a:t>
-            </a:r>
-            <a:endParaRPr lang="en-US" dirty="0"/>
-          </a:p>
-        </p:txBody>
-      </p:sp>
-      <p:pic>
-        <p:nvPicPr>
-          <p:cNvPr id="1026" name="Picture 2"/>
-          <p:cNvPicPr>
-            <a:picLocks noChangeAspect="1" noChangeArrowheads="1"/>
-          </p:cNvPicPr>
-          <p:nvPr/>
-        </p:nvPicPr>
-        <p:blipFill>
-          <a:blip r:embed="rId2" cstate="print"/>
-          <a:srcRect/>
-          <a:stretch>
-            <a:fillRect/>
-          </a:stretch>
-        </p:blipFill>
-        <p:spPr bwMode="auto">
-          <a:xfrm>
-            <a:off x="245545" y="1751383"/>
-            <a:ext cx="2572082" cy="3507385"/>
-          </a:xfrm>
-          <a:prstGeom prst="rect">
-            <a:avLst/>
-          </a:prstGeom>
-          <a:noFill/>
-          <a:ln w="9525">
-            <a:noFill/>
-            <a:miter lim="800000"/>
-            <a:headEnd/>
-            <a:tailEnd/>
-          </a:ln>
-        </p:spPr>
-      </p:pic>
-      <p:sp>
-        <p:nvSpPr>
-          <p:cNvPr id="4" name="TextBox 3"/>
-          <p:cNvSpPr txBox="1"/>
-          <p:nvPr/>
-        </p:nvSpPr>
-        <p:spPr>
-          <a:xfrm>
-            <a:off x="180753" y="946297"/>
-            <a:ext cx="2700670" cy="707886"/>
-          </a:xfrm>
-          <a:prstGeom prst="rect">
-            <a:avLst/>
-          </a:prstGeom>
-          <a:noFill/>
-          <a:ln>
-            <a:noFill/>
-          </a:ln>
-        </p:spPr>
-        <p:txBody>
-          <a:bodyPr wrap="square" rtlCol="0">
-            <a:spAutoFit/>
-          </a:bodyPr>
-          <a:lstStyle/>
-          <a:p>
-            <a:r>
-              <a:rPr lang="en-US" sz="2000" dirty="0" smtClean="0"/>
-              <a:t>Typical Parametric Build Directory</a:t>
-            </a:r>
-          </a:p>
-        </p:txBody>
-      </p:sp>
-      <p:sp>
-        <p:nvSpPr>
-          <p:cNvPr id="5" name="TextBox 4"/>
-          <p:cNvSpPr txBox="1"/>
-          <p:nvPr/>
-        </p:nvSpPr>
-        <p:spPr>
-          <a:xfrm>
-            <a:off x="202019" y="5316279"/>
-            <a:ext cx="2711302" cy="307777"/>
-          </a:xfrm>
-          <a:prstGeom prst="rect">
-            <a:avLst/>
-          </a:prstGeom>
-          <a:ln/>
-        </p:spPr>
-        <p:style>
-          <a:lnRef idx="2">
-            <a:schemeClr val="accent2">
-              <a:shade val="50000"/>
-            </a:schemeClr>
-          </a:lnRef>
-          <a:fillRef idx="1">
-            <a:schemeClr val="accent2"/>
-          </a:fillRef>
-          <a:effectRef idx="0">
-            <a:schemeClr val="accent2"/>
-          </a:effectRef>
-          <a:fontRef idx="minor">
-            <a:schemeClr val="lt1"/>
-          </a:fontRef>
-        </p:style>
-        <p:txBody>
-          <a:bodyPr wrap="square" rtlCol="0">
-            <a:spAutoFit/>
-          </a:bodyPr>
-          <a:lstStyle/>
-          <a:p>
-            <a:r>
-              <a:rPr lang="en-US" sz="1400" dirty="0" smtClean="0"/>
-              <a:t>Modular, Modular, Modular….</a:t>
-            </a:r>
-          </a:p>
-        </p:txBody>
-      </p:sp>
-      <p:sp>
-        <p:nvSpPr>
-          <p:cNvPr id="6" name="Rectangle 5"/>
-          <p:cNvSpPr/>
-          <p:nvPr/>
-        </p:nvSpPr>
-        <p:spPr>
-          <a:xfrm>
-            <a:off x="244549" y="2254102"/>
-            <a:ext cx="1796902" cy="297712"/>
-          </a:xfrm>
-          <a:prstGeom prst="rect">
-            <a:avLst/>
-          </a:prstGeom>
-          <a:noFill/>
-          <a:ln>
-            <a:solidFill>
-              <a:srgbClr val="FF0000"/>
-            </a:solidFill>
-          </a:ln>
-        </p:spPr>
-        <p:style>
-          <a:lnRef idx="2">
-            <a:schemeClr val="accent1">
-              <a:shade val="50000"/>
-            </a:schemeClr>
-          </a:lnRef>
-          <a:fillRef idx="1">
-            <a:schemeClr val="accent1"/>
-          </a:fillRef>
-          <a:effectRef idx="0">
-            <a:schemeClr val="accent1"/>
-          </a:effectRef>
-          <a:fontRef idx="minor">
-            <a:schemeClr val="lt1"/>
-          </a:fontRef>
-        </p:style>
-        <p:txBody>
-          <a:bodyPr rtlCol="0" anchor="ctr"/>
-          <a:lstStyle/>
-          <a:p>
-            <a:pPr algn="ctr"/>
-            <a:endParaRPr lang="en-US"/>
-          </a:p>
-        </p:txBody>
-      </p:sp>
-      <p:sp>
-        <p:nvSpPr>
-          <p:cNvPr id="7" name="Rectangle 6"/>
-          <p:cNvSpPr/>
-          <p:nvPr/>
-        </p:nvSpPr>
-        <p:spPr>
-          <a:xfrm>
-            <a:off x="233916" y="2743200"/>
-            <a:ext cx="1828800" cy="308344"/>
-          </a:xfrm>
-          <a:prstGeom prst="rect">
-            <a:avLst/>
-          </a:prstGeom>
-          <a:noFill/>
-          <a:ln>
-            <a:solidFill>
-              <a:srgbClr val="FF0000"/>
-            </a:solidFill>
-          </a:ln>
-        </p:spPr>
-        <p:style>
-          <a:lnRef idx="2">
-            <a:schemeClr val="accent1">
-              <a:shade val="50000"/>
-            </a:schemeClr>
-          </a:lnRef>
-          <a:fillRef idx="1">
-            <a:schemeClr val="accent1"/>
-          </a:fillRef>
-          <a:effectRef idx="0">
-            <a:schemeClr val="accent1"/>
-          </a:effectRef>
-          <a:fontRef idx="minor">
-            <a:schemeClr val="lt1"/>
-          </a:fontRef>
-        </p:style>
-        <p:txBody>
-          <a:bodyPr rtlCol="0" anchor="ctr"/>
-          <a:lstStyle/>
-          <a:p>
-            <a:pPr algn="ctr"/>
-            <a:endParaRPr lang="en-US"/>
-          </a:p>
-        </p:txBody>
-      </p:sp>
-      <p:pic>
-        <p:nvPicPr>
-          <p:cNvPr id="2051" name="Picture 3"/>
-          <p:cNvPicPr>
-            <a:picLocks noChangeAspect="1" noChangeArrowheads="1"/>
-          </p:cNvPicPr>
-          <p:nvPr/>
-        </p:nvPicPr>
-        <p:blipFill>
-          <a:blip r:embed="rId3" cstate="print"/>
-          <a:srcRect/>
-          <a:stretch>
-            <a:fillRect/>
-          </a:stretch>
-        </p:blipFill>
-        <p:spPr bwMode="auto">
-          <a:xfrm>
-            <a:off x="3985547" y="935081"/>
-            <a:ext cx="4424805" cy="5837855"/>
-          </a:xfrm>
-          <a:prstGeom prst="rect">
-            <a:avLst/>
-          </a:prstGeom>
-          <a:noFill/>
-          <a:ln w="9525">
-            <a:noFill/>
-            <a:miter lim="800000"/>
-            <a:headEnd/>
-            <a:tailEnd/>
-          </a:ln>
-        </p:spPr>
-      </p:pic>
-      <p:cxnSp>
-        <p:nvCxnSpPr>
-          <p:cNvPr id="16" name="Straight Arrow Connector 15"/>
-          <p:cNvCxnSpPr>
-            <a:stCxn id="7" idx="3"/>
-            <a:endCxn id="2051" idx="1"/>
-          </p:cNvCxnSpPr>
-          <p:nvPr/>
-        </p:nvCxnSpPr>
-        <p:spPr>
-          <a:xfrm>
-            <a:off x="2062716" y="2897372"/>
-            <a:ext cx="1922831" cy="956637"/>
-          </a:xfrm>
-          <a:prstGeom prst="straightConnector1">
-            <a:avLst/>
-          </a:prstGeom>
-          <a:ln w="41275">
-            <a:solidFill>
-              <a:srgbClr val="FF0000"/>
-            </a:solidFill>
-            <a:tailEnd type="arrow"/>
-          </a:ln>
-        </p:spPr>
-        <p:style>
-          <a:lnRef idx="1">
-            <a:schemeClr val="accent1"/>
-          </a:lnRef>
-          <a:fillRef idx="0">
-            <a:schemeClr val="accent1"/>
-          </a:fillRef>
-          <a:effectRef idx="0">
-            <a:schemeClr val="accent1"/>
-          </a:effectRef>
-          <a:fontRef idx="minor">
-            <a:schemeClr val="tx1"/>
-          </a:fontRef>
-        </p:style>
-      </p:cxnSp>
-    </p:spTree>
-  </p:cSld>
-  <p:clrMapOvr>
-    <a:masterClrMapping/>
-  </p:clrMapOvr>
-  <p:timing>
-    <p:tnLst>
-      <p:par>
-        <p:cTn id="1" dur="indefinite" restart="never" nodeType="tmRoot"/>
-      </p:par>
-    </p:tnLst>
-  </p:timing>
-</p:sld>
-</file>
-
 <file path=ppt/slides/slide31.xml><?xml version="1.0" encoding="utf-8"?>
 <p:sld xmlns:a="http://schemas.openxmlformats.org/drawingml/2006/main" xmlns:r="http://schemas.openxmlformats.org/officeDocument/2006/relationships" xmlns:p="http://schemas.openxmlformats.org/presentationml/2006/main">
   <p:cSld>
@@ -23613,48 +24133,16 @@
           </a:p>
         </p:txBody>
       </p:sp>
-      <p:pic>
-        <p:nvPicPr>
-          <p:cNvPr id="4098" name="Picture 2"/>
-          <p:cNvPicPr>
-            <a:picLocks noChangeAspect="1" noChangeArrowheads="1"/>
-          </p:cNvPicPr>
-          <p:nvPr/>
-        </p:nvPicPr>
-        <p:blipFill>
-          <a:blip r:embed="rId3" cstate="print"/>
-          <a:srcRect/>
-          <a:stretch>
-            <a:fillRect/>
-          </a:stretch>
-        </p:blipFill>
-        <p:spPr bwMode="auto">
-          <a:xfrm>
-            <a:off x="4204844" y="960475"/>
-            <a:ext cx="4200525" cy="5638800"/>
-          </a:xfrm>
-          <a:prstGeom prst="rect">
-            <a:avLst/>
-          </a:prstGeom>
-          <a:noFill/>
-          <a:ln w="9525">
-            <a:noFill/>
-            <a:miter lim="800000"/>
-            <a:headEnd/>
-            <a:tailEnd/>
-          </a:ln>
-        </p:spPr>
-      </p:pic>
-      <p:sp>
-        <p:nvSpPr>
-          <p:cNvPr id="11" name="Rectangle 10"/>
+      <p:sp>
+        <p:nvSpPr>
+          <p:cNvPr id="6" name="Rectangle 5"/>
           <p:cNvSpPr/>
           <p:nvPr/>
         </p:nvSpPr>
         <p:spPr>
           <a:xfrm>
-            <a:off x="414669" y="3487479"/>
-            <a:ext cx="1828800" cy="308344"/>
+            <a:off x="244549" y="2254102"/>
+            <a:ext cx="1796902" cy="297712"/>
           </a:xfrm>
           <a:prstGeom prst="rect">
             <a:avLst/>
@@ -23691,19 +24179,97 @@
           </a:p>
         </p:txBody>
       </p:sp>
+      <p:sp>
+        <p:nvSpPr>
+          <p:cNvPr id="7" name="Rectangle 6"/>
+          <p:cNvSpPr/>
+          <p:nvPr/>
+        </p:nvSpPr>
+        <p:spPr>
+          <a:xfrm>
+            <a:off x="233916" y="2743200"/>
+            <a:ext cx="1828800" cy="308344"/>
+          </a:xfrm>
+          <a:prstGeom prst="rect">
+            <a:avLst/>
+          </a:prstGeom>
+          <a:noFill/>
+          <a:ln>
+            <a:solidFill>
+              <a:srgbClr val="FF0000"/>
+            </a:solidFill>
+          </a:ln>
+        </p:spPr>
+        <p:style>
+          <a:lnRef idx="2">
+            <a:schemeClr val="accent1">
+              <a:shade val="50000"/>
+            </a:schemeClr>
+          </a:lnRef>
+          <a:fillRef idx="1">
+            <a:schemeClr val="accent1"/>
+          </a:fillRef>
+          <a:effectRef idx="0">
+            <a:schemeClr val="accent1"/>
+          </a:effectRef>
+          <a:fontRef idx="minor">
+            <a:schemeClr val="lt1"/>
+          </a:fontRef>
+        </p:style>
+        <p:txBody>
+          <a:bodyPr rtlCol="0" anchor="ctr"/>
+          <a:lstStyle/>
+          <a:p>
+            <a:pPr algn="ctr"/>
+            <a:endParaRPr lang="en-US"/>
+          </a:p>
+        </p:txBody>
+      </p:sp>
+      <p:pic>
+        <p:nvPicPr>
+          <p:cNvPr id="2051" name="Picture 3"/>
+          <p:cNvPicPr>
+            <a:picLocks noChangeAspect="1" noChangeArrowheads="1"/>
+          </p:cNvPicPr>
+          <p:nvPr/>
+        </p:nvPicPr>
+        <p:blipFill>
+          <a:blip r:embed="rId3" cstate="print"/>
+          <a:srcRect/>
+          <a:stretch>
+            <a:fillRect/>
+          </a:stretch>
+        </p:blipFill>
+        <p:spPr bwMode="auto">
+          <a:xfrm>
+            <a:off x="3985547" y="935081"/>
+            <a:ext cx="4424805" cy="5837855"/>
+          </a:xfrm>
+          <a:prstGeom prst="rect">
+            <a:avLst/>
+          </a:prstGeom>
+          <a:noFill/>
+          <a:ln w="9525">
+            <a:noFill/>
+            <a:miter lim="800000"/>
+            <a:headEnd/>
+            <a:tailEnd/>
+          </a:ln>
+        </p:spPr>
+      </p:pic>
       <p:cxnSp>
         <p:nvCxnSpPr>
-          <p:cNvPr id="12" name="Straight Arrow Connector 11"/>
+          <p:cNvPr id="16" name="Straight Arrow Connector 15"/>
           <p:cNvCxnSpPr>
-            <a:stCxn id="11" idx="3"/>
-            <a:endCxn id="4098" idx="1"/>
+            <a:stCxn id="7" idx="3"/>
+            <a:endCxn id="2051" idx="1"/>
           </p:cNvCxnSpPr>
           <p:nvPr/>
         </p:nvCxnSpPr>
         <p:spPr>
           <a:xfrm>
-            <a:off x="2243469" y="3641651"/>
-            <a:ext cx="1961375" cy="138224"/>
+            <a:off x="2062716" y="2897372"/>
+            <a:ext cx="1922831" cy="956637"/>
           </a:xfrm>
           <a:prstGeom prst="straightConnector1">
             <a:avLst/>
@@ -23894,16 +24460,48 @@
           </a:p>
         </p:txBody>
       </p:sp>
-      <p:sp>
-        <p:nvSpPr>
-          <p:cNvPr id="6" name="Rectangle 5"/>
+      <p:pic>
+        <p:nvPicPr>
+          <p:cNvPr id="4098" name="Picture 2"/>
+          <p:cNvPicPr>
+            <a:picLocks noChangeAspect="1" noChangeArrowheads="1"/>
+          </p:cNvPicPr>
+          <p:nvPr/>
+        </p:nvPicPr>
+        <p:blipFill>
+          <a:blip r:embed="rId3" cstate="print"/>
+          <a:srcRect/>
+          <a:stretch>
+            <a:fillRect/>
+          </a:stretch>
+        </p:blipFill>
+        <p:spPr bwMode="auto">
+          <a:xfrm>
+            <a:off x="4204844" y="960475"/>
+            <a:ext cx="4200525" cy="5638800"/>
+          </a:xfrm>
+          <a:prstGeom prst="rect">
+            <a:avLst/>
+          </a:prstGeom>
+          <a:noFill/>
+          <a:ln w="9525">
+            <a:noFill/>
+            <a:miter lim="800000"/>
+            <a:headEnd/>
+            <a:tailEnd/>
+          </a:ln>
+        </p:spPr>
+      </p:pic>
+      <p:sp>
+        <p:nvSpPr>
+          <p:cNvPr id="11" name="Rectangle 10"/>
           <p:cNvSpPr/>
           <p:nvPr/>
         </p:nvSpPr>
         <p:spPr>
           <a:xfrm>
-            <a:off x="244549" y="2254102"/>
-            <a:ext cx="1796902" cy="297712"/>
+            <a:off x="414669" y="3487479"/>
+            <a:ext cx="1828800" cy="308344"/>
           </a:xfrm>
           <a:prstGeom prst="rect">
             <a:avLst/>
@@ -23940,97 +24538,19 @@
           </a:p>
         </p:txBody>
       </p:sp>
-      <p:sp>
-        <p:nvSpPr>
-          <p:cNvPr id="7" name="Rectangle 6"/>
-          <p:cNvSpPr/>
-          <p:nvPr/>
-        </p:nvSpPr>
-        <p:spPr>
-          <a:xfrm>
-            <a:off x="233916" y="2743200"/>
-            <a:ext cx="1828800" cy="308344"/>
-          </a:xfrm>
-          <a:prstGeom prst="rect">
-            <a:avLst/>
-          </a:prstGeom>
-          <a:noFill/>
-          <a:ln>
-            <a:solidFill>
-              <a:srgbClr val="FF0000"/>
-            </a:solidFill>
-          </a:ln>
-        </p:spPr>
-        <p:style>
-          <a:lnRef idx="2">
-            <a:schemeClr val="accent1">
-              <a:shade val="50000"/>
-            </a:schemeClr>
-          </a:lnRef>
-          <a:fillRef idx="1">
-            <a:schemeClr val="accent1"/>
-          </a:fillRef>
-          <a:effectRef idx="0">
-            <a:schemeClr val="accent1"/>
-          </a:effectRef>
-          <a:fontRef idx="minor">
-            <a:schemeClr val="lt1"/>
-          </a:fontRef>
-        </p:style>
-        <p:txBody>
-          <a:bodyPr rtlCol="0" anchor="ctr"/>
-          <a:lstStyle/>
-          <a:p>
-            <a:pPr algn="ctr"/>
-            <a:endParaRPr lang="en-US"/>
-          </a:p>
-        </p:txBody>
-      </p:sp>
-      <p:pic>
-        <p:nvPicPr>
-          <p:cNvPr id="3074" name="Picture 2"/>
-          <p:cNvPicPr>
-            <a:picLocks noChangeAspect="1" noChangeArrowheads="1"/>
-          </p:cNvPicPr>
-          <p:nvPr/>
-        </p:nvPicPr>
-        <p:blipFill>
-          <a:blip r:embed="rId3" cstate="print"/>
-          <a:srcRect/>
-          <a:stretch>
-            <a:fillRect/>
-          </a:stretch>
-        </p:blipFill>
-        <p:spPr bwMode="auto">
-          <a:xfrm>
-            <a:off x="3328211" y="1271696"/>
-            <a:ext cx="5288815" cy="4618739"/>
-          </a:xfrm>
-          <a:prstGeom prst="rect">
-            <a:avLst/>
-          </a:prstGeom>
-          <a:noFill/>
-          <a:ln w="9525">
-            <a:noFill/>
-            <a:miter lim="800000"/>
-            <a:headEnd/>
-            <a:tailEnd/>
-          </a:ln>
-        </p:spPr>
-      </p:pic>
       <p:cxnSp>
         <p:nvCxnSpPr>
           <p:cNvPr id="12" name="Straight Arrow Connector 11"/>
           <p:cNvCxnSpPr>
-            <a:stCxn id="6" idx="3"/>
-            <a:endCxn id="3074" idx="1"/>
+            <a:stCxn id="11" idx="3"/>
+            <a:endCxn id="4098" idx="1"/>
           </p:cNvCxnSpPr>
           <p:nvPr/>
         </p:nvCxnSpPr>
         <p:spPr>
           <a:xfrm>
-            <a:off x="2041451" y="2402958"/>
-            <a:ext cx="1286760" cy="1178108"/>
+            <a:off x="2243469" y="3641651"/>
+            <a:ext cx="1961375" cy="138224"/>
           </a:xfrm>
           <a:prstGeom prst="straightConnector1">
             <a:avLst/>
@@ -24073,6 +24593,333 @@
 </file>
 
 <file path=ppt/slides/slide33.xml><?xml version="1.0" encoding="utf-8"?>
+<p:sld xmlns:a="http://schemas.openxmlformats.org/drawingml/2006/main" xmlns:r="http://schemas.openxmlformats.org/officeDocument/2006/relationships" xmlns:p="http://schemas.openxmlformats.org/presentationml/2006/main">
+  <p:cSld>
+    <p:spTree>
+      <p:nvGrpSpPr>
+        <p:cNvPr id="1" name=""/>
+        <p:cNvGrpSpPr/>
+        <p:nvPr/>
+      </p:nvGrpSpPr>
+      <p:grpSpPr>
+        <a:xfrm>
+          <a:off x="0" y="0"/>
+          <a:ext cx="0" cy="0"/>
+          <a:chOff x="0" y="0"/>
+          <a:chExt cx="0" cy="0"/>
+        </a:xfrm>
+      </p:grpSpPr>
+      <p:sp>
+        <p:nvSpPr>
+          <p:cNvPr id="2" name="Title 1"/>
+          <p:cNvSpPr>
+            <a:spLocks noGrp="1"/>
+          </p:cNvSpPr>
+          <p:nvPr>
+            <p:ph type="title"/>
+          </p:nvPr>
+        </p:nvSpPr>
+        <p:spPr/>
+        <p:txBody>
+          <a:bodyPr/>
+          <a:lstStyle/>
+          <a:p>
+            <a:r>
+              <a:rPr lang="en-US" dirty="0" smtClean="0"/>
+              <a:t>How do these all work together?</a:t>
+            </a:r>
+            <a:endParaRPr lang="en-US" dirty="0"/>
+          </a:p>
+        </p:txBody>
+      </p:sp>
+      <p:pic>
+        <p:nvPicPr>
+          <p:cNvPr id="1026" name="Picture 2"/>
+          <p:cNvPicPr>
+            <a:picLocks noChangeAspect="1" noChangeArrowheads="1"/>
+          </p:cNvPicPr>
+          <p:nvPr/>
+        </p:nvPicPr>
+        <p:blipFill>
+          <a:blip r:embed="rId2" cstate="print"/>
+          <a:srcRect/>
+          <a:stretch>
+            <a:fillRect/>
+          </a:stretch>
+        </p:blipFill>
+        <p:spPr bwMode="auto">
+          <a:xfrm>
+            <a:off x="245545" y="1751383"/>
+            <a:ext cx="2572082" cy="3507385"/>
+          </a:xfrm>
+          <a:prstGeom prst="rect">
+            <a:avLst/>
+          </a:prstGeom>
+          <a:noFill/>
+          <a:ln w="9525">
+            <a:noFill/>
+            <a:miter lim="800000"/>
+            <a:headEnd/>
+            <a:tailEnd/>
+          </a:ln>
+        </p:spPr>
+      </p:pic>
+      <p:sp>
+        <p:nvSpPr>
+          <p:cNvPr id="4" name="TextBox 3"/>
+          <p:cNvSpPr txBox="1"/>
+          <p:nvPr/>
+        </p:nvSpPr>
+        <p:spPr>
+          <a:xfrm>
+            <a:off x="180753" y="946297"/>
+            <a:ext cx="2700670" cy="707886"/>
+          </a:xfrm>
+          <a:prstGeom prst="rect">
+            <a:avLst/>
+          </a:prstGeom>
+          <a:noFill/>
+          <a:ln>
+            <a:noFill/>
+          </a:ln>
+        </p:spPr>
+        <p:txBody>
+          <a:bodyPr wrap="square" rtlCol="0">
+            <a:spAutoFit/>
+          </a:bodyPr>
+          <a:lstStyle/>
+          <a:p>
+            <a:r>
+              <a:rPr lang="en-US" sz="2000" dirty="0" smtClean="0"/>
+              <a:t>Typical Parametric Build Directory</a:t>
+            </a:r>
+          </a:p>
+        </p:txBody>
+      </p:sp>
+      <p:sp>
+        <p:nvSpPr>
+          <p:cNvPr id="5" name="TextBox 4"/>
+          <p:cNvSpPr txBox="1"/>
+          <p:nvPr/>
+        </p:nvSpPr>
+        <p:spPr>
+          <a:xfrm>
+            <a:off x="202019" y="5316279"/>
+            <a:ext cx="2711302" cy="307777"/>
+          </a:xfrm>
+          <a:prstGeom prst="rect">
+            <a:avLst/>
+          </a:prstGeom>
+          <a:ln/>
+        </p:spPr>
+        <p:style>
+          <a:lnRef idx="2">
+            <a:schemeClr val="accent2">
+              <a:shade val="50000"/>
+            </a:schemeClr>
+          </a:lnRef>
+          <a:fillRef idx="1">
+            <a:schemeClr val="accent2"/>
+          </a:fillRef>
+          <a:effectRef idx="0">
+            <a:schemeClr val="accent2"/>
+          </a:effectRef>
+          <a:fontRef idx="minor">
+            <a:schemeClr val="lt1"/>
+          </a:fontRef>
+        </p:style>
+        <p:txBody>
+          <a:bodyPr wrap="square" rtlCol="0">
+            <a:spAutoFit/>
+          </a:bodyPr>
+          <a:lstStyle/>
+          <a:p>
+            <a:r>
+              <a:rPr lang="en-US" sz="1400" dirty="0" smtClean="0"/>
+              <a:t>Modular, Modular, Modular….</a:t>
+            </a:r>
+          </a:p>
+        </p:txBody>
+      </p:sp>
+      <p:sp>
+        <p:nvSpPr>
+          <p:cNvPr id="6" name="Rectangle 5"/>
+          <p:cNvSpPr/>
+          <p:nvPr/>
+        </p:nvSpPr>
+        <p:spPr>
+          <a:xfrm>
+            <a:off x="244549" y="2254102"/>
+            <a:ext cx="1796902" cy="297712"/>
+          </a:xfrm>
+          <a:prstGeom prst="rect">
+            <a:avLst/>
+          </a:prstGeom>
+          <a:noFill/>
+          <a:ln>
+            <a:solidFill>
+              <a:srgbClr val="FF0000"/>
+            </a:solidFill>
+          </a:ln>
+        </p:spPr>
+        <p:style>
+          <a:lnRef idx="2">
+            <a:schemeClr val="accent1">
+              <a:shade val="50000"/>
+            </a:schemeClr>
+          </a:lnRef>
+          <a:fillRef idx="1">
+            <a:schemeClr val="accent1"/>
+          </a:fillRef>
+          <a:effectRef idx="0">
+            <a:schemeClr val="accent1"/>
+          </a:effectRef>
+          <a:fontRef idx="minor">
+            <a:schemeClr val="lt1"/>
+          </a:fontRef>
+        </p:style>
+        <p:txBody>
+          <a:bodyPr rtlCol="0" anchor="ctr"/>
+          <a:lstStyle/>
+          <a:p>
+            <a:pPr algn="ctr"/>
+            <a:endParaRPr lang="en-US"/>
+          </a:p>
+        </p:txBody>
+      </p:sp>
+      <p:sp>
+        <p:nvSpPr>
+          <p:cNvPr id="7" name="Rectangle 6"/>
+          <p:cNvSpPr/>
+          <p:nvPr/>
+        </p:nvSpPr>
+        <p:spPr>
+          <a:xfrm>
+            <a:off x="233916" y="2743200"/>
+            <a:ext cx="1828800" cy="308344"/>
+          </a:xfrm>
+          <a:prstGeom prst="rect">
+            <a:avLst/>
+          </a:prstGeom>
+          <a:noFill/>
+          <a:ln>
+            <a:solidFill>
+              <a:srgbClr val="FF0000"/>
+            </a:solidFill>
+          </a:ln>
+        </p:spPr>
+        <p:style>
+          <a:lnRef idx="2">
+            <a:schemeClr val="accent1">
+              <a:shade val="50000"/>
+            </a:schemeClr>
+          </a:lnRef>
+          <a:fillRef idx="1">
+            <a:schemeClr val="accent1"/>
+          </a:fillRef>
+          <a:effectRef idx="0">
+            <a:schemeClr val="accent1"/>
+          </a:effectRef>
+          <a:fontRef idx="minor">
+            <a:schemeClr val="lt1"/>
+          </a:fontRef>
+        </p:style>
+        <p:txBody>
+          <a:bodyPr rtlCol="0" anchor="ctr"/>
+          <a:lstStyle/>
+          <a:p>
+            <a:pPr algn="ctr"/>
+            <a:endParaRPr lang="en-US"/>
+          </a:p>
+        </p:txBody>
+      </p:sp>
+      <p:pic>
+        <p:nvPicPr>
+          <p:cNvPr id="3074" name="Picture 2"/>
+          <p:cNvPicPr>
+            <a:picLocks noChangeAspect="1" noChangeArrowheads="1"/>
+          </p:cNvPicPr>
+          <p:nvPr/>
+        </p:nvPicPr>
+        <p:blipFill>
+          <a:blip r:embed="rId3" cstate="print"/>
+          <a:srcRect/>
+          <a:stretch>
+            <a:fillRect/>
+          </a:stretch>
+        </p:blipFill>
+        <p:spPr bwMode="auto">
+          <a:xfrm>
+            <a:off x="3328211" y="1271696"/>
+            <a:ext cx="5288815" cy="4618739"/>
+          </a:xfrm>
+          <a:prstGeom prst="rect">
+            <a:avLst/>
+          </a:prstGeom>
+          <a:noFill/>
+          <a:ln w="9525">
+            <a:noFill/>
+            <a:miter lim="800000"/>
+            <a:headEnd/>
+            <a:tailEnd/>
+          </a:ln>
+        </p:spPr>
+      </p:pic>
+      <p:cxnSp>
+        <p:nvCxnSpPr>
+          <p:cNvPr id="12" name="Straight Arrow Connector 11"/>
+          <p:cNvCxnSpPr>
+            <a:stCxn id="6" idx="3"/>
+            <a:endCxn id="3074" idx="1"/>
+          </p:cNvCxnSpPr>
+          <p:nvPr/>
+        </p:nvCxnSpPr>
+        <p:spPr>
+          <a:xfrm>
+            <a:off x="2041451" y="2402958"/>
+            <a:ext cx="1286760" cy="1178108"/>
+          </a:xfrm>
+          <a:prstGeom prst="straightConnector1">
+            <a:avLst/>
+          </a:prstGeom>
+          <a:ln w="41275">
+            <a:solidFill>
+              <a:srgbClr val="FF0000"/>
+            </a:solidFill>
+            <a:tailEnd type="arrow"/>
+          </a:ln>
+        </p:spPr>
+        <p:style>
+          <a:lnRef idx="1">
+            <a:schemeClr val="accent1"/>
+          </a:lnRef>
+          <a:fillRef idx="0">
+            <a:schemeClr val="accent1"/>
+          </a:fillRef>
+          <a:effectRef idx="0">
+            <a:schemeClr val="accent1"/>
+          </a:effectRef>
+          <a:fontRef idx="minor">
+            <a:schemeClr val="tx1"/>
+          </a:fontRef>
+        </p:style>
+      </p:cxnSp>
+    </p:spTree>
+  </p:cSld>
+  <p:clrMapOvr>
+    <a:masterClrMapping/>
+  </p:clrMapOvr>
+  <p:timing>
+    <p:tnLst>
+      <p:par>
+        <p:cTn id="1" dur="indefinite" restart="never" nodeType="tmRoot"/>
+      </p:par>
+    </p:tnLst>
+  </p:timing>
+</p:sld>
+</file>
+
+<file path=ppt/slides/slide34.xml><?xml version="1.0" encoding="utf-8"?>
 <p:sld xmlns:a="http://schemas.openxmlformats.org/drawingml/2006/main" xmlns:r="http://schemas.openxmlformats.org/officeDocument/2006/relationships" xmlns:p="http://schemas.openxmlformats.org/presentationml/2006/main">
   <p:cSld>
     <p:spTree>
@@ -27071,7 +27918,7 @@
 </p:sld>
 </file>
 
-<file path=ppt/slides/slide34.xml><?xml version="1.0" encoding="utf-8"?>
+<file path=ppt/slides/slide35.xml><?xml version="1.0" encoding="utf-8"?>
 <p:sld xmlns:a="http://schemas.openxmlformats.org/drawingml/2006/main" xmlns:r="http://schemas.openxmlformats.org/officeDocument/2006/relationships" xmlns:p="http://schemas.openxmlformats.org/presentationml/2006/main">
   <p:cSld>
     <p:spTree>
@@ -27851,7 +28698,7 @@
 </p:sld>
 </file>
 
-<file path=ppt/slides/slide35.xml><?xml version="1.0" encoding="utf-8"?>
+<file path=ppt/slides/slide36.xml><?xml version="1.0" encoding="utf-8"?>
 <p:sld xmlns:a="http://schemas.openxmlformats.org/drawingml/2006/main" xmlns:r="http://schemas.openxmlformats.org/officeDocument/2006/relationships" xmlns:p="http://schemas.openxmlformats.org/presentationml/2006/main">
   <p:cSld>
     <p:spTree>
@@ -28319,7 +29166,7 @@
 </p:sld>
 </file>
 
-<file path=ppt/slides/slide36.xml><?xml version="1.0" encoding="utf-8"?>
+<file path=ppt/slides/slide37.xml><?xml version="1.0" encoding="utf-8"?>
 <p:sld xmlns:a="http://schemas.openxmlformats.org/drawingml/2006/main" xmlns:r="http://schemas.openxmlformats.org/officeDocument/2006/relationships" xmlns:p="http://schemas.openxmlformats.org/presentationml/2006/main">
   <p:cSld>
     <p:spTree>
@@ -29731,7 +30578,7 @@
 </p:sld>
 </file>
 
-<file path=ppt/slides/slide37.xml><?xml version="1.0" encoding="utf-8"?>
+<file path=ppt/slides/slide38.xml><?xml version="1.0" encoding="utf-8"?>
 <p:sld xmlns:a="http://schemas.openxmlformats.org/drawingml/2006/main" xmlns:r="http://schemas.openxmlformats.org/officeDocument/2006/relationships" xmlns:p="http://schemas.openxmlformats.org/presentationml/2006/main">
   <p:cSld>
     <p:spTree>
@@ -30919,7 +31766,7 @@
 </p:sld>
 </file>
 
-<file path=ppt/slides/slide38.xml><?xml version="1.0" encoding="utf-8"?>
+<file path=ppt/slides/slide39.xml><?xml version="1.0" encoding="utf-8"?>
 <p:sld xmlns:a="http://schemas.openxmlformats.org/drawingml/2006/main" xmlns:r="http://schemas.openxmlformats.org/officeDocument/2006/relationships" xmlns:p="http://schemas.openxmlformats.org/presentationml/2006/main">
   <p:cSld>
     <p:spTree>
@@ -31360,7 +32207,209 @@
 </p:sld>
 </file>
 
-<file path=ppt/slides/slide39.xml><?xml version="1.0" encoding="utf-8"?>
+<file path=ppt/slides/slide4.xml><?xml version="1.0" encoding="utf-8"?>
+<p:sld xmlns:a="http://schemas.openxmlformats.org/drawingml/2006/main" xmlns:r="http://schemas.openxmlformats.org/officeDocument/2006/relationships" xmlns:p="http://schemas.openxmlformats.org/presentationml/2006/main">
+  <p:cSld>
+    <p:spTree>
+      <p:nvGrpSpPr>
+        <p:cNvPr id="1" name=""/>
+        <p:cNvGrpSpPr/>
+        <p:nvPr/>
+      </p:nvGrpSpPr>
+      <p:grpSpPr>
+        <a:xfrm>
+          <a:off x="0" y="0"/>
+          <a:ext cx="0" cy="0"/>
+          <a:chOff x="0" y="0"/>
+          <a:chExt cx="0" cy="0"/>
+        </a:xfrm>
+      </p:grpSpPr>
+      <p:sp>
+        <p:nvSpPr>
+          <p:cNvPr id="6146" name="Rectangle 2"/>
+          <p:cNvSpPr>
+            <a:spLocks noGrp="1" noChangeArrowheads="1"/>
+          </p:cNvSpPr>
+          <p:nvPr>
+            <p:ph type="title"/>
+          </p:nvPr>
+        </p:nvSpPr>
+        <p:spPr>
+          <a:xfrm>
+            <a:off x="94886" y="0"/>
+            <a:ext cx="8458200" cy="639762"/>
+          </a:xfrm>
+        </p:spPr>
+        <p:txBody>
+          <a:bodyPr>
+            <a:normAutofit/>
+          </a:bodyPr>
+          <a:lstStyle/>
+          <a:p>
+            <a:pPr eaLnBrk="1" hangingPunct="1"/>
+            <a:r>
+              <a:rPr lang="en-US" dirty="0" smtClean="0"/>
+              <a:t>How to set up computer for Macros  </a:t>
+            </a:r>
+          </a:p>
+        </p:txBody>
+      </p:sp>
+      <p:sp>
+        <p:nvSpPr>
+          <p:cNvPr id="6147" name="Rectangle 3"/>
+          <p:cNvSpPr>
+            <a:spLocks noGrp="1" noChangeArrowheads="1"/>
+          </p:cNvSpPr>
+          <p:nvPr>
+            <p:ph type="body" idx="1"/>
+          </p:nvPr>
+        </p:nvSpPr>
+        <p:spPr>
+          <a:xfrm>
+            <a:off x="457200" y="990600"/>
+            <a:ext cx="8305800" cy="1219200"/>
+          </a:xfrm>
+        </p:spPr>
+        <p:txBody>
+          <a:bodyPr>
+            <a:normAutofit fontScale="92500" lnSpcReduction="20000"/>
+          </a:bodyPr>
+          <a:lstStyle/>
+          <a:p>
+            <a:pPr marL="457200" indent="-457200" eaLnBrk="1" hangingPunct="1">
+              <a:lnSpc>
+                <a:spcPct val="80000"/>
+              </a:lnSpc>
+              <a:buFont typeface="+mj-lt"/>
+              <a:buAutoNum type="arabicParenR"/>
+            </a:pPr>
+            <a:r>
+              <a:rPr lang="en-US" sz="2000" dirty="0" smtClean="0"/>
+              <a:t>Create a folder for your macros</a:t>
+            </a:r>
+          </a:p>
+          <a:p>
+            <a:pPr marL="457200" indent="-457200" eaLnBrk="1" hangingPunct="1">
+              <a:lnSpc>
+                <a:spcPct val="80000"/>
+              </a:lnSpc>
+              <a:buFont typeface="+mj-lt"/>
+              <a:buAutoNum type="arabicParenR"/>
+            </a:pPr>
+            <a:r>
+              <a:rPr lang="en-US" sz="2000" dirty="0" smtClean="0"/>
+              <a:t>Create </a:t>
+            </a:r>
+            <a:r>
+              <a:rPr lang="en-US" sz="2000" dirty="0" err="1" smtClean="0"/>
+              <a:t>ANSYS_MACROLIB</a:t>
+            </a:r>
+            <a:r>
+              <a:rPr lang="en-US" sz="2000" dirty="0" smtClean="0"/>
+              <a:t> environmental variable with the path of your macro </a:t>
+            </a:r>
+          </a:p>
+          <a:p>
+            <a:pPr lvl="1" eaLnBrk="1" hangingPunct="1">
+              <a:lnSpc>
+                <a:spcPct val="80000"/>
+              </a:lnSpc>
+            </a:pPr>
+            <a:r>
+              <a:rPr lang="en-US" sz="1800" dirty="0" smtClean="0"/>
+              <a:t>You can reference several macro directories, see </a:t>
+            </a:r>
+            <a:r>
+              <a:rPr lang="en-US" sz="1800" dirty="0" err="1" smtClean="0"/>
+              <a:t>ANSYS</a:t>
+            </a:r>
+            <a:r>
+              <a:rPr lang="en-US" sz="1800" dirty="0" smtClean="0"/>
+              <a:t> help files</a:t>
+            </a:r>
+          </a:p>
+        </p:txBody>
+      </p:sp>
+      <p:pic>
+        <p:nvPicPr>
+          <p:cNvPr id="1026" name="Picture 2"/>
+          <p:cNvPicPr>
+            <a:picLocks noChangeAspect="1" noChangeArrowheads="1"/>
+          </p:cNvPicPr>
+          <p:nvPr/>
+        </p:nvPicPr>
+        <p:blipFill>
+          <a:blip r:embed="rId2" cstate="print"/>
+          <a:srcRect/>
+          <a:stretch>
+            <a:fillRect/>
+          </a:stretch>
+        </p:blipFill>
+        <p:spPr bwMode="auto">
+          <a:xfrm>
+            <a:off x="5262113" y="2336591"/>
+            <a:ext cx="3657600" cy="4048125"/>
+          </a:xfrm>
+          <a:prstGeom prst="rect">
+            <a:avLst/>
+          </a:prstGeom>
+          <a:noFill/>
+          <a:ln w="9525">
+            <a:noFill/>
+            <a:miter lim="800000"/>
+            <a:headEnd/>
+            <a:tailEnd/>
+          </a:ln>
+        </p:spPr>
+      </p:pic>
+      <p:pic>
+        <p:nvPicPr>
+          <p:cNvPr id="1028" name="Picture 4"/>
+          <p:cNvPicPr>
+            <a:picLocks noChangeAspect="1" noChangeArrowheads="1"/>
+          </p:cNvPicPr>
+          <p:nvPr/>
+        </p:nvPicPr>
+        <p:blipFill>
+          <a:blip r:embed="rId3" cstate="print"/>
+          <a:srcRect b="26155"/>
+          <a:stretch>
+            <a:fillRect/>
+          </a:stretch>
+        </p:blipFill>
+        <p:spPr bwMode="auto">
+          <a:xfrm>
+            <a:off x="212875" y="2369121"/>
+            <a:ext cx="4905375" cy="4100691"/>
+          </a:xfrm>
+          <a:prstGeom prst="rect">
+            <a:avLst/>
+          </a:prstGeom>
+          <a:noFill/>
+          <a:ln w="9525">
+            <a:noFill/>
+            <a:miter lim="800000"/>
+            <a:headEnd/>
+            <a:tailEnd/>
+          </a:ln>
+        </p:spPr>
+      </p:pic>
+    </p:spTree>
+  </p:cSld>
+  <p:clrMapOvr>
+    <a:masterClrMapping/>
+  </p:clrMapOvr>
+  <p:timing>
+    <p:tnLst>
+      <p:par>
+        <p:cTn id="1" dur="indefinite" restart="never" nodeType="tmRoot"/>
+      </p:par>
+    </p:tnLst>
+  </p:timing>
+</p:sld>
+</file>
+
+<file path=ppt/slides/slide40.xml><?xml version="1.0" encoding="utf-8"?>
 <p:sld xmlns:a="http://schemas.openxmlformats.org/drawingml/2006/main" xmlns:r="http://schemas.openxmlformats.org/officeDocument/2006/relationships" xmlns:p="http://schemas.openxmlformats.org/presentationml/2006/main">
   <p:cSld>
     <p:spTree>
@@ -32700,209 +33749,7 @@
 </p:sld>
 </file>
 
-<file path=ppt/slides/slide4.xml><?xml version="1.0" encoding="utf-8"?>
-<p:sld xmlns:a="http://schemas.openxmlformats.org/drawingml/2006/main" xmlns:r="http://schemas.openxmlformats.org/officeDocument/2006/relationships" xmlns:p="http://schemas.openxmlformats.org/presentationml/2006/main">
-  <p:cSld>
-    <p:spTree>
-      <p:nvGrpSpPr>
-        <p:cNvPr id="1" name=""/>
-        <p:cNvGrpSpPr/>
-        <p:nvPr/>
-      </p:nvGrpSpPr>
-      <p:grpSpPr>
-        <a:xfrm>
-          <a:off x="0" y="0"/>
-          <a:ext cx="0" cy="0"/>
-          <a:chOff x="0" y="0"/>
-          <a:chExt cx="0" cy="0"/>
-        </a:xfrm>
-      </p:grpSpPr>
-      <p:sp>
-        <p:nvSpPr>
-          <p:cNvPr id="6146" name="Rectangle 2"/>
-          <p:cNvSpPr>
-            <a:spLocks noGrp="1" noChangeArrowheads="1"/>
-          </p:cNvSpPr>
-          <p:nvPr>
-            <p:ph type="title"/>
-          </p:nvPr>
-        </p:nvSpPr>
-        <p:spPr>
-          <a:xfrm>
-            <a:off x="94886" y="0"/>
-            <a:ext cx="8458200" cy="639762"/>
-          </a:xfrm>
-        </p:spPr>
-        <p:txBody>
-          <a:bodyPr>
-            <a:normAutofit/>
-          </a:bodyPr>
-          <a:lstStyle/>
-          <a:p>
-            <a:pPr eaLnBrk="1" hangingPunct="1"/>
-            <a:r>
-              <a:rPr lang="en-US" dirty="0" smtClean="0"/>
-              <a:t>How to set up computer for Macros  </a:t>
-            </a:r>
-          </a:p>
-        </p:txBody>
-      </p:sp>
-      <p:sp>
-        <p:nvSpPr>
-          <p:cNvPr id="6147" name="Rectangle 3"/>
-          <p:cNvSpPr>
-            <a:spLocks noGrp="1" noChangeArrowheads="1"/>
-          </p:cNvSpPr>
-          <p:nvPr>
-            <p:ph type="body" idx="1"/>
-          </p:nvPr>
-        </p:nvSpPr>
-        <p:spPr>
-          <a:xfrm>
-            <a:off x="457200" y="990600"/>
-            <a:ext cx="8305800" cy="1219200"/>
-          </a:xfrm>
-        </p:spPr>
-        <p:txBody>
-          <a:bodyPr>
-            <a:normAutofit fontScale="92500" lnSpcReduction="20000"/>
-          </a:bodyPr>
-          <a:lstStyle/>
-          <a:p>
-            <a:pPr marL="457200" indent="-457200" eaLnBrk="1" hangingPunct="1">
-              <a:lnSpc>
-                <a:spcPct val="80000"/>
-              </a:lnSpc>
-              <a:buFont typeface="+mj-lt"/>
-              <a:buAutoNum type="arabicParenR"/>
-            </a:pPr>
-            <a:r>
-              <a:rPr lang="en-US" sz="2000" dirty="0" smtClean="0"/>
-              <a:t>Create a folder for your macros</a:t>
-            </a:r>
-          </a:p>
-          <a:p>
-            <a:pPr marL="457200" indent="-457200" eaLnBrk="1" hangingPunct="1">
-              <a:lnSpc>
-                <a:spcPct val="80000"/>
-              </a:lnSpc>
-              <a:buFont typeface="+mj-lt"/>
-              <a:buAutoNum type="arabicParenR"/>
-            </a:pPr>
-            <a:r>
-              <a:rPr lang="en-US" sz="2000" dirty="0" smtClean="0"/>
-              <a:t>Create </a:t>
-            </a:r>
-            <a:r>
-              <a:rPr lang="en-US" sz="2000" dirty="0" err="1" smtClean="0"/>
-              <a:t>ANSYS_MACROLIB</a:t>
-            </a:r>
-            <a:r>
-              <a:rPr lang="en-US" sz="2000" dirty="0" smtClean="0"/>
-              <a:t> environmental variable with the path of your macro </a:t>
-            </a:r>
-          </a:p>
-          <a:p>
-            <a:pPr lvl="1" eaLnBrk="1" hangingPunct="1">
-              <a:lnSpc>
-                <a:spcPct val="80000"/>
-              </a:lnSpc>
-            </a:pPr>
-            <a:r>
-              <a:rPr lang="en-US" sz="1800" dirty="0" smtClean="0"/>
-              <a:t>You can reference several macro directories, see </a:t>
-            </a:r>
-            <a:r>
-              <a:rPr lang="en-US" sz="1800" dirty="0" err="1" smtClean="0"/>
-              <a:t>ANSYS</a:t>
-            </a:r>
-            <a:r>
-              <a:rPr lang="en-US" sz="1800" dirty="0" smtClean="0"/>
-              <a:t> help files</a:t>
-            </a:r>
-          </a:p>
-        </p:txBody>
-      </p:sp>
-      <p:pic>
-        <p:nvPicPr>
-          <p:cNvPr id="1026" name="Picture 2"/>
-          <p:cNvPicPr>
-            <a:picLocks noChangeAspect="1" noChangeArrowheads="1"/>
-          </p:cNvPicPr>
-          <p:nvPr/>
-        </p:nvPicPr>
-        <p:blipFill>
-          <a:blip r:embed="rId2" cstate="print"/>
-          <a:srcRect/>
-          <a:stretch>
-            <a:fillRect/>
-          </a:stretch>
-        </p:blipFill>
-        <p:spPr bwMode="auto">
-          <a:xfrm>
-            <a:off x="5262113" y="2336591"/>
-            <a:ext cx="3657600" cy="4048125"/>
-          </a:xfrm>
-          <a:prstGeom prst="rect">
-            <a:avLst/>
-          </a:prstGeom>
-          <a:noFill/>
-          <a:ln w="9525">
-            <a:noFill/>
-            <a:miter lim="800000"/>
-            <a:headEnd/>
-            <a:tailEnd/>
-          </a:ln>
-        </p:spPr>
-      </p:pic>
-      <p:pic>
-        <p:nvPicPr>
-          <p:cNvPr id="1028" name="Picture 4"/>
-          <p:cNvPicPr>
-            <a:picLocks noChangeAspect="1" noChangeArrowheads="1"/>
-          </p:cNvPicPr>
-          <p:nvPr/>
-        </p:nvPicPr>
-        <p:blipFill>
-          <a:blip r:embed="rId3" cstate="print"/>
-          <a:srcRect b="26155"/>
-          <a:stretch>
-            <a:fillRect/>
-          </a:stretch>
-        </p:blipFill>
-        <p:spPr bwMode="auto">
-          <a:xfrm>
-            <a:off x="212875" y="2369121"/>
-            <a:ext cx="4905375" cy="4100691"/>
-          </a:xfrm>
-          <a:prstGeom prst="rect">
-            <a:avLst/>
-          </a:prstGeom>
-          <a:noFill/>
-          <a:ln w="9525">
-            <a:noFill/>
-            <a:miter lim="800000"/>
-            <a:headEnd/>
-            <a:tailEnd/>
-          </a:ln>
-        </p:spPr>
-      </p:pic>
-    </p:spTree>
-  </p:cSld>
-  <p:clrMapOvr>
-    <a:masterClrMapping/>
-  </p:clrMapOvr>
-  <p:timing>
-    <p:tnLst>
-      <p:par>
-        <p:cTn id="1" dur="indefinite" restart="never" nodeType="tmRoot"/>
-      </p:par>
-    </p:tnLst>
-  </p:timing>
-</p:sld>
-</file>
-
-<file path=ppt/slides/slide40.xml><?xml version="1.0" encoding="utf-8"?>
+<file path=ppt/slides/slide41.xml><?xml version="1.0" encoding="utf-8"?>
 <p:sld xmlns:a="http://schemas.openxmlformats.org/drawingml/2006/main" xmlns:r="http://schemas.openxmlformats.org/officeDocument/2006/relationships" xmlns:p="http://schemas.openxmlformats.org/presentationml/2006/main">
   <p:cSld>
     <p:spTree>
@@ -33660,7 +34507,7 @@
 </p:sld>
 </file>
 
-<file path=ppt/slides/slide41.xml><?xml version="1.0" encoding="utf-8"?>
+<file path=ppt/slides/slide42.xml><?xml version="1.0" encoding="utf-8"?>
 <p:sld xmlns:a="http://schemas.openxmlformats.org/drawingml/2006/main" xmlns:r="http://schemas.openxmlformats.org/officeDocument/2006/relationships" xmlns:p="http://schemas.openxmlformats.org/presentationml/2006/main">
   <p:cSld>
     <p:spTree>
@@ -34862,7 +35709,7 @@
 </p:sld>
 </file>
 
-<file path=ppt/slides/slide42.xml><?xml version="1.0" encoding="utf-8"?>
+<file path=ppt/slides/slide43.xml><?xml version="1.0" encoding="utf-8"?>
 <p:sld xmlns:a="http://schemas.openxmlformats.org/drawingml/2006/main" xmlns:r="http://schemas.openxmlformats.org/officeDocument/2006/relationships" xmlns:p="http://schemas.openxmlformats.org/presentationml/2006/main">
   <p:cSld>
     <p:spTree>
@@ -35900,7 +36747,7 @@
 </p:sld>
 </file>
 
-<file path=ppt/slides/slide43.xml><?xml version="1.0" encoding="utf-8"?>
+<file path=ppt/slides/slide44.xml><?xml version="1.0" encoding="utf-8"?>
 <p:sld xmlns:a="http://schemas.openxmlformats.org/drawingml/2006/main" xmlns:r="http://schemas.openxmlformats.org/officeDocument/2006/relationships" xmlns:p="http://schemas.openxmlformats.org/presentationml/2006/main">
   <p:cSld>
     <p:spTree>
@@ -36910,7 +37757,7 @@
 </p:sld>
 </file>
 
-<file path=ppt/slides/slide44.xml><?xml version="1.0" encoding="utf-8"?>
+<file path=ppt/slides/slide45.xml><?xml version="1.0" encoding="utf-8"?>
 <p:sld xmlns:a="http://schemas.openxmlformats.org/drawingml/2006/main" xmlns:r="http://schemas.openxmlformats.org/officeDocument/2006/relationships" xmlns:p="http://schemas.openxmlformats.org/presentationml/2006/main">
   <p:cSld>
     <p:spTree>
@@ -37959,7 +38806,7 @@
 </p:sld>
 </file>
 
-<file path=ppt/slides/slide45.xml><?xml version="1.0" encoding="utf-8"?>
+<file path=ppt/slides/slide46.xml><?xml version="1.0" encoding="utf-8"?>
 <p:sld xmlns:a="http://schemas.openxmlformats.org/drawingml/2006/main" xmlns:r="http://schemas.openxmlformats.org/officeDocument/2006/relationships" xmlns:p="http://schemas.openxmlformats.org/presentationml/2006/main">
   <p:cSld>
     <p:spTree>
@@ -38241,13 +39088,8 @@
           <a:p>
             <a:r>
               <a:rPr lang="en-US" sz="1600" dirty="0" smtClean="0"/>
-              <a:t>Step 1: Select Two </a:t>
-            </a:r>
-            <a:r>
-              <a:rPr lang="en-US" sz="1600" dirty="0" smtClean="0"/>
-              <a:t>Areas</a:t>
-            </a:r>
-            <a:endParaRPr lang="en-US" sz="1600" dirty="0" smtClean="0"/>
+              <a:t>Step 1: Select Two Areas</a:t>
+            </a:r>
           </a:p>
         </p:txBody>
       </p:sp>
@@ -38723,182 +39565,6 @@
 </p:sld>
 </file>
 
-<file path=ppt/slides/slide46.xml><?xml version="1.0" encoding="utf-8"?>
-<p:sld xmlns:a="http://schemas.openxmlformats.org/drawingml/2006/main" xmlns:r="http://schemas.openxmlformats.org/officeDocument/2006/relationships" xmlns:p="http://schemas.openxmlformats.org/presentationml/2006/main">
-  <p:cSld>
-    <p:spTree>
-      <p:nvGrpSpPr>
-        <p:cNvPr id="1" name=""/>
-        <p:cNvGrpSpPr/>
-        <p:nvPr/>
-      </p:nvGrpSpPr>
-      <p:grpSpPr>
-        <a:xfrm>
-          <a:off x="0" y="0"/>
-          <a:ext cx="0" cy="0"/>
-          <a:chOff x="0" y="0"/>
-          <a:chExt cx="0" cy="0"/>
-        </a:xfrm>
-      </p:grpSpPr>
-      <p:sp>
-        <p:nvSpPr>
-          <p:cNvPr id="2" name="Title 1"/>
-          <p:cNvSpPr>
-            <a:spLocks noGrp="1"/>
-          </p:cNvSpPr>
-          <p:nvPr>
-            <p:ph type="title"/>
-          </p:nvPr>
-        </p:nvSpPr>
-        <p:spPr/>
-        <p:txBody>
-          <a:bodyPr/>
-          <a:lstStyle/>
-          <a:p>
-            <a:r>
-              <a:rPr lang="en-US" dirty="0" smtClean="0"/>
-              <a:t>ATT.mac </a:t>
-            </a:r>
-            <a:r>
-              <a:rPr lang="en-US" dirty="0" smtClean="0">
-                <a:sym typeface="Wingdings" pitchFamily="2" charset="2"/>
-              </a:rPr>
-              <a:t> Quick Set Attributes</a:t>
-            </a:r>
-            <a:endParaRPr lang="en-US" dirty="0"/>
-          </a:p>
-        </p:txBody>
-      </p:sp>
-      <p:sp>
-        <p:nvSpPr>
-          <p:cNvPr id="3" name="TextBox 2"/>
-          <p:cNvSpPr txBox="1"/>
-          <p:nvPr/>
-        </p:nvSpPr>
-        <p:spPr>
-          <a:xfrm>
-            <a:off x="3062177" y="845389"/>
-            <a:ext cx="6081823" cy="369332"/>
-          </a:xfrm>
-          <a:prstGeom prst="rect">
-            <a:avLst/>
-          </a:prstGeom>
-          <a:noFill/>
-        </p:spPr>
-        <p:txBody>
-          <a:bodyPr wrap="square" rtlCol="0">
-            <a:spAutoFit/>
-          </a:bodyPr>
-          <a:lstStyle/>
-          <a:p>
-            <a:pPr algn="r"/>
-            <a:r>
-              <a:rPr lang="en-US" dirty="0" smtClean="0"/>
-              <a:t>“Think: </a:t>
-            </a:r>
-            <a:r>
-              <a:rPr lang="en-US" dirty="0" smtClean="0">
-                <a:solidFill>
-                  <a:schemeClr val="accent6">
-                    <a:lumMod val="75000"/>
-                  </a:schemeClr>
-                </a:solidFill>
-              </a:rPr>
-              <a:t>Att</a:t>
-            </a:r>
-            <a:r>
-              <a:rPr lang="en-US" dirty="0" smtClean="0"/>
-              <a:t>ributes”</a:t>
-            </a:r>
-            <a:endParaRPr lang="en-US" dirty="0"/>
-          </a:p>
-        </p:txBody>
-      </p:sp>
-      <p:sp>
-        <p:nvSpPr>
-          <p:cNvPr id="4" name="TextBox 3"/>
-          <p:cNvSpPr txBox="1"/>
-          <p:nvPr/>
-        </p:nvSpPr>
-        <p:spPr>
-          <a:xfrm>
-            <a:off x="0" y="879895"/>
-            <a:ext cx="8888819" cy="923330"/>
-          </a:xfrm>
-          <a:prstGeom prst="rect">
-            <a:avLst/>
-          </a:prstGeom>
-          <a:noFill/>
-        </p:spPr>
-        <p:txBody>
-          <a:bodyPr wrap="square" rtlCol="0">
-            <a:spAutoFit/>
-          </a:bodyPr>
-          <a:lstStyle/>
-          <a:p>
-            <a:r>
-              <a:rPr lang="en-US" sz="5400" dirty="0" smtClean="0"/>
-              <a:t>ATT,</a:t>
-            </a:r>
-            <a:r>
-              <a:rPr lang="en-US" sz="2400" dirty="0" smtClean="0"/>
-              <a:t> </a:t>
-            </a:r>
-            <a:r>
-              <a:rPr lang="en-US" sz="1600" dirty="0" smtClean="0"/>
-              <a:t>&lt;Attributes Number&gt;,&lt;Coordinate System&gt;</a:t>
-            </a:r>
-            <a:endParaRPr lang="en-US" sz="5400" dirty="0"/>
-          </a:p>
-        </p:txBody>
-      </p:sp>
-      <p:pic>
-        <p:nvPicPr>
-          <p:cNvPr id="4098" name="Picture 2"/>
-          <p:cNvPicPr>
-            <a:picLocks noChangeAspect="1" noChangeArrowheads="1"/>
-          </p:cNvPicPr>
-          <p:nvPr/>
-        </p:nvPicPr>
-        <p:blipFill>
-          <a:blip r:embed="rId2" cstate="print"/>
-          <a:srcRect/>
-          <a:stretch>
-            <a:fillRect/>
-          </a:stretch>
-        </p:blipFill>
-        <p:spPr bwMode="auto">
-          <a:xfrm>
-            <a:off x="1322867" y="2299512"/>
-            <a:ext cx="6215287" cy="2729687"/>
-          </a:xfrm>
-          <a:prstGeom prst="rect">
-            <a:avLst/>
-          </a:prstGeom>
-          <a:noFill/>
-          <a:ln w="9525">
-            <a:noFill/>
-            <a:miter lim="800000"/>
-            <a:headEnd/>
-            <a:tailEnd/>
-          </a:ln>
-        </p:spPr>
-      </p:pic>
-    </p:spTree>
-  </p:cSld>
-  <p:clrMapOvr>
-    <a:masterClrMapping/>
-  </p:clrMapOvr>
-  <p:timing>
-    <p:tnLst>
-      <p:par>
-        <p:cTn id="1" dur="indefinite" restart="never" nodeType="tmRoot"/>
-      </p:par>
-    </p:tnLst>
-  </p:timing>
-</p:sld>
-</file>
-
 <file path=ppt/slides/slide47.xml><?xml version="1.0" encoding="utf-8"?>
 <p:sld xmlns:a="http://schemas.openxmlformats.org/drawingml/2006/main" xmlns:r="http://schemas.openxmlformats.org/officeDocument/2006/relationships" xmlns:p="http://schemas.openxmlformats.org/presentationml/2006/main">
   <p:cSld>
@@ -38933,13 +39599,13 @@
           <a:p>
             <a:r>
               <a:rPr lang="en-US" dirty="0" smtClean="0"/>
-              <a:t>ATTMESH.mac </a:t>
+              <a:t>ATT.mac </a:t>
             </a:r>
             <a:r>
               <a:rPr lang="en-US" dirty="0" smtClean="0">
                 <a:sym typeface="Wingdings" pitchFamily="2" charset="2"/>
               </a:rPr>
-              <a:t> Set Attributes and Mesh</a:t>
+              <a:t> Quick Set Attributes</a:t>
             </a:r>
             <a:endParaRPr lang="en-US" dirty="0"/>
           </a:p>
@@ -38984,6 +39650,182 @@
             </a:r>
             <a:r>
               <a:rPr lang="en-US" dirty="0" smtClean="0"/>
+              <a:t>ributes”</a:t>
+            </a:r>
+            <a:endParaRPr lang="en-US" dirty="0"/>
+          </a:p>
+        </p:txBody>
+      </p:sp>
+      <p:sp>
+        <p:nvSpPr>
+          <p:cNvPr id="4" name="TextBox 3"/>
+          <p:cNvSpPr txBox="1"/>
+          <p:nvPr/>
+        </p:nvSpPr>
+        <p:spPr>
+          <a:xfrm>
+            <a:off x="0" y="879895"/>
+            <a:ext cx="8888819" cy="923330"/>
+          </a:xfrm>
+          <a:prstGeom prst="rect">
+            <a:avLst/>
+          </a:prstGeom>
+          <a:noFill/>
+        </p:spPr>
+        <p:txBody>
+          <a:bodyPr wrap="square" rtlCol="0">
+            <a:spAutoFit/>
+          </a:bodyPr>
+          <a:lstStyle/>
+          <a:p>
+            <a:r>
+              <a:rPr lang="en-US" sz="5400" dirty="0" smtClean="0"/>
+              <a:t>ATT,</a:t>
+            </a:r>
+            <a:r>
+              <a:rPr lang="en-US" sz="2400" dirty="0" smtClean="0"/>
+              <a:t> </a:t>
+            </a:r>
+            <a:r>
+              <a:rPr lang="en-US" sz="1600" dirty="0" smtClean="0"/>
+              <a:t>&lt;Attributes Number&gt;,&lt;Coordinate System&gt;</a:t>
+            </a:r>
+            <a:endParaRPr lang="en-US" sz="5400" dirty="0"/>
+          </a:p>
+        </p:txBody>
+      </p:sp>
+      <p:pic>
+        <p:nvPicPr>
+          <p:cNvPr id="4098" name="Picture 2"/>
+          <p:cNvPicPr>
+            <a:picLocks noChangeAspect="1" noChangeArrowheads="1"/>
+          </p:cNvPicPr>
+          <p:nvPr/>
+        </p:nvPicPr>
+        <p:blipFill>
+          <a:blip r:embed="rId2" cstate="print"/>
+          <a:srcRect/>
+          <a:stretch>
+            <a:fillRect/>
+          </a:stretch>
+        </p:blipFill>
+        <p:spPr bwMode="auto">
+          <a:xfrm>
+            <a:off x="1322867" y="2299512"/>
+            <a:ext cx="6215287" cy="2729687"/>
+          </a:xfrm>
+          <a:prstGeom prst="rect">
+            <a:avLst/>
+          </a:prstGeom>
+          <a:noFill/>
+          <a:ln w="9525">
+            <a:noFill/>
+            <a:miter lim="800000"/>
+            <a:headEnd/>
+            <a:tailEnd/>
+          </a:ln>
+        </p:spPr>
+      </p:pic>
+    </p:spTree>
+  </p:cSld>
+  <p:clrMapOvr>
+    <a:masterClrMapping/>
+  </p:clrMapOvr>
+  <p:timing>
+    <p:tnLst>
+      <p:par>
+        <p:cTn id="1" dur="indefinite" restart="never" nodeType="tmRoot"/>
+      </p:par>
+    </p:tnLst>
+  </p:timing>
+</p:sld>
+</file>
+
+<file path=ppt/slides/slide48.xml><?xml version="1.0" encoding="utf-8"?>
+<p:sld xmlns:a="http://schemas.openxmlformats.org/drawingml/2006/main" xmlns:r="http://schemas.openxmlformats.org/officeDocument/2006/relationships" xmlns:p="http://schemas.openxmlformats.org/presentationml/2006/main">
+  <p:cSld>
+    <p:spTree>
+      <p:nvGrpSpPr>
+        <p:cNvPr id="1" name=""/>
+        <p:cNvGrpSpPr/>
+        <p:nvPr/>
+      </p:nvGrpSpPr>
+      <p:grpSpPr>
+        <a:xfrm>
+          <a:off x="0" y="0"/>
+          <a:ext cx="0" cy="0"/>
+          <a:chOff x="0" y="0"/>
+          <a:chExt cx="0" cy="0"/>
+        </a:xfrm>
+      </p:grpSpPr>
+      <p:sp>
+        <p:nvSpPr>
+          <p:cNvPr id="2" name="Title 1"/>
+          <p:cNvSpPr>
+            <a:spLocks noGrp="1"/>
+          </p:cNvSpPr>
+          <p:nvPr>
+            <p:ph type="title"/>
+          </p:nvPr>
+        </p:nvSpPr>
+        <p:spPr/>
+        <p:txBody>
+          <a:bodyPr/>
+          <a:lstStyle/>
+          <a:p>
+            <a:r>
+              <a:rPr lang="en-US" dirty="0" smtClean="0"/>
+              <a:t>ATTMESH.mac </a:t>
+            </a:r>
+            <a:r>
+              <a:rPr lang="en-US" dirty="0" smtClean="0">
+                <a:sym typeface="Wingdings" pitchFamily="2" charset="2"/>
+              </a:rPr>
+              <a:t> Set Attributes and Mesh</a:t>
+            </a:r>
+            <a:endParaRPr lang="en-US" dirty="0"/>
+          </a:p>
+        </p:txBody>
+      </p:sp>
+      <p:sp>
+        <p:nvSpPr>
+          <p:cNvPr id="3" name="TextBox 2"/>
+          <p:cNvSpPr txBox="1"/>
+          <p:nvPr/>
+        </p:nvSpPr>
+        <p:spPr>
+          <a:xfrm>
+            <a:off x="3062177" y="845389"/>
+            <a:ext cx="6081823" cy="369332"/>
+          </a:xfrm>
+          <a:prstGeom prst="rect">
+            <a:avLst/>
+          </a:prstGeom>
+          <a:noFill/>
+        </p:spPr>
+        <p:txBody>
+          <a:bodyPr wrap="square" rtlCol="0">
+            <a:spAutoFit/>
+          </a:bodyPr>
+          <a:lstStyle/>
+          <a:p>
+            <a:pPr algn="r"/>
+            <a:r>
+              <a:rPr lang="en-US" dirty="0" smtClean="0"/>
+              <a:t>“Think: </a:t>
+            </a:r>
+            <a:r>
+              <a:rPr lang="en-US" dirty="0" smtClean="0">
+                <a:solidFill>
+                  <a:schemeClr val="accent6">
+                    <a:lumMod val="75000"/>
+                  </a:schemeClr>
+                </a:solidFill>
+              </a:rPr>
+              <a:t>Att</a:t>
+            </a:r>
+            <a:r>
+              <a:rPr lang="en-US" dirty="0" smtClean="0"/>
               <a:t>ribute </a:t>
             </a:r>
             <a:r>
@@ -39575,7 +40417,6 @@
               <a:rPr lang="en-US" sz="1400" dirty="0" smtClean="0"/>
               <a:t> (optional)</a:t>
             </a:r>
-            <a:endParaRPr lang="en-US" sz="1400" dirty="0" smtClean="0"/>
           </a:p>
         </p:txBody>
       </p:sp>
@@ -40458,7 +41299,7 @@
 </p:sld>
 </file>
 
-<file path=ppt/slides/slide48.xml><?xml version="1.0" encoding="utf-8"?>
+<file path=ppt/slides/slide49.xml><?xml version="1.0" encoding="utf-8"?>
 <p:sld xmlns:a="http://schemas.openxmlformats.org/drawingml/2006/main" xmlns:r="http://schemas.openxmlformats.org/officeDocument/2006/relationships" xmlns:p="http://schemas.openxmlformats.org/presentationml/2006/main">
   <p:cSld>
     <p:spTree>
@@ -40477,7 +41318,7 @@
       </p:grpSpPr>
       <p:sp>
         <p:nvSpPr>
-          <p:cNvPr id="5" name="Title 4"/>
+          <p:cNvPr id="2" name="Title 1"/>
           <p:cNvSpPr>
             <a:spLocks noGrp="1"/>
           </p:cNvSpPr>
@@ -40492,7 +41333,13 @@
           <a:p>
             <a:r>
               <a:rPr lang="en-US" dirty="0" smtClean="0"/>
-              <a:t>AWESOME, where can I find out more?</a:t>
+              <a:t>PPT.mac &amp; BAC.mac </a:t>
+            </a:r>
+            <a:r>
+              <a:rPr lang="en-US" dirty="0" smtClean="0">
+                <a:sym typeface="Wingdings" pitchFamily="2" charset="2"/>
+              </a:rPr>
+              <a:t> PowerPoint Fun.</a:t>
             </a:r>
             <a:endParaRPr lang="en-US" dirty="0"/>
           </a:p>
@@ -40500,14 +41347,14 @@
       </p:sp>
       <p:sp>
         <p:nvSpPr>
-          <p:cNvPr id="6" name="TextBox 5"/>
+          <p:cNvPr id="4" name="TextBox 3"/>
           <p:cNvSpPr txBox="1"/>
           <p:nvPr/>
         </p:nvSpPr>
         <p:spPr>
           <a:xfrm>
-            <a:off x="181155" y="983411"/>
-            <a:ext cx="8005313" cy="738664"/>
+            <a:off x="3062177" y="845389"/>
+            <a:ext cx="6081823" cy="369332"/>
           </a:xfrm>
           <a:prstGeom prst="rect">
             <a:avLst/>
@@ -40520,21 +41367,131 @@
           </a:bodyPr>
           <a:lstStyle/>
           <a:p>
+            <a:pPr algn="r"/>
+            <a:r>
+              <a:rPr lang="en-US" dirty="0" smtClean="0"/>
+              <a:t>“Think: </a:t>
+            </a:r>
+            <a:r>
+              <a:rPr lang="en-US" dirty="0" smtClean="0">
+                <a:solidFill>
+                  <a:schemeClr val="accent6">
+                    <a:lumMod val="75000"/>
+                  </a:schemeClr>
+                </a:solidFill>
+              </a:rPr>
+              <a:t>P</a:t>
+            </a:r>
+            <a:r>
+              <a:rPr lang="en-US" dirty="0" smtClean="0"/>
+              <a:t>ower</a:t>
+            </a:r>
+            <a:r>
+              <a:rPr lang="en-US" dirty="0" smtClean="0">
+                <a:solidFill>
+                  <a:schemeClr val="accent6">
+                    <a:lumMod val="75000"/>
+                  </a:schemeClr>
+                </a:solidFill>
+              </a:rPr>
+              <a:t> P</a:t>
+            </a:r>
+            <a:r>
+              <a:rPr lang="en-US" dirty="0" smtClean="0"/>
+              <a:t>oin</a:t>
+            </a:r>
+            <a:r>
+              <a:rPr lang="en-US" dirty="0" smtClean="0">
+                <a:solidFill>
+                  <a:schemeClr val="accent6">
+                    <a:lumMod val="75000"/>
+                  </a:schemeClr>
+                </a:solidFill>
+              </a:rPr>
+              <a:t>t</a:t>
+            </a:r>
+            <a:r>
+              <a:rPr lang="en-US" dirty="0" smtClean="0"/>
+              <a:t>”</a:t>
+            </a:r>
+            <a:endParaRPr lang="en-US" dirty="0"/>
+          </a:p>
+        </p:txBody>
+      </p:sp>
+      <p:sp>
+        <p:nvSpPr>
+          <p:cNvPr id="5" name="TextBox 4"/>
+          <p:cNvSpPr txBox="1"/>
+          <p:nvPr/>
+        </p:nvSpPr>
+        <p:spPr>
+          <a:xfrm>
+            <a:off x="0" y="879895"/>
+            <a:ext cx="8888819" cy="923330"/>
+          </a:xfrm>
+          <a:prstGeom prst="rect">
+            <a:avLst/>
+          </a:prstGeom>
+          <a:noFill/>
+        </p:spPr>
+        <p:txBody>
+          <a:bodyPr wrap="square" rtlCol="0">
+            <a:spAutoFit/>
+          </a:bodyPr>
+          <a:lstStyle/>
+          <a:p>
+            <a:r>
+              <a:rPr lang="en-US" sz="5400" dirty="0" smtClean="0"/>
+              <a:t>PPT,</a:t>
+            </a:r>
             <a:r>
               <a:rPr lang="en-US" sz="2400" dirty="0" smtClean="0"/>
-              <a:t>Header of the macros! </a:t>
-            </a:r>
-            <a:r>
-              <a:rPr lang="en-US" dirty="0" smtClean="0"/>
-              <a:t>They are there too help, if something is confusing, let me know, I’m also a decent writer and I can try to clarify.</a:t>
-            </a:r>
-            <a:endParaRPr lang="en-US" dirty="0"/>
+              <a:t> </a:t>
+            </a:r>
+            <a:r>
+              <a:rPr lang="en-US" sz="1600" dirty="0" smtClean="0"/>
+              <a:t>&lt;Shrink Window?&gt;</a:t>
+            </a:r>
+            <a:endParaRPr lang="en-US" sz="5400" dirty="0"/>
+          </a:p>
+        </p:txBody>
+      </p:sp>
+      <p:sp>
+        <p:nvSpPr>
+          <p:cNvPr id="6" name="TextBox 5"/>
+          <p:cNvSpPr txBox="1"/>
+          <p:nvPr/>
+        </p:nvSpPr>
+        <p:spPr>
+          <a:xfrm>
+            <a:off x="0" y="1722474"/>
+            <a:ext cx="5465135" cy="307777"/>
+          </a:xfrm>
+          <a:prstGeom prst="rect">
+            <a:avLst/>
+          </a:prstGeom>
+          <a:noFill/>
+          <a:ln>
+            <a:noFill/>
+          </a:ln>
+        </p:spPr>
+        <p:txBody>
+          <a:bodyPr wrap="square" rtlCol="0">
+            <a:spAutoFit/>
+          </a:bodyPr>
+          <a:lstStyle/>
+          <a:p>
+            <a:r>
+              <a:rPr lang="en-US" sz="1400" dirty="0" smtClean="0"/>
+              <a:t>Sets background to white and optionally shrinks viewing window. </a:t>
+            </a:r>
+            <a:endParaRPr lang="en-US" sz="1400" dirty="0" smtClean="0"/>
           </a:p>
         </p:txBody>
       </p:sp>
       <p:pic>
         <p:nvPicPr>
-          <p:cNvPr id="7170" name="Picture 2"/>
+          <p:cNvPr id="10" name="Picture 2"/>
           <p:cNvPicPr>
             <a:picLocks noChangeAspect="1" noChangeArrowheads="1"/>
           </p:cNvPicPr>
@@ -40549,8 +41506,8 @@
         </p:blipFill>
         <p:spPr bwMode="auto">
           <a:xfrm>
-            <a:off x="231652" y="1945706"/>
-            <a:ext cx="3969411" cy="2336673"/>
+            <a:off x="202019" y="2351632"/>
+            <a:ext cx="3764608" cy="2826424"/>
           </a:xfrm>
           <a:prstGeom prst="rect">
             <a:avLst/>
@@ -40566,19 +41523,24 @@
       </p:pic>
       <p:sp>
         <p:nvSpPr>
-          <p:cNvPr id="8" name="TextBox 7"/>
+          <p:cNvPr id="11" name="TextBox 10"/>
           <p:cNvSpPr txBox="1"/>
           <p:nvPr/>
         </p:nvSpPr>
         <p:spPr>
           <a:xfrm>
-            <a:off x="250168" y="4666891"/>
-            <a:ext cx="3985402" cy="1292662"/>
-          </a:xfrm>
-          <a:prstGeom prst="rect">
-            <a:avLst/>
-          </a:prstGeom>
-          <a:noFill/>
+            <a:off x="4040370" y="2923953"/>
+            <a:ext cx="786811" cy="307777"/>
+          </a:xfrm>
+          <a:prstGeom prst="rect">
+            <a:avLst/>
+          </a:prstGeom>
+          <a:solidFill>
+            <a:schemeClr val="tx1"/>
+          </a:solidFill>
+          <a:ln>
+            <a:noFill/>
+          </a:ln>
         </p:spPr>
         <p:txBody>
           <a:bodyPr wrap="square" rtlCol="0">
@@ -40587,28 +41549,34 @@
           <a:lstStyle/>
           <a:p>
             <a:r>
-              <a:rPr lang="en-US" sz="2400" dirty="0" smtClean="0"/>
-              <a:t>__</a:t>
-            </a:r>
-            <a:r>
-              <a:rPr lang="en-US" sz="2400" dirty="0" err="1" smtClean="0"/>
-              <a:t>BensMacros.xls</a:t>
-            </a:r>
-            <a:r>
-              <a:rPr lang="en-US" sz="2400" dirty="0" smtClean="0"/>
-              <a:t> </a:t>
-            </a:r>
-            <a:r>
-              <a:rPr lang="en-US" dirty="0" smtClean="0"/>
-              <a:t>is a kind of up to date listing of all the macros with a brief description. Let me know if something is missing, I’ll fix it.</a:t>
-            </a:r>
-            <a:endParaRPr lang="en-US" dirty="0"/>
+              <a:rPr lang="en-US" sz="1400" b="1" dirty="0" smtClean="0">
+                <a:solidFill>
+                  <a:schemeClr val="accent6">
+                    <a:lumMod val="75000"/>
+                  </a:schemeClr>
+                </a:solidFill>
+              </a:rPr>
+              <a:t>PPT</a:t>
+            </a:r>
+            <a:r>
+              <a:rPr lang="en-US" sz="1400" b="1" dirty="0" smtClean="0">
+                <a:solidFill>
+                  <a:schemeClr val="bg1"/>
+                </a:solidFill>
+              </a:rPr>
+              <a:t>, 1</a:t>
+            </a:r>
+            <a:endParaRPr lang="en-US" sz="1400" b="1" dirty="0" smtClean="0">
+              <a:solidFill>
+                <a:schemeClr val="bg1"/>
+              </a:solidFill>
+            </a:endParaRPr>
           </a:p>
         </p:txBody>
       </p:sp>
       <p:pic>
         <p:nvPicPr>
-          <p:cNvPr id="7171" name="Picture 3"/>
+          <p:cNvPr id="12" name="Picture 3"/>
           <p:cNvPicPr>
             <a:picLocks noChangeAspect="1" noChangeArrowheads="1"/>
           </p:cNvPicPr>
@@ -40623,8 +41591,8 @@
         </p:blipFill>
         <p:spPr bwMode="auto">
           <a:xfrm>
-            <a:off x="4507818" y="2242867"/>
-            <a:ext cx="4434720" cy="3571965"/>
+            <a:off x="4869713" y="2304744"/>
+            <a:ext cx="4091050" cy="2852046"/>
           </a:xfrm>
           <a:prstGeom prst="rect">
             <a:avLst/>
@@ -40638,88 +41606,54 @@
           </a:ln>
         </p:spPr>
       </p:pic>
-      <p:cxnSp>
-        <p:nvCxnSpPr>
-          <p:cNvPr id="15" name="Elbow Connector 14"/>
-          <p:cNvCxnSpPr>
-            <a:stCxn id="6" idx="2"/>
-            <a:endCxn id="7170" idx="0"/>
-          </p:cNvCxnSpPr>
-          <p:nvPr/>
-        </p:nvCxnSpPr>
-        <p:spPr>
-          <a:xfrm rot="5400000">
-            <a:off x="3088270" y="850163"/>
-            <a:ext cx="223631" cy="1967454"/>
-          </a:xfrm>
-          <a:prstGeom prst="bentConnector3">
-            <a:avLst>
-              <a:gd name="adj1" fmla="val 50000"/>
-            </a:avLst>
-          </a:prstGeom>
-          <a:ln w="25400">
+      <p:sp>
+        <p:nvSpPr>
+          <p:cNvPr id="13" name="Right Arrow 12"/>
+          <p:cNvSpPr/>
+          <p:nvPr/>
+        </p:nvSpPr>
+        <p:spPr>
+          <a:xfrm>
+            <a:off x="4072271" y="3646975"/>
+            <a:ext cx="637953" cy="414670"/>
+          </a:xfrm>
+          <a:prstGeom prst="rightArrow">
+            <a:avLst/>
+          </a:prstGeom>
+          <a:solidFill>
+            <a:srgbClr val="FF0000"/>
+          </a:solidFill>
+          <a:ln>
             <a:solidFill>
-              <a:schemeClr val="tx1"/>
+              <a:srgbClr val="C00000"/>
             </a:solidFill>
-            <a:tailEnd type="triangle"/>
           </a:ln>
         </p:spPr>
         <p:style>
-          <a:lnRef idx="1">
-            <a:schemeClr val="accent1"/>
+          <a:lnRef idx="2">
+            <a:schemeClr val="accent1">
+              <a:shade val="50000"/>
+            </a:schemeClr>
           </a:lnRef>
-          <a:fillRef idx="0">
+          <a:fillRef idx="1">
             <a:schemeClr val="accent1"/>
           </a:fillRef>
           <a:effectRef idx="0">
             <a:schemeClr val="accent1"/>
           </a:effectRef>
           <a:fontRef idx="minor">
-            <a:schemeClr val="tx1"/>
+            <a:schemeClr val="lt1"/>
           </a:fontRef>
         </p:style>
-      </p:cxnSp>
-      <p:cxnSp>
-        <p:nvCxnSpPr>
-          <p:cNvPr id="17" name="Elbow Connector 16"/>
-          <p:cNvCxnSpPr>
-            <a:stCxn id="8" idx="3"/>
-            <a:endCxn id="7171" idx="1"/>
-          </p:cNvCxnSpPr>
-          <p:nvPr/>
-        </p:nvCxnSpPr>
-        <p:spPr>
-          <a:xfrm flipV="1">
-            <a:off x="4235570" y="4028850"/>
-            <a:ext cx="272248" cy="1284372"/>
-          </a:xfrm>
-          <a:prstGeom prst="bentConnector3">
-            <a:avLst>
-              <a:gd name="adj1" fmla="val 50000"/>
-            </a:avLst>
-          </a:prstGeom>
-          <a:ln w="25400">
-            <a:solidFill>
-              <a:schemeClr val="tx1"/>
-            </a:solidFill>
-            <a:tailEnd type="triangle"/>
-          </a:ln>
-        </p:spPr>
-        <p:style>
-          <a:lnRef idx="1">
-            <a:schemeClr val="accent1"/>
-          </a:lnRef>
-          <a:fillRef idx="0">
-            <a:schemeClr val="accent1"/>
-          </a:fillRef>
-          <a:effectRef idx="0">
-            <a:schemeClr val="accent1"/>
-          </a:effectRef>
-          <a:fontRef idx="minor">
-            <a:schemeClr val="tx1"/>
-          </a:fontRef>
-        </p:style>
-      </p:cxnSp>
+        <p:txBody>
+          <a:bodyPr rtlCol="0" anchor="ctr"/>
+          <a:lstStyle/>
+          <a:p>
+            <a:pPr algn="ctr"/>
+            <a:endParaRPr lang="en-US"/>
+          </a:p>
+        </p:txBody>
+      </p:sp>
     </p:spTree>
   </p:cSld>
   <p:clrMapOvr>
@@ -40837,6 +41771,2808 @@
           </a:ln>
         </p:spPr>
       </p:pic>
+    </p:spTree>
+  </p:cSld>
+  <p:clrMapOvr>
+    <a:masterClrMapping/>
+  </p:clrMapOvr>
+  <p:timing>
+    <p:tnLst>
+      <p:par>
+        <p:cTn id="1" dur="indefinite" restart="never" nodeType="tmRoot"/>
+      </p:par>
+    </p:tnLst>
+  </p:timing>
+</p:sld>
+</file>
+
+<file path=ppt/slides/slide50.xml><?xml version="1.0" encoding="utf-8"?>
+<p:sld xmlns:a="http://schemas.openxmlformats.org/drawingml/2006/main" xmlns:r="http://schemas.openxmlformats.org/officeDocument/2006/relationships" xmlns:p="http://schemas.openxmlformats.org/presentationml/2006/main">
+  <p:cSld>
+    <p:spTree>
+      <p:nvGrpSpPr>
+        <p:cNvPr id="1" name=""/>
+        <p:cNvGrpSpPr/>
+        <p:nvPr/>
+      </p:nvGrpSpPr>
+      <p:grpSpPr>
+        <a:xfrm>
+          <a:off x="0" y="0"/>
+          <a:ext cx="0" cy="0"/>
+          <a:chOff x="0" y="0"/>
+          <a:chExt cx="0" cy="0"/>
+        </a:xfrm>
+      </p:grpSpPr>
+      <p:sp>
+        <p:nvSpPr>
+          <p:cNvPr id="2" name="Title 1"/>
+          <p:cNvSpPr>
+            <a:spLocks noGrp="1"/>
+          </p:cNvSpPr>
+          <p:nvPr>
+            <p:ph type="title"/>
+          </p:nvPr>
+        </p:nvSpPr>
+        <p:spPr/>
+        <p:txBody>
+          <a:bodyPr/>
+          <a:lstStyle/>
+          <a:p>
+            <a:r>
+              <a:rPr lang="en-US" dirty="0" smtClean="0"/>
+              <a:t>PPT.mac &amp; BAC.mac </a:t>
+            </a:r>
+            <a:r>
+              <a:rPr lang="en-US" dirty="0" smtClean="0">
+                <a:sym typeface="Wingdings" pitchFamily="2" charset="2"/>
+              </a:rPr>
+              <a:t> Fun with Power Point</a:t>
+            </a:r>
+            <a:endParaRPr lang="en-US" dirty="0"/>
+          </a:p>
+        </p:txBody>
+      </p:sp>
+      <p:sp>
+        <p:nvSpPr>
+          <p:cNvPr id="3" name="TextBox 2"/>
+          <p:cNvSpPr txBox="1"/>
+          <p:nvPr/>
+        </p:nvSpPr>
+        <p:spPr>
+          <a:xfrm>
+            <a:off x="3062177" y="965891"/>
+            <a:ext cx="6081823" cy="369332"/>
+          </a:xfrm>
+          <a:prstGeom prst="rect">
+            <a:avLst/>
+          </a:prstGeom>
+          <a:noFill/>
+        </p:spPr>
+        <p:txBody>
+          <a:bodyPr wrap="square" rtlCol="0">
+            <a:spAutoFit/>
+          </a:bodyPr>
+          <a:lstStyle/>
+          <a:p>
+            <a:pPr algn="r"/>
+            <a:r>
+              <a:rPr lang="en-US" dirty="0" smtClean="0"/>
+              <a:t>“Think: </a:t>
+            </a:r>
+            <a:r>
+              <a:rPr lang="en-US" dirty="0" smtClean="0">
+                <a:solidFill>
+                  <a:schemeClr val="accent6">
+                    <a:lumMod val="75000"/>
+                  </a:schemeClr>
+                </a:solidFill>
+              </a:rPr>
+              <a:t>Bac</a:t>
+            </a:r>
+            <a:r>
+              <a:rPr lang="en-US" dirty="0" smtClean="0"/>
+              <a:t>k To Normal”</a:t>
+            </a:r>
+            <a:endParaRPr lang="en-US" dirty="0"/>
+          </a:p>
+        </p:txBody>
+      </p:sp>
+      <p:sp>
+        <p:nvSpPr>
+          <p:cNvPr id="4" name="TextBox 3"/>
+          <p:cNvSpPr txBox="1"/>
+          <p:nvPr/>
+        </p:nvSpPr>
+        <p:spPr>
+          <a:xfrm>
+            <a:off x="1" y="851539"/>
+            <a:ext cx="2966484" cy="923330"/>
+          </a:xfrm>
+          <a:prstGeom prst="rect">
+            <a:avLst/>
+          </a:prstGeom>
+          <a:noFill/>
+        </p:spPr>
+        <p:txBody>
+          <a:bodyPr wrap="square" rtlCol="0">
+            <a:spAutoFit/>
+          </a:bodyPr>
+          <a:lstStyle/>
+          <a:p>
+            <a:r>
+              <a:rPr lang="en-US" sz="5400" dirty="0" smtClean="0"/>
+              <a:t>BAC</a:t>
+            </a:r>
+            <a:endParaRPr lang="en-US" sz="5400" dirty="0"/>
+          </a:p>
+        </p:txBody>
+      </p:sp>
+      <p:sp>
+        <p:nvSpPr>
+          <p:cNvPr id="5" name="TextBox 4"/>
+          <p:cNvSpPr txBox="1"/>
+          <p:nvPr/>
+        </p:nvSpPr>
+        <p:spPr>
+          <a:xfrm>
+            <a:off x="10633" y="1598423"/>
+            <a:ext cx="5465135" cy="307777"/>
+          </a:xfrm>
+          <a:prstGeom prst="rect">
+            <a:avLst/>
+          </a:prstGeom>
+          <a:noFill/>
+          <a:ln>
+            <a:noFill/>
+          </a:ln>
+        </p:spPr>
+        <p:txBody>
+          <a:bodyPr wrap="square" rtlCol="0">
+            <a:spAutoFit/>
+          </a:bodyPr>
+          <a:lstStyle/>
+          <a:p>
+            <a:r>
+              <a:rPr lang="en-US" sz="1400" dirty="0" smtClean="0"/>
+              <a:t>Resets Window back to black background and full size</a:t>
+            </a:r>
+            <a:endParaRPr lang="en-US" sz="1400" dirty="0" smtClean="0"/>
+          </a:p>
+        </p:txBody>
+      </p:sp>
+      <p:pic>
+        <p:nvPicPr>
+          <p:cNvPr id="1026" name="Picture 2"/>
+          <p:cNvPicPr>
+            <a:picLocks noChangeAspect="1" noChangeArrowheads="1"/>
+          </p:cNvPicPr>
+          <p:nvPr/>
+        </p:nvPicPr>
+        <p:blipFill>
+          <a:blip r:embed="rId2" cstate="print"/>
+          <a:srcRect/>
+          <a:stretch>
+            <a:fillRect/>
+          </a:stretch>
+        </p:blipFill>
+        <p:spPr bwMode="auto">
+          <a:xfrm>
+            <a:off x="5110318" y="2213409"/>
+            <a:ext cx="4033682" cy="3028442"/>
+          </a:xfrm>
+          <a:prstGeom prst="rect">
+            <a:avLst/>
+          </a:prstGeom>
+          <a:noFill/>
+          <a:ln w="9525">
+            <a:noFill/>
+            <a:miter lim="800000"/>
+            <a:headEnd/>
+            <a:tailEnd/>
+          </a:ln>
+        </p:spPr>
+      </p:pic>
+      <p:sp>
+        <p:nvSpPr>
+          <p:cNvPr id="7" name="TextBox 6"/>
+          <p:cNvSpPr txBox="1"/>
+          <p:nvPr/>
+        </p:nvSpPr>
+        <p:spPr>
+          <a:xfrm>
+            <a:off x="4369987" y="3125972"/>
+            <a:ext cx="616681" cy="307777"/>
+          </a:xfrm>
+          <a:prstGeom prst="rect">
+            <a:avLst/>
+          </a:prstGeom>
+          <a:solidFill>
+            <a:schemeClr val="tx1"/>
+          </a:solidFill>
+          <a:ln>
+            <a:noFill/>
+          </a:ln>
+        </p:spPr>
+        <p:txBody>
+          <a:bodyPr wrap="square" rtlCol="0">
+            <a:spAutoFit/>
+          </a:bodyPr>
+          <a:lstStyle/>
+          <a:p>
+            <a:r>
+              <a:rPr lang="en-US" sz="1400" b="1" dirty="0" smtClean="0">
+                <a:solidFill>
+                  <a:schemeClr val="accent6">
+                    <a:lumMod val="75000"/>
+                  </a:schemeClr>
+                </a:solidFill>
+              </a:rPr>
+              <a:t>BAC</a:t>
+            </a:r>
+            <a:endParaRPr lang="en-US" sz="1400" b="1" dirty="0" smtClean="0">
+              <a:solidFill>
+                <a:schemeClr val="bg1"/>
+              </a:solidFill>
+            </a:endParaRPr>
+          </a:p>
+        </p:txBody>
+      </p:sp>
+      <p:pic>
+        <p:nvPicPr>
+          <p:cNvPr id="1027" name="Picture 3"/>
+          <p:cNvPicPr>
+            <a:picLocks noChangeAspect="1" noChangeArrowheads="1"/>
+          </p:cNvPicPr>
+          <p:nvPr/>
+        </p:nvPicPr>
+        <p:blipFill>
+          <a:blip r:embed="rId3" cstate="print"/>
+          <a:srcRect/>
+          <a:stretch>
+            <a:fillRect/>
+          </a:stretch>
+        </p:blipFill>
+        <p:spPr bwMode="auto">
+          <a:xfrm>
+            <a:off x="0" y="2251582"/>
+            <a:ext cx="4319824" cy="3011534"/>
+          </a:xfrm>
+          <a:prstGeom prst="rect">
+            <a:avLst/>
+          </a:prstGeom>
+          <a:noFill/>
+          <a:ln w="9525">
+            <a:noFill/>
+            <a:miter lim="800000"/>
+            <a:headEnd/>
+            <a:tailEnd/>
+          </a:ln>
+        </p:spPr>
+      </p:pic>
+      <p:sp>
+        <p:nvSpPr>
+          <p:cNvPr id="9" name="Right Arrow 8"/>
+          <p:cNvSpPr/>
+          <p:nvPr/>
+        </p:nvSpPr>
+        <p:spPr>
+          <a:xfrm>
+            <a:off x="4391255" y="3530017"/>
+            <a:ext cx="637953" cy="414670"/>
+          </a:xfrm>
+          <a:prstGeom prst="rightArrow">
+            <a:avLst/>
+          </a:prstGeom>
+          <a:solidFill>
+            <a:srgbClr val="FF0000"/>
+          </a:solidFill>
+          <a:ln>
+            <a:solidFill>
+              <a:srgbClr val="C00000"/>
+            </a:solidFill>
+          </a:ln>
+        </p:spPr>
+        <p:style>
+          <a:lnRef idx="2">
+            <a:schemeClr val="accent1">
+              <a:shade val="50000"/>
+            </a:schemeClr>
+          </a:lnRef>
+          <a:fillRef idx="1">
+            <a:schemeClr val="accent1"/>
+          </a:fillRef>
+          <a:effectRef idx="0">
+            <a:schemeClr val="accent1"/>
+          </a:effectRef>
+          <a:fontRef idx="minor">
+            <a:schemeClr val="lt1"/>
+          </a:fontRef>
+        </p:style>
+        <p:txBody>
+          <a:bodyPr rtlCol="0" anchor="ctr"/>
+          <a:lstStyle/>
+          <a:p>
+            <a:pPr algn="ctr"/>
+            <a:endParaRPr lang="en-US"/>
+          </a:p>
+        </p:txBody>
+      </p:sp>
+    </p:spTree>
+  </p:cSld>
+  <p:clrMapOvr>
+    <a:masterClrMapping/>
+  </p:clrMapOvr>
+  <p:timing>
+    <p:tnLst>
+      <p:par>
+        <p:cTn id="1" dur="indefinite" restart="never" nodeType="tmRoot"/>
+      </p:par>
+    </p:tnLst>
+  </p:timing>
+</p:sld>
+</file>
+
+<file path=ppt/slides/slide51.xml><?xml version="1.0" encoding="utf-8"?>
+<p:sld xmlns:a="http://schemas.openxmlformats.org/drawingml/2006/main" xmlns:r="http://schemas.openxmlformats.org/officeDocument/2006/relationships" xmlns:p="http://schemas.openxmlformats.org/presentationml/2006/main">
+  <p:cSld>
+    <p:spTree>
+      <p:nvGrpSpPr>
+        <p:cNvPr id="1" name=""/>
+        <p:cNvGrpSpPr/>
+        <p:nvPr/>
+      </p:nvGrpSpPr>
+      <p:grpSpPr>
+        <a:xfrm>
+          <a:off x="0" y="0"/>
+          <a:ext cx="0" cy="0"/>
+          <a:chOff x="0" y="0"/>
+          <a:chExt cx="0" cy="0"/>
+        </a:xfrm>
+      </p:grpSpPr>
+      <p:sp>
+        <p:nvSpPr>
+          <p:cNvPr id="2" name="Title 1"/>
+          <p:cNvSpPr>
+            <a:spLocks noGrp="1"/>
+          </p:cNvSpPr>
+          <p:nvPr>
+            <p:ph type="title"/>
+          </p:nvPr>
+        </p:nvSpPr>
+        <p:spPr/>
+        <p:txBody>
+          <a:bodyPr/>
+          <a:lstStyle/>
+          <a:p>
+            <a:r>
+              <a:rPr lang="en-US" dirty="0" smtClean="0"/>
+              <a:t>BUCK.mac </a:t>
+            </a:r>
+            <a:r>
+              <a:rPr lang="en-US" dirty="0" smtClean="0">
+                <a:sym typeface="Wingdings" pitchFamily="2" charset="2"/>
+              </a:rPr>
+              <a:t> Sandwich Construction Failures</a:t>
+            </a:r>
+            <a:endParaRPr lang="en-US" dirty="0"/>
+          </a:p>
+        </p:txBody>
+      </p:sp>
+      <p:sp>
+        <p:nvSpPr>
+          <p:cNvPr id="3" name="TextBox 2"/>
+          <p:cNvSpPr txBox="1"/>
+          <p:nvPr/>
+        </p:nvSpPr>
+        <p:spPr>
+          <a:xfrm>
+            <a:off x="3062177" y="965891"/>
+            <a:ext cx="6081823" cy="369332"/>
+          </a:xfrm>
+          <a:prstGeom prst="rect">
+            <a:avLst/>
+          </a:prstGeom>
+          <a:noFill/>
+        </p:spPr>
+        <p:txBody>
+          <a:bodyPr wrap="square" rtlCol="0">
+            <a:spAutoFit/>
+          </a:bodyPr>
+          <a:lstStyle/>
+          <a:p>
+            <a:pPr algn="r"/>
+            <a:r>
+              <a:rPr lang="en-US" dirty="0" smtClean="0"/>
+              <a:t>“Think: </a:t>
+            </a:r>
+            <a:r>
+              <a:rPr lang="en-US" dirty="0" smtClean="0"/>
+              <a:t>Sandwich Structure</a:t>
+            </a:r>
+            <a:r>
+              <a:rPr lang="en-US" dirty="0" smtClean="0">
+                <a:solidFill>
+                  <a:schemeClr val="accent6">
+                    <a:lumMod val="75000"/>
+                  </a:schemeClr>
+                </a:solidFill>
+              </a:rPr>
+              <a:t> Buck</a:t>
+            </a:r>
+            <a:r>
+              <a:rPr lang="en-US" dirty="0" smtClean="0"/>
+              <a:t>ling</a:t>
+            </a:r>
+            <a:r>
+              <a:rPr lang="en-US" dirty="0" smtClean="0"/>
+              <a:t>”</a:t>
+            </a:r>
+            <a:endParaRPr lang="en-US" dirty="0"/>
+          </a:p>
+        </p:txBody>
+      </p:sp>
+      <p:sp>
+        <p:nvSpPr>
+          <p:cNvPr id="4" name="TextBox 3"/>
+          <p:cNvSpPr txBox="1"/>
+          <p:nvPr/>
+        </p:nvSpPr>
+        <p:spPr>
+          <a:xfrm>
+            <a:off x="1" y="851539"/>
+            <a:ext cx="8782492" cy="923330"/>
+          </a:xfrm>
+          <a:prstGeom prst="rect">
+            <a:avLst/>
+          </a:prstGeom>
+          <a:noFill/>
+        </p:spPr>
+        <p:txBody>
+          <a:bodyPr wrap="square" rtlCol="0">
+            <a:spAutoFit/>
+          </a:bodyPr>
+          <a:lstStyle/>
+          <a:p>
+            <a:r>
+              <a:rPr lang="en-US" sz="5400" dirty="0" smtClean="0"/>
+              <a:t>BUCK,</a:t>
+            </a:r>
+            <a:r>
+              <a:rPr lang="en-US" dirty="0" smtClean="0"/>
+              <a:t>&lt;Cell Size&gt;, &lt;Results Display&gt;, &lt;Calculations&gt; </a:t>
+            </a:r>
+            <a:endParaRPr lang="en-US" sz="5400" dirty="0"/>
+          </a:p>
+        </p:txBody>
+      </p:sp>
+      <p:sp>
+        <p:nvSpPr>
+          <p:cNvPr id="5" name="TextBox 4"/>
+          <p:cNvSpPr txBox="1"/>
+          <p:nvPr/>
+        </p:nvSpPr>
+        <p:spPr>
+          <a:xfrm>
+            <a:off x="10633" y="1630322"/>
+            <a:ext cx="5465135" cy="307777"/>
+          </a:xfrm>
+          <a:prstGeom prst="rect">
+            <a:avLst/>
+          </a:prstGeom>
+          <a:noFill/>
+          <a:ln>
+            <a:noFill/>
+          </a:ln>
+        </p:spPr>
+        <p:txBody>
+          <a:bodyPr wrap="square" rtlCol="0">
+            <a:spAutoFit/>
+          </a:bodyPr>
+          <a:lstStyle/>
+          <a:p>
+            <a:r>
+              <a:rPr lang="en-US" sz="1400" dirty="0" smtClean="0"/>
+              <a:t>Calculates Composite Sandwich Structure Buckling </a:t>
+            </a:r>
+            <a:endParaRPr lang="en-US" sz="1400" dirty="0" smtClean="0"/>
+          </a:p>
+        </p:txBody>
+      </p:sp>
+      <p:sp>
+        <p:nvSpPr>
+          <p:cNvPr id="7" name="TextBox 6"/>
+          <p:cNvSpPr txBox="1"/>
+          <p:nvPr/>
+        </p:nvSpPr>
+        <p:spPr>
+          <a:xfrm>
+            <a:off x="1648051" y="6166884"/>
+            <a:ext cx="6028661" cy="523220"/>
+          </a:xfrm>
+          <a:prstGeom prst="rect">
+            <a:avLst/>
+          </a:prstGeom>
+          <a:ln/>
+        </p:spPr>
+        <p:style>
+          <a:lnRef idx="1">
+            <a:schemeClr val="accent2"/>
+          </a:lnRef>
+          <a:fillRef idx="2">
+            <a:schemeClr val="accent2"/>
+          </a:fillRef>
+          <a:effectRef idx="1">
+            <a:schemeClr val="accent2"/>
+          </a:effectRef>
+          <a:fontRef idx="minor">
+            <a:schemeClr val="dk1"/>
+          </a:fontRef>
+        </p:style>
+        <p:txBody>
+          <a:bodyPr wrap="square" rtlCol="0">
+            <a:spAutoFit/>
+          </a:bodyPr>
+          <a:lstStyle/>
+          <a:p>
+            <a:r>
+              <a:rPr lang="en-US" sz="1400" dirty="0" smtClean="0"/>
+              <a:t>Can be quite time consuming for large numbers of elements; </a:t>
+            </a:r>
+          </a:p>
+          <a:p>
+            <a:r>
+              <a:rPr lang="en-US" sz="1400" dirty="0" smtClean="0"/>
+              <a:t>current formulation calculates </a:t>
+            </a:r>
+            <a:r>
+              <a:rPr lang="en-US" sz="1400" dirty="0" err="1" smtClean="0"/>
+              <a:t>faceshee</a:t>
+            </a:r>
+            <a:r>
+              <a:rPr lang="en-US" sz="1400" dirty="0" err="1" smtClean="0"/>
+              <a:t>t</a:t>
+            </a:r>
+            <a:r>
+              <a:rPr lang="en-US" sz="1400" dirty="0" smtClean="0"/>
+              <a:t> </a:t>
+            </a:r>
+            <a:r>
+              <a:rPr lang="en-US" sz="1400" dirty="0" smtClean="0"/>
+              <a:t>stiffness for every element…</a:t>
+            </a:r>
+            <a:endParaRPr lang="en-US" sz="1400" dirty="0" smtClean="0"/>
+          </a:p>
+        </p:txBody>
+      </p:sp>
+      <p:sp>
+        <p:nvSpPr>
+          <p:cNvPr id="8" name="TextBox 7"/>
+          <p:cNvSpPr txBox="1"/>
+          <p:nvPr/>
+        </p:nvSpPr>
+        <p:spPr>
+          <a:xfrm>
+            <a:off x="152400" y="2009554"/>
+            <a:ext cx="1041991" cy="307777"/>
+          </a:xfrm>
+          <a:prstGeom prst="rect">
+            <a:avLst/>
+          </a:prstGeom>
+          <a:noFill/>
+          <a:ln>
+            <a:noFill/>
+          </a:ln>
+        </p:spPr>
+        <p:txBody>
+          <a:bodyPr wrap="square" rtlCol="0">
+            <a:spAutoFit/>
+          </a:bodyPr>
+          <a:lstStyle/>
+          <a:p>
+            <a:r>
+              <a:rPr lang="en-US" sz="1400" b="1" dirty="0" smtClean="0"/>
+              <a:t>Cell Size</a:t>
+            </a:r>
+            <a:endParaRPr lang="en-US" sz="1400" b="1" dirty="0" smtClean="0"/>
+          </a:p>
+        </p:txBody>
+      </p:sp>
+      <p:sp>
+        <p:nvSpPr>
+          <p:cNvPr id="9" name="TextBox 8"/>
+          <p:cNvSpPr txBox="1"/>
+          <p:nvPr/>
+        </p:nvSpPr>
+        <p:spPr>
+          <a:xfrm>
+            <a:off x="1297173" y="5550193"/>
+            <a:ext cx="6624085" cy="523220"/>
+          </a:xfrm>
+          <a:prstGeom prst="rect">
+            <a:avLst/>
+          </a:prstGeom>
+          <a:ln/>
+        </p:spPr>
+        <p:style>
+          <a:lnRef idx="1">
+            <a:schemeClr val="accent2"/>
+          </a:lnRef>
+          <a:fillRef idx="2">
+            <a:schemeClr val="accent2"/>
+          </a:fillRef>
+          <a:effectRef idx="1">
+            <a:schemeClr val="accent2"/>
+          </a:effectRef>
+          <a:fontRef idx="minor">
+            <a:schemeClr val="dk1"/>
+          </a:fontRef>
+        </p:style>
+        <p:txBody>
+          <a:bodyPr wrap="square" rtlCol="0">
+            <a:spAutoFit/>
+          </a:bodyPr>
+          <a:lstStyle/>
+          <a:p>
+            <a:pPr algn="ctr"/>
+            <a:r>
+              <a:rPr lang="en-US" sz="1400" b="1" dirty="0" smtClean="0"/>
+              <a:t>ONLY WORKS FOR: </a:t>
+            </a:r>
+            <a:r>
+              <a:rPr lang="en-US" sz="1400" dirty="0" smtClean="0"/>
+              <a:t>Shell181, Solid185, Solid186, Solsh190, Shell208, Shell209 &amp; Shell281</a:t>
+            </a:r>
+          </a:p>
+          <a:p>
+            <a:pPr algn="ctr"/>
+            <a:r>
+              <a:rPr lang="en-US" sz="1400" b="1" dirty="0" smtClean="0"/>
+              <a:t>Doesn’t Work For Shell91!!!</a:t>
+            </a:r>
+            <a:endParaRPr lang="en-US" sz="1400" b="1" dirty="0" smtClean="0"/>
+          </a:p>
+        </p:txBody>
+      </p:sp>
+      <p:sp>
+        <p:nvSpPr>
+          <p:cNvPr id="10" name="TextBox 9"/>
+          <p:cNvSpPr txBox="1"/>
+          <p:nvPr/>
+        </p:nvSpPr>
+        <p:spPr>
+          <a:xfrm>
+            <a:off x="1587807" y="1988288"/>
+            <a:ext cx="2828261" cy="307777"/>
+          </a:xfrm>
+          <a:prstGeom prst="rect">
+            <a:avLst/>
+          </a:prstGeom>
+          <a:noFill/>
+          <a:ln>
+            <a:noFill/>
+          </a:ln>
+        </p:spPr>
+        <p:txBody>
+          <a:bodyPr wrap="square" rtlCol="0">
+            <a:spAutoFit/>
+          </a:bodyPr>
+          <a:lstStyle/>
+          <a:p>
+            <a:r>
+              <a:rPr lang="en-US" sz="1400" dirty="0" smtClean="0"/>
+              <a:t>Cell Size of Honeycomb core</a:t>
+            </a:r>
+            <a:endParaRPr lang="en-US" sz="1400" dirty="0" smtClean="0"/>
+          </a:p>
+        </p:txBody>
+      </p:sp>
+      <p:grpSp>
+        <p:nvGrpSpPr>
+          <p:cNvPr id="19" name="Group 18"/>
+          <p:cNvGrpSpPr/>
+          <p:nvPr/>
+        </p:nvGrpSpPr>
+        <p:grpSpPr>
+          <a:xfrm>
+            <a:off x="4306188" y="1946743"/>
+            <a:ext cx="1297171" cy="401703"/>
+            <a:chOff x="4072272" y="1936110"/>
+            <a:chExt cx="1297171" cy="401703"/>
+          </a:xfrm>
+        </p:grpSpPr>
+        <p:sp>
+          <p:nvSpPr>
+            <p:cNvPr id="11" name="Hexagon 10"/>
+            <p:cNvSpPr/>
+            <p:nvPr/>
+          </p:nvSpPr>
+          <p:spPr>
+            <a:xfrm rot="1571799">
+              <a:off x="4481030" y="1936110"/>
+              <a:ext cx="478465" cy="401703"/>
+            </a:xfrm>
+            <a:prstGeom prst="hexagon">
+              <a:avLst/>
+            </a:prstGeom>
+            <a:noFill/>
+            <a:ln>
+              <a:solidFill>
+                <a:srgbClr val="FF0000"/>
+              </a:solidFill>
+            </a:ln>
+          </p:spPr>
+          <p:style>
+            <a:lnRef idx="2">
+              <a:schemeClr val="accent1">
+                <a:shade val="50000"/>
+              </a:schemeClr>
+            </a:lnRef>
+            <a:fillRef idx="1">
+              <a:schemeClr val="accent1"/>
+            </a:fillRef>
+            <a:effectRef idx="0">
+              <a:schemeClr val="accent1"/>
+            </a:effectRef>
+            <a:fontRef idx="minor">
+              <a:schemeClr val="lt1"/>
+            </a:fontRef>
+          </p:style>
+          <p:txBody>
+            <a:bodyPr rtlCol="0" anchor="ctr"/>
+            <a:lstStyle/>
+            <a:p>
+              <a:pPr algn="ctr"/>
+              <a:endParaRPr lang="en-US"/>
+            </a:p>
+          </p:txBody>
+        </p:sp>
+        <p:cxnSp>
+          <p:nvCxnSpPr>
+            <p:cNvPr id="13" name="Straight Arrow Connector 12"/>
+            <p:cNvCxnSpPr/>
+            <p:nvPr/>
+          </p:nvCxnSpPr>
+          <p:spPr>
+            <a:xfrm>
+              <a:off x="4072272" y="2126511"/>
+              <a:ext cx="425303" cy="1588"/>
+            </a:xfrm>
+            <a:prstGeom prst="straightConnector1">
+              <a:avLst/>
+            </a:prstGeom>
+            <a:ln w="41275">
+              <a:solidFill>
+                <a:schemeClr val="tx1"/>
+              </a:solidFill>
+              <a:tailEnd type="arrow"/>
+            </a:ln>
+          </p:spPr>
+          <p:style>
+            <a:lnRef idx="1">
+              <a:schemeClr val="accent1"/>
+            </a:lnRef>
+            <a:fillRef idx="0">
+              <a:schemeClr val="accent1"/>
+            </a:fillRef>
+            <a:effectRef idx="0">
+              <a:schemeClr val="accent1"/>
+            </a:effectRef>
+            <a:fontRef idx="minor">
+              <a:schemeClr val="tx1"/>
+            </a:fontRef>
+          </p:style>
+        </p:cxnSp>
+        <p:cxnSp>
+          <p:nvCxnSpPr>
+            <p:cNvPr id="14" name="Straight Arrow Connector 13"/>
+            <p:cNvCxnSpPr/>
+            <p:nvPr/>
+          </p:nvCxnSpPr>
+          <p:spPr>
+            <a:xfrm rot="10800000" flipV="1">
+              <a:off x="4937058" y="2126511"/>
+              <a:ext cx="432385" cy="5132"/>
+            </a:xfrm>
+            <a:prstGeom prst="straightConnector1">
+              <a:avLst/>
+            </a:prstGeom>
+            <a:ln w="41275">
+              <a:solidFill>
+                <a:schemeClr val="tx1"/>
+              </a:solidFill>
+              <a:tailEnd type="arrow"/>
+            </a:ln>
+          </p:spPr>
+          <p:style>
+            <a:lnRef idx="1">
+              <a:schemeClr val="accent1"/>
+            </a:lnRef>
+            <a:fillRef idx="0">
+              <a:schemeClr val="accent1"/>
+            </a:fillRef>
+            <a:effectRef idx="0">
+              <a:schemeClr val="accent1"/>
+            </a:effectRef>
+            <a:fontRef idx="minor">
+              <a:schemeClr val="tx1"/>
+            </a:fontRef>
+          </p:style>
+        </p:cxnSp>
+      </p:grpSp>
+      <p:sp>
+        <p:nvSpPr>
+          <p:cNvPr id="17" name="TextBox 16"/>
+          <p:cNvSpPr txBox="1"/>
+          <p:nvPr/>
+        </p:nvSpPr>
+        <p:spPr>
+          <a:xfrm>
+            <a:off x="152400" y="2321443"/>
+            <a:ext cx="1506277" cy="307777"/>
+          </a:xfrm>
+          <a:prstGeom prst="rect">
+            <a:avLst/>
+          </a:prstGeom>
+          <a:noFill/>
+          <a:ln>
+            <a:noFill/>
+          </a:ln>
+        </p:spPr>
+        <p:txBody>
+          <a:bodyPr wrap="square" rtlCol="0">
+            <a:spAutoFit/>
+          </a:bodyPr>
+          <a:lstStyle/>
+          <a:p>
+            <a:r>
+              <a:rPr lang="en-US" sz="1400" b="1" dirty="0" smtClean="0"/>
+              <a:t>Display Results</a:t>
+            </a:r>
+            <a:endParaRPr lang="en-US" sz="1400" b="1" dirty="0" smtClean="0"/>
+          </a:p>
+        </p:txBody>
+      </p:sp>
+      <p:pic>
+        <p:nvPicPr>
+          <p:cNvPr id="2050" name="Picture 2"/>
+          <p:cNvPicPr>
+            <a:picLocks noChangeAspect="1" noChangeArrowheads="1"/>
+          </p:cNvPicPr>
+          <p:nvPr/>
+        </p:nvPicPr>
+        <p:blipFill>
+          <a:blip r:embed="rId2" cstate="print"/>
+          <a:srcRect/>
+          <a:stretch>
+            <a:fillRect/>
+          </a:stretch>
+        </p:blipFill>
+        <p:spPr bwMode="auto">
+          <a:xfrm>
+            <a:off x="6973304" y="3210234"/>
+            <a:ext cx="2011680" cy="1402434"/>
+          </a:xfrm>
+          <a:prstGeom prst="rect">
+            <a:avLst/>
+          </a:prstGeom>
+          <a:noFill/>
+          <a:ln w="9525">
+            <a:noFill/>
+            <a:miter lim="800000"/>
+            <a:headEnd/>
+            <a:tailEnd/>
+          </a:ln>
+        </p:spPr>
+      </p:pic>
+      <p:sp>
+        <p:nvSpPr>
+          <p:cNvPr id="20" name="TextBox 19"/>
+          <p:cNvSpPr txBox="1"/>
+          <p:nvPr/>
+        </p:nvSpPr>
+        <p:spPr>
+          <a:xfrm>
+            <a:off x="1587807" y="2342706"/>
+            <a:ext cx="2452566" cy="307777"/>
+          </a:xfrm>
+          <a:prstGeom prst="rect">
+            <a:avLst/>
+          </a:prstGeom>
+          <a:noFill/>
+          <a:ln>
+            <a:noFill/>
+          </a:ln>
+        </p:spPr>
+        <p:txBody>
+          <a:bodyPr wrap="square" rtlCol="0">
+            <a:spAutoFit/>
+          </a:bodyPr>
+          <a:lstStyle/>
+          <a:p>
+            <a:r>
+              <a:rPr lang="en-US" sz="1400" dirty="0" smtClean="0"/>
+              <a:t>0 </a:t>
+            </a:r>
+            <a:r>
+              <a:rPr lang="en-US" sz="1400" dirty="0" smtClean="0">
+                <a:sym typeface="Wingdings" pitchFamily="2" charset="2"/>
+              </a:rPr>
+              <a:t> Shows Failed Elements</a:t>
+            </a:r>
+            <a:endParaRPr lang="en-US" sz="1400" dirty="0" smtClean="0"/>
+          </a:p>
+        </p:txBody>
+      </p:sp>
+      <p:sp>
+        <p:nvSpPr>
+          <p:cNvPr id="21" name="TextBox 20"/>
+          <p:cNvSpPr txBox="1"/>
+          <p:nvPr/>
+        </p:nvSpPr>
+        <p:spPr>
+          <a:xfrm>
+            <a:off x="1587807" y="2601432"/>
+            <a:ext cx="2736100" cy="307777"/>
+          </a:xfrm>
+          <a:prstGeom prst="rect">
+            <a:avLst/>
+          </a:prstGeom>
+          <a:noFill/>
+          <a:ln>
+            <a:noFill/>
+          </a:ln>
+        </p:spPr>
+        <p:txBody>
+          <a:bodyPr wrap="square" rtlCol="0">
+            <a:spAutoFit/>
+          </a:bodyPr>
+          <a:lstStyle/>
+          <a:p>
+            <a:r>
+              <a:rPr lang="en-US" sz="1400" dirty="0" smtClean="0"/>
+              <a:t>1 </a:t>
+            </a:r>
+            <a:r>
+              <a:rPr lang="en-US" sz="1400" dirty="0" smtClean="0">
+                <a:sym typeface="Wingdings" pitchFamily="2" charset="2"/>
+              </a:rPr>
+              <a:t> “Buckling Stress” 1= Failed</a:t>
+            </a:r>
+            <a:endParaRPr lang="en-US" sz="1400" dirty="0" smtClean="0"/>
+          </a:p>
+        </p:txBody>
+      </p:sp>
+      <p:pic>
+        <p:nvPicPr>
+          <p:cNvPr id="2052" name="Picture 4"/>
+          <p:cNvPicPr>
+            <a:picLocks noChangeAspect="1" noChangeArrowheads="1"/>
+          </p:cNvPicPr>
+          <p:nvPr/>
+        </p:nvPicPr>
+        <p:blipFill>
+          <a:blip r:embed="rId3" cstate="print"/>
+          <a:srcRect/>
+          <a:stretch>
+            <a:fillRect/>
+          </a:stretch>
+        </p:blipFill>
+        <p:spPr bwMode="auto">
+          <a:xfrm>
+            <a:off x="6973304" y="1648037"/>
+            <a:ext cx="2011680" cy="1402434"/>
+          </a:xfrm>
+          <a:prstGeom prst="rect">
+            <a:avLst/>
+          </a:prstGeom>
+          <a:noFill/>
+          <a:ln w="9525">
+            <a:noFill/>
+            <a:miter lim="800000"/>
+            <a:headEnd/>
+            <a:tailEnd/>
+          </a:ln>
+        </p:spPr>
+      </p:pic>
+      <p:cxnSp>
+        <p:nvCxnSpPr>
+          <p:cNvPr id="25" name="Elbow Connector 24"/>
+          <p:cNvCxnSpPr>
+            <a:stCxn id="20" idx="3"/>
+            <a:endCxn id="2052" idx="1"/>
+          </p:cNvCxnSpPr>
+          <p:nvPr/>
+        </p:nvCxnSpPr>
+        <p:spPr>
+          <a:xfrm flipV="1">
+            <a:off x="4040373" y="2349254"/>
+            <a:ext cx="2932931" cy="147341"/>
+          </a:xfrm>
+          <a:prstGeom prst="bentConnector3">
+            <a:avLst>
+              <a:gd name="adj1" fmla="val 50000"/>
+            </a:avLst>
+          </a:prstGeom>
+          <a:ln w="25400">
+            <a:solidFill>
+              <a:schemeClr val="accent3">
+                <a:lumMod val="50000"/>
+              </a:schemeClr>
+            </a:solidFill>
+            <a:tailEnd type="arrow"/>
+          </a:ln>
+        </p:spPr>
+        <p:style>
+          <a:lnRef idx="1">
+            <a:schemeClr val="accent1"/>
+          </a:lnRef>
+          <a:fillRef idx="0">
+            <a:schemeClr val="accent1"/>
+          </a:fillRef>
+          <a:effectRef idx="0">
+            <a:schemeClr val="accent1"/>
+          </a:effectRef>
+          <a:fontRef idx="minor">
+            <a:schemeClr val="tx1"/>
+          </a:fontRef>
+        </p:style>
+      </p:cxnSp>
+      <p:cxnSp>
+        <p:nvCxnSpPr>
+          <p:cNvPr id="29" name="Elbow Connector 28"/>
+          <p:cNvCxnSpPr>
+            <a:stCxn id="21" idx="3"/>
+            <a:endCxn id="2050" idx="1"/>
+          </p:cNvCxnSpPr>
+          <p:nvPr/>
+        </p:nvCxnSpPr>
+        <p:spPr>
+          <a:xfrm>
+            <a:off x="4323907" y="2755321"/>
+            <a:ext cx="2649397" cy="1156130"/>
+          </a:xfrm>
+          <a:prstGeom prst="bentConnector3">
+            <a:avLst>
+              <a:gd name="adj1" fmla="val 95349"/>
+            </a:avLst>
+          </a:prstGeom>
+          <a:ln w="25400">
+            <a:solidFill>
+              <a:schemeClr val="accent3">
+                <a:lumMod val="50000"/>
+              </a:schemeClr>
+            </a:solidFill>
+            <a:tailEnd type="arrow"/>
+          </a:ln>
+        </p:spPr>
+        <p:style>
+          <a:lnRef idx="1">
+            <a:schemeClr val="accent1"/>
+          </a:lnRef>
+          <a:fillRef idx="0">
+            <a:schemeClr val="accent1"/>
+          </a:fillRef>
+          <a:effectRef idx="0">
+            <a:schemeClr val="accent1"/>
+          </a:effectRef>
+          <a:fontRef idx="minor">
+            <a:schemeClr val="tx1"/>
+          </a:fontRef>
+        </p:style>
+      </p:cxnSp>
+      <p:sp>
+        <p:nvSpPr>
+          <p:cNvPr id="42" name="TextBox 41"/>
+          <p:cNvSpPr txBox="1"/>
+          <p:nvPr/>
+        </p:nvSpPr>
+        <p:spPr>
+          <a:xfrm>
+            <a:off x="152400" y="2931043"/>
+            <a:ext cx="1375144" cy="307777"/>
+          </a:xfrm>
+          <a:prstGeom prst="rect">
+            <a:avLst/>
+          </a:prstGeom>
+          <a:noFill/>
+          <a:ln>
+            <a:noFill/>
+          </a:ln>
+        </p:spPr>
+        <p:txBody>
+          <a:bodyPr wrap="square" rtlCol="0">
+            <a:spAutoFit/>
+          </a:bodyPr>
+          <a:lstStyle/>
+          <a:p>
+            <a:r>
+              <a:rPr lang="en-US" sz="1400" b="1" dirty="0" smtClean="0"/>
+              <a:t>Calculations</a:t>
+            </a:r>
+            <a:endParaRPr lang="en-US" sz="1400" b="1" dirty="0" smtClean="0"/>
+          </a:p>
+        </p:txBody>
+      </p:sp>
+      <p:sp>
+        <p:nvSpPr>
+          <p:cNvPr id="43" name="TextBox 42"/>
+          <p:cNvSpPr txBox="1"/>
+          <p:nvPr/>
+        </p:nvSpPr>
+        <p:spPr>
+          <a:xfrm>
+            <a:off x="1407046" y="2931043"/>
+            <a:ext cx="1878408" cy="307777"/>
+          </a:xfrm>
+          <a:prstGeom prst="rect">
+            <a:avLst/>
+          </a:prstGeom>
+          <a:noFill/>
+          <a:ln>
+            <a:noFill/>
+          </a:ln>
+        </p:spPr>
+        <p:txBody>
+          <a:bodyPr wrap="square" rtlCol="0">
+            <a:spAutoFit/>
+          </a:bodyPr>
+          <a:lstStyle/>
+          <a:p>
+            <a:r>
+              <a:rPr lang="en-US" sz="1400" dirty="0" smtClean="0"/>
+              <a:t>0 </a:t>
+            </a:r>
+            <a:r>
+              <a:rPr lang="en-US" sz="1400" dirty="0" smtClean="0">
+                <a:sym typeface="Wingdings" pitchFamily="2" charset="2"/>
+              </a:rPr>
+              <a:t> Minimum Margin</a:t>
+            </a:r>
+            <a:endParaRPr lang="en-US" sz="1400" dirty="0" smtClean="0"/>
+          </a:p>
+        </p:txBody>
+      </p:sp>
+      <p:sp>
+        <p:nvSpPr>
+          <p:cNvPr id="44" name="TextBox 43"/>
+          <p:cNvSpPr txBox="1"/>
+          <p:nvPr/>
+        </p:nvSpPr>
+        <p:spPr>
+          <a:xfrm>
+            <a:off x="1421217" y="3157874"/>
+            <a:ext cx="2395871" cy="307777"/>
+          </a:xfrm>
+          <a:prstGeom prst="rect">
+            <a:avLst/>
+          </a:prstGeom>
+          <a:noFill/>
+          <a:ln>
+            <a:noFill/>
+          </a:ln>
+        </p:spPr>
+        <p:txBody>
+          <a:bodyPr wrap="square" rtlCol="0">
+            <a:spAutoFit/>
+          </a:bodyPr>
+          <a:lstStyle/>
+          <a:p>
+            <a:r>
+              <a:rPr lang="en-US" sz="1400" dirty="0" smtClean="0"/>
+              <a:t>1 </a:t>
+            </a:r>
+            <a:r>
+              <a:rPr lang="en-US" sz="1400" dirty="0" smtClean="0">
+                <a:sym typeface="Wingdings" pitchFamily="2" charset="2"/>
+              </a:rPr>
+              <a:t> Inter Cellular Buckling</a:t>
+            </a:r>
+            <a:endParaRPr lang="en-US" sz="1400" dirty="0" smtClean="0"/>
+          </a:p>
+        </p:txBody>
+      </p:sp>
+      <p:sp>
+        <p:nvSpPr>
+          <p:cNvPr id="45" name="TextBox 44"/>
+          <p:cNvSpPr txBox="1"/>
+          <p:nvPr/>
+        </p:nvSpPr>
+        <p:spPr>
+          <a:xfrm>
+            <a:off x="1424763" y="3384696"/>
+            <a:ext cx="2445488" cy="307777"/>
+          </a:xfrm>
+          <a:prstGeom prst="rect">
+            <a:avLst/>
+          </a:prstGeom>
+          <a:noFill/>
+          <a:ln>
+            <a:noFill/>
+          </a:ln>
+        </p:spPr>
+        <p:txBody>
+          <a:bodyPr wrap="square" rtlCol="0">
+            <a:spAutoFit/>
+          </a:bodyPr>
+          <a:lstStyle/>
+          <a:p>
+            <a:r>
+              <a:rPr lang="en-US" sz="1400" dirty="0" smtClean="0"/>
+              <a:t>2 </a:t>
+            </a:r>
+            <a:r>
+              <a:rPr lang="en-US" sz="1400" dirty="0" smtClean="0">
+                <a:sym typeface="Wingdings" pitchFamily="2" charset="2"/>
+              </a:rPr>
+              <a:t> Face sheet Wrinkling</a:t>
+            </a:r>
+            <a:endParaRPr lang="en-US" sz="1400" dirty="0" smtClean="0"/>
+          </a:p>
+        </p:txBody>
+      </p:sp>
+      <p:sp>
+        <p:nvSpPr>
+          <p:cNvPr id="46" name="TextBox 45"/>
+          <p:cNvSpPr txBox="1"/>
+          <p:nvPr/>
+        </p:nvSpPr>
+        <p:spPr>
+          <a:xfrm>
+            <a:off x="1417675" y="3611522"/>
+            <a:ext cx="2888511" cy="307777"/>
+          </a:xfrm>
+          <a:prstGeom prst="rect">
+            <a:avLst/>
+          </a:prstGeom>
+          <a:noFill/>
+          <a:ln>
+            <a:noFill/>
+          </a:ln>
+        </p:spPr>
+        <p:txBody>
+          <a:bodyPr wrap="square" rtlCol="0">
+            <a:spAutoFit/>
+          </a:bodyPr>
+          <a:lstStyle/>
+          <a:p>
+            <a:r>
+              <a:rPr lang="en-US" sz="1400" dirty="0" smtClean="0"/>
+              <a:t>3 </a:t>
+            </a:r>
+            <a:r>
+              <a:rPr lang="en-US" sz="1400" dirty="0" smtClean="0">
+                <a:sym typeface="Wingdings" pitchFamily="2" charset="2"/>
+              </a:rPr>
+              <a:t> Shear Crimping (X-Direction)</a:t>
+            </a:r>
+            <a:endParaRPr lang="en-US" sz="1400" dirty="0" smtClean="0"/>
+          </a:p>
+        </p:txBody>
+      </p:sp>
+      <p:sp>
+        <p:nvSpPr>
+          <p:cNvPr id="47" name="TextBox 46"/>
+          <p:cNvSpPr txBox="1"/>
+          <p:nvPr/>
+        </p:nvSpPr>
+        <p:spPr>
+          <a:xfrm>
+            <a:off x="1417675" y="3838353"/>
+            <a:ext cx="3044450" cy="307777"/>
+          </a:xfrm>
+          <a:prstGeom prst="rect">
+            <a:avLst/>
+          </a:prstGeom>
+          <a:noFill/>
+          <a:ln>
+            <a:noFill/>
+          </a:ln>
+        </p:spPr>
+        <p:txBody>
+          <a:bodyPr wrap="square" rtlCol="0">
+            <a:spAutoFit/>
+          </a:bodyPr>
+          <a:lstStyle/>
+          <a:p>
+            <a:r>
+              <a:rPr lang="en-US" sz="1400" dirty="0" smtClean="0"/>
+              <a:t>4 </a:t>
+            </a:r>
+            <a:r>
+              <a:rPr lang="en-US" sz="1400" dirty="0" smtClean="0">
+                <a:sym typeface="Wingdings" pitchFamily="2" charset="2"/>
+              </a:rPr>
+              <a:t> Shear Crimping (Y-Direction)</a:t>
+            </a:r>
+            <a:endParaRPr lang="en-US" sz="1400" dirty="0" smtClean="0"/>
+          </a:p>
+        </p:txBody>
+      </p:sp>
+      <p:sp>
+        <p:nvSpPr>
+          <p:cNvPr id="48" name="TextBox 47"/>
+          <p:cNvSpPr txBox="1"/>
+          <p:nvPr/>
+        </p:nvSpPr>
+        <p:spPr>
+          <a:xfrm>
+            <a:off x="1417675" y="4065184"/>
+            <a:ext cx="3044450" cy="307777"/>
+          </a:xfrm>
+          <a:prstGeom prst="rect">
+            <a:avLst/>
+          </a:prstGeom>
+          <a:noFill/>
+          <a:ln>
+            <a:noFill/>
+          </a:ln>
+        </p:spPr>
+        <p:txBody>
+          <a:bodyPr wrap="square" rtlCol="0">
+            <a:spAutoFit/>
+          </a:bodyPr>
+          <a:lstStyle/>
+          <a:p>
+            <a:r>
+              <a:rPr lang="en-US" sz="1400" dirty="0" smtClean="0"/>
+              <a:t>5 </a:t>
+            </a:r>
+            <a:r>
+              <a:rPr lang="en-US" sz="1400" dirty="0" smtClean="0">
+                <a:sym typeface="Wingdings" pitchFamily="2" charset="2"/>
+              </a:rPr>
+              <a:t> Core Strength (X-Direction)</a:t>
+            </a:r>
+            <a:endParaRPr lang="en-US" sz="1400" dirty="0" smtClean="0"/>
+          </a:p>
+        </p:txBody>
+      </p:sp>
+      <p:sp>
+        <p:nvSpPr>
+          <p:cNvPr id="49" name="TextBox 48"/>
+          <p:cNvSpPr txBox="1"/>
+          <p:nvPr/>
+        </p:nvSpPr>
+        <p:spPr>
+          <a:xfrm>
+            <a:off x="1417675" y="4281382"/>
+            <a:ext cx="3044450" cy="307777"/>
+          </a:xfrm>
+          <a:prstGeom prst="rect">
+            <a:avLst/>
+          </a:prstGeom>
+          <a:noFill/>
+          <a:ln>
+            <a:noFill/>
+          </a:ln>
+        </p:spPr>
+        <p:txBody>
+          <a:bodyPr wrap="square" rtlCol="0">
+            <a:spAutoFit/>
+          </a:bodyPr>
+          <a:lstStyle/>
+          <a:p>
+            <a:r>
+              <a:rPr lang="en-US" sz="1400" dirty="0" smtClean="0">
+                <a:sym typeface="Wingdings" pitchFamily="2" charset="2"/>
+              </a:rPr>
+              <a:t>6  Core Strength (Y-Direction)</a:t>
+            </a:r>
+            <a:endParaRPr lang="en-US" sz="1400" dirty="0" smtClean="0"/>
+          </a:p>
+        </p:txBody>
+      </p:sp>
+      <p:cxnSp>
+        <p:nvCxnSpPr>
+          <p:cNvPr id="51" name="Elbow Connector 50"/>
+          <p:cNvCxnSpPr>
+            <a:stCxn id="44" idx="3"/>
+            <a:endCxn id="55" idx="1"/>
+          </p:cNvCxnSpPr>
+          <p:nvPr/>
+        </p:nvCxnSpPr>
+        <p:spPr>
+          <a:xfrm>
+            <a:off x="3817088" y="3311763"/>
+            <a:ext cx="3423685" cy="1795352"/>
+          </a:xfrm>
+          <a:prstGeom prst="bentConnector3">
+            <a:avLst>
+              <a:gd name="adj1" fmla="val 83540"/>
+            </a:avLst>
+          </a:prstGeom>
+          <a:ln w="25400">
+            <a:solidFill>
+              <a:schemeClr val="accent3">
+                <a:lumMod val="50000"/>
+              </a:schemeClr>
+            </a:solidFill>
+            <a:tailEnd type="arrow"/>
+          </a:ln>
+        </p:spPr>
+        <p:style>
+          <a:lnRef idx="1">
+            <a:schemeClr val="accent1"/>
+          </a:lnRef>
+          <a:fillRef idx="0">
+            <a:schemeClr val="accent1"/>
+          </a:fillRef>
+          <a:effectRef idx="0">
+            <a:schemeClr val="accent1"/>
+          </a:effectRef>
+          <a:fontRef idx="minor">
+            <a:schemeClr val="tx1"/>
+          </a:fontRef>
+        </p:style>
+      </p:cxnSp>
+      <p:pic>
+        <p:nvPicPr>
+          <p:cNvPr id="55" name="Picture 3"/>
+          <p:cNvPicPr>
+            <a:picLocks noChangeAspect="1" noChangeArrowheads="1"/>
+          </p:cNvPicPr>
+          <p:nvPr/>
+        </p:nvPicPr>
+        <p:blipFill>
+          <a:blip r:embed="rId4" cstate="print"/>
+          <a:srcRect l="26250" t="62500" r="14999" b="10156"/>
+          <a:stretch>
+            <a:fillRect/>
+          </a:stretch>
+        </p:blipFill>
+        <p:spPr bwMode="auto">
+          <a:xfrm>
+            <a:off x="7240773" y="4786698"/>
+            <a:ext cx="1706735" cy="640833"/>
+          </a:xfrm>
+          <a:prstGeom prst="rect">
+            <a:avLst/>
+          </a:prstGeom>
+          <a:noFill/>
+          <a:ln w="9525">
+            <a:noFill/>
+            <a:miter lim="800000"/>
+            <a:headEnd/>
+            <a:tailEnd/>
+          </a:ln>
+        </p:spPr>
+      </p:pic>
+      <p:pic>
+        <p:nvPicPr>
+          <p:cNvPr id="62" name="Picture 6"/>
+          <p:cNvPicPr>
+            <a:picLocks noChangeAspect="1" noChangeArrowheads="1"/>
+          </p:cNvPicPr>
+          <p:nvPr/>
+        </p:nvPicPr>
+        <p:blipFill>
+          <a:blip r:embed="rId4" cstate="print"/>
+          <a:srcRect l="26250" t="15625" r="14999" b="57031"/>
+          <a:stretch>
+            <a:fillRect/>
+          </a:stretch>
+        </p:blipFill>
+        <p:spPr bwMode="auto">
+          <a:xfrm>
+            <a:off x="4720855" y="3681385"/>
+            <a:ext cx="1787478" cy="667223"/>
+          </a:xfrm>
+          <a:prstGeom prst="rect">
+            <a:avLst/>
+          </a:prstGeom>
+          <a:noFill/>
+          <a:ln w="9525">
+            <a:noFill/>
+            <a:miter lim="800000"/>
+            <a:headEnd/>
+            <a:tailEnd/>
+          </a:ln>
+        </p:spPr>
+      </p:pic>
+      <p:cxnSp>
+        <p:nvCxnSpPr>
+          <p:cNvPr id="63" name="Elbow Connector 50"/>
+          <p:cNvCxnSpPr>
+            <a:stCxn id="45" idx="3"/>
+            <a:endCxn id="62" idx="0"/>
+          </p:cNvCxnSpPr>
+          <p:nvPr/>
+        </p:nvCxnSpPr>
+        <p:spPr>
+          <a:xfrm>
+            <a:off x="3870251" y="3538585"/>
+            <a:ext cx="1744343" cy="142800"/>
+          </a:xfrm>
+          <a:prstGeom prst="bentConnector2">
+            <a:avLst/>
+          </a:prstGeom>
+          <a:ln w="25400">
+            <a:solidFill>
+              <a:schemeClr val="accent3">
+                <a:lumMod val="50000"/>
+              </a:schemeClr>
+            </a:solidFill>
+            <a:tailEnd type="arrow"/>
+          </a:ln>
+        </p:spPr>
+        <p:style>
+          <a:lnRef idx="1">
+            <a:schemeClr val="accent1"/>
+          </a:lnRef>
+          <a:fillRef idx="0">
+            <a:schemeClr val="accent1"/>
+          </a:fillRef>
+          <a:effectRef idx="0">
+            <a:schemeClr val="accent1"/>
+          </a:effectRef>
+          <a:fontRef idx="minor">
+            <a:schemeClr val="tx1"/>
+          </a:fontRef>
+        </p:style>
+      </p:cxnSp>
+      <p:pic>
+        <p:nvPicPr>
+          <p:cNvPr id="73" name="Picture 5"/>
+          <p:cNvPicPr>
+            <a:picLocks noChangeAspect="1" noChangeArrowheads="1"/>
+          </p:cNvPicPr>
+          <p:nvPr/>
+        </p:nvPicPr>
+        <p:blipFill>
+          <a:blip r:embed="rId5" cstate="print"/>
+          <a:srcRect l="22501" t="42188" r="14999" b="23438"/>
+          <a:stretch>
+            <a:fillRect/>
+          </a:stretch>
+        </p:blipFill>
+        <p:spPr bwMode="auto">
+          <a:xfrm>
+            <a:off x="4603898" y="4524005"/>
+            <a:ext cx="1950391" cy="860869"/>
+          </a:xfrm>
+          <a:prstGeom prst="rect">
+            <a:avLst/>
+          </a:prstGeom>
+          <a:noFill/>
+          <a:ln w="9525">
+            <a:noFill/>
+            <a:miter lim="800000"/>
+            <a:headEnd/>
+            <a:tailEnd/>
+          </a:ln>
+        </p:spPr>
+      </p:pic>
+      <p:cxnSp>
+        <p:nvCxnSpPr>
+          <p:cNvPr id="74" name="Elbow Connector 50"/>
+          <p:cNvCxnSpPr>
+            <a:stCxn id="46" idx="3"/>
+            <a:endCxn id="73" idx="1"/>
+          </p:cNvCxnSpPr>
+          <p:nvPr/>
+        </p:nvCxnSpPr>
+        <p:spPr>
+          <a:xfrm>
+            <a:off x="4306186" y="3765411"/>
+            <a:ext cx="297712" cy="1189029"/>
+          </a:xfrm>
+          <a:prstGeom prst="bentConnector3">
+            <a:avLst>
+              <a:gd name="adj1" fmla="val 50000"/>
+            </a:avLst>
+          </a:prstGeom>
+          <a:ln w="25400">
+            <a:solidFill>
+              <a:schemeClr val="accent3">
+                <a:lumMod val="50000"/>
+              </a:schemeClr>
+            </a:solidFill>
+            <a:tailEnd type="arrow"/>
+          </a:ln>
+        </p:spPr>
+        <p:style>
+          <a:lnRef idx="1">
+            <a:schemeClr val="accent1"/>
+          </a:lnRef>
+          <a:fillRef idx="0">
+            <a:schemeClr val="accent1"/>
+          </a:fillRef>
+          <a:effectRef idx="0">
+            <a:schemeClr val="accent1"/>
+          </a:effectRef>
+          <a:fontRef idx="minor">
+            <a:schemeClr val="tx1"/>
+          </a:fontRef>
+        </p:style>
+      </p:cxnSp>
+    </p:spTree>
+  </p:cSld>
+  <p:clrMapOvr>
+    <a:masterClrMapping/>
+  </p:clrMapOvr>
+  <p:timing>
+    <p:tnLst>
+      <p:par>
+        <p:cTn id="1" dur="indefinite" restart="never" nodeType="tmRoot"/>
+      </p:par>
+    </p:tnLst>
+  </p:timing>
+</p:sld>
+</file>
+
+<file path=ppt/slides/slide52.xml><?xml version="1.0" encoding="utf-8"?>
+<p:sld xmlns:a="http://schemas.openxmlformats.org/drawingml/2006/main" xmlns:r="http://schemas.openxmlformats.org/officeDocument/2006/relationships" xmlns:p="http://schemas.openxmlformats.org/presentationml/2006/main">
+  <p:cSld>
+    <p:spTree>
+      <p:nvGrpSpPr>
+        <p:cNvPr id="1" name=""/>
+        <p:cNvGrpSpPr/>
+        <p:nvPr/>
+      </p:nvGrpSpPr>
+      <p:grpSpPr>
+        <a:xfrm>
+          <a:off x="0" y="0"/>
+          <a:ext cx="0" cy="0"/>
+          <a:chOff x="0" y="0"/>
+          <a:chExt cx="0" cy="0"/>
+        </a:xfrm>
+      </p:grpSpPr>
+      <p:sp>
+        <p:nvSpPr>
+          <p:cNvPr id="2" name="Title 1"/>
+          <p:cNvSpPr>
+            <a:spLocks noGrp="1"/>
+          </p:cNvSpPr>
+          <p:nvPr>
+            <p:ph type="title"/>
+          </p:nvPr>
+        </p:nvSpPr>
+        <p:spPr/>
+        <p:txBody>
+          <a:bodyPr/>
+          <a:lstStyle/>
+          <a:p>
+            <a:r>
+              <a:rPr lang="en-US" dirty="0" smtClean="0"/>
+              <a:t>CirBeam44.mac </a:t>
+            </a:r>
+            <a:r>
+              <a:rPr lang="en-US" dirty="0" smtClean="0">
+                <a:sym typeface="Wingdings" pitchFamily="2" charset="2"/>
+              </a:rPr>
+              <a:t> Quick Circular Beams</a:t>
+            </a:r>
+            <a:endParaRPr lang="en-US" dirty="0"/>
+          </a:p>
+        </p:txBody>
+      </p:sp>
+      <p:sp>
+        <p:nvSpPr>
+          <p:cNvPr id="3" name="TextBox 2"/>
+          <p:cNvSpPr txBox="1"/>
+          <p:nvPr/>
+        </p:nvSpPr>
+        <p:spPr>
+          <a:xfrm>
+            <a:off x="3040911" y="880830"/>
+            <a:ext cx="6081823" cy="369332"/>
+          </a:xfrm>
+          <a:prstGeom prst="rect">
+            <a:avLst/>
+          </a:prstGeom>
+          <a:noFill/>
+        </p:spPr>
+        <p:txBody>
+          <a:bodyPr wrap="square" rtlCol="0">
+            <a:spAutoFit/>
+          </a:bodyPr>
+          <a:lstStyle/>
+          <a:p>
+            <a:pPr algn="r"/>
+            <a:r>
+              <a:rPr lang="en-US" dirty="0" smtClean="0"/>
+              <a:t>“Think: </a:t>
+            </a:r>
+            <a:r>
+              <a:rPr lang="en-US" dirty="0" smtClean="0">
+                <a:solidFill>
+                  <a:schemeClr val="accent6">
+                    <a:lumMod val="75000"/>
+                  </a:schemeClr>
+                </a:solidFill>
+              </a:rPr>
+              <a:t>Cir</a:t>
+            </a:r>
+            <a:r>
+              <a:rPr lang="en-US" dirty="0" smtClean="0"/>
+              <a:t>cular </a:t>
+            </a:r>
+            <a:r>
+              <a:rPr lang="en-US" dirty="0" smtClean="0">
+                <a:solidFill>
+                  <a:schemeClr val="accent6">
+                    <a:lumMod val="75000"/>
+                  </a:schemeClr>
+                </a:solidFill>
+              </a:rPr>
+              <a:t>Beam44</a:t>
+            </a:r>
+            <a:r>
+              <a:rPr lang="en-US" dirty="0" smtClean="0"/>
+              <a:t>”</a:t>
+            </a:r>
+            <a:endParaRPr lang="en-US" dirty="0"/>
+          </a:p>
+        </p:txBody>
+      </p:sp>
+      <p:sp>
+        <p:nvSpPr>
+          <p:cNvPr id="4" name="TextBox 3"/>
+          <p:cNvSpPr txBox="1"/>
+          <p:nvPr/>
+        </p:nvSpPr>
+        <p:spPr>
+          <a:xfrm>
+            <a:off x="63798" y="957864"/>
+            <a:ext cx="8516676" cy="830997"/>
+          </a:xfrm>
+          <a:prstGeom prst="rect">
+            <a:avLst/>
+          </a:prstGeom>
+          <a:noFill/>
+        </p:spPr>
+        <p:txBody>
+          <a:bodyPr wrap="square" rtlCol="0">
+            <a:spAutoFit/>
+          </a:bodyPr>
+          <a:lstStyle/>
+          <a:p>
+            <a:r>
+              <a:rPr lang="en-US" sz="4800" dirty="0" smtClean="0"/>
+              <a:t>CirBeam44</a:t>
+            </a:r>
+            <a:r>
+              <a:rPr lang="en-US" sz="4000" dirty="0" smtClean="0"/>
+              <a:t>,</a:t>
+            </a:r>
+            <a:r>
+              <a:rPr lang="en-US" sz="1200" dirty="0" smtClean="0"/>
+              <a:t>&lt;</a:t>
+            </a:r>
+            <a:r>
+              <a:rPr lang="en-US" sz="1600" dirty="0" err="1" smtClean="0"/>
+              <a:t>MatNum</a:t>
+            </a:r>
+            <a:r>
+              <a:rPr lang="en-US" sz="1600" dirty="0" smtClean="0"/>
+              <a:t>&gt;, &lt;Outer Diameter&gt;, &lt;Thickness&gt;, &lt;Material&gt; </a:t>
+            </a:r>
+            <a:endParaRPr lang="en-US" sz="5400" dirty="0"/>
+          </a:p>
+        </p:txBody>
+      </p:sp>
+      <p:sp>
+        <p:nvSpPr>
+          <p:cNvPr id="5" name="TextBox 4"/>
+          <p:cNvSpPr txBox="1"/>
+          <p:nvPr/>
+        </p:nvSpPr>
+        <p:spPr>
+          <a:xfrm>
+            <a:off x="116956" y="1690575"/>
+            <a:ext cx="8420987" cy="338554"/>
+          </a:xfrm>
+          <a:prstGeom prst="rect">
+            <a:avLst/>
+          </a:prstGeom>
+          <a:noFill/>
+          <a:ln>
+            <a:noFill/>
+          </a:ln>
+        </p:spPr>
+        <p:txBody>
+          <a:bodyPr wrap="square" rtlCol="0">
+            <a:spAutoFit/>
+          </a:bodyPr>
+          <a:lstStyle/>
+          <a:p>
+            <a:r>
+              <a:rPr lang="en-US" sz="1600" i="1" dirty="0" smtClean="0"/>
+              <a:t>Creates Circular Beam 44 Element</a:t>
+            </a:r>
+            <a:endParaRPr lang="en-US" sz="1600" i="1" dirty="0" smtClean="0"/>
+          </a:p>
+        </p:txBody>
+      </p:sp>
+      <p:sp>
+        <p:nvSpPr>
+          <p:cNvPr id="6" name="TextBox 5"/>
+          <p:cNvSpPr txBox="1"/>
+          <p:nvPr/>
+        </p:nvSpPr>
+        <p:spPr>
+          <a:xfrm>
+            <a:off x="233914" y="2073349"/>
+            <a:ext cx="1041991" cy="307777"/>
+          </a:xfrm>
+          <a:prstGeom prst="rect">
+            <a:avLst/>
+          </a:prstGeom>
+          <a:noFill/>
+          <a:ln>
+            <a:noFill/>
+          </a:ln>
+        </p:spPr>
+        <p:txBody>
+          <a:bodyPr wrap="square" rtlCol="0">
+            <a:spAutoFit/>
+          </a:bodyPr>
+          <a:lstStyle/>
+          <a:p>
+            <a:r>
+              <a:rPr lang="en-US" sz="1400" b="1" dirty="0" err="1" smtClean="0"/>
+              <a:t>MatNum</a:t>
+            </a:r>
+            <a:endParaRPr lang="en-US" sz="1400" b="1" dirty="0" smtClean="0"/>
+          </a:p>
+        </p:txBody>
+      </p:sp>
+      <p:sp>
+        <p:nvSpPr>
+          <p:cNvPr id="7" name="TextBox 6"/>
+          <p:cNvSpPr txBox="1"/>
+          <p:nvPr/>
+        </p:nvSpPr>
+        <p:spPr>
+          <a:xfrm>
+            <a:off x="1633882" y="2073352"/>
+            <a:ext cx="5727405" cy="307777"/>
+          </a:xfrm>
+          <a:prstGeom prst="rect">
+            <a:avLst/>
+          </a:prstGeom>
+          <a:noFill/>
+          <a:ln>
+            <a:noFill/>
+          </a:ln>
+        </p:spPr>
+        <p:txBody>
+          <a:bodyPr wrap="square" rtlCol="0">
+            <a:spAutoFit/>
+          </a:bodyPr>
+          <a:lstStyle/>
+          <a:p>
+            <a:r>
+              <a:rPr lang="en-US" sz="1400" dirty="0" smtClean="0"/>
+              <a:t>Resulting Type, Real (and Material Number if Material is specified)</a:t>
+            </a:r>
+            <a:endParaRPr lang="en-US" sz="1400" dirty="0" smtClean="0"/>
+          </a:p>
+        </p:txBody>
+      </p:sp>
+      <p:sp>
+        <p:nvSpPr>
+          <p:cNvPr id="8" name="TextBox 7"/>
+          <p:cNvSpPr txBox="1"/>
+          <p:nvPr/>
+        </p:nvSpPr>
+        <p:spPr>
+          <a:xfrm>
+            <a:off x="233914" y="2332067"/>
+            <a:ext cx="1545266" cy="307777"/>
+          </a:xfrm>
+          <a:prstGeom prst="rect">
+            <a:avLst/>
+          </a:prstGeom>
+          <a:noFill/>
+          <a:ln>
+            <a:noFill/>
+          </a:ln>
+        </p:spPr>
+        <p:txBody>
+          <a:bodyPr wrap="square" rtlCol="0">
+            <a:spAutoFit/>
+          </a:bodyPr>
+          <a:lstStyle/>
+          <a:p>
+            <a:r>
+              <a:rPr lang="en-US" sz="1400" b="1" dirty="0" smtClean="0"/>
+              <a:t>Outer Diameter</a:t>
+            </a:r>
+            <a:endParaRPr lang="en-US" sz="1400" b="1" dirty="0" smtClean="0"/>
+          </a:p>
+        </p:txBody>
+      </p:sp>
+      <p:sp>
+        <p:nvSpPr>
+          <p:cNvPr id="9" name="TextBox 8"/>
+          <p:cNvSpPr txBox="1"/>
+          <p:nvPr/>
+        </p:nvSpPr>
+        <p:spPr>
+          <a:xfrm>
+            <a:off x="1633882" y="2332070"/>
+            <a:ext cx="2619141" cy="307777"/>
+          </a:xfrm>
+          <a:prstGeom prst="rect">
+            <a:avLst/>
+          </a:prstGeom>
+          <a:noFill/>
+          <a:ln>
+            <a:noFill/>
+          </a:ln>
+        </p:spPr>
+        <p:txBody>
+          <a:bodyPr wrap="square" rtlCol="0">
+            <a:spAutoFit/>
+          </a:bodyPr>
+          <a:lstStyle/>
+          <a:p>
+            <a:r>
+              <a:rPr lang="en-US" sz="1400" dirty="0" smtClean="0"/>
+              <a:t>Circular Beam outer diameter</a:t>
+            </a:r>
+            <a:endParaRPr lang="en-US" sz="1400" dirty="0" smtClean="0"/>
+          </a:p>
+        </p:txBody>
+      </p:sp>
+      <p:sp>
+        <p:nvSpPr>
+          <p:cNvPr id="10" name="TextBox 9"/>
+          <p:cNvSpPr txBox="1"/>
+          <p:nvPr/>
+        </p:nvSpPr>
+        <p:spPr>
+          <a:xfrm>
+            <a:off x="233914" y="2590788"/>
+            <a:ext cx="1545266" cy="307777"/>
+          </a:xfrm>
+          <a:prstGeom prst="rect">
+            <a:avLst/>
+          </a:prstGeom>
+          <a:noFill/>
+          <a:ln>
+            <a:noFill/>
+          </a:ln>
+        </p:spPr>
+        <p:txBody>
+          <a:bodyPr wrap="square" rtlCol="0">
+            <a:spAutoFit/>
+          </a:bodyPr>
+          <a:lstStyle/>
+          <a:p>
+            <a:r>
+              <a:rPr lang="en-US" sz="1400" b="1" dirty="0" smtClean="0"/>
+              <a:t>Thickness</a:t>
+            </a:r>
+            <a:endParaRPr lang="en-US" sz="1400" b="1" dirty="0" smtClean="0"/>
+          </a:p>
+        </p:txBody>
+      </p:sp>
+      <p:sp>
+        <p:nvSpPr>
+          <p:cNvPr id="11" name="TextBox 10"/>
+          <p:cNvSpPr txBox="1"/>
+          <p:nvPr/>
+        </p:nvSpPr>
+        <p:spPr>
+          <a:xfrm>
+            <a:off x="1633882" y="2590791"/>
+            <a:ext cx="4065169" cy="307777"/>
+          </a:xfrm>
+          <a:prstGeom prst="rect">
+            <a:avLst/>
+          </a:prstGeom>
+          <a:noFill/>
+          <a:ln>
+            <a:noFill/>
+          </a:ln>
+        </p:spPr>
+        <p:txBody>
+          <a:bodyPr wrap="square" rtlCol="0">
+            <a:spAutoFit/>
+          </a:bodyPr>
+          <a:lstStyle/>
+          <a:p>
+            <a:r>
+              <a:rPr lang="en-US" sz="1400" dirty="0" smtClean="0"/>
+              <a:t>Tube wall thickness (default = ½ Outer Diameter)</a:t>
+            </a:r>
+            <a:endParaRPr lang="en-US" sz="1400" dirty="0" smtClean="0"/>
+          </a:p>
+        </p:txBody>
+      </p:sp>
+      <p:cxnSp>
+        <p:nvCxnSpPr>
+          <p:cNvPr id="14" name="Elbow Connector 13"/>
+          <p:cNvCxnSpPr>
+            <a:stCxn id="9" idx="3"/>
+          </p:cNvCxnSpPr>
+          <p:nvPr/>
+        </p:nvCxnSpPr>
+        <p:spPr>
+          <a:xfrm>
+            <a:off x="4253023" y="2485959"/>
+            <a:ext cx="3402419" cy="97753"/>
+          </a:xfrm>
+          <a:prstGeom prst="bentConnector3">
+            <a:avLst>
+              <a:gd name="adj1" fmla="val 80313"/>
+            </a:avLst>
+          </a:prstGeom>
+          <a:ln w="25400">
+            <a:solidFill>
+              <a:schemeClr val="tx1"/>
+            </a:solidFill>
+            <a:tailEnd type="arrow"/>
+          </a:ln>
+        </p:spPr>
+        <p:style>
+          <a:lnRef idx="1">
+            <a:schemeClr val="accent1"/>
+          </a:lnRef>
+          <a:fillRef idx="0">
+            <a:schemeClr val="accent1"/>
+          </a:fillRef>
+          <a:effectRef idx="0">
+            <a:schemeClr val="accent1"/>
+          </a:effectRef>
+          <a:fontRef idx="minor">
+            <a:schemeClr val="tx1"/>
+          </a:fontRef>
+        </p:style>
+      </p:cxnSp>
+      <p:grpSp>
+        <p:nvGrpSpPr>
+          <p:cNvPr id="52" name="Group 51"/>
+          <p:cNvGrpSpPr/>
+          <p:nvPr/>
+        </p:nvGrpSpPr>
+        <p:grpSpPr>
+          <a:xfrm>
+            <a:off x="7134450" y="2137129"/>
+            <a:ext cx="1212109" cy="1169582"/>
+            <a:chOff x="7134450" y="2498651"/>
+            <a:chExt cx="1212109" cy="1169582"/>
+          </a:xfrm>
+        </p:grpSpPr>
+        <p:sp>
+          <p:nvSpPr>
+            <p:cNvPr id="24" name="Oval 23"/>
+            <p:cNvSpPr/>
+            <p:nvPr/>
+          </p:nvSpPr>
+          <p:spPr>
+            <a:xfrm>
+              <a:off x="7378995" y="2668774"/>
+              <a:ext cx="786809" cy="786808"/>
+            </a:xfrm>
+            <a:prstGeom prst="ellipse">
+              <a:avLst/>
+            </a:prstGeom>
+            <a:noFill/>
+            <a:ln>
+              <a:solidFill>
+                <a:srgbClr val="FF0000"/>
+              </a:solidFill>
+            </a:ln>
+          </p:spPr>
+          <p:style>
+            <a:lnRef idx="2">
+              <a:schemeClr val="accent1">
+                <a:shade val="50000"/>
+              </a:schemeClr>
+            </a:lnRef>
+            <a:fillRef idx="1">
+              <a:schemeClr val="accent1"/>
+            </a:fillRef>
+            <a:effectRef idx="0">
+              <a:schemeClr val="accent1"/>
+            </a:effectRef>
+            <a:fontRef idx="minor">
+              <a:schemeClr val="lt1"/>
+            </a:fontRef>
+          </p:style>
+          <p:txBody>
+            <a:bodyPr rtlCol="0" anchor="ctr"/>
+            <a:lstStyle/>
+            <a:p>
+              <a:pPr algn="ctr"/>
+              <a:endParaRPr lang="en-US"/>
+            </a:p>
+          </p:txBody>
+        </p:sp>
+        <p:sp>
+          <p:nvSpPr>
+            <p:cNvPr id="12" name="Oval 11"/>
+            <p:cNvSpPr/>
+            <p:nvPr/>
+          </p:nvSpPr>
+          <p:spPr>
+            <a:xfrm>
+              <a:off x="7219507" y="2498651"/>
+              <a:ext cx="1127052" cy="1095153"/>
+            </a:xfrm>
+            <a:prstGeom prst="ellipse">
+              <a:avLst/>
+            </a:prstGeom>
+            <a:noFill/>
+            <a:ln>
+              <a:solidFill>
+                <a:srgbClr val="FF0000"/>
+              </a:solidFill>
+            </a:ln>
+          </p:spPr>
+          <p:style>
+            <a:lnRef idx="2">
+              <a:schemeClr val="accent1">
+                <a:shade val="50000"/>
+              </a:schemeClr>
+            </a:lnRef>
+            <a:fillRef idx="1">
+              <a:schemeClr val="accent1"/>
+            </a:fillRef>
+            <a:effectRef idx="0">
+              <a:schemeClr val="accent1"/>
+            </a:effectRef>
+            <a:fontRef idx="minor">
+              <a:schemeClr val="lt1"/>
+            </a:fontRef>
+          </p:style>
+          <p:txBody>
+            <a:bodyPr rtlCol="0" anchor="ctr"/>
+            <a:lstStyle/>
+            <a:p>
+              <a:pPr algn="ctr"/>
+              <a:endParaRPr lang="en-US"/>
+            </a:p>
+          </p:txBody>
+        </p:sp>
+        <p:cxnSp>
+          <p:nvCxnSpPr>
+            <p:cNvPr id="16" name="Straight Arrow Connector 15"/>
+            <p:cNvCxnSpPr>
+              <a:stCxn id="12" idx="1"/>
+              <a:endCxn id="12" idx="5"/>
+            </p:cNvCxnSpPr>
+            <p:nvPr/>
+          </p:nvCxnSpPr>
+          <p:spPr>
+            <a:xfrm rot="16200000" flipH="1">
+              <a:off x="7395837" y="2647754"/>
+              <a:ext cx="774391" cy="796946"/>
+            </a:xfrm>
+            <a:prstGeom prst="straightConnector1">
+              <a:avLst/>
+            </a:prstGeom>
+            <a:ln w="25400">
+              <a:solidFill>
+                <a:schemeClr val="tx1"/>
+              </a:solidFill>
+              <a:headEnd type="triangle" w="lg" len="lg"/>
+              <a:tailEnd type="triangle" w="lg" len="lg"/>
+            </a:ln>
+          </p:spPr>
+          <p:style>
+            <a:lnRef idx="1">
+              <a:schemeClr val="accent1"/>
+            </a:lnRef>
+            <a:fillRef idx="0">
+              <a:schemeClr val="accent1"/>
+            </a:fillRef>
+            <a:effectRef idx="0">
+              <a:schemeClr val="accent1"/>
+            </a:effectRef>
+            <a:fontRef idx="minor">
+              <a:schemeClr val="tx1"/>
+            </a:fontRef>
+          </p:style>
+        </p:cxnSp>
+        <p:cxnSp>
+          <p:nvCxnSpPr>
+            <p:cNvPr id="31" name="Straight Arrow Connector 30"/>
+            <p:cNvCxnSpPr>
+              <a:stCxn id="24" idx="3"/>
+            </p:cNvCxnSpPr>
+            <p:nvPr/>
+          </p:nvCxnSpPr>
+          <p:spPr>
+            <a:xfrm rot="5400000" flipH="1" flipV="1">
+              <a:off x="7499538" y="3078130"/>
+              <a:ext cx="256910" cy="267544"/>
+            </a:xfrm>
+            <a:prstGeom prst="straightConnector1">
+              <a:avLst/>
+            </a:prstGeom>
+            <a:ln w="25400">
+              <a:solidFill>
+                <a:schemeClr val="tx1"/>
+              </a:solidFill>
+              <a:headEnd type="triangle" w="lg" len="lg"/>
+              <a:tailEnd type="none" w="lg" len="lg"/>
+            </a:ln>
+          </p:spPr>
+          <p:style>
+            <a:lnRef idx="1">
+              <a:schemeClr val="accent1"/>
+            </a:lnRef>
+            <a:fillRef idx="0">
+              <a:schemeClr val="accent1"/>
+            </a:fillRef>
+            <a:effectRef idx="0">
+              <a:schemeClr val="accent1"/>
+            </a:effectRef>
+            <a:fontRef idx="minor">
+              <a:schemeClr val="tx1"/>
+            </a:fontRef>
+          </p:style>
+        </p:cxnSp>
+        <p:cxnSp>
+          <p:nvCxnSpPr>
+            <p:cNvPr id="35" name="Straight Arrow Connector 34"/>
+            <p:cNvCxnSpPr>
+              <a:stCxn id="12" idx="3"/>
+            </p:cNvCxnSpPr>
+            <p:nvPr/>
+          </p:nvCxnSpPr>
+          <p:spPr>
+            <a:xfrm rot="5400000">
+              <a:off x="7142100" y="3425773"/>
+              <a:ext cx="234810" cy="250110"/>
+            </a:xfrm>
+            <a:prstGeom prst="straightConnector1">
+              <a:avLst/>
+            </a:prstGeom>
+            <a:ln w="25400">
+              <a:solidFill>
+                <a:schemeClr val="tx1"/>
+              </a:solidFill>
+              <a:headEnd type="triangle" w="lg" len="lg"/>
+              <a:tailEnd type="none" w="lg" len="lg"/>
+            </a:ln>
+          </p:spPr>
+          <p:style>
+            <a:lnRef idx="1">
+              <a:schemeClr val="accent1"/>
+            </a:lnRef>
+            <a:fillRef idx="0">
+              <a:schemeClr val="accent1"/>
+            </a:fillRef>
+            <a:effectRef idx="0">
+              <a:schemeClr val="accent1"/>
+            </a:effectRef>
+            <a:fontRef idx="minor">
+              <a:schemeClr val="tx1"/>
+            </a:fontRef>
+          </p:style>
+        </p:cxnSp>
+      </p:grpSp>
+      <p:cxnSp>
+        <p:nvCxnSpPr>
+          <p:cNvPr id="38" name="Elbow Connector 37"/>
+          <p:cNvCxnSpPr>
+            <a:stCxn id="11" idx="3"/>
+          </p:cNvCxnSpPr>
+          <p:nvPr/>
+        </p:nvCxnSpPr>
+        <p:spPr>
+          <a:xfrm>
+            <a:off x="5699051" y="2744680"/>
+            <a:ext cx="1467293" cy="434455"/>
+          </a:xfrm>
+          <a:prstGeom prst="bentConnector3">
+            <a:avLst>
+              <a:gd name="adj1" fmla="val 50000"/>
+            </a:avLst>
+          </a:prstGeom>
+          <a:ln w="25400">
+            <a:solidFill>
+              <a:schemeClr val="tx1"/>
+            </a:solidFill>
+            <a:tailEnd type="arrow"/>
+          </a:ln>
+        </p:spPr>
+        <p:style>
+          <a:lnRef idx="1">
+            <a:schemeClr val="accent1"/>
+          </a:lnRef>
+          <a:fillRef idx="0">
+            <a:schemeClr val="accent1"/>
+          </a:fillRef>
+          <a:effectRef idx="0">
+            <a:schemeClr val="accent1"/>
+          </a:effectRef>
+          <a:fontRef idx="minor">
+            <a:schemeClr val="tx1"/>
+          </a:fontRef>
+        </p:style>
+      </p:cxnSp>
+      <p:sp>
+        <p:nvSpPr>
+          <p:cNvPr id="48" name="TextBox 47"/>
+          <p:cNvSpPr txBox="1"/>
+          <p:nvPr/>
+        </p:nvSpPr>
+        <p:spPr>
+          <a:xfrm>
+            <a:off x="269355" y="2892040"/>
+            <a:ext cx="1545266" cy="307777"/>
+          </a:xfrm>
+          <a:prstGeom prst="rect">
+            <a:avLst/>
+          </a:prstGeom>
+          <a:noFill/>
+          <a:ln>
+            <a:noFill/>
+          </a:ln>
+        </p:spPr>
+        <p:txBody>
+          <a:bodyPr wrap="square" rtlCol="0">
+            <a:spAutoFit/>
+          </a:bodyPr>
+          <a:lstStyle/>
+          <a:p>
+            <a:r>
+              <a:rPr lang="en-US" sz="1400" b="1" dirty="0" smtClean="0"/>
+              <a:t>Material</a:t>
+            </a:r>
+            <a:endParaRPr lang="en-US" sz="1400" b="1" dirty="0" smtClean="0"/>
+          </a:p>
+        </p:txBody>
+      </p:sp>
+      <p:sp>
+        <p:nvSpPr>
+          <p:cNvPr id="49" name="TextBox 48"/>
+          <p:cNvSpPr txBox="1"/>
+          <p:nvPr/>
+        </p:nvSpPr>
+        <p:spPr>
+          <a:xfrm>
+            <a:off x="1669323" y="2892043"/>
+            <a:ext cx="1775625" cy="307777"/>
+          </a:xfrm>
+          <a:prstGeom prst="rect">
+            <a:avLst/>
+          </a:prstGeom>
+          <a:noFill/>
+          <a:ln>
+            <a:noFill/>
+          </a:ln>
+        </p:spPr>
+        <p:txBody>
+          <a:bodyPr wrap="square" rtlCol="0">
+            <a:spAutoFit/>
+          </a:bodyPr>
+          <a:lstStyle/>
+          <a:p>
+            <a:r>
+              <a:rPr lang="en-US" sz="1400" dirty="0" smtClean="0"/>
+              <a:t>See _MAT.mac</a:t>
+            </a:r>
+            <a:endParaRPr lang="en-US" sz="1400" dirty="0" smtClean="0"/>
+          </a:p>
+        </p:txBody>
+      </p:sp>
+      <p:sp>
+        <p:nvSpPr>
+          <p:cNvPr id="50" name="TextBox 49"/>
+          <p:cNvSpPr txBox="1"/>
+          <p:nvPr/>
+        </p:nvSpPr>
+        <p:spPr>
+          <a:xfrm>
+            <a:off x="180753" y="3551270"/>
+            <a:ext cx="8782494" cy="307777"/>
+          </a:xfrm>
+          <a:prstGeom prst="rect">
+            <a:avLst/>
+          </a:prstGeom>
+          <a:solidFill>
+            <a:schemeClr val="tx1"/>
+          </a:solidFill>
+          <a:ln>
+            <a:noFill/>
+          </a:ln>
+        </p:spPr>
+        <p:txBody>
+          <a:bodyPr wrap="square" rtlCol="0">
+            <a:spAutoFit/>
+          </a:bodyPr>
+          <a:lstStyle/>
+          <a:p>
+            <a:r>
+              <a:rPr lang="en-US" sz="1400" b="1" dirty="0" smtClean="0">
+                <a:solidFill>
+                  <a:schemeClr val="accent6">
+                    <a:lumMod val="75000"/>
+                  </a:schemeClr>
+                </a:solidFill>
+              </a:rPr>
+              <a:t>CirBeam44</a:t>
+            </a:r>
+            <a:r>
+              <a:rPr lang="en-US" sz="1400" b="1" dirty="0" smtClean="0">
+                <a:solidFill>
+                  <a:schemeClr val="bg1"/>
+                </a:solidFill>
+              </a:rPr>
+              <a:t>, 10, 1.25, 0.25, 802   </a:t>
+            </a:r>
+            <a:r>
+              <a:rPr lang="en-US" sz="1400" b="1" dirty="0" smtClean="0">
+                <a:solidFill>
+                  <a:srgbClr val="00B050"/>
+                </a:solidFill>
+              </a:rPr>
+              <a:t>!Circular Aluminum Beam, Diameter = 1.25”, Wall thickness = 0.25”</a:t>
+            </a:r>
+            <a:endParaRPr lang="en-US" sz="1400" b="1" dirty="0" smtClean="0">
+              <a:solidFill>
+                <a:srgbClr val="00B050"/>
+              </a:solidFill>
+            </a:endParaRPr>
+          </a:p>
+        </p:txBody>
+      </p:sp>
+      <p:sp>
+        <p:nvSpPr>
+          <p:cNvPr id="51" name="TextBox 50"/>
+          <p:cNvSpPr txBox="1"/>
+          <p:nvPr/>
+        </p:nvSpPr>
+        <p:spPr>
+          <a:xfrm>
+            <a:off x="202019" y="3211029"/>
+            <a:ext cx="922047" cy="307777"/>
+          </a:xfrm>
+          <a:prstGeom prst="rect">
+            <a:avLst/>
+          </a:prstGeom>
+          <a:noFill/>
+          <a:ln>
+            <a:noFill/>
+          </a:ln>
+        </p:spPr>
+        <p:txBody>
+          <a:bodyPr wrap="none" rtlCol="0">
+            <a:spAutoFit/>
+          </a:bodyPr>
+          <a:lstStyle/>
+          <a:p>
+            <a:r>
+              <a:rPr lang="en-US" sz="1400" b="1" dirty="0" smtClean="0"/>
+              <a:t>Example</a:t>
+            </a:r>
+            <a:endParaRPr lang="en-US" sz="1400" b="1" dirty="0" smtClean="0"/>
+          </a:p>
+        </p:txBody>
+      </p:sp>
+      <p:sp>
+        <p:nvSpPr>
+          <p:cNvPr id="60" name="TextBox 59"/>
+          <p:cNvSpPr txBox="1"/>
+          <p:nvPr/>
+        </p:nvSpPr>
+        <p:spPr>
+          <a:xfrm>
+            <a:off x="2519917" y="4136066"/>
+            <a:ext cx="3838354" cy="307777"/>
+          </a:xfrm>
+          <a:prstGeom prst="rect">
+            <a:avLst/>
+          </a:prstGeom>
+          <a:ln/>
+        </p:spPr>
+        <p:style>
+          <a:lnRef idx="1">
+            <a:schemeClr val="accent1"/>
+          </a:lnRef>
+          <a:fillRef idx="2">
+            <a:schemeClr val="accent1"/>
+          </a:fillRef>
+          <a:effectRef idx="1">
+            <a:schemeClr val="accent1"/>
+          </a:effectRef>
+          <a:fontRef idx="minor">
+            <a:schemeClr val="dk1"/>
+          </a:fontRef>
+        </p:style>
+        <p:txBody>
+          <a:bodyPr wrap="square" rtlCol="0">
+            <a:spAutoFit/>
+          </a:bodyPr>
+          <a:lstStyle/>
+          <a:p>
+            <a:pPr algn="ctr"/>
+            <a:r>
+              <a:rPr lang="en-US" sz="1400" b="1" dirty="0" smtClean="0"/>
+              <a:t>See Also:</a:t>
+            </a:r>
+            <a:r>
+              <a:rPr lang="en-US" sz="1400" dirty="0" smtClean="0"/>
+              <a:t> SqBeam44.mac &amp; _Beam44.mac</a:t>
+            </a:r>
+            <a:endParaRPr lang="en-US" sz="1400" dirty="0" smtClean="0"/>
+          </a:p>
+        </p:txBody>
+      </p:sp>
+    </p:spTree>
+  </p:cSld>
+  <p:clrMapOvr>
+    <a:masterClrMapping/>
+  </p:clrMapOvr>
+  <p:timing>
+    <p:tnLst>
+      <p:par>
+        <p:cTn id="1" dur="indefinite" restart="never" nodeType="tmRoot"/>
+      </p:par>
+    </p:tnLst>
+  </p:timing>
+</p:sld>
+</file>
+
+<file path=ppt/slides/slide53.xml><?xml version="1.0" encoding="utf-8"?>
+<p:sld xmlns:a="http://schemas.openxmlformats.org/drawingml/2006/main" xmlns:r="http://schemas.openxmlformats.org/officeDocument/2006/relationships" xmlns:p="http://schemas.openxmlformats.org/presentationml/2006/main">
+  <p:cSld>
+    <p:spTree>
+      <p:nvGrpSpPr>
+        <p:cNvPr id="1" name=""/>
+        <p:cNvGrpSpPr/>
+        <p:nvPr/>
+      </p:nvGrpSpPr>
+      <p:grpSpPr>
+        <a:xfrm>
+          <a:off x="0" y="0"/>
+          <a:ext cx="0" cy="0"/>
+          <a:chOff x="0" y="0"/>
+          <a:chExt cx="0" cy="0"/>
+        </a:xfrm>
+      </p:grpSpPr>
+      <p:sp>
+        <p:nvSpPr>
+          <p:cNvPr id="5" name="Title 4"/>
+          <p:cNvSpPr>
+            <a:spLocks noGrp="1"/>
+          </p:cNvSpPr>
+          <p:nvPr>
+            <p:ph type="title"/>
+          </p:nvPr>
+        </p:nvSpPr>
+        <p:spPr/>
+        <p:txBody>
+          <a:bodyPr/>
+          <a:lstStyle/>
+          <a:p>
+            <a:r>
+              <a:rPr lang="en-US" dirty="0" smtClean="0"/>
+              <a:t>AWESOME, where can I find out more?</a:t>
+            </a:r>
+            <a:endParaRPr lang="en-US" dirty="0"/>
+          </a:p>
+        </p:txBody>
+      </p:sp>
+      <p:sp>
+        <p:nvSpPr>
+          <p:cNvPr id="6" name="TextBox 5"/>
+          <p:cNvSpPr txBox="1"/>
+          <p:nvPr/>
+        </p:nvSpPr>
+        <p:spPr>
+          <a:xfrm>
+            <a:off x="181155" y="983411"/>
+            <a:ext cx="8005313" cy="738664"/>
+          </a:xfrm>
+          <a:prstGeom prst="rect">
+            <a:avLst/>
+          </a:prstGeom>
+          <a:noFill/>
+        </p:spPr>
+        <p:txBody>
+          <a:bodyPr wrap="square" rtlCol="0">
+            <a:spAutoFit/>
+          </a:bodyPr>
+          <a:lstStyle/>
+          <a:p>
+            <a:r>
+              <a:rPr lang="en-US" sz="2400" dirty="0" smtClean="0"/>
+              <a:t>Header of the macros! </a:t>
+            </a:r>
+            <a:r>
+              <a:rPr lang="en-US" dirty="0" smtClean="0"/>
+              <a:t>They are there too help, if something is confusing, let me know, I’m also a decent writer and I can try to clarify.</a:t>
+            </a:r>
+            <a:endParaRPr lang="en-US" dirty="0"/>
+          </a:p>
+        </p:txBody>
+      </p:sp>
+      <p:pic>
+        <p:nvPicPr>
+          <p:cNvPr id="7170" name="Picture 2"/>
+          <p:cNvPicPr>
+            <a:picLocks noChangeAspect="1" noChangeArrowheads="1"/>
+          </p:cNvPicPr>
+          <p:nvPr/>
+        </p:nvPicPr>
+        <p:blipFill>
+          <a:blip r:embed="rId2" cstate="print"/>
+          <a:srcRect/>
+          <a:stretch>
+            <a:fillRect/>
+          </a:stretch>
+        </p:blipFill>
+        <p:spPr bwMode="auto">
+          <a:xfrm>
+            <a:off x="231652" y="1945706"/>
+            <a:ext cx="3969411" cy="2336673"/>
+          </a:xfrm>
+          <a:prstGeom prst="rect">
+            <a:avLst/>
+          </a:prstGeom>
+          <a:noFill/>
+          <a:ln w="9525">
+            <a:noFill/>
+            <a:miter lim="800000"/>
+            <a:headEnd/>
+            <a:tailEnd/>
+          </a:ln>
+        </p:spPr>
+      </p:pic>
+      <p:sp>
+        <p:nvSpPr>
+          <p:cNvPr id="8" name="TextBox 7"/>
+          <p:cNvSpPr txBox="1"/>
+          <p:nvPr/>
+        </p:nvSpPr>
+        <p:spPr>
+          <a:xfrm>
+            <a:off x="250168" y="4666891"/>
+            <a:ext cx="3985402" cy="1292662"/>
+          </a:xfrm>
+          <a:prstGeom prst="rect">
+            <a:avLst/>
+          </a:prstGeom>
+          <a:noFill/>
+        </p:spPr>
+        <p:txBody>
+          <a:bodyPr wrap="square" rtlCol="0">
+            <a:spAutoFit/>
+          </a:bodyPr>
+          <a:lstStyle/>
+          <a:p>
+            <a:r>
+              <a:rPr lang="en-US" sz="2400" dirty="0" smtClean="0"/>
+              <a:t>__</a:t>
+            </a:r>
+            <a:r>
+              <a:rPr lang="en-US" sz="2400" dirty="0" err="1" smtClean="0"/>
+              <a:t>BensMacros.xls</a:t>
+            </a:r>
+            <a:r>
+              <a:rPr lang="en-US" sz="2400" dirty="0" smtClean="0"/>
+              <a:t> </a:t>
+            </a:r>
+            <a:r>
+              <a:rPr lang="en-US" dirty="0" smtClean="0"/>
+              <a:t>is a kind of up to date listing of all the macros with a brief description. Let me know if something is missing, I’ll fix it.</a:t>
+            </a:r>
+            <a:endParaRPr lang="en-US" dirty="0"/>
+          </a:p>
+        </p:txBody>
+      </p:sp>
+      <p:pic>
+        <p:nvPicPr>
+          <p:cNvPr id="7171" name="Picture 3"/>
+          <p:cNvPicPr>
+            <a:picLocks noChangeAspect="1" noChangeArrowheads="1"/>
+          </p:cNvPicPr>
+          <p:nvPr/>
+        </p:nvPicPr>
+        <p:blipFill>
+          <a:blip r:embed="rId3" cstate="print"/>
+          <a:srcRect/>
+          <a:stretch>
+            <a:fillRect/>
+          </a:stretch>
+        </p:blipFill>
+        <p:spPr bwMode="auto">
+          <a:xfrm>
+            <a:off x="4507818" y="2242867"/>
+            <a:ext cx="4434720" cy="3571965"/>
+          </a:xfrm>
+          <a:prstGeom prst="rect">
+            <a:avLst/>
+          </a:prstGeom>
+          <a:noFill/>
+          <a:ln w="9525">
+            <a:noFill/>
+            <a:miter lim="800000"/>
+            <a:headEnd/>
+            <a:tailEnd/>
+          </a:ln>
+        </p:spPr>
+      </p:pic>
+      <p:cxnSp>
+        <p:nvCxnSpPr>
+          <p:cNvPr id="15" name="Elbow Connector 14"/>
+          <p:cNvCxnSpPr>
+            <a:stCxn id="6" idx="2"/>
+            <a:endCxn id="7170" idx="0"/>
+          </p:cNvCxnSpPr>
+          <p:nvPr/>
+        </p:nvCxnSpPr>
+        <p:spPr>
+          <a:xfrm rot="5400000">
+            <a:off x="3088270" y="850163"/>
+            <a:ext cx="223631" cy="1967454"/>
+          </a:xfrm>
+          <a:prstGeom prst="bentConnector3">
+            <a:avLst>
+              <a:gd name="adj1" fmla="val 50000"/>
+            </a:avLst>
+          </a:prstGeom>
+          <a:ln w="25400">
+            <a:solidFill>
+              <a:schemeClr val="tx1"/>
+            </a:solidFill>
+            <a:tailEnd type="triangle"/>
+          </a:ln>
+        </p:spPr>
+        <p:style>
+          <a:lnRef idx="1">
+            <a:schemeClr val="accent1"/>
+          </a:lnRef>
+          <a:fillRef idx="0">
+            <a:schemeClr val="accent1"/>
+          </a:fillRef>
+          <a:effectRef idx="0">
+            <a:schemeClr val="accent1"/>
+          </a:effectRef>
+          <a:fontRef idx="minor">
+            <a:schemeClr val="tx1"/>
+          </a:fontRef>
+        </p:style>
+      </p:cxnSp>
+      <p:cxnSp>
+        <p:nvCxnSpPr>
+          <p:cNvPr id="17" name="Elbow Connector 16"/>
+          <p:cNvCxnSpPr>
+            <a:stCxn id="8" idx="3"/>
+            <a:endCxn id="7171" idx="1"/>
+          </p:cNvCxnSpPr>
+          <p:nvPr/>
+        </p:nvCxnSpPr>
+        <p:spPr>
+          <a:xfrm flipV="1">
+            <a:off x="4235570" y="4028850"/>
+            <a:ext cx="272248" cy="1284372"/>
+          </a:xfrm>
+          <a:prstGeom prst="bentConnector3">
+            <a:avLst>
+              <a:gd name="adj1" fmla="val 50000"/>
+            </a:avLst>
+          </a:prstGeom>
+          <a:ln w="25400">
+            <a:solidFill>
+              <a:schemeClr val="tx1"/>
+            </a:solidFill>
+            <a:tailEnd type="triangle"/>
+          </a:ln>
+        </p:spPr>
+        <p:style>
+          <a:lnRef idx="1">
+            <a:schemeClr val="accent1"/>
+          </a:lnRef>
+          <a:fillRef idx="0">
+            <a:schemeClr val="accent1"/>
+          </a:fillRef>
+          <a:effectRef idx="0">
+            <a:schemeClr val="accent1"/>
+          </a:effectRef>
+          <a:fontRef idx="minor">
+            <a:schemeClr val="tx1"/>
+          </a:fontRef>
+        </p:style>
+      </p:cxnSp>
     </p:spTree>
   </p:cSld>
   <p:clrMapOvr>

--- a/Macro-Mania.pptx
+++ b/Macro-Mania.pptx
@@ -8710,11 +8710,7 @@
           <a:p>
             <a:r>
               <a:rPr lang="en-US" sz="1100" dirty="0" smtClean="0"/>
-              <a:t>I have one of the extra buttons on my mouse set to “return” that way in order to quickly refresh the screen, all I have to do is type “g” and press a button, </a:t>
-            </a:r>
-            <a:r>
-              <a:rPr lang="en-US" sz="1100" dirty="0" smtClean="0"/>
-              <a:t>Hooray Laziness!</a:t>
+              <a:t>I have one of the extra buttons on my mouse set to “return” that way in order to quickly refresh the screen, all I have to do is type “g” and press a button, Hooray Laziness!</a:t>
             </a:r>
             <a:endParaRPr lang="en-US" sz="1100" dirty="0"/>
           </a:p>
@@ -9806,7 +9802,6 @@
               <a:rPr lang="en-US" sz="1600" i="1" dirty="0" smtClean="0"/>
               <a:t>Creates Circular Beam 44 Element</a:t>
             </a:r>
-            <a:endParaRPr lang="en-US" sz="1600" i="1" dirty="0" smtClean="0"/>
           </a:p>
         </p:txBody>
       </p:sp>
@@ -9872,7 +9867,6 @@
               <a:rPr lang="en-US" sz="1400" dirty="0" smtClean="0"/>
               <a:t>Resulting Type, Real (and Material Number if Material is specified)</a:t>
             </a:r>
-            <a:endParaRPr lang="en-US" sz="1400" dirty="0" smtClean="0"/>
           </a:p>
         </p:txBody>
       </p:sp>
@@ -9905,7 +9899,6 @@
               <a:rPr lang="en-US" sz="1400" b="1" dirty="0" smtClean="0"/>
               <a:t>Area</a:t>
             </a:r>
-            <a:endParaRPr lang="en-US" sz="1400" b="1" dirty="0" smtClean="0"/>
           </a:p>
         </p:txBody>
       </p:sp>
@@ -9938,7 +9931,6 @@
               <a:rPr lang="en-US" sz="1400" dirty="0" smtClean="0"/>
               <a:t>X-Sectional Area</a:t>
             </a:r>
-            <a:endParaRPr lang="en-US" sz="1400" dirty="0" smtClean="0"/>
           </a:p>
         </p:txBody>
       </p:sp>
@@ -10008,7 +10000,6 @@
               <a:rPr lang="en-US" sz="1400" dirty="0" smtClean="0"/>
               <a:t> Moment of Inertia </a:t>
             </a:r>
-            <a:endParaRPr lang="en-US" sz="1400" dirty="0" smtClean="0"/>
           </a:p>
         </p:txBody>
       </p:sp>
@@ -10041,7 +10032,6 @@
               <a:rPr lang="en-US" sz="1400" b="1" dirty="0" smtClean="0"/>
               <a:t>Material</a:t>
             </a:r>
-            <a:endParaRPr lang="en-US" sz="1400" b="1" dirty="0" smtClean="0"/>
           </a:p>
         </p:txBody>
       </p:sp>
@@ -10074,7 +10064,6 @@
               <a:rPr lang="en-US" sz="1400" dirty="0" smtClean="0"/>
               <a:t>See _MAT.mac</a:t>
             </a:r>
-            <a:endParaRPr lang="en-US" sz="1400" dirty="0" smtClean="0"/>
           </a:p>
         </p:txBody>
       </p:sp>
@@ -10179,11 +10168,6 @@
               </a:rPr>
               <a:t> = 8.1 </a:t>
             </a:r>
-            <a:endParaRPr lang="en-US" sz="1400" b="1" dirty="0" smtClean="0">
-              <a:solidFill>
-                <a:srgbClr val="00B050"/>
-              </a:solidFill>
-            </a:endParaRPr>
           </a:p>
         </p:txBody>
       </p:sp>
@@ -10216,7 +10200,6 @@
               <a:rPr lang="en-US" sz="1400" b="1" dirty="0" smtClean="0"/>
               <a:t>Example</a:t>
             </a:r>
-            <a:endParaRPr lang="en-US" sz="1400" b="1" dirty="0" smtClean="0"/>
           </a:p>
         </p:txBody>
       </p:sp>
@@ -10265,7 +10248,6 @@
               <a:rPr lang="en-US" sz="1400" dirty="0" smtClean="0"/>
               <a:t> SqBeam44.mac &amp; CirBeam44.mac</a:t>
             </a:r>
-            <a:endParaRPr lang="en-US" sz="1400" dirty="0" smtClean="0"/>
           </a:p>
         </p:txBody>
       </p:sp>
@@ -10331,7 +10313,6 @@
               <a:rPr lang="en-US" sz="1400" dirty="0" smtClean="0"/>
               <a:t>Bending Moment of Inertia about Y - axis </a:t>
             </a:r>
-            <a:endParaRPr lang="en-US" sz="1400" dirty="0" smtClean="0"/>
           </a:p>
         </p:txBody>
       </p:sp>
@@ -10397,7 +10378,6 @@
               <a:rPr lang="en-US" sz="1400" dirty="0" smtClean="0"/>
               <a:t>Bending Moment of Inertia about Z - axis </a:t>
             </a:r>
-            <a:endParaRPr lang="en-US" sz="1400" dirty="0" smtClean="0"/>
           </a:p>
         </p:txBody>
       </p:sp>
@@ -41485,7 +41465,6 @@
               <a:rPr lang="en-US" sz="1400" dirty="0" smtClean="0"/>
               <a:t>Sets background to white and optionally shrinks viewing window. </a:t>
             </a:r>
-            <a:endParaRPr lang="en-US" sz="1400" dirty="0" smtClean="0"/>
           </a:p>
         </p:txBody>
       </p:sp>
@@ -41566,11 +41545,6 @@
               </a:rPr>
               <a:t>, 1</a:t>
             </a:r>
-            <a:endParaRPr lang="en-US" sz="1400" b="1" dirty="0" smtClean="0">
-              <a:solidFill>
-                <a:schemeClr val="bg1"/>
-              </a:solidFill>
-            </a:endParaRPr>
           </a:p>
         </p:txBody>
       </p:sp>
@@ -41936,7 +41910,6 @@
               <a:rPr lang="en-US" sz="1400" dirty="0" smtClean="0"/>
               <a:t>Resets Window back to black background and full size</a:t>
             </a:r>
-            <a:endParaRPr lang="en-US" sz="1400" dirty="0" smtClean="0"/>
           </a:p>
         </p:txBody>
       </p:sp>
@@ -42183,11 +42156,7 @@
             <a:pPr algn="r"/>
             <a:r>
               <a:rPr lang="en-US" dirty="0" smtClean="0"/>
-              <a:t>“Think: </a:t>
-            </a:r>
-            <a:r>
-              <a:rPr lang="en-US" dirty="0" smtClean="0"/>
-              <a:t>Sandwich Structure</a:t>
+              <a:t>“Think: Sandwich Structure</a:t>
             </a:r>
             <a:r>
               <a:rPr lang="en-US" dirty="0" smtClean="0">
@@ -42201,11 +42170,7 @@
             </a:r>
             <a:r>
               <a:rPr lang="en-US" dirty="0" smtClean="0"/>
-              <a:t>ling</a:t>
-            </a:r>
-            <a:r>
-              <a:rPr lang="en-US" dirty="0" smtClean="0"/>
-              <a:t>”</a:t>
+              <a:t>ling”</a:t>
             </a:r>
             <a:endParaRPr lang="en-US" dirty="0"/>
           </a:p>
@@ -42274,7 +42239,6 @@
               <a:rPr lang="en-US" sz="1400" dirty="0" smtClean="0"/>
               <a:t>Calculates Composite Sandwich Structure Buckling </a:t>
             </a:r>
-            <a:endParaRPr lang="en-US" sz="1400" dirty="0" smtClean="0"/>
           </a:p>
         </p:txBody>
       </p:sp>
@@ -42326,21 +42290,12 @@
             </a:r>
             <a:r>
               <a:rPr lang="en-US" sz="1400" dirty="0" err="1" smtClean="0"/>
-              <a:t>faceshee</a:t>
-            </a:r>
-            <a:r>
-              <a:rPr lang="en-US" sz="1400" dirty="0" err="1" smtClean="0"/>
-              <a:t>t</a:t>
+              <a:t>facesheet</a:t>
             </a:r>
             <a:r>
               <a:rPr lang="en-US" sz="1400" dirty="0" smtClean="0"/>
-              <a:t> </a:t>
-            </a:r>
-            <a:r>
-              <a:rPr lang="en-US" sz="1400" dirty="0" smtClean="0"/>
-              <a:t>stiffness for every element…</a:t>
-            </a:r>
-            <a:endParaRPr lang="en-US" sz="1400" dirty="0" smtClean="0"/>
+              <a:t> stiffness for every element…</a:t>
+            </a:r>
           </a:p>
         </p:txBody>
       </p:sp>
@@ -42373,7 +42328,6 @@
               <a:rPr lang="en-US" sz="1400" b="1" dirty="0" smtClean="0"/>
               <a:t>Cell Size</a:t>
             </a:r>
-            <a:endParaRPr lang="en-US" sz="1400" b="1" dirty="0" smtClean="0"/>
           </a:p>
         </p:txBody>
       </p:sp>
@@ -42429,7 +42383,6 @@
               <a:rPr lang="en-US" sz="1400" b="1" dirty="0" smtClean="0"/>
               <a:t>Doesn’t Work For Shell91!!!</a:t>
             </a:r>
-            <a:endParaRPr lang="en-US" sz="1400" b="1" dirty="0" smtClean="0"/>
           </a:p>
         </p:txBody>
       </p:sp>
@@ -42462,7 +42415,6 @@
               <a:rPr lang="en-US" sz="1400" dirty="0" smtClean="0"/>
               <a:t>Cell Size of Honeycomb core</a:t>
             </a:r>
-            <a:endParaRPr lang="en-US" sz="1400" dirty="0" smtClean="0"/>
           </a:p>
         </p:txBody>
       </p:sp>
@@ -42628,7 +42580,6 @@
               <a:rPr lang="en-US" sz="1400" b="1" dirty="0" smtClean="0"/>
               <a:t>Display Results</a:t>
             </a:r>
-            <a:endParaRPr lang="en-US" sz="1400" b="1" dirty="0" smtClean="0"/>
           </a:p>
         </p:txBody>
       </p:sp>
@@ -42889,7 +42840,6 @@
               <a:rPr lang="en-US" sz="1400" b="1" dirty="0" smtClean="0"/>
               <a:t>Calculations</a:t>
             </a:r>
-            <a:endParaRPr lang="en-US" sz="1400" b="1" dirty="0" smtClean="0"/>
           </a:p>
         </p:txBody>
       </p:sp>
@@ -43580,7 +43530,6 @@
               <a:rPr lang="en-US" sz="1600" i="1" dirty="0" smtClean="0"/>
               <a:t>Creates Circular Beam 44 Element</a:t>
             </a:r>
-            <a:endParaRPr lang="en-US" sz="1600" i="1" dirty="0" smtClean="0"/>
           </a:p>
         </p:txBody>
       </p:sp>
@@ -43646,7 +43595,6 @@
               <a:rPr lang="en-US" sz="1400" dirty="0" smtClean="0"/>
               <a:t>Resulting Type, Real (and Material Number if Material is specified)</a:t>
             </a:r>
-            <a:endParaRPr lang="en-US" sz="1400" dirty="0" smtClean="0"/>
           </a:p>
         </p:txBody>
       </p:sp>
@@ -43679,7 +43627,6 @@
               <a:rPr lang="en-US" sz="1400" b="1" dirty="0" smtClean="0"/>
               <a:t>Outer Diameter</a:t>
             </a:r>
-            <a:endParaRPr lang="en-US" sz="1400" b="1" dirty="0" smtClean="0"/>
           </a:p>
         </p:txBody>
       </p:sp>
@@ -43712,7 +43659,6 @@
               <a:rPr lang="en-US" sz="1400" dirty="0" smtClean="0"/>
               <a:t>Circular Beam outer diameter</a:t>
             </a:r>
-            <a:endParaRPr lang="en-US" sz="1400" dirty="0" smtClean="0"/>
           </a:p>
         </p:txBody>
       </p:sp>
@@ -43745,7 +43691,6 @@
               <a:rPr lang="en-US" sz="1400" b="1" dirty="0" smtClean="0"/>
               <a:t>Thickness</a:t>
             </a:r>
-            <a:endParaRPr lang="en-US" sz="1400" b="1" dirty="0" smtClean="0"/>
           </a:p>
         </p:txBody>
       </p:sp>
@@ -43778,7 +43723,6 @@
               <a:rPr lang="en-US" sz="1400" dirty="0" smtClean="0"/>
               <a:t>Tube wall thickness (default = ½ Outer Diameter)</a:t>
             </a:r>
-            <a:endParaRPr lang="en-US" sz="1400" dirty="0" smtClean="0"/>
           </a:p>
         </p:txBody>
       </p:sp>
@@ -44116,7 +44060,6 @@
               <a:rPr lang="en-US" sz="1400" b="1" dirty="0" smtClean="0"/>
               <a:t>Material</a:t>
             </a:r>
-            <a:endParaRPr lang="en-US" sz="1400" b="1" dirty="0" smtClean="0"/>
           </a:p>
         </p:txBody>
       </p:sp>
@@ -44149,7 +44092,6 @@
               <a:rPr lang="en-US" sz="1400" dirty="0" smtClean="0"/>
               <a:t>See _MAT.mac</a:t>
             </a:r>
-            <a:endParaRPr lang="en-US" sz="1400" dirty="0" smtClean="0"/>
           </a:p>
         </p:txBody>
       </p:sp>
@@ -44206,11 +44148,6 @@
               </a:rPr>
               <a:t>!Circular Aluminum Beam, Diameter = 1.25”, Wall thickness = 0.25”</a:t>
             </a:r>
-            <a:endParaRPr lang="en-US" sz="1400" b="1" dirty="0" smtClean="0">
-              <a:solidFill>
-                <a:srgbClr val="00B050"/>
-              </a:solidFill>
-            </a:endParaRPr>
           </a:p>
         </p:txBody>
       </p:sp>
@@ -44243,7 +44180,6 @@
               <a:rPr lang="en-US" sz="1400" b="1" dirty="0" smtClean="0"/>
               <a:t>Example</a:t>
             </a:r>
-            <a:endParaRPr lang="en-US" sz="1400" b="1" dirty="0" smtClean="0"/>
           </a:p>
         </p:txBody>
       </p:sp>
@@ -44292,7 +44228,6 @@
               <a:rPr lang="en-US" sz="1400" dirty="0" smtClean="0"/>
               <a:t> SqBeam44.mac &amp; _Beam44.mac</a:t>
             </a:r>
-            <a:endParaRPr lang="en-US" sz="1400" dirty="0" smtClean="0"/>
           </a:p>
         </p:txBody>
       </p:sp>

--- a/Macro-Mania.pptx
+++ b/Macro-Mania.pptx
@@ -10110,7 +10110,15 @@
                   <a:schemeClr val="bg1"/>
                 </a:solidFill>
               </a:rPr>
-              <a:t>, 10, 1.1, 4.25, 8.1, 8.1, 802   </a:t>
+              <a:t>, 10, 1.1, 4.25, 8.1, 8.1, </a:t>
+            </a:r>
+            <a:r>
+              <a:rPr lang="en-US" sz="1400" b="1" dirty="0" smtClean="0">
+                <a:solidFill>
+                  <a:schemeClr val="bg1"/>
+                </a:solidFill>
+              </a:rPr>
+              <a:t>44 </a:t>
             </a:r>
             <a:r>
               <a:rPr lang="en-US" sz="1400" b="1" dirty="0" smtClean="0">
@@ -10118,7 +10126,15 @@
                   <a:srgbClr val="00B050"/>
                 </a:solidFill>
               </a:rPr>
-              <a:t>!General Aluminum Beam, A = 1.1, </a:t>
+              <a:t>!Material 44 Beam</a:t>
+            </a:r>
+            <a:r>
+              <a:rPr lang="en-US" sz="1400" b="1" dirty="0" smtClean="0">
+                <a:solidFill>
+                  <a:srgbClr val="00B050"/>
+                </a:solidFill>
+              </a:rPr>
+              <a:t>, A = 1.1, </a:t>
             </a:r>
             <a:r>
               <a:rPr lang="en-US" sz="1400" b="1" dirty="0" err="1" smtClean="0">
